--- a/Tesis/Primer Corte.pptx
+++ b/Tesis/Primer Corte.pptx
@@ -5,22 +5,31 @@
     <p:sldMasterId id="2147483814" r:id="rId1"/>
   </p:sldMasterIdLst>
   <p:notesMasterIdLst>
-    <p:notesMasterId r:id="rId15"/>
+    <p:notesMasterId r:id="rId24"/>
   </p:notesMasterIdLst>
   <p:sldIdLst>
     <p:sldId id="256" r:id="rId2"/>
     <p:sldId id="257" r:id="rId3"/>
-    <p:sldId id="265" r:id="rId4"/>
-    <p:sldId id="278" r:id="rId5"/>
+    <p:sldId id="283" r:id="rId4"/>
+    <p:sldId id="265" r:id="rId5"/>
     <p:sldId id="282" r:id="rId6"/>
     <p:sldId id="258" r:id="rId7"/>
     <p:sldId id="260" r:id="rId8"/>
     <p:sldId id="280" r:id="rId9"/>
-    <p:sldId id="279" r:id="rId10"/>
-    <p:sldId id="281" r:id="rId11"/>
-    <p:sldId id="263" r:id="rId12"/>
-    <p:sldId id="269" r:id="rId13"/>
-    <p:sldId id="272" r:id="rId14"/>
+    <p:sldId id="281" r:id="rId10"/>
+    <p:sldId id="263" r:id="rId11"/>
+    <p:sldId id="269" r:id="rId12"/>
+    <p:sldId id="284" r:id="rId13"/>
+    <p:sldId id="285" r:id="rId14"/>
+    <p:sldId id="287" r:id="rId15"/>
+    <p:sldId id="288" r:id="rId16"/>
+    <p:sldId id="286" r:id="rId17"/>
+    <p:sldId id="289" r:id="rId18"/>
+    <p:sldId id="290" r:id="rId19"/>
+    <p:sldId id="291" r:id="rId20"/>
+    <p:sldId id="292" r:id="rId21"/>
+    <p:sldId id="275" r:id="rId22"/>
+    <p:sldId id="272" r:id="rId23"/>
   </p:sldIdLst>
   <p:sldSz cx="12192000" cy="6858000"/>
   <p:notesSz cx="6858000" cy="9144000"/>
@@ -209,7 +218,7 @@
           <a:p>
             <a:fld id="{855318E3-A54E-4A1B-925B-0B6BE85402D7}" type="datetimeFigureOut">
               <a:rPr lang="es-ES" smtClean="0"/>
-              <a:t>30/09/2022</a:t>
+              <a:t>04/10/2022</a:t>
             </a:fld>
             <a:endParaRPr lang="es-ES"/>
           </a:p>
@@ -774,7 +783,27 @@
           <a:bodyPr/>
           <a:lstStyle/>
           <a:p>
-            <a:endParaRPr lang="es-ES" dirty="0"/>
+            <a:pPr marL="0" marR="0" lvl="0" indent="0" algn="just" defTabSz="914400" rtl="0" eaLnBrk="1" fontAlgn="auto" latinLnBrk="0" hangingPunct="1">
+              <a:lnSpc>
+                <a:spcPct val="100000"/>
+              </a:lnSpc>
+              <a:spcBef>
+                <a:spcPts val="0"/>
+              </a:spcBef>
+              <a:spcAft>
+                <a:spcPts val="0"/>
+              </a:spcAft>
+              <a:buClrTx/>
+              <a:buSzTx/>
+              <a:buFontTx/>
+              <a:buNone/>
+              <a:tabLst/>
+              <a:defRPr/>
+            </a:pPr>
+            <a:r>
+              <a:rPr lang="es-ES" dirty="0"/>
+              <a:t> </a:t>
+            </a:r>
           </a:p>
         </p:txBody>
       </p:sp>
@@ -795,7 +824,7 @@
           <a:p>
             <a:fld id="{3078BF56-2ECF-4460-BCB4-07206B519773}" type="slidenum">
               <a:rPr lang="es-ES" smtClean="0"/>
-              <a:t>4</a:t>
+              <a:t>3</a:t>
             </a:fld>
             <a:endParaRPr lang="es-ES"/>
           </a:p>
@@ -804,7 +833,7 @@
     </p:spTree>
     <p:extLst>
       <p:ext uri="{BB962C8B-B14F-4D97-AF65-F5344CB8AC3E}">
-        <p14:creationId xmlns:p14="http://schemas.microsoft.com/office/powerpoint/2010/main" val="3598064034"/>
+        <p14:creationId xmlns:p14="http://schemas.microsoft.com/office/powerpoint/2010/main" val="334877510"/>
       </p:ext>
     </p:extLst>
   </p:cSld>
@@ -858,6 +887,36 @@
           <a:bodyPr/>
           <a:lstStyle/>
           <a:p>
+            <a:pPr marL="0" marR="0" lvl="0" indent="0" algn="l" defTabSz="914400" rtl="0" eaLnBrk="1" fontAlgn="auto" latinLnBrk="0" hangingPunct="1">
+              <a:lnSpc>
+                <a:spcPct val="100000"/>
+              </a:lnSpc>
+              <a:spcBef>
+                <a:spcPts val="0"/>
+              </a:spcBef>
+              <a:spcAft>
+                <a:spcPts val="0"/>
+              </a:spcAft>
+              <a:buClrTx/>
+              <a:buSzTx/>
+              <a:buFontTx/>
+              <a:buNone/>
+              <a:tabLst/>
+              <a:defRPr/>
+            </a:pPr>
+            <a:r>
+              <a:rPr lang="es-MX" dirty="0">
+                <a:latin typeface="Rockwell (Cuerpo)"/>
+                <a:cs typeface="Arial" panose="020B0604020202020204" pitchFamily="34" charset="0"/>
+              </a:rPr>
+              <a:t>Los Asistentes Virtuales tienen la capacidad de brindar un servicio de atención mediante chat por diferentes vías, permiten la aclaración rápida de dudas y búsqueda de información que las personas demandan constantemente; sin embargo no están aptos muchas veces para dar respuestas o soluciones porque necesitan el conocimiento suficiente para ello.</a:t>
+            </a:r>
+            <a:endParaRPr lang="es-ES" dirty="0">
+              <a:latin typeface="Rockwell (Cuerpo)"/>
+              <a:cs typeface="Arial" panose="020B0604020202020204" pitchFamily="34" charset="0"/>
+            </a:endParaRPr>
+          </a:p>
+          <a:p>
             <a:endParaRPr lang="es-ES" dirty="0"/>
           </a:p>
         </p:txBody>
@@ -879,7 +938,7 @@
           <a:p>
             <a:fld id="{3078BF56-2ECF-4460-BCB4-07206B519773}" type="slidenum">
               <a:rPr lang="es-ES" smtClean="0"/>
-              <a:t>11</a:t>
+              <a:t>4</a:t>
             </a:fld>
             <a:endParaRPr lang="es-ES"/>
           </a:p>
@@ -888,7 +947,7 @@
     </p:spTree>
     <p:extLst>
       <p:ext uri="{BB962C8B-B14F-4D97-AF65-F5344CB8AC3E}">
-        <p14:creationId xmlns:p14="http://schemas.microsoft.com/office/powerpoint/2010/main" val="2585072665"/>
+        <p14:creationId xmlns:p14="http://schemas.microsoft.com/office/powerpoint/2010/main" val="2880916079"/>
       </p:ext>
     </p:extLst>
   </p:cSld>
@@ -942,6 +1001,90 @@
           <a:bodyPr/>
           <a:lstStyle/>
           <a:p>
+            <a:endParaRPr lang="es-ES" dirty="0"/>
+          </a:p>
+        </p:txBody>
+      </p:sp>
+      <p:sp>
+        <p:nvSpPr>
+          <p:cNvPr id="4" name="Marcador de número de diapositiva 3"/>
+          <p:cNvSpPr>
+            <a:spLocks noGrp="1"/>
+          </p:cNvSpPr>
+          <p:nvPr>
+            <p:ph type="sldNum" sz="quarter" idx="5"/>
+          </p:nvPr>
+        </p:nvSpPr>
+        <p:spPr/>
+        <p:txBody>
+          <a:bodyPr/>
+          <a:lstStyle/>
+          <a:p>
+            <a:fld id="{3078BF56-2ECF-4460-BCB4-07206B519773}" type="slidenum">
+              <a:rPr lang="es-ES" smtClean="0"/>
+              <a:t>10</a:t>
+            </a:fld>
+            <a:endParaRPr lang="es-ES"/>
+          </a:p>
+        </p:txBody>
+      </p:sp>
+    </p:spTree>
+    <p:extLst>
+      <p:ext uri="{BB962C8B-B14F-4D97-AF65-F5344CB8AC3E}">
+        <p14:creationId xmlns:p14="http://schemas.microsoft.com/office/powerpoint/2010/main" val="2585072665"/>
+      </p:ext>
+    </p:extLst>
+  </p:cSld>
+  <p:clrMapOvr>
+    <a:masterClrMapping/>
+  </p:clrMapOvr>
+</p:notes>
+</file>
+
+<file path=ppt/notesSlides/notesSlide6.xml><?xml version="1.0" encoding="utf-8"?>
+<p:notes xmlns:a="http://schemas.openxmlformats.org/drawingml/2006/main" xmlns:r="http://schemas.openxmlformats.org/officeDocument/2006/relationships" xmlns:p="http://schemas.openxmlformats.org/presentationml/2006/main">
+  <p:cSld>
+    <p:spTree>
+      <p:nvGrpSpPr>
+        <p:cNvPr id="1" name=""/>
+        <p:cNvGrpSpPr/>
+        <p:nvPr/>
+      </p:nvGrpSpPr>
+      <p:grpSpPr>
+        <a:xfrm>
+          <a:off x="0" y="0"/>
+          <a:ext cx="0" cy="0"/>
+          <a:chOff x="0" y="0"/>
+          <a:chExt cx="0" cy="0"/>
+        </a:xfrm>
+      </p:grpSpPr>
+      <p:sp>
+        <p:nvSpPr>
+          <p:cNvPr id="2" name="Marcador de imagen de diapositiva 1"/>
+          <p:cNvSpPr>
+            <a:spLocks noGrp="1" noRot="1" noChangeAspect="1"/>
+          </p:cNvSpPr>
+          <p:nvPr>
+            <p:ph type="sldImg"/>
+          </p:nvPr>
+        </p:nvSpPr>
+        <p:spPr/>
+      </p:sp>
+      <p:sp>
+        <p:nvSpPr>
+          <p:cNvPr id="3" name="Marcador de notas 2"/>
+          <p:cNvSpPr>
+            <a:spLocks noGrp="1"/>
+          </p:cNvSpPr>
+          <p:nvPr>
+            <p:ph type="body" idx="1"/>
+          </p:nvPr>
+        </p:nvSpPr>
+        <p:spPr/>
+        <p:txBody>
+          <a:bodyPr/>
+          <a:lstStyle/>
+          <a:p>
             <a:pPr marL="0" marR="0" lvl="0" indent="0" algn="l" defTabSz="914400" rtl="0" eaLnBrk="1" fontAlgn="auto" latinLnBrk="0" hangingPunct="1">
               <a:lnSpc>
                 <a:spcPct val="100000"/>
@@ -1054,7 +1197,7 @@
           <a:p>
             <a:fld id="{3078BF56-2ECF-4460-BCB4-07206B519773}" type="slidenum">
               <a:rPr lang="es-ES" smtClean="0"/>
-              <a:t>12</a:t>
+              <a:t>11</a:t>
             </a:fld>
             <a:endParaRPr lang="es-ES"/>
           </a:p>
@@ -1073,7 +1216,99 @@
 </p:notes>
 </file>
 
-<file path=ppt/notesSlides/notesSlide6.xml><?xml version="1.0" encoding="utf-8"?>
+<file path=ppt/notesSlides/notesSlide7.xml><?xml version="1.0" encoding="utf-8"?>
+<p:notes xmlns:a="http://schemas.openxmlformats.org/drawingml/2006/main" xmlns:r="http://schemas.openxmlformats.org/officeDocument/2006/relationships" xmlns:p="http://schemas.openxmlformats.org/presentationml/2006/main">
+  <p:cSld>
+    <p:spTree>
+      <p:nvGrpSpPr>
+        <p:cNvPr id="1" name=""/>
+        <p:cNvGrpSpPr/>
+        <p:nvPr/>
+      </p:nvGrpSpPr>
+      <p:grpSpPr>
+        <a:xfrm>
+          <a:off x="0" y="0"/>
+          <a:ext cx="0" cy="0"/>
+          <a:chOff x="0" y="0"/>
+          <a:chExt cx="0" cy="0"/>
+        </a:xfrm>
+      </p:grpSpPr>
+      <p:sp>
+        <p:nvSpPr>
+          <p:cNvPr id="2" name="Marcador de imagen de diapositiva 1"/>
+          <p:cNvSpPr>
+            <a:spLocks noGrp="1" noRot="1" noChangeAspect="1"/>
+          </p:cNvSpPr>
+          <p:nvPr>
+            <p:ph type="sldImg"/>
+          </p:nvPr>
+        </p:nvSpPr>
+        <p:spPr/>
+      </p:sp>
+      <p:sp>
+        <p:nvSpPr>
+          <p:cNvPr id="3" name="Marcador de notas 2"/>
+          <p:cNvSpPr>
+            <a:spLocks noGrp="1"/>
+          </p:cNvSpPr>
+          <p:nvPr>
+            <p:ph type="body" idx="1"/>
+          </p:nvPr>
+        </p:nvSpPr>
+        <p:spPr/>
+        <p:txBody>
+          <a:bodyPr/>
+          <a:lstStyle/>
+          <a:p>
+            <a:r>
+              <a:rPr lang="es-ES" noProof="0" dirty="0"/>
+              <a:t>Conversación</a:t>
+            </a:r>
+            <a:r>
+              <a:rPr lang="es-ES" dirty="0"/>
+              <a:t> con el asistente virtual</a:t>
+            </a:r>
+            <a:endParaRPr lang="es-CU" dirty="0"/>
+          </a:p>
+        </p:txBody>
+      </p:sp>
+      <p:sp>
+        <p:nvSpPr>
+          <p:cNvPr id="4" name="Marcador de número de diapositiva 3"/>
+          <p:cNvSpPr>
+            <a:spLocks noGrp="1"/>
+          </p:cNvSpPr>
+          <p:nvPr>
+            <p:ph type="sldNum" sz="quarter" idx="5"/>
+          </p:nvPr>
+        </p:nvSpPr>
+        <p:spPr/>
+        <p:txBody>
+          <a:bodyPr/>
+          <a:lstStyle/>
+          <a:p>
+            <a:fld id="{3078BF56-2ECF-4460-BCB4-07206B519773}" type="slidenum">
+              <a:rPr lang="es-ES" smtClean="0"/>
+              <a:t>21</a:t>
+            </a:fld>
+            <a:endParaRPr lang="es-ES"/>
+          </a:p>
+        </p:txBody>
+      </p:sp>
+    </p:spTree>
+    <p:extLst>
+      <p:ext uri="{BB962C8B-B14F-4D97-AF65-F5344CB8AC3E}">
+        <p14:creationId xmlns:p14="http://schemas.microsoft.com/office/powerpoint/2010/main" val="2619308017"/>
+      </p:ext>
+    </p:extLst>
+  </p:cSld>
+  <p:clrMapOvr>
+    <a:masterClrMapping/>
+  </p:clrMapOvr>
+</p:notes>
+</file>
+
+<file path=ppt/notesSlides/notesSlide8.xml><?xml version="1.0" encoding="utf-8"?>
 <p:notes xmlns:a="http://schemas.openxmlformats.org/drawingml/2006/main" xmlns:r="http://schemas.openxmlformats.org/officeDocument/2006/relationships" xmlns:p="http://schemas.openxmlformats.org/presentationml/2006/main">
   <p:cSld>
     <p:bg>
@@ -1631,7 +1866,7 @@
           <a:p>
             <a:fld id="{B68655D5-7C77-493A-8D32-5357D2FC22A3}" type="datetimeFigureOut">
               <a:rPr lang="es-ES" smtClean="0"/>
-              <a:t>30/09/2022</a:t>
+              <a:t>04/10/2022</a:t>
             </a:fld>
             <a:endParaRPr lang="es-ES"/>
           </a:p>
@@ -1810,7 +2045,7 @@
           <a:p>
             <a:fld id="{B68655D5-7C77-493A-8D32-5357D2FC22A3}" type="datetimeFigureOut">
               <a:rPr lang="es-ES" smtClean="0"/>
-              <a:t>30/09/2022</a:t>
+              <a:t>04/10/2022</a:t>
             </a:fld>
             <a:endParaRPr lang="es-ES"/>
           </a:p>
@@ -1990,7 +2225,7 @@
           <a:p>
             <a:fld id="{B68655D5-7C77-493A-8D32-5357D2FC22A3}" type="datetimeFigureOut">
               <a:rPr lang="es-ES" smtClean="0"/>
-              <a:t>30/09/2022</a:t>
+              <a:t>04/10/2022</a:t>
             </a:fld>
             <a:endParaRPr lang="es-ES"/>
           </a:p>
@@ -2160,7 +2395,7 @@
           <a:p>
             <a:fld id="{B68655D5-7C77-493A-8D32-5357D2FC22A3}" type="datetimeFigureOut">
               <a:rPr lang="es-ES" smtClean="0"/>
-              <a:t>30/09/2022</a:t>
+              <a:t>04/10/2022</a:t>
             </a:fld>
             <a:endParaRPr lang="es-ES"/>
           </a:p>
@@ -2473,7 +2708,7 @@
           <a:p>
             <a:fld id="{B68655D5-7C77-493A-8D32-5357D2FC22A3}" type="datetimeFigureOut">
               <a:rPr lang="es-ES" smtClean="0"/>
-              <a:t>30/09/2022</a:t>
+              <a:t>04/10/2022</a:t>
             </a:fld>
             <a:endParaRPr lang="es-ES"/>
           </a:p>
@@ -2859,7 +3094,7 @@
           <a:p>
             <a:fld id="{B68655D5-7C77-493A-8D32-5357D2FC22A3}" type="datetimeFigureOut">
               <a:rPr lang="es-ES" smtClean="0"/>
-              <a:t>30/09/2022</a:t>
+              <a:t>04/10/2022</a:t>
             </a:fld>
             <a:endParaRPr lang="es-ES"/>
           </a:p>
@@ -3293,7 +3528,7 @@
           <a:p>
             <a:fld id="{B68655D5-7C77-493A-8D32-5357D2FC22A3}" type="datetimeFigureOut">
               <a:rPr lang="es-ES" smtClean="0"/>
-              <a:t>30/09/2022</a:t>
+              <a:t>04/10/2022</a:t>
             </a:fld>
             <a:endParaRPr lang="es-ES"/>
           </a:p>
@@ -3411,7 +3646,7 @@
           <a:p>
             <a:fld id="{B68655D5-7C77-493A-8D32-5357D2FC22A3}" type="datetimeFigureOut">
               <a:rPr lang="es-ES" smtClean="0"/>
-              <a:t>30/09/2022</a:t>
+              <a:t>04/10/2022</a:t>
             </a:fld>
             <a:endParaRPr lang="es-ES"/>
           </a:p>
@@ -3506,7 +3741,7 @@
           <a:p>
             <a:fld id="{B68655D5-7C77-493A-8D32-5357D2FC22A3}" type="datetimeFigureOut">
               <a:rPr lang="es-ES" smtClean="0"/>
-              <a:t>30/09/2022</a:t>
+              <a:t>04/10/2022</a:t>
             </a:fld>
             <a:endParaRPr lang="es-ES"/>
           </a:p>
@@ -3856,7 +4091,7 @@
           <a:p>
             <a:fld id="{B68655D5-7C77-493A-8D32-5357D2FC22A3}" type="datetimeFigureOut">
               <a:rPr lang="es-ES" smtClean="0"/>
-              <a:t>30/09/2022</a:t>
+              <a:t>04/10/2022</a:t>
             </a:fld>
             <a:endParaRPr lang="es-ES"/>
           </a:p>
@@ -4281,7 +4516,7 @@
           <a:p>
             <a:fld id="{B68655D5-7C77-493A-8D32-5357D2FC22A3}" type="datetimeFigureOut">
               <a:rPr lang="es-ES" smtClean="0"/>
-              <a:t>30/09/2022</a:t>
+              <a:t>04/10/2022</a:t>
             </a:fld>
             <a:endParaRPr lang="es-ES"/>
           </a:p>
@@ -4562,7 +4797,7 @@
           <a:p>
             <a:fld id="{B68655D5-7C77-493A-8D32-5357D2FC22A3}" type="datetimeFigureOut">
               <a:rPr lang="es-ES" smtClean="0"/>
-              <a:t>30/09/2022</a:t>
+              <a:t>04/10/2022</a:t>
             </a:fld>
             <a:endParaRPr lang="es-ES"/>
           </a:p>
@@ -5670,7 +5905,7 @@
                 <a:effectLst/>
                 <a:ea typeface="Calibri" panose="020F0502020204030204" pitchFamily="34" charset="0"/>
               </a:rPr>
-              <a:t>Herramienta digital para la construcción de conocimiento automático para un Asistente Virtual</a:t>
+              <a:t>Herramienta digital para la creación de Asistentes Virtuales y  su base de conocimiento de forma automática</a:t>
             </a:r>
           </a:p>
           <a:p>
@@ -5708,7 +5943,7 @@
         </p:nvSpPr>
         <p:spPr>
           <a:xfrm>
-            <a:off x="5342220" y="4664216"/>
+            <a:off x="5342220" y="4384004"/>
             <a:ext cx="5676439" cy="2523768"/>
           </a:xfrm>
           <a:prstGeom prst="rect">
@@ -5839,200 +6074,6 @@
       </p:grpSpPr>
       <p:sp>
         <p:nvSpPr>
-          <p:cNvPr id="3" name="Marcador de contenido 2">
-            <a:extLst>
-              <a:ext uri="{FF2B5EF4-FFF2-40B4-BE49-F238E27FC236}">
-                <a16:creationId xmlns:a16="http://schemas.microsoft.com/office/drawing/2014/main" id="{FB917D65-76FB-9794-C5E8-AF2AF3DF5CCC}"/>
-              </a:ext>
-            </a:extLst>
-          </p:cNvPr>
-          <p:cNvSpPr>
-            <a:spLocks noGrp="1"/>
-          </p:cNvSpPr>
-          <p:nvPr>
-            <p:ph idx="1"/>
-          </p:nvPr>
-        </p:nvSpPr>
-        <p:spPr/>
-        <p:txBody>
-          <a:bodyPr/>
-          <a:lstStyle/>
-          <a:p>
-            <a:pPr algn="just">
-              <a:lnSpc>
-                <a:spcPct val="115000"/>
-              </a:lnSpc>
-            </a:pPr>
-            <a:r>
-              <a:rPr lang="es-US" dirty="0">
-                <a:effectLst/>
-                <a:latin typeface="Arial" panose="020B0604020202020204" pitchFamily="34" charset="0"/>
-                <a:ea typeface="Calibri" panose="020F0502020204030204" pitchFamily="34" charset="0"/>
-              </a:rPr>
-              <a:t>Estudio del estado del arte de las herramientas para la creación de asistentes virtuales.</a:t>
-            </a:r>
-            <a:endParaRPr lang="es-ES" dirty="0">
-              <a:effectLst/>
-              <a:latin typeface="Arial" panose="020B0604020202020204" pitchFamily="34" charset="0"/>
-              <a:ea typeface="Calibri" panose="020F0502020204030204" pitchFamily="34" charset="0"/>
-            </a:endParaRPr>
-          </a:p>
-          <a:p>
-            <a:pPr algn="just">
-              <a:lnSpc>
-                <a:spcPct val="115000"/>
-              </a:lnSpc>
-            </a:pPr>
-            <a:r>
-              <a:rPr lang="es-US" dirty="0">
-                <a:effectLst/>
-                <a:latin typeface="Arial" panose="020B0604020202020204" pitchFamily="34" charset="0"/>
-                <a:ea typeface="Calibri" panose="020F0502020204030204" pitchFamily="34" charset="0"/>
-              </a:rPr>
-              <a:t>Diseñar un prototipo de herramienta para la creación de conocimiento de un asistente virtual.</a:t>
-            </a:r>
-            <a:endParaRPr lang="es-ES" dirty="0">
-              <a:effectLst/>
-              <a:latin typeface="Arial" panose="020B0604020202020204" pitchFamily="34" charset="0"/>
-              <a:ea typeface="Calibri" panose="020F0502020204030204" pitchFamily="34" charset="0"/>
-            </a:endParaRPr>
-          </a:p>
-          <a:p>
-            <a:pPr algn="just">
-              <a:lnSpc>
-                <a:spcPct val="115000"/>
-              </a:lnSpc>
-            </a:pPr>
-            <a:r>
-              <a:rPr lang="es-US" dirty="0">
-                <a:effectLst/>
-                <a:latin typeface="Arial" panose="020B0604020202020204" pitchFamily="34" charset="0"/>
-                <a:ea typeface="Calibri" panose="020F0502020204030204" pitchFamily="34" charset="0"/>
-              </a:rPr>
-              <a:t>Implementar el prototipo de herramienta diseñado.</a:t>
-            </a:r>
-            <a:endParaRPr lang="es-ES" dirty="0">
-              <a:effectLst/>
-              <a:latin typeface="Arial" panose="020B0604020202020204" pitchFamily="34" charset="0"/>
-              <a:ea typeface="Calibri" panose="020F0502020204030204" pitchFamily="34" charset="0"/>
-            </a:endParaRPr>
-          </a:p>
-          <a:p>
-            <a:pPr algn="just">
-              <a:lnSpc>
-                <a:spcPct val="115000"/>
-              </a:lnSpc>
-            </a:pPr>
-            <a:r>
-              <a:rPr lang="es-US" dirty="0">
-                <a:effectLst/>
-                <a:latin typeface="Arial" panose="020B0604020202020204" pitchFamily="34" charset="0"/>
-                <a:ea typeface="Calibri" panose="020F0502020204030204" pitchFamily="34" charset="0"/>
-              </a:rPr>
-              <a:t>Probar el prototipo de herramienta diseñado en varias esferas del conocimiento humano.</a:t>
-            </a:r>
-            <a:endParaRPr lang="es-ES" dirty="0">
-              <a:effectLst/>
-              <a:latin typeface="Arial" panose="020B0604020202020204" pitchFamily="34" charset="0"/>
-              <a:ea typeface="Calibri" panose="020F0502020204030204" pitchFamily="34" charset="0"/>
-            </a:endParaRPr>
-          </a:p>
-          <a:p>
-            <a:pPr algn="just">
-              <a:lnSpc>
-                <a:spcPct val="115000"/>
-              </a:lnSpc>
-              <a:spcAft>
-                <a:spcPts val="1000"/>
-              </a:spcAft>
-            </a:pPr>
-            <a:r>
-              <a:rPr lang="es-US" dirty="0">
-                <a:effectLst/>
-                <a:latin typeface="Arial" panose="020B0604020202020204" pitchFamily="34" charset="0"/>
-                <a:ea typeface="Calibri" panose="020F0502020204030204" pitchFamily="34" charset="0"/>
-              </a:rPr>
-              <a:t>Desplegar la herramienta junto a un sistema de gestión para la creación de asistentes virtuales. </a:t>
-            </a:r>
-            <a:endParaRPr lang="es-ES" dirty="0">
-              <a:effectLst/>
-              <a:latin typeface="Arial" panose="020B0604020202020204" pitchFamily="34" charset="0"/>
-              <a:ea typeface="Calibri" panose="020F0502020204030204" pitchFamily="34" charset="0"/>
-            </a:endParaRPr>
-          </a:p>
-          <a:p>
-            <a:endParaRPr lang="es-ES" dirty="0"/>
-          </a:p>
-        </p:txBody>
-      </p:sp>
-      <p:sp>
-        <p:nvSpPr>
-          <p:cNvPr id="4" name="Título 1">
-            <a:extLst>
-              <a:ext uri="{FF2B5EF4-FFF2-40B4-BE49-F238E27FC236}">
-                <a16:creationId xmlns:a16="http://schemas.microsoft.com/office/drawing/2014/main" id="{64F6A608-76BD-C020-3506-9A63DA061446}"/>
-              </a:ext>
-            </a:extLst>
-          </p:cNvPr>
-          <p:cNvSpPr>
-            <a:spLocks noGrp="1"/>
-          </p:cNvSpPr>
-          <p:nvPr>
-            <p:ph type="title"/>
-          </p:nvPr>
-        </p:nvSpPr>
-        <p:spPr>
-          <a:xfrm>
-            <a:off x="1069848" y="484632"/>
-            <a:ext cx="10058400" cy="1609344"/>
-          </a:xfrm>
-        </p:spPr>
-        <p:txBody>
-          <a:bodyPr>
-            <a:normAutofit/>
-          </a:bodyPr>
-          <a:lstStyle/>
-          <a:p>
-            <a:pPr algn="ctr"/>
-            <a:r>
-              <a:rPr lang="es-ES" sz="4400" dirty="0"/>
-              <a:t>Objetivos Específicos</a:t>
-            </a:r>
-          </a:p>
-        </p:txBody>
-      </p:sp>
-    </p:spTree>
-    <p:extLst>
-      <p:ext uri="{BB962C8B-B14F-4D97-AF65-F5344CB8AC3E}">
-        <p14:creationId xmlns:p14="http://schemas.microsoft.com/office/powerpoint/2010/main" val="69333835"/>
-      </p:ext>
-    </p:extLst>
-  </p:cSld>
-  <p:clrMapOvr>
-    <a:masterClrMapping/>
-  </p:clrMapOvr>
-</p:sld>
-</file>
-
-<file path=ppt/slides/slide11.xml><?xml version="1.0" encoding="utf-8"?>
-<p:sld xmlns:a="http://schemas.openxmlformats.org/drawingml/2006/main" xmlns:r="http://schemas.openxmlformats.org/officeDocument/2006/relationships" xmlns:p="http://schemas.openxmlformats.org/presentationml/2006/main">
-  <p:cSld>
-    <p:spTree>
-      <p:nvGrpSpPr>
-        <p:cNvPr id="1" name=""/>
-        <p:cNvGrpSpPr/>
-        <p:nvPr/>
-      </p:nvGrpSpPr>
-      <p:grpSpPr>
-        <a:xfrm>
-          <a:off x="0" y="0"/>
-          <a:ext cx="0" cy="0"/>
-          <a:chOff x="0" y="0"/>
-          <a:chExt cx="0" cy="0"/>
-        </a:xfrm>
-      </p:grpSpPr>
-      <p:sp>
-        <p:nvSpPr>
           <p:cNvPr id="2" name="Título 1"/>
           <p:cNvSpPr>
             <a:spLocks noGrp="1"/>
@@ -6089,7 +6130,7 @@
             <a:r>
               <a:rPr lang="es-ES" dirty="0">
                 <a:effectLst/>
-                <a:latin typeface="Arial" panose="020B0604020202020204" pitchFamily="34" charset="0"/>
+                <a:latin typeface="Rockwell (Cuerpo)"/>
                 <a:ea typeface="Calibri" panose="020F0502020204030204" pitchFamily="34" charset="0"/>
               </a:rPr>
               <a:t>Se desarrollará una aplicación informática que construya el conocimiento para un asistente virtual de forma automática, que permita a los asistentes virtuales responder o evacuar cualquier duda de los usuarios eficientemente desde las plataformas web o móvil donde se use el servicio de chat, estas plataformas se favorecerán al ganar en calidad en el servicio. </a:t>
@@ -6110,7 +6151,7 @@
 </p:sld>
 </file>
 
-<file path=ppt/slides/slide12.xml><?xml version="1.0" encoding="utf-8"?>
+<file path=ppt/slides/slide11.xml><?xml version="1.0" encoding="utf-8"?>
 <p:sld xmlns:a="http://schemas.openxmlformats.org/drawingml/2006/main" xmlns:r="http://schemas.openxmlformats.org/officeDocument/2006/relationships" xmlns:p="http://schemas.openxmlformats.org/presentationml/2006/main">
   <p:cSld>
     <p:spTree>
@@ -6640,6 +6681,194 @@
 </p:sld>
 </file>
 
+<file path=ppt/slides/slide12.xml><?xml version="1.0" encoding="utf-8"?>
+<p:sld xmlns:a="http://schemas.openxmlformats.org/drawingml/2006/main" xmlns:r="http://schemas.openxmlformats.org/officeDocument/2006/relationships" xmlns:p="http://schemas.openxmlformats.org/presentationml/2006/main">
+  <p:cSld>
+    <p:spTree>
+      <p:nvGrpSpPr>
+        <p:cNvPr id="1" name=""/>
+        <p:cNvGrpSpPr/>
+        <p:nvPr/>
+      </p:nvGrpSpPr>
+      <p:grpSpPr>
+        <a:xfrm>
+          <a:off x="0" y="0"/>
+          <a:ext cx="0" cy="0"/>
+          <a:chOff x="0" y="0"/>
+          <a:chExt cx="0" cy="0"/>
+        </a:xfrm>
+      </p:grpSpPr>
+      <p:sp>
+        <p:nvSpPr>
+          <p:cNvPr id="2" name="Título 1">
+            <a:extLst>
+              <a:ext uri="{FF2B5EF4-FFF2-40B4-BE49-F238E27FC236}">
+                <a16:creationId xmlns:a16="http://schemas.microsoft.com/office/drawing/2014/main" id="{D09217C3-7961-22A7-D709-ED798861B56B}"/>
+              </a:ext>
+            </a:extLst>
+          </p:cNvPr>
+          <p:cNvSpPr>
+            <a:spLocks noGrp="1"/>
+          </p:cNvSpPr>
+          <p:nvPr>
+            <p:ph type="title"/>
+          </p:nvPr>
+        </p:nvSpPr>
+        <p:spPr>
+          <a:xfrm>
+            <a:off x="863371" y="-118872"/>
+            <a:ext cx="10058400" cy="1269246"/>
+          </a:xfrm>
+        </p:spPr>
+        <p:txBody>
+          <a:bodyPr/>
+          <a:lstStyle/>
+          <a:p>
+            <a:pPr algn="ctr"/>
+            <a:r>
+              <a:rPr lang="es-ES" dirty="0"/>
+              <a:t>Estructura de la tesis</a:t>
+            </a:r>
+          </a:p>
+        </p:txBody>
+      </p:sp>
+      <p:sp>
+        <p:nvSpPr>
+          <p:cNvPr id="3" name="Marcador de contenido 2">
+            <a:extLst>
+              <a:ext uri="{FF2B5EF4-FFF2-40B4-BE49-F238E27FC236}">
+                <a16:creationId xmlns:a16="http://schemas.microsoft.com/office/drawing/2014/main" id="{8A08B355-74D3-B2A2-E22A-8C6E2AF10E41}"/>
+              </a:ext>
+            </a:extLst>
+          </p:cNvPr>
+          <p:cNvSpPr>
+            <a:spLocks noGrp="1"/>
+          </p:cNvSpPr>
+          <p:nvPr>
+            <p:ph idx="1"/>
+          </p:nvPr>
+        </p:nvSpPr>
+        <p:spPr>
+          <a:xfrm>
+            <a:off x="863371" y="899652"/>
+            <a:ext cx="10058400" cy="5338915"/>
+          </a:xfrm>
+        </p:spPr>
+        <p:txBody>
+          <a:bodyPr>
+            <a:noAutofit/>
+          </a:bodyPr>
+          <a:lstStyle/>
+          <a:p>
+            <a:r>
+              <a:rPr lang="es-ES" b="1" dirty="0"/>
+              <a:t>Capítulo 1. Marco Referencial</a:t>
+            </a:r>
+          </a:p>
+          <a:p>
+            <a:r>
+              <a:rPr lang="es-US" dirty="0">
+                <a:effectLst/>
+                <a:latin typeface="Rockwell (Cuerpo)"/>
+                <a:ea typeface="Calibri Light" panose="020F0302020204030204" pitchFamily="34" charset="0"/>
+                <a:cs typeface="Calibri Light" panose="020F0302020204030204" pitchFamily="34" charset="0"/>
+              </a:rPr>
+              <a:t>  1.1 Las plataformas para desarrollar robots conversacionales</a:t>
+            </a:r>
+            <a:endParaRPr lang="es-ES" dirty="0">
+              <a:effectLst/>
+              <a:latin typeface="Rockwell (Cuerpo)"/>
+              <a:ea typeface="Calibri Light" panose="020F0302020204030204" pitchFamily="34" charset="0"/>
+              <a:cs typeface="Calibri Light" panose="020F0302020204030204" pitchFamily="34" charset="0"/>
+            </a:endParaRPr>
+          </a:p>
+          <a:p>
+            <a:r>
+              <a:rPr lang="es-ES" dirty="0"/>
+              <a:t>  1.2 Breve historia de los agentes conversacionales</a:t>
+            </a:r>
+          </a:p>
+          <a:p>
+            <a:r>
+              <a:rPr lang="es-ES" dirty="0"/>
+              <a:t>  1.3 Herramientas, Lenguajes de programación y Tecnologías</a:t>
+            </a:r>
+          </a:p>
+          <a:p>
+            <a:r>
+              <a:rPr lang="es-ES" dirty="0"/>
+              <a:t>  1.4 Metodología de desarrollo de software</a:t>
+            </a:r>
+          </a:p>
+          <a:p>
+            <a:r>
+              <a:rPr lang="es-ES" b="1" dirty="0"/>
+              <a:t>Capítulo 2. Planificación y Diseño</a:t>
+            </a:r>
+          </a:p>
+          <a:p>
+            <a:r>
+              <a:rPr lang="es-ES" dirty="0"/>
+              <a:t>  2.1 Propuesta del Sistema	</a:t>
+            </a:r>
+          </a:p>
+          <a:p>
+            <a:r>
+              <a:rPr lang="es-ES" dirty="0"/>
+              <a:t>  2.2 Usuarios del Sistema	</a:t>
+            </a:r>
+          </a:p>
+          <a:p>
+            <a:r>
+              <a:rPr lang="es-ES" dirty="0"/>
+              <a:t>  2.3 Planificación del desarrollo del Sistema	</a:t>
+            </a:r>
+          </a:p>
+          <a:p>
+            <a:r>
+              <a:rPr lang="es-ES" dirty="0"/>
+              <a:t>  2.3.1. Historias de usuarios	</a:t>
+            </a:r>
+          </a:p>
+          <a:p>
+            <a:r>
+              <a:rPr lang="es-ES" dirty="0"/>
+              <a:t>  2.3.2. Requisitos Funcionales	</a:t>
+            </a:r>
+          </a:p>
+          <a:p>
+            <a:r>
+              <a:rPr lang="es-ES" dirty="0"/>
+              <a:t>  2.3.3. Requisitos no Funcionales	</a:t>
+            </a:r>
+          </a:p>
+          <a:p>
+            <a:r>
+              <a:rPr lang="es-ES" dirty="0"/>
+              <a:t>  2.3.4. Arquitectura del Sistema	</a:t>
+            </a:r>
+          </a:p>
+          <a:p>
+            <a:r>
+              <a:rPr lang="es-ES" dirty="0"/>
+              <a:t>  2.3.5. Diseño de Base de Batos	</a:t>
+            </a:r>
+          </a:p>
+        </p:txBody>
+      </p:sp>
+    </p:spTree>
+    <p:extLst>
+      <p:ext uri="{BB962C8B-B14F-4D97-AF65-F5344CB8AC3E}">
+        <p14:creationId xmlns:p14="http://schemas.microsoft.com/office/powerpoint/2010/main" val="3014748145"/>
+      </p:ext>
+    </p:extLst>
+  </p:cSld>
+  <p:clrMapOvr>
+    <a:masterClrMapping/>
+  </p:clrMapOvr>
+</p:sld>
+</file>
+
 <file path=ppt/slides/slide13.xml><?xml version="1.0" encoding="utf-8"?>
 <p:sld xmlns:a="http://schemas.openxmlformats.org/drawingml/2006/main" xmlns:r="http://schemas.openxmlformats.org/officeDocument/2006/relationships" xmlns:p="http://schemas.openxmlformats.org/presentationml/2006/main">
   <p:cSld>
@@ -6657,12 +6886,339 @@
           <a:chExt cx="0" cy="0"/>
         </a:xfrm>
       </p:grpSpPr>
+      <p:sp>
+        <p:nvSpPr>
+          <p:cNvPr id="3" name="Marcador de contenido 2">
+            <a:extLst>
+              <a:ext uri="{FF2B5EF4-FFF2-40B4-BE49-F238E27FC236}">
+                <a16:creationId xmlns:a16="http://schemas.microsoft.com/office/drawing/2014/main" id="{DC79297C-E18D-C0E0-ABBD-41962F36C55F}"/>
+              </a:ext>
+            </a:extLst>
+          </p:cNvPr>
+          <p:cNvSpPr>
+            <a:spLocks noGrp="1"/>
+          </p:cNvSpPr>
+          <p:nvPr>
+            <p:ph idx="1"/>
+          </p:nvPr>
+        </p:nvSpPr>
+        <p:spPr/>
+        <p:txBody>
+          <a:bodyPr/>
+          <a:lstStyle/>
+          <a:p>
+            <a:r>
+              <a:rPr lang="es-ES" b="1" dirty="0"/>
+              <a:t>Capítulo 3. Implementación y Prueba</a:t>
+            </a:r>
+            <a:r>
+              <a:rPr lang="es-ES" dirty="0"/>
+              <a:t>	</a:t>
+            </a:r>
+          </a:p>
+          <a:p>
+            <a:r>
+              <a:rPr lang="es-ES" dirty="0"/>
+              <a:t>  3.1. Instalación de las herramientas utilizadas	</a:t>
+            </a:r>
+          </a:p>
+          <a:p>
+            <a:r>
+              <a:rPr lang="es-ES" dirty="0"/>
+              <a:t>  3.2 Implementación de Funcionalidades	</a:t>
+            </a:r>
+          </a:p>
+          <a:p>
+            <a:r>
+              <a:rPr lang="es-ES" dirty="0"/>
+              <a:t>  3.3 Análisis económico	</a:t>
+            </a:r>
+          </a:p>
+          <a:p>
+            <a:r>
+              <a:rPr lang="es-ES" dirty="0"/>
+              <a:t>  3.3.1. Estimación de costo y tiempo	</a:t>
+            </a:r>
+          </a:p>
+          <a:p>
+            <a:endParaRPr lang="es-ES" dirty="0"/>
+          </a:p>
+        </p:txBody>
+      </p:sp>
+      <p:sp>
+        <p:nvSpPr>
+          <p:cNvPr id="4" name="Título 1">
+            <a:extLst>
+              <a:ext uri="{FF2B5EF4-FFF2-40B4-BE49-F238E27FC236}">
+                <a16:creationId xmlns:a16="http://schemas.microsoft.com/office/drawing/2014/main" id="{A5DFBF74-CE87-C5FA-E6C9-A1BE2AA52721}"/>
+              </a:ext>
+            </a:extLst>
+          </p:cNvPr>
+          <p:cNvSpPr>
+            <a:spLocks noGrp="1"/>
+          </p:cNvSpPr>
+          <p:nvPr>
+            <p:ph type="title"/>
+          </p:nvPr>
+        </p:nvSpPr>
+        <p:spPr>
+          <a:xfrm>
+            <a:off x="1069975" y="484188"/>
+            <a:ext cx="10058400" cy="1609725"/>
+          </a:xfrm>
+        </p:spPr>
+        <p:txBody>
+          <a:bodyPr/>
+          <a:lstStyle/>
+          <a:p>
+            <a:pPr algn="ctr"/>
+            <a:r>
+              <a:rPr lang="es-ES" dirty="0"/>
+              <a:t>Estructura de la tesis</a:t>
+            </a:r>
+          </a:p>
+        </p:txBody>
+      </p:sp>
+    </p:spTree>
+    <p:extLst>
+      <p:ext uri="{BB962C8B-B14F-4D97-AF65-F5344CB8AC3E}">
+        <p14:creationId xmlns:p14="http://schemas.microsoft.com/office/powerpoint/2010/main" val="4179464694"/>
+      </p:ext>
+    </p:extLst>
+  </p:cSld>
+  <p:clrMapOvr>
+    <a:masterClrMapping/>
+  </p:clrMapOvr>
+</p:sld>
+</file>
+
+<file path=ppt/slides/slide14.xml><?xml version="1.0" encoding="utf-8"?>
+<p:sld xmlns:a="http://schemas.openxmlformats.org/drawingml/2006/main" xmlns:r="http://schemas.openxmlformats.org/officeDocument/2006/relationships" xmlns:p="http://schemas.openxmlformats.org/presentationml/2006/main">
+  <p:cSld>
+    <p:spTree>
+      <p:nvGrpSpPr>
+        <p:cNvPr id="1" name=""/>
+        <p:cNvGrpSpPr/>
+        <p:nvPr/>
+      </p:nvGrpSpPr>
+      <p:grpSpPr>
+        <a:xfrm>
+          <a:off x="0" y="0"/>
+          <a:ext cx="0" cy="0"/>
+          <a:chOff x="0" y="0"/>
+          <a:chExt cx="0" cy="0"/>
+        </a:xfrm>
+      </p:grpSpPr>
+      <p:sp>
+        <p:nvSpPr>
+          <p:cNvPr id="2" name="Título 1">
+            <a:extLst>
+              <a:ext uri="{FF2B5EF4-FFF2-40B4-BE49-F238E27FC236}">
+                <a16:creationId xmlns:a16="http://schemas.microsoft.com/office/drawing/2014/main" id="{B3C7C15E-A287-C6A2-92E3-BE8EFECB0C05}"/>
+              </a:ext>
+            </a:extLst>
+          </p:cNvPr>
+          <p:cNvSpPr>
+            <a:spLocks noGrp="1"/>
+          </p:cNvSpPr>
+          <p:nvPr>
+            <p:ph type="title"/>
+          </p:nvPr>
+        </p:nvSpPr>
+        <p:spPr/>
+        <p:txBody>
+          <a:bodyPr/>
+          <a:lstStyle/>
+          <a:p>
+            <a:pPr algn="ctr"/>
+            <a:r>
+              <a:rPr lang="es-ES" dirty="0"/>
+              <a:t>Aportes</a:t>
+            </a:r>
+          </a:p>
+        </p:txBody>
+      </p:sp>
+      <p:sp>
+        <p:nvSpPr>
+          <p:cNvPr id="3" name="Marcador de contenido 2">
+            <a:extLst>
+              <a:ext uri="{FF2B5EF4-FFF2-40B4-BE49-F238E27FC236}">
+                <a16:creationId xmlns:a16="http://schemas.microsoft.com/office/drawing/2014/main" id="{DDE4EAD7-0F0F-56FF-09D0-4E490CAC9307}"/>
+              </a:ext>
+            </a:extLst>
+          </p:cNvPr>
+          <p:cNvSpPr>
+            <a:spLocks noGrp="1"/>
+          </p:cNvSpPr>
+          <p:nvPr>
+            <p:ph idx="1"/>
+          </p:nvPr>
+        </p:nvSpPr>
+        <p:spPr/>
+        <p:txBody>
+          <a:bodyPr/>
+          <a:lstStyle/>
+          <a:p>
+            <a:pPr algn="just"/>
+            <a:r>
+              <a:rPr lang="es-ES" dirty="0"/>
+              <a:t>Un sistema que a partir de datos proporcionados pudiera generar o construir automáticamente la estructura de conocimiento de un asistente virtual desarrollado en Rasa.</a:t>
+            </a:r>
+          </a:p>
+          <a:p>
+            <a:pPr algn="just"/>
+            <a:r>
+              <a:rPr lang="es-ES" dirty="0"/>
+              <a:t>La investigación también permitió saber el cómo lograr la construcción automática de asistentes virtuales a partir de una base de conocimiento nueva previamente construida.</a:t>
+            </a:r>
+          </a:p>
+          <a:p>
+            <a:pPr algn="just"/>
+            <a:r>
+              <a:rPr lang="es-ES" dirty="0"/>
+              <a:t>Además se logró evidenciar las facilidades que brinda este tipo de solución en el desarrollo de asistentes virtuales sin necesidad de especialistas y reduciendo el trabajo que cuesta dicha tarea; también cómo mejora la capacidad de respuesta de los asistentes virtuales y a su vez la calidad de su servicio al interactuar con las personas.</a:t>
+            </a:r>
+          </a:p>
+          <a:p>
+            <a:endParaRPr lang="es-ES" dirty="0"/>
+          </a:p>
+        </p:txBody>
+      </p:sp>
+    </p:spTree>
+    <p:extLst>
+      <p:ext uri="{BB962C8B-B14F-4D97-AF65-F5344CB8AC3E}">
+        <p14:creationId xmlns:p14="http://schemas.microsoft.com/office/powerpoint/2010/main" val="931240880"/>
+      </p:ext>
+    </p:extLst>
+  </p:cSld>
+  <p:clrMapOvr>
+    <a:masterClrMapping/>
+  </p:clrMapOvr>
+</p:sld>
+</file>
+
+<file path=ppt/slides/slide15.xml><?xml version="1.0" encoding="utf-8"?>
+<p:sld xmlns:a="http://schemas.openxmlformats.org/drawingml/2006/main" xmlns:r="http://schemas.openxmlformats.org/officeDocument/2006/relationships" xmlns:p="http://schemas.openxmlformats.org/presentationml/2006/main">
+  <p:cSld>
+    <p:spTree>
+      <p:nvGrpSpPr>
+        <p:cNvPr id="1" name=""/>
+        <p:cNvGrpSpPr/>
+        <p:nvPr/>
+      </p:nvGrpSpPr>
+      <p:grpSpPr>
+        <a:xfrm>
+          <a:off x="0" y="0"/>
+          <a:ext cx="0" cy="0"/>
+          <a:chOff x="0" y="0"/>
+          <a:chExt cx="0" cy="0"/>
+        </a:xfrm>
+      </p:grpSpPr>
+      <p:sp>
+        <p:nvSpPr>
+          <p:cNvPr id="2" name="Título 1">
+            <a:extLst>
+              <a:ext uri="{FF2B5EF4-FFF2-40B4-BE49-F238E27FC236}">
+                <a16:creationId xmlns:a16="http://schemas.microsoft.com/office/drawing/2014/main" id="{4C5ACF00-C608-9E92-931F-E153A3AC113A}"/>
+              </a:ext>
+            </a:extLst>
+          </p:cNvPr>
+          <p:cNvSpPr>
+            <a:spLocks noGrp="1"/>
+          </p:cNvSpPr>
+          <p:nvPr>
+            <p:ph type="title"/>
+          </p:nvPr>
+        </p:nvSpPr>
+        <p:spPr/>
+        <p:txBody>
+          <a:bodyPr/>
+          <a:lstStyle/>
+          <a:p>
+            <a:pPr algn="ctr"/>
+            <a:r>
+              <a:rPr lang="es-ES" dirty="0"/>
+              <a:t>Herramientas de desarrollo</a:t>
+            </a:r>
+          </a:p>
+        </p:txBody>
+      </p:sp>
       <p:pic>
         <p:nvPicPr>
-          <p:cNvPr id="3074" name="Picture 1">
+          <p:cNvPr id="4" name="Imagen 7">
             <a:extLst>
               <a:ext uri="{FF2B5EF4-FFF2-40B4-BE49-F238E27FC236}">
-                <a16:creationId xmlns:a16="http://schemas.microsoft.com/office/drawing/2014/main" id="{9DC66159-C388-4239-B779-8B52EB223B9F}"/>
+                <a16:creationId xmlns:a16="http://schemas.microsoft.com/office/drawing/2014/main" id="{3B5700F6-7EBF-2D7B-38DB-437ABD6F5FAD}"/>
+              </a:ext>
+            </a:extLst>
+          </p:cNvPr>
+          <p:cNvPicPr>
+            <a:picLocks noChangeAspect="1" noChangeArrowheads="1"/>
+          </p:cNvPicPr>
+          <p:nvPr/>
+        </p:nvPicPr>
+        <p:blipFill>
+          <a:blip r:embed="rId2">
+            <a:extLst>
+              <a:ext uri="{28A0092B-C50C-407E-A947-70E740481C1C}">
+                <a14:useLocalDpi xmlns:a14="http://schemas.microsoft.com/office/drawing/2010/main" val="0"/>
+              </a:ext>
+            </a:extLst>
+          </a:blip>
+          <a:srcRect/>
+          <a:stretch>
+            <a:fillRect/>
+          </a:stretch>
+        </p:blipFill>
+        <p:spPr bwMode="auto">
+          <a:xfrm>
+            <a:off x="1069848" y="4021074"/>
+            <a:ext cx="1162050" cy="1163637"/>
+          </a:xfrm>
+          <a:prstGeom prst="rect">
+            <a:avLst/>
+          </a:prstGeom>
+          <a:ln w="38100" cap="sq">
+            <a:solidFill>
+              <a:srgbClr val="000000"/>
+            </a:solidFill>
+            <a:prstDash val="solid"/>
+            <a:miter lim="800000"/>
+          </a:ln>
+          <a:effectLst>
+            <a:outerShdw blurRad="50800" dist="38100" dir="2700000" algn="tl" rotWithShape="0">
+              <a:srgbClr val="000000">
+                <a:alpha val="43000"/>
+              </a:srgbClr>
+            </a:outerShdw>
+          </a:effectLst>
+          <a:extLst>
+            <a:ext uri="{909E8E84-426E-40DD-AFC4-6F175D3DCCD1}">
+              <a14:hiddenFill xmlns:a14="http://schemas.microsoft.com/office/drawing/2010/main">
+                <a:solidFill>
+                  <a:srgbClr val="FFFFFF"/>
+                </a:solidFill>
+              </a14:hiddenFill>
+            </a:ext>
+            <a:ext uri="{91240B29-F687-4F45-9708-019B960494DF}">
+              <a14:hiddenLine xmlns:a14="http://schemas.microsoft.com/office/drawing/2010/main" w="9525">
+                <a:solidFill>
+                  <a:srgbClr val="000000"/>
+                </a:solidFill>
+                <a:miter lim="800000"/>
+                <a:headEnd/>
+                <a:tailEnd/>
+              </a14:hiddenLine>
+            </a:ext>
+          </a:extLst>
+        </p:spPr>
+      </p:pic>
+      <p:pic>
+        <p:nvPicPr>
+          <p:cNvPr id="5" name="Imagen 8">
+            <a:extLst>
+              <a:ext uri="{FF2B5EF4-FFF2-40B4-BE49-F238E27FC236}">
+                <a16:creationId xmlns:a16="http://schemas.microsoft.com/office/drawing/2014/main" id="{F87AB91A-473B-8C3A-8FD4-0EC6AA1E2CF1}"/>
               </a:ext>
             </a:extLst>
           </p:cNvPr>
@@ -6686,57 +7242,53 @@
         </p:blipFill>
         <p:spPr bwMode="auto">
           <a:xfrm>
-            <a:off x="0" y="0"/>
-            <a:ext cx="4011562" cy="6858000"/>
+            <a:off x="7871607" y="1977235"/>
+            <a:ext cx="1162050" cy="1163638"/>
           </a:xfrm>
           <a:prstGeom prst="rect">
             <a:avLst/>
           </a:prstGeom>
-          <a:noFill/>
-          <a:ln>
-            <a:noFill/>
+          <a:ln w="38100" cap="sq">
+            <a:solidFill>
+              <a:srgbClr val="000000"/>
+            </a:solidFill>
+            <a:prstDash val="solid"/>
+            <a:miter lim="800000"/>
           </a:ln>
-          <a:effectLst/>
+          <a:effectLst>
+            <a:outerShdw blurRad="50800" dist="38100" dir="2700000" algn="tl" rotWithShape="0">
+              <a:srgbClr val="000000">
+                <a:alpha val="43000"/>
+              </a:srgbClr>
+            </a:outerShdw>
+          </a:effectLst>
           <a:extLst>
             <a:ext uri="{909E8E84-426E-40DD-AFC4-6F175D3DCCD1}">
               <a14:hiddenFill xmlns:a14="http://schemas.microsoft.com/office/drawing/2010/main">
-                <a:blipFill dpi="0" rotWithShape="0">
-                  <a:blip/>
-                  <a:srcRect/>
-                  <a:stretch>
-                    <a:fillRect/>
-                  </a:stretch>
-                </a:blipFill>
+                <a:solidFill>
+                  <a:srgbClr val="FFFFFF"/>
+                </a:solidFill>
               </a14:hiddenFill>
             </a:ext>
             <a:ext uri="{91240B29-F687-4F45-9708-019B960494DF}">
               <a14:hiddenLine xmlns:a14="http://schemas.microsoft.com/office/drawing/2010/main" w="9525">
                 <a:solidFill>
-                  <a:srgbClr val="3465A4"/>
-                </a:solidFill>
-                <a:round/>
+                  <a:srgbClr val="000000"/>
+                </a:solidFill>
+                <a:miter lim="800000"/>
                 <a:headEnd/>
                 <a:tailEnd/>
               </a14:hiddenLine>
-            </a:ext>
-            <a:ext uri="{AF507438-7753-43E0-B8FC-AC1667EBCBE1}">
-              <a14:hiddenEffects xmlns:a14="http://schemas.microsoft.com/office/drawing/2010/main">
-                <a:effectLst>
-                  <a:outerShdw dist="35921" dir="2700000" algn="ctr" rotWithShape="0">
-                    <a:srgbClr val="808080"/>
-                  </a:outerShdw>
-                </a:effectLst>
-              </a14:hiddenEffects>
             </a:ext>
           </a:extLst>
         </p:spPr>
       </p:pic>
       <p:pic>
         <p:nvPicPr>
-          <p:cNvPr id="3075" name="Picture 2">
+          <p:cNvPr id="6" name="Imagen 9">
             <a:extLst>
               <a:ext uri="{FF2B5EF4-FFF2-40B4-BE49-F238E27FC236}">
-                <a16:creationId xmlns:a16="http://schemas.microsoft.com/office/drawing/2014/main" id="{88495DEA-FEBE-4103-85AD-41859F53FD35}"/>
+                <a16:creationId xmlns:a16="http://schemas.microsoft.com/office/drawing/2014/main" id="{982E4272-6C2D-106F-CEC7-7CABA7F4460B}"/>
               </a:ext>
             </a:extLst>
           </p:cNvPr>
@@ -6760,8 +7312,135 @@
         </p:blipFill>
         <p:spPr bwMode="auto">
           <a:xfrm>
-            <a:off x="6931818" y="547016"/>
-            <a:ext cx="2328863" cy="625475"/>
+            <a:off x="7967741" y="3890526"/>
+            <a:ext cx="2512476" cy="1485900"/>
+          </a:xfrm>
+          <a:prstGeom prst="rect">
+            <a:avLst/>
+          </a:prstGeom>
+          <a:ln w="38100" cap="sq">
+            <a:solidFill>
+              <a:srgbClr val="000000"/>
+            </a:solidFill>
+            <a:prstDash val="solid"/>
+            <a:miter lim="800000"/>
+          </a:ln>
+          <a:effectLst>
+            <a:outerShdw blurRad="50800" dist="38100" dir="2700000" algn="tl" rotWithShape="0">
+              <a:srgbClr val="000000">
+                <a:alpha val="43000"/>
+              </a:srgbClr>
+            </a:outerShdw>
+          </a:effectLst>
+          <a:extLst>
+            <a:ext uri="{909E8E84-426E-40DD-AFC4-6F175D3DCCD1}">
+              <a14:hiddenFill xmlns:a14="http://schemas.microsoft.com/office/drawing/2010/main">
+                <a:solidFill>
+                  <a:srgbClr val="FFFFFF"/>
+                </a:solidFill>
+              </a14:hiddenFill>
+            </a:ext>
+            <a:ext uri="{91240B29-F687-4F45-9708-019B960494DF}">
+              <a14:hiddenLine xmlns:a14="http://schemas.microsoft.com/office/drawing/2010/main" w="9525">
+                <a:solidFill>
+                  <a:srgbClr val="000000"/>
+                </a:solidFill>
+                <a:miter lim="800000"/>
+                <a:headEnd/>
+                <a:tailEnd/>
+              </a14:hiddenLine>
+            </a:ext>
+          </a:extLst>
+        </p:spPr>
+      </p:pic>
+      <p:pic>
+        <p:nvPicPr>
+          <p:cNvPr id="7" name="Imagen 11">
+            <a:extLst>
+              <a:ext uri="{FF2B5EF4-FFF2-40B4-BE49-F238E27FC236}">
+                <a16:creationId xmlns:a16="http://schemas.microsoft.com/office/drawing/2014/main" id="{442A4FAF-7353-0543-0E1A-6055F13F1F1E}"/>
+              </a:ext>
+            </a:extLst>
+          </p:cNvPr>
+          <p:cNvPicPr>
+            <a:picLocks noChangeAspect="1" noChangeArrowheads="1"/>
+          </p:cNvPicPr>
+          <p:nvPr/>
+        </p:nvPicPr>
+        <p:blipFill>
+          <a:blip r:embed="rId5">
+            <a:extLst>
+              <a:ext uri="{28A0092B-C50C-407E-A947-70E740481C1C}">
+                <a14:useLocalDpi xmlns:a14="http://schemas.microsoft.com/office/drawing/2010/main" val="0"/>
+              </a:ext>
+            </a:extLst>
+          </a:blip>
+          <a:srcRect/>
+          <a:stretch>
+            <a:fillRect/>
+          </a:stretch>
+        </p:blipFill>
+        <p:spPr bwMode="auto">
+          <a:xfrm>
+            <a:off x="2507400" y="2494193"/>
+            <a:ext cx="1847850" cy="869950"/>
+          </a:xfrm>
+          <a:prstGeom prst="rect">
+            <a:avLst/>
+          </a:prstGeom>
+          <a:ln w="38100" cap="sq">
+            <a:solidFill>
+              <a:srgbClr val="000000"/>
+            </a:solidFill>
+            <a:prstDash val="solid"/>
+            <a:miter lim="800000"/>
+          </a:ln>
+          <a:effectLst>
+            <a:outerShdw blurRad="50800" dist="38100" dir="2700000" algn="tl" rotWithShape="0">
+              <a:srgbClr val="000000">
+                <a:alpha val="43000"/>
+              </a:srgbClr>
+            </a:outerShdw>
+          </a:effectLst>
+          <a:extLst>
+            <a:ext uri="{909E8E84-426E-40DD-AFC4-6F175D3DCCD1}">
+              <a14:hiddenFill xmlns:a14="http://schemas.microsoft.com/office/drawing/2010/main">
+                <a:solidFill>
+                  <a:srgbClr val="FFFFFF"/>
+                </a:solidFill>
+              </a14:hiddenFill>
+            </a:ext>
+            <a:ext uri="{91240B29-F687-4F45-9708-019B960494DF}">
+              <a14:hiddenLine xmlns:a14="http://schemas.microsoft.com/office/drawing/2010/main" w="9525">
+                <a:solidFill>
+                  <a:srgbClr val="000000"/>
+                </a:solidFill>
+                <a:miter lim="800000"/>
+                <a:headEnd/>
+                <a:tailEnd/>
+              </a14:hiddenLine>
+            </a:ext>
+          </a:extLst>
+        </p:spPr>
+      </p:pic>
+      <p:sp>
+        <p:nvSpPr>
+          <p:cNvPr id="8" name="Rectángulo 1">
+            <a:extLst>
+              <a:ext uri="{FF2B5EF4-FFF2-40B4-BE49-F238E27FC236}">
+                <a16:creationId xmlns:a16="http://schemas.microsoft.com/office/drawing/2014/main" id="{C6086DBD-6C58-1054-0100-7299E9B56474}"/>
+              </a:ext>
+            </a:extLst>
+          </p:cNvPr>
+          <p:cNvSpPr>
+            <a:spLocks noChangeArrowheads="1"/>
+          </p:cNvSpPr>
+          <p:nvPr/>
+        </p:nvSpPr>
+        <p:spPr bwMode="auto">
+          <a:xfrm>
+            <a:off x="2315535" y="4819586"/>
+            <a:ext cx="697627" cy="369332"/>
           </a:xfrm>
           <a:prstGeom prst="rect">
             <a:avLst/>
@@ -6770,59 +7449,202 @@
           <a:ln>
             <a:noFill/>
           </a:ln>
-          <a:effectLst/>
           <a:extLst>
             <a:ext uri="{909E8E84-426E-40DD-AFC4-6F175D3DCCD1}">
               <a14:hiddenFill xmlns:a14="http://schemas.microsoft.com/office/drawing/2010/main">
-                <a:blipFill dpi="0" rotWithShape="0">
-                  <a:blip/>
-                  <a:srcRect/>
-                  <a:stretch>
-                    <a:fillRect/>
-                  </a:stretch>
-                </a:blipFill>
+                <a:solidFill>
+                  <a:srgbClr val="FFFFFF"/>
+                </a:solidFill>
               </a14:hiddenFill>
             </a:ext>
             <a:ext uri="{91240B29-F687-4F45-9708-019B960494DF}">
               <a14:hiddenLine xmlns:a14="http://schemas.microsoft.com/office/drawing/2010/main" w="9525">
                 <a:solidFill>
-                  <a:srgbClr val="3465A4"/>
-                </a:solidFill>
-                <a:round/>
+                  <a:srgbClr val="000000"/>
+                </a:solidFill>
+                <a:miter lim="800000"/>
                 <a:headEnd/>
                 <a:tailEnd/>
               </a14:hiddenLine>
             </a:ext>
-            <a:ext uri="{AF507438-7753-43E0-B8FC-AC1667EBCBE1}">
-              <a14:hiddenEffects xmlns:a14="http://schemas.microsoft.com/office/drawing/2010/main">
-                <a:effectLst>
-                  <a:outerShdw dist="35921" dir="2700000" algn="ctr" rotWithShape="0">
-                    <a:srgbClr val="808080"/>
-                  </a:outerShdw>
-                </a:effectLst>
-              </a14:hiddenEffects>
-            </a:ext>
           </a:extLst>
         </p:spPr>
-      </p:pic>
-      <p:sp>
-        <p:nvSpPr>
-          <p:cNvPr id="3076" name="Text Box 3">
+        <p:txBody>
+          <a:bodyPr wrap="none">
+            <a:spAutoFit/>
+          </a:bodyPr>
+          <a:lstStyle>
+            <a:lvl1pPr>
+              <a:spcBef>
+                <a:spcPct val="20000"/>
+              </a:spcBef>
+              <a:buFont typeface="Arial" panose="020B0604020202020204" pitchFamily="34" charset="0"/>
+              <a:buChar char="•"/>
+              <a:defRPr sz="3200">
+                <a:solidFill>
+                  <a:schemeClr val="tx1"/>
+                </a:solidFill>
+                <a:latin typeface="Calibri" panose="020F0502020204030204" pitchFamily="34" charset="0"/>
+              </a:defRPr>
+            </a:lvl1pPr>
+            <a:lvl2pPr marL="742950" indent="-285750">
+              <a:spcBef>
+                <a:spcPct val="20000"/>
+              </a:spcBef>
+              <a:buFont typeface="Arial" panose="020B0604020202020204" pitchFamily="34" charset="0"/>
+              <a:buChar char="–"/>
+              <a:defRPr sz="2800">
+                <a:solidFill>
+                  <a:schemeClr val="tx1"/>
+                </a:solidFill>
+                <a:latin typeface="Calibri" panose="020F0502020204030204" pitchFamily="34" charset="0"/>
+              </a:defRPr>
+            </a:lvl2pPr>
+            <a:lvl3pPr marL="1143000" indent="-228600">
+              <a:spcBef>
+                <a:spcPct val="20000"/>
+              </a:spcBef>
+              <a:buFont typeface="Arial" panose="020B0604020202020204" pitchFamily="34" charset="0"/>
+              <a:buChar char="•"/>
+              <a:defRPr sz="2400">
+                <a:solidFill>
+                  <a:schemeClr val="tx1"/>
+                </a:solidFill>
+                <a:latin typeface="Calibri" panose="020F0502020204030204" pitchFamily="34" charset="0"/>
+              </a:defRPr>
+            </a:lvl3pPr>
+            <a:lvl4pPr marL="1600200" indent="-228600">
+              <a:spcBef>
+                <a:spcPct val="20000"/>
+              </a:spcBef>
+              <a:buFont typeface="Arial" panose="020B0604020202020204" pitchFamily="34" charset="0"/>
+              <a:buChar char="–"/>
+              <a:defRPr sz="2000">
+                <a:solidFill>
+                  <a:schemeClr val="tx1"/>
+                </a:solidFill>
+                <a:latin typeface="Calibri" panose="020F0502020204030204" pitchFamily="34" charset="0"/>
+              </a:defRPr>
+            </a:lvl4pPr>
+            <a:lvl5pPr marL="2057400" indent="-228600">
+              <a:spcBef>
+                <a:spcPct val="20000"/>
+              </a:spcBef>
+              <a:buFont typeface="Arial" panose="020B0604020202020204" pitchFamily="34" charset="0"/>
+              <a:buChar char="»"/>
+              <a:defRPr sz="2000">
+                <a:solidFill>
+                  <a:schemeClr val="tx1"/>
+                </a:solidFill>
+                <a:latin typeface="Calibri" panose="020F0502020204030204" pitchFamily="34" charset="0"/>
+              </a:defRPr>
+            </a:lvl5pPr>
+            <a:lvl6pPr marL="2514600" indent="-228600" eaLnBrk="0" fontAlgn="base" hangingPunct="0">
+              <a:spcBef>
+                <a:spcPct val="20000"/>
+              </a:spcBef>
+              <a:spcAft>
+                <a:spcPct val="0"/>
+              </a:spcAft>
+              <a:buFont typeface="Arial" panose="020B0604020202020204" pitchFamily="34" charset="0"/>
+              <a:buChar char="»"/>
+              <a:defRPr sz="2000">
+                <a:solidFill>
+                  <a:schemeClr val="tx1"/>
+                </a:solidFill>
+                <a:latin typeface="Calibri" panose="020F0502020204030204" pitchFamily="34" charset="0"/>
+              </a:defRPr>
+            </a:lvl6pPr>
+            <a:lvl7pPr marL="2971800" indent="-228600" eaLnBrk="0" fontAlgn="base" hangingPunct="0">
+              <a:spcBef>
+                <a:spcPct val="20000"/>
+              </a:spcBef>
+              <a:spcAft>
+                <a:spcPct val="0"/>
+              </a:spcAft>
+              <a:buFont typeface="Arial" panose="020B0604020202020204" pitchFamily="34" charset="0"/>
+              <a:buChar char="»"/>
+              <a:defRPr sz="2000">
+                <a:solidFill>
+                  <a:schemeClr val="tx1"/>
+                </a:solidFill>
+                <a:latin typeface="Calibri" panose="020F0502020204030204" pitchFamily="34" charset="0"/>
+              </a:defRPr>
+            </a:lvl7pPr>
+            <a:lvl8pPr marL="3429000" indent="-228600" eaLnBrk="0" fontAlgn="base" hangingPunct="0">
+              <a:spcBef>
+                <a:spcPct val="20000"/>
+              </a:spcBef>
+              <a:spcAft>
+                <a:spcPct val="0"/>
+              </a:spcAft>
+              <a:buFont typeface="Arial" panose="020B0604020202020204" pitchFamily="34" charset="0"/>
+              <a:buChar char="»"/>
+              <a:defRPr sz="2000">
+                <a:solidFill>
+                  <a:schemeClr val="tx1"/>
+                </a:solidFill>
+                <a:latin typeface="Calibri" panose="020F0502020204030204" pitchFamily="34" charset="0"/>
+              </a:defRPr>
+            </a:lvl8pPr>
+            <a:lvl9pPr marL="3886200" indent="-228600" eaLnBrk="0" fontAlgn="base" hangingPunct="0">
+              <a:spcBef>
+                <a:spcPct val="20000"/>
+              </a:spcBef>
+              <a:spcAft>
+                <a:spcPct val="0"/>
+              </a:spcAft>
+              <a:buFont typeface="Arial" panose="020B0604020202020204" pitchFamily="34" charset="0"/>
+              <a:buChar char="»"/>
+              <a:defRPr sz="2000">
+                <a:solidFill>
+                  <a:schemeClr val="tx1"/>
+                </a:solidFill>
+                <a:latin typeface="Calibri" panose="020F0502020204030204" pitchFamily="34" charset="0"/>
+              </a:defRPr>
+            </a:lvl9pPr>
+          </a:lstStyle>
+          <a:p>
+            <a:pPr>
+              <a:spcBef>
+                <a:spcPct val="0"/>
+              </a:spcBef>
+              <a:buFontTx/>
+              <a:buNone/>
+            </a:pPr>
+            <a:r>
+              <a:rPr lang="es-CU" altLang="es-CU" sz="1800" dirty="0">
+                <a:solidFill>
+                  <a:srgbClr val="000000"/>
+                </a:solidFill>
+                <a:latin typeface="Arial" panose="020B0604020202020204" pitchFamily="34" charset="0"/>
+              </a:rPr>
+              <a:t>3.8.0</a:t>
+            </a:r>
+            <a:endParaRPr lang="es-CU" altLang="es-CU" sz="1800" dirty="0">
+              <a:latin typeface="Arial" panose="020B0604020202020204" pitchFamily="34" charset="0"/>
+            </a:endParaRPr>
+          </a:p>
+        </p:txBody>
+      </p:sp>
+      <p:sp>
+        <p:nvSpPr>
+          <p:cNvPr id="9" name="Rectángulo 2">
             <a:extLst>
               <a:ext uri="{FF2B5EF4-FFF2-40B4-BE49-F238E27FC236}">
-                <a16:creationId xmlns:a16="http://schemas.microsoft.com/office/drawing/2014/main" id="{E1923479-41EA-4291-AA4D-9AA7710E0BC2}"/>
+                <a16:creationId xmlns:a16="http://schemas.microsoft.com/office/drawing/2014/main" id="{C011A753-56DC-DE82-4A4A-89908A184ABB}"/>
               </a:ext>
             </a:extLst>
           </p:cNvPr>
-          <p:cNvSpPr txBox="1">
+          <p:cNvSpPr>
             <a:spLocks noChangeArrowheads="1"/>
           </p:cNvSpPr>
           <p:nvPr/>
         </p:nvSpPr>
         <p:spPr bwMode="auto">
           <a:xfrm>
-            <a:off x="5342220" y="1738158"/>
-            <a:ext cx="5676439" cy="2679837"/>
+            <a:off x="9197843" y="2744502"/>
+            <a:ext cx="697627" cy="369332"/>
           </a:xfrm>
           <a:prstGeom prst="rect">
             <a:avLst/>
@@ -6831,7 +7653,6 @@
           <a:ln>
             <a:noFill/>
           </a:ln>
-          <a:effectLst/>
           <a:extLst>
             <a:ext uri="{909E8E84-426E-40DD-AFC4-6F175D3DCCD1}">
               <a14:hiddenFill xmlns:a14="http://schemas.microsoft.com/office/drawing/2010/main">
@@ -6843,437 +7664,188 @@
             <a:ext uri="{91240B29-F687-4F45-9708-019B960494DF}">
               <a14:hiddenLine xmlns:a14="http://schemas.microsoft.com/office/drawing/2010/main" w="9525">
                 <a:solidFill>
-                  <a:srgbClr val="3465A4"/>
-                </a:solidFill>
-                <a:round/>
+                  <a:srgbClr val="000000"/>
+                </a:solidFill>
+                <a:miter lim="800000"/>
                 <a:headEnd/>
                 <a:tailEnd/>
               </a14:hiddenLine>
             </a:ext>
-            <a:ext uri="{AF507438-7753-43E0-B8FC-AC1667EBCBE1}">
-              <a14:hiddenEffects xmlns:a14="http://schemas.microsoft.com/office/drawing/2010/main">
-                <a:effectLst>
-                  <a:outerShdw dist="35921" dir="2700000" algn="ctr" rotWithShape="0">
-                    <a:srgbClr val="808080"/>
-                  </a:outerShdw>
-                </a:effectLst>
-              </a14:hiddenEffects>
-            </a:ext>
           </a:extLst>
         </p:spPr>
         <p:txBody>
-          <a:bodyPr wrap="square" lIns="90000" tIns="46800" rIns="90000" bIns="46800">
+          <a:bodyPr wrap="none">
             <a:spAutoFit/>
           </a:bodyPr>
           <a:lstStyle>
             <a:lvl1pPr>
-              <a:tabLst>
-                <a:tab pos="0" algn="l"/>
-                <a:tab pos="447675" algn="l"/>
-                <a:tab pos="896938" algn="l"/>
-                <a:tab pos="1346200" algn="l"/>
-                <a:tab pos="1795463" algn="l"/>
-                <a:tab pos="2244725" algn="l"/>
-                <a:tab pos="2693988" algn="l"/>
-                <a:tab pos="3143250" algn="l"/>
-                <a:tab pos="3592513" algn="l"/>
-                <a:tab pos="4041775" algn="l"/>
-                <a:tab pos="4491038" algn="l"/>
-                <a:tab pos="4940300" algn="l"/>
-                <a:tab pos="5389563" algn="l"/>
-                <a:tab pos="5838825" algn="l"/>
-                <a:tab pos="6288088" algn="l"/>
-                <a:tab pos="6737350" algn="l"/>
-                <a:tab pos="7186613" algn="l"/>
-                <a:tab pos="7635875" algn="l"/>
-                <a:tab pos="8085138" algn="l"/>
-                <a:tab pos="8534400" algn="l"/>
-                <a:tab pos="8983663" algn="l"/>
-              </a:tabLst>
-              <a:defRPr>
-                <a:solidFill>
-                  <a:schemeClr val="bg1"/>
-                </a:solidFill>
-                <a:latin typeface="Arial" panose="020B0604020202020204" pitchFamily="34" charset="0"/>
-                <a:cs typeface="Arial" panose="020B0604020202020204" pitchFamily="34" charset="0"/>
+              <a:spcBef>
+                <a:spcPct val="20000"/>
+              </a:spcBef>
+              <a:buFont typeface="Arial" panose="020B0604020202020204" pitchFamily="34" charset="0"/>
+              <a:buChar char="•"/>
+              <a:defRPr sz="3200">
+                <a:solidFill>
+                  <a:schemeClr val="tx1"/>
+                </a:solidFill>
+                <a:latin typeface="Calibri" panose="020F0502020204030204" pitchFamily="34" charset="0"/>
               </a:defRPr>
             </a:lvl1pPr>
-            <a:lvl2pPr>
-              <a:tabLst>
-                <a:tab pos="0" algn="l"/>
-                <a:tab pos="447675" algn="l"/>
-                <a:tab pos="896938" algn="l"/>
-                <a:tab pos="1346200" algn="l"/>
-                <a:tab pos="1795463" algn="l"/>
-                <a:tab pos="2244725" algn="l"/>
-                <a:tab pos="2693988" algn="l"/>
-                <a:tab pos="3143250" algn="l"/>
-                <a:tab pos="3592513" algn="l"/>
-                <a:tab pos="4041775" algn="l"/>
-                <a:tab pos="4491038" algn="l"/>
-                <a:tab pos="4940300" algn="l"/>
-                <a:tab pos="5389563" algn="l"/>
-                <a:tab pos="5838825" algn="l"/>
-                <a:tab pos="6288088" algn="l"/>
-                <a:tab pos="6737350" algn="l"/>
-                <a:tab pos="7186613" algn="l"/>
-                <a:tab pos="7635875" algn="l"/>
-                <a:tab pos="8085138" algn="l"/>
-                <a:tab pos="8534400" algn="l"/>
-                <a:tab pos="8983663" algn="l"/>
-              </a:tabLst>
-              <a:defRPr>
-                <a:solidFill>
-                  <a:schemeClr val="bg1"/>
-                </a:solidFill>
-                <a:latin typeface="Arial" panose="020B0604020202020204" pitchFamily="34" charset="0"/>
-                <a:cs typeface="Arial" panose="020B0604020202020204" pitchFamily="34" charset="0"/>
+            <a:lvl2pPr marL="742950" indent="-285750">
+              <a:spcBef>
+                <a:spcPct val="20000"/>
+              </a:spcBef>
+              <a:buFont typeface="Arial" panose="020B0604020202020204" pitchFamily="34" charset="0"/>
+              <a:buChar char="–"/>
+              <a:defRPr sz="2800">
+                <a:solidFill>
+                  <a:schemeClr val="tx1"/>
+                </a:solidFill>
+                <a:latin typeface="Calibri" panose="020F0502020204030204" pitchFamily="34" charset="0"/>
               </a:defRPr>
             </a:lvl2pPr>
-            <a:lvl3pPr>
-              <a:tabLst>
-                <a:tab pos="0" algn="l"/>
-                <a:tab pos="447675" algn="l"/>
-                <a:tab pos="896938" algn="l"/>
-                <a:tab pos="1346200" algn="l"/>
-                <a:tab pos="1795463" algn="l"/>
-                <a:tab pos="2244725" algn="l"/>
-                <a:tab pos="2693988" algn="l"/>
-                <a:tab pos="3143250" algn="l"/>
-                <a:tab pos="3592513" algn="l"/>
-                <a:tab pos="4041775" algn="l"/>
-                <a:tab pos="4491038" algn="l"/>
-                <a:tab pos="4940300" algn="l"/>
-                <a:tab pos="5389563" algn="l"/>
-                <a:tab pos="5838825" algn="l"/>
-                <a:tab pos="6288088" algn="l"/>
-                <a:tab pos="6737350" algn="l"/>
-                <a:tab pos="7186613" algn="l"/>
-                <a:tab pos="7635875" algn="l"/>
-                <a:tab pos="8085138" algn="l"/>
-                <a:tab pos="8534400" algn="l"/>
-                <a:tab pos="8983663" algn="l"/>
-              </a:tabLst>
-              <a:defRPr>
-                <a:solidFill>
-                  <a:schemeClr val="bg1"/>
-                </a:solidFill>
-                <a:latin typeface="Arial" panose="020B0604020202020204" pitchFamily="34" charset="0"/>
-                <a:cs typeface="Arial" panose="020B0604020202020204" pitchFamily="34" charset="0"/>
+            <a:lvl3pPr marL="1143000" indent="-228600">
+              <a:spcBef>
+                <a:spcPct val="20000"/>
+              </a:spcBef>
+              <a:buFont typeface="Arial" panose="020B0604020202020204" pitchFamily="34" charset="0"/>
+              <a:buChar char="•"/>
+              <a:defRPr sz="2400">
+                <a:solidFill>
+                  <a:schemeClr val="tx1"/>
+                </a:solidFill>
+                <a:latin typeface="Calibri" panose="020F0502020204030204" pitchFamily="34" charset="0"/>
               </a:defRPr>
             </a:lvl3pPr>
-            <a:lvl4pPr>
-              <a:tabLst>
-                <a:tab pos="0" algn="l"/>
-                <a:tab pos="447675" algn="l"/>
-                <a:tab pos="896938" algn="l"/>
-                <a:tab pos="1346200" algn="l"/>
-                <a:tab pos="1795463" algn="l"/>
-                <a:tab pos="2244725" algn="l"/>
-                <a:tab pos="2693988" algn="l"/>
-                <a:tab pos="3143250" algn="l"/>
-                <a:tab pos="3592513" algn="l"/>
-                <a:tab pos="4041775" algn="l"/>
-                <a:tab pos="4491038" algn="l"/>
-                <a:tab pos="4940300" algn="l"/>
-                <a:tab pos="5389563" algn="l"/>
-                <a:tab pos="5838825" algn="l"/>
-                <a:tab pos="6288088" algn="l"/>
-                <a:tab pos="6737350" algn="l"/>
-                <a:tab pos="7186613" algn="l"/>
-                <a:tab pos="7635875" algn="l"/>
-                <a:tab pos="8085138" algn="l"/>
-                <a:tab pos="8534400" algn="l"/>
-                <a:tab pos="8983663" algn="l"/>
-              </a:tabLst>
-              <a:defRPr>
-                <a:solidFill>
-                  <a:schemeClr val="bg1"/>
-                </a:solidFill>
-                <a:latin typeface="Arial" panose="020B0604020202020204" pitchFamily="34" charset="0"/>
-                <a:cs typeface="Arial" panose="020B0604020202020204" pitchFamily="34" charset="0"/>
+            <a:lvl4pPr marL="1600200" indent="-228600">
+              <a:spcBef>
+                <a:spcPct val="20000"/>
+              </a:spcBef>
+              <a:buFont typeface="Arial" panose="020B0604020202020204" pitchFamily="34" charset="0"/>
+              <a:buChar char="–"/>
+              <a:defRPr sz="2000">
+                <a:solidFill>
+                  <a:schemeClr val="tx1"/>
+                </a:solidFill>
+                <a:latin typeface="Calibri" panose="020F0502020204030204" pitchFamily="34" charset="0"/>
               </a:defRPr>
             </a:lvl4pPr>
-            <a:lvl5pPr>
-              <a:tabLst>
-                <a:tab pos="0" algn="l"/>
-                <a:tab pos="447675" algn="l"/>
-                <a:tab pos="896938" algn="l"/>
-                <a:tab pos="1346200" algn="l"/>
-                <a:tab pos="1795463" algn="l"/>
-                <a:tab pos="2244725" algn="l"/>
-                <a:tab pos="2693988" algn="l"/>
-                <a:tab pos="3143250" algn="l"/>
-                <a:tab pos="3592513" algn="l"/>
-                <a:tab pos="4041775" algn="l"/>
-                <a:tab pos="4491038" algn="l"/>
-                <a:tab pos="4940300" algn="l"/>
-                <a:tab pos="5389563" algn="l"/>
-                <a:tab pos="5838825" algn="l"/>
-                <a:tab pos="6288088" algn="l"/>
-                <a:tab pos="6737350" algn="l"/>
-                <a:tab pos="7186613" algn="l"/>
-                <a:tab pos="7635875" algn="l"/>
-                <a:tab pos="8085138" algn="l"/>
-                <a:tab pos="8534400" algn="l"/>
-                <a:tab pos="8983663" algn="l"/>
-              </a:tabLst>
-              <a:defRPr>
-                <a:solidFill>
-                  <a:schemeClr val="bg1"/>
-                </a:solidFill>
-                <a:latin typeface="Arial" panose="020B0604020202020204" pitchFamily="34" charset="0"/>
-                <a:cs typeface="Arial" panose="020B0604020202020204" pitchFamily="34" charset="0"/>
+            <a:lvl5pPr marL="2057400" indent="-228600">
+              <a:spcBef>
+                <a:spcPct val="20000"/>
+              </a:spcBef>
+              <a:buFont typeface="Arial" panose="020B0604020202020204" pitchFamily="34" charset="0"/>
+              <a:buChar char="»"/>
+              <a:defRPr sz="2000">
+                <a:solidFill>
+                  <a:schemeClr val="tx1"/>
+                </a:solidFill>
+                <a:latin typeface="Calibri" panose="020F0502020204030204" pitchFamily="34" charset="0"/>
               </a:defRPr>
             </a:lvl5pPr>
-            <a:lvl6pPr marL="2514600" indent="-228600" defTabSz="449263" eaLnBrk="0" fontAlgn="base" hangingPunct="0">
+            <a:lvl6pPr marL="2514600" indent="-228600" eaLnBrk="0" fontAlgn="base" hangingPunct="0">
               <a:spcBef>
-                <a:spcPct val="0"/>
+                <a:spcPct val="20000"/>
               </a:spcBef>
               <a:spcAft>
                 <a:spcPct val="0"/>
               </a:spcAft>
-              <a:tabLst>
-                <a:tab pos="0" algn="l"/>
-                <a:tab pos="447675" algn="l"/>
-                <a:tab pos="896938" algn="l"/>
-                <a:tab pos="1346200" algn="l"/>
-                <a:tab pos="1795463" algn="l"/>
-                <a:tab pos="2244725" algn="l"/>
-                <a:tab pos="2693988" algn="l"/>
-                <a:tab pos="3143250" algn="l"/>
-                <a:tab pos="3592513" algn="l"/>
-                <a:tab pos="4041775" algn="l"/>
-                <a:tab pos="4491038" algn="l"/>
-                <a:tab pos="4940300" algn="l"/>
-                <a:tab pos="5389563" algn="l"/>
-                <a:tab pos="5838825" algn="l"/>
-                <a:tab pos="6288088" algn="l"/>
-                <a:tab pos="6737350" algn="l"/>
-                <a:tab pos="7186613" algn="l"/>
-                <a:tab pos="7635875" algn="l"/>
-                <a:tab pos="8085138" algn="l"/>
-                <a:tab pos="8534400" algn="l"/>
-                <a:tab pos="8983663" algn="l"/>
-              </a:tabLst>
-              <a:defRPr>
-                <a:solidFill>
-                  <a:schemeClr val="bg1"/>
-                </a:solidFill>
-                <a:latin typeface="Arial" panose="020B0604020202020204" pitchFamily="34" charset="0"/>
-                <a:cs typeface="Arial" panose="020B0604020202020204" pitchFamily="34" charset="0"/>
+              <a:buFont typeface="Arial" panose="020B0604020202020204" pitchFamily="34" charset="0"/>
+              <a:buChar char="»"/>
+              <a:defRPr sz="2000">
+                <a:solidFill>
+                  <a:schemeClr val="tx1"/>
+                </a:solidFill>
+                <a:latin typeface="Calibri" panose="020F0502020204030204" pitchFamily="34" charset="0"/>
               </a:defRPr>
             </a:lvl6pPr>
-            <a:lvl7pPr marL="2971800" indent="-228600" defTabSz="449263" eaLnBrk="0" fontAlgn="base" hangingPunct="0">
+            <a:lvl7pPr marL="2971800" indent="-228600" eaLnBrk="0" fontAlgn="base" hangingPunct="0">
               <a:spcBef>
-                <a:spcPct val="0"/>
+                <a:spcPct val="20000"/>
               </a:spcBef>
               <a:spcAft>
                 <a:spcPct val="0"/>
               </a:spcAft>
-              <a:tabLst>
-                <a:tab pos="0" algn="l"/>
-                <a:tab pos="447675" algn="l"/>
-                <a:tab pos="896938" algn="l"/>
-                <a:tab pos="1346200" algn="l"/>
-                <a:tab pos="1795463" algn="l"/>
-                <a:tab pos="2244725" algn="l"/>
-                <a:tab pos="2693988" algn="l"/>
-                <a:tab pos="3143250" algn="l"/>
-                <a:tab pos="3592513" algn="l"/>
-                <a:tab pos="4041775" algn="l"/>
-                <a:tab pos="4491038" algn="l"/>
-                <a:tab pos="4940300" algn="l"/>
-                <a:tab pos="5389563" algn="l"/>
-                <a:tab pos="5838825" algn="l"/>
-                <a:tab pos="6288088" algn="l"/>
-                <a:tab pos="6737350" algn="l"/>
-                <a:tab pos="7186613" algn="l"/>
-                <a:tab pos="7635875" algn="l"/>
-                <a:tab pos="8085138" algn="l"/>
-                <a:tab pos="8534400" algn="l"/>
-                <a:tab pos="8983663" algn="l"/>
-              </a:tabLst>
-              <a:defRPr>
-                <a:solidFill>
-                  <a:schemeClr val="bg1"/>
-                </a:solidFill>
-                <a:latin typeface="Arial" panose="020B0604020202020204" pitchFamily="34" charset="0"/>
-                <a:cs typeface="Arial" panose="020B0604020202020204" pitchFamily="34" charset="0"/>
+              <a:buFont typeface="Arial" panose="020B0604020202020204" pitchFamily="34" charset="0"/>
+              <a:buChar char="»"/>
+              <a:defRPr sz="2000">
+                <a:solidFill>
+                  <a:schemeClr val="tx1"/>
+                </a:solidFill>
+                <a:latin typeface="Calibri" panose="020F0502020204030204" pitchFamily="34" charset="0"/>
               </a:defRPr>
             </a:lvl7pPr>
-            <a:lvl8pPr marL="3429000" indent="-228600" defTabSz="449263" eaLnBrk="0" fontAlgn="base" hangingPunct="0">
+            <a:lvl8pPr marL="3429000" indent="-228600" eaLnBrk="0" fontAlgn="base" hangingPunct="0">
               <a:spcBef>
-                <a:spcPct val="0"/>
+                <a:spcPct val="20000"/>
               </a:spcBef>
               <a:spcAft>
                 <a:spcPct val="0"/>
               </a:spcAft>
-              <a:tabLst>
-                <a:tab pos="0" algn="l"/>
-                <a:tab pos="447675" algn="l"/>
-                <a:tab pos="896938" algn="l"/>
-                <a:tab pos="1346200" algn="l"/>
-                <a:tab pos="1795463" algn="l"/>
-                <a:tab pos="2244725" algn="l"/>
-                <a:tab pos="2693988" algn="l"/>
-                <a:tab pos="3143250" algn="l"/>
-                <a:tab pos="3592513" algn="l"/>
-                <a:tab pos="4041775" algn="l"/>
-                <a:tab pos="4491038" algn="l"/>
-                <a:tab pos="4940300" algn="l"/>
-                <a:tab pos="5389563" algn="l"/>
-                <a:tab pos="5838825" algn="l"/>
-                <a:tab pos="6288088" algn="l"/>
-                <a:tab pos="6737350" algn="l"/>
-                <a:tab pos="7186613" algn="l"/>
-                <a:tab pos="7635875" algn="l"/>
-                <a:tab pos="8085138" algn="l"/>
-                <a:tab pos="8534400" algn="l"/>
-                <a:tab pos="8983663" algn="l"/>
-              </a:tabLst>
-              <a:defRPr>
-                <a:solidFill>
-                  <a:schemeClr val="bg1"/>
-                </a:solidFill>
-                <a:latin typeface="Arial" panose="020B0604020202020204" pitchFamily="34" charset="0"/>
-                <a:cs typeface="Arial" panose="020B0604020202020204" pitchFamily="34" charset="0"/>
+              <a:buFont typeface="Arial" panose="020B0604020202020204" pitchFamily="34" charset="0"/>
+              <a:buChar char="»"/>
+              <a:defRPr sz="2000">
+                <a:solidFill>
+                  <a:schemeClr val="tx1"/>
+                </a:solidFill>
+                <a:latin typeface="Calibri" panose="020F0502020204030204" pitchFamily="34" charset="0"/>
               </a:defRPr>
             </a:lvl8pPr>
-            <a:lvl9pPr marL="3886200" indent="-228600" defTabSz="449263" eaLnBrk="0" fontAlgn="base" hangingPunct="0">
+            <a:lvl9pPr marL="3886200" indent="-228600" eaLnBrk="0" fontAlgn="base" hangingPunct="0">
               <a:spcBef>
-                <a:spcPct val="0"/>
+                <a:spcPct val="20000"/>
               </a:spcBef>
               <a:spcAft>
                 <a:spcPct val="0"/>
               </a:spcAft>
-              <a:tabLst>
-                <a:tab pos="0" algn="l"/>
-                <a:tab pos="447675" algn="l"/>
-                <a:tab pos="896938" algn="l"/>
-                <a:tab pos="1346200" algn="l"/>
-                <a:tab pos="1795463" algn="l"/>
-                <a:tab pos="2244725" algn="l"/>
-                <a:tab pos="2693988" algn="l"/>
-                <a:tab pos="3143250" algn="l"/>
-                <a:tab pos="3592513" algn="l"/>
-                <a:tab pos="4041775" algn="l"/>
-                <a:tab pos="4491038" algn="l"/>
-                <a:tab pos="4940300" algn="l"/>
-                <a:tab pos="5389563" algn="l"/>
-                <a:tab pos="5838825" algn="l"/>
-                <a:tab pos="6288088" algn="l"/>
-                <a:tab pos="6737350" algn="l"/>
-                <a:tab pos="7186613" algn="l"/>
-                <a:tab pos="7635875" algn="l"/>
-                <a:tab pos="8085138" algn="l"/>
-                <a:tab pos="8534400" algn="l"/>
-                <a:tab pos="8983663" algn="l"/>
-              </a:tabLst>
-              <a:defRPr>
-                <a:solidFill>
-                  <a:schemeClr val="bg1"/>
-                </a:solidFill>
-                <a:latin typeface="Arial" panose="020B0604020202020204" pitchFamily="34" charset="0"/>
-                <a:cs typeface="Arial" panose="020B0604020202020204" pitchFamily="34" charset="0"/>
+              <a:buFont typeface="Arial" panose="020B0604020202020204" pitchFamily="34" charset="0"/>
+              <a:buChar char="»"/>
+              <a:defRPr sz="2000">
+                <a:solidFill>
+                  <a:schemeClr val="tx1"/>
+                </a:solidFill>
+                <a:latin typeface="Calibri" panose="020F0502020204030204" pitchFamily="34" charset="0"/>
               </a:defRPr>
             </a:lvl9pPr>
           </a:lstStyle>
           <a:p>
-            <a:pPr algn="ctr"/>
-            <a:r>
-              <a:rPr lang="es-ES" sz="2800" b="1" dirty="0">
-                <a:solidFill>
-                  <a:schemeClr val="tx1"/>
-                </a:solidFill>
-                <a:latin typeface="Calibri" panose="020F0502020204030204" pitchFamily="34" charset="0"/>
-                <a:cs typeface="Calibri" panose="020F0502020204030204" pitchFamily="34" charset="0"/>
+            <a:pPr>
+              <a:spcBef>
+                <a:spcPct val="0"/>
+              </a:spcBef>
+              <a:buFontTx/>
+              <a:buNone/>
+            </a:pPr>
+            <a:r>
+              <a:rPr lang="es-CU" altLang="es-CU" sz="1800" dirty="0">
+                <a:solidFill>
+                  <a:srgbClr val="000000"/>
+                </a:solidFill>
+                <a:latin typeface="Arial" panose="020B0604020202020204" pitchFamily="34" charset="0"/>
               </a:rPr>
-              <a:t>GENERACIÓN AUTOMÁTICA </a:t>
-            </a:r>
-          </a:p>
-          <a:p>
-            <a:pPr algn="ctr"/>
-            <a:r>
-              <a:rPr lang="es-ES" sz="2800" b="1" dirty="0">
-                <a:solidFill>
-                  <a:schemeClr val="tx1"/>
-                </a:solidFill>
-                <a:latin typeface="Calibri" panose="020F0502020204030204" pitchFamily="34" charset="0"/>
-                <a:cs typeface="Calibri" panose="020F0502020204030204" pitchFamily="34" charset="0"/>
-              </a:rPr>
-              <a:t>DE </a:t>
-            </a:r>
-          </a:p>
-          <a:p>
-            <a:pPr algn="ctr"/>
-            <a:r>
-              <a:rPr lang="es-ES" sz="2800" b="1" dirty="0">
-                <a:solidFill>
-                  <a:schemeClr val="tx1"/>
-                </a:solidFill>
-                <a:latin typeface="Calibri" panose="020F0502020204030204" pitchFamily="34" charset="0"/>
-                <a:cs typeface="Calibri" panose="020F0502020204030204" pitchFamily="34" charset="0"/>
-              </a:rPr>
-              <a:t>ASISTENTES VIRTUALES</a:t>
-            </a:r>
-          </a:p>
-          <a:p>
-            <a:pPr algn="ctr"/>
-            <a:endParaRPr lang="es-ES" sz="2800" b="1" dirty="0">
-              <a:solidFill>
-                <a:schemeClr val="tx1"/>
-              </a:solidFill>
-              <a:latin typeface="Calibri" panose="020F0502020204030204" pitchFamily="34" charset="0"/>
-              <a:cs typeface="Calibri" panose="020F0502020204030204" pitchFamily="34" charset="0"/>
-            </a:endParaRPr>
-          </a:p>
-          <a:p>
-            <a:pPr algn="ctr">
-              <a:buSzPct val="100000"/>
-            </a:pPr>
-            <a:r>
-              <a:rPr lang="es-ES" sz="2800" b="1" dirty="0">
-                <a:solidFill>
-                  <a:schemeClr val="tx1"/>
-                </a:solidFill>
-                <a:latin typeface="Calibri" panose="020F0502020204030204" pitchFamily="34" charset="0"/>
-                <a:cs typeface="Calibri" panose="020F0502020204030204" pitchFamily="34" charset="0"/>
-              </a:rPr>
-              <a:t>Bot de atención a la población </a:t>
-            </a:r>
-          </a:p>
-          <a:p>
-            <a:pPr eaLnBrk="1" hangingPunct="1">
-              <a:buSzPct val="100000"/>
-            </a:pPr>
-            <a:endParaRPr lang="es-ES" altLang="es-MX" sz="2800" b="1" dirty="0">
-              <a:solidFill>
-                <a:srgbClr val="000000"/>
-              </a:solidFill>
-              <a:latin typeface="Calibri" panose="020F0502020204030204" pitchFamily="34" charset="0"/>
-            </a:endParaRPr>
+              <a:t>2021</a:t>
+            </a:r>
           </a:p>
         </p:txBody>
       </p:sp>
       <p:sp>
         <p:nvSpPr>
-          <p:cNvPr id="3077" name="Text Box 4">
+          <p:cNvPr id="10" name="Rectángulo 3">
             <a:extLst>
               <a:ext uri="{FF2B5EF4-FFF2-40B4-BE49-F238E27FC236}">
-                <a16:creationId xmlns:a16="http://schemas.microsoft.com/office/drawing/2014/main" id="{8FD66142-2DAB-4455-8B45-5F028B00099B}"/>
+                <a16:creationId xmlns:a16="http://schemas.microsoft.com/office/drawing/2014/main" id="{32D3C357-F407-8A19-57D6-FF638FB15597}"/>
               </a:ext>
             </a:extLst>
           </p:cNvPr>
-          <p:cNvSpPr txBox="1">
+          <p:cNvSpPr>
             <a:spLocks noChangeArrowheads="1"/>
           </p:cNvSpPr>
           <p:nvPr/>
         </p:nvSpPr>
         <p:spPr bwMode="auto">
           <a:xfrm>
-            <a:off x="5810250" y="4796509"/>
-            <a:ext cx="4572000" cy="1201737"/>
+            <a:off x="1787285" y="1977235"/>
+            <a:ext cx="3288080" cy="369332"/>
           </a:xfrm>
           <a:prstGeom prst="rect">
             <a:avLst/>
@@ -7282,7 +7854,6 @@
           <a:ln>
             <a:noFill/>
           </a:ln>
-          <a:effectLst/>
           <a:extLst>
             <a:ext uri="{909E8E84-426E-40DD-AFC4-6F175D3DCCD1}">
               <a14:hiddenFill xmlns:a14="http://schemas.microsoft.com/office/drawing/2010/main">
@@ -7294,387 +7865,221 @@
             <a:ext uri="{91240B29-F687-4F45-9708-019B960494DF}">
               <a14:hiddenLine xmlns:a14="http://schemas.microsoft.com/office/drawing/2010/main" w="9525">
                 <a:solidFill>
-                  <a:srgbClr val="3465A4"/>
-                </a:solidFill>
-                <a:round/>
+                  <a:srgbClr val="000000"/>
+                </a:solidFill>
+                <a:miter lim="800000"/>
                 <a:headEnd/>
                 <a:tailEnd/>
               </a14:hiddenLine>
             </a:ext>
-            <a:ext uri="{AF507438-7753-43E0-B8FC-AC1667EBCBE1}">
-              <a14:hiddenEffects xmlns:a14="http://schemas.microsoft.com/office/drawing/2010/main">
-                <a:effectLst>
-                  <a:outerShdw dist="35921" dir="2700000" algn="ctr" rotWithShape="0">
-                    <a:srgbClr val="808080"/>
-                  </a:outerShdw>
-                </a:effectLst>
-              </a14:hiddenEffects>
-            </a:ext>
           </a:extLst>
         </p:spPr>
         <p:txBody>
-          <a:bodyPr lIns="90000" tIns="46800" rIns="90000" bIns="46800">
+          <a:bodyPr wrap="none">
             <a:spAutoFit/>
           </a:bodyPr>
           <a:lstStyle>
             <a:lvl1pPr>
-              <a:tabLst>
-                <a:tab pos="0" algn="l"/>
-                <a:tab pos="447675" algn="l"/>
-                <a:tab pos="896938" algn="l"/>
-                <a:tab pos="1346200" algn="l"/>
-                <a:tab pos="1795463" algn="l"/>
-                <a:tab pos="2244725" algn="l"/>
-                <a:tab pos="2693988" algn="l"/>
-                <a:tab pos="3143250" algn="l"/>
-                <a:tab pos="3592513" algn="l"/>
-                <a:tab pos="4041775" algn="l"/>
-                <a:tab pos="4491038" algn="l"/>
-                <a:tab pos="4940300" algn="l"/>
-                <a:tab pos="5389563" algn="l"/>
-                <a:tab pos="5838825" algn="l"/>
-                <a:tab pos="6288088" algn="l"/>
-                <a:tab pos="6737350" algn="l"/>
-                <a:tab pos="7186613" algn="l"/>
-                <a:tab pos="7635875" algn="l"/>
-                <a:tab pos="8085138" algn="l"/>
-                <a:tab pos="8534400" algn="l"/>
-                <a:tab pos="8983663" algn="l"/>
-              </a:tabLst>
-              <a:defRPr>
-                <a:solidFill>
-                  <a:schemeClr val="bg1"/>
-                </a:solidFill>
-                <a:latin typeface="Arial" panose="020B0604020202020204" pitchFamily="34" charset="0"/>
-                <a:cs typeface="Arial" panose="020B0604020202020204" pitchFamily="34" charset="0"/>
+              <a:spcBef>
+                <a:spcPct val="20000"/>
+              </a:spcBef>
+              <a:buFont typeface="Arial" panose="020B0604020202020204" pitchFamily="34" charset="0"/>
+              <a:buChar char="•"/>
+              <a:defRPr sz="3200">
+                <a:solidFill>
+                  <a:schemeClr val="tx1"/>
+                </a:solidFill>
+                <a:latin typeface="Calibri" panose="020F0502020204030204" pitchFamily="34" charset="0"/>
               </a:defRPr>
             </a:lvl1pPr>
-            <a:lvl2pPr>
-              <a:tabLst>
-                <a:tab pos="0" algn="l"/>
-                <a:tab pos="447675" algn="l"/>
-                <a:tab pos="896938" algn="l"/>
-                <a:tab pos="1346200" algn="l"/>
-                <a:tab pos="1795463" algn="l"/>
-                <a:tab pos="2244725" algn="l"/>
-                <a:tab pos="2693988" algn="l"/>
-                <a:tab pos="3143250" algn="l"/>
-                <a:tab pos="3592513" algn="l"/>
-                <a:tab pos="4041775" algn="l"/>
-                <a:tab pos="4491038" algn="l"/>
-                <a:tab pos="4940300" algn="l"/>
-                <a:tab pos="5389563" algn="l"/>
-                <a:tab pos="5838825" algn="l"/>
-                <a:tab pos="6288088" algn="l"/>
-                <a:tab pos="6737350" algn="l"/>
-                <a:tab pos="7186613" algn="l"/>
-                <a:tab pos="7635875" algn="l"/>
-                <a:tab pos="8085138" algn="l"/>
-                <a:tab pos="8534400" algn="l"/>
-                <a:tab pos="8983663" algn="l"/>
-              </a:tabLst>
-              <a:defRPr>
-                <a:solidFill>
-                  <a:schemeClr val="bg1"/>
-                </a:solidFill>
-                <a:latin typeface="Arial" panose="020B0604020202020204" pitchFamily="34" charset="0"/>
-                <a:cs typeface="Arial" panose="020B0604020202020204" pitchFamily="34" charset="0"/>
+            <a:lvl2pPr marL="742950" indent="-285750">
+              <a:spcBef>
+                <a:spcPct val="20000"/>
+              </a:spcBef>
+              <a:buFont typeface="Arial" panose="020B0604020202020204" pitchFamily="34" charset="0"/>
+              <a:buChar char="–"/>
+              <a:defRPr sz="2800">
+                <a:solidFill>
+                  <a:schemeClr val="tx1"/>
+                </a:solidFill>
+                <a:latin typeface="Calibri" panose="020F0502020204030204" pitchFamily="34" charset="0"/>
               </a:defRPr>
             </a:lvl2pPr>
-            <a:lvl3pPr>
-              <a:tabLst>
-                <a:tab pos="0" algn="l"/>
-                <a:tab pos="447675" algn="l"/>
-                <a:tab pos="896938" algn="l"/>
-                <a:tab pos="1346200" algn="l"/>
-                <a:tab pos="1795463" algn="l"/>
-                <a:tab pos="2244725" algn="l"/>
-                <a:tab pos="2693988" algn="l"/>
-                <a:tab pos="3143250" algn="l"/>
-                <a:tab pos="3592513" algn="l"/>
-                <a:tab pos="4041775" algn="l"/>
-                <a:tab pos="4491038" algn="l"/>
-                <a:tab pos="4940300" algn="l"/>
-                <a:tab pos="5389563" algn="l"/>
-                <a:tab pos="5838825" algn="l"/>
-                <a:tab pos="6288088" algn="l"/>
-                <a:tab pos="6737350" algn="l"/>
-                <a:tab pos="7186613" algn="l"/>
-                <a:tab pos="7635875" algn="l"/>
-                <a:tab pos="8085138" algn="l"/>
-                <a:tab pos="8534400" algn="l"/>
-                <a:tab pos="8983663" algn="l"/>
-              </a:tabLst>
-              <a:defRPr>
-                <a:solidFill>
-                  <a:schemeClr val="bg1"/>
-                </a:solidFill>
-                <a:latin typeface="Arial" panose="020B0604020202020204" pitchFamily="34" charset="0"/>
-                <a:cs typeface="Arial" panose="020B0604020202020204" pitchFamily="34" charset="0"/>
+            <a:lvl3pPr marL="1143000" indent="-228600">
+              <a:spcBef>
+                <a:spcPct val="20000"/>
+              </a:spcBef>
+              <a:buFont typeface="Arial" panose="020B0604020202020204" pitchFamily="34" charset="0"/>
+              <a:buChar char="•"/>
+              <a:defRPr sz="2400">
+                <a:solidFill>
+                  <a:schemeClr val="tx1"/>
+                </a:solidFill>
+                <a:latin typeface="Calibri" panose="020F0502020204030204" pitchFamily="34" charset="0"/>
               </a:defRPr>
             </a:lvl3pPr>
-            <a:lvl4pPr>
-              <a:tabLst>
-                <a:tab pos="0" algn="l"/>
-                <a:tab pos="447675" algn="l"/>
-                <a:tab pos="896938" algn="l"/>
-                <a:tab pos="1346200" algn="l"/>
-                <a:tab pos="1795463" algn="l"/>
-                <a:tab pos="2244725" algn="l"/>
-                <a:tab pos="2693988" algn="l"/>
-                <a:tab pos="3143250" algn="l"/>
-                <a:tab pos="3592513" algn="l"/>
-                <a:tab pos="4041775" algn="l"/>
-                <a:tab pos="4491038" algn="l"/>
-                <a:tab pos="4940300" algn="l"/>
-                <a:tab pos="5389563" algn="l"/>
-                <a:tab pos="5838825" algn="l"/>
-                <a:tab pos="6288088" algn="l"/>
-                <a:tab pos="6737350" algn="l"/>
-                <a:tab pos="7186613" algn="l"/>
-                <a:tab pos="7635875" algn="l"/>
-                <a:tab pos="8085138" algn="l"/>
-                <a:tab pos="8534400" algn="l"/>
-                <a:tab pos="8983663" algn="l"/>
-              </a:tabLst>
-              <a:defRPr>
-                <a:solidFill>
-                  <a:schemeClr val="bg1"/>
-                </a:solidFill>
-                <a:latin typeface="Arial" panose="020B0604020202020204" pitchFamily="34" charset="0"/>
-                <a:cs typeface="Arial" panose="020B0604020202020204" pitchFamily="34" charset="0"/>
+            <a:lvl4pPr marL="1600200" indent="-228600">
+              <a:spcBef>
+                <a:spcPct val="20000"/>
+              </a:spcBef>
+              <a:buFont typeface="Arial" panose="020B0604020202020204" pitchFamily="34" charset="0"/>
+              <a:buChar char="–"/>
+              <a:defRPr sz="2000">
+                <a:solidFill>
+                  <a:schemeClr val="tx1"/>
+                </a:solidFill>
+                <a:latin typeface="Calibri" panose="020F0502020204030204" pitchFamily="34" charset="0"/>
               </a:defRPr>
             </a:lvl4pPr>
-            <a:lvl5pPr>
-              <a:tabLst>
-                <a:tab pos="0" algn="l"/>
-                <a:tab pos="447675" algn="l"/>
-                <a:tab pos="896938" algn="l"/>
-                <a:tab pos="1346200" algn="l"/>
-                <a:tab pos="1795463" algn="l"/>
-                <a:tab pos="2244725" algn="l"/>
-                <a:tab pos="2693988" algn="l"/>
-                <a:tab pos="3143250" algn="l"/>
-                <a:tab pos="3592513" algn="l"/>
-                <a:tab pos="4041775" algn="l"/>
-                <a:tab pos="4491038" algn="l"/>
-                <a:tab pos="4940300" algn="l"/>
-                <a:tab pos="5389563" algn="l"/>
-                <a:tab pos="5838825" algn="l"/>
-                <a:tab pos="6288088" algn="l"/>
-                <a:tab pos="6737350" algn="l"/>
-                <a:tab pos="7186613" algn="l"/>
-                <a:tab pos="7635875" algn="l"/>
-                <a:tab pos="8085138" algn="l"/>
-                <a:tab pos="8534400" algn="l"/>
-                <a:tab pos="8983663" algn="l"/>
-              </a:tabLst>
-              <a:defRPr>
-                <a:solidFill>
-                  <a:schemeClr val="bg1"/>
-                </a:solidFill>
-                <a:latin typeface="Arial" panose="020B0604020202020204" pitchFamily="34" charset="0"/>
-                <a:cs typeface="Arial" panose="020B0604020202020204" pitchFamily="34" charset="0"/>
+            <a:lvl5pPr marL="2057400" indent="-228600">
+              <a:spcBef>
+                <a:spcPct val="20000"/>
+              </a:spcBef>
+              <a:buFont typeface="Arial" panose="020B0604020202020204" pitchFamily="34" charset="0"/>
+              <a:buChar char="»"/>
+              <a:defRPr sz="2000">
+                <a:solidFill>
+                  <a:schemeClr val="tx1"/>
+                </a:solidFill>
+                <a:latin typeface="Calibri" panose="020F0502020204030204" pitchFamily="34" charset="0"/>
               </a:defRPr>
             </a:lvl5pPr>
-            <a:lvl6pPr marL="2514600" indent="-228600" defTabSz="449263" eaLnBrk="0" fontAlgn="base" hangingPunct="0">
+            <a:lvl6pPr marL="2514600" indent="-228600" eaLnBrk="0" fontAlgn="base" hangingPunct="0">
               <a:spcBef>
-                <a:spcPct val="0"/>
+                <a:spcPct val="20000"/>
               </a:spcBef>
               <a:spcAft>
                 <a:spcPct val="0"/>
               </a:spcAft>
-              <a:tabLst>
-                <a:tab pos="0" algn="l"/>
-                <a:tab pos="447675" algn="l"/>
-                <a:tab pos="896938" algn="l"/>
-                <a:tab pos="1346200" algn="l"/>
-                <a:tab pos="1795463" algn="l"/>
-                <a:tab pos="2244725" algn="l"/>
-                <a:tab pos="2693988" algn="l"/>
-                <a:tab pos="3143250" algn="l"/>
-                <a:tab pos="3592513" algn="l"/>
-                <a:tab pos="4041775" algn="l"/>
-                <a:tab pos="4491038" algn="l"/>
-                <a:tab pos="4940300" algn="l"/>
-                <a:tab pos="5389563" algn="l"/>
-                <a:tab pos="5838825" algn="l"/>
-                <a:tab pos="6288088" algn="l"/>
-                <a:tab pos="6737350" algn="l"/>
-                <a:tab pos="7186613" algn="l"/>
-                <a:tab pos="7635875" algn="l"/>
-                <a:tab pos="8085138" algn="l"/>
-                <a:tab pos="8534400" algn="l"/>
-                <a:tab pos="8983663" algn="l"/>
-              </a:tabLst>
-              <a:defRPr>
-                <a:solidFill>
-                  <a:schemeClr val="bg1"/>
-                </a:solidFill>
-                <a:latin typeface="Arial" panose="020B0604020202020204" pitchFamily="34" charset="0"/>
-                <a:cs typeface="Arial" panose="020B0604020202020204" pitchFamily="34" charset="0"/>
+              <a:buFont typeface="Arial" panose="020B0604020202020204" pitchFamily="34" charset="0"/>
+              <a:buChar char="»"/>
+              <a:defRPr sz="2000">
+                <a:solidFill>
+                  <a:schemeClr val="tx1"/>
+                </a:solidFill>
+                <a:latin typeface="Calibri" panose="020F0502020204030204" pitchFamily="34" charset="0"/>
               </a:defRPr>
             </a:lvl6pPr>
-            <a:lvl7pPr marL="2971800" indent="-228600" defTabSz="449263" eaLnBrk="0" fontAlgn="base" hangingPunct="0">
+            <a:lvl7pPr marL="2971800" indent="-228600" eaLnBrk="0" fontAlgn="base" hangingPunct="0">
               <a:spcBef>
-                <a:spcPct val="0"/>
+                <a:spcPct val="20000"/>
               </a:spcBef>
               <a:spcAft>
                 <a:spcPct val="0"/>
               </a:spcAft>
-              <a:tabLst>
-                <a:tab pos="0" algn="l"/>
-                <a:tab pos="447675" algn="l"/>
-                <a:tab pos="896938" algn="l"/>
-                <a:tab pos="1346200" algn="l"/>
-                <a:tab pos="1795463" algn="l"/>
-                <a:tab pos="2244725" algn="l"/>
-                <a:tab pos="2693988" algn="l"/>
-                <a:tab pos="3143250" algn="l"/>
-                <a:tab pos="3592513" algn="l"/>
-                <a:tab pos="4041775" algn="l"/>
-                <a:tab pos="4491038" algn="l"/>
-                <a:tab pos="4940300" algn="l"/>
-                <a:tab pos="5389563" algn="l"/>
-                <a:tab pos="5838825" algn="l"/>
-                <a:tab pos="6288088" algn="l"/>
-                <a:tab pos="6737350" algn="l"/>
-                <a:tab pos="7186613" algn="l"/>
-                <a:tab pos="7635875" algn="l"/>
-                <a:tab pos="8085138" algn="l"/>
-                <a:tab pos="8534400" algn="l"/>
-                <a:tab pos="8983663" algn="l"/>
-              </a:tabLst>
-              <a:defRPr>
-                <a:solidFill>
-                  <a:schemeClr val="bg1"/>
-                </a:solidFill>
-                <a:latin typeface="Arial" panose="020B0604020202020204" pitchFamily="34" charset="0"/>
-                <a:cs typeface="Arial" panose="020B0604020202020204" pitchFamily="34" charset="0"/>
+              <a:buFont typeface="Arial" panose="020B0604020202020204" pitchFamily="34" charset="0"/>
+              <a:buChar char="»"/>
+              <a:defRPr sz="2000">
+                <a:solidFill>
+                  <a:schemeClr val="tx1"/>
+                </a:solidFill>
+                <a:latin typeface="Calibri" panose="020F0502020204030204" pitchFamily="34" charset="0"/>
               </a:defRPr>
             </a:lvl7pPr>
-            <a:lvl8pPr marL="3429000" indent="-228600" defTabSz="449263" eaLnBrk="0" fontAlgn="base" hangingPunct="0">
+            <a:lvl8pPr marL="3429000" indent="-228600" eaLnBrk="0" fontAlgn="base" hangingPunct="0">
               <a:spcBef>
-                <a:spcPct val="0"/>
+                <a:spcPct val="20000"/>
               </a:spcBef>
               <a:spcAft>
                 <a:spcPct val="0"/>
               </a:spcAft>
-              <a:tabLst>
-                <a:tab pos="0" algn="l"/>
-                <a:tab pos="447675" algn="l"/>
-                <a:tab pos="896938" algn="l"/>
-                <a:tab pos="1346200" algn="l"/>
-                <a:tab pos="1795463" algn="l"/>
-                <a:tab pos="2244725" algn="l"/>
-                <a:tab pos="2693988" algn="l"/>
-                <a:tab pos="3143250" algn="l"/>
-                <a:tab pos="3592513" algn="l"/>
-                <a:tab pos="4041775" algn="l"/>
-                <a:tab pos="4491038" algn="l"/>
-                <a:tab pos="4940300" algn="l"/>
-                <a:tab pos="5389563" algn="l"/>
-                <a:tab pos="5838825" algn="l"/>
-                <a:tab pos="6288088" algn="l"/>
-                <a:tab pos="6737350" algn="l"/>
-                <a:tab pos="7186613" algn="l"/>
-                <a:tab pos="7635875" algn="l"/>
-                <a:tab pos="8085138" algn="l"/>
-                <a:tab pos="8534400" algn="l"/>
-                <a:tab pos="8983663" algn="l"/>
-              </a:tabLst>
-              <a:defRPr>
-                <a:solidFill>
-                  <a:schemeClr val="bg1"/>
-                </a:solidFill>
-                <a:latin typeface="Arial" panose="020B0604020202020204" pitchFamily="34" charset="0"/>
-                <a:cs typeface="Arial" panose="020B0604020202020204" pitchFamily="34" charset="0"/>
+              <a:buFont typeface="Arial" panose="020B0604020202020204" pitchFamily="34" charset="0"/>
+              <a:buChar char="»"/>
+              <a:defRPr sz="2000">
+                <a:solidFill>
+                  <a:schemeClr val="tx1"/>
+                </a:solidFill>
+                <a:latin typeface="Calibri" panose="020F0502020204030204" pitchFamily="34" charset="0"/>
               </a:defRPr>
             </a:lvl8pPr>
-            <a:lvl9pPr marL="3886200" indent="-228600" defTabSz="449263" eaLnBrk="0" fontAlgn="base" hangingPunct="0">
+            <a:lvl9pPr marL="3886200" indent="-228600" eaLnBrk="0" fontAlgn="base" hangingPunct="0">
               <a:spcBef>
-                <a:spcPct val="0"/>
+                <a:spcPct val="20000"/>
               </a:spcBef>
               <a:spcAft>
                 <a:spcPct val="0"/>
               </a:spcAft>
-              <a:tabLst>
-                <a:tab pos="0" algn="l"/>
-                <a:tab pos="447675" algn="l"/>
-                <a:tab pos="896938" algn="l"/>
-                <a:tab pos="1346200" algn="l"/>
-                <a:tab pos="1795463" algn="l"/>
-                <a:tab pos="2244725" algn="l"/>
-                <a:tab pos="2693988" algn="l"/>
-                <a:tab pos="3143250" algn="l"/>
-                <a:tab pos="3592513" algn="l"/>
-                <a:tab pos="4041775" algn="l"/>
-                <a:tab pos="4491038" algn="l"/>
-                <a:tab pos="4940300" algn="l"/>
-                <a:tab pos="5389563" algn="l"/>
-                <a:tab pos="5838825" algn="l"/>
-                <a:tab pos="6288088" algn="l"/>
-                <a:tab pos="6737350" algn="l"/>
-                <a:tab pos="7186613" algn="l"/>
-                <a:tab pos="7635875" algn="l"/>
-                <a:tab pos="8085138" algn="l"/>
-                <a:tab pos="8534400" algn="l"/>
-                <a:tab pos="8983663" algn="l"/>
-              </a:tabLst>
-              <a:defRPr>
-                <a:solidFill>
-                  <a:schemeClr val="bg1"/>
-                </a:solidFill>
-                <a:latin typeface="Arial" panose="020B0604020202020204" pitchFamily="34" charset="0"/>
-                <a:cs typeface="Arial" panose="020B0604020202020204" pitchFamily="34" charset="0"/>
+              <a:buFont typeface="Arial" panose="020B0604020202020204" pitchFamily="34" charset="0"/>
+              <a:buChar char="»"/>
+              <a:defRPr sz="2000">
+                <a:solidFill>
+                  <a:schemeClr val="tx1"/>
+                </a:solidFill>
+                <a:latin typeface="Calibri" panose="020F0502020204030204" pitchFamily="34" charset="0"/>
               </a:defRPr>
             </a:lvl9pPr>
           </a:lstStyle>
           <a:p>
-            <a:pPr algn="ctr" eaLnBrk="1" hangingPunct="1">
-              <a:buSzPct val="100000"/>
+            <a:pPr>
+              <a:spcBef>
+                <a:spcPct val="0"/>
+              </a:spcBef>
+              <a:buFontTx/>
+              <a:buNone/>
             </a:pPr>
             <a:r>
-              <a:rPr lang="es-ES" altLang="es-MX" b="1" dirty="0">
+              <a:rPr lang="es-ES" altLang="es-CU" sz="1800" b="1" dirty="0">
                 <a:solidFill>
                   <a:srgbClr val="000000"/>
                 </a:solidFill>
-                <a:latin typeface="Calibri" panose="020F0502020204030204" pitchFamily="34" charset="0"/>
+                <a:latin typeface="Arial" panose="020B0604020202020204" pitchFamily="34" charset="0"/>
               </a:rPr>
-              <a:t>FACULTAD DE INGENIERÍA EN TELECOMUNICACIONES INFORMÁTICA Y BIOMÉDICA</a:t>
-            </a:r>
-          </a:p>
-          <a:p>
-            <a:pPr algn="ctr" eaLnBrk="1" hangingPunct="1">
-              <a:buSzPct val="100000"/>
-            </a:pPr>
-            <a:endParaRPr lang="es-ES" altLang="es-MX" b="1" dirty="0">
+              <a:t>Lenguaje</a:t>
+            </a:r>
+            <a:r>
+              <a:rPr lang="en-US" altLang="es-CU" sz="1800" b="1" dirty="0">
+                <a:solidFill>
+                  <a:srgbClr val="000000"/>
+                </a:solidFill>
+                <a:latin typeface="Arial" panose="020B0604020202020204" pitchFamily="34" charset="0"/>
+              </a:rPr>
+              <a:t> de P</a:t>
+            </a:r>
+            <a:r>
+              <a:rPr lang="es-ES" altLang="es-CU" sz="1800" b="1" dirty="0" err="1">
+                <a:solidFill>
+                  <a:srgbClr val="000000"/>
+                </a:solidFill>
+                <a:latin typeface="Arial" panose="020B0604020202020204" pitchFamily="34" charset="0"/>
+              </a:rPr>
+              <a:t>rogramación</a:t>
+            </a:r>
+            <a:r>
+              <a:rPr lang="en-US" altLang="es-CU" sz="1800" b="1" dirty="0">
+                <a:solidFill>
+                  <a:srgbClr val="000000"/>
+                </a:solidFill>
+                <a:latin typeface="Arial" panose="020B0604020202020204" pitchFamily="34" charset="0"/>
+              </a:rPr>
+              <a:t>: </a:t>
+            </a:r>
+            <a:endParaRPr lang="es-ES" altLang="es-CU" dirty="0">
               <a:solidFill>
                 <a:srgbClr val="000000"/>
               </a:solidFill>
-              <a:latin typeface="Calibri" panose="020F0502020204030204" pitchFamily="34" charset="0"/>
+              <a:latin typeface="Arial" panose="020B0604020202020204" pitchFamily="34" charset="0"/>
             </a:endParaRPr>
           </a:p>
         </p:txBody>
       </p:sp>
       <p:sp>
         <p:nvSpPr>
-          <p:cNvPr id="3078" name="Text Box 5">
+          <p:cNvPr id="11" name="Rectángulo 1">
             <a:extLst>
               <a:ext uri="{FF2B5EF4-FFF2-40B4-BE49-F238E27FC236}">
-                <a16:creationId xmlns:a16="http://schemas.microsoft.com/office/drawing/2014/main" id="{1795302F-7E5D-4701-8B61-F0DAF6D7F27B}"/>
+                <a16:creationId xmlns:a16="http://schemas.microsoft.com/office/drawing/2014/main" id="{209A1363-5683-83C8-2F34-745AF1BCEE1D}"/>
               </a:ext>
             </a:extLst>
           </p:cNvPr>
-          <p:cNvSpPr txBox="1">
+          <p:cNvSpPr>
             <a:spLocks noChangeArrowheads="1"/>
           </p:cNvSpPr>
           <p:nvPr/>
         </p:nvSpPr>
         <p:spPr bwMode="auto">
           <a:xfrm>
-            <a:off x="5810250" y="5965030"/>
-            <a:ext cx="4572000" cy="642937"/>
+            <a:off x="10627683" y="5007094"/>
+            <a:ext cx="697627" cy="369332"/>
           </a:xfrm>
           <a:prstGeom prst="rect">
             <a:avLst/>
@@ -7683,7 +8088,6 @@
           <a:ln>
             <a:noFill/>
           </a:ln>
-          <a:effectLst/>
           <a:extLst>
             <a:ext uri="{909E8E84-426E-40DD-AFC4-6F175D3DCCD1}">
               <a14:hiddenFill xmlns:a14="http://schemas.microsoft.com/office/drawing/2010/main">
@@ -7695,365 +8099,423 @@
             <a:ext uri="{91240B29-F687-4F45-9708-019B960494DF}">
               <a14:hiddenLine xmlns:a14="http://schemas.microsoft.com/office/drawing/2010/main" w="9525">
                 <a:solidFill>
-                  <a:srgbClr val="3465A4"/>
-                </a:solidFill>
-                <a:round/>
+                  <a:srgbClr val="000000"/>
+                </a:solidFill>
+                <a:miter lim="800000"/>
                 <a:headEnd/>
                 <a:tailEnd/>
               </a14:hiddenLine>
             </a:ext>
-            <a:ext uri="{AF507438-7753-43E0-B8FC-AC1667EBCBE1}">
-              <a14:hiddenEffects xmlns:a14="http://schemas.microsoft.com/office/drawing/2010/main">
-                <a:effectLst>
-                  <a:outerShdw dist="35921" dir="2700000" algn="ctr" rotWithShape="0">
-                    <a:srgbClr val="808080"/>
-                  </a:outerShdw>
-                </a:effectLst>
-              </a14:hiddenEffects>
+          </a:extLst>
+        </p:spPr>
+        <p:txBody>
+          <a:bodyPr wrap="none">
+            <a:spAutoFit/>
+          </a:bodyPr>
+          <a:lstStyle>
+            <a:lvl1pPr>
+              <a:spcBef>
+                <a:spcPct val="20000"/>
+              </a:spcBef>
+              <a:buFont typeface="Arial" panose="020B0604020202020204" pitchFamily="34" charset="0"/>
+              <a:buChar char="•"/>
+              <a:defRPr sz="3200">
+                <a:solidFill>
+                  <a:schemeClr val="tx1"/>
+                </a:solidFill>
+                <a:latin typeface="Calibri" panose="020F0502020204030204" pitchFamily="34" charset="0"/>
+              </a:defRPr>
+            </a:lvl1pPr>
+            <a:lvl2pPr marL="742950" indent="-285750">
+              <a:spcBef>
+                <a:spcPct val="20000"/>
+              </a:spcBef>
+              <a:buFont typeface="Arial" panose="020B0604020202020204" pitchFamily="34" charset="0"/>
+              <a:buChar char="–"/>
+              <a:defRPr sz="2800">
+                <a:solidFill>
+                  <a:schemeClr val="tx1"/>
+                </a:solidFill>
+                <a:latin typeface="Calibri" panose="020F0502020204030204" pitchFamily="34" charset="0"/>
+              </a:defRPr>
+            </a:lvl2pPr>
+            <a:lvl3pPr marL="1143000" indent="-228600">
+              <a:spcBef>
+                <a:spcPct val="20000"/>
+              </a:spcBef>
+              <a:buFont typeface="Arial" panose="020B0604020202020204" pitchFamily="34" charset="0"/>
+              <a:buChar char="•"/>
+              <a:defRPr sz="2400">
+                <a:solidFill>
+                  <a:schemeClr val="tx1"/>
+                </a:solidFill>
+                <a:latin typeface="Calibri" panose="020F0502020204030204" pitchFamily="34" charset="0"/>
+              </a:defRPr>
+            </a:lvl3pPr>
+            <a:lvl4pPr marL="1600200" indent="-228600">
+              <a:spcBef>
+                <a:spcPct val="20000"/>
+              </a:spcBef>
+              <a:buFont typeface="Arial" panose="020B0604020202020204" pitchFamily="34" charset="0"/>
+              <a:buChar char="–"/>
+              <a:defRPr sz="2000">
+                <a:solidFill>
+                  <a:schemeClr val="tx1"/>
+                </a:solidFill>
+                <a:latin typeface="Calibri" panose="020F0502020204030204" pitchFamily="34" charset="0"/>
+              </a:defRPr>
+            </a:lvl4pPr>
+            <a:lvl5pPr marL="2057400" indent="-228600">
+              <a:spcBef>
+                <a:spcPct val="20000"/>
+              </a:spcBef>
+              <a:buFont typeface="Arial" panose="020B0604020202020204" pitchFamily="34" charset="0"/>
+              <a:buChar char="»"/>
+              <a:defRPr sz="2000">
+                <a:solidFill>
+                  <a:schemeClr val="tx1"/>
+                </a:solidFill>
+                <a:latin typeface="Calibri" panose="020F0502020204030204" pitchFamily="34" charset="0"/>
+              </a:defRPr>
+            </a:lvl5pPr>
+            <a:lvl6pPr marL="2514600" indent="-228600" eaLnBrk="0" fontAlgn="base" hangingPunct="0">
+              <a:spcBef>
+                <a:spcPct val="20000"/>
+              </a:spcBef>
+              <a:spcAft>
+                <a:spcPct val="0"/>
+              </a:spcAft>
+              <a:buFont typeface="Arial" panose="020B0604020202020204" pitchFamily="34" charset="0"/>
+              <a:buChar char="»"/>
+              <a:defRPr sz="2000">
+                <a:solidFill>
+                  <a:schemeClr val="tx1"/>
+                </a:solidFill>
+                <a:latin typeface="Calibri" panose="020F0502020204030204" pitchFamily="34" charset="0"/>
+              </a:defRPr>
+            </a:lvl6pPr>
+            <a:lvl7pPr marL="2971800" indent="-228600" eaLnBrk="0" fontAlgn="base" hangingPunct="0">
+              <a:spcBef>
+                <a:spcPct val="20000"/>
+              </a:spcBef>
+              <a:spcAft>
+                <a:spcPct val="0"/>
+              </a:spcAft>
+              <a:buFont typeface="Arial" panose="020B0604020202020204" pitchFamily="34" charset="0"/>
+              <a:buChar char="»"/>
+              <a:defRPr sz="2000">
+                <a:solidFill>
+                  <a:schemeClr val="tx1"/>
+                </a:solidFill>
+                <a:latin typeface="Calibri" panose="020F0502020204030204" pitchFamily="34" charset="0"/>
+              </a:defRPr>
+            </a:lvl7pPr>
+            <a:lvl8pPr marL="3429000" indent="-228600" eaLnBrk="0" fontAlgn="base" hangingPunct="0">
+              <a:spcBef>
+                <a:spcPct val="20000"/>
+              </a:spcBef>
+              <a:spcAft>
+                <a:spcPct val="0"/>
+              </a:spcAft>
+              <a:buFont typeface="Arial" panose="020B0604020202020204" pitchFamily="34" charset="0"/>
+              <a:buChar char="»"/>
+              <a:defRPr sz="2000">
+                <a:solidFill>
+                  <a:schemeClr val="tx1"/>
+                </a:solidFill>
+                <a:latin typeface="Calibri" panose="020F0502020204030204" pitchFamily="34" charset="0"/>
+              </a:defRPr>
+            </a:lvl8pPr>
+            <a:lvl9pPr marL="3886200" indent="-228600" eaLnBrk="0" fontAlgn="base" hangingPunct="0">
+              <a:spcBef>
+                <a:spcPct val="20000"/>
+              </a:spcBef>
+              <a:spcAft>
+                <a:spcPct val="0"/>
+              </a:spcAft>
+              <a:buFont typeface="Arial" panose="020B0604020202020204" pitchFamily="34" charset="0"/>
+              <a:buChar char="»"/>
+              <a:defRPr sz="2000">
+                <a:solidFill>
+                  <a:schemeClr val="tx1"/>
+                </a:solidFill>
+                <a:latin typeface="Calibri" panose="020F0502020204030204" pitchFamily="34" charset="0"/>
+              </a:defRPr>
+            </a:lvl9pPr>
+          </a:lstStyle>
+          <a:p>
+            <a:pPr>
+              <a:spcBef>
+                <a:spcPct val="0"/>
+              </a:spcBef>
+              <a:buFontTx/>
+              <a:buNone/>
+            </a:pPr>
+            <a:r>
+              <a:rPr lang="es-CU" altLang="es-CU" sz="1800" dirty="0">
+                <a:solidFill>
+                  <a:srgbClr val="000000"/>
+                </a:solidFill>
+                <a:latin typeface="Arial" panose="020B0604020202020204" pitchFamily="34" charset="0"/>
+              </a:rPr>
+              <a:t>3.2.8</a:t>
+            </a:r>
+            <a:endParaRPr lang="es-CU" altLang="es-CU" sz="1800" dirty="0">
+              <a:latin typeface="Arial" panose="020B0604020202020204" pitchFamily="34" charset="0"/>
+            </a:endParaRPr>
+          </a:p>
+        </p:txBody>
+      </p:sp>
+      <p:pic>
+        <p:nvPicPr>
+          <p:cNvPr id="14" name="Imagen 13">
+            <a:extLst>
+              <a:ext uri="{FF2B5EF4-FFF2-40B4-BE49-F238E27FC236}">
+                <a16:creationId xmlns:a16="http://schemas.microsoft.com/office/drawing/2014/main" id="{E3FE5452-6C3F-616B-3C6A-73EAC684C739}"/>
+              </a:ext>
+            </a:extLst>
+          </p:cNvPr>
+          <p:cNvPicPr>
+            <a:picLocks noChangeAspect="1"/>
+          </p:cNvPicPr>
+          <p:nvPr/>
+        </p:nvPicPr>
+        <p:blipFill>
+          <a:blip r:embed="rId6" cstate="print">
+            <a:extLst>
+              <a:ext uri="{28A0092B-C50C-407E-A947-70E740481C1C}">
+                <a14:useLocalDpi xmlns:a14="http://schemas.microsoft.com/office/drawing/2010/main" val="0"/>
+              </a:ext>
+            </a:extLst>
+          </a:blip>
+          <a:stretch>
+            <a:fillRect/>
+          </a:stretch>
+        </p:blipFill>
+        <p:spPr>
+          <a:xfrm>
+            <a:off x="4040775" y="4819586"/>
+            <a:ext cx="2615964" cy="1369945"/>
+          </a:xfrm>
+          <a:prstGeom prst="rect">
+            <a:avLst/>
+          </a:prstGeom>
+          <a:ln w="38100" cap="sq">
+            <a:solidFill>
+              <a:srgbClr val="000000"/>
+            </a:solidFill>
+            <a:prstDash val="solid"/>
+            <a:miter lim="800000"/>
+          </a:ln>
+          <a:effectLst>
+            <a:outerShdw blurRad="50800" dist="38100" dir="2700000" algn="tl" rotWithShape="0">
+              <a:srgbClr val="000000">
+                <a:alpha val="43000"/>
+              </a:srgbClr>
+            </a:outerShdw>
+          </a:effectLst>
+        </p:spPr>
+      </p:pic>
+      <p:sp>
+        <p:nvSpPr>
+          <p:cNvPr id="15" name="Rectángulo 1">
+            <a:extLst>
+              <a:ext uri="{FF2B5EF4-FFF2-40B4-BE49-F238E27FC236}">
+                <a16:creationId xmlns:a16="http://schemas.microsoft.com/office/drawing/2014/main" id="{1ACA4D38-74A2-1F0E-5356-01014DC4CF4F}"/>
+              </a:ext>
+            </a:extLst>
+          </p:cNvPr>
+          <p:cNvSpPr>
+            <a:spLocks noChangeArrowheads="1"/>
+          </p:cNvSpPr>
+          <p:nvPr/>
+        </p:nvSpPr>
+        <p:spPr bwMode="auto">
+          <a:xfrm>
+            <a:off x="6096000" y="4822428"/>
+            <a:ext cx="505267" cy="369332"/>
+          </a:xfrm>
+          <a:prstGeom prst="rect">
+            <a:avLst/>
+          </a:prstGeom>
+          <a:noFill/>
+          <a:ln>
+            <a:noFill/>
+          </a:ln>
+          <a:extLst>
+            <a:ext uri="{909E8E84-426E-40DD-AFC4-6F175D3DCCD1}">
+              <a14:hiddenFill xmlns:a14="http://schemas.microsoft.com/office/drawing/2010/main">
+                <a:solidFill>
+                  <a:srgbClr val="FFFFFF"/>
+                </a:solidFill>
+              </a14:hiddenFill>
+            </a:ext>
+            <a:ext uri="{91240B29-F687-4F45-9708-019B960494DF}">
+              <a14:hiddenLine xmlns:a14="http://schemas.microsoft.com/office/drawing/2010/main" w="9525">
+                <a:solidFill>
+                  <a:srgbClr val="000000"/>
+                </a:solidFill>
+                <a:miter lim="800000"/>
+                <a:headEnd/>
+                <a:tailEnd/>
+              </a14:hiddenLine>
             </a:ext>
           </a:extLst>
         </p:spPr>
         <p:txBody>
-          <a:bodyPr lIns="90000" tIns="46800" rIns="90000" bIns="46800">
+          <a:bodyPr wrap="square">
             <a:spAutoFit/>
           </a:bodyPr>
           <a:lstStyle>
             <a:lvl1pPr>
-              <a:tabLst>
-                <a:tab pos="0" algn="l"/>
-                <a:tab pos="447675" algn="l"/>
-                <a:tab pos="896938" algn="l"/>
-                <a:tab pos="1346200" algn="l"/>
-                <a:tab pos="1795463" algn="l"/>
-                <a:tab pos="2244725" algn="l"/>
-                <a:tab pos="2693988" algn="l"/>
-                <a:tab pos="3143250" algn="l"/>
-                <a:tab pos="3592513" algn="l"/>
-                <a:tab pos="4041775" algn="l"/>
-                <a:tab pos="4491038" algn="l"/>
-                <a:tab pos="4940300" algn="l"/>
-                <a:tab pos="5389563" algn="l"/>
-                <a:tab pos="5838825" algn="l"/>
-                <a:tab pos="6288088" algn="l"/>
-                <a:tab pos="6737350" algn="l"/>
-                <a:tab pos="7186613" algn="l"/>
-                <a:tab pos="7635875" algn="l"/>
-                <a:tab pos="8085138" algn="l"/>
-                <a:tab pos="8534400" algn="l"/>
-                <a:tab pos="8983663" algn="l"/>
-              </a:tabLst>
-              <a:defRPr>
-                <a:solidFill>
-                  <a:schemeClr val="bg1"/>
-                </a:solidFill>
-                <a:latin typeface="Arial" panose="020B0604020202020204" pitchFamily="34" charset="0"/>
-                <a:cs typeface="Arial" panose="020B0604020202020204" pitchFamily="34" charset="0"/>
+              <a:spcBef>
+                <a:spcPct val="20000"/>
+              </a:spcBef>
+              <a:buFont typeface="Arial" panose="020B0604020202020204" pitchFamily="34" charset="0"/>
+              <a:buChar char="•"/>
+              <a:defRPr sz="3200">
+                <a:solidFill>
+                  <a:schemeClr val="tx1"/>
+                </a:solidFill>
+                <a:latin typeface="Calibri" panose="020F0502020204030204" pitchFamily="34" charset="0"/>
               </a:defRPr>
             </a:lvl1pPr>
-            <a:lvl2pPr>
-              <a:tabLst>
-                <a:tab pos="0" algn="l"/>
-                <a:tab pos="447675" algn="l"/>
-                <a:tab pos="896938" algn="l"/>
-                <a:tab pos="1346200" algn="l"/>
-                <a:tab pos="1795463" algn="l"/>
-                <a:tab pos="2244725" algn="l"/>
-                <a:tab pos="2693988" algn="l"/>
-                <a:tab pos="3143250" algn="l"/>
-                <a:tab pos="3592513" algn="l"/>
-                <a:tab pos="4041775" algn="l"/>
-                <a:tab pos="4491038" algn="l"/>
-                <a:tab pos="4940300" algn="l"/>
-                <a:tab pos="5389563" algn="l"/>
-                <a:tab pos="5838825" algn="l"/>
-                <a:tab pos="6288088" algn="l"/>
-                <a:tab pos="6737350" algn="l"/>
-                <a:tab pos="7186613" algn="l"/>
-                <a:tab pos="7635875" algn="l"/>
-                <a:tab pos="8085138" algn="l"/>
-                <a:tab pos="8534400" algn="l"/>
-                <a:tab pos="8983663" algn="l"/>
-              </a:tabLst>
-              <a:defRPr>
-                <a:solidFill>
-                  <a:schemeClr val="bg1"/>
-                </a:solidFill>
-                <a:latin typeface="Arial" panose="020B0604020202020204" pitchFamily="34" charset="0"/>
-                <a:cs typeface="Arial" panose="020B0604020202020204" pitchFamily="34" charset="0"/>
+            <a:lvl2pPr marL="742950" indent="-285750">
+              <a:spcBef>
+                <a:spcPct val="20000"/>
+              </a:spcBef>
+              <a:buFont typeface="Arial" panose="020B0604020202020204" pitchFamily="34" charset="0"/>
+              <a:buChar char="–"/>
+              <a:defRPr sz="2800">
+                <a:solidFill>
+                  <a:schemeClr val="tx1"/>
+                </a:solidFill>
+                <a:latin typeface="Calibri" panose="020F0502020204030204" pitchFamily="34" charset="0"/>
               </a:defRPr>
             </a:lvl2pPr>
-            <a:lvl3pPr>
-              <a:tabLst>
-                <a:tab pos="0" algn="l"/>
-                <a:tab pos="447675" algn="l"/>
-                <a:tab pos="896938" algn="l"/>
-                <a:tab pos="1346200" algn="l"/>
-                <a:tab pos="1795463" algn="l"/>
-                <a:tab pos="2244725" algn="l"/>
-                <a:tab pos="2693988" algn="l"/>
-                <a:tab pos="3143250" algn="l"/>
-                <a:tab pos="3592513" algn="l"/>
-                <a:tab pos="4041775" algn="l"/>
-                <a:tab pos="4491038" algn="l"/>
-                <a:tab pos="4940300" algn="l"/>
-                <a:tab pos="5389563" algn="l"/>
-                <a:tab pos="5838825" algn="l"/>
-                <a:tab pos="6288088" algn="l"/>
-                <a:tab pos="6737350" algn="l"/>
-                <a:tab pos="7186613" algn="l"/>
-                <a:tab pos="7635875" algn="l"/>
-                <a:tab pos="8085138" algn="l"/>
-                <a:tab pos="8534400" algn="l"/>
-                <a:tab pos="8983663" algn="l"/>
-              </a:tabLst>
-              <a:defRPr>
-                <a:solidFill>
-                  <a:schemeClr val="bg1"/>
-                </a:solidFill>
-                <a:latin typeface="Arial" panose="020B0604020202020204" pitchFamily="34" charset="0"/>
-                <a:cs typeface="Arial" panose="020B0604020202020204" pitchFamily="34" charset="0"/>
+            <a:lvl3pPr marL="1143000" indent="-228600">
+              <a:spcBef>
+                <a:spcPct val="20000"/>
+              </a:spcBef>
+              <a:buFont typeface="Arial" panose="020B0604020202020204" pitchFamily="34" charset="0"/>
+              <a:buChar char="•"/>
+              <a:defRPr sz="2400">
+                <a:solidFill>
+                  <a:schemeClr val="tx1"/>
+                </a:solidFill>
+                <a:latin typeface="Calibri" panose="020F0502020204030204" pitchFamily="34" charset="0"/>
               </a:defRPr>
             </a:lvl3pPr>
-            <a:lvl4pPr>
-              <a:tabLst>
-                <a:tab pos="0" algn="l"/>
-                <a:tab pos="447675" algn="l"/>
-                <a:tab pos="896938" algn="l"/>
-                <a:tab pos="1346200" algn="l"/>
-                <a:tab pos="1795463" algn="l"/>
-                <a:tab pos="2244725" algn="l"/>
-                <a:tab pos="2693988" algn="l"/>
-                <a:tab pos="3143250" algn="l"/>
-                <a:tab pos="3592513" algn="l"/>
-                <a:tab pos="4041775" algn="l"/>
-                <a:tab pos="4491038" algn="l"/>
-                <a:tab pos="4940300" algn="l"/>
-                <a:tab pos="5389563" algn="l"/>
-                <a:tab pos="5838825" algn="l"/>
-                <a:tab pos="6288088" algn="l"/>
-                <a:tab pos="6737350" algn="l"/>
-                <a:tab pos="7186613" algn="l"/>
-                <a:tab pos="7635875" algn="l"/>
-                <a:tab pos="8085138" algn="l"/>
-                <a:tab pos="8534400" algn="l"/>
-                <a:tab pos="8983663" algn="l"/>
-              </a:tabLst>
-              <a:defRPr>
-                <a:solidFill>
-                  <a:schemeClr val="bg1"/>
-                </a:solidFill>
-                <a:latin typeface="Arial" panose="020B0604020202020204" pitchFamily="34" charset="0"/>
-                <a:cs typeface="Arial" panose="020B0604020202020204" pitchFamily="34" charset="0"/>
+            <a:lvl4pPr marL="1600200" indent="-228600">
+              <a:spcBef>
+                <a:spcPct val="20000"/>
+              </a:spcBef>
+              <a:buFont typeface="Arial" panose="020B0604020202020204" pitchFamily="34" charset="0"/>
+              <a:buChar char="–"/>
+              <a:defRPr sz="2000">
+                <a:solidFill>
+                  <a:schemeClr val="tx1"/>
+                </a:solidFill>
+                <a:latin typeface="Calibri" panose="020F0502020204030204" pitchFamily="34" charset="0"/>
               </a:defRPr>
             </a:lvl4pPr>
-            <a:lvl5pPr>
-              <a:tabLst>
-                <a:tab pos="0" algn="l"/>
-                <a:tab pos="447675" algn="l"/>
-                <a:tab pos="896938" algn="l"/>
-                <a:tab pos="1346200" algn="l"/>
-                <a:tab pos="1795463" algn="l"/>
-                <a:tab pos="2244725" algn="l"/>
-                <a:tab pos="2693988" algn="l"/>
-                <a:tab pos="3143250" algn="l"/>
-                <a:tab pos="3592513" algn="l"/>
-                <a:tab pos="4041775" algn="l"/>
-                <a:tab pos="4491038" algn="l"/>
-                <a:tab pos="4940300" algn="l"/>
-                <a:tab pos="5389563" algn="l"/>
-                <a:tab pos="5838825" algn="l"/>
-                <a:tab pos="6288088" algn="l"/>
-                <a:tab pos="6737350" algn="l"/>
-                <a:tab pos="7186613" algn="l"/>
-                <a:tab pos="7635875" algn="l"/>
-                <a:tab pos="8085138" algn="l"/>
-                <a:tab pos="8534400" algn="l"/>
-                <a:tab pos="8983663" algn="l"/>
-              </a:tabLst>
-              <a:defRPr>
-                <a:solidFill>
-                  <a:schemeClr val="bg1"/>
-                </a:solidFill>
-                <a:latin typeface="Arial" panose="020B0604020202020204" pitchFamily="34" charset="0"/>
-                <a:cs typeface="Arial" panose="020B0604020202020204" pitchFamily="34" charset="0"/>
+            <a:lvl5pPr marL="2057400" indent="-228600">
+              <a:spcBef>
+                <a:spcPct val="20000"/>
+              </a:spcBef>
+              <a:buFont typeface="Arial" panose="020B0604020202020204" pitchFamily="34" charset="0"/>
+              <a:buChar char="»"/>
+              <a:defRPr sz="2000">
+                <a:solidFill>
+                  <a:schemeClr val="tx1"/>
+                </a:solidFill>
+                <a:latin typeface="Calibri" panose="020F0502020204030204" pitchFamily="34" charset="0"/>
               </a:defRPr>
             </a:lvl5pPr>
-            <a:lvl6pPr marL="2514600" indent="-228600" defTabSz="449263" eaLnBrk="0" fontAlgn="base" hangingPunct="0">
+            <a:lvl6pPr marL="2514600" indent="-228600" eaLnBrk="0" fontAlgn="base" hangingPunct="0">
               <a:spcBef>
-                <a:spcPct val="0"/>
+                <a:spcPct val="20000"/>
               </a:spcBef>
               <a:spcAft>
                 <a:spcPct val="0"/>
               </a:spcAft>
-              <a:tabLst>
-                <a:tab pos="0" algn="l"/>
-                <a:tab pos="447675" algn="l"/>
-                <a:tab pos="896938" algn="l"/>
-                <a:tab pos="1346200" algn="l"/>
-                <a:tab pos="1795463" algn="l"/>
-                <a:tab pos="2244725" algn="l"/>
-                <a:tab pos="2693988" algn="l"/>
-                <a:tab pos="3143250" algn="l"/>
-                <a:tab pos="3592513" algn="l"/>
-                <a:tab pos="4041775" algn="l"/>
-                <a:tab pos="4491038" algn="l"/>
-                <a:tab pos="4940300" algn="l"/>
-                <a:tab pos="5389563" algn="l"/>
-                <a:tab pos="5838825" algn="l"/>
-                <a:tab pos="6288088" algn="l"/>
-                <a:tab pos="6737350" algn="l"/>
-                <a:tab pos="7186613" algn="l"/>
-                <a:tab pos="7635875" algn="l"/>
-                <a:tab pos="8085138" algn="l"/>
-                <a:tab pos="8534400" algn="l"/>
-                <a:tab pos="8983663" algn="l"/>
-              </a:tabLst>
-              <a:defRPr>
-                <a:solidFill>
-                  <a:schemeClr val="bg1"/>
-                </a:solidFill>
-                <a:latin typeface="Arial" panose="020B0604020202020204" pitchFamily="34" charset="0"/>
-                <a:cs typeface="Arial" panose="020B0604020202020204" pitchFamily="34" charset="0"/>
+              <a:buFont typeface="Arial" panose="020B0604020202020204" pitchFamily="34" charset="0"/>
+              <a:buChar char="»"/>
+              <a:defRPr sz="2000">
+                <a:solidFill>
+                  <a:schemeClr val="tx1"/>
+                </a:solidFill>
+                <a:latin typeface="Calibri" panose="020F0502020204030204" pitchFamily="34" charset="0"/>
               </a:defRPr>
             </a:lvl6pPr>
-            <a:lvl7pPr marL="2971800" indent="-228600" defTabSz="449263" eaLnBrk="0" fontAlgn="base" hangingPunct="0">
+            <a:lvl7pPr marL="2971800" indent="-228600" eaLnBrk="0" fontAlgn="base" hangingPunct="0">
               <a:spcBef>
-                <a:spcPct val="0"/>
+                <a:spcPct val="20000"/>
               </a:spcBef>
               <a:spcAft>
                 <a:spcPct val="0"/>
               </a:spcAft>
-              <a:tabLst>
-                <a:tab pos="0" algn="l"/>
-                <a:tab pos="447675" algn="l"/>
-                <a:tab pos="896938" algn="l"/>
-                <a:tab pos="1346200" algn="l"/>
-                <a:tab pos="1795463" algn="l"/>
-                <a:tab pos="2244725" algn="l"/>
-                <a:tab pos="2693988" algn="l"/>
-                <a:tab pos="3143250" algn="l"/>
-                <a:tab pos="3592513" algn="l"/>
-                <a:tab pos="4041775" algn="l"/>
-                <a:tab pos="4491038" algn="l"/>
-                <a:tab pos="4940300" algn="l"/>
-                <a:tab pos="5389563" algn="l"/>
-                <a:tab pos="5838825" algn="l"/>
-                <a:tab pos="6288088" algn="l"/>
-                <a:tab pos="6737350" algn="l"/>
-                <a:tab pos="7186613" algn="l"/>
-                <a:tab pos="7635875" algn="l"/>
-                <a:tab pos="8085138" algn="l"/>
-                <a:tab pos="8534400" algn="l"/>
-                <a:tab pos="8983663" algn="l"/>
-              </a:tabLst>
-              <a:defRPr>
-                <a:solidFill>
-                  <a:schemeClr val="bg1"/>
-                </a:solidFill>
-                <a:latin typeface="Arial" panose="020B0604020202020204" pitchFamily="34" charset="0"/>
-                <a:cs typeface="Arial" panose="020B0604020202020204" pitchFamily="34" charset="0"/>
+              <a:buFont typeface="Arial" panose="020B0604020202020204" pitchFamily="34" charset="0"/>
+              <a:buChar char="»"/>
+              <a:defRPr sz="2000">
+                <a:solidFill>
+                  <a:schemeClr val="tx1"/>
+                </a:solidFill>
+                <a:latin typeface="Calibri" panose="020F0502020204030204" pitchFamily="34" charset="0"/>
               </a:defRPr>
             </a:lvl7pPr>
-            <a:lvl8pPr marL="3429000" indent="-228600" defTabSz="449263" eaLnBrk="0" fontAlgn="base" hangingPunct="0">
+            <a:lvl8pPr marL="3429000" indent="-228600" eaLnBrk="0" fontAlgn="base" hangingPunct="0">
               <a:spcBef>
-                <a:spcPct val="0"/>
+                <a:spcPct val="20000"/>
               </a:spcBef>
               <a:spcAft>
                 <a:spcPct val="0"/>
               </a:spcAft>
-              <a:tabLst>
-                <a:tab pos="0" algn="l"/>
-                <a:tab pos="447675" algn="l"/>
-                <a:tab pos="896938" algn="l"/>
-                <a:tab pos="1346200" algn="l"/>
-                <a:tab pos="1795463" algn="l"/>
-                <a:tab pos="2244725" algn="l"/>
-                <a:tab pos="2693988" algn="l"/>
-                <a:tab pos="3143250" algn="l"/>
-                <a:tab pos="3592513" algn="l"/>
-                <a:tab pos="4041775" algn="l"/>
-                <a:tab pos="4491038" algn="l"/>
-                <a:tab pos="4940300" algn="l"/>
-                <a:tab pos="5389563" algn="l"/>
-                <a:tab pos="5838825" algn="l"/>
-                <a:tab pos="6288088" algn="l"/>
-                <a:tab pos="6737350" algn="l"/>
-                <a:tab pos="7186613" algn="l"/>
-                <a:tab pos="7635875" algn="l"/>
-                <a:tab pos="8085138" algn="l"/>
-                <a:tab pos="8534400" algn="l"/>
-                <a:tab pos="8983663" algn="l"/>
-              </a:tabLst>
-              <a:defRPr>
-                <a:solidFill>
-                  <a:schemeClr val="bg1"/>
-                </a:solidFill>
-                <a:latin typeface="Arial" panose="020B0604020202020204" pitchFamily="34" charset="0"/>
-                <a:cs typeface="Arial" panose="020B0604020202020204" pitchFamily="34" charset="0"/>
+              <a:buFont typeface="Arial" panose="020B0604020202020204" pitchFamily="34" charset="0"/>
+              <a:buChar char="»"/>
+              <a:defRPr sz="2000">
+                <a:solidFill>
+                  <a:schemeClr val="tx1"/>
+                </a:solidFill>
+                <a:latin typeface="Calibri" panose="020F0502020204030204" pitchFamily="34" charset="0"/>
               </a:defRPr>
             </a:lvl8pPr>
-            <a:lvl9pPr marL="3886200" indent="-228600" defTabSz="449263" eaLnBrk="0" fontAlgn="base" hangingPunct="0">
+            <a:lvl9pPr marL="3886200" indent="-228600" eaLnBrk="0" fontAlgn="base" hangingPunct="0">
               <a:spcBef>
-                <a:spcPct val="0"/>
+                <a:spcPct val="20000"/>
               </a:spcBef>
               <a:spcAft>
                 <a:spcPct val="0"/>
               </a:spcAft>
-              <a:tabLst>
-                <a:tab pos="0" algn="l"/>
-                <a:tab pos="447675" algn="l"/>
-                <a:tab pos="896938" algn="l"/>
-                <a:tab pos="1346200" algn="l"/>
-                <a:tab pos="1795463" algn="l"/>
-                <a:tab pos="2244725" algn="l"/>
-                <a:tab pos="2693988" algn="l"/>
-                <a:tab pos="3143250" algn="l"/>
-                <a:tab pos="3592513" algn="l"/>
-                <a:tab pos="4041775" algn="l"/>
-                <a:tab pos="4491038" algn="l"/>
-                <a:tab pos="4940300" algn="l"/>
-                <a:tab pos="5389563" algn="l"/>
-                <a:tab pos="5838825" algn="l"/>
-                <a:tab pos="6288088" algn="l"/>
-                <a:tab pos="6737350" algn="l"/>
-                <a:tab pos="7186613" algn="l"/>
-                <a:tab pos="7635875" algn="l"/>
-                <a:tab pos="8085138" algn="l"/>
-                <a:tab pos="8534400" algn="l"/>
-                <a:tab pos="8983663" algn="l"/>
-              </a:tabLst>
-              <a:defRPr>
-                <a:solidFill>
-                  <a:schemeClr val="bg1"/>
-                </a:solidFill>
-                <a:latin typeface="Arial" panose="020B0604020202020204" pitchFamily="34" charset="0"/>
-                <a:cs typeface="Arial" panose="020B0604020202020204" pitchFamily="34" charset="0"/>
+              <a:buFont typeface="Arial" panose="020B0604020202020204" pitchFamily="34" charset="0"/>
+              <a:buChar char="»"/>
+              <a:defRPr sz="2000">
+                <a:solidFill>
+                  <a:schemeClr val="tx1"/>
+                </a:solidFill>
+                <a:latin typeface="Calibri" panose="020F0502020204030204" pitchFamily="34" charset="0"/>
               </a:defRPr>
             </a:lvl9pPr>
           </a:lstStyle>
           <a:p>
-            <a:pPr algn="ctr" eaLnBrk="1" hangingPunct="1">
-              <a:buSzPct val="100000"/>
+            <a:pPr>
+              <a:spcBef>
+                <a:spcPct val="0"/>
+              </a:spcBef>
+              <a:buFontTx/>
+              <a:buNone/>
             </a:pPr>
             <a:r>
-              <a:rPr lang="es-ES" altLang="es-MX" b="1" dirty="0">
+              <a:rPr lang="es-CU" altLang="es-CU" sz="1800" dirty="0">
                 <a:solidFill>
                   <a:srgbClr val="000000"/>
                 </a:solidFill>
-                <a:latin typeface="Calibri" panose="020F0502020204030204" pitchFamily="34" charset="0"/>
+                <a:latin typeface="Arial" panose="020B0604020202020204" pitchFamily="34" charset="0"/>
               </a:rPr>
-              <a:t>22 de octubre de 2020</a:t>
-            </a:r>
-          </a:p>
-          <a:p>
-            <a:pPr eaLnBrk="1" hangingPunct="1">
-              <a:buSzPct val="100000"/>
-            </a:pPr>
-            <a:endParaRPr lang="es-ES" altLang="es-MX" b="1" dirty="0">
-              <a:solidFill>
-                <a:srgbClr val="000000"/>
-              </a:solidFill>
-              <a:latin typeface="Calibri" panose="020F0502020204030204" pitchFamily="34" charset="0"/>
+              <a:t>5.2</a:t>
+            </a:r>
+            <a:endParaRPr lang="es-CU" altLang="es-CU" sz="1800" dirty="0">
+              <a:latin typeface="Arial" panose="020B0604020202020204" pitchFamily="34" charset="0"/>
             </a:endParaRPr>
           </a:p>
         </p:txBody>
@@ -8061,41 +8523,539 @@
     </p:spTree>
     <p:extLst>
       <p:ext uri="{BB962C8B-B14F-4D97-AF65-F5344CB8AC3E}">
-        <p14:creationId xmlns:p14="http://schemas.microsoft.com/office/powerpoint/2010/main" val="4151539066"/>
+        <p14:creationId xmlns:p14="http://schemas.microsoft.com/office/powerpoint/2010/main" val="1039254611"/>
       </p:ext>
     </p:extLst>
   </p:cSld>
   <p:clrMapOvr>
     <a:masterClrMapping/>
   </p:clrMapOvr>
-  <p:transition spd="med"/>
-  <p:timing>
-    <p:tnLst>
-      <p:par>
-        <p:cTn id="1" dur="indefinite" restart="never" nodeType="tmRoot">
-          <p:childTnLst>
-            <p:seq concurrent="1" nextAc="seek">
-              <p:cTn id="2" dur="indefinite" nodeType="mainSeq"/>
-              <p:prevCondLst>
-                <p:cond evt="onPrev" delay="0">
-                  <p:tgtEl>
-                    <p:sldTgt/>
-                  </p:tgtEl>
-                </p:cond>
-              </p:prevCondLst>
-              <p:nextCondLst>
-                <p:cond evt="onNext" delay="0">
-                  <p:tgtEl>
-                    <p:sldTgt/>
-                  </p:tgtEl>
-                </p:cond>
-              </p:nextCondLst>
-            </p:seq>
-          </p:childTnLst>
-        </p:cTn>
-      </p:par>
-    </p:tnLst>
-  </p:timing>
+</p:sld>
+</file>
+
+<file path=ppt/slides/slide16.xml><?xml version="1.0" encoding="utf-8"?>
+<p:sld xmlns:a="http://schemas.openxmlformats.org/drawingml/2006/main" xmlns:r="http://schemas.openxmlformats.org/officeDocument/2006/relationships" xmlns:p="http://schemas.openxmlformats.org/presentationml/2006/main">
+  <p:cSld>
+    <p:spTree>
+      <p:nvGrpSpPr>
+        <p:cNvPr id="1" name=""/>
+        <p:cNvGrpSpPr/>
+        <p:nvPr/>
+      </p:nvGrpSpPr>
+      <p:grpSpPr>
+        <a:xfrm>
+          <a:off x="0" y="0"/>
+          <a:ext cx="0" cy="0"/>
+          <a:chOff x="0" y="0"/>
+          <a:chExt cx="0" cy="0"/>
+        </a:xfrm>
+      </p:grpSpPr>
+      <p:sp>
+        <p:nvSpPr>
+          <p:cNvPr id="2" name="Título 1">
+            <a:extLst>
+              <a:ext uri="{FF2B5EF4-FFF2-40B4-BE49-F238E27FC236}">
+                <a16:creationId xmlns:a16="http://schemas.microsoft.com/office/drawing/2014/main" id="{74C3471A-7A51-11EE-627B-0CF660742B81}"/>
+              </a:ext>
+            </a:extLst>
+          </p:cNvPr>
+          <p:cNvSpPr>
+            <a:spLocks noGrp="1"/>
+          </p:cNvSpPr>
+          <p:nvPr>
+            <p:ph type="title"/>
+          </p:nvPr>
+        </p:nvSpPr>
+        <p:spPr/>
+        <p:txBody>
+          <a:bodyPr/>
+          <a:lstStyle/>
+          <a:p>
+            <a:pPr algn="ctr"/>
+            <a:r>
+              <a:rPr lang="es-ES" dirty="0"/>
+              <a:t>Requisitos Funcionales</a:t>
+            </a:r>
+          </a:p>
+        </p:txBody>
+      </p:sp>
+      <p:sp>
+        <p:nvSpPr>
+          <p:cNvPr id="3" name="Marcador de contenido 2">
+            <a:extLst>
+              <a:ext uri="{FF2B5EF4-FFF2-40B4-BE49-F238E27FC236}">
+                <a16:creationId xmlns:a16="http://schemas.microsoft.com/office/drawing/2014/main" id="{34E17777-492F-9F1F-22E9-DE7EE679422A}"/>
+              </a:ext>
+            </a:extLst>
+          </p:cNvPr>
+          <p:cNvSpPr>
+            <a:spLocks noGrp="1"/>
+          </p:cNvSpPr>
+          <p:nvPr>
+            <p:ph idx="1"/>
+          </p:nvPr>
+        </p:nvSpPr>
+        <p:spPr/>
+        <p:txBody>
+          <a:bodyPr/>
+          <a:lstStyle/>
+          <a:p>
+            <a:pPr algn="just"/>
+            <a:r>
+              <a:rPr lang="es-ES" b="1" dirty="0"/>
+              <a:t>RF1: Autenticar usuario: Permitirá el acceso al sistema y funcionalidades correspondientes. </a:t>
+            </a:r>
+          </a:p>
+          <a:p>
+            <a:pPr algn="just"/>
+            <a:r>
+              <a:rPr lang="es-ES" dirty="0"/>
+              <a:t>  Entrada: Usuario y contraseña. </a:t>
+            </a:r>
+          </a:p>
+          <a:p>
+            <a:pPr algn="just"/>
+            <a:r>
+              <a:rPr lang="es-ES" dirty="0"/>
+              <a:t>  Salida: El usuario accede al sistema.</a:t>
+            </a:r>
+          </a:p>
+          <a:p>
+            <a:pPr algn="just"/>
+            <a:endParaRPr lang="es-ES" dirty="0"/>
+          </a:p>
+          <a:p>
+            <a:pPr algn="just"/>
+            <a:r>
+              <a:rPr lang="es-ES" b="1" dirty="0"/>
+              <a:t>RF2: Generar conocimiento del Asistente: Es donde el usuario a partir de una entrada de datos al sistema, este último analizará dichos datos y creará los archivos de entrenamiento.</a:t>
+            </a:r>
+          </a:p>
+          <a:p>
+            <a:pPr algn="just"/>
+            <a:r>
+              <a:rPr lang="es-ES" dirty="0"/>
+              <a:t>  Entrada: Datos.</a:t>
+            </a:r>
+          </a:p>
+          <a:p>
+            <a:pPr algn="just"/>
+            <a:r>
+              <a:rPr lang="es-ES" dirty="0"/>
+              <a:t>  Salida: Archivos de entrenamiento.</a:t>
+            </a:r>
+          </a:p>
+          <a:p>
+            <a:endParaRPr lang="es-ES" dirty="0"/>
+          </a:p>
+          <a:p>
+            <a:endParaRPr lang="es-ES" dirty="0"/>
+          </a:p>
+        </p:txBody>
+      </p:sp>
+    </p:spTree>
+    <p:extLst>
+      <p:ext uri="{BB962C8B-B14F-4D97-AF65-F5344CB8AC3E}">
+        <p14:creationId xmlns:p14="http://schemas.microsoft.com/office/powerpoint/2010/main" val="1142400130"/>
+      </p:ext>
+    </p:extLst>
+  </p:cSld>
+  <p:clrMapOvr>
+    <a:masterClrMapping/>
+  </p:clrMapOvr>
+</p:sld>
+</file>
+
+<file path=ppt/slides/slide17.xml><?xml version="1.0" encoding="utf-8"?>
+<p:sld xmlns:a="http://schemas.openxmlformats.org/drawingml/2006/main" xmlns:r="http://schemas.openxmlformats.org/officeDocument/2006/relationships" xmlns:p="http://schemas.openxmlformats.org/presentationml/2006/main">
+  <p:cSld>
+    <p:spTree>
+      <p:nvGrpSpPr>
+        <p:cNvPr id="1" name=""/>
+        <p:cNvGrpSpPr/>
+        <p:nvPr/>
+      </p:nvGrpSpPr>
+      <p:grpSpPr>
+        <a:xfrm>
+          <a:off x="0" y="0"/>
+          <a:ext cx="0" cy="0"/>
+          <a:chOff x="0" y="0"/>
+          <a:chExt cx="0" cy="0"/>
+        </a:xfrm>
+      </p:grpSpPr>
+      <p:sp>
+        <p:nvSpPr>
+          <p:cNvPr id="2" name="Título 1">
+            <a:extLst>
+              <a:ext uri="{FF2B5EF4-FFF2-40B4-BE49-F238E27FC236}">
+                <a16:creationId xmlns:a16="http://schemas.microsoft.com/office/drawing/2014/main" id="{74C3471A-7A51-11EE-627B-0CF660742B81}"/>
+              </a:ext>
+            </a:extLst>
+          </p:cNvPr>
+          <p:cNvSpPr>
+            <a:spLocks noGrp="1"/>
+          </p:cNvSpPr>
+          <p:nvPr>
+            <p:ph type="title"/>
+          </p:nvPr>
+        </p:nvSpPr>
+        <p:spPr/>
+        <p:txBody>
+          <a:bodyPr/>
+          <a:lstStyle/>
+          <a:p>
+            <a:pPr algn="ctr"/>
+            <a:r>
+              <a:rPr lang="es-ES" dirty="0"/>
+              <a:t>Requisitos Funcionales</a:t>
+            </a:r>
+          </a:p>
+        </p:txBody>
+      </p:sp>
+      <p:sp>
+        <p:nvSpPr>
+          <p:cNvPr id="3" name="Marcador de contenido 2">
+            <a:extLst>
+              <a:ext uri="{FF2B5EF4-FFF2-40B4-BE49-F238E27FC236}">
+                <a16:creationId xmlns:a16="http://schemas.microsoft.com/office/drawing/2014/main" id="{34E17777-492F-9F1F-22E9-DE7EE679422A}"/>
+              </a:ext>
+            </a:extLst>
+          </p:cNvPr>
+          <p:cNvSpPr>
+            <a:spLocks noGrp="1"/>
+          </p:cNvSpPr>
+          <p:nvPr>
+            <p:ph idx="1"/>
+          </p:nvPr>
+        </p:nvSpPr>
+        <p:spPr>
+          <a:xfrm>
+            <a:off x="825910" y="1651819"/>
+            <a:ext cx="10302338" cy="4520381"/>
+          </a:xfrm>
+        </p:spPr>
+        <p:txBody>
+          <a:bodyPr/>
+          <a:lstStyle/>
+          <a:p>
+            <a:pPr algn="just"/>
+            <a:endParaRPr lang="es-ES" dirty="0"/>
+          </a:p>
+          <a:p>
+            <a:pPr algn="just"/>
+            <a:r>
+              <a:rPr lang="es-ES" b="1" dirty="0"/>
+              <a:t>RF3: Crear Asistente virtual: Proporciona la posibilidad de crear el asistente virtual a partir de cierta información.</a:t>
+            </a:r>
+          </a:p>
+          <a:p>
+            <a:pPr algn="just"/>
+            <a:r>
+              <a:rPr lang="es-ES" dirty="0"/>
+              <a:t>  Entrada: Información pedida por el sistema.</a:t>
+            </a:r>
+          </a:p>
+          <a:p>
+            <a:pPr algn="just"/>
+            <a:r>
+              <a:rPr lang="es-ES" dirty="0"/>
+              <a:t>  Salida: Se crea el asistente virtual. </a:t>
+            </a:r>
+          </a:p>
+          <a:p>
+            <a:pPr algn="just"/>
+            <a:endParaRPr lang="es-ES" dirty="0"/>
+          </a:p>
+          <a:p>
+            <a:pPr algn="just"/>
+            <a:r>
+              <a:rPr lang="es-ES" b="1" dirty="0"/>
+              <a:t>RF4: Entrenar Asistente y probarlo: Permitirá una vez creado el asistente y los archivos de entrenamiento poder entrenarlo, y una vez finalizado este proceso tendrá la posibilidad de probarlo e interactuar con el robot conversacional.</a:t>
+            </a:r>
+          </a:p>
+          <a:p>
+            <a:pPr algn="just"/>
+            <a:r>
+              <a:rPr lang="es-ES" dirty="0"/>
+              <a:t>  Entrada: Información pedida por el sistema.</a:t>
+            </a:r>
+          </a:p>
+          <a:p>
+            <a:pPr algn="just"/>
+            <a:r>
+              <a:rPr lang="es-ES" dirty="0"/>
+              <a:t>  Salida: Se entrena el asistente virtual y se inicia la interacción de prueba.</a:t>
+            </a:r>
+          </a:p>
+          <a:p>
+            <a:endParaRPr lang="es-ES" dirty="0"/>
+          </a:p>
+        </p:txBody>
+      </p:sp>
+    </p:spTree>
+    <p:extLst>
+      <p:ext uri="{BB962C8B-B14F-4D97-AF65-F5344CB8AC3E}">
+        <p14:creationId xmlns:p14="http://schemas.microsoft.com/office/powerpoint/2010/main" val="1284052005"/>
+      </p:ext>
+    </p:extLst>
+  </p:cSld>
+  <p:clrMapOvr>
+    <a:masterClrMapping/>
+  </p:clrMapOvr>
+</p:sld>
+</file>
+
+<file path=ppt/slides/slide18.xml><?xml version="1.0" encoding="utf-8"?>
+<p:sld xmlns:a="http://schemas.openxmlformats.org/drawingml/2006/main" xmlns:r="http://schemas.openxmlformats.org/officeDocument/2006/relationships" xmlns:p="http://schemas.openxmlformats.org/presentationml/2006/main">
+  <p:cSld>
+    <p:spTree>
+      <p:nvGrpSpPr>
+        <p:cNvPr id="1" name=""/>
+        <p:cNvGrpSpPr/>
+        <p:nvPr/>
+      </p:nvGrpSpPr>
+      <p:grpSpPr>
+        <a:xfrm>
+          <a:off x="0" y="0"/>
+          <a:ext cx="0" cy="0"/>
+          <a:chOff x="0" y="0"/>
+          <a:chExt cx="0" cy="0"/>
+        </a:xfrm>
+      </p:grpSpPr>
+      <p:sp>
+        <p:nvSpPr>
+          <p:cNvPr id="2" name="Título 1">
+            <a:extLst>
+              <a:ext uri="{FF2B5EF4-FFF2-40B4-BE49-F238E27FC236}">
+                <a16:creationId xmlns:a16="http://schemas.microsoft.com/office/drawing/2014/main" id="{01FAE683-1C27-C7EC-A7A2-4597F1B24AAC}"/>
+              </a:ext>
+            </a:extLst>
+          </p:cNvPr>
+          <p:cNvSpPr>
+            <a:spLocks noGrp="1"/>
+          </p:cNvSpPr>
+          <p:nvPr>
+            <p:ph type="title"/>
+          </p:nvPr>
+        </p:nvSpPr>
+        <p:spPr>
+          <a:xfrm>
+            <a:off x="1069848" y="-297032"/>
+            <a:ext cx="10058400" cy="1609344"/>
+          </a:xfrm>
+        </p:spPr>
+        <p:txBody>
+          <a:bodyPr/>
+          <a:lstStyle/>
+          <a:p>
+            <a:pPr algn="ctr"/>
+            <a:r>
+              <a:rPr lang="es-ES" dirty="0"/>
+              <a:t>Estructura del sistema</a:t>
+            </a:r>
+          </a:p>
+        </p:txBody>
+      </p:sp>
+      <p:pic>
+        <p:nvPicPr>
+          <p:cNvPr id="4" name="Marcador de contenido 3">
+            <a:extLst>
+              <a:ext uri="{FF2B5EF4-FFF2-40B4-BE49-F238E27FC236}">
+                <a16:creationId xmlns:a16="http://schemas.microsoft.com/office/drawing/2014/main" id="{27CEF424-227D-B2EC-B2B5-78F339B5667F}"/>
+              </a:ext>
+            </a:extLst>
+          </p:cNvPr>
+          <p:cNvPicPr>
+            <a:picLocks noGrp="1" noChangeAspect="1"/>
+          </p:cNvPicPr>
+          <p:nvPr>
+            <p:ph idx="1"/>
+          </p:nvPr>
+        </p:nvPicPr>
+        <p:blipFill>
+          <a:blip r:embed="rId2">
+            <a:extLst>
+              <a:ext uri="{28A0092B-C50C-407E-A947-70E740481C1C}">
+                <a14:useLocalDpi xmlns:a14="http://schemas.microsoft.com/office/drawing/2010/main" val="0"/>
+              </a:ext>
+            </a:extLst>
+          </a:blip>
+          <a:srcRect/>
+          <a:stretch>
+            <a:fillRect/>
+          </a:stretch>
+        </p:blipFill>
+        <p:spPr bwMode="auto">
+          <a:xfrm>
+            <a:off x="711067" y="911531"/>
+            <a:ext cx="10600945" cy="5828482"/>
+          </a:xfrm>
+          <a:prstGeom prst="rect">
+            <a:avLst/>
+          </a:prstGeom>
+          <a:ln w="38100" cap="sq">
+            <a:solidFill>
+              <a:srgbClr val="000000"/>
+            </a:solidFill>
+            <a:prstDash val="solid"/>
+            <a:miter lim="800000"/>
+          </a:ln>
+          <a:effectLst>
+            <a:outerShdw blurRad="50800" dist="38100" dir="2700000" algn="tl" rotWithShape="0">
+              <a:srgbClr val="000000">
+                <a:alpha val="43000"/>
+              </a:srgbClr>
+            </a:outerShdw>
+          </a:effectLst>
+        </p:spPr>
+      </p:pic>
+    </p:spTree>
+    <p:extLst>
+      <p:ext uri="{BB962C8B-B14F-4D97-AF65-F5344CB8AC3E}">
+        <p14:creationId xmlns:p14="http://schemas.microsoft.com/office/powerpoint/2010/main" val="3277542731"/>
+      </p:ext>
+    </p:extLst>
+  </p:cSld>
+  <p:clrMapOvr>
+    <a:masterClrMapping/>
+  </p:clrMapOvr>
+</p:sld>
+</file>
+
+<file path=ppt/slides/slide19.xml><?xml version="1.0" encoding="utf-8"?>
+<p:sld xmlns:a="http://schemas.openxmlformats.org/drawingml/2006/main" xmlns:r="http://schemas.openxmlformats.org/officeDocument/2006/relationships" xmlns:p="http://schemas.openxmlformats.org/presentationml/2006/main">
+  <p:cSld>
+    <p:spTree>
+      <p:nvGrpSpPr>
+        <p:cNvPr id="1" name=""/>
+        <p:cNvGrpSpPr/>
+        <p:nvPr/>
+      </p:nvGrpSpPr>
+      <p:grpSpPr>
+        <a:xfrm>
+          <a:off x="0" y="0"/>
+          <a:ext cx="0" cy="0"/>
+          <a:chOff x="0" y="0"/>
+          <a:chExt cx="0" cy="0"/>
+        </a:xfrm>
+      </p:grpSpPr>
+      <p:sp>
+        <p:nvSpPr>
+          <p:cNvPr id="2" name="Título 1">
+            <a:extLst>
+              <a:ext uri="{FF2B5EF4-FFF2-40B4-BE49-F238E27FC236}">
+                <a16:creationId xmlns:a16="http://schemas.microsoft.com/office/drawing/2014/main" id="{36DEF82A-C5C9-B4D7-227E-B11D64B9BE4C}"/>
+              </a:ext>
+            </a:extLst>
+          </p:cNvPr>
+          <p:cNvSpPr>
+            <a:spLocks noGrp="1"/>
+          </p:cNvSpPr>
+          <p:nvPr>
+            <p:ph type="title"/>
+          </p:nvPr>
+        </p:nvSpPr>
+        <p:spPr>
+          <a:xfrm>
+            <a:off x="1069848" y="-31555"/>
+            <a:ext cx="10058400" cy="1609344"/>
+          </a:xfrm>
+        </p:spPr>
+        <p:txBody>
+          <a:bodyPr/>
+          <a:lstStyle/>
+          <a:p>
+            <a:pPr algn="ctr"/>
+            <a:r>
+              <a:rPr lang="es-ES" dirty="0"/>
+              <a:t>Diseño de Base de Datos</a:t>
+            </a:r>
+          </a:p>
+        </p:txBody>
+      </p:sp>
+      <p:pic>
+        <p:nvPicPr>
+          <p:cNvPr id="4" name="Marcador de contenido 3">
+            <a:extLst>
+              <a:ext uri="{FF2B5EF4-FFF2-40B4-BE49-F238E27FC236}">
+                <a16:creationId xmlns:a16="http://schemas.microsoft.com/office/drawing/2014/main" id="{2B67347B-BD7F-F46A-6C4E-8139CB143FA2}"/>
+              </a:ext>
+            </a:extLst>
+          </p:cNvPr>
+          <p:cNvPicPr>
+            <a:picLocks noGrp="1" noChangeAspect="1"/>
+          </p:cNvPicPr>
+          <p:nvPr>
+            <p:ph idx="1"/>
+          </p:nvPr>
+        </p:nvPicPr>
+        <p:blipFill rotWithShape="1">
+          <a:blip r:embed="rId2">
+            <a:extLst>
+              <a:ext uri="{28A0092B-C50C-407E-A947-70E740481C1C}">
+                <a14:useLocalDpi xmlns:a14="http://schemas.microsoft.com/office/drawing/2010/main" val="0"/>
+              </a:ext>
+            </a:extLst>
+          </a:blip>
+          <a:srcRect b="11021"/>
+          <a:stretch/>
+        </p:blipFill>
+        <p:spPr bwMode="auto">
+          <a:xfrm>
+            <a:off x="1091245" y="1297863"/>
+            <a:ext cx="10058400" cy="5383156"/>
+          </a:xfrm>
+          <a:prstGeom prst="rect">
+            <a:avLst/>
+          </a:prstGeom>
+          <a:ln w="38100" cap="sq" cmpd="sng" algn="ctr">
+            <a:solidFill>
+              <a:srgbClr val="000000"/>
+            </a:solidFill>
+            <a:prstDash val="solid"/>
+            <a:miter lim="800000"/>
+            <a:headEnd type="none" w="med" len="med"/>
+            <a:tailEnd type="none" w="med" len="med"/>
+            <a:extLst>
+              <a:ext uri="{C807C97D-BFC1-408E-A445-0C87EB9F89A2}">
+                <ask:lineSketchStyleProps xmlns:ask="http://schemas.microsoft.com/office/drawing/2018/sketchyshapes" sd="0">
+                  <a:custGeom>
+                    <a:avLst/>
+                    <a:gdLst/>
+                    <a:ahLst/>
+                    <a:cxnLst/>
+                    <a:rect l="0" t="0" r="0" b="0"/>
+                    <a:pathLst/>
+                  </a:custGeom>
+                  <ask:type/>
+                </ask:lineSketchStyleProps>
+              </a:ext>
+            </a:extLst>
+          </a:ln>
+          <a:effectLst>
+            <a:outerShdw blurRad="50800" dist="38100" dir="2700000" algn="tl" rotWithShape="0">
+              <a:srgbClr val="000000">
+                <a:alpha val="43000"/>
+              </a:srgbClr>
+            </a:outerShdw>
+          </a:effectLst>
+          <a:extLst>
+            <a:ext uri="{53640926-AAD7-44D8-BBD7-CCE9431645EC}">
+              <a14:shadowObscured xmlns:a14="http://schemas.microsoft.com/office/drawing/2010/main"/>
+            </a:ext>
+          </a:extLst>
+        </p:spPr>
+      </p:pic>
+    </p:spTree>
+    <p:extLst>
+      <p:ext uri="{BB962C8B-B14F-4D97-AF65-F5344CB8AC3E}">
+        <p14:creationId xmlns:p14="http://schemas.microsoft.com/office/powerpoint/2010/main" val="2621268035"/>
+      </p:ext>
+    </p:extLst>
+  </p:cSld>
+  <p:clrMapOvr>
+    <a:masterClrMapping/>
+  </p:clrMapOvr>
 </p:sld>
 </file>
 
@@ -8141,7 +9101,7 @@
             <a:pPr algn="ctr"/>
             <a:r>
               <a:rPr lang="es-ES" sz="4400" dirty="0"/>
-              <a:t>Concepto Importante</a:t>
+              <a:t>Introducción</a:t>
             </a:r>
           </a:p>
         </p:txBody>
@@ -8641,7 +9601,2022 @@
 </p:sld>
 </file>
 
+<file path=ppt/slides/slide20.xml><?xml version="1.0" encoding="utf-8"?>
+<p:sld xmlns:a="http://schemas.openxmlformats.org/drawingml/2006/main" xmlns:r="http://schemas.openxmlformats.org/officeDocument/2006/relationships" xmlns:p="http://schemas.openxmlformats.org/presentationml/2006/main">
+  <p:cSld>
+    <p:spTree>
+      <p:nvGrpSpPr>
+        <p:cNvPr id="1" name=""/>
+        <p:cNvGrpSpPr/>
+        <p:nvPr/>
+      </p:nvGrpSpPr>
+      <p:grpSpPr>
+        <a:xfrm>
+          <a:off x="0" y="0"/>
+          <a:ext cx="0" cy="0"/>
+          <a:chOff x="0" y="0"/>
+          <a:chExt cx="0" cy="0"/>
+        </a:xfrm>
+      </p:grpSpPr>
+      <p:sp>
+        <p:nvSpPr>
+          <p:cNvPr id="2" name="Título 1">
+            <a:extLst>
+              <a:ext uri="{FF2B5EF4-FFF2-40B4-BE49-F238E27FC236}">
+                <a16:creationId xmlns:a16="http://schemas.microsoft.com/office/drawing/2014/main" id="{75415DC7-02CB-7D93-93BE-B585EEE17373}"/>
+              </a:ext>
+            </a:extLst>
+          </p:cNvPr>
+          <p:cNvSpPr>
+            <a:spLocks noGrp="1"/>
+          </p:cNvSpPr>
+          <p:nvPr>
+            <p:ph type="title"/>
+          </p:nvPr>
+        </p:nvSpPr>
+        <p:spPr/>
+        <p:txBody>
+          <a:bodyPr/>
+          <a:lstStyle/>
+          <a:p>
+            <a:pPr algn="ctr"/>
+            <a:r>
+              <a:rPr lang="es-ES" dirty="0"/>
+              <a:t>Conclusiones</a:t>
+            </a:r>
+          </a:p>
+        </p:txBody>
+      </p:sp>
+      <p:sp>
+        <p:nvSpPr>
+          <p:cNvPr id="3" name="Marcador de contenido 2">
+            <a:extLst>
+              <a:ext uri="{FF2B5EF4-FFF2-40B4-BE49-F238E27FC236}">
+                <a16:creationId xmlns:a16="http://schemas.microsoft.com/office/drawing/2014/main" id="{A63ADC5C-B673-EF80-73B8-54B97E799BA3}"/>
+              </a:ext>
+            </a:extLst>
+          </p:cNvPr>
+          <p:cNvSpPr>
+            <a:spLocks noGrp="1"/>
+          </p:cNvSpPr>
+          <p:nvPr>
+            <p:ph idx="1"/>
+          </p:nvPr>
+        </p:nvSpPr>
+        <p:spPr/>
+        <p:txBody>
+          <a:bodyPr/>
+          <a:lstStyle/>
+          <a:p>
+            <a:r>
+              <a:rPr lang="es-ES" dirty="0"/>
+              <a:t>Se realizó el estudio del estado del arte de los sistemas para desarrollar asistentes virtuales dando como resultado la elección de la mejor solución para la herramienta informática propuesta.</a:t>
+            </a:r>
+          </a:p>
+          <a:p>
+            <a:r>
+              <a:rPr lang="es-ES" dirty="0"/>
+              <a:t>Se diseñó e implementó el prototipo de la herramienta  informática.</a:t>
+            </a:r>
+          </a:p>
+          <a:p>
+            <a:r>
+              <a:rPr lang="es-ES" dirty="0"/>
+              <a:t>Se desplegó la herramienta junto a un sistema para desarrollar asistentes virtuales.</a:t>
+            </a:r>
+          </a:p>
+          <a:p>
+            <a:r>
+              <a:rPr lang="es-ES" dirty="0"/>
+              <a:t>Algunas de las pruebas realizadas a la herramienta demuestran que aún falta mejorar el sistema de generación de conocimiento al proporcionar las preguntas y respuestas a partir de los datos entrados.</a:t>
+            </a:r>
+          </a:p>
+        </p:txBody>
+      </p:sp>
+    </p:spTree>
+    <p:extLst>
+      <p:ext uri="{BB962C8B-B14F-4D97-AF65-F5344CB8AC3E}">
+        <p14:creationId xmlns:p14="http://schemas.microsoft.com/office/powerpoint/2010/main" val="83483778"/>
+      </p:ext>
+    </p:extLst>
+  </p:cSld>
+  <p:clrMapOvr>
+    <a:masterClrMapping/>
+  </p:clrMapOvr>
+</p:sld>
+</file>
+
+<file path=ppt/slides/slide21.xml><?xml version="1.0" encoding="utf-8"?>
+<p:sld xmlns:a="http://schemas.openxmlformats.org/drawingml/2006/main" xmlns:r="http://schemas.openxmlformats.org/officeDocument/2006/relationships" xmlns:p="http://schemas.openxmlformats.org/presentationml/2006/main">
+  <p:cSld>
+    <p:spTree>
+      <p:nvGrpSpPr>
+        <p:cNvPr id="1" name=""/>
+        <p:cNvGrpSpPr/>
+        <p:nvPr/>
+      </p:nvGrpSpPr>
+      <p:grpSpPr>
+        <a:xfrm>
+          <a:off x="0" y="0"/>
+          <a:ext cx="0" cy="0"/>
+          <a:chOff x="0" y="0"/>
+          <a:chExt cx="0" cy="0"/>
+        </a:xfrm>
+      </p:grpSpPr>
+      <p:sp>
+        <p:nvSpPr>
+          <p:cNvPr id="2" name="Título 1">
+            <a:extLst>
+              <a:ext uri="{FF2B5EF4-FFF2-40B4-BE49-F238E27FC236}">
+                <a16:creationId xmlns:a16="http://schemas.microsoft.com/office/drawing/2014/main" id="{1324DC5D-F0BB-4707-BDEC-8153887BD67F}"/>
+              </a:ext>
+            </a:extLst>
+          </p:cNvPr>
+          <p:cNvSpPr>
+            <a:spLocks noGrp="1"/>
+          </p:cNvSpPr>
+          <p:nvPr>
+            <p:ph type="title"/>
+          </p:nvPr>
+        </p:nvSpPr>
+        <p:spPr>
+          <a:xfrm>
+            <a:off x="1066800" y="-206472"/>
+            <a:ext cx="10058400" cy="1609344"/>
+          </a:xfrm>
+        </p:spPr>
+        <p:txBody>
+          <a:bodyPr/>
+          <a:lstStyle/>
+          <a:p>
+            <a:pPr algn="ctr"/>
+            <a:r>
+              <a:rPr lang="es-CU"/>
+              <a:t>Ejemplo</a:t>
+            </a:r>
+            <a:r>
+              <a:rPr lang="en-US"/>
+              <a:t> de </a:t>
+            </a:r>
+            <a:r>
+              <a:rPr lang="es-CU"/>
+              <a:t>funcionamiento</a:t>
+            </a:r>
+            <a:endParaRPr lang="es-ES" dirty="0"/>
+          </a:p>
+        </p:txBody>
+      </p:sp>
+      <p:pic>
+        <p:nvPicPr>
+          <p:cNvPr id="3" name="4.1 Chat Web con Asistente (Interaccion)">
+            <a:hlinkClick r:id="" action="ppaction://media"/>
+            <a:extLst>
+              <a:ext uri="{FF2B5EF4-FFF2-40B4-BE49-F238E27FC236}">
+                <a16:creationId xmlns:a16="http://schemas.microsoft.com/office/drawing/2014/main" id="{20FC8EFE-3B84-83A1-8F85-E62C3512CAA2}"/>
+              </a:ext>
+            </a:extLst>
+          </p:cNvPr>
+          <p:cNvPicPr>
+            <a:picLocks noChangeAspect="1"/>
+          </p:cNvPicPr>
+          <p:nvPr>
+            <a:videoFile r:link="rId2"/>
+            <p:extLst>
+              <p:ext uri="{DAA4B4D4-6D71-4841-9C94-3DE7FCFB9230}">
+                <p14:media xmlns:p14="http://schemas.microsoft.com/office/powerpoint/2010/main" r:embed="rId1"/>
+              </p:ext>
+            </p:extLst>
+          </p:nvPr>
+        </p:nvPicPr>
+        <p:blipFill>
+          <a:blip r:embed="rId5"/>
+          <a:stretch>
+            <a:fillRect/>
+          </a:stretch>
+        </p:blipFill>
+        <p:spPr>
+          <a:xfrm>
+            <a:off x="1238864" y="952167"/>
+            <a:ext cx="9497961" cy="5743601"/>
+          </a:xfrm>
+          <a:prstGeom prst="rect">
+            <a:avLst/>
+          </a:prstGeom>
+          <a:ln w="38100" cap="sq">
+            <a:solidFill>
+              <a:srgbClr val="000000"/>
+            </a:solidFill>
+            <a:prstDash val="solid"/>
+            <a:miter lim="800000"/>
+          </a:ln>
+          <a:effectLst>
+            <a:outerShdw blurRad="50800" dist="38100" dir="2700000" algn="tl" rotWithShape="0">
+              <a:srgbClr val="000000">
+                <a:alpha val="43000"/>
+              </a:srgbClr>
+            </a:outerShdw>
+          </a:effectLst>
+        </p:spPr>
+      </p:pic>
+    </p:spTree>
+    <p:extLst>
+      <p:ext uri="{BB962C8B-B14F-4D97-AF65-F5344CB8AC3E}">
+        <p14:creationId xmlns:p14="http://schemas.microsoft.com/office/powerpoint/2010/main" val="2720222872"/>
+      </p:ext>
+    </p:extLst>
+  </p:cSld>
+  <p:clrMapOvr>
+    <a:masterClrMapping/>
+  </p:clrMapOvr>
+  <p:timing>
+    <p:tnLst>
+      <p:par>
+        <p:cTn id="1" dur="indefinite" restart="never" nodeType="tmRoot">
+          <p:childTnLst>
+            <p:seq concurrent="1" nextAc="seek">
+              <p:cTn id="2" dur="indefinite" nodeType="mainSeq">
+                <p:childTnLst>
+                  <p:par>
+                    <p:cTn id="3" fill="hold">
+                      <p:stCondLst>
+                        <p:cond delay="indefinite"/>
+                      </p:stCondLst>
+                      <p:childTnLst>
+                        <p:par>
+                          <p:cTn id="4" fill="hold">
+                            <p:stCondLst>
+                              <p:cond delay="0"/>
+                            </p:stCondLst>
+                            <p:childTnLst>
+                              <p:par>
+                                <p:cTn id="5" presetID="1" presetClass="mediacall" presetSubtype="0" fill="hold" nodeType="clickEffect">
+                                  <p:stCondLst>
+                                    <p:cond delay="0"/>
+                                  </p:stCondLst>
+                                  <p:childTnLst>
+                                    <p:cmd type="call" cmd="playFrom(0.0)">
+                                      <p:cBhvr>
+                                        <p:cTn id="6" dur="35840" fill="hold"/>
+                                        <p:tgtEl>
+                                          <p:spTgt spid="3"/>
+                                        </p:tgtEl>
+                                      </p:cBhvr>
+                                    </p:cmd>
+                                  </p:childTnLst>
+                                </p:cTn>
+                              </p:par>
+                            </p:childTnLst>
+                          </p:cTn>
+                        </p:par>
+                      </p:childTnLst>
+                    </p:cTn>
+                  </p:par>
+                </p:childTnLst>
+              </p:cTn>
+              <p:prevCondLst>
+                <p:cond evt="onPrev" delay="0">
+                  <p:tgtEl>
+                    <p:sldTgt/>
+                  </p:tgtEl>
+                </p:cond>
+              </p:prevCondLst>
+              <p:nextCondLst>
+                <p:cond evt="onNext" delay="0">
+                  <p:tgtEl>
+                    <p:sldTgt/>
+                  </p:tgtEl>
+                </p:cond>
+              </p:nextCondLst>
+            </p:seq>
+            <p:video>
+              <p:cMediaNode vol="80000">
+                <p:cTn id="7" fill="hold" display="0">
+                  <p:stCondLst>
+                    <p:cond delay="indefinite"/>
+                  </p:stCondLst>
+                </p:cTn>
+                <p:tgtEl>
+                  <p:spTgt spid="3"/>
+                </p:tgtEl>
+              </p:cMediaNode>
+            </p:video>
+            <p:seq concurrent="1" nextAc="seek">
+              <p:cTn id="8" restart="whenNotActive" fill="hold" evtFilter="cancelBubble" nodeType="interactiveSeq">
+                <p:stCondLst>
+                  <p:cond evt="onClick" delay="0">
+                    <p:tgtEl>
+                      <p:spTgt spid="3"/>
+                    </p:tgtEl>
+                  </p:cond>
+                </p:stCondLst>
+                <p:endSync evt="end" delay="0">
+                  <p:rtn val="all"/>
+                </p:endSync>
+                <p:childTnLst>
+                  <p:par>
+                    <p:cTn id="9" fill="hold">
+                      <p:stCondLst>
+                        <p:cond delay="0"/>
+                      </p:stCondLst>
+                      <p:childTnLst>
+                        <p:par>
+                          <p:cTn id="10" fill="hold">
+                            <p:stCondLst>
+                              <p:cond delay="0"/>
+                            </p:stCondLst>
+                            <p:childTnLst>
+                              <p:par>
+                                <p:cTn id="11" presetID="2" presetClass="mediacall" presetSubtype="0" fill="hold" nodeType="clickEffect">
+                                  <p:stCondLst>
+                                    <p:cond delay="0"/>
+                                  </p:stCondLst>
+                                  <p:childTnLst>
+                                    <p:cmd type="call" cmd="togglePause">
+                                      <p:cBhvr>
+                                        <p:cTn id="12" dur="1" fill="hold"/>
+                                        <p:tgtEl>
+                                          <p:spTgt spid="3"/>
+                                        </p:tgtEl>
+                                      </p:cBhvr>
+                                    </p:cmd>
+                                  </p:childTnLst>
+                                </p:cTn>
+                              </p:par>
+                            </p:childTnLst>
+                          </p:cTn>
+                        </p:par>
+                      </p:childTnLst>
+                    </p:cTn>
+                  </p:par>
+                </p:childTnLst>
+              </p:cTn>
+              <p:nextCondLst>
+                <p:cond evt="onClick" delay="0">
+                  <p:tgtEl>
+                    <p:spTgt spid="3"/>
+                  </p:tgtEl>
+                </p:cond>
+              </p:nextCondLst>
+            </p:seq>
+          </p:childTnLst>
+        </p:cTn>
+      </p:par>
+    </p:tnLst>
+  </p:timing>
+</p:sld>
+</file>
+
+<file path=ppt/slides/slide22.xml><?xml version="1.0" encoding="utf-8"?>
+<p:sld xmlns:a="http://schemas.openxmlformats.org/drawingml/2006/main" xmlns:r="http://schemas.openxmlformats.org/officeDocument/2006/relationships" xmlns:p="http://schemas.openxmlformats.org/presentationml/2006/main">
+  <p:cSld>
+    <p:spTree>
+      <p:nvGrpSpPr>
+        <p:cNvPr id="1" name=""/>
+        <p:cNvGrpSpPr/>
+        <p:nvPr/>
+      </p:nvGrpSpPr>
+      <p:grpSpPr>
+        <a:xfrm>
+          <a:off x="0" y="0"/>
+          <a:ext cx="0" cy="0"/>
+          <a:chOff x="0" y="0"/>
+          <a:chExt cx="0" cy="0"/>
+        </a:xfrm>
+      </p:grpSpPr>
+      <p:pic>
+        <p:nvPicPr>
+          <p:cNvPr id="3074" name="Picture 1">
+            <a:extLst>
+              <a:ext uri="{FF2B5EF4-FFF2-40B4-BE49-F238E27FC236}">
+                <a16:creationId xmlns:a16="http://schemas.microsoft.com/office/drawing/2014/main" id="{9DC66159-C388-4239-B779-8B52EB223B9F}"/>
+              </a:ext>
+            </a:extLst>
+          </p:cNvPr>
+          <p:cNvPicPr>
+            <a:picLocks noChangeAspect="1" noChangeArrowheads="1"/>
+          </p:cNvPicPr>
+          <p:nvPr/>
+        </p:nvPicPr>
+        <p:blipFill>
+          <a:blip r:embed="rId3">
+            <a:extLst>
+              <a:ext uri="{28A0092B-C50C-407E-A947-70E740481C1C}">
+                <a14:useLocalDpi xmlns:a14="http://schemas.microsoft.com/office/drawing/2010/main" val="0"/>
+              </a:ext>
+            </a:extLst>
+          </a:blip>
+          <a:srcRect/>
+          <a:stretch>
+            <a:fillRect/>
+          </a:stretch>
+        </p:blipFill>
+        <p:spPr bwMode="auto">
+          <a:xfrm>
+            <a:off x="0" y="0"/>
+            <a:ext cx="4011562" cy="6858000"/>
+          </a:xfrm>
+          <a:prstGeom prst="rect">
+            <a:avLst/>
+          </a:prstGeom>
+          <a:noFill/>
+          <a:ln>
+            <a:noFill/>
+          </a:ln>
+          <a:effectLst/>
+          <a:extLst>
+            <a:ext uri="{909E8E84-426E-40DD-AFC4-6F175D3DCCD1}">
+              <a14:hiddenFill xmlns:a14="http://schemas.microsoft.com/office/drawing/2010/main">
+                <a:blipFill dpi="0" rotWithShape="0">
+                  <a:blip/>
+                  <a:srcRect/>
+                  <a:stretch>
+                    <a:fillRect/>
+                  </a:stretch>
+                </a:blipFill>
+              </a14:hiddenFill>
+            </a:ext>
+            <a:ext uri="{91240B29-F687-4F45-9708-019B960494DF}">
+              <a14:hiddenLine xmlns:a14="http://schemas.microsoft.com/office/drawing/2010/main" w="9525">
+                <a:solidFill>
+                  <a:srgbClr val="3465A4"/>
+                </a:solidFill>
+                <a:round/>
+                <a:headEnd/>
+                <a:tailEnd/>
+              </a14:hiddenLine>
+            </a:ext>
+            <a:ext uri="{AF507438-7753-43E0-B8FC-AC1667EBCBE1}">
+              <a14:hiddenEffects xmlns:a14="http://schemas.microsoft.com/office/drawing/2010/main">
+                <a:effectLst>
+                  <a:outerShdw dist="35921" dir="2700000" algn="ctr" rotWithShape="0">
+                    <a:srgbClr val="808080"/>
+                  </a:outerShdw>
+                </a:effectLst>
+              </a14:hiddenEffects>
+            </a:ext>
+          </a:extLst>
+        </p:spPr>
+      </p:pic>
+      <p:pic>
+        <p:nvPicPr>
+          <p:cNvPr id="3075" name="Picture 2">
+            <a:extLst>
+              <a:ext uri="{FF2B5EF4-FFF2-40B4-BE49-F238E27FC236}">
+                <a16:creationId xmlns:a16="http://schemas.microsoft.com/office/drawing/2014/main" id="{88495DEA-FEBE-4103-85AD-41859F53FD35}"/>
+              </a:ext>
+            </a:extLst>
+          </p:cNvPr>
+          <p:cNvPicPr>
+            <a:picLocks noChangeAspect="1" noChangeArrowheads="1"/>
+          </p:cNvPicPr>
+          <p:nvPr/>
+        </p:nvPicPr>
+        <p:blipFill>
+          <a:blip r:embed="rId4">
+            <a:extLst>
+              <a:ext uri="{28A0092B-C50C-407E-A947-70E740481C1C}">
+                <a14:useLocalDpi xmlns:a14="http://schemas.microsoft.com/office/drawing/2010/main" val="0"/>
+              </a:ext>
+            </a:extLst>
+          </a:blip>
+          <a:srcRect/>
+          <a:stretch>
+            <a:fillRect/>
+          </a:stretch>
+        </p:blipFill>
+        <p:spPr bwMode="auto">
+          <a:xfrm>
+            <a:off x="6931818" y="547016"/>
+            <a:ext cx="2328863" cy="625475"/>
+          </a:xfrm>
+          <a:prstGeom prst="rect">
+            <a:avLst/>
+          </a:prstGeom>
+          <a:noFill/>
+          <a:ln>
+            <a:noFill/>
+          </a:ln>
+          <a:effectLst/>
+          <a:extLst>
+            <a:ext uri="{909E8E84-426E-40DD-AFC4-6F175D3DCCD1}">
+              <a14:hiddenFill xmlns:a14="http://schemas.microsoft.com/office/drawing/2010/main">
+                <a:blipFill dpi="0" rotWithShape="0">
+                  <a:blip/>
+                  <a:srcRect/>
+                  <a:stretch>
+                    <a:fillRect/>
+                  </a:stretch>
+                </a:blipFill>
+              </a14:hiddenFill>
+            </a:ext>
+            <a:ext uri="{91240B29-F687-4F45-9708-019B960494DF}">
+              <a14:hiddenLine xmlns:a14="http://schemas.microsoft.com/office/drawing/2010/main" w="9525">
+                <a:solidFill>
+                  <a:srgbClr val="3465A4"/>
+                </a:solidFill>
+                <a:round/>
+                <a:headEnd/>
+                <a:tailEnd/>
+              </a14:hiddenLine>
+            </a:ext>
+            <a:ext uri="{AF507438-7753-43E0-B8FC-AC1667EBCBE1}">
+              <a14:hiddenEffects xmlns:a14="http://schemas.microsoft.com/office/drawing/2010/main">
+                <a:effectLst>
+                  <a:outerShdw dist="35921" dir="2700000" algn="ctr" rotWithShape="0">
+                    <a:srgbClr val="808080"/>
+                  </a:outerShdw>
+                </a:effectLst>
+              </a14:hiddenEffects>
+            </a:ext>
+          </a:extLst>
+        </p:spPr>
+      </p:pic>
+      <p:sp>
+        <p:nvSpPr>
+          <p:cNvPr id="3076" name="Text Box 3">
+            <a:extLst>
+              <a:ext uri="{FF2B5EF4-FFF2-40B4-BE49-F238E27FC236}">
+                <a16:creationId xmlns:a16="http://schemas.microsoft.com/office/drawing/2014/main" id="{E1923479-41EA-4291-AA4D-9AA7710E0BC2}"/>
+              </a:ext>
+            </a:extLst>
+          </p:cNvPr>
+          <p:cNvSpPr txBox="1">
+            <a:spLocks noChangeArrowheads="1"/>
+          </p:cNvSpPr>
+          <p:nvPr/>
+        </p:nvSpPr>
+        <p:spPr bwMode="auto">
+          <a:xfrm>
+            <a:off x="5342220" y="1738158"/>
+            <a:ext cx="5676439" cy="2679837"/>
+          </a:xfrm>
+          <a:prstGeom prst="rect">
+            <a:avLst/>
+          </a:prstGeom>
+          <a:noFill/>
+          <a:ln>
+            <a:noFill/>
+          </a:ln>
+          <a:effectLst/>
+          <a:extLst>
+            <a:ext uri="{909E8E84-426E-40DD-AFC4-6F175D3DCCD1}">
+              <a14:hiddenFill xmlns:a14="http://schemas.microsoft.com/office/drawing/2010/main">
+                <a:solidFill>
+                  <a:srgbClr val="FFFFFF"/>
+                </a:solidFill>
+              </a14:hiddenFill>
+            </a:ext>
+            <a:ext uri="{91240B29-F687-4F45-9708-019B960494DF}">
+              <a14:hiddenLine xmlns:a14="http://schemas.microsoft.com/office/drawing/2010/main" w="9525">
+                <a:solidFill>
+                  <a:srgbClr val="3465A4"/>
+                </a:solidFill>
+                <a:round/>
+                <a:headEnd/>
+                <a:tailEnd/>
+              </a14:hiddenLine>
+            </a:ext>
+            <a:ext uri="{AF507438-7753-43E0-B8FC-AC1667EBCBE1}">
+              <a14:hiddenEffects xmlns:a14="http://schemas.microsoft.com/office/drawing/2010/main">
+                <a:effectLst>
+                  <a:outerShdw dist="35921" dir="2700000" algn="ctr" rotWithShape="0">
+                    <a:srgbClr val="808080"/>
+                  </a:outerShdw>
+                </a:effectLst>
+              </a14:hiddenEffects>
+            </a:ext>
+          </a:extLst>
+        </p:spPr>
+        <p:txBody>
+          <a:bodyPr wrap="square" lIns="90000" tIns="46800" rIns="90000" bIns="46800">
+            <a:spAutoFit/>
+          </a:bodyPr>
+          <a:lstStyle>
+            <a:lvl1pPr>
+              <a:tabLst>
+                <a:tab pos="0" algn="l"/>
+                <a:tab pos="447675" algn="l"/>
+                <a:tab pos="896938" algn="l"/>
+                <a:tab pos="1346200" algn="l"/>
+                <a:tab pos="1795463" algn="l"/>
+                <a:tab pos="2244725" algn="l"/>
+                <a:tab pos="2693988" algn="l"/>
+                <a:tab pos="3143250" algn="l"/>
+                <a:tab pos="3592513" algn="l"/>
+                <a:tab pos="4041775" algn="l"/>
+                <a:tab pos="4491038" algn="l"/>
+                <a:tab pos="4940300" algn="l"/>
+                <a:tab pos="5389563" algn="l"/>
+                <a:tab pos="5838825" algn="l"/>
+                <a:tab pos="6288088" algn="l"/>
+                <a:tab pos="6737350" algn="l"/>
+                <a:tab pos="7186613" algn="l"/>
+                <a:tab pos="7635875" algn="l"/>
+                <a:tab pos="8085138" algn="l"/>
+                <a:tab pos="8534400" algn="l"/>
+                <a:tab pos="8983663" algn="l"/>
+              </a:tabLst>
+              <a:defRPr>
+                <a:solidFill>
+                  <a:schemeClr val="bg1"/>
+                </a:solidFill>
+                <a:latin typeface="Arial" panose="020B0604020202020204" pitchFamily="34" charset="0"/>
+                <a:cs typeface="Arial" panose="020B0604020202020204" pitchFamily="34" charset="0"/>
+              </a:defRPr>
+            </a:lvl1pPr>
+            <a:lvl2pPr>
+              <a:tabLst>
+                <a:tab pos="0" algn="l"/>
+                <a:tab pos="447675" algn="l"/>
+                <a:tab pos="896938" algn="l"/>
+                <a:tab pos="1346200" algn="l"/>
+                <a:tab pos="1795463" algn="l"/>
+                <a:tab pos="2244725" algn="l"/>
+                <a:tab pos="2693988" algn="l"/>
+                <a:tab pos="3143250" algn="l"/>
+                <a:tab pos="3592513" algn="l"/>
+                <a:tab pos="4041775" algn="l"/>
+                <a:tab pos="4491038" algn="l"/>
+                <a:tab pos="4940300" algn="l"/>
+                <a:tab pos="5389563" algn="l"/>
+                <a:tab pos="5838825" algn="l"/>
+                <a:tab pos="6288088" algn="l"/>
+                <a:tab pos="6737350" algn="l"/>
+                <a:tab pos="7186613" algn="l"/>
+                <a:tab pos="7635875" algn="l"/>
+                <a:tab pos="8085138" algn="l"/>
+                <a:tab pos="8534400" algn="l"/>
+                <a:tab pos="8983663" algn="l"/>
+              </a:tabLst>
+              <a:defRPr>
+                <a:solidFill>
+                  <a:schemeClr val="bg1"/>
+                </a:solidFill>
+                <a:latin typeface="Arial" panose="020B0604020202020204" pitchFamily="34" charset="0"/>
+                <a:cs typeface="Arial" panose="020B0604020202020204" pitchFamily="34" charset="0"/>
+              </a:defRPr>
+            </a:lvl2pPr>
+            <a:lvl3pPr>
+              <a:tabLst>
+                <a:tab pos="0" algn="l"/>
+                <a:tab pos="447675" algn="l"/>
+                <a:tab pos="896938" algn="l"/>
+                <a:tab pos="1346200" algn="l"/>
+                <a:tab pos="1795463" algn="l"/>
+                <a:tab pos="2244725" algn="l"/>
+                <a:tab pos="2693988" algn="l"/>
+                <a:tab pos="3143250" algn="l"/>
+                <a:tab pos="3592513" algn="l"/>
+                <a:tab pos="4041775" algn="l"/>
+                <a:tab pos="4491038" algn="l"/>
+                <a:tab pos="4940300" algn="l"/>
+                <a:tab pos="5389563" algn="l"/>
+                <a:tab pos="5838825" algn="l"/>
+                <a:tab pos="6288088" algn="l"/>
+                <a:tab pos="6737350" algn="l"/>
+                <a:tab pos="7186613" algn="l"/>
+                <a:tab pos="7635875" algn="l"/>
+                <a:tab pos="8085138" algn="l"/>
+                <a:tab pos="8534400" algn="l"/>
+                <a:tab pos="8983663" algn="l"/>
+              </a:tabLst>
+              <a:defRPr>
+                <a:solidFill>
+                  <a:schemeClr val="bg1"/>
+                </a:solidFill>
+                <a:latin typeface="Arial" panose="020B0604020202020204" pitchFamily="34" charset="0"/>
+                <a:cs typeface="Arial" panose="020B0604020202020204" pitchFamily="34" charset="0"/>
+              </a:defRPr>
+            </a:lvl3pPr>
+            <a:lvl4pPr>
+              <a:tabLst>
+                <a:tab pos="0" algn="l"/>
+                <a:tab pos="447675" algn="l"/>
+                <a:tab pos="896938" algn="l"/>
+                <a:tab pos="1346200" algn="l"/>
+                <a:tab pos="1795463" algn="l"/>
+                <a:tab pos="2244725" algn="l"/>
+                <a:tab pos="2693988" algn="l"/>
+                <a:tab pos="3143250" algn="l"/>
+                <a:tab pos="3592513" algn="l"/>
+                <a:tab pos="4041775" algn="l"/>
+                <a:tab pos="4491038" algn="l"/>
+                <a:tab pos="4940300" algn="l"/>
+                <a:tab pos="5389563" algn="l"/>
+                <a:tab pos="5838825" algn="l"/>
+                <a:tab pos="6288088" algn="l"/>
+                <a:tab pos="6737350" algn="l"/>
+                <a:tab pos="7186613" algn="l"/>
+                <a:tab pos="7635875" algn="l"/>
+                <a:tab pos="8085138" algn="l"/>
+                <a:tab pos="8534400" algn="l"/>
+                <a:tab pos="8983663" algn="l"/>
+              </a:tabLst>
+              <a:defRPr>
+                <a:solidFill>
+                  <a:schemeClr val="bg1"/>
+                </a:solidFill>
+                <a:latin typeface="Arial" panose="020B0604020202020204" pitchFamily="34" charset="0"/>
+                <a:cs typeface="Arial" panose="020B0604020202020204" pitchFamily="34" charset="0"/>
+              </a:defRPr>
+            </a:lvl4pPr>
+            <a:lvl5pPr>
+              <a:tabLst>
+                <a:tab pos="0" algn="l"/>
+                <a:tab pos="447675" algn="l"/>
+                <a:tab pos="896938" algn="l"/>
+                <a:tab pos="1346200" algn="l"/>
+                <a:tab pos="1795463" algn="l"/>
+                <a:tab pos="2244725" algn="l"/>
+                <a:tab pos="2693988" algn="l"/>
+                <a:tab pos="3143250" algn="l"/>
+                <a:tab pos="3592513" algn="l"/>
+                <a:tab pos="4041775" algn="l"/>
+                <a:tab pos="4491038" algn="l"/>
+                <a:tab pos="4940300" algn="l"/>
+                <a:tab pos="5389563" algn="l"/>
+                <a:tab pos="5838825" algn="l"/>
+                <a:tab pos="6288088" algn="l"/>
+                <a:tab pos="6737350" algn="l"/>
+                <a:tab pos="7186613" algn="l"/>
+                <a:tab pos="7635875" algn="l"/>
+                <a:tab pos="8085138" algn="l"/>
+                <a:tab pos="8534400" algn="l"/>
+                <a:tab pos="8983663" algn="l"/>
+              </a:tabLst>
+              <a:defRPr>
+                <a:solidFill>
+                  <a:schemeClr val="bg1"/>
+                </a:solidFill>
+                <a:latin typeface="Arial" panose="020B0604020202020204" pitchFamily="34" charset="0"/>
+                <a:cs typeface="Arial" panose="020B0604020202020204" pitchFamily="34" charset="0"/>
+              </a:defRPr>
+            </a:lvl5pPr>
+            <a:lvl6pPr marL="2514600" indent="-228600" defTabSz="449263" eaLnBrk="0" fontAlgn="base" hangingPunct="0">
+              <a:spcBef>
+                <a:spcPct val="0"/>
+              </a:spcBef>
+              <a:spcAft>
+                <a:spcPct val="0"/>
+              </a:spcAft>
+              <a:tabLst>
+                <a:tab pos="0" algn="l"/>
+                <a:tab pos="447675" algn="l"/>
+                <a:tab pos="896938" algn="l"/>
+                <a:tab pos="1346200" algn="l"/>
+                <a:tab pos="1795463" algn="l"/>
+                <a:tab pos="2244725" algn="l"/>
+                <a:tab pos="2693988" algn="l"/>
+                <a:tab pos="3143250" algn="l"/>
+                <a:tab pos="3592513" algn="l"/>
+                <a:tab pos="4041775" algn="l"/>
+                <a:tab pos="4491038" algn="l"/>
+                <a:tab pos="4940300" algn="l"/>
+                <a:tab pos="5389563" algn="l"/>
+                <a:tab pos="5838825" algn="l"/>
+                <a:tab pos="6288088" algn="l"/>
+                <a:tab pos="6737350" algn="l"/>
+                <a:tab pos="7186613" algn="l"/>
+                <a:tab pos="7635875" algn="l"/>
+                <a:tab pos="8085138" algn="l"/>
+                <a:tab pos="8534400" algn="l"/>
+                <a:tab pos="8983663" algn="l"/>
+              </a:tabLst>
+              <a:defRPr>
+                <a:solidFill>
+                  <a:schemeClr val="bg1"/>
+                </a:solidFill>
+                <a:latin typeface="Arial" panose="020B0604020202020204" pitchFamily="34" charset="0"/>
+                <a:cs typeface="Arial" panose="020B0604020202020204" pitchFamily="34" charset="0"/>
+              </a:defRPr>
+            </a:lvl6pPr>
+            <a:lvl7pPr marL="2971800" indent="-228600" defTabSz="449263" eaLnBrk="0" fontAlgn="base" hangingPunct="0">
+              <a:spcBef>
+                <a:spcPct val="0"/>
+              </a:spcBef>
+              <a:spcAft>
+                <a:spcPct val="0"/>
+              </a:spcAft>
+              <a:tabLst>
+                <a:tab pos="0" algn="l"/>
+                <a:tab pos="447675" algn="l"/>
+                <a:tab pos="896938" algn="l"/>
+                <a:tab pos="1346200" algn="l"/>
+                <a:tab pos="1795463" algn="l"/>
+                <a:tab pos="2244725" algn="l"/>
+                <a:tab pos="2693988" algn="l"/>
+                <a:tab pos="3143250" algn="l"/>
+                <a:tab pos="3592513" algn="l"/>
+                <a:tab pos="4041775" algn="l"/>
+                <a:tab pos="4491038" algn="l"/>
+                <a:tab pos="4940300" algn="l"/>
+                <a:tab pos="5389563" algn="l"/>
+                <a:tab pos="5838825" algn="l"/>
+                <a:tab pos="6288088" algn="l"/>
+                <a:tab pos="6737350" algn="l"/>
+                <a:tab pos="7186613" algn="l"/>
+                <a:tab pos="7635875" algn="l"/>
+                <a:tab pos="8085138" algn="l"/>
+                <a:tab pos="8534400" algn="l"/>
+                <a:tab pos="8983663" algn="l"/>
+              </a:tabLst>
+              <a:defRPr>
+                <a:solidFill>
+                  <a:schemeClr val="bg1"/>
+                </a:solidFill>
+                <a:latin typeface="Arial" panose="020B0604020202020204" pitchFamily="34" charset="0"/>
+                <a:cs typeface="Arial" panose="020B0604020202020204" pitchFamily="34" charset="0"/>
+              </a:defRPr>
+            </a:lvl7pPr>
+            <a:lvl8pPr marL="3429000" indent="-228600" defTabSz="449263" eaLnBrk="0" fontAlgn="base" hangingPunct="0">
+              <a:spcBef>
+                <a:spcPct val="0"/>
+              </a:spcBef>
+              <a:spcAft>
+                <a:spcPct val="0"/>
+              </a:spcAft>
+              <a:tabLst>
+                <a:tab pos="0" algn="l"/>
+                <a:tab pos="447675" algn="l"/>
+                <a:tab pos="896938" algn="l"/>
+                <a:tab pos="1346200" algn="l"/>
+                <a:tab pos="1795463" algn="l"/>
+                <a:tab pos="2244725" algn="l"/>
+                <a:tab pos="2693988" algn="l"/>
+                <a:tab pos="3143250" algn="l"/>
+                <a:tab pos="3592513" algn="l"/>
+                <a:tab pos="4041775" algn="l"/>
+                <a:tab pos="4491038" algn="l"/>
+                <a:tab pos="4940300" algn="l"/>
+                <a:tab pos="5389563" algn="l"/>
+                <a:tab pos="5838825" algn="l"/>
+                <a:tab pos="6288088" algn="l"/>
+                <a:tab pos="6737350" algn="l"/>
+                <a:tab pos="7186613" algn="l"/>
+                <a:tab pos="7635875" algn="l"/>
+                <a:tab pos="8085138" algn="l"/>
+                <a:tab pos="8534400" algn="l"/>
+                <a:tab pos="8983663" algn="l"/>
+              </a:tabLst>
+              <a:defRPr>
+                <a:solidFill>
+                  <a:schemeClr val="bg1"/>
+                </a:solidFill>
+                <a:latin typeface="Arial" panose="020B0604020202020204" pitchFamily="34" charset="0"/>
+                <a:cs typeface="Arial" panose="020B0604020202020204" pitchFamily="34" charset="0"/>
+              </a:defRPr>
+            </a:lvl8pPr>
+            <a:lvl9pPr marL="3886200" indent="-228600" defTabSz="449263" eaLnBrk="0" fontAlgn="base" hangingPunct="0">
+              <a:spcBef>
+                <a:spcPct val="0"/>
+              </a:spcBef>
+              <a:spcAft>
+                <a:spcPct val="0"/>
+              </a:spcAft>
+              <a:tabLst>
+                <a:tab pos="0" algn="l"/>
+                <a:tab pos="447675" algn="l"/>
+                <a:tab pos="896938" algn="l"/>
+                <a:tab pos="1346200" algn="l"/>
+                <a:tab pos="1795463" algn="l"/>
+                <a:tab pos="2244725" algn="l"/>
+                <a:tab pos="2693988" algn="l"/>
+                <a:tab pos="3143250" algn="l"/>
+                <a:tab pos="3592513" algn="l"/>
+                <a:tab pos="4041775" algn="l"/>
+                <a:tab pos="4491038" algn="l"/>
+                <a:tab pos="4940300" algn="l"/>
+                <a:tab pos="5389563" algn="l"/>
+                <a:tab pos="5838825" algn="l"/>
+                <a:tab pos="6288088" algn="l"/>
+                <a:tab pos="6737350" algn="l"/>
+                <a:tab pos="7186613" algn="l"/>
+                <a:tab pos="7635875" algn="l"/>
+                <a:tab pos="8085138" algn="l"/>
+                <a:tab pos="8534400" algn="l"/>
+                <a:tab pos="8983663" algn="l"/>
+              </a:tabLst>
+              <a:defRPr>
+                <a:solidFill>
+                  <a:schemeClr val="bg1"/>
+                </a:solidFill>
+                <a:latin typeface="Arial" panose="020B0604020202020204" pitchFamily="34" charset="0"/>
+                <a:cs typeface="Arial" panose="020B0604020202020204" pitchFamily="34" charset="0"/>
+              </a:defRPr>
+            </a:lvl9pPr>
+          </a:lstStyle>
+          <a:p>
+            <a:pPr algn="ctr"/>
+            <a:r>
+              <a:rPr lang="es-ES" sz="2800" b="1" dirty="0">
+                <a:solidFill>
+                  <a:schemeClr val="tx1"/>
+                </a:solidFill>
+                <a:latin typeface="Calibri" panose="020F0502020204030204" pitchFamily="34" charset="0"/>
+                <a:cs typeface="Calibri" panose="020F0502020204030204" pitchFamily="34" charset="0"/>
+              </a:rPr>
+              <a:t>GENERACIÓN AUTOMÁTICA </a:t>
+            </a:r>
+          </a:p>
+          <a:p>
+            <a:pPr algn="ctr"/>
+            <a:r>
+              <a:rPr lang="es-ES" sz="2800" b="1" dirty="0">
+                <a:solidFill>
+                  <a:schemeClr val="tx1"/>
+                </a:solidFill>
+                <a:latin typeface="Calibri" panose="020F0502020204030204" pitchFamily="34" charset="0"/>
+                <a:cs typeface="Calibri" panose="020F0502020204030204" pitchFamily="34" charset="0"/>
+              </a:rPr>
+              <a:t>DE </a:t>
+            </a:r>
+          </a:p>
+          <a:p>
+            <a:pPr algn="ctr"/>
+            <a:r>
+              <a:rPr lang="es-ES" sz="2800" b="1" dirty="0">
+                <a:solidFill>
+                  <a:schemeClr val="tx1"/>
+                </a:solidFill>
+                <a:latin typeface="Calibri" panose="020F0502020204030204" pitchFamily="34" charset="0"/>
+                <a:cs typeface="Calibri" panose="020F0502020204030204" pitchFamily="34" charset="0"/>
+              </a:rPr>
+              <a:t>ASISTENTES VIRTUALES</a:t>
+            </a:r>
+          </a:p>
+          <a:p>
+            <a:pPr algn="ctr"/>
+            <a:endParaRPr lang="es-ES" sz="2800" b="1" dirty="0">
+              <a:solidFill>
+                <a:schemeClr val="tx1"/>
+              </a:solidFill>
+              <a:latin typeface="Calibri" panose="020F0502020204030204" pitchFamily="34" charset="0"/>
+              <a:cs typeface="Calibri" panose="020F0502020204030204" pitchFamily="34" charset="0"/>
+            </a:endParaRPr>
+          </a:p>
+          <a:p>
+            <a:pPr algn="ctr">
+              <a:buSzPct val="100000"/>
+            </a:pPr>
+            <a:r>
+              <a:rPr lang="es-ES" sz="2800" b="1" dirty="0">
+                <a:solidFill>
+                  <a:schemeClr val="tx1"/>
+                </a:solidFill>
+                <a:latin typeface="Calibri" panose="020F0502020204030204" pitchFamily="34" charset="0"/>
+                <a:cs typeface="Calibri" panose="020F0502020204030204" pitchFamily="34" charset="0"/>
+              </a:rPr>
+              <a:t>Bot de atención a la población </a:t>
+            </a:r>
+          </a:p>
+          <a:p>
+            <a:pPr eaLnBrk="1" hangingPunct="1">
+              <a:buSzPct val="100000"/>
+            </a:pPr>
+            <a:endParaRPr lang="es-ES" altLang="es-MX" sz="2800" b="1" dirty="0">
+              <a:solidFill>
+                <a:srgbClr val="000000"/>
+              </a:solidFill>
+              <a:latin typeface="Calibri" panose="020F0502020204030204" pitchFamily="34" charset="0"/>
+            </a:endParaRPr>
+          </a:p>
+        </p:txBody>
+      </p:sp>
+      <p:sp>
+        <p:nvSpPr>
+          <p:cNvPr id="3077" name="Text Box 4">
+            <a:extLst>
+              <a:ext uri="{FF2B5EF4-FFF2-40B4-BE49-F238E27FC236}">
+                <a16:creationId xmlns:a16="http://schemas.microsoft.com/office/drawing/2014/main" id="{8FD66142-2DAB-4455-8B45-5F028B00099B}"/>
+              </a:ext>
+            </a:extLst>
+          </p:cNvPr>
+          <p:cNvSpPr txBox="1">
+            <a:spLocks noChangeArrowheads="1"/>
+          </p:cNvSpPr>
+          <p:nvPr/>
+        </p:nvSpPr>
+        <p:spPr bwMode="auto">
+          <a:xfrm>
+            <a:off x="5810250" y="4796509"/>
+            <a:ext cx="4572000" cy="1201737"/>
+          </a:xfrm>
+          <a:prstGeom prst="rect">
+            <a:avLst/>
+          </a:prstGeom>
+          <a:noFill/>
+          <a:ln>
+            <a:noFill/>
+          </a:ln>
+          <a:effectLst/>
+          <a:extLst>
+            <a:ext uri="{909E8E84-426E-40DD-AFC4-6F175D3DCCD1}">
+              <a14:hiddenFill xmlns:a14="http://schemas.microsoft.com/office/drawing/2010/main">
+                <a:solidFill>
+                  <a:srgbClr val="FFFFFF"/>
+                </a:solidFill>
+              </a14:hiddenFill>
+            </a:ext>
+            <a:ext uri="{91240B29-F687-4F45-9708-019B960494DF}">
+              <a14:hiddenLine xmlns:a14="http://schemas.microsoft.com/office/drawing/2010/main" w="9525">
+                <a:solidFill>
+                  <a:srgbClr val="3465A4"/>
+                </a:solidFill>
+                <a:round/>
+                <a:headEnd/>
+                <a:tailEnd/>
+              </a14:hiddenLine>
+            </a:ext>
+            <a:ext uri="{AF507438-7753-43E0-B8FC-AC1667EBCBE1}">
+              <a14:hiddenEffects xmlns:a14="http://schemas.microsoft.com/office/drawing/2010/main">
+                <a:effectLst>
+                  <a:outerShdw dist="35921" dir="2700000" algn="ctr" rotWithShape="0">
+                    <a:srgbClr val="808080"/>
+                  </a:outerShdw>
+                </a:effectLst>
+              </a14:hiddenEffects>
+            </a:ext>
+          </a:extLst>
+        </p:spPr>
+        <p:txBody>
+          <a:bodyPr lIns="90000" tIns="46800" rIns="90000" bIns="46800">
+            <a:spAutoFit/>
+          </a:bodyPr>
+          <a:lstStyle>
+            <a:lvl1pPr>
+              <a:tabLst>
+                <a:tab pos="0" algn="l"/>
+                <a:tab pos="447675" algn="l"/>
+                <a:tab pos="896938" algn="l"/>
+                <a:tab pos="1346200" algn="l"/>
+                <a:tab pos="1795463" algn="l"/>
+                <a:tab pos="2244725" algn="l"/>
+                <a:tab pos="2693988" algn="l"/>
+                <a:tab pos="3143250" algn="l"/>
+                <a:tab pos="3592513" algn="l"/>
+                <a:tab pos="4041775" algn="l"/>
+                <a:tab pos="4491038" algn="l"/>
+                <a:tab pos="4940300" algn="l"/>
+                <a:tab pos="5389563" algn="l"/>
+                <a:tab pos="5838825" algn="l"/>
+                <a:tab pos="6288088" algn="l"/>
+                <a:tab pos="6737350" algn="l"/>
+                <a:tab pos="7186613" algn="l"/>
+                <a:tab pos="7635875" algn="l"/>
+                <a:tab pos="8085138" algn="l"/>
+                <a:tab pos="8534400" algn="l"/>
+                <a:tab pos="8983663" algn="l"/>
+              </a:tabLst>
+              <a:defRPr>
+                <a:solidFill>
+                  <a:schemeClr val="bg1"/>
+                </a:solidFill>
+                <a:latin typeface="Arial" panose="020B0604020202020204" pitchFamily="34" charset="0"/>
+                <a:cs typeface="Arial" panose="020B0604020202020204" pitchFamily="34" charset="0"/>
+              </a:defRPr>
+            </a:lvl1pPr>
+            <a:lvl2pPr>
+              <a:tabLst>
+                <a:tab pos="0" algn="l"/>
+                <a:tab pos="447675" algn="l"/>
+                <a:tab pos="896938" algn="l"/>
+                <a:tab pos="1346200" algn="l"/>
+                <a:tab pos="1795463" algn="l"/>
+                <a:tab pos="2244725" algn="l"/>
+                <a:tab pos="2693988" algn="l"/>
+                <a:tab pos="3143250" algn="l"/>
+                <a:tab pos="3592513" algn="l"/>
+                <a:tab pos="4041775" algn="l"/>
+                <a:tab pos="4491038" algn="l"/>
+                <a:tab pos="4940300" algn="l"/>
+                <a:tab pos="5389563" algn="l"/>
+                <a:tab pos="5838825" algn="l"/>
+                <a:tab pos="6288088" algn="l"/>
+                <a:tab pos="6737350" algn="l"/>
+                <a:tab pos="7186613" algn="l"/>
+                <a:tab pos="7635875" algn="l"/>
+                <a:tab pos="8085138" algn="l"/>
+                <a:tab pos="8534400" algn="l"/>
+                <a:tab pos="8983663" algn="l"/>
+              </a:tabLst>
+              <a:defRPr>
+                <a:solidFill>
+                  <a:schemeClr val="bg1"/>
+                </a:solidFill>
+                <a:latin typeface="Arial" panose="020B0604020202020204" pitchFamily="34" charset="0"/>
+                <a:cs typeface="Arial" panose="020B0604020202020204" pitchFamily="34" charset="0"/>
+              </a:defRPr>
+            </a:lvl2pPr>
+            <a:lvl3pPr>
+              <a:tabLst>
+                <a:tab pos="0" algn="l"/>
+                <a:tab pos="447675" algn="l"/>
+                <a:tab pos="896938" algn="l"/>
+                <a:tab pos="1346200" algn="l"/>
+                <a:tab pos="1795463" algn="l"/>
+                <a:tab pos="2244725" algn="l"/>
+                <a:tab pos="2693988" algn="l"/>
+                <a:tab pos="3143250" algn="l"/>
+                <a:tab pos="3592513" algn="l"/>
+                <a:tab pos="4041775" algn="l"/>
+                <a:tab pos="4491038" algn="l"/>
+                <a:tab pos="4940300" algn="l"/>
+                <a:tab pos="5389563" algn="l"/>
+                <a:tab pos="5838825" algn="l"/>
+                <a:tab pos="6288088" algn="l"/>
+                <a:tab pos="6737350" algn="l"/>
+                <a:tab pos="7186613" algn="l"/>
+                <a:tab pos="7635875" algn="l"/>
+                <a:tab pos="8085138" algn="l"/>
+                <a:tab pos="8534400" algn="l"/>
+                <a:tab pos="8983663" algn="l"/>
+              </a:tabLst>
+              <a:defRPr>
+                <a:solidFill>
+                  <a:schemeClr val="bg1"/>
+                </a:solidFill>
+                <a:latin typeface="Arial" panose="020B0604020202020204" pitchFamily="34" charset="0"/>
+                <a:cs typeface="Arial" panose="020B0604020202020204" pitchFamily="34" charset="0"/>
+              </a:defRPr>
+            </a:lvl3pPr>
+            <a:lvl4pPr>
+              <a:tabLst>
+                <a:tab pos="0" algn="l"/>
+                <a:tab pos="447675" algn="l"/>
+                <a:tab pos="896938" algn="l"/>
+                <a:tab pos="1346200" algn="l"/>
+                <a:tab pos="1795463" algn="l"/>
+                <a:tab pos="2244725" algn="l"/>
+                <a:tab pos="2693988" algn="l"/>
+                <a:tab pos="3143250" algn="l"/>
+                <a:tab pos="3592513" algn="l"/>
+                <a:tab pos="4041775" algn="l"/>
+                <a:tab pos="4491038" algn="l"/>
+                <a:tab pos="4940300" algn="l"/>
+                <a:tab pos="5389563" algn="l"/>
+                <a:tab pos="5838825" algn="l"/>
+                <a:tab pos="6288088" algn="l"/>
+                <a:tab pos="6737350" algn="l"/>
+                <a:tab pos="7186613" algn="l"/>
+                <a:tab pos="7635875" algn="l"/>
+                <a:tab pos="8085138" algn="l"/>
+                <a:tab pos="8534400" algn="l"/>
+                <a:tab pos="8983663" algn="l"/>
+              </a:tabLst>
+              <a:defRPr>
+                <a:solidFill>
+                  <a:schemeClr val="bg1"/>
+                </a:solidFill>
+                <a:latin typeface="Arial" panose="020B0604020202020204" pitchFamily="34" charset="0"/>
+                <a:cs typeface="Arial" panose="020B0604020202020204" pitchFamily="34" charset="0"/>
+              </a:defRPr>
+            </a:lvl4pPr>
+            <a:lvl5pPr>
+              <a:tabLst>
+                <a:tab pos="0" algn="l"/>
+                <a:tab pos="447675" algn="l"/>
+                <a:tab pos="896938" algn="l"/>
+                <a:tab pos="1346200" algn="l"/>
+                <a:tab pos="1795463" algn="l"/>
+                <a:tab pos="2244725" algn="l"/>
+                <a:tab pos="2693988" algn="l"/>
+                <a:tab pos="3143250" algn="l"/>
+                <a:tab pos="3592513" algn="l"/>
+                <a:tab pos="4041775" algn="l"/>
+                <a:tab pos="4491038" algn="l"/>
+                <a:tab pos="4940300" algn="l"/>
+                <a:tab pos="5389563" algn="l"/>
+                <a:tab pos="5838825" algn="l"/>
+                <a:tab pos="6288088" algn="l"/>
+                <a:tab pos="6737350" algn="l"/>
+                <a:tab pos="7186613" algn="l"/>
+                <a:tab pos="7635875" algn="l"/>
+                <a:tab pos="8085138" algn="l"/>
+                <a:tab pos="8534400" algn="l"/>
+                <a:tab pos="8983663" algn="l"/>
+              </a:tabLst>
+              <a:defRPr>
+                <a:solidFill>
+                  <a:schemeClr val="bg1"/>
+                </a:solidFill>
+                <a:latin typeface="Arial" panose="020B0604020202020204" pitchFamily="34" charset="0"/>
+                <a:cs typeface="Arial" panose="020B0604020202020204" pitchFamily="34" charset="0"/>
+              </a:defRPr>
+            </a:lvl5pPr>
+            <a:lvl6pPr marL="2514600" indent="-228600" defTabSz="449263" eaLnBrk="0" fontAlgn="base" hangingPunct="0">
+              <a:spcBef>
+                <a:spcPct val="0"/>
+              </a:spcBef>
+              <a:spcAft>
+                <a:spcPct val="0"/>
+              </a:spcAft>
+              <a:tabLst>
+                <a:tab pos="0" algn="l"/>
+                <a:tab pos="447675" algn="l"/>
+                <a:tab pos="896938" algn="l"/>
+                <a:tab pos="1346200" algn="l"/>
+                <a:tab pos="1795463" algn="l"/>
+                <a:tab pos="2244725" algn="l"/>
+                <a:tab pos="2693988" algn="l"/>
+                <a:tab pos="3143250" algn="l"/>
+                <a:tab pos="3592513" algn="l"/>
+                <a:tab pos="4041775" algn="l"/>
+                <a:tab pos="4491038" algn="l"/>
+                <a:tab pos="4940300" algn="l"/>
+                <a:tab pos="5389563" algn="l"/>
+                <a:tab pos="5838825" algn="l"/>
+                <a:tab pos="6288088" algn="l"/>
+                <a:tab pos="6737350" algn="l"/>
+                <a:tab pos="7186613" algn="l"/>
+                <a:tab pos="7635875" algn="l"/>
+                <a:tab pos="8085138" algn="l"/>
+                <a:tab pos="8534400" algn="l"/>
+                <a:tab pos="8983663" algn="l"/>
+              </a:tabLst>
+              <a:defRPr>
+                <a:solidFill>
+                  <a:schemeClr val="bg1"/>
+                </a:solidFill>
+                <a:latin typeface="Arial" panose="020B0604020202020204" pitchFamily="34" charset="0"/>
+                <a:cs typeface="Arial" panose="020B0604020202020204" pitchFamily="34" charset="0"/>
+              </a:defRPr>
+            </a:lvl6pPr>
+            <a:lvl7pPr marL="2971800" indent="-228600" defTabSz="449263" eaLnBrk="0" fontAlgn="base" hangingPunct="0">
+              <a:spcBef>
+                <a:spcPct val="0"/>
+              </a:spcBef>
+              <a:spcAft>
+                <a:spcPct val="0"/>
+              </a:spcAft>
+              <a:tabLst>
+                <a:tab pos="0" algn="l"/>
+                <a:tab pos="447675" algn="l"/>
+                <a:tab pos="896938" algn="l"/>
+                <a:tab pos="1346200" algn="l"/>
+                <a:tab pos="1795463" algn="l"/>
+                <a:tab pos="2244725" algn="l"/>
+                <a:tab pos="2693988" algn="l"/>
+                <a:tab pos="3143250" algn="l"/>
+                <a:tab pos="3592513" algn="l"/>
+                <a:tab pos="4041775" algn="l"/>
+                <a:tab pos="4491038" algn="l"/>
+                <a:tab pos="4940300" algn="l"/>
+                <a:tab pos="5389563" algn="l"/>
+                <a:tab pos="5838825" algn="l"/>
+                <a:tab pos="6288088" algn="l"/>
+                <a:tab pos="6737350" algn="l"/>
+                <a:tab pos="7186613" algn="l"/>
+                <a:tab pos="7635875" algn="l"/>
+                <a:tab pos="8085138" algn="l"/>
+                <a:tab pos="8534400" algn="l"/>
+                <a:tab pos="8983663" algn="l"/>
+              </a:tabLst>
+              <a:defRPr>
+                <a:solidFill>
+                  <a:schemeClr val="bg1"/>
+                </a:solidFill>
+                <a:latin typeface="Arial" panose="020B0604020202020204" pitchFamily="34" charset="0"/>
+                <a:cs typeface="Arial" panose="020B0604020202020204" pitchFamily="34" charset="0"/>
+              </a:defRPr>
+            </a:lvl7pPr>
+            <a:lvl8pPr marL="3429000" indent="-228600" defTabSz="449263" eaLnBrk="0" fontAlgn="base" hangingPunct="0">
+              <a:spcBef>
+                <a:spcPct val="0"/>
+              </a:spcBef>
+              <a:spcAft>
+                <a:spcPct val="0"/>
+              </a:spcAft>
+              <a:tabLst>
+                <a:tab pos="0" algn="l"/>
+                <a:tab pos="447675" algn="l"/>
+                <a:tab pos="896938" algn="l"/>
+                <a:tab pos="1346200" algn="l"/>
+                <a:tab pos="1795463" algn="l"/>
+                <a:tab pos="2244725" algn="l"/>
+                <a:tab pos="2693988" algn="l"/>
+                <a:tab pos="3143250" algn="l"/>
+                <a:tab pos="3592513" algn="l"/>
+                <a:tab pos="4041775" algn="l"/>
+                <a:tab pos="4491038" algn="l"/>
+                <a:tab pos="4940300" algn="l"/>
+                <a:tab pos="5389563" algn="l"/>
+                <a:tab pos="5838825" algn="l"/>
+                <a:tab pos="6288088" algn="l"/>
+                <a:tab pos="6737350" algn="l"/>
+                <a:tab pos="7186613" algn="l"/>
+                <a:tab pos="7635875" algn="l"/>
+                <a:tab pos="8085138" algn="l"/>
+                <a:tab pos="8534400" algn="l"/>
+                <a:tab pos="8983663" algn="l"/>
+              </a:tabLst>
+              <a:defRPr>
+                <a:solidFill>
+                  <a:schemeClr val="bg1"/>
+                </a:solidFill>
+                <a:latin typeface="Arial" panose="020B0604020202020204" pitchFamily="34" charset="0"/>
+                <a:cs typeface="Arial" panose="020B0604020202020204" pitchFamily="34" charset="0"/>
+              </a:defRPr>
+            </a:lvl8pPr>
+            <a:lvl9pPr marL="3886200" indent="-228600" defTabSz="449263" eaLnBrk="0" fontAlgn="base" hangingPunct="0">
+              <a:spcBef>
+                <a:spcPct val="0"/>
+              </a:spcBef>
+              <a:spcAft>
+                <a:spcPct val="0"/>
+              </a:spcAft>
+              <a:tabLst>
+                <a:tab pos="0" algn="l"/>
+                <a:tab pos="447675" algn="l"/>
+                <a:tab pos="896938" algn="l"/>
+                <a:tab pos="1346200" algn="l"/>
+                <a:tab pos="1795463" algn="l"/>
+                <a:tab pos="2244725" algn="l"/>
+                <a:tab pos="2693988" algn="l"/>
+                <a:tab pos="3143250" algn="l"/>
+                <a:tab pos="3592513" algn="l"/>
+                <a:tab pos="4041775" algn="l"/>
+                <a:tab pos="4491038" algn="l"/>
+                <a:tab pos="4940300" algn="l"/>
+                <a:tab pos="5389563" algn="l"/>
+                <a:tab pos="5838825" algn="l"/>
+                <a:tab pos="6288088" algn="l"/>
+                <a:tab pos="6737350" algn="l"/>
+                <a:tab pos="7186613" algn="l"/>
+                <a:tab pos="7635875" algn="l"/>
+                <a:tab pos="8085138" algn="l"/>
+                <a:tab pos="8534400" algn="l"/>
+                <a:tab pos="8983663" algn="l"/>
+              </a:tabLst>
+              <a:defRPr>
+                <a:solidFill>
+                  <a:schemeClr val="bg1"/>
+                </a:solidFill>
+                <a:latin typeface="Arial" panose="020B0604020202020204" pitchFamily="34" charset="0"/>
+                <a:cs typeface="Arial" panose="020B0604020202020204" pitchFamily="34" charset="0"/>
+              </a:defRPr>
+            </a:lvl9pPr>
+          </a:lstStyle>
+          <a:p>
+            <a:pPr algn="ctr" eaLnBrk="1" hangingPunct="1">
+              <a:buSzPct val="100000"/>
+            </a:pPr>
+            <a:r>
+              <a:rPr lang="es-ES" altLang="es-MX" b="1" dirty="0">
+                <a:solidFill>
+                  <a:srgbClr val="000000"/>
+                </a:solidFill>
+                <a:latin typeface="Calibri" panose="020F0502020204030204" pitchFamily="34" charset="0"/>
+              </a:rPr>
+              <a:t>FACULTAD DE INGENIERÍA EN TELECOMUNICACIONES INFORMÁTICA Y BIOMÉDICA</a:t>
+            </a:r>
+          </a:p>
+          <a:p>
+            <a:pPr algn="ctr" eaLnBrk="1" hangingPunct="1">
+              <a:buSzPct val="100000"/>
+            </a:pPr>
+            <a:endParaRPr lang="es-ES" altLang="es-MX" b="1" dirty="0">
+              <a:solidFill>
+                <a:srgbClr val="000000"/>
+              </a:solidFill>
+              <a:latin typeface="Calibri" panose="020F0502020204030204" pitchFamily="34" charset="0"/>
+            </a:endParaRPr>
+          </a:p>
+        </p:txBody>
+      </p:sp>
+      <p:sp>
+        <p:nvSpPr>
+          <p:cNvPr id="3078" name="Text Box 5">
+            <a:extLst>
+              <a:ext uri="{FF2B5EF4-FFF2-40B4-BE49-F238E27FC236}">
+                <a16:creationId xmlns:a16="http://schemas.microsoft.com/office/drawing/2014/main" id="{1795302F-7E5D-4701-8B61-F0DAF6D7F27B}"/>
+              </a:ext>
+            </a:extLst>
+          </p:cNvPr>
+          <p:cNvSpPr txBox="1">
+            <a:spLocks noChangeArrowheads="1"/>
+          </p:cNvSpPr>
+          <p:nvPr/>
+        </p:nvSpPr>
+        <p:spPr bwMode="auto">
+          <a:xfrm>
+            <a:off x="5810250" y="5965030"/>
+            <a:ext cx="4572000" cy="642937"/>
+          </a:xfrm>
+          <a:prstGeom prst="rect">
+            <a:avLst/>
+          </a:prstGeom>
+          <a:noFill/>
+          <a:ln>
+            <a:noFill/>
+          </a:ln>
+          <a:effectLst/>
+          <a:extLst>
+            <a:ext uri="{909E8E84-426E-40DD-AFC4-6F175D3DCCD1}">
+              <a14:hiddenFill xmlns:a14="http://schemas.microsoft.com/office/drawing/2010/main">
+                <a:solidFill>
+                  <a:srgbClr val="FFFFFF"/>
+                </a:solidFill>
+              </a14:hiddenFill>
+            </a:ext>
+            <a:ext uri="{91240B29-F687-4F45-9708-019B960494DF}">
+              <a14:hiddenLine xmlns:a14="http://schemas.microsoft.com/office/drawing/2010/main" w="9525">
+                <a:solidFill>
+                  <a:srgbClr val="3465A4"/>
+                </a:solidFill>
+                <a:round/>
+                <a:headEnd/>
+                <a:tailEnd/>
+              </a14:hiddenLine>
+            </a:ext>
+            <a:ext uri="{AF507438-7753-43E0-B8FC-AC1667EBCBE1}">
+              <a14:hiddenEffects xmlns:a14="http://schemas.microsoft.com/office/drawing/2010/main">
+                <a:effectLst>
+                  <a:outerShdw dist="35921" dir="2700000" algn="ctr" rotWithShape="0">
+                    <a:srgbClr val="808080"/>
+                  </a:outerShdw>
+                </a:effectLst>
+              </a14:hiddenEffects>
+            </a:ext>
+          </a:extLst>
+        </p:spPr>
+        <p:txBody>
+          <a:bodyPr lIns="90000" tIns="46800" rIns="90000" bIns="46800">
+            <a:spAutoFit/>
+          </a:bodyPr>
+          <a:lstStyle>
+            <a:lvl1pPr>
+              <a:tabLst>
+                <a:tab pos="0" algn="l"/>
+                <a:tab pos="447675" algn="l"/>
+                <a:tab pos="896938" algn="l"/>
+                <a:tab pos="1346200" algn="l"/>
+                <a:tab pos="1795463" algn="l"/>
+                <a:tab pos="2244725" algn="l"/>
+                <a:tab pos="2693988" algn="l"/>
+                <a:tab pos="3143250" algn="l"/>
+                <a:tab pos="3592513" algn="l"/>
+                <a:tab pos="4041775" algn="l"/>
+                <a:tab pos="4491038" algn="l"/>
+                <a:tab pos="4940300" algn="l"/>
+                <a:tab pos="5389563" algn="l"/>
+                <a:tab pos="5838825" algn="l"/>
+                <a:tab pos="6288088" algn="l"/>
+                <a:tab pos="6737350" algn="l"/>
+                <a:tab pos="7186613" algn="l"/>
+                <a:tab pos="7635875" algn="l"/>
+                <a:tab pos="8085138" algn="l"/>
+                <a:tab pos="8534400" algn="l"/>
+                <a:tab pos="8983663" algn="l"/>
+              </a:tabLst>
+              <a:defRPr>
+                <a:solidFill>
+                  <a:schemeClr val="bg1"/>
+                </a:solidFill>
+                <a:latin typeface="Arial" panose="020B0604020202020204" pitchFamily="34" charset="0"/>
+                <a:cs typeface="Arial" panose="020B0604020202020204" pitchFamily="34" charset="0"/>
+              </a:defRPr>
+            </a:lvl1pPr>
+            <a:lvl2pPr>
+              <a:tabLst>
+                <a:tab pos="0" algn="l"/>
+                <a:tab pos="447675" algn="l"/>
+                <a:tab pos="896938" algn="l"/>
+                <a:tab pos="1346200" algn="l"/>
+                <a:tab pos="1795463" algn="l"/>
+                <a:tab pos="2244725" algn="l"/>
+                <a:tab pos="2693988" algn="l"/>
+                <a:tab pos="3143250" algn="l"/>
+                <a:tab pos="3592513" algn="l"/>
+                <a:tab pos="4041775" algn="l"/>
+                <a:tab pos="4491038" algn="l"/>
+                <a:tab pos="4940300" algn="l"/>
+                <a:tab pos="5389563" algn="l"/>
+                <a:tab pos="5838825" algn="l"/>
+                <a:tab pos="6288088" algn="l"/>
+                <a:tab pos="6737350" algn="l"/>
+                <a:tab pos="7186613" algn="l"/>
+                <a:tab pos="7635875" algn="l"/>
+                <a:tab pos="8085138" algn="l"/>
+                <a:tab pos="8534400" algn="l"/>
+                <a:tab pos="8983663" algn="l"/>
+              </a:tabLst>
+              <a:defRPr>
+                <a:solidFill>
+                  <a:schemeClr val="bg1"/>
+                </a:solidFill>
+                <a:latin typeface="Arial" panose="020B0604020202020204" pitchFamily="34" charset="0"/>
+                <a:cs typeface="Arial" panose="020B0604020202020204" pitchFamily="34" charset="0"/>
+              </a:defRPr>
+            </a:lvl2pPr>
+            <a:lvl3pPr>
+              <a:tabLst>
+                <a:tab pos="0" algn="l"/>
+                <a:tab pos="447675" algn="l"/>
+                <a:tab pos="896938" algn="l"/>
+                <a:tab pos="1346200" algn="l"/>
+                <a:tab pos="1795463" algn="l"/>
+                <a:tab pos="2244725" algn="l"/>
+                <a:tab pos="2693988" algn="l"/>
+                <a:tab pos="3143250" algn="l"/>
+                <a:tab pos="3592513" algn="l"/>
+                <a:tab pos="4041775" algn="l"/>
+                <a:tab pos="4491038" algn="l"/>
+                <a:tab pos="4940300" algn="l"/>
+                <a:tab pos="5389563" algn="l"/>
+                <a:tab pos="5838825" algn="l"/>
+                <a:tab pos="6288088" algn="l"/>
+                <a:tab pos="6737350" algn="l"/>
+                <a:tab pos="7186613" algn="l"/>
+                <a:tab pos="7635875" algn="l"/>
+                <a:tab pos="8085138" algn="l"/>
+                <a:tab pos="8534400" algn="l"/>
+                <a:tab pos="8983663" algn="l"/>
+              </a:tabLst>
+              <a:defRPr>
+                <a:solidFill>
+                  <a:schemeClr val="bg1"/>
+                </a:solidFill>
+                <a:latin typeface="Arial" panose="020B0604020202020204" pitchFamily="34" charset="0"/>
+                <a:cs typeface="Arial" panose="020B0604020202020204" pitchFamily="34" charset="0"/>
+              </a:defRPr>
+            </a:lvl3pPr>
+            <a:lvl4pPr>
+              <a:tabLst>
+                <a:tab pos="0" algn="l"/>
+                <a:tab pos="447675" algn="l"/>
+                <a:tab pos="896938" algn="l"/>
+                <a:tab pos="1346200" algn="l"/>
+                <a:tab pos="1795463" algn="l"/>
+                <a:tab pos="2244725" algn="l"/>
+                <a:tab pos="2693988" algn="l"/>
+                <a:tab pos="3143250" algn="l"/>
+                <a:tab pos="3592513" algn="l"/>
+                <a:tab pos="4041775" algn="l"/>
+                <a:tab pos="4491038" algn="l"/>
+                <a:tab pos="4940300" algn="l"/>
+                <a:tab pos="5389563" algn="l"/>
+                <a:tab pos="5838825" algn="l"/>
+                <a:tab pos="6288088" algn="l"/>
+                <a:tab pos="6737350" algn="l"/>
+                <a:tab pos="7186613" algn="l"/>
+                <a:tab pos="7635875" algn="l"/>
+                <a:tab pos="8085138" algn="l"/>
+                <a:tab pos="8534400" algn="l"/>
+                <a:tab pos="8983663" algn="l"/>
+              </a:tabLst>
+              <a:defRPr>
+                <a:solidFill>
+                  <a:schemeClr val="bg1"/>
+                </a:solidFill>
+                <a:latin typeface="Arial" panose="020B0604020202020204" pitchFamily="34" charset="0"/>
+                <a:cs typeface="Arial" panose="020B0604020202020204" pitchFamily="34" charset="0"/>
+              </a:defRPr>
+            </a:lvl4pPr>
+            <a:lvl5pPr>
+              <a:tabLst>
+                <a:tab pos="0" algn="l"/>
+                <a:tab pos="447675" algn="l"/>
+                <a:tab pos="896938" algn="l"/>
+                <a:tab pos="1346200" algn="l"/>
+                <a:tab pos="1795463" algn="l"/>
+                <a:tab pos="2244725" algn="l"/>
+                <a:tab pos="2693988" algn="l"/>
+                <a:tab pos="3143250" algn="l"/>
+                <a:tab pos="3592513" algn="l"/>
+                <a:tab pos="4041775" algn="l"/>
+                <a:tab pos="4491038" algn="l"/>
+                <a:tab pos="4940300" algn="l"/>
+                <a:tab pos="5389563" algn="l"/>
+                <a:tab pos="5838825" algn="l"/>
+                <a:tab pos="6288088" algn="l"/>
+                <a:tab pos="6737350" algn="l"/>
+                <a:tab pos="7186613" algn="l"/>
+                <a:tab pos="7635875" algn="l"/>
+                <a:tab pos="8085138" algn="l"/>
+                <a:tab pos="8534400" algn="l"/>
+                <a:tab pos="8983663" algn="l"/>
+              </a:tabLst>
+              <a:defRPr>
+                <a:solidFill>
+                  <a:schemeClr val="bg1"/>
+                </a:solidFill>
+                <a:latin typeface="Arial" panose="020B0604020202020204" pitchFamily="34" charset="0"/>
+                <a:cs typeface="Arial" panose="020B0604020202020204" pitchFamily="34" charset="0"/>
+              </a:defRPr>
+            </a:lvl5pPr>
+            <a:lvl6pPr marL="2514600" indent="-228600" defTabSz="449263" eaLnBrk="0" fontAlgn="base" hangingPunct="0">
+              <a:spcBef>
+                <a:spcPct val="0"/>
+              </a:spcBef>
+              <a:spcAft>
+                <a:spcPct val="0"/>
+              </a:spcAft>
+              <a:tabLst>
+                <a:tab pos="0" algn="l"/>
+                <a:tab pos="447675" algn="l"/>
+                <a:tab pos="896938" algn="l"/>
+                <a:tab pos="1346200" algn="l"/>
+                <a:tab pos="1795463" algn="l"/>
+                <a:tab pos="2244725" algn="l"/>
+                <a:tab pos="2693988" algn="l"/>
+                <a:tab pos="3143250" algn="l"/>
+                <a:tab pos="3592513" algn="l"/>
+                <a:tab pos="4041775" algn="l"/>
+                <a:tab pos="4491038" algn="l"/>
+                <a:tab pos="4940300" algn="l"/>
+                <a:tab pos="5389563" algn="l"/>
+                <a:tab pos="5838825" algn="l"/>
+                <a:tab pos="6288088" algn="l"/>
+                <a:tab pos="6737350" algn="l"/>
+                <a:tab pos="7186613" algn="l"/>
+                <a:tab pos="7635875" algn="l"/>
+                <a:tab pos="8085138" algn="l"/>
+                <a:tab pos="8534400" algn="l"/>
+                <a:tab pos="8983663" algn="l"/>
+              </a:tabLst>
+              <a:defRPr>
+                <a:solidFill>
+                  <a:schemeClr val="bg1"/>
+                </a:solidFill>
+                <a:latin typeface="Arial" panose="020B0604020202020204" pitchFamily="34" charset="0"/>
+                <a:cs typeface="Arial" panose="020B0604020202020204" pitchFamily="34" charset="0"/>
+              </a:defRPr>
+            </a:lvl6pPr>
+            <a:lvl7pPr marL="2971800" indent="-228600" defTabSz="449263" eaLnBrk="0" fontAlgn="base" hangingPunct="0">
+              <a:spcBef>
+                <a:spcPct val="0"/>
+              </a:spcBef>
+              <a:spcAft>
+                <a:spcPct val="0"/>
+              </a:spcAft>
+              <a:tabLst>
+                <a:tab pos="0" algn="l"/>
+                <a:tab pos="447675" algn="l"/>
+                <a:tab pos="896938" algn="l"/>
+                <a:tab pos="1346200" algn="l"/>
+                <a:tab pos="1795463" algn="l"/>
+                <a:tab pos="2244725" algn="l"/>
+                <a:tab pos="2693988" algn="l"/>
+                <a:tab pos="3143250" algn="l"/>
+                <a:tab pos="3592513" algn="l"/>
+                <a:tab pos="4041775" algn="l"/>
+                <a:tab pos="4491038" algn="l"/>
+                <a:tab pos="4940300" algn="l"/>
+                <a:tab pos="5389563" algn="l"/>
+                <a:tab pos="5838825" algn="l"/>
+                <a:tab pos="6288088" algn="l"/>
+                <a:tab pos="6737350" algn="l"/>
+                <a:tab pos="7186613" algn="l"/>
+                <a:tab pos="7635875" algn="l"/>
+                <a:tab pos="8085138" algn="l"/>
+                <a:tab pos="8534400" algn="l"/>
+                <a:tab pos="8983663" algn="l"/>
+              </a:tabLst>
+              <a:defRPr>
+                <a:solidFill>
+                  <a:schemeClr val="bg1"/>
+                </a:solidFill>
+                <a:latin typeface="Arial" panose="020B0604020202020204" pitchFamily="34" charset="0"/>
+                <a:cs typeface="Arial" panose="020B0604020202020204" pitchFamily="34" charset="0"/>
+              </a:defRPr>
+            </a:lvl7pPr>
+            <a:lvl8pPr marL="3429000" indent="-228600" defTabSz="449263" eaLnBrk="0" fontAlgn="base" hangingPunct="0">
+              <a:spcBef>
+                <a:spcPct val="0"/>
+              </a:spcBef>
+              <a:spcAft>
+                <a:spcPct val="0"/>
+              </a:spcAft>
+              <a:tabLst>
+                <a:tab pos="0" algn="l"/>
+                <a:tab pos="447675" algn="l"/>
+                <a:tab pos="896938" algn="l"/>
+                <a:tab pos="1346200" algn="l"/>
+                <a:tab pos="1795463" algn="l"/>
+                <a:tab pos="2244725" algn="l"/>
+                <a:tab pos="2693988" algn="l"/>
+                <a:tab pos="3143250" algn="l"/>
+                <a:tab pos="3592513" algn="l"/>
+                <a:tab pos="4041775" algn="l"/>
+                <a:tab pos="4491038" algn="l"/>
+                <a:tab pos="4940300" algn="l"/>
+                <a:tab pos="5389563" algn="l"/>
+                <a:tab pos="5838825" algn="l"/>
+                <a:tab pos="6288088" algn="l"/>
+                <a:tab pos="6737350" algn="l"/>
+                <a:tab pos="7186613" algn="l"/>
+                <a:tab pos="7635875" algn="l"/>
+                <a:tab pos="8085138" algn="l"/>
+                <a:tab pos="8534400" algn="l"/>
+                <a:tab pos="8983663" algn="l"/>
+              </a:tabLst>
+              <a:defRPr>
+                <a:solidFill>
+                  <a:schemeClr val="bg1"/>
+                </a:solidFill>
+                <a:latin typeface="Arial" panose="020B0604020202020204" pitchFamily="34" charset="0"/>
+                <a:cs typeface="Arial" panose="020B0604020202020204" pitchFamily="34" charset="0"/>
+              </a:defRPr>
+            </a:lvl8pPr>
+            <a:lvl9pPr marL="3886200" indent="-228600" defTabSz="449263" eaLnBrk="0" fontAlgn="base" hangingPunct="0">
+              <a:spcBef>
+                <a:spcPct val="0"/>
+              </a:spcBef>
+              <a:spcAft>
+                <a:spcPct val="0"/>
+              </a:spcAft>
+              <a:tabLst>
+                <a:tab pos="0" algn="l"/>
+                <a:tab pos="447675" algn="l"/>
+                <a:tab pos="896938" algn="l"/>
+                <a:tab pos="1346200" algn="l"/>
+                <a:tab pos="1795463" algn="l"/>
+                <a:tab pos="2244725" algn="l"/>
+                <a:tab pos="2693988" algn="l"/>
+                <a:tab pos="3143250" algn="l"/>
+                <a:tab pos="3592513" algn="l"/>
+                <a:tab pos="4041775" algn="l"/>
+                <a:tab pos="4491038" algn="l"/>
+                <a:tab pos="4940300" algn="l"/>
+                <a:tab pos="5389563" algn="l"/>
+                <a:tab pos="5838825" algn="l"/>
+                <a:tab pos="6288088" algn="l"/>
+                <a:tab pos="6737350" algn="l"/>
+                <a:tab pos="7186613" algn="l"/>
+                <a:tab pos="7635875" algn="l"/>
+                <a:tab pos="8085138" algn="l"/>
+                <a:tab pos="8534400" algn="l"/>
+                <a:tab pos="8983663" algn="l"/>
+              </a:tabLst>
+              <a:defRPr>
+                <a:solidFill>
+                  <a:schemeClr val="bg1"/>
+                </a:solidFill>
+                <a:latin typeface="Arial" panose="020B0604020202020204" pitchFamily="34" charset="0"/>
+                <a:cs typeface="Arial" panose="020B0604020202020204" pitchFamily="34" charset="0"/>
+              </a:defRPr>
+            </a:lvl9pPr>
+          </a:lstStyle>
+          <a:p>
+            <a:pPr algn="ctr" eaLnBrk="1" hangingPunct="1">
+              <a:buSzPct val="100000"/>
+            </a:pPr>
+            <a:r>
+              <a:rPr lang="es-ES" altLang="es-MX" b="1" dirty="0">
+                <a:solidFill>
+                  <a:srgbClr val="000000"/>
+                </a:solidFill>
+                <a:latin typeface="Calibri" panose="020F0502020204030204" pitchFamily="34" charset="0"/>
+              </a:rPr>
+              <a:t>22 de octubre de 2020</a:t>
+            </a:r>
+          </a:p>
+          <a:p>
+            <a:pPr eaLnBrk="1" hangingPunct="1">
+              <a:buSzPct val="100000"/>
+            </a:pPr>
+            <a:endParaRPr lang="es-ES" altLang="es-MX" b="1" dirty="0">
+              <a:solidFill>
+                <a:srgbClr val="000000"/>
+              </a:solidFill>
+              <a:latin typeface="Calibri" panose="020F0502020204030204" pitchFamily="34" charset="0"/>
+            </a:endParaRPr>
+          </a:p>
+        </p:txBody>
+      </p:sp>
+    </p:spTree>
+    <p:extLst>
+      <p:ext uri="{BB962C8B-B14F-4D97-AF65-F5344CB8AC3E}">
+        <p14:creationId xmlns:p14="http://schemas.microsoft.com/office/powerpoint/2010/main" val="4151539066"/>
+      </p:ext>
+    </p:extLst>
+  </p:cSld>
+  <p:clrMapOvr>
+    <a:masterClrMapping/>
+  </p:clrMapOvr>
+  <p:transition spd="med"/>
+  <p:timing>
+    <p:tnLst>
+      <p:par>
+        <p:cTn id="1" dur="indefinite" restart="never" nodeType="tmRoot">
+          <p:childTnLst>
+            <p:seq concurrent="1" nextAc="seek">
+              <p:cTn id="2" dur="indefinite" nodeType="mainSeq"/>
+              <p:prevCondLst>
+                <p:cond evt="onPrev" delay="0">
+                  <p:tgtEl>
+                    <p:sldTgt/>
+                  </p:tgtEl>
+                </p:cond>
+              </p:prevCondLst>
+              <p:nextCondLst>
+                <p:cond evt="onNext" delay="0">
+                  <p:tgtEl>
+                    <p:sldTgt/>
+                  </p:tgtEl>
+                </p:cond>
+              </p:nextCondLst>
+            </p:seq>
+          </p:childTnLst>
+        </p:cTn>
+      </p:par>
+    </p:tnLst>
+  </p:timing>
+</p:sld>
+</file>
+
 <file path=ppt/slides/slide3.xml><?xml version="1.0" encoding="utf-8"?>
+<p:sld xmlns:a="http://schemas.openxmlformats.org/drawingml/2006/main" xmlns:r="http://schemas.openxmlformats.org/officeDocument/2006/relationships" xmlns:p="http://schemas.openxmlformats.org/presentationml/2006/main">
+  <p:cSld>
+    <p:spTree>
+      <p:nvGrpSpPr>
+        <p:cNvPr id="1" name=""/>
+        <p:cNvGrpSpPr/>
+        <p:nvPr/>
+      </p:nvGrpSpPr>
+      <p:grpSpPr>
+        <a:xfrm>
+          <a:off x="0" y="0"/>
+          <a:ext cx="0" cy="0"/>
+          <a:chOff x="0" y="0"/>
+          <a:chExt cx="0" cy="0"/>
+        </a:xfrm>
+      </p:grpSpPr>
+      <p:sp>
+        <p:nvSpPr>
+          <p:cNvPr id="2" name="Título 1"/>
+          <p:cNvSpPr>
+            <a:spLocks noGrp="1"/>
+          </p:cNvSpPr>
+          <p:nvPr>
+            <p:ph type="title"/>
+          </p:nvPr>
+        </p:nvSpPr>
+        <p:spPr>
+          <a:xfrm>
+            <a:off x="1233917" y="-235407"/>
+            <a:ext cx="9404723" cy="1400530"/>
+          </a:xfrm>
+        </p:spPr>
+        <p:txBody>
+          <a:bodyPr>
+            <a:normAutofit/>
+          </a:bodyPr>
+          <a:lstStyle/>
+          <a:p>
+            <a:pPr algn="ctr"/>
+            <a:r>
+              <a:rPr lang="es-ES" sz="4400" dirty="0"/>
+              <a:t>Introducción</a:t>
+            </a:r>
+          </a:p>
+        </p:txBody>
+      </p:sp>
+      <p:sp>
+        <p:nvSpPr>
+          <p:cNvPr id="5" name="CuadroTexto 4">
+            <a:extLst>
+              <a:ext uri="{FF2B5EF4-FFF2-40B4-BE49-F238E27FC236}">
+                <a16:creationId xmlns:a16="http://schemas.microsoft.com/office/drawing/2014/main" id="{381FB2C4-F0C8-1482-8DBF-8D9866E14120}"/>
+              </a:ext>
+            </a:extLst>
+          </p:cNvPr>
+          <p:cNvSpPr txBox="1"/>
+          <p:nvPr/>
+        </p:nvSpPr>
+        <p:spPr>
+          <a:xfrm>
+            <a:off x="1233916" y="1014779"/>
+            <a:ext cx="9960109" cy="5016758"/>
+          </a:xfrm>
+          <a:prstGeom prst="rect">
+            <a:avLst/>
+          </a:prstGeom>
+          <a:noFill/>
+        </p:spPr>
+        <p:txBody>
+          <a:bodyPr wrap="square">
+            <a:spAutoFit/>
+          </a:bodyPr>
+          <a:lstStyle/>
+          <a:p>
+            <a:pPr algn="just"/>
+            <a:r>
+              <a:rPr lang="es-ES" sz="2000" dirty="0">
+                <a:effectLst/>
+                <a:latin typeface="Rockwell (Cuerpo)"/>
+                <a:ea typeface="Times New Roman" panose="02020603050405020304" pitchFamily="18" charset="0"/>
+              </a:rPr>
+              <a:t>Un Asistente virtual </a:t>
+            </a:r>
+            <a:r>
+              <a:rPr lang="es-ES" sz="2000" dirty="0">
+                <a:solidFill>
+                  <a:srgbClr val="000000"/>
+                </a:solidFill>
+                <a:effectLst/>
+                <a:latin typeface="Rockwell (Cuerpo)"/>
+                <a:ea typeface="Calibri" panose="020F0502020204030204" pitchFamily="34" charset="0"/>
+              </a:rPr>
+              <a:t>(AV)</a:t>
+            </a:r>
+            <a:r>
+              <a:rPr lang="es-ES" sz="2000" i="1" dirty="0">
+                <a:solidFill>
+                  <a:srgbClr val="000000"/>
+                </a:solidFill>
+                <a:effectLst/>
+                <a:latin typeface="Rockwell (Cuerpo)"/>
+                <a:ea typeface="Calibri" panose="020F0502020204030204" pitchFamily="34" charset="0"/>
+              </a:rPr>
+              <a:t> </a:t>
+            </a:r>
+            <a:r>
+              <a:rPr lang="es-ES" sz="2000" dirty="0">
+                <a:effectLst/>
+                <a:latin typeface="Rockwell (Cuerpo)"/>
+                <a:ea typeface="Times New Roman" panose="02020603050405020304" pitchFamily="18" charset="0"/>
+              </a:rPr>
+              <a:t>es un programa informático que permite a los seres humanos interactuar con la tecnología utilizando una variedad de métodos de entrada (voz, texto, gestos, tacto, etc.). </a:t>
+            </a:r>
+          </a:p>
+          <a:p>
+            <a:pPr algn="just"/>
+            <a:endParaRPr lang="es-ES" sz="2000" dirty="0">
+              <a:latin typeface="Rockwell (Cuerpo)"/>
+            </a:endParaRPr>
+          </a:p>
+          <a:p>
+            <a:pPr algn="just"/>
+            <a:r>
+              <a:rPr lang="es-ES" sz="2000" dirty="0">
+                <a:effectLst/>
+                <a:latin typeface="Rockwell (Cuerpo)"/>
+                <a:ea typeface="Times New Roman" panose="02020603050405020304" pitchFamily="18" charset="0"/>
+              </a:rPr>
+              <a:t>Durante muchos años, los asistentes virtuales se utilizaron sólo en entornos de servicio al cliente, pero ahora se han añadido otros casos de uso principalmente dentro de las empresas para mejorar la experiencia del cliente y la eficiencia empresarial. </a:t>
+            </a:r>
+          </a:p>
+          <a:p>
+            <a:pPr algn="just"/>
+            <a:endParaRPr lang="es-ES" sz="2000" dirty="0">
+              <a:latin typeface="Rockwell (Cuerpo)"/>
+            </a:endParaRPr>
+          </a:p>
+          <a:p>
+            <a:pPr algn="just"/>
+            <a:r>
+              <a:rPr lang="es-MX" sz="2000" dirty="0">
+                <a:solidFill>
+                  <a:srgbClr val="000000"/>
+                </a:solidFill>
+                <a:effectLst/>
+                <a:latin typeface="Rockwell (Cuerpo)"/>
+                <a:ea typeface="Calibri" panose="020F0502020204030204" pitchFamily="34" charset="0"/>
+              </a:rPr>
+              <a:t>En nuestro país actualmente esta tecnología no es muy explotada, aunque han existido, como es el ejemplo de Amanda (Usada para información sobre las elecciones en Cuba) y ELIZ que es un asistente virtual para la plataforma ENZONA. </a:t>
+            </a:r>
+          </a:p>
+          <a:p>
+            <a:pPr algn="just"/>
+            <a:endParaRPr lang="es-MX" sz="2000" dirty="0">
+              <a:solidFill>
+                <a:srgbClr val="000000"/>
+              </a:solidFill>
+              <a:latin typeface="Rockwell (Cuerpo)"/>
+            </a:endParaRPr>
+          </a:p>
+          <a:p>
+            <a:pPr algn="just"/>
+            <a:r>
+              <a:rPr lang="es-MX" sz="2000" dirty="0">
+                <a:solidFill>
+                  <a:srgbClr val="000000"/>
+                </a:solidFill>
+                <a:latin typeface="Rockwell (Cuerpo)"/>
+              </a:rPr>
+              <a:t>El propósito de esta investigación es, además de facilitar el desarrollo de asistentes virtuales, potenciar el uso de los mismos mejorando sus capacidades de respuesta al interactuar con las personas.</a:t>
+            </a:r>
+            <a:endParaRPr lang="es-ES" sz="2000" dirty="0">
+              <a:latin typeface="Rockwell (Cuerpo)"/>
+            </a:endParaRPr>
+          </a:p>
+        </p:txBody>
+      </p:sp>
+    </p:spTree>
+    <p:extLst>
+      <p:ext uri="{BB962C8B-B14F-4D97-AF65-F5344CB8AC3E}">
+        <p14:creationId xmlns:p14="http://schemas.microsoft.com/office/powerpoint/2010/main" val="3498061297"/>
+      </p:ext>
+    </p:extLst>
+  </p:cSld>
+  <p:clrMapOvr>
+    <a:masterClrMapping/>
+  </p:clrMapOvr>
+</p:sld>
+</file>
+
+<file path=ppt/slides/slide4.xml><?xml version="1.0" encoding="utf-8"?>
 <p:sld xmlns:a="http://schemas.openxmlformats.org/drawingml/2006/main" xmlns:r="http://schemas.openxmlformats.org/officeDocument/2006/relationships" xmlns:p="http://schemas.openxmlformats.org/presentationml/2006/main">
   <p:cSld>
     <p:spTree>
@@ -8681,7 +11656,7 @@
             <p:nvPr/>
           </p:nvPicPr>
           <p:blipFill>
-            <a:blip r:embed="rId2">
+            <a:blip r:embed="rId3">
               <a:extLst>
                 <a:ext uri="{28A0092B-C50C-407E-A947-70E740481C1C}">
                   <a14:useLocalDpi xmlns:a14="http://schemas.microsoft.com/office/drawing/2010/main" val="0"/>
@@ -8791,104 +11766,6 @@
     <p:extLst>
       <p:ext uri="{BB962C8B-B14F-4D97-AF65-F5344CB8AC3E}">
         <p14:creationId xmlns:p14="http://schemas.microsoft.com/office/powerpoint/2010/main" val="3204187844"/>
-      </p:ext>
-    </p:extLst>
-  </p:cSld>
-  <p:clrMapOvr>
-    <a:masterClrMapping/>
-  </p:clrMapOvr>
-</p:sld>
-</file>
-
-<file path=ppt/slides/slide4.xml><?xml version="1.0" encoding="utf-8"?>
-<p:sld xmlns:a="http://schemas.openxmlformats.org/drawingml/2006/main" xmlns:r="http://schemas.openxmlformats.org/officeDocument/2006/relationships" xmlns:p="http://schemas.openxmlformats.org/presentationml/2006/main">
-  <p:cSld>
-    <p:spTree>
-      <p:nvGrpSpPr>
-        <p:cNvPr id="1" name=""/>
-        <p:cNvGrpSpPr/>
-        <p:nvPr/>
-      </p:nvGrpSpPr>
-      <p:grpSpPr>
-        <a:xfrm>
-          <a:off x="0" y="0"/>
-          <a:ext cx="0" cy="0"/>
-          <a:chOff x="0" y="0"/>
-          <a:chExt cx="0" cy="0"/>
-        </a:xfrm>
-      </p:grpSpPr>
-      <p:sp>
-        <p:nvSpPr>
-          <p:cNvPr id="2" name="Título 1"/>
-          <p:cNvSpPr>
-            <a:spLocks noGrp="1"/>
-          </p:cNvSpPr>
-          <p:nvPr>
-            <p:ph type="title"/>
-          </p:nvPr>
-        </p:nvSpPr>
-        <p:spPr/>
-        <p:txBody>
-          <a:bodyPr>
-            <a:normAutofit/>
-          </a:bodyPr>
-          <a:lstStyle/>
-          <a:p>
-            <a:pPr algn="ctr"/>
-            <a:r>
-              <a:rPr lang="es-ES" sz="4400" dirty="0"/>
-              <a:t>Situación Problémica</a:t>
-            </a:r>
-          </a:p>
-        </p:txBody>
-      </p:sp>
-      <p:sp>
-        <p:nvSpPr>
-          <p:cNvPr id="3" name="Marcador de contenido 2"/>
-          <p:cNvSpPr>
-            <a:spLocks noGrp="1"/>
-          </p:cNvSpPr>
-          <p:nvPr>
-            <p:ph idx="1"/>
-          </p:nvPr>
-        </p:nvSpPr>
-        <p:spPr>
-          <a:xfrm>
-            <a:off x="1458809" y="1958454"/>
-            <a:ext cx="9669439" cy="2943746"/>
-          </a:xfrm>
-        </p:spPr>
-        <p:txBody>
-          <a:bodyPr>
-            <a:normAutofit/>
-          </a:bodyPr>
-          <a:lstStyle/>
-          <a:p>
-            <a:pPr marL="0" indent="0" algn="just">
-              <a:buNone/>
-            </a:pPr>
-            <a:r>
-              <a:rPr lang="es-MX" dirty="0">
-                <a:latin typeface="Arial" panose="020B0604020202020204" pitchFamily="34" charset="0"/>
-                <a:cs typeface="Arial" panose="020B0604020202020204" pitchFamily="34" charset="0"/>
-              </a:rPr>
-              <a:t>Los Asistentes Virtuales tienen la capacidad de brindar un servicio de atención mediante chat por diferentes vías, permiten la aclaración rápida de dudas y búsqueda de información que las personas demandan constantemente; sin embargo no están aptos muchas veces para dar respuestas o soluciones porque necesitan el conocimiento suficiente para ello.</a:t>
-            </a:r>
-            <a:endParaRPr lang="es-ES" dirty="0">
-              <a:latin typeface="Arial" panose="020B0604020202020204" pitchFamily="34" charset="0"/>
-              <a:cs typeface="Arial" panose="020B0604020202020204" pitchFamily="34" charset="0"/>
-            </a:endParaRPr>
-          </a:p>
-          <a:p>
-            <a:pPr algn="just"/>
-            <a:endParaRPr lang="es-ES" dirty="0"/>
-          </a:p>
-        </p:txBody>
-      </p:sp>
-    </p:spTree>
-    <p:extLst>
-      <p:ext uri="{BB962C8B-B14F-4D97-AF65-F5344CB8AC3E}">
-        <p14:creationId xmlns:p14="http://schemas.microsoft.com/office/powerpoint/2010/main" val="2143154186"/>
       </p:ext>
     </p:extLst>
   </p:cSld>
@@ -9213,11 +12090,24 @@
             <a:r>
               <a:rPr lang="es-ES" dirty="0">
                 <a:effectLst/>
-                <a:latin typeface="Arial" panose="020B0604020202020204" pitchFamily="34" charset="0"/>
+                <a:latin typeface="Rockwell (Cuerpo)"/>
                 <a:ea typeface="Calibri" panose="020F0502020204030204" pitchFamily="34" charset="0"/>
               </a:rPr>
-              <a:t>Un asistente virtual puede estar disponible a toda hora, atender a muchos usuarios a la vez eficientemente siempre y cuando cuente con con una buena base de conocimiento que actualmente es insuficiente, necesita de especialistas y de un laborioso trabajo para construirse.</a:t>
-            </a:r>
+              <a:t>El servicio agente de atención al cliente a través de personas supone costos, gasto físico y muchas veces limitaciones en el servicio, ya sea por el horario laboral, problemas de salud o falta de personal capacitado para satisfacer la demanda que de búsqueda de información que generan las personas. </a:t>
+            </a:r>
+            <a:r>
+              <a:rPr lang="es-ES" b="1" dirty="0">
+                <a:effectLst/>
+                <a:latin typeface="Rockwell (Cuerpo)"/>
+                <a:ea typeface="Calibri" panose="020F0502020204030204" pitchFamily="34" charset="0"/>
+              </a:rPr>
+              <a:t>Un asistente virtual que puede estar disponible a toda hora, atender a muchos usuarios a la vez con una buena base de conocimiento que actualmente es insuficiente, necesita de especialistas y de un laborioso trabajo para construirse, puede dar solución a estas cuestiones o necesidades.</a:t>
+            </a:r>
+            <a:endParaRPr lang="es-ES" dirty="0">
+              <a:effectLst/>
+              <a:latin typeface="Rockwell (Cuerpo)"/>
+              <a:ea typeface="Calibri" panose="020F0502020204030204" pitchFamily="34" charset="0"/>
+            </a:endParaRPr>
           </a:p>
         </p:txBody>
       </p:sp>
@@ -9307,13 +12197,363 @@
               </a:spcAft>
             </a:pPr>
             <a:r>
-              <a:rPr lang="es-ES" sz="2400" dirty="0">
+              <a:rPr lang="es-ES" dirty="0">
                 <a:effectLst/>
-                <a:latin typeface="Arial" panose="020B0604020202020204" pitchFamily="34" charset="0"/>
+                <a:latin typeface="Rockwell (Cuerpo)"/>
                 <a:ea typeface="Calibri" panose="020F0502020204030204" pitchFamily="34" charset="0"/>
               </a:rPr>
               <a:t>La gestión de conocimiento.</a:t>
             </a:r>
+          </a:p>
+        </p:txBody>
+      </p:sp>
+      <p:sp>
+        <p:nvSpPr>
+          <p:cNvPr id="4" name="Título 1">
+            <a:extLst>
+              <a:ext uri="{FF2B5EF4-FFF2-40B4-BE49-F238E27FC236}">
+                <a16:creationId xmlns:a16="http://schemas.microsoft.com/office/drawing/2014/main" id="{A6935A8C-F2CD-9028-39DA-B57FB3CB6B69}"/>
+              </a:ext>
+            </a:extLst>
+          </p:cNvPr>
+          <p:cNvSpPr txBox="1">
+            <a:spLocks/>
+          </p:cNvSpPr>
+          <p:nvPr/>
+        </p:nvSpPr>
+        <p:spPr>
+          <a:xfrm>
+            <a:off x="1103312" y="2762534"/>
+            <a:ext cx="10058400" cy="1609344"/>
+          </a:xfrm>
+          <a:prstGeom prst="rect">
+            <a:avLst/>
+          </a:prstGeom>
+        </p:spPr>
+        <p:txBody>
+          <a:bodyPr vert="horz" lIns="91440" tIns="45720" rIns="91440" bIns="45720" rtlCol="0" anchor="ctr">
+            <a:normAutofit/>
+          </a:bodyPr>
+          <a:lstStyle>
+            <a:lvl1pPr algn="l" defTabSz="914400" rtl="0" eaLnBrk="1" latinLnBrk="0" hangingPunct="1">
+              <a:lnSpc>
+                <a:spcPct val="90000"/>
+              </a:lnSpc>
+              <a:spcBef>
+                <a:spcPct val="0"/>
+              </a:spcBef>
+              <a:buNone/>
+              <a:defRPr sz="5400" kern="1200" cap="all" baseline="0">
+                <a:blipFill>
+                  <a:blip r:embed="rId2">
+                    <a:extLst>
+                      <a:ext uri="{28A0092B-C50C-407E-A947-70E740481C1C}">
+                        <a14:useLocalDpi xmlns:a14="http://schemas.microsoft.com/office/drawing/2010/main" val="0"/>
+                      </a:ext>
+                    </a:extLst>
+                  </a:blip>
+                  <a:tile tx="6350" ty="-127000" sx="65000" sy="64000" flip="none" algn="tl"/>
+                </a:blipFill>
+                <a:latin typeface="+mj-lt"/>
+                <a:ea typeface="+mj-ea"/>
+                <a:cs typeface="+mj-cs"/>
+              </a:defRPr>
+            </a:lvl1pPr>
+          </a:lstStyle>
+          <a:p>
+            <a:pPr algn="ctr"/>
+            <a:r>
+              <a:rPr lang="es-ES" sz="4400" dirty="0"/>
+              <a:t>Campo de Acción</a:t>
+            </a:r>
+          </a:p>
+        </p:txBody>
+      </p:sp>
+      <p:sp>
+        <p:nvSpPr>
+          <p:cNvPr id="7" name="Marcador de contenido 2">
+            <a:extLst>
+              <a:ext uri="{FF2B5EF4-FFF2-40B4-BE49-F238E27FC236}">
+                <a16:creationId xmlns:a16="http://schemas.microsoft.com/office/drawing/2014/main" id="{8B50A711-94A7-5633-8F77-8E9F80A1A88A}"/>
+              </a:ext>
+            </a:extLst>
+          </p:cNvPr>
+          <p:cNvSpPr txBox="1">
+            <a:spLocks/>
+          </p:cNvSpPr>
+          <p:nvPr/>
+        </p:nvSpPr>
+        <p:spPr>
+          <a:xfrm>
+            <a:off x="1030288" y="4374183"/>
+            <a:ext cx="10058400" cy="419906"/>
+          </a:xfrm>
+          <a:prstGeom prst="rect">
+            <a:avLst/>
+          </a:prstGeom>
+        </p:spPr>
+        <p:txBody>
+          <a:bodyPr vert="horz" lIns="91440" tIns="45720" rIns="91440" bIns="45720" rtlCol="0">
+            <a:normAutofit/>
+          </a:bodyPr>
+          <a:lstStyle>
+            <a:lvl1pPr marL="182880" indent="-182880" algn="l" defTabSz="914400" rtl="0" eaLnBrk="1" latinLnBrk="0" hangingPunct="1">
+              <a:lnSpc>
+                <a:spcPct val="90000"/>
+              </a:lnSpc>
+              <a:spcBef>
+                <a:spcPts val="1200"/>
+              </a:spcBef>
+              <a:buClr>
+                <a:schemeClr val="accent1">
+                  <a:lumMod val="75000"/>
+                </a:schemeClr>
+              </a:buClr>
+              <a:buSzPct val="85000"/>
+              <a:buFont typeface="Wingdings" pitchFamily="2" charset="2"/>
+              <a:buChar char="§"/>
+              <a:defRPr sz="2000" kern="1200">
+                <a:solidFill>
+                  <a:schemeClr val="tx1"/>
+                </a:solidFill>
+                <a:latin typeface="+mn-lt"/>
+                <a:ea typeface="+mn-ea"/>
+                <a:cs typeface="+mn-cs"/>
+              </a:defRPr>
+            </a:lvl1pPr>
+            <a:lvl2pPr marL="457200" indent="-182880" algn="l" defTabSz="914400" rtl="0" eaLnBrk="1" latinLnBrk="0" hangingPunct="1">
+              <a:lnSpc>
+                <a:spcPct val="90000"/>
+              </a:lnSpc>
+              <a:spcBef>
+                <a:spcPts val="400"/>
+              </a:spcBef>
+              <a:spcAft>
+                <a:spcPts val="200"/>
+              </a:spcAft>
+              <a:buClr>
+                <a:schemeClr val="accent1">
+                  <a:lumMod val="75000"/>
+                </a:schemeClr>
+              </a:buClr>
+              <a:buSzPct val="85000"/>
+              <a:buFont typeface="Wingdings" pitchFamily="2" charset="2"/>
+              <a:buChar char="§"/>
+              <a:defRPr sz="1800" kern="1200">
+                <a:solidFill>
+                  <a:schemeClr val="tx1"/>
+                </a:solidFill>
+                <a:latin typeface="+mn-lt"/>
+                <a:ea typeface="+mn-ea"/>
+                <a:cs typeface="+mn-cs"/>
+              </a:defRPr>
+            </a:lvl2pPr>
+            <a:lvl3pPr marL="731520" indent="-182880" algn="l" defTabSz="914400" rtl="0" eaLnBrk="1" latinLnBrk="0" hangingPunct="1">
+              <a:lnSpc>
+                <a:spcPct val="90000"/>
+              </a:lnSpc>
+              <a:spcBef>
+                <a:spcPts val="400"/>
+              </a:spcBef>
+              <a:spcAft>
+                <a:spcPts val="200"/>
+              </a:spcAft>
+              <a:buClr>
+                <a:schemeClr val="accent1">
+                  <a:lumMod val="75000"/>
+                </a:schemeClr>
+              </a:buClr>
+              <a:buSzPct val="85000"/>
+              <a:buFont typeface="Wingdings" pitchFamily="2" charset="2"/>
+              <a:buChar char="§"/>
+              <a:defRPr sz="1600" kern="1200">
+                <a:solidFill>
+                  <a:schemeClr val="tx1"/>
+                </a:solidFill>
+                <a:latin typeface="+mn-lt"/>
+                <a:ea typeface="+mn-ea"/>
+                <a:cs typeface="+mn-cs"/>
+              </a:defRPr>
+            </a:lvl3pPr>
+            <a:lvl4pPr marL="1005840" indent="-182880" algn="l" defTabSz="914400" rtl="0" eaLnBrk="1" latinLnBrk="0" hangingPunct="1">
+              <a:lnSpc>
+                <a:spcPct val="90000"/>
+              </a:lnSpc>
+              <a:spcBef>
+                <a:spcPts val="400"/>
+              </a:spcBef>
+              <a:spcAft>
+                <a:spcPts val="200"/>
+              </a:spcAft>
+              <a:buClr>
+                <a:schemeClr val="accent1">
+                  <a:lumMod val="75000"/>
+                </a:schemeClr>
+              </a:buClr>
+              <a:buSzPct val="85000"/>
+              <a:buFont typeface="Wingdings" pitchFamily="2" charset="2"/>
+              <a:buChar char="§"/>
+              <a:defRPr sz="1600" kern="1200">
+                <a:solidFill>
+                  <a:schemeClr val="tx1"/>
+                </a:solidFill>
+                <a:latin typeface="+mn-lt"/>
+                <a:ea typeface="+mn-ea"/>
+                <a:cs typeface="+mn-cs"/>
+              </a:defRPr>
+            </a:lvl4pPr>
+            <a:lvl5pPr marL="1280160" indent="-182880" algn="l" defTabSz="914400" rtl="0" eaLnBrk="1" latinLnBrk="0" hangingPunct="1">
+              <a:lnSpc>
+                <a:spcPct val="90000"/>
+              </a:lnSpc>
+              <a:spcBef>
+                <a:spcPts val="400"/>
+              </a:spcBef>
+              <a:spcAft>
+                <a:spcPts val="200"/>
+              </a:spcAft>
+              <a:buClr>
+                <a:schemeClr val="accent1">
+                  <a:lumMod val="75000"/>
+                </a:schemeClr>
+              </a:buClr>
+              <a:buSzPct val="85000"/>
+              <a:buFont typeface="Wingdings" pitchFamily="2" charset="2"/>
+              <a:buChar char="§"/>
+              <a:defRPr sz="1600" kern="1200">
+                <a:solidFill>
+                  <a:schemeClr val="tx1"/>
+                </a:solidFill>
+                <a:latin typeface="+mn-lt"/>
+                <a:ea typeface="+mn-ea"/>
+                <a:cs typeface="+mn-cs"/>
+              </a:defRPr>
+            </a:lvl5pPr>
+            <a:lvl6pPr marL="1600000" indent="-228600" algn="l" defTabSz="914400" rtl="0" eaLnBrk="1" latinLnBrk="0" hangingPunct="1">
+              <a:lnSpc>
+                <a:spcPct val="90000"/>
+              </a:lnSpc>
+              <a:spcBef>
+                <a:spcPts val="400"/>
+              </a:spcBef>
+              <a:spcAft>
+                <a:spcPts val="200"/>
+              </a:spcAft>
+              <a:buClr>
+                <a:schemeClr val="accent1">
+                  <a:lumMod val="75000"/>
+                </a:schemeClr>
+              </a:buClr>
+              <a:buSzPct val="85000"/>
+              <a:buFont typeface="Wingdings" pitchFamily="2" charset="2"/>
+              <a:buChar char="§"/>
+              <a:defRPr sz="1600" kern="1200">
+                <a:solidFill>
+                  <a:schemeClr val="tx1"/>
+                </a:solidFill>
+                <a:latin typeface="+mn-lt"/>
+                <a:ea typeface="+mn-ea"/>
+                <a:cs typeface="+mn-cs"/>
+              </a:defRPr>
+            </a:lvl6pPr>
+            <a:lvl7pPr marL="1900000" indent="-228600" algn="l" defTabSz="914400" rtl="0" eaLnBrk="1" latinLnBrk="0" hangingPunct="1">
+              <a:lnSpc>
+                <a:spcPct val="90000"/>
+              </a:lnSpc>
+              <a:spcBef>
+                <a:spcPts val="400"/>
+              </a:spcBef>
+              <a:spcAft>
+                <a:spcPts val="200"/>
+              </a:spcAft>
+              <a:buClr>
+                <a:schemeClr val="accent1">
+                  <a:lumMod val="75000"/>
+                </a:schemeClr>
+              </a:buClr>
+              <a:buSzPct val="85000"/>
+              <a:buFont typeface="Wingdings" pitchFamily="2" charset="2"/>
+              <a:buChar char="§"/>
+              <a:defRPr sz="1600" kern="1200">
+                <a:solidFill>
+                  <a:schemeClr val="tx1"/>
+                </a:solidFill>
+                <a:latin typeface="+mn-lt"/>
+                <a:ea typeface="+mn-ea"/>
+                <a:cs typeface="+mn-cs"/>
+              </a:defRPr>
+            </a:lvl7pPr>
+            <a:lvl8pPr marL="2200000" indent="-228600" algn="l" defTabSz="914400" rtl="0" eaLnBrk="1" latinLnBrk="0" hangingPunct="1">
+              <a:lnSpc>
+                <a:spcPct val="90000"/>
+              </a:lnSpc>
+              <a:spcBef>
+                <a:spcPts val="400"/>
+              </a:spcBef>
+              <a:spcAft>
+                <a:spcPts val="200"/>
+              </a:spcAft>
+              <a:buClr>
+                <a:schemeClr val="accent1">
+                  <a:lumMod val="75000"/>
+                </a:schemeClr>
+              </a:buClr>
+              <a:buSzPct val="85000"/>
+              <a:buFont typeface="Wingdings" pitchFamily="2" charset="2"/>
+              <a:buChar char="§"/>
+              <a:defRPr sz="1600" kern="1200">
+                <a:solidFill>
+                  <a:schemeClr val="tx1"/>
+                </a:solidFill>
+                <a:latin typeface="+mn-lt"/>
+                <a:ea typeface="+mn-ea"/>
+                <a:cs typeface="+mn-cs"/>
+              </a:defRPr>
+            </a:lvl8pPr>
+            <a:lvl9pPr marL="2500000" indent="-228600" algn="l" defTabSz="914400" rtl="0" eaLnBrk="1" latinLnBrk="0" hangingPunct="1">
+              <a:lnSpc>
+                <a:spcPct val="90000"/>
+              </a:lnSpc>
+              <a:spcBef>
+                <a:spcPts val="400"/>
+              </a:spcBef>
+              <a:spcAft>
+                <a:spcPts val="200"/>
+              </a:spcAft>
+              <a:buClr>
+                <a:schemeClr val="accent1">
+                  <a:lumMod val="75000"/>
+                </a:schemeClr>
+              </a:buClr>
+              <a:buSzPct val="85000"/>
+              <a:buFont typeface="Wingdings" pitchFamily="2" charset="2"/>
+              <a:buChar char="§"/>
+              <a:defRPr sz="1600" kern="1200">
+                <a:solidFill>
+                  <a:schemeClr val="tx1"/>
+                </a:solidFill>
+                <a:latin typeface="+mn-lt"/>
+                <a:ea typeface="+mn-ea"/>
+                <a:cs typeface="+mn-cs"/>
+              </a:defRPr>
+            </a:lvl9pPr>
+          </a:lstStyle>
+          <a:p>
+            <a:pPr algn="just"/>
+            <a:r>
+              <a:rPr lang="es-ES" dirty="0">
+                <a:solidFill>
+                  <a:srgbClr val="000000"/>
+                </a:solidFill>
+                <a:latin typeface="Rockwell (Cuerpo)"/>
+                <a:ea typeface="Times New Roman" panose="02020603050405020304" pitchFamily="18" charset="0"/>
+              </a:rPr>
+              <a:t>Los Asistentes Virtuales.</a:t>
+            </a:r>
+            <a:endParaRPr lang="es-ES" dirty="0">
+              <a:latin typeface="Rockwell (Cuerpo)"/>
+              <a:cs typeface="Arial" panose="020B0604020202020204" pitchFamily="34" charset="0"/>
+            </a:endParaRPr>
           </a:p>
         </p:txBody>
       </p:sp>
@@ -9398,12 +12638,14 @@
                   <a:srgbClr val="000000"/>
                 </a:solidFill>
                 <a:effectLst/>
-                <a:latin typeface="Arial" panose="020B0604020202020204" pitchFamily="34" charset="0"/>
+                <a:latin typeface="Rockwell (Cuerpo)"/>
                 <a:ea typeface="Times New Roman" panose="02020603050405020304" pitchFamily="18" charset="0"/>
               </a:rPr>
-              <a:t>Desarrollar una aplicación informática que permita la gestión o construcción de conocimiento de manera automática para Asistentes Virtuales, en las plataformas web o móvil de las organizaciones que estén usando el servicio brindado por los asistentes virtuales, para que estos puedan ser más eficientes al responder cualquier duda o inquietud de los usuarios.</a:t>
-            </a:r>
-            <a:endParaRPr lang="es-ES" dirty="0"/>
+              <a:t>Desarrollar una aplicación informática que permita la gestión o construcción de conocimiento de manera automática para Asistentes Virtuales, en las plataformas web o móvil que estén usando el servicio brindado por los asistentes virtuales, para que estos puedan ser más eficientes al responder cualquier duda o inquietud de los usuarios.</a:t>
+            </a:r>
+            <a:endParaRPr lang="es-ES" dirty="0">
+              <a:latin typeface="Rockwell (Cuerpo)"/>
+            </a:endParaRPr>
           </a:p>
         </p:txBody>
       </p:sp>
@@ -9439,7 +12681,141 @@
       </p:grpSpPr>
       <p:sp>
         <p:nvSpPr>
-          <p:cNvPr id="2" name="Título 1"/>
+          <p:cNvPr id="3" name="Marcador de contenido 2">
+            <a:extLst>
+              <a:ext uri="{FF2B5EF4-FFF2-40B4-BE49-F238E27FC236}">
+                <a16:creationId xmlns:a16="http://schemas.microsoft.com/office/drawing/2014/main" id="{FB917D65-76FB-9794-C5E8-AF2AF3DF5CCC}"/>
+              </a:ext>
+            </a:extLst>
+          </p:cNvPr>
+          <p:cNvSpPr>
+            <a:spLocks noGrp="1"/>
+          </p:cNvSpPr>
+          <p:nvPr>
+            <p:ph idx="1"/>
+          </p:nvPr>
+        </p:nvSpPr>
+        <p:spPr/>
+        <p:txBody>
+          <a:bodyPr/>
+          <a:lstStyle/>
+          <a:p>
+            <a:pPr algn="just">
+              <a:lnSpc>
+                <a:spcPct val="115000"/>
+              </a:lnSpc>
+            </a:pPr>
+            <a:r>
+              <a:rPr lang="es-US" dirty="0">
+                <a:effectLst/>
+                <a:latin typeface="Rockwell (Cuerpo)"/>
+                <a:ea typeface="Calibri" panose="020F0502020204030204" pitchFamily="34" charset="0"/>
+              </a:rPr>
+              <a:t>Estudio del estado del arte de las herramientas para la creación de asistentes virtuales.</a:t>
+            </a:r>
+            <a:endParaRPr lang="es-ES" dirty="0">
+              <a:effectLst/>
+              <a:latin typeface="Rockwell (Cuerpo)"/>
+              <a:ea typeface="Calibri" panose="020F0502020204030204" pitchFamily="34" charset="0"/>
+            </a:endParaRPr>
+          </a:p>
+          <a:p>
+            <a:pPr algn="just">
+              <a:lnSpc>
+                <a:spcPct val="115000"/>
+              </a:lnSpc>
+            </a:pPr>
+            <a:r>
+              <a:rPr lang="es-US" dirty="0">
+                <a:effectLst/>
+                <a:latin typeface="Rockwell (Cuerpo)"/>
+                <a:ea typeface="Calibri" panose="020F0502020204030204" pitchFamily="34" charset="0"/>
+              </a:rPr>
+              <a:t>Diseñar un prototipo de herramienta para la creación de conocimiento de un asistente virtual.</a:t>
+            </a:r>
+            <a:endParaRPr lang="es-ES" dirty="0">
+              <a:effectLst/>
+              <a:latin typeface="Rockwell (Cuerpo)"/>
+              <a:ea typeface="Calibri" panose="020F0502020204030204" pitchFamily="34" charset="0"/>
+            </a:endParaRPr>
+          </a:p>
+          <a:p>
+            <a:pPr algn="just">
+              <a:lnSpc>
+                <a:spcPct val="115000"/>
+              </a:lnSpc>
+            </a:pPr>
+            <a:r>
+              <a:rPr lang="es-US" dirty="0">
+                <a:effectLst/>
+                <a:latin typeface="Rockwell (Cuerpo)"/>
+                <a:ea typeface="Calibri" panose="020F0502020204030204" pitchFamily="34" charset="0"/>
+              </a:rPr>
+              <a:t>Implementar el prototipo de herramienta diseñado.</a:t>
+            </a:r>
+            <a:endParaRPr lang="es-ES" dirty="0">
+              <a:effectLst/>
+              <a:latin typeface="Rockwell (Cuerpo)"/>
+              <a:ea typeface="Calibri" panose="020F0502020204030204" pitchFamily="34" charset="0"/>
+            </a:endParaRPr>
+          </a:p>
+          <a:p>
+            <a:pPr algn="just">
+              <a:lnSpc>
+                <a:spcPct val="115000"/>
+              </a:lnSpc>
+            </a:pPr>
+            <a:r>
+              <a:rPr lang="es-US" dirty="0">
+                <a:effectLst/>
+                <a:latin typeface="Rockwell (Cuerpo)"/>
+                <a:ea typeface="Calibri" panose="020F0502020204030204" pitchFamily="34" charset="0"/>
+              </a:rPr>
+              <a:t>Probar el prototipo de herramienta diseñado en varias esferas del conocimiento humano.</a:t>
+            </a:r>
+            <a:endParaRPr lang="es-ES" dirty="0">
+              <a:effectLst/>
+              <a:latin typeface="Rockwell (Cuerpo)"/>
+              <a:ea typeface="Calibri" panose="020F0502020204030204" pitchFamily="34" charset="0"/>
+            </a:endParaRPr>
+          </a:p>
+          <a:p>
+            <a:pPr algn="just">
+              <a:lnSpc>
+                <a:spcPct val="115000"/>
+              </a:lnSpc>
+              <a:spcAft>
+                <a:spcPts val="1000"/>
+              </a:spcAft>
+            </a:pPr>
+            <a:r>
+              <a:rPr lang="es-US" dirty="0">
+                <a:effectLst/>
+                <a:latin typeface="Rockwell (Cuerpo)"/>
+                <a:ea typeface="Calibri" panose="020F0502020204030204" pitchFamily="34" charset="0"/>
+              </a:rPr>
+              <a:t>Desplegar la herramienta junto a un sistema de gestión para la creación de asistentes virtuales. </a:t>
+            </a:r>
+            <a:endParaRPr lang="es-ES" dirty="0">
+              <a:effectLst/>
+              <a:latin typeface="Rockwell (Cuerpo)"/>
+              <a:ea typeface="Calibri" panose="020F0502020204030204" pitchFamily="34" charset="0"/>
+            </a:endParaRPr>
+          </a:p>
+          <a:p>
+            <a:endParaRPr lang="es-ES" dirty="0"/>
+          </a:p>
+        </p:txBody>
+      </p:sp>
+      <p:sp>
+        <p:nvSpPr>
+          <p:cNvPr id="4" name="Título 1">
+            <a:extLst>
+              <a:ext uri="{FF2B5EF4-FFF2-40B4-BE49-F238E27FC236}">
+                <a16:creationId xmlns:a16="http://schemas.microsoft.com/office/drawing/2014/main" id="{64F6A608-76BD-C020-3506-9A63DA061446}"/>
+              </a:ext>
+            </a:extLst>
+          </p:cNvPr>
           <p:cNvSpPr>
             <a:spLocks noGrp="1"/>
           </p:cNvSpPr>
@@ -9447,7 +12823,12 @@
             <p:ph type="title"/>
           </p:nvPr>
         </p:nvSpPr>
-        <p:spPr/>
+        <p:spPr>
+          <a:xfrm>
+            <a:off x="1069848" y="484632"/>
+            <a:ext cx="10058400" cy="1609344"/>
+          </a:xfrm>
+        </p:spPr>
         <p:txBody>
           <a:bodyPr>
             <a:normAutofit/>
@@ -9457,51 +12838,15 @@
             <a:pPr algn="ctr"/>
             <a:r>
               <a:rPr lang="es-ES" sz="4400" dirty="0"/>
-              <a:t>Campo de Acción</a:t>
-            </a:r>
-          </a:p>
-        </p:txBody>
-      </p:sp>
-      <p:sp>
-        <p:nvSpPr>
-          <p:cNvPr id="3" name="Marcador de contenido 2"/>
-          <p:cNvSpPr>
-            <a:spLocks noGrp="1"/>
-          </p:cNvSpPr>
-          <p:nvPr>
-            <p:ph idx="1"/>
-          </p:nvPr>
-        </p:nvSpPr>
-        <p:spPr/>
-        <p:txBody>
-          <a:bodyPr>
-            <a:normAutofit/>
-          </a:bodyPr>
-          <a:lstStyle/>
-          <a:p>
-            <a:pPr algn="just"/>
-            <a:r>
-              <a:rPr lang="es-ES" dirty="0">
-                <a:solidFill>
-                  <a:srgbClr val="000000"/>
-                </a:solidFill>
-                <a:effectLst/>
-                <a:latin typeface="Arial" panose="020B0604020202020204" pitchFamily="34" charset="0"/>
-                <a:ea typeface="Times New Roman" panose="02020603050405020304" pitchFamily="18" charset="0"/>
-              </a:rPr>
-              <a:t>Los Asistentes Virtuales.</a:t>
-            </a:r>
-            <a:endParaRPr lang="es-ES" dirty="0">
-              <a:latin typeface="Arial" panose="020B0604020202020204" pitchFamily="34" charset="0"/>
-              <a:cs typeface="Arial" panose="020B0604020202020204" pitchFamily="34" charset="0"/>
-            </a:endParaRPr>
+              <a:t>Objetivos Específicos</a:t>
+            </a:r>
           </a:p>
         </p:txBody>
       </p:sp>
     </p:spTree>
     <p:extLst>
       <p:ext uri="{BB962C8B-B14F-4D97-AF65-F5344CB8AC3E}">
-        <p14:creationId xmlns:p14="http://schemas.microsoft.com/office/powerpoint/2010/main" val="3982413434"/>
+        <p14:creationId xmlns:p14="http://schemas.microsoft.com/office/powerpoint/2010/main" val="69333835"/>
       </p:ext>
     </p:extLst>
   </p:cSld>

--- a/Tesis/Primer Corte.pptx
+++ b/Tesis/Primer Corte.pptx
@@ -20,16 +20,16 @@
     <p:sldId id="263" r:id="rId11"/>
     <p:sldId id="269" r:id="rId12"/>
     <p:sldId id="284" r:id="rId13"/>
-    <p:sldId id="285" r:id="rId14"/>
-    <p:sldId id="287" r:id="rId15"/>
-    <p:sldId id="288" r:id="rId16"/>
-    <p:sldId id="286" r:id="rId17"/>
-    <p:sldId id="289" r:id="rId18"/>
-    <p:sldId id="290" r:id="rId19"/>
+    <p:sldId id="287" r:id="rId14"/>
+    <p:sldId id="288" r:id="rId15"/>
+    <p:sldId id="286" r:id="rId16"/>
+    <p:sldId id="289" r:id="rId17"/>
+    <p:sldId id="290" r:id="rId18"/>
+    <p:sldId id="293" r:id="rId19"/>
     <p:sldId id="291" r:id="rId20"/>
     <p:sldId id="292" r:id="rId21"/>
     <p:sldId id="275" r:id="rId22"/>
-    <p:sldId id="272" r:id="rId23"/>
+    <p:sldId id="294" r:id="rId23"/>
   </p:sldIdLst>
   <p:sldSz cx="12192000" cy="6858000"/>
   <p:notesSz cx="6858000" cy="9144000"/>
@@ -218,7 +218,7 @@
           <a:p>
             <a:fld id="{855318E3-A54E-4A1B-925B-0B6BE85402D7}" type="datetimeFigureOut">
               <a:rPr lang="es-ES" smtClean="0"/>
-              <a:t>04/10/2022</a:t>
+              <a:t>05/10/2022</a:t>
             </a:fld>
             <a:endParaRPr lang="es-ES"/>
           </a:p>
@@ -1453,7 +1453,7 @@
     </p:spTree>
     <p:extLst>
       <p:ext uri="{BB962C8B-B14F-4D97-AF65-F5344CB8AC3E}">
-        <p14:creationId xmlns:p14="http://schemas.microsoft.com/office/powerpoint/2010/main" val="1966400512"/>
+        <p14:creationId xmlns:p14="http://schemas.microsoft.com/office/powerpoint/2010/main" val="1606045348"/>
       </p:ext>
     </p:extLst>
   </p:cSld>
@@ -1866,7 +1866,7 @@
           <a:p>
             <a:fld id="{B68655D5-7C77-493A-8D32-5357D2FC22A3}" type="datetimeFigureOut">
               <a:rPr lang="es-ES" smtClean="0"/>
-              <a:t>04/10/2022</a:t>
+              <a:t>05/10/2022</a:t>
             </a:fld>
             <a:endParaRPr lang="es-ES"/>
           </a:p>
@@ -2045,7 +2045,7 @@
           <a:p>
             <a:fld id="{B68655D5-7C77-493A-8D32-5357D2FC22A3}" type="datetimeFigureOut">
               <a:rPr lang="es-ES" smtClean="0"/>
-              <a:t>04/10/2022</a:t>
+              <a:t>05/10/2022</a:t>
             </a:fld>
             <a:endParaRPr lang="es-ES"/>
           </a:p>
@@ -2225,7 +2225,7 @@
           <a:p>
             <a:fld id="{B68655D5-7C77-493A-8D32-5357D2FC22A3}" type="datetimeFigureOut">
               <a:rPr lang="es-ES" smtClean="0"/>
-              <a:t>04/10/2022</a:t>
+              <a:t>05/10/2022</a:t>
             </a:fld>
             <a:endParaRPr lang="es-ES"/>
           </a:p>
@@ -2395,7 +2395,7 @@
           <a:p>
             <a:fld id="{B68655D5-7C77-493A-8D32-5357D2FC22A3}" type="datetimeFigureOut">
               <a:rPr lang="es-ES" smtClean="0"/>
-              <a:t>04/10/2022</a:t>
+              <a:t>05/10/2022</a:t>
             </a:fld>
             <a:endParaRPr lang="es-ES"/>
           </a:p>
@@ -2708,7 +2708,7 @@
           <a:p>
             <a:fld id="{B68655D5-7C77-493A-8D32-5357D2FC22A3}" type="datetimeFigureOut">
               <a:rPr lang="es-ES" smtClean="0"/>
-              <a:t>04/10/2022</a:t>
+              <a:t>05/10/2022</a:t>
             </a:fld>
             <a:endParaRPr lang="es-ES"/>
           </a:p>
@@ -3094,7 +3094,7 @@
           <a:p>
             <a:fld id="{B68655D5-7C77-493A-8D32-5357D2FC22A3}" type="datetimeFigureOut">
               <a:rPr lang="es-ES" smtClean="0"/>
-              <a:t>04/10/2022</a:t>
+              <a:t>05/10/2022</a:t>
             </a:fld>
             <a:endParaRPr lang="es-ES"/>
           </a:p>
@@ -3528,7 +3528,7 @@
           <a:p>
             <a:fld id="{B68655D5-7C77-493A-8D32-5357D2FC22A3}" type="datetimeFigureOut">
               <a:rPr lang="es-ES" smtClean="0"/>
-              <a:t>04/10/2022</a:t>
+              <a:t>05/10/2022</a:t>
             </a:fld>
             <a:endParaRPr lang="es-ES"/>
           </a:p>
@@ -3646,7 +3646,7 @@
           <a:p>
             <a:fld id="{B68655D5-7C77-493A-8D32-5357D2FC22A3}" type="datetimeFigureOut">
               <a:rPr lang="es-ES" smtClean="0"/>
-              <a:t>04/10/2022</a:t>
+              <a:t>05/10/2022</a:t>
             </a:fld>
             <a:endParaRPr lang="es-ES"/>
           </a:p>
@@ -3741,7 +3741,7 @@
           <a:p>
             <a:fld id="{B68655D5-7C77-493A-8D32-5357D2FC22A3}" type="datetimeFigureOut">
               <a:rPr lang="es-ES" smtClean="0"/>
-              <a:t>04/10/2022</a:t>
+              <a:t>05/10/2022</a:t>
             </a:fld>
             <a:endParaRPr lang="es-ES"/>
           </a:p>
@@ -4091,7 +4091,7 @@
           <a:p>
             <a:fld id="{B68655D5-7C77-493A-8D32-5357D2FC22A3}" type="datetimeFigureOut">
               <a:rPr lang="es-ES" smtClean="0"/>
-              <a:t>04/10/2022</a:t>
+              <a:t>05/10/2022</a:t>
             </a:fld>
             <a:endParaRPr lang="es-ES"/>
           </a:p>
@@ -4516,7 +4516,7 @@
           <a:p>
             <a:fld id="{B68655D5-7C77-493A-8D32-5357D2FC22A3}" type="datetimeFigureOut">
               <a:rPr lang="es-ES" smtClean="0"/>
-              <a:t>04/10/2022</a:t>
+              <a:t>05/10/2022</a:t>
             </a:fld>
             <a:endParaRPr lang="es-ES"/>
           </a:p>
@@ -4797,7 +4797,7 @@
           <a:p>
             <a:fld id="{B68655D5-7C77-493A-8D32-5357D2FC22A3}" type="datetimeFigureOut">
               <a:rPr lang="es-ES" smtClean="0"/>
-              <a:t>04/10/2022</a:t>
+              <a:t>05/10/2022</a:t>
             </a:fld>
             <a:endParaRPr lang="es-ES"/>
           </a:p>
@@ -6716,7 +6716,7 @@
         </p:nvSpPr>
         <p:spPr>
           <a:xfrm>
-            <a:off x="863371" y="-118872"/>
+            <a:off x="863371" y="86083"/>
             <a:ext cx="10058400" cy="1269246"/>
           </a:xfrm>
         </p:spPr>
@@ -6734,124 +6734,721 @@
       </p:sp>
       <p:sp>
         <p:nvSpPr>
-          <p:cNvPr id="3" name="Marcador de contenido 2">
+          <p:cNvPr id="5" name="AutoShape 4">
             <a:extLst>
               <a:ext uri="{FF2B5EF4-FFF2-40B4-BE49-F238E27FC236}">
-                <a16:creationId xmlns:a16="http://schemas.microsoft.com/office/drawing/2014/main" id="{8A08B355-74D3-B2A2-E22A-8C6E2AF10E41}"/>
+                <a16:creationId xmlns:a16="http://schemas.microsoft.com/office/drawing/2014/main" id="{BECC851E-C150-6A88-36E3-9AE0E51D5F59}"/>
               </a:ext>
             </a:extLst>
           </p:cNvPr>
           <p:cNvSpPr>
-            <a:spLocks noGrp="1"/>
+            <a:spLocks noChangeArrowheads="1"/>
           </p:cNvSpPr>
-          <p:nvPr>
-            <p:ph idx="1"/>
-          </p:nvPr>
-        </p:nvSpPr>
-        <p:spPr>
+          <p:nvPr/>
+        </p:nvSpPr>
+        <p:spPr bwMode="gray">
           <a:xfrm>
-            <a:off x="863371" y="899652"/>
-            <a:ext cx="10058400" cy="5338915"/>
+            <a:off x="220715" y="2725759"/>
+            <a:ext cx="5754415" cy="533400"/>
           </a:xfrm>
+          <a:prstGeom prst="roundRect">
+            <a:avLst>
+              <a:gd name="adj" fmla="val 16667"/>
+            </a:avLst>
+          </a:prstGeom>
+          <a:ln>
+            <a:headEnd/>
+            <a:tailEnd/>
+          </a:ln>
+        </p:spPr>
+        <p:style>
+          <a:lnRef idx="2">
+            <a:schemeClr val="accent2">
+              <a:shade val="50000"/>
+            </a:schemeClr>
+          </a:lnRef>
+          <a:fillRef idx="1">
+            <a:schemeClr val="accent2"/>
+          </a:fillRef>
+          <a:effectRef idx="0">
+            <a:schemeClr val="accent2"/>
+          </a:effectRef>
+          <a:fontRef idx="minor">
+            <a:schemeClr val="lt1"/>
+          </a:fontRef>
+        </p:style>
+        <p:txBody>
+          <a:bodyPr wrap="none" anchor="ctr"/>
+          <a:lstStyle/>
+          <a:p>
+            <a:r>
+              <a:rPr lang="es-ES" altLang="es-ES" sz="2400" b="1" dirty="0">
+                <a:solidFill>
+                  <a:srgbClr val="FFFFFF"/>
+                </a:solidFill>
+                <a:effectLst>
+                  <a:outerShdw blurRad="38100" dist="38100" dir="2700000" algn="tl">
+                    <a:srgbClr val="000000"/>
+                  </a:outerShdw>
+                </a:effectLst>
+              </a:rPr>
+              <a:t>Capítulo</a:t>
+            </a:r>
+            <a:r>
+              <a:rPr lang="en-US" altLang="es-ES" sz="2400" b="1" dirty="0">
+                <a:solidFill>
+                  <a:srgbClr val="FFFFFF"/>
+                </a:solidFill>
+                <a:effectLst>
+                  <a:outerShdw blurRad="38100" dist="38100" dir="2700000" algn="tl">
+                    <a:srgbClr val="000000"/>
+                  </a:outerShdw>
+                </a:effectLst>
+              </a:rPr>
+              <a:t> 1.</a:t>
+            </a:r>
+            <a:r>
+              <a:rPr lang="es-ES" altLang="es-ES" sz="2400" b="1" dirty="0">
+                <a:solidFill>
+                  <a:srgbClr val="FFFFFF"/>
+                </a:solidFill>
+                <a:effectLst>
+                  <a:outerShdw blurRad="38100" dist="38100" dir="2700000" algn="tl">
+                    <a:srgbClr val="000000"/>
+                  </a:outerShdw>
+                </a:effectLst>
+              </a:rPr>
+              <a:t> </a:t>
+            </a:r>
+            <a:r>
+              <a:rPr lang="en-US" altLang="es-ES" sz="2400" b="1" dirty="0">
+                <a:solidFill>
+                  <a:srgbClr val="FFFFFF"/>
+                </a:solidFill>
+                <a:effectLst>
+                  <a:outerShdw blurRad="38100" dist="38100" dir="2700000" algn="tl">
+                    <a:srgbClr val="000000"/>
+                  </a:outerShdw>
+                </a:effectLst>
+              </a:rPr>
+              <a:t>Marco </a:t>
+            </a:r>
+            <a:r>
+              <a:rPr lang="es-ES" altLang="es-ES" sz="2400" b="1" dirty="0">
+                <a:solidFill>
+                  <a:srgbClr val="FFFFFF"/>
+                </a:solidFill>
+                <a:effectLst>
+                  <a:outerShdw blurRad="38100" dist="38100" dir="2700000" algn="tl">
+                    <a:srgbClr val="000000"/>
+                  </a:outerShdw>
+                </a:effectLst>
+              </a:rPr>
+              <a:t>Referencial</a:t>
+            </a:r>
+          </a:p>
+        </p:txBody>
+      </p:sp>
+      <p:sp>
+        <p:nvSpPr>
+          <p:cNvPr id="6" name="AutoShape 5">
+            <a:extLst>
+              <a:ext uri="{FF2B5EF4-FFF2-40B4-BE49-F238E27FC236}">
+                <a16:creationId xmlns:a16="http://schemas.microsoft.com/office/drawing/2014/main" id="{A38CD4A4-922A-078C-518F-DA1C0E6BCFD1}"/>
+              </a:ext>
+            </a:extLst>
+          </p:cNvPr>
+          <p:cNvSpPr>
+            <a:spLocks noChangeArrowheads="1"/>
+          </p:cNvSpPr>
+          <p:nvPr/>
+        </p:nvSpPr>
+        <p:spPr bwMode="gray">
+          <a:xfrm>
+            <a:off x="220717" y="3703730"/>
+            <a:ext cx="5754414" cy="533400"/>
+          </a:xfrm>
+          <a:prstGeom prst="roundRect">
+            <a:avLst>
+              <a:gd name="adj" fmla="val 16667"/>
+            </a:avLst>
+          </a:prstGeom>
+          <a:ln>
+            <a:headEnd/>
+            <a:tailEnd/>
+          </a:ln>
+        </p:spPr>
+        <p:style>
+          <a:lnRef idx="2">
+            <a:schemeClr val="accent6">
+              <a:shade val="50000"/>
+            </a:schemeClr>
+          </a:lnRef>
+          <a:fillRef idx="1">
+            <a:schemeClr val="accent6"/>
+          </a:fillRef>
+          <a:effectRef idx="0">
+            <a:schemeClr val="accent6"/>
+          </a:effectRef>
+          <a:fontRef idx="minor">
+            <a:schemeClr val="lt1"/>
+          </a:fontRef>
+        </p:style>
+        <p:txBody>
+          <a:bodyPr wrap="none" anchor="ctr"/>
+          <a:lstStyle/>
+          <a:p>
+            <a:r>
+              <a:rPr lang="en-US" altLang="es-ES" sz="2400" b="1" dirty="0" err="1">
+                <a:solidFill>
+                  <a:srgbClr val="FFFFFF"/>
+                </a:solidFill>
+                <a:effectLst>
+                  <a:outerShdw blurRad="38100" dist="38100" dir="2700000" algn="tl">
+                    <a:srgbClr val="000000"/>
+                  </a:outerShdw>
+                </a:effectLst>
+              </a:rPr>
+              <a:t>Capítulo</a:t>
+            </a:r>
+            <a:r>
+              <a:rPr lang="en-US" altLang="es-ES" sz="2400" b="1" dirty="0">
+                <a:solidFill>
+                  <a:srgbClr val="FFFFFF"/>
+                </a:solidFill>
+                <a:effectLst>
+                  <a:outerShdw blurRad="38100" dist="38100" dir="2700000" algn="tl">
+                    <a:srgbClr val="000000"/>
+                  </a:outerShdw>
+                </a:effectLst>
+              </a:rPr>
+              <a:t> 2. </a:t>
+            </a:r>
+            <a:r>
+              <a:rPr lang="en-US" altLang="es-ES" sz="2400" b="1" dirty="0" err="1">
+                <a:solidFill>
+                  <a:srgbClr val="FFFFFF"/>
+                </a:solidFill>
+                <a:effectLst>
+                  <a:outerShdw blurRad="38100" dist="38100" dir="2700000" algn="tl">
+                    <a:srgbClr val="000000"/>
+                  </a:outerShdw>
+                </a:effectLst>
+              </a:rPr>
+              <a:t>Planificación</a:t>
+            </a:r>
+            <a:r>
+              <a:rPr lang="en-US" altLang="es-ES" sz="2400" b="1" dirty="0">
+                <a:solidFill>
+                  <a:srgbClr val="FFFFFF"/>
+                </a:solidFill>
+                <a:effectLst>
+                  <a:outerShdw blurRad="38100" dist="38100" dir="2700000" algn="tl">
+                    <a:srgbClr val="000000"/>
+                  </a:outerShdw>
+                </a:effectLst>
+              </a:rPr>
+              <a:t> y </a:t>
+            </a:r>
+            <a:r>
+              <a:rPr lang="en-US" altLang="es-ES" sz="2400" b="1" dirty="0" err="1">
+                <a:solidFill>
+                  <a:srgbClr val="FFFFFF"/>
+                </a:solidFill>
+                <a:effectLst>
+                  <a:outerShdw blurRad="38100" dist="38100" dir="2700000" algn="tl">
+                    <a:srgbClr val="000000"/>
+                  </a:outerShdw>
+                </a:effectLst>
+              </a:rPr>
+              <a:t>Diseño</a:t>
+            </a:r>
+            <a:endParaRPr lang="en-US" altLang="es-ES" sz="2400" b="1" dirty="0">
+              <a:solidFill>
+                <a:srgbClr val="FFFFFF"/>
+              </a:solidFill>
+              <a:effectLst>
+                <a:outerShdw blurRad="38100" dist="38100" dir="2700000" algn="tl">
+                  <a:srgbClr val="000000"/>
+                </a:outerShdw>
+              </a:effectLst>
+            </a:endParaRPr>
+          </a:p>
+        </p:txBody>
+      </p:sp>
+      <p:sp>
+        <p:nvSpPr>
+          <p:cNvPr id="7" name="AutoShape 6">
+            <a:extLst>
+              <a:ext uri="{FF2B5EF4-FFF2-40B4-BE49-F238E27FC236}">
+                <a16:creationId xmlns:a16="http://schemas.microsoft.com/office/drawing/2014/main" id="{A8EAE851-39B8-98AB-093C-E20A237AB3B9}"/>
+              </a:ext>
+            </a:extLst>
+          </p:cNvPr>
+          <p:cNvSpPr>
+            <a:spLocks noChangeArrowheads="1"/>
+          </p:cNvSpPr>
+          <p:nvPr/>
+        </p:nvSpPr>
+        <p:spPr bwMode="gray">
+          <a:xfrm>
+            <a:off x="220717" y="4752137"/>
+            <a:ext cx="5875282" cy="533400"/>
+          </a:xfrm>
+          <a:prstGeom prst="roundRect">
+            <a:avLst>
+              <a:gd name="adj" fmla="val 16667"/>
+            </a:avLst>
+          </a:prstGeom>
+          <a:solidFill>
+            <a:srgbClr val="7030A0"/>
+          </a:solidFill>
+          <a:ln>
+            <a:noFill/>
+          </a:ln>
+        </p:spPr>
+        <p:style>
+          <a:lnRef idx="0">
+            <a:scrgbClr r="0" g="0" b="0"/>
+          </a:lnRef>
+          <a:fillRef idx="0">
+            <a:scrgbClr r="0" g="0" b="0"/>
+          </a:fillRef>
+          <a:effectRef idx="0">
+            <a:scrgbClr r="0" g="0" b="0"/>
+          </a:effectRef>
+          <a:fontRef idx="minor">
+            <a:schemeClr val="lt1"/>
+          </a:fontRef>
+        </p:style>
+        <p:txBody>
+          <a:bodyPr wrap="none" anchor="ctr"/>
+          <a:lstStyle/>
+          <a:p>
+            <a:r>
+              <a:rPr lang="en-US" altLang="es-ES" sz="2400" b="1" dirty="0" err="1">
+                <a:solidFill>
+                  <a:srgbClr val="FFFFFF"/>
+                </a:solidFill>
+                <a:effectLst>
+                  <a:outerShdw blurRad="38100" dist="38100" dir="2700000" algn="tl">
+                    <a:srgbClr val="000000"/>
+                  </a:outerShdw>
+                </a:effectLst>
+              </a:rPr>
+              <a:t>Capítulo</a:t>
+            </a:r>
+            <a:r>
+              <a:rPr lang="en-US" altLang="es-ES" sz="2400" b="1" dirty="0">
+                <a:solidFill>
+                  <a:srgbClr val="FFFFFF"/>
+                </a:solidFill>
+                <a:effectLst>
+                  <a:outerShdw blurRad="38100" dist="38100" dir="2700000" algn="tl">
+                    <a:srgbClr val="000000"/>
+                  </a:outerShdw>
+                </a:effectLst>
+              </a:rPr>
+              <a:t> 3. </a:t>
+            </a:r>
+            <a:r>
+              <a:rPr lang="es-ES" altLang="es-ES" sz="2400" b="1" dirty="0">
+                <a:solidFill>
+                  <a:srgbClr val="FFFFFF"/>
+                </a:solidFill>
+                <a:effectLst>
+                  <a:outerShdw blurRad="38100" dist="38100" dir="2700000" algn="tl">
+                    <a:srgbClr val="000000"/>
+                  </a:outerShdw>
+                </a:effectLst>
+              </a:rPr>
+              <a:t>Implementación</a:t>
+            </a:r>
+            <a:r>
+              <a:rPr lang="en-US" altLang="es-ES" sz="2400" b="1" dirty="0">
+                <a:solidFill>
+                  <a:srgbClr val="FFFFFF"/>
+                </a:solidFill>
+                <a:effectLst>
+                  <a:outerShdw blurRad="38100" dist="38100" dir="2700000" algn="tl">
+                    <a:srgbClr val="000000"/>
+                  </a:outerShdw>
+                </a:effectLst>
+              </a:rPr>
+              <a:t> y </a:t>
+            </a:r>
+            <a:r>
+              <a:rPr lang="en-US" altLang="es-ES" sz="2400" b="1" dirty="0" err="1">
+                <a:solidFill>
+                  <a:srgbClr val="FFFFFF"/>
+                </a:solidFill>
+                <a:effectLst>
+                  <a:outerShdw blurRad="38100" dist="38100" dir="2700000" algn="tl">
+                    <a:srgbClr val="000000"/>
+                  </a:outerShdw>
+                </a:effectLst>
+              </a:rPr>
+              <a:t>Prueba</a:t>
+            </a:r>
+            <a:endParaRPr lang="en-US" altLang="es-ES" sz="2400" b="1" dirty="0">
+              <a:solidFill>
+                <a:srgbClr val="FFFFFF"/>
+              </a:solidFill>
+              <a:effectLst>
+                <a:outerShdw blurRad="38100" dist="38100" dir="2700000" algn="tl">
+                  <a:srgbClr val="000000"/>
+                </a:outerShdw>
+              </a:effectLst>
+            </a:endParaRPr>
+          </a:p>
+        </p:txBody>
+      </p:sp>
+      <p:sp>
+        <p:nvSpPr>
+          <p:cNvPr id="8" name="AutoShape 7">
+            <a:extLst>
+              <a:ext uri="{FF2B5EF4-FFF2-40B4-BE49-F238E27FC236}">
+                <a16:creationId xmlns:a16="http://schemas.microsoft.com/office/drawing/2014/main" id="{6320ED67-A965-CB22-0FC8-43B36B2B13FF}"/>
+              </a:ext>
+            </a:extLst>
+          </p:cNvPr>
+          <p:cNvSpPr>
+            <a:spLocks noChangeArrowheads="1"/>
+          </p:cNvSpPr>
+          <p:nvPr/>
+        </p:nvSpPr>
+        <p:spPr bwMode="gray">
+          <a:xfrm>
+            <a:off x="6442837" y="1884932"/>
+            <a:ext cx="5528447" cy="533400"/>
+          </a:xfrm>
+          <a:prstGeom prst="roundRect">
+            <a:avLst>
+              <a:gd name="adj" fmla="val 16667"/>
+            </a:avLst>
+          </a:prstGeom>
+          <a:gradFill rotWithShape="1">
+            <a:gsLst>
+              <a:gs pos="0">
+                <a:srgbClr val="A48B2E"/>
+              </a:gs>
+              <a:gs pos="50000">
+                <a:srgbClr val="A48B2E">
+                  <a:gamma/>
+                  <a:tint val="51373"/>
+                  <a:invGamma/>
+                </a:srgbClr>
+              </a:gs>
+              <a:gs pos="100000">
+                <a:srgbClr val="A48B2E"/>
+              </a:gs>
+            </a:gsLst>
+            <a:lin ang="5400000" scaled="1"/>
+          </a:gradFill>
+          <a:ln w="25400" algn="ctr">
+            <a:solidFill>
+              <a:schemeClr val="tx1"/>
+            </a:solidFill>
+            <a:round/>
+            <a:headEnd/>
+            <a:tailEnd/>
+          </a:ln>
+          <a:effectLst/>
         </p:spPr>
         <p:txBody>
-          <a:bodyPr>
-            <a:noAutofit/>
-          </a:bodyPr>
+          <a:bodyPr wrap="none" anchor="ctr"/>
           <a:lstStyle/>
           <a:p>
             <a:r>
-              <a:rPr lang="es-ES" b="1" dirty="0"/>
-              <a:t>Capítulo 1. Marco Referencial</a:t>
-            </a:r>
-          </a:p>
-          <a:p>
-            <a:r>
-              <a:rPr lang="es-US" dirty="0">
-                <a:effectLst/>
-                <a:latin typeface="Rockwell (Cuerpo)"/>
-                <a:ea typeface="Calibri Light" panose="020F0302020204030204" pitchFamily="34" charset="0"/>
-                <a:cs typeface="Calibri Light" panose="020F0302020204030204" pitchFamily="34" charset="0"/>
+              <a:rPr lang="en-US" altLang="es-ES" sz="2400" b="1" dirty="0" err="1">
+                <a:solidFill>
+                  <a:srgbClr val="FFFFFF"/>
+                </a:solidFill>
+                <a:effectLst>
+                  <a:outerShdw blurRad="38100" dist="38100" dir="2700000" algn="tl">
+                    <a:srgbClr val="000000"/>
+                  </a:outerShdw>
+                </a:effectLst>
               </a:rPr>
-              <a:t>  1.1 Las plataformas para desarrollar robots conversacionales</a:t>
-            </a:r>
-            <a:endParaRPr lang="es-ES" dirty="0">
-              <a:effectLst/>
-              <a:latin typeface="Rockwell (Cuerpo)"/>
-              <a:ea typeface="Calibri Light" panose="020F0302020204030204" pitchFamily="34" charset="0"/>
-              <a:cs typeface="Calibri Light" panose="020F0302020204030204" pitchFamily="34" charset="0"/>
+              <a:t>Conclusiones</a:t>
+            </a:r>
+            <a:endParaRPr lang="en-US" altLang="es-ES" sz="2400" b="1" dirty="0">
+              <a:solidFill>
+                <a:srgbClr val="FFFFFF"/>
+              </a:solidFill>
+              <a:effectLst>
+                <a:outerShdw blurRad="38100" dist="38100" dir="2700000" algn="tl">
+                  <a:srgbClr val="000000"/>
+                </a:outerShdw>
+              </a:effectLst>
             </a:endParaRPr>
           </a:p>
-          <a:p>
-            <a:r>
-              <a:rPr lang="es-ES" dirty="0"/>
-              <a:t>  1.2 Breve historia de los agentes conversacionales</a:t>
-            </a:r>
-          </a:p>
-          <a:p>
-            <a:r>
-              <a:rPr lang="es-ES" dirty="0"/>
-              <a:t>  1.3 Herramientas, Lenguajes de programación y Tecnologías</a:t>
-            </a:r>
-          </a:p>
-          <a:p>
-            <a:r>
-              <a:rPr lang="es-ES" dirty="0"/>
-              <a:t>  1.4 Metodología de desarrollo de software</a:t>
-            </a:r>
-          </a:p>
-          <a:p>
-            <a:r>
-              <a:rPr lang="es-ES" b="1" dirty="0"/>
-              <a:t>Capítulo 2. Planificación y Diseño</a:t>
-            </a:r>
-          </a:p>
-          <a:p>
-            <a:r>
-              <a:rPr lang="es-ES" dirty="0"/>
-              <a:t>  2.1 Propuesta del Sistema	</a:t>
-            </a:r>
-          </a:p>
-          <a:p>
-            <a:r>
-              <a:rPr lang="es-ES" dirty="0"/>
-              <a:t>  2.2 Usuarios del Sistema	</a:t>
-            </a:r>
-          </a:p>
-          <a:p>
-            <a:r>
-              <a:rPr lang="es-ES" dirty="0"/>
-              <a:t>  2.3 Planificación del desarrollo del Sistema	</a:t>
-            </a:r>
-          </a:p>
-          <a:p>
-            <a:r>
-              <a:rPr lang="es-ES" dirty="0"/>
-              <a:t>  2.3.1. Historias de usuarios	</a:t>
-            </a:r>
-          </a:p>
-          <a:p>
-            <a:r>
-              <a:rPr lang="es-ES" dirty="0"/>
-              <a:t>  2.3.2. Requisitos Funcionales	</a:t>
-            </a:r>
-          </a:p>
-          <a:p>
-            <a:r>
-              <a:rPr lang="es-ES" dirty="0"/>
-              <a:t>  2.3.3. Requisitos no Funcionales	</a:t>
-            </a:r>
-          </a:p>
-          <a:p>
-            <a:r>
-              <a:rPr lang="es-ES" dirty="0"/>
-              <a:t>  2.3.4. Arquitectura del Sistema	</a:t>
-            </a:r>
-          </a:p>
-          <a:p>
-            <a:r>
-              <a:rPr lang="es-ES" dirty="0"/>
-              <a:t>  2.3.5. Diseño de Base de Batos	</a:t>
+        </p:txBody>
+      </p:sp>
+      <p:sp>
+        <p:nvSpPr>
+          <p:cNvPr id="9" name="AutoShape 8">
+            <a:extLst>
+              <a:ext uri="{FF2B5EF4-FFF2-40B4-BE49-F238E27FC236}">
+                <a16:creationId xmlns:a16="http://schemas.microsoft.com/office/drawing/2014/main" id="{C4AE7C83-6949-324B-5075-D54AA1663711}"/>
+              </a:ext>
+            </a:extLst>
+          </p:cNvPr>
+          <p:cNvSpPr>
+            <a:spLocks noChangeArrowheads="1"/>
+          </p:cNvSpPr>
+          <p:nvPr/>
+        </p:nvSpPr>
+        <p:spPr bwMode="gray">
+          <a:xfrm>
+            <a:off x="6442837" y="2741525"/>
+            <a:ext cx="5528447" cy="533400"/>
+          </a:xfrm>
+          <a:prstGeom prst="roundRect">
+            <a:avLst>
+              <a:gd name="adj" fmla="val 16667"/>
+            </a:avLst>
+          </a:prstGeom>
+          <a:solidFill>
+            <a:schemeClr val="accent1">
+              <a:lumMod val="50000"/>
+            </a:schemeClr>
+          </a:solidFill>
+          <a:ln w="25400" algn="ctr">
+            <a:solidFill>
+              <a:schemeClr val="tx1"/>
+            </a:solidFill>
+            <a:round/>
+            <a:headEnd/>
+            <a:tailEnd/>
+          </a:ln>
+          <a:effectLst/>
+        </p:spPr>
+        <p:txBody>
+          <a:bodyPr wrap="none" anchor="ctr"/>
+          <a:lstStyle/>
+          <a:p>
+            <a:r>
+              <a:rPr lang="en-US" altLang="es-ES" sz="2400" b="1" dirty="0" err="1">
+                <a:solidFill>
+                  <a:srgbClr val="FFFFFF"/>
+                </a:solidFill>
+                <a:effectLst>
+                  <a:outerShdw blurRad="38100" dist="38100" dir="2700000" algn="tl">
+                    <a:srgbClr val="000000"/>
+                  </a:outerShdw>
+                </a:effectLst>
+              </a:rPr>
+              <a:t>Recomendaciones</a:t>
+            </a:r>
+            <a:endParaRPr lang="en-US" altLang="es-ES" sz="2400" b="1" dirty="0">
+              <a:solidFill>
+                <a:srgbClr val="FFFFFF"/>
+              </a:solidFill>
+              <a:effectLst>
+                <a:outerShdw blurRad="38100" dist="38100" dir="2700000" algn="tl">
+                  <a:srgbClr val="000000"/>
+                </a:outerShdw>
+              </a:effectLst>
+            </a:endParaRPr>
+          </a:p>
+        </p:txBody>
+      </p:sp>
+      <p:sp>
+        <p:nvSpPr>
+          <p:cNvPr id="10" name="AutoShape 8">
+            <a:extLst>
+              <a:ext uri="{FF2B5EF4-FFF2-40B4-BE49-F238E27FC236}">
+                <a16:creationId xmlns:a16="http://schemas.microsoft.com/office/drawing/2014/main" id="{FF68A702-E263-D77B-10FD-659B32A81E23}"/>
+              </a:ext>
+            </a:extLst>
+          </p:cNvPr>
+          <p:cNvSpPr>
+            <a:spLocks noChangeArrowheads="1"/>
+          </p:cNvSpPr>
+          <p:nvPr/>
+        </p:nvSpPr>
+        <p:spPr bwMode="gray">
+          <a:xfrm>
+            <a:off x="6442837" y="3712124"/>
+            <a:ext cx="5528447" cy="533400"/>
+          </a:xfrm>
+          <a:prstGeom prst="roundRect">
+            <a:avLst>
+              <a:gd name="adj" fmla="val 16667"/>
+            </a:avLst>
+          </a:prstGeom>
+          <a:solidFill>
+            <a:schemeClr val="tx2"/>
+          </a:solidFill>
+          <a:ln w="25400" algn="ctr">
+            <a:solidFill>
+              <a:schemeClr val="tx1"/>
+            </a:solidFill>
+            <a:round/>
+            <a:headEnd/>
+            <a:tailEnd/>
+          </a:ln>
+          <a:effectLst/>
+        </p:spPr>
+        <p:txBody>
+          <a:bodyPr wrap="none" anchor="ctr"/>
+          <a:lstStyle/>
+          <a:p>
+            <a:r>
+              <a:rPr lang="en-US" altLang="es-ES" sz="2400" b="1" dirty="0" err="1">
+                <a:solidFill>
+                  <a:srgbClr val="FFFFFF"/>
+                </a:solidFill>
+                <a:effectLst>
+                  <a:outerShdw blurRad="38100" dist="38100" dir="2700000" algn="tl">
+                    <a:srgbClr val="000000"/>
+                  </a:outerShdw>
+                </a:effectLst>
+              </a:rPr>
+              <a:t>Bibliografía</a:t>
+            </a:r>
+            <a:endParaRPr lang="en-US" altLang="es-ES" sz="2400" b="1" dirty="0">
+              <a:solidFill>
+                <a:srgbClr val="FFFFFF"/>
+              </a:solidFill>
+              <a:effectLst>
+                <a:outerShdw blurRad="38100" dist="38100" dir="2700000" algn="tl">
+                  <a:srgbClr val="000000"/>
+                </a:outerShdw>
+              </a:effectLst>
+            </a:endParaRPr>
+          </a:p>
+        </p:txBody>
+      </p:sp>
+      <p:sp>
+        <p:nvSpPr>
+          <p:cNvPr id="11" name="AutoShape 8">
+            <a:extLst>
+              <a:ext uri="{FF2B5EF4-FFF2-40B4-BE49-F238E27FC236}">
+                <a16:creationId xmlns:a16="http://schemas.microsoft.com/office/drawing/2014/main" id="{857F2ECE-B266-D963-49D5-A6BFFF9900AE}"/>
+              </a:ext>
+            </a:extLst>
+          </p:cNvPr>
+          <p:cNvSpPr>
+            <a:spLocks noChangeArrowheads="1"/>
+          </p:cNvSpPr>
+          <p:nvPr/>
+        </p:nvSpPr>
+        <p:spPr bwMode="gray">
+          <a:xfrm>
+            <a:off x="6442838" y="4741839"/>
+            <a:ext cx="5528446" cy="533400"/>
+          </a:xfrm>
+          <a:prstGeom prst="roundRect">
+            <a:avLst>
+              <a:gd name="adj" fmla="val 16667"/>
+            </a:avLst>
+          </a:prstGeom>
+          <a:solidFill>
+            <a:srgbClr val="002060"/>
+          </a:solidFill>
+          <a:ln w="25400" algn="ctr">
+            <a:solidFill>
+              <a:schemeClr val="tx1"/>
+            </a:solidFill>
+            <a:round/>
+            <a:headEnd/>
+            <a:tailEnd/>
+          </a:ln>
+          <a:effectLst/>
+        </p:spPr>
+        <p:txBody>
+          <a:bodyPr wrap="none" anchor="ctr"/>
+          <a:lstStyle/>
+          <a:p>
+            <a:r>
+              <a:rPr lang="en-US" altLang="es-ES" sz="2400" b="1" dirty="0" err="1">
+                <a:solidFill>
+                  <a:srgbClr val="FFFFFF"/>
+                </a:solidFill>
+                <a:effectLst>
+                  <a:outerShdw blurRad="38100" dist="38100" dir="2700000" algn="tl">
+                    <a:srgbClr val="000000"/>
+                  </a:outerShdw>
+                </a:effectLst>
+              </a:rPr>
+              <a:t>Anexos</a:t>
+            </a:r>
+            <a:endParaRPr lang="en-US" altLang="es-ES" sz="2400" b="1" dirty="0">
+              <a:solidFill>
+                <a:srgbClr val="FFFFFF"/>
+              </a:solidFill>
+              <a:effectLst>
+                <a:outerShdw blurRad="38100" dist="38100" dir="2700000" algn="tl">
+                  <a:srgbClr val="000000"/>
+                </a:outerShdw>
+              </a:effectLst>
+            </a:endParaRPr>
+          </a:p>
+        </p:txBody>
+      </p:sp>
+      <p:sp>
+        <p:nvSpPr>
+          <p:cNvPr id="12" name="AutoShape 4">
+            <a:extLst>
+              <a:ext uri="{FF2B5EF4-FFF2-40B4-BE49-F238E27FC236}">
+                <a16:creationId xmlns:a16="http://schemas.microsoft.com/office/drawing/2014/main" id="{A54702AF-EA42-895A-FE12-F4D1840AA459}"/>
+              </a:ext>
+            </a:extLst>
+          </p:cNvPr>
+          <p:cNvSpPr>
+            <a:spLocks noChangeArrowheads="1"/>
+          </p:cNvSpPr>
+          <p:nvPr/>
+        </p:nvSpPr>
+        <p:spPr bwMode="gray">
+          <a:xfrm>
+            <a:off x="220715" y="1884932"/>
+            <a:ext cx="5754415" cy="533400"/>
+          </a:xfrm>
+          <a:prstGeom prst="roundRect">
+            <a:avLst>
+              <a:gd name="adj" fmla="val 16667"/>
+            </a:avLst>
+          </a:prstGeom>
+          <a:ln>
+            <a:headEnd/>
+            <a:tailEnd/>
+          </a:ln>
+        </p:spPr>
+        <p:style>
+          <a:lnRef idx="2">
+            <a:schemeClr val="accent1">
+              <a:shade val="50000"/>
+            </a:schemeClr>
+          </a:lnRef>
+          <a:fillRef idx="1">
+            <a:schemeClr val="accent1"/>
+          </a:fillRef>
+          <a:effectRef idx="0">
+            <a:schemeClr val="accent1"/>
+          </a:effectRef>
+          <a:fontRef idx="minor">
+            <a:schemeClr val="lt1"/>
+          </a:fontRef>
+        </p:style>
+        <p:txBody>
+          <a:bodyPr wrap="none" anchor="ctr"/>
+          <a:lstStyle/>
+          <a:p>
+            <a:r>
+              <a:rPr lang="es-ES" altLang="es-ES" sz="2400" b="1" dirty="0">
+                <a:solidFill>
+                  <a:srgbClr val="FFFFFF"/>
+                </a:solidFill>
+                <a:effectLst>
+                  <a:outerShdw blurRad="38100" dist="38100" dir="2700000" algn="tl">
+                    <a:srgbClr val="000000"/>
+                  </a:outerShdw>
+                </a:effectLst>
+              </a:rPr>
+              <a:t>Introducción</a:t>
             </a:r>
           </a:p>
         </p:txBody>
@@ -6888,10 +7485,39 @@
       </p:grpSpPr>
       <p:sp>
         <p:nvSpPr>
+          <p:cNvPr id="2" name="Título 1">
+            <a:extLst>
+              <a:ext uri="{FF2B5EF4-FFF2-40B4-BE49-F238E27FC236}">
+                <a16:creationId xmlns:a16="http://schemas.microsoft.com/office/drawing/2014/main" id="{B3C7C15E-A287-C6A2-92E3-BE8EFECB0C05}"/>
+              </a:ext>
+            </a:extLst>
+          </p:cNvPr>
+          <p:cNvSpPr>
+            <a:spLocks noGrp="1"/>
+          </p:cNvSpPr>
+          <p:nvPr>
+            <p:ph type="title"/>
+          </p:nvPr>
+        </p:nvSpPr>
+        <p:spPr/>
+        <p:txBody>
+          <a:bodyPr/>
+          <a:lstStyle/>
+          <a:p>
+            <a:pPr algn="ctr"/>
+            <a:r>
+              <a:rPr lang="es-ES" dirty="0"/>
+              <a:t>Aportes</a:t>
+            </a:r>
+          </a:p>
+        </p:txBody>
+      </p:sp>
+      <p:sp>
+        <p:nvSpPr>
           <p:cNvPr id="3" name="Marcador de contenido 2">
             <a:extLst>
               <a:ext uri="{FF2B5EF4-FFF2-40B4-BE49-F238E27FC236}">
-                <a16:creationId xmlns:a16="http://schemas.microsoft.com/office/drawing/2014/main" id="{DC79297C-E18D-C0E0-ABBD-41962F36C55F}"/>
+                <a16:creationId xmlns:a16="http://schemas.microsoft.com/office/drawing/2014/main" id="{DDE4EAD7-0F0F-56FF-09D0-4E490CAC9307}"/>
               </a:ext>
             </a:extLst>
           </p:cNvPr>
@@ -6907,82 +7533,35 @@
           <a:bodyPr/>
           <a:lstStyle/>
           <a:p>
-            <a:r>
-              <a:rPr lang="es-ES" b="1" dirty="0"/>
-              <a:t>Capítulo 3. Implementación y Prueba</a:t>
-            </a:r>
+            <a:pPr algn="just"/>
             <a:r>
               <a:rPr lang="es-ES" dirty="0"/>
-              <a:t>	</a:t>
-            </a:r>
-          </a:p>
-          <a:p>
+              <a:t>Un sistema que a partir de datos proporcionados pudiera generar o construir automáticamente la estructura de conocimiento de un asistente virtual desarrollado en Rasa, lo que reduce en gran medida el error humano al realizar este trabajo manualmente.</a:t>
+            </a:r>
+          </a:p>
+          <a:p>
+            <a:pPr algn="just"/>
             <a:r>
               <a:rPr lang="es-ES" dirty="0"/>
-              <a:t>  3.1. Instalación de las herramientas utilizadas	</a:t>
-            </a:r>
-          </a:p>
-          <a:p>
+              <a:t>La investigación también permitió saber el cómo lograr la construcción automática de asistentes virtuales a partir de una base de conocimiento nueva previamente construida.</a:t>
+            </a:r>
+          </a:p>
+          <a:p>
+            <a:pPr algn="just"/>
             <a:r>
               <a:rPr lang="es-ES" dirty="0"/>
-              <a:t>  3.2 Implementación de Funcionalidades	</a:t>
-            </a:r>
-          </a:p>
-          <a:p>
-            <a:r>
-              <a:rPr lang="es-ES" dirty="0"/>
-              <a:t>  3.3 Análisis económico	</a:t>
-            </a:r>
-          </a:p>
-          <a:p>
-            <a:r>
-              <a:rPr lang="es-ES" dirty="0"/>
-              <a:t>  3.3.1. Estimación de costo y tiempo	</a:t>
+              <a:t>Además se logró evidenciar las facilidades que brinda este tipo de solución en el desarrollo de asistentes virtuales sin necesidad de especialistas y reduciendo el trabajo que cuesta dicha tarea; también cómo mejora la capacidad de respuesta de los asistentes virtuales y a su vez la calidad de su servicio al interactuar con las personas.</a:t>
             </a:r>
           </a:p>
           <a:p>
             <a:endParaRPr lang="es-ES" dirty="0"/>
-          </a:p>
-        </p:txBody>
-      </p:sp>
-      <p:sp>
-        <p:nvSpPr>
-          <p:cNvPr id="4" name="Título 1">
-            <a:extLst>
-              <a:ext uri="{FF2B5EF4-FFF2-40B4-BE49-F238E27FC236}">
-                <a16:creationId xmlns:a16="http://schemas.microsoft.com/office/drawing/2014/main" id="{A5DFBF74-CE87-C5FA-E6C9-A1BE2AA52721}"/>
-              </a:ext>
-            </a:extLst>
-          </p:cNvPr>
-          <p:cNvSpPr>
-            <a:spLocks noGrp="1"/>
-          </p:cNvSpPr>
-          <p:nvPr>
-            <p:ph type="title"/>
-          </p:nvPr>
-        </p:nvSpPr>
-        <p:spPr>
-          <a:xfrm>
-            <a:off x="1069975" y="484188"/>
-            <a:ext cx="10058400" cy="1609725"/>
-          </a:xfrm>
-        </p:spPr>
-        <p:txBody>
-          <a:bodyPr/>
-          <a:lstStyle/>
-          <a:p>
-            <a:pPr algn="ctr"/>
-            <a:r>
-              <a:rPr lang="es-ES" dirty="0"/>
-              <a:t>Estructura de la tesis</a:t>
-            </a:r>
           </a:p>
         </p:txBody>
       </p:sp>
     </p:spTree>
     <p:extLst>
       <p:ext uri="{BB962C8B-B14F-4D97-AF65-F5344CB8AC3E}">
-        <p14:creationId xmlns:p14="http://schemas.microsoft.com/office/powerpoint/2010/main" val="4179464694"/>
+        <p14:creationId xmlns:p14="http://schemas.microsoft.com/office/powerpoint/2010/main" val="931240880"/>
       </p:ext>
     </p:extLst>
   </p:cSld>
@@ -7014,111 +7593,6 @@
           <p:cNvPr id="2" name="Título 1">
             <a:extLst>
               <a:ext uri="{FF2B5EF4-FFF2-40B4-BE49-F238E27FC236}">
-                <a16:creationId xmlns:a16="http://schemas.microsoft.com/office/drawing/2014/main" id="{B3C7C15E-A287-C6A2-92E3-BE8EFECB0C05}"/>
-              </a:ext>
-            </a:extLst>
-          </p:cNvPr>
-          <p:cNvSpPr>
-            <a:spLocks noGrp="1"/>
-          </p:cNvSpPr>
-          <p:nvPr>
-            <p:ph type="title"/>
-          </p:nvPr>
-        </p:nvSpPr>
-        <p:spPr/>
-        <p:txBody>
-          <a:bodyPr/>
-          <a:lstStyle/>
-          <a:p>
-            <a:pPr algn="ctr"/>
-            <a:r>
-              <a:rPr lang="es-ES" dirty="0"/>
-              <a:t>Aportes</a:t>
-            </a:r>
-          </a:p>
-        </p:txBody>
-      </p:sp>
-      <p:sp>
-        <p:nvSpPr>
-          <p:cNvPr id="3" name="Marcador de contenido 2">
-            <a:extLst>
-              <a:ext uri="{FF2B5EF4-FFF2-40B4-BE49-F238E27FC236}">
-                <a16:creationId xmlns:a16="http://schemas.microsoft.com/office/drawing/2014/main" id="{DDE4EAD7-0F0F-56FF-09D0-4E490CAC9307}"/>
-              </a:ext>
-            </a:extLst>
-          </p:cNvPr>
-          <p:cNvSpPr>
-            <a:spLocks noGrp="1"/>
-          </p:cNvSpPr>
-          <p:nvPr>
-            <p:ph idx="1"/>
-          </p:nvPr>
-        </p:nvSpPr>
-        <p:spPr/>
-        <p:txBody>
-          <a:bodyPr/>
-          <a:lstStyle/>
-          <a:p>
-            <a:pPr algn="just"/>
-            <a:r>
-              <a:rPr lang="es-ES" dirty="0"/>
-              <a:t>Un sistema que a partir de datos proporcionados pudiera generar o construir automáticamente la estructura de conocimiento de un asistente virtual desarrollado en Rasa.</a:t>
-            </a:r>
-          </a:p>
-          <a:p>
-            <a:pPr algn="just"/>
-            <a:r>
-              <a:rPr lang="es-ES" dirty="0"/>
-              <a:t>La investigación también permitió saber el cómo lograr la construcción automática de asistentes virtuales a partir de una base de conocimiento nueva previamente construida.</a:t>
-            </a:r>
-          </a:p>
-          <a:p>
-            <a:pPr algn="just"/>
-            <a:r>
-              <a:rPr lang="es-ES" dirty="0"/>
-              <a:t>Además se logró evidenciar las facilidades que brinda este tipo de solución en el desarrollo de asistentes virtuales sin necesidad de especialistas y reduciendo el trabajo que cuesta dicha tarea; también cómo mejora la capacidad de respuesta de los asistentes virtuales y a su vez la calidad de su servicio al interactuar con las personas.</a:t>
-            </a:r>
-          </a:p>
-          <a:p>
-            <a:endParaRPr lang="es-ES" dirty="0"/>
-          </a:p>
-        </p:txBody>
-      </p:sp>
-    </p:spTree>
-    <p:extLst>
-      <p:ext uri="{BB962C8B-B14F-4D97-AF65-F5344CB8AC3E}">
-        <p14:creationId xmlns:p14="http://schemas.microsoft.com/office/powerpoint/2010/main" val="931240880"/>
-      </p:ext>
-    </p:extLst>
-  </p:cSld>
-  <p:clrMapOvr>
-    <a:masterClrMapping/>
-  </p:clrMapOvr>
-</p:sld>
-</file>
-
-<file path=ppt/slides/slide15.xml><?xml version="1.0" encoding="utf-8"?>
-<p:sld xmlns:a="http://schemas.openxmlformats.org/drawingml/2006/main" xmlns:r="http://schemas.openxmlformats.org/officeDocument/2006/relationships" xmlns:p="http://schemas.openxmlformats.org/presentationml/2006/main">
-  <p:cSld>
-    <p:spTree>
-      <p:nvGrpSpPr>
-        <p:cNvPr id="1" name=""/>
-        <p:cNvGrpSpPr/>
-        <p:nvPr/>
-      </p:nvGrpSpPr>
-      <p:grpSpPr>
-        <a:xfrm>
-          <a:off x="0" y="0"/>
-          <a:ext cx="0" cy="0"/>
-          <a:chOff x="0" y="0"/>
-          <a:chExt cx="0" cy="0"/>
-        </a:xfrm>
-      </p:grpSpPr>
-      <p:sp>
-        <p:nvSpPr>
-          <p:cNvPr id="2" name="Título 1">
-            <a:extLst>
-              <a:ext uri="{FF2B5EF4-FFF2-40B4-BE49-F238E27FC236}">
                 <a16:creationId xmlns:a16="http://schemas.microsoft.com/office/drawing/2014/main" id="{4C5ACF00-C608-9E92-931F-E153A3AC113A}"/>
               </a:ext>
             </a:extLst>
@@ -7145,10 +7619,10 @@
       </p:sp>
       <p:pic>
         <p:nvPicPr>
-          <p:cNvPr id="4" name="Imagen 7">
+          <p:cNvPr id="7" name="Imagen 11">
             <a:extLst>
               <a:ext uri="{FF2B5EF4-FFF2-40B4-BE49-F238E27FC236}">
-                <a16:creationId xmlns:a16="http://schemas.microsoft.com/office/drawing/2014/main" id="{3B5700F6-7EBF-2D7B-38DB-437ABD6F5FAD}"/>
+                <a16:creationId xmlns:a16="http://schemas.microsoft.com/office/drawing/2014/main" id="{442A4FAF-7353-0543-0E1A-6055F13F1F1E}"/>
               </a:ext>
             </a:extLst>
           </p:cNvPr>
@@ -7172,217 +7646,7 @@
         </p:blipFill>
         <p:spPr bwMode="auto">
           <a:xfrm>
-            <a:off x="1069848" y="4021074"/>
-            <a:ext cx="1162050" cy="1163637"/>
-          </a:xfrm>
-          <a:prstGeom prst="rect">
-            <a:avLst/>
-          </a:prstGeom>
-          <a:ln w="38100" cap="sq">
-            <a:solidFill>
-              <a:srgbClr val="000000"/>
-            </a:solidFill>
-            <a:prstDash val="solid"/>
-            <a:miter lim="800000"/>
-          </a:ln>
-          <a:effectLst>
-            <a:outerShdw blurRad="50800" dist="38100" dir="2700000" algn="tl" rotWithShape="0">
-              <a:srgbClr val="000000">
-                <a:alpha val="43000"/>
-              </a:srgbClr>
-            </a:outerShdw>
-          </a:effectLst>
-          <a:extLst>
-            <a:ext uri="{909E8E84-426E-40DD-AFC4-6F175D3DCCD1}">
-              <a14:hiddenFill xmlns:a14="http://schemas.microsoft.com/office/drawing/2010/main">
-                <a:solidFill>
-                  <a:srgbClr val="FFFFFF"/>
-                </a:solidFill>
-              </a14:hiddenFill>
-            </a:ext>
-            <a:ext uri="{91240B29-F687-4F45-9708-019B960494DF}">
-              <a14:hiddenLine xmlns:a14="http://schemas.microsoft.com/office/drawing/2010/main" w="9525">
-                <a:solidFill>
-                  <a:srgbClr val="000000"/>
-                </a:solidFill>
-                <a:miter lim="800000"/>
-                <a:headEnd/>
-                <a:tailEnd/>
-              </a14:hiddenLine>
-            </a:ext>
-          </a:extLst>
-        </p:spPr>
-      </p:pic>
-      <p:pic>
-        <p:nvPicPr>
-          <p:cNvPr id="5" name="Imagen 8">
-            <a:extLst>
-              <a:ext uri="{FF2B5EF4-FFF2-40B4-BE49-F238E27FC236}">
-                <a16:creationId xmlns:a16="http://schemas.microsoft.com/office/drawing/2014/main" id="{F87AB91A-473B-8C3A-8FD4-0EC6AA1E2CF1}"/>
-              </a:ext>
-            </a:extLst>
-          </p:cNvPr>
-          <p:cNvPicPr>
-            <a:picLocks noChangeAspect="1" noChangeArrowheads="1"/>
-          </p:cNvPicPr>
-          <p:nvPr/>
-        </p:nvPicPr>
-        <p:blipFill>
-          <a:blip r:embed="rId3">
-            <a:extLst>
-              <a:ext uri="{28A0092B-C50C-407E-A947-70E740481C1C}">
-                <a14:useLocalDpi xmlns:a14="http://schemas.microsoft.com/office/drawing/2010/main" val="0"/>
-              </a:ext>
-            </a:extLst>
-          </a:blip>
-          <a:srcRect/>
-          <a:stretch>
-            <a:fillRect/>
-          </a:stretch>
-        </p:blipFill>
-        <p:spPr bwMode="auto">
-          <a:xfrm>
-            <a:off x="7871607" y="1977235"/>
-            <a:ext cx="1162050" cy="1163638"/>
-          </a:xfrm>
-          <a:prstGeom prst="rect">
-            <a:avLst/>
-          </a:prstGeom>
-          <a:ln w="38100" cap="sq">
-            <a:solidFill>
-              <a:srgbClr val="000000"/>
-            </a:solidFill>
-            <a:prstDash val="solid"/>
-            <a:miter lim="800000"/>
-          </a:ln>
-          <a:effectLst>
-            <a:outerShdw blurRad="50800" dist="38100" dir="2700000" algn="tl" rotWithShape="0">
-              <a:srgbClr val="000000">
-                <a:alpha val="43000"/>
-              </a:srgbClr>
-            </a:outerShdw>
-          </a:effectLst>
-          <a:extLst>
-            <a:ext uri="{909E8E84-426E-40DD-AFC4-6F175D3DCCD1}">
-              <a14:hiddenFill xmlns:a14="http://schemas.microsoft.com/office/drawing/2010/main">
-                <a:solidFill>
-                  <a:srgbClr val="FFFFFF"/>
-                </a:solidFill>
-              </a14:hiddenFill>
-            </a:ext>
-            <a:ext uri="{91240B29-F687-4F45-9708-019B960494DF}">
-              <a14:hiddenLine xmlns:a14="http://schemas.microsoft.com/office/drawing/2010/main" w="9525">
-                <a:solidFill>
-                  <a:srgbClr val="000000"/>
-                </a:solidFill>
-                <a:miter lim="800000"/>
-                <a:headEnd/>
-                <a:tailEnd/>
-              </a14:hiddenLine>
-            </a:ext>
-          </a:extLst>
-        </p:spPr>
-      </p:pic>
-      <p:pic>
-        <p:nvPicPr>
-          <p:cNvPr id="6" name="Imagen 9">
-            <a:extLst>
-              <a:ext uri="{FF2B5EF4-FFF2-40B4-BE49-F238E27FC236}">
-                <a16:creationId xmlns:a16="http://schemas.microsoft.com/office/drawing/2014/main" id="{982E4272-6C2D-106F-CEC7-7CABA7F4460B}"/>
-              </a:ext>
-            </a:extLst>
-          </p:cNvPr>
-          <p:cNvPicPr>
-            <a:picLocks noChangeAspect="1" noChangeArrowheads="1"/>
-          </p:cNvPicPr>
-          <p:nvPr/>
-        </p:nvPicPr>
-        <p:blipFill>
-          <a:blip r:embed="rId4">
-            <a:extLst>
-              <a:ext uri="{28A0092B-C50C-407E-A947-70E740481C1C}">
-                <a14:useLocalDpi xmlns:a14="http://schemas.microsoft.com/office/drawing/2010/main" val="0"/>
-              </a:ext>
-            </a:extLst>
-          </a:blip>
-          <a:srcRect/>
-          <a:stretch>
-            <a:fillRect/>
-          </a:stretch>
-        </p:blipFill>
-        <p:spPr bwMode="auto">
-          <a:xfrm>
-            <a:off x="7967741" y="3890526"/>
-            <a:ext cx="2512476" cy="1485900"/>
-          </a:xfrm>
-          <a:prstGeom prst="rect">
-            <a:avLst/>
-          </a:prstGeom>
-          <a:ln w="38100" cap="sq">
-            <a:solidFill>
-              <a:srgbClr val="000000"/>
-            </a:solidFill>
-            <a:prstDash val="solid"/>
-            <a:miter lim="800000"/>
-          </a:ln>
-          <a:effectLst>
-            <a:outerShdw blurRad="50800" dist="38100" dir="2700000" algn="tl" rotWithShape="0">
-              <a:srgbClr val="000000">
-                <a:alpha val="43000"/>
-              </a:srgbClr>
-            </a:outerShdw>
-          </a:effectLst>
-          <a:extLst>
-            <a:ext uri="{909E8E84-426E-40DD-AFC4-6F175D3DCCD1}">
-              <a14:hiddenFill xmlns:a14="http://schemas.microsoft.com/office/drawing/2010/main">
-                <a:solidFill>
-                  <a:srgbClr val="FFFFFF"/>
-                </a:solidFill>
-              </a14:hiddenFill>
-            </a:ext>
-            <a:ext uri="{91240B29-F687-4F45-9708-019B960494DF}">
-              <a14:hiddenLine xmlns:a14="http://schemas.microsoft.com/office/drawing/2010/main" w="9525">
-                <a:solidFill>
-                  <a:srgbClr val="000000"/>
-                </a:solidFill>
-                <a:miter lim="800000"/>
-                <a:headEnd/>
-                <a:tailEnd/>
-              </a14:hiddenLine>
-            </a:ext>
-          </a:extLst>
-        </p:spPr>
-      </p:pic>
-      <p:pic>
-        <p:nvPicPr>
-          <p:cNvPr id="7" name="Imagen 11">
-            <a:extLst>
-              <a:ext uri="{FF2B5EF4-FFF2-40B4-BE49-F238E27FC236}">
-                <a16:creationId xmlns:a16="http://schemas.microsoft.com/office/drawing/2014/main" id="{442A4FAF-7353-0543-0E1A-6055F13F1F1E}"/>
-              </a:ext>
-            </a:extLst>
-          </p:cNvPr>
-          <p:cNvPicPr>
-            <a:picLocks noChangeAspect="1" noChangeArrowheads="1"/>
-          </p:cNvPicPr>
-          <p:nvPr/>
-        </p:nvPicPr>
-        <p:blipFill>
-          <a:blip r:embed="rId5">
-            <a:extLst>
-              <a:ext uri="{28A0092B-C50C-407E-A947-70E740481C1C}">
-                <a14:useLocalDpi xmlns:a14="http://schemas.microsoft.com/office/drawing/2010/main" val="0"/>
-              </a:ext>
-            </a:extLst>
-          </a:blip>
-          <a:srcRect/>
-          <a:stretch>
-            <a:fillRect/>
-          </a:stretch>
-        </p:blipFill>
-        <p:spPr bwMode="auto">
-          <a:xfrm>
-            <a:off x="2507400" y="2494193"/>
+            <a:off x="843836" y="2529316"/>
             <a:ext cx="1847850" cy="869950"/>
           </a:xfrm>
           <a:prstGeom prst="rect">
@@ -7410,424 +7674,576 @@
                 </a:solidFill>
               </a14:hiddenFill>
             </a:ext>
-            <a:ext uri="{91240B29-F687-4F45-9708-019B960494DF}">
-              <a14:hiddenLine xmlns:a14="http://schemas.microsoft.com/office/drawing/2010/main" w="9525">
-                <a:solidFill>
-                  <a:srgbClr val="000000"/>
-                </a:solidFill>
-                <a:miter lim="800000"/>
-                <a:headEnd/>
-                <a:tailEnd/>
-              </a14:hiddenLine>
-            </a:ext>
           </a:extLst>
         </p:spPr>
       </p:pic>
-      <p:sp>
-        <p:nvSpPr>
-          <p:cNvPr id="8" name="Rectángulo 1">
+      <p:grpSp>
+        <p:nvGrpSpPr>
+          <p:cNvPr id="17" name="Grupo 16">
             <a:extLst>
               <a:ext uri="{FF2B5EF4-FFF2-40B4-BE49-F238E27FC236}">
-                <a16:creationId xmlns:a16="http://schemas.microsoft.com/office/drawing/2014/main" id="{C6086DBD-6C58-1054-0100-7299E9B56474}"/>
+                <a16:creationId xmlns:a16="http://schemas.microsoft.com/office/drawing/2014/main" id="{1332109E-73B6-16DD-15CB-E730BF54E783}"/>
               </a:ext>
             </a:extLst>
           </p:cNvPr>
-          <p:cNvSpPr>
-            <a:spLocks noChangeArrowheads="1"/>
-          </p:cNvSpPr>
+          <p:cNvGrpSpPr/>
           <p:nvPr/>
-        </p:nvSpPr>
-        <p:spPr bwMode="auto">
+        </p:nvGrpSpPr>
+        <p:grpSpPr>
           <a:xfrm>
-            <a:off x="2315535" y="4819586"/>
-            <a:ext cx="697627" cy="369332"/>
+            <a:off x="1069848" y="4579358"/>
+            <a:ext cx="1943314" cy="1167844"/>
+            <a:chOff x="1069848" y="4021074"/>
+            <a:chExt cx="1943314" cy="1167844"/>
           </a:xfrm>
-          <a:prstGeom prst="rect">
-            <a:avLst/>
-          </a:prstGeom>
-          <a:noFill/>
-          <a:ln>
+        </p:grpSpPr>
+        <p:pic>
+          <p:nvPicPr>
+            <p:cNvPr id="4" name="Imagen 7">
+              <a:extLst>
+                <a:ext uri="{FF2B5EF4-FFF2-40B4-BE49-F238E27FC236}">
+                  <a16:creationId xmlns:a16="http://schemas.microsoft.com/office/drawing/2014/main" id="{3B5700F6-7EBF-2D7B-38DB-437ABD6F5FAD}"/>
+                </a:ext>
+              </a:extLst>
+            </p:cNvPr>
+            <p:cNvPicPr>
+              <a:picLocks noChangeAspect="1" noChangeArrowheads="1"/>
+            </p:cNvPicPr>
+            <p:nvPr/>
+          </p:nvPicPr>
+          <p:blipFill>
+            <a:blip r:embed="rId3">
+              <a:extLst>
+                <a:ext uri="{28A0092B-C50C-407E-A947-70E740481C1C}">
+                  <a14:useLocalDpi xmlns:a14="http://schemas.microsoft.com/office/drawing/2010/main" val="0"/>
+                </a:ext>
+              </a:extLst>
+            </a:blip>
+            <a:srcRect/>
+            <a:stretch>
+              <a:fillRect/>
+            </a:stretch>
+          </p:blipFill>
+          <p:spPr bwMode="auto">
+            <a:xfrm>
+              <a:off x="1069848" y="4021074"/>
+              <a:ext cx="1162050" cy="1163637"/>
+            </a:xfrm>
+            <a:prstGeom prst="rect">
+              <a:avLst/>
+            </a:prstGeom>
+            <a:ln w="38100" cap="sq">
+              <a:solidFill>
+                <a:srgbClr val="000000"/>
+              </a:solidFill>
+              <a:prstDash val="solid"/>
+              <a:miter lim="800000"/>
+            </a:ln>
+            <a:effectLst>
+              <a:outerShdw blurRad="50800" dist="38100" dir="2700000" algn="tl" rotWithShape="0">
+                <a:srgbClr val="000000">
+                  <a:alpha val="43000"/>
+                </a:srgbClr>
+              </a:outerShdw>
+            </a:effectLst>
+            <a:extLst>
+              <a:ext uri="{909E8E84-426E-40DD-AFC4-6F175D3DCCD1}">
+                <a14:hiddenFill xmlns:a14="http://schemas.microsoft.com/office/drawing/2010/main">
+                  <a:solidFill>
+                    <a:srgbClr val="FFFFFF"/>
+                  </a:solidFill>
+                </a14:hiddenFill>
+              </a:ext>
+            </a:extLst>
+          </p:spPr>
+        </p:pic>
+        <p:sp>
+          <p:nvSpPr>
+            <p:cNvPr id="8" name="Rectángulo 1">
+              <a:extLst>
+                <a:ext uri="{FF2B5EF4-FFF2-40B4-BE49-F238E27FC236}">
+                  <a16:creationId xmlns:a16="http://schemas.microsoft.com/office/drawing/2014/main" id="{C6086DBD-6C58-1054-0100-7299E9B56474}"/>
+                </a:ext>
+              </a:extLst>
+            </p:cNvPr>
+            <p:cNvSpPr>
+              <a:spLocks noChangeArrowheads="1"/>
+            </p:cNvSpPr>
+            <p:nvPr/>
+          </p:nvSpPr>
+          <p:spPr bwMode="auto">
+            <a:xfrm>
+              <a:off x="2315535" y="4819586"/>
+              <a:ext cx="697627" cy="369332"/>
+            </a:xfrm>
+            <a:prstGeom prst="rect">
+              <a:avLst/>
+            </a:prstGeom>
             <a:noFill/>
-          </a:ln>
-          <a:extLst>
-            <a:ext uri="{909E8E84-426E-40DD-AFC4-6F175D3DCCD1}">
-              <a14:hiddenFill xmlns:a14="http://schemas.microsoft.com/office/drawing/2010/main">
-                <a:solidFill>
-                  <a:srgbClr val="FFFFFF"/>
-                </a:solidFill>
-              </a14:hiddenFill>
-            </a:ext>
-            <a:ext uri="{91240B29-F687-4F45-9708-019B960494DF}">
-              <a14:hiddenLine xmlns:a14="http://schemas.microsoft.com/office/drawing/2010/main" w="9525">
-                <a:solidFill>
-                  <a:srgbClr val="000000"/>
-                </a:solidFill>
-                <a:miter lim="800000"/>
-                <a:headEnd/>
-                <a:tailEnd/>
-              </a14:hiddenLine>
-            </a:ext>
-          </a:extLst>
-        </p:spPr>
-        <p:txBody>
-          <a:bodyPr wrap="none">
-            <a:spAutoFit/>
-          </a:bodyPr>
-          <a:lstStyle>
-            <a:lvl1pPr>
-              <a:spcBef>
-                <a:spcPct val="20000"/>
-              </a:spcBef>
-              <a:buFont typeface="Arial" panose="020B0604020202020204" pitchFamily="34" charset="0"/>
-              <a:buChar char="•"/>
-              <a:defRPr sz="3200">
-                <a:solidFill>
-                  <a:schemeClr val="tx1"/>
-                </a:solidFill>
-                <a:latin typeface="Calibri" panose="020F0502020204030204" pitchFamily="34" charset="0"/>
-              </a:defRPr>
-            </a:lvl1pPr>
-            <a:lvl2pPr marL="742950" indent="-285750">
-              <a:spcBef>
-                <a:spcPct val="20000"/>
-              </a:spcBef>
-              <a:buFont typeface="Arial" panose="020B0604020202020204" pitchFamily="34" charset="0"/>
-              <a:buChar char="–"/>
-              <a:defRPr sz="2800">
-                <a:solidFill>
-                  <a:schemeClr val="tx1"/>
-                </a:solidFill>
-                <a:latin typeface="Calibri" panose="020F0502020204030204" pitchFamily="34" charset="0"/>
-              </a:defRPr>
-            </a:lvl2pPr>
-            <a:lvl3pPr marL="1143000" indent="-228600">
-              <a:spcBef>
-                <a:spcPct val="20000"/>
-              </a:spcBef>
-              <a:buFont typeface="Arial" panose="020B0604020202020204" pitchFamily="34" charset="0"/>
-              <a:buChar char="•"/>
-              <a:defRPr sz="2400">
-                <a:solidFill>
-                  <a:schemeClr val="tx1"/>
-                </a:solidFill>
-                <a:latin typeface="Calibri" panose="020F0502020204030204" pitchFamily="34" charset="0"/>
-              </a:defRPr>
-            </a:lvl3pPr>
-            <a:lvl4pPr marL="1600200" indent="-228600">
-              <a:spcBef>
-                <a:spcPct val="20000"/>
-              </a:spcBef>
-              <a:buFont typeface="Arial" panose="020B0604020202020204" pitchFamily="34" charset="0"/>
-              <a:buChar char="–"/>
-              <a:defRPr sz="2000">
-                <a:solidFill>
-                  <a:schemeClr val="tx1"/>
-                </a:solidFill>
-                <a:latin typeface="Calibri" panose="020F0502020204030204" pitchFamily="34" charset="0"/>
-              </a:defRPr>
-            </a:lvl4pPr>
-            <a:lvl5pPr marL="2057400" indent="-228600">
-              <a:spcBef>
-                <a:spcPct val="20000"/>
-              </a:spcBef>
-              <a:buFont typeface="Arial" panose="020B0604020202020204" pitchFamily="34" charset="0"/>
-              <a:buChar char="»"/>
-              <a:defRPr sz="2000">
-                <a:solidFill>
-                  <a:schemeClr val="tx1"/>
-                </a:solidFill>
-                <a:latin typeface="Calibri" panose="020F0502020204030204" pitchFamily="34" charset="0"/>
-              </a:defRPr>
-            </a:lvl5pPr>
-            <a:lvl6pPr marL="2514600" indent="-228600" eaLnBrk="0" fontAlgn="base" hangingPunct="0">
-              <a:spcBef>
-                <a:spcPct val="20000"/>
-              </a:spcBef>
-              <a:spcAft>
-                <a:spcPct val="0"/>
-              </a:spcAft>
-              <a:buFont typeface="Arial" panose="020B0604020202020204" pitchFamily="34" charset="0"/>
-              <a:buChar char="»"/>
-              <a:defRPr sz="2000">
-                <a:solidFill>
-                  <a:schemeClr val="tx1"/>
-                </a:solidFill>
-                <a:latin typeface="Calibri" panose="020F0502020204030204" pitchFamily="34" charset="0"/>
-              </a:defRPr>
-            </a:lvl6pPr>
-            <a:lvl7pPr marL="2971800" indent="-228600" eaLnBrk="0" fontAlgn="base" hangingPunct="0">
-              <a:spcBef>
-                <a:spcPct val="20000"/>
-              </a:spcBef>
-              <a:spcAft>
-                <a:spcPct val="0"/>
-              </a:spcAft>
-              <a:buFont typeface="Arial" panose="020B0604020202020204" pitchFamily="34" charset="0"/>
-              <a:buChar char="»"/>
-              <a:defRPr sz="2000">
-                <a:solidFill>
-                  <a:schemeClr val="tx1"/>
-                </a:solidFill>
-                <a:latin typeface="Calibri" panose="020F0502020204030204" pitchFamily="34" charset="0"/>
-              </a:defRPr>
-            </a:lvl7pPr>
-            <a:lvl8pPr marL="3429000" indent="-228600" eaLnBrk="0" fontAlgn="base" hangingPunct="0">
-              <a:spcBef>
-                <a:spcPct val="20000"/>
-              </a:spcBef>
-              <a:spcAft>
-                <a:spcPct val="0"/>
-              </a:spcAft>
-              <a:buFont typeface="Arial" panose="020B0604020202020204" pitchFamily="34" charset="0"/>
-              <a:buChar char="»"/>
-              <a:defRPr sz="2000">
-                <a:solidFill>
-                  <a:schemeClr val="tx1"/>
-                </a:solidFill>
-                <a:latin typeface="Calibri" panose="020F0502020204030204" pitchFamily="34" charset="0"/>
-              </a:defRPr>
-            </a:lvl8pPr>
-            <a:lvl9pPr marL="3886200" indent="-228600" eaLnBrk="0" fontAlgn="base" hangingPunct="0">
-              <a:spcBef>
-                <a:spcPct val="20000"/>
-              </a:spcBef>
-              <a:spcAft>
-                <a:spcPct val="0"/>
-              </a:spcAft>
-              <a:buFont typeface="Arial" panose="020B0604020202020204" pitchFamily="34" charset="0"/>
-              <a:buChar char="»"/>
-              <a:defRPr sz="2000">
-                <a:solidFill>
-                  <a:schemeClr val="tx1"/>
-                </a:solidFill>
-                <a:latin typeface="Calibri" panose="020F0502020204030204" pitchFamily="34" charset="0"/>
-              </a:defRPr>
-            </a:lvl9pPr>
-          </a:lstStyle>
-          <a:p>
-            <a:pPr>
-              <a:spcBef>
-                <a:spcPct val="0"/>
-              </a:spcBef>
-              <a:buFontTx/>
-              <a:buNone/>
-            </a:pPr>
-            <a:r>
-              <a:rPr lang="es-CU" altLang="es-CU" sz="1800" dirty="0">
-                <a:solidFill>
-                  <a:srgbClr val="000000"/>
-                </a:solidFill>
+            <a:ln>
+              <a:noFill/>
+            </a:ln>
+            <a:extLst>
+              <a:ext uri="{909E8E84-426E-40DD-AFC4-6F175D3DCCD1}">
+                <a14:hiddenFill xmlns:a14="http://schemas.microsoft.com/office/drawing/2010/main">
+                  <a:solidFill>
+                    <a:srgbClr val="FFFFFF"/>
+                  </a:solidFill>
+                </a14:hiddenFill>
+              </a:ext>
+              <a:ext uri="{91240B29-F687-4F45-9708-019B960494DF}">
+                <a14:hiddenLine xmlns:a14="http://schemas.microsoft.com/office/drawing/2010/main" w="9525">
+                  <a:solidFill>
+                    <a:srgbClr val="000000"/>
+                  </a:solidFill>
+                  <a:miter lim="800000"/>
+                  <a:headEnd/>
+                  <a:tailEnd/>
+                </a14:hiddenLine>
+              </a:ext>
+            </a:extLst>
+          </p:spPr>
+          <p:txBody>
+            <a:bodyPr wrap="none">
+              <a:spAutoFit/>
+            </a:bodyPr>
+            <a:lstStyle>
+              <a:lvl1pPr>
+                <a:spcBef>
+                  <a:spcPct val="20000"/>
+                </a:spcBef>
+                <a:buFont typeface="Arial" panose="020B0604020202020204" pitchFamily="34" charset="0"/>
+                <a:buChar char="•"/>
+                <a:defRPr sz="3200">
+                  <a:solidFill>
+                    <a:schemeClr val="tx1"/>
+                  </a:solidFill>
+                  <a:latin typeface="Calibri" panose="020F0502020204030204" pitchFamily="34" charset="0"/>
+                </a:defRPr>
+              </a:lvl1pPr>
+              <a:lvl2pPr marL="742950" indent="-285750">
+                <a:spcBef>
+                  <a:spcPct val="20000"/>
+                </a:spcBef>
+                <a:buFont typeface="Arial" panose="020B0604020202020204" pitchFamily="34" charset="0"/>
+                <a:buChar char="–"/>
+                <a:defRPr sz="2800">
+                  <a:solidFill>
+                    <a:schemeClr val="tx1"/>
+                  </a:solidFill>
+                  <a:latin typeface="Calibri" panose="020F0502020204030204" pitchFamily="34" charset="0"/>
+                </a:defRPr>
+              </a:lvl2pPr>
+              <a:lvl3pPr marL="1143000" indent="-228600">
+                <a:spcBef>
+                  <a:spcPct val="20000"/>
+                </a:spcBef>
+                <a:buFont typeface="Arial" panose="020B0604020202020204" pitchFamily="34" charset="0"/>
+                <a:buChar char="•"/>
+                <a:defRPr sz="2400">
+                  <a:solidFill>
+                    <a:schemeClr val="tx1"/>
+                  </a:solidFill>
+                  <a:latin typeface="Calibri" panose="020F0502020204030204" pitchFamily="34" charset="0"/>
+                </a:defRPr>
+              </a:lvl3pPr>
+              <a:lvl4pPr marL="1600200" indent="-228600">
+                <a:spcBef>
+                  <a:spcPct val="20000"/>
+                </a:spcBef>
+                <a:buFont typeface="Arial" panose="020B0604020202020204" pitchFamily="34" charset="0"/>
+                <a:buChar char="–"/>
+                <a:defRPr sz="2000">
+                  <a:solidFill>
+                    <a:schemeClr val="tx1"/>
+                  </a:solidFill>
+                  <a:latin typeface="Calibri" panose="020F0502020204030204" pitchFamily="34" charset="0"/>
+                </a:defRPr>
+              </a:lvl4pPr>
+              <a:lvl5pPr marL="2057400" indent="-228600">
+                <a:spcBef>
+                  <a:spcPct val="20000"/>
+                </a:spcBef>
+                <a:buFont typeface="Arial" panose="020B0604020202020204" pitchFamily="34" charset="0"/>
+                <a:buChar char="»"/>
+                <a:defRPr sz="2000">
+                  <a:solidFill>
+                    <a:schemeClr val="tx1"/>
+                  </a:solidFill>
+                  <a:latin typeface="Calibri" panose="020F0502020204030204" pitchFamily="34" charset="0"/>
+                </a:defRPr>
+              </a:lvl5pPr>
+              <a:lvl6pPr marL="2514600" indent="-228600" eaLnBrk="0" fontAlgn="base" hangingPunct="0">
+                <a:spcBef>
+                  <a:spcPct val="20000"/>
+                </a:spcBef>
+                <a:spcAft>
+                  <a:spcPct val="0"/>
+                </a:spcAft>
+                <a:buFont typeface="Arial" panose="020B0604020202020204" pitchFamily="34" charset="0"/>
+                <a:buChar char="»"/>
+                <a:defRPr sz="2000">
+                  <a:solidFill>
+                    <a:schemeClr val="tx1"/>
+                  </a:solidFill>
+                  <a:latin typeface="Calibri" panose="020F0502020204030204" pitchFamily="34" charset="0"/>
+                </a:defRPr>
+              </a:lvl6pPr>
+              <a:lvl7pPr marL="2971800" indent="-228600" eaLnBrk="0" fontAlgn="base" hangingPunct="0">
+                <a:spcBef>
+                  <a:spcPct val="20000"/>
+                </a:spcBef>
+                <a:spcAft>
+                  <a:spcPct val="0"/>
+                </a:spcAft>
+                <a:buFont typeface="Arial" panose="020B0604020202020204" pitchFamily="34" charset="0"/>
+                <a:buChar char="»"/>
+                <a:defRPr sz="2000">
+                  <a:solidFill>
+                    <a:schemeClr val="tx1"/>
+                  </a:solidFill>
+                  <a:latin typeface="Calibri" panose="020F0502020204030204" pitchFamily="34" charset="0"/>
+                </a:defRPr>
+              </a:lvl7pPr>
+              <a:lvl8pPr marL="3429000" indent="-228600" eaLnBrk="0" fontAlgn="base" hangingPunct="0">
+                <a:spcBef>
+                  <a:spcPct val="20000"/>
+                </a:spcBef>
+                <a:spcAft>
+                  <a:spcPct val="0"/>
+                </a:spcAft>
+                <a:buFont typeface="Arial" panose="020B0604020202020204" pitchFamily="34" charset="0"/>
+                <a:buChar char="»"/>
+                <a:defRPr sz="2000">
+                  <a:solidFill>
+                    <a:schemeClr val="tx1"/>
+                  </a:solidFill>
+                  <a:latin typeface="Calibri" panose="020F0502020204030204" pitchFamily="34" charset="0"/>
+                </a:defRPr>
+              </a:lvl8pPr>
+              <a:lvl9pPr marL="3886200" indent="-228600" eaLnBrk="0" fontAlgn="base" hangingPunct="0">
+                <a:spcBef>
+                  <a:spcPct val="20000"/>
+                </a:spcBef>
+                <a:spcAft>
+                  <a:spcPct val="0"/>
+                </a:spcAft>
+                <a:buFont typeface="Arial" panose="020B0604020202020204" pitchFamily="34" charset="0"/>
+                <a:buChar char="»"/>
+                <a:defRPr sz="2000">
+                  <a:solidFill>
+                    <a:schemeClr val="tx1"/>
+                  </a:solidFill>
+                  <a:latin typeface="Calibri" panose="020F0502020204030204" pitchFamily="34" charset="0"/>
+                </a:defRPr>
+              </a:lvl9pPr>
+            </a:lstStyle>
+            <a:p>
+              <a:pPr>
+                <a:spcBef>
+                  <a:spcPct val="0"/>
+                </a:spcBef>
+                <a:buFontTx/>
+                <a:buNone/>
+              </a:pPr>
+              <a:r>
+                <a:rPr lang="es-CU" altLang="es-CU" sz="1800" dirty="0">
+                  <a:solidFill>
+                    <a:srgbClr val="000000"/>
+                  </a:solidFill>
+                  <a:latin typeface="Arial" panose="020B0604020202020204" pitchFamily="34" charset="0"/>
+                </a:rPr>
+                <a:t>3.8.0</a:t>
+              </a:r>
+              <a:endParaRPr lang="es-CU" altLang="es-CU" sz="1800" dirty="0">
                 <a:latin typeface="Arial" panose="020B0604020202020204" pitchFamily="34" charset="0"/>
-              </a:rPr>
-              <a:t>3.8.0</a:t>
-            </a:r>
-            <a:endParaRPr lang="es-CU" altLang="es-CU" sz="1800" dirty="0">
-              <a:latin typeface="Arial" panose="020B0604020202020204" pitchFamily="34" charset="0"/>
-            </a:endParaRPr>
-          </a:p>
-        </p:txBody>
-      </p:sp>
-      <p:sp>
-        <p:nvSpPr>
-          <p:cNvPr id="9" name="Rectángulo 2">
+              </a:endParaRPr>
+            </a:p>
+          </p:txBody>
+        </p:sp>
+      </p:grpSp>
+      <p:grpSp>
+        <p:nvGrpSpPr>
+          <p:cNvPr id="16" name="Grupo 15">
             <a:extLst>
               <a:ext uri="{FF2B5EF4-FFF2-40B4-BE49-F238E27FC236}">
-                <a16:creationId xmlns:a16="http://schemas.microsoft.com/office/drawing/2014/main" id="{C011A753-56DC-DE82-4A4A-89908A184ABB}"/>
+                <a16:creationId xmlns:a16="http://schemas.microsoft.com/office/drawing/2014/main" id="{AC675A8E-2322-DBA0-46EF-F7FDF2203AFC}"/>
               </a:ext>
             </a:extLst>
           </p:cNvPr>
-          <p:cNvSpPr>
-            <a:spLocks noChangeArrowheads="1"/>
-          </p:cNvSpPr>
+          <p:cNvGrpSpPr/>
           <p:nvPr/>
-        </p:nvSpPr>
-        <p:spPr bwMode="auto">
+        </p:nvGrpSpPr>
+        <p:grpSpPr>
           <a:xfrm>
-            <a:off x="9197843" y="2744502"/>
-            <a:ext cx="697627" cy="369332"/>
+            <a:off x="9370330" y="2182509"/>
+            <a:ext cx="2023863" cy="1163638"/>
+            <a:chOff x="7871607" y="1977235"/>
+            <a:chExt cx="2023863" cy="1163638"/>
           </a:xfrm>
-          <a:prstGeom prst="rect">
-            <a:avLst/>
-          </a:prstGeom>
-          <a:noFill/>
-          <a:ln>
+        </p:grpSpPr>
+        <p:pic>
+          <p:nvPicPr>
+            <p:cNvPr id="5" name="Imagen 8">
+              <a:extLst>
+                <a:ext uri="{FF2B5EF4-FFF2-40B4-BE49-F238E27FC236}">
+                  <a16:creationId xmlns:a16="http://schemas.microsoft.com/office/drawing/2014/main" id="{F87AB91A-473B-8C3A-8FD4-0EC6AA1E2CF1}"/>
+                </a:ext>
+              </a:extLst>
+            </p:cNvPr>
+            <p:cNvPicPr>
+              <a:picLocks noChangeAspect="1" noChangeArrowheads="1"/>
+            </p:cNvPicPr>
+            <p:nvPr/>
+          </p:nvPicPr>
+          <p:blipFill>
+            <a:blip r:embed="rId4">
+              <a:extLst>
+                <a:ext uri="{28A0092B-C50C-407E-A947-70E740481C1C}">
+                  <a14:useLocalDpi xmlns:a14="http://schemas.microsoft.com/office/drawing/2010/main" val="0"/>
+                </a:ext>
+              </a:extLst>
+            </a:blip>
+            <a:srcRect/>
+            <a:stretch>
+              <a:fillRect/>
+            </a:stretch>
+          </p:blipFill>
+          <p:spPr bwMode="auto">
+            <a:xfrm>
+              <a:off x="7871607" y="1977235"/>
+              <a:ext cx="1162050" cy="1163638"/>
+            </a:xfrm>
+            <a:prstGeom prst="rect">
+              <a:avLst/>
+            </a:prstGeom>
+            <a:ln w="38100" cap="sq">
+              <a:solidFill>
+                <a:srgbClr val="000000"/>
+              </a:solidFill>
+              <a:prstDash val="solid"/>
+              <a:miter lim="800000"/>
+            </a:ln>
+            <a:effectLst>
+              <a:outerShdw blurRad="50800" dist="38100" dir="2700000" algn="tl" rotWithShape="0">
+                <a:srgbClr val="000000">
+                  <a:alpha val="43000"/>
+                </a:srgbClr>
+              </a:outerShdw>
+            </a:effectLst>
+            <a:extLst>
+              <a:ext uri="{909E8E84-426E-40DD-AFC4-6F175D3DCCD1}">
+                <a14:hiddenFill xmlns:a14="http://schemas.microsoft.com/office/drawing/2010/main">
+                  <a:solidFill>
+                    <a:srgbClr val="FFFFFF"/>
+                  </a:solidFill>
+                </a14:hiddenFill>
+              </a:ext>
+            </a:extLst>
+          </p:spPr>
+        </p:pic>
+        <p:sp>
+          <p:nvSpPr>
+            <p:cNvPr id="9" name="Rectángulo 2">
+              <a:extLst>
+                <a:ext uri="{FF2B5EF4-FFF2-40B4-BE49-F238E27FC236}">
+                  <a16:creationId xmlns:a16="http://schemas.microsoft.com/office/drawing/2014/main" id="{C011A753-56DC-DE82-4A4A-89908A184ABB}"/>
+                </a:ext>
+              </a:extLst>
+            </p:cNvPr>
+            <p:cNvSpPr>
+              <a:spLocks noChangeArrowheads="1"/>
+            </p:cNvSpPr>
+            <p:nvPr/>
+          </p:nvSpPr>
+          <p:spPr bwMode="auto">
+            <a:xfrm>
+              <a:off x="9197843" y="2744502"/>
+              <a:ext cx="697627" cy="369332"/>
+            </a:xfrm>
+            <a:prstGeom prst="rect">
+              <a:avLst/>
+            </a:prstGeom>
             <a:noFill/>
-          </a:ln>
-          <a:extLst>
-            <a:ext uri="{909E8E84-426E-40DD-AFC4-6F175D3DCCD1}">
-              <a14:hiddenFill xmlns:a14="http://schemas.microsoft.com/office/drawing/2010/main">
-                <a:solidFill>
-                  <a:srgbClr val="FFFFFF"/>
-                </a:solidFill>
-              </a14:hiddenFill>
-            </a:ext>
-            <a:ext uri="{91240B29-F687-4F45-9708-019B960494DF}">
-              <a14:hiddenLine xmlns:a14="http://schemas.microsoft.com/office/drawing/2010/main" w="9525">
-                <a:solidFill>
-                  <a:srgbClr val="000000"/>
-                </a:solidFill>
-                <a:miter lim="800000"/>
-                <a:headEnd/>
-                <a:tailEnd/>
-              </a14:hiddenLine>
-            </a:ext>
-          </a:extLst>
-        </p:spPr>
-        <p:txBody>
-          <a:bodyPr wrap="none">
-            <a:spAutoFit/>
-          </a:bodyPr>
-          <a:lstStyle>
-            <a:lvl1pPr>
-              <a:spcBef>
-                <a:spcPct val="20000"/>
-              </a:spcBef>
-              <a:buFont typeface="Arial" panose="020B0604020202020204" pitchFamily="34" charset="0"/>
-              <a:buChar char="•"/>
-              <a:defRPr sz="3200">
-                <a:solidFill>
-                  <a:schemeClr val="tx1"/>
-                </a:solidFill>
-                <a:latin typeface="Calibri" panose="020F0502020204030204" pitchFamily="34" charset="0"/>
-              </a:defRPr>
-            </a:lvl1pPr>
-            <a:lvl2pPr marL="742950" indent="-285750">
-              <a:spcBef>
-                <a:spcPct val="20000"/>
-              </a:spcBef>
-              <a:buFont typeface="Arial" panose="020B0604020202020204" pitchFamily="34" charset="0"/>
-              <a:buChar char="–"/>
-              <a:defRPr sz="2800">
-                <a:solidFill>
-                  <a:schemeClr val="tx1"/>
-                </a:solidFill>
-                <a:latin typeface="Calibri" panose="020F0502020204030204" pitchFamily="34" charset="0"/>
-              </a:defRPr>
-            </a:lvl2pPr>
-            <a:lvl3pPr marL="1143000" indent="-228600">
-              <a:spcBef>
-                <a:spcPct val="20000"/>
-              </a:spcBef>
-              <a:buFont typeface="Arial" panose="020B0604020202020204" pitchFamily="34" charset="0"/>
-              <a:buChar char="•"/>
-              <a:defRPr sz="2400">
-                <a:solidFill>
-                  <a:schemeClr val="tx1"/>
-                </a:solidFill>
-                <a:latin typeface="Calibri" panose="020F0502020204030204" pitchFamily="34" charset="0"/>
-              </a:defRPr>
-            </a:lvl3pPr>
-            <a:lvl4pPr marL="1600200" indent="-228600">
-              <a:spcBef>
-                <a:spcPct val="20000"/>
-              </a:spcBef>
-              <a:buFont typeface="Arial" panose="020B0604020202020204" pitchFamily="34" charset="0"/>
-              <a:buChar char="–"/>
-              <a:defRPr sz="2000">
-                <a:solidFill>
-                  <a:schemeClr val="tx1"/>
-                </a:solidFill>
-                <a:latin typeface="Calibri" panose="020F0502020204030204" pitchFamily="34" charset="0"/>
-              </a:defRPr>
-            </a:lvl4pPr>
-            <a:lvl5pPr marL="2057400" indent="-228600">
-              <a:spcBef>
-                <a:spcPct val="20000"/>
-              </a:spcBef>
-              <a:buFont typeface="Arial" panose="020B0604020202020204" pitchFamily="34" charset="0"/>
-              <a:buChar char="»"/>
-              <a:defRPr sz="2000">
-                <a:solidFill>
-                  <a:schemeClr val="tx1"/>
-                </a:solidFill>
-                <a:latin typeface="Calibri" panose="020F0502020204030204" pitchFamily="34" charset="0"/>
-              </a:defRPr>
-            </a:lvl5pPr>
-            <a:lvl6pPr marL="2514600" indent="-228600" eaLnBrk="0" fontAlgn="base" hangingPunct="0">
-              <a:spcBef>
-                <a:spcPct val="20000"/>
-              </a:spcBef>
-              <a:spcAft>
-                <a:spcPct val="0"/>
-              </a:spcAft>
-              <a:buFont typeface="Arial" panose="020B0604020202020204" pitchFamily="34" charset="0"/>
-              <a:buChar char="»"/>
-              <a:defRPr sz="2000">
-                <a:solidFill>
-                  <a:schemeClr val="tx1"/>
-                </a:solidFill>
-                <a:latin typeface="Calibri" panose="020F0502020204030204" pitchFamily="34" charset="0"/>
-              </a:defRPr>
-            </a:lvl6pPr>
-            <a:lvl7pPr marL="2971800" indent="-228600" eaLnBrk="0" fontAlgn="base" hangingPunct="0">
-              <a:spcBef>
-                <a:spcPct val="20000"/>
-              </a:spcBef>
-              <a:spcAft>
-                <a:spcPct val="0"/>
-              </a:spcAft>
-              <a:buFont typeface="Arial" panose="020B0604020202020204" pitchFamily="34" charset="0"/>
-              <a:buChar char="»"/>
-              <a:defRPr sz="2000">
-                <a:solidFill>
-                  <a:schemeClr val="tx1"/>
-                </a:solidFill>
-                <a:latin typeface="Calibri" panose="020F0502020204030204" pitchFamily="34" charset="0"/>
-              </a:defRPr>
-            </a:lvl7pPr>
-            <a:lvl8pPr marL="3429000" indent="-228600" eaLnBrk="0" fontAlgn="base" hangingPunct="0">
-              <a:spcBef>
-                <a:spcPct val="20000"/>
-              </a:spcBef>
-              <a:spcAft>
-                <a:spcPct val="0"/>
-              </a:spcAft>
-              <a:buFont typeface="Arial" panose="020B0604020202020204" pitchFamily="34" charset="0"/>
-              <a:buChar char="»"/>
-              <a:defRPr sz="2000">
-                <a:solidFill>
-                  <a:schemeClr val="tx1"/>
-                </a:solidFill>
-                <a:latin typeface="Calibri" panose="020F0502020204030204" pitchFamily="34" charset="0"/>
-              </a:defRPr>
-            </a:lvl8pPr>
-            <a:lvl9pPr marL="3886200" indent="-228600" eaLnBrk="0" fontAlgn="base" hangingPunct="0">
-              <a:spcBef>
-                <a:spcPct val="20000"/>
-              </a:spcBef>
-              <a:spcAft>
-                <a:spcPct val="0"/>
-              </a:spcAft>
-              <a:buFont typeface="Arial" panose="020B0604020202020204" pitchFamily="34" charset="0"/>
-              <a:buChar char="»"/>
-              <a:defRPr sz="2000">
-                <a:solidFill>
-                  <a:schemeClr val="tx1"/>
-                </a:solidFill>
-                <a:latin typeface="Calibri" panose="020F0502020204030204" pitchFamily="34" charset="0"/>
-              </a:defRPr>
-            </a:lvl9pPr>
-          </a:lstStyle>
-          <a:p>
-            <a:pPr>
-              <a:spcBef>
-                <a:spcPct val="0"/>
-              </a:spcBef>
-              <a:buFontTx/>
-              <a:buNone/>
-            </a:pPr>
-            <a:r>
-              <a:rPr lang="es-CU" altLang="es-CU" sz="1800" dirty="0">
-                <a:solidFill>
-                  <a:srgbClr val="000000"/>
-                </a:solidFill>
-                <a:latin typeface="Arial" panose="020B0604020202020204" pitchFamily="34" charset="0"/>
-              </a:rPr>
-              <a:t>2021</a:t>
-            </a:r>
-          </a:p>
-        </p:txBody>
-      </p:sp>
+            <a:ln>
+              <a:noFill/>
+            </a:ln>
+            <a:extLst>
+              <a:ext uri="{909E8E84-426E-40DD-AFC4-6F175D3DCCD1}">
+                <a14:hiddenFill xmlns:a14="http://schemas.microsoft.com/office/drawing/2010/main">
+                  <a:solidFill>
+                    <a:srgbClr val="FFFFFF"/>
+                  </a:solidFill>
+                </a14:hiddenFill>
+              </a:ext>
+              <a:ext uri="{91240B29-F687-4F45-9708-019B960494DF}">
+                <a14:hiddenLine xmlns:a14="http://schemas.microsoft.com/office/drawing/2010/main" w="9525">
+                  <a:solidFill>
+                    <a:srgbClr val="000000"/>
+                  </a:solidFill>
+                  <a:miter lim="800000"/>
+                  <a:headEnd/>
+                  <a:tailEnd/>
+                </a14:hiddenLine>
+              </a:ext>
+            </a:extLst>
+          </p:spPr>
+          <p:txBody>
+            <a:bodyPr wrap="none">
+              <a:spAutoFit/>
+            </a:bodyPr>
+            <a:lstStyle>
+              <a:lvl1pPr>
+                <a:spcBef>
+                  <a:spcPct val="20000"/>
+                </a:spcBef>
+                <a:buFont typeface="Arial" panose="020B0604020202020204" pitchFamily="34" charset="0"/>
+                <a:buChar char="•"/>
+                <a:defRPr sz="3200">
+                  <a:solidFill>
+                    <a:schemeClr val="tx1"/>
+                  </a:solidFill>
+                  <a:latin typeface="Calibri" panose="020F0502020204030204" pitchFamily="34" charset="0"/>
+                </a:defRPr>
+              </a:lvl1pPr>
+              <a:lvl2pPr marL="742950" indent="-285750">
+                <a:spcBef>
+                  <a:spcPct val="20000"/>
+                </a:spcBef>
+                <a:buFont typeface="Arial" panose="020B0604020202020204" pitchFamily="34" charset="0"/>
+                <a:buChar char="–"/>
+                <a:defRPr sz="2800">
+                  <a:solidFill>
+                    <a:schemeClr val="tx1"/>
+                  </a:solidFill>
+                  <a:latin typeface="Calibri" panose="020F0502020204030204" pitchFamily="34" charset="0"/>
+                </a:defRPr>
+              </a:lvl2pPr>
+              <a:lvl3pPr marL="1143000" indent="-228600">
+                <a:spcBef>
+                  <a:spcPct val="20000"/>
+                </a:spcBef>
+                <a:buFont typeface="Arial" panose="020B0604020202020204" pitchFamily="34" charset="0"/>
+                <a:buChar char="•"/>
+                <a:defRPr sz="2400">
+                  <a:solidFill>
+                    <a:schemeClr val="tx1"/>
+                  </a:solidFill>
+                  <a:latin typeface="Calibri" panose="020F0502020204030204" pitchFamily="34" charset="0"/>
+                </a:defRPr>
+              </a:lvl3pPr>
+              <a:lvl4pPr marL="1600200" indent="-228600">
+                <a:spcBef>
+                  <a:spcPct val="20000"/>
+                </a:spcBef>
+                <a:buFont typeface="Arial" panose="020B0604020202020204" pitchFamily="34" charset="0"/>
+                <a:buChar char="–"/>
+                <a:defRPr sz="2000">
+                  <a:solidFill>
+                    <a:schemeClr val="tx1"/>
+                  </a:solidFill>
+                  <a:latin typeface="Calibri" panose="020F0502020204030204" pitchFamily="34" charset="0"/>
+                </a:defRPr>
+              </a:lvl4pPr>
+              <a:lvl5pPr marL="2057400" indent="-228600">
+                <a:spcBef>
+                  <a:spcPct val="20000"/>
+                </a:spcBef>
+                <a:buFont typeface="Arial" panose="020B0604020202020204" pitchFamily="34" charset="0"/>
+                <a:buChar char="»"/>
+                <a:defRPr sz="2000">
+                  <a:solidFill>
+                    <a:schemeClr val="tx1"/>
+                  </a:solidFill>
+                  <a:latin typeface="Calibri" panose="020F0502020204030204" pitchFamily="34" charset="0"/>
+                </a:defRPr>
+              </a:lvl5pPr>
+              <a:lvl6pPr marL="2514600" indent="-228600" eaLnBrk="0" fontAlgn="base" hangingPunct="0">
+                <a:spcBef>
+                  <a:spcPct val="20000"/>
+                </a:spcBef>
+                <a:spcAft>
+                  <a:spcPct val="0"/>
+                </a:spcAft>
+                <a:buFont typeface="Arial" panose="020B0604020202020204" pitchFamily="34" charset="0"/>
+                <a:buChar char="»"/>
+                <a:defRPr sz="2000">
+                  <a:solidFill>
+                    <a:schemeClr val="tx1"/>
+                  </a:solidFill>
+                  <a:latin typeface="Calibri" panose="020F0502020204030204" pitchFamily="34" charset="0"/>
+                </a:defRPr>
+              </a:lvl6pPr>
+              <a:lvl7pPr marL="2971800" indent="-228600" eaLnBrk="0" fontAlgn="base" hangingPunct="0">
+                <a:spcBef>
+                  <a:spcPct val="20000"/>
+                </a:spcBef>
+                <a:spcAft>
+                  <a:spcPct val="0"/>
+                </a:spcAft>
+                <a:buFont typeface="Arial" panose="020B0604020202020204" pitchFamily="34" charset="0"/>
+                <a:buChar char="»"/>
+                <a:defRPr sz="2000">
+                  <a:solidFill>
+                    <a:schemeClr val="tx1"/>
+                  </a:solidFill>
+                  <a:latin typeface="Calibri" panose="020F0502020204030204" pitchFamily="34" charset="0"/>
+                </a:defRPr>
+              </a:lvl7pPr>
+              <a:lvl8pPr marL="3429000" indent="-228600" eaLnBrk="0" fontAlgn="base" hangingPunct="0">
+                <a:spcBef>
+                  <a:spcPct val="20000"/>
+                </a:spcBef>
+                <a:spcAft>
+                  <a:spcPct val="0"/>
+                </a:spcAft>
+                <a:buFont typeface="Arial" panose="020B0604020202020204" pitchFamily="34" charset="0"/>
+                <a:buChar char="»"/>
+                <a:defRPr sz="2000">
+                  <a:solidFill>
+                    <a:schemeClr val="tx1"/>
+                  </a:solidFill>
+                  <a:latin typeface="Calibri" panose="020F0502020204030204" pitchFamily="34" charset="0"/>
+                </a:defRPr>
+              </a:lvl8pPr>
+              <a:lvl9pPr marL="3886200" indent="-228600" eaLnBrk="0" fontAlgn="base" hangingPunct="0">
+                <a:spcBef>
+                  <a:spcPct val="20000"/>
+                </a:spcBef>
+                <a:spcAft>
+                  <a:spcPct val="0"/>
+                </a:spcAft>
+                <a:buFont typeface="Arial" panose="020B0604020202020204" pitchFamily="34" charset="0"/>
+                <a:buChar char="»"/>
+                <a:defRPr sz="2000">
+                  <a:solidFill>
+                    <a:schemeClr val="tx1"/>
+                  </a:solidFill>
+                  <a:latin typeface="Calibri" panose="020F0502020204030204" pitchFamily="34" charset="0"/>
+                </a:defRPr>
+              </a:lvl9pPr>
+            </a:lstStyle>
+            <a:p>
+              <a:pPr>
+                <a:spcBef>
+                  <a:spcPct val="0"/>
+                </a:spcBef>
+                <a:buFontTx/>
+                <a:buNone/>
+              </a:pPr>
+              <a:r>
+                <a:rPr lang="es-CU" altLang="es-CU" sz="1800" dirty="0">
+                  <a:solidFill>
+                    <a:srgbClr val="000000"/>
+                  </a:solidFill>
+                  <a:latin typeface="Arial" panose="020B0604020202020204" pitchFamily="34" charset="0"/>
+                </a:rPr>
+                <a:t>2021</a:t>
+              </a:r>
+            </a:p>
+          </p:txBody>
+        </p:sp>
+      </p:grpSp>
       <p:sp>
         <p:nvSpPr>
           <p:cNvPr id="10" name="Rectángulo 3">
@@ -7844,7 +8260,7 @@
         </p:nvSpPr>
         <p:spPr bwMode="auto">
           <a:xfrm>
-            <a:off x="1787285" y="1977235"/>
+            <a:off x="361846" y="2035605"/>
             <a:ext cx="3288080" cy="369332"/>
           </a:xfrm>
           <a:prstGeom prst="rect">
@@ -8062,216 +8478,572 @@
           </a:p>
         </p:txBody>
       </p:sp>
-      <p:sp>
-        <p:nvSpPr>
-          <p:cNvPr id="11" name="Rectángulo 1">
+      <p:grpSp>
+        <p:nvGrpSpPr>
+          <p:cNvPr id="13" name="Grupo 12">
             <a:extLst>
               <a:ext uri="{FF2B5EF4-FFF2-40B4-BE49-F238E27FC236}">
-                <a16:creationId xmlns:a16="http://schemas.microsoft.com/office/drawing/2014/main" id="{209A1363-5683-83C8-2F34-745AF1BCEE1D}"/>
+                <a16:creationId xmlns:a16="http://schemas.microsoft.com/office/drawing/2014/main" id="{13B56280-F54F-2CD2-E3E1-C648BE5B91C6}"/>
               </a:ext>
             </a:extLst>
           </p:cNvPr>
-          <p:cNvSpPr>
-            <a:spLocks noChangeArrowheads="1"/>
-          </p:cNvSpPr>
+          <p:cNvGrpSpPr/>
           <p:nvPr/>
-        </p:nvSpPr>
-        <p:spPr bwMode="auto">
+        </p:nvGrpSpPr>
+        <p:grpSpPr>
           <a:xfrm>
-            <a:off x="10627683" y="5007094"/>
-            <a:ext cx="697627" cy="369332"/>
+            <a:off x="8734251" y="4261302"/>
+            <a:ext cx="3357569" cy="1485900"/>
+            <a:chOff x="7967741" y="3890526"/>
+            <a:chExt cx="3357569" cy="1485900"/>
           </a:xfrm>
-          <a:prstGeom prst="rect">
-            <a:avLst/>
-          </a:prstGeom>
-          <a:noFill/>
-          <a:ln>
+        </p:grpSpPr>
+        <p:pic>
+          <p:nvPicPr>
+            <p:cNvPr id="6" name="Imagen 9">
+              <a:extLst>
+                <a:ext uri="{FF2B5EF4-FFF2-40B4-BE49-F238E27FC236}">
+                  <a16:creationId xmlns:a16="http://schemas.microsoft.com/office/drawing/2014/main" id="{982E4272-6C2D-106F-CEC7-7CABA7F4460B}"/>
+                </a:ext>
+              </a:extLst>
+            </p:cNvPr>
+            <p:cNvPicPr>
+              <a:picLocks noChangeAspect="1" noChangeArrowheads="1"/>
+            </p:cNvPicPr>
+            <p:nvPr/>
+          </p:nvPicPr>
+          <p:blipFill>
+            <a:blip r:embed="rId5">
+              <a:extLst>
+                <a:ext uri="{28A0092B-C50C-407E-A947-70E740481C1C}">
+                  <a14:useLocalDpi xmlns:a14="http://schemas.microsoft.com/office/drawing/2010/main" val="0"/>
+                </a:ext>
+              </a:extLst>
+            </a:blip>
+            <a:srcRect/>
+            <a:stretch>
+              <a:fillRect/>
+            </a:stretch>
+          </p:blipFill>
+          <p:spPr bwMode="auto">
+            <a:xfrm>
+              <a:off x="7967741" y="3890526"/>
+              <a:ext cx="2512476" cy="1485900"/>
+            </a:xfrm>
+            <a:prstGeom prst="rect">
+              <a:avLst/>
+            </a:prstGeom>
+            <a:ln w="38100" cap="sq">
+              <a:solidFill>
+                <a:srgbClr val="000000"/>
+              </a:solidFill>
+              <a:prstDash val="solid"/>
+              <a:miter lim="800000"/>
+            </a:ln>
+            <a:effectLst>
+              <a:outerShdw blurRad="50800" dist="38100" dir="2700000" algn="tl" rotWithShape="0">
+                <a:srgbClr val="000000">
+                  <a:alpha val="43000"/>
+                </a:srgbClr>
+              </a:outerShdw>
+            </a:effectLst>
+            <a:extLst>
+              <a:ext uri="{909E8E84-426E-40DD-AFC4-6F175D3DCCD1}">
+                <a14:hiddenFill xmlns:a14="http://schemas.microsoft.com/office/drawing/2010/main">
+                  <a:solidFill>
+                    <a:srgbClr val="FFFFFF"/>
+                  </a:solidFill>
+                </a14:hiddenFill>
+              </a:ext>
+            </a:extLst>
+          </p:spPr>
+        </p:pic>
+        <p:sp>
+          <p:nvSpPr>
+            <p:cNvPr id="11" name="Rectángulo 1">
+              <a:extLst>
+                <a:ext uri="{FF2B5EF4-FFF2-40B4-BE49-F238E27FC236}">
+                  <a16:creationId xmlns:a16="http://schemas.microsoft.com/office/drawing/2014/main" id="{209A1363-5683-83C8-2F34-745AF1BCEE1D}"/>
+                </a:ext>
+              </a:extLst>
+            </p:cNvPr>
+            <p:cNvSpPr>
+              <a:spLocks noChangeArrowheads="1"/>
+            </p:cNvSpPr>
+            <p:nvPr/>
+          </p:nvSpPr>
+          <p:spPr bwMode="auto">
+            <a:xfrm>
+              <a:off x="10627683" y="5007094"/>
+              <a:ext cx="697627" cy="369332"/>
+            </a:xfrm>
+            <a:prstGeom prst="rect">
+              <a:avLst/>
+            </a:prstGeom>
             <a:noFill/>
-          </a:ln>
-          <a:extLst>
-            <a:ext uri="{909E8E84-426E-40DD-AFC4-6F175D3DCCD1}">
-              <a14:hiddenFill xmlns:a14="http://schemas.microsoft.com/office/drawing/2010/main">
-                <a:solidFill>
-                  <a:srgbClr val="FFFFFF"/>
-                </a:solidFill>
-              </a14:hiddenFill>
-            </a:ext>
-            <a:ext uri="{91240B29-F687-4F45-9708-019B960494DF}">
-              <a14:hiddenLine xmlns:a14="http://schemas.microsoft.com/office/drawing/2010/main" w="9525">
-                <a:solidFill>
-                  <a:srgbClr val="000000"/>
-                </a:solidFill>
-                <a:miter lim="800000"/>
-                <a:headEnd/>
-                <a:tailEnd/>
-              </a14:hiddenLine>
-            </a:ext>
-          </a:extLst>
-        </p:spPr>
-        <p:txBody>
-          <a:bodyPr wrap="none">
-            <a:spAutoFit/>
-          </a:bodyPr>
-          <a:lstStyle>
-            <a:lvl1pPr>
-              <a:spcBef>
-                <a:spcPct val="20000"/>
-              </a:spcBef>
-              <a:buFont typeface="Arial" panose="020B0604020202020204" pitchFamily="34" charset="0"/>
-              <a:buChar char="•"/>
-              <a:defRPr sz="3200">
-                <a:solidFill>
-                  <a:schemeClr val="tx1"/>
-                </a:solidFill>
-                <a:latin typeface="Calibri" panose="020F0502020204030204" pitchFamily="34" charset="0"/>
-              </a:defRPr>
-            </a:lvl1pPr>
-            <a:lvl2pPr marL="742950" indent="-285750">
-              <a:spcBef>
-                <a:spcPct val="20000"/>
-              </a:spcBef>
-              <a:buFont typeface="Arial" panose="020B0604020202020204" pitchFamily="34" charset="0"/>
-              <a:buChar char="–"/>
-              <a:defRPr sz="2800">
-                <a:solidFill>
-                  <a:schemeClr val="tx1"/>
-                </a:solidFill>
-                <a:latin typeface="Calibri" panose="020F0502020204030204" pitchFamily="34" charset="0"/>
-              </a:defRPr>
-            </a:lvl2pPr>
-            <a:lvl3pPr marL="1143000" indent="-228600">
-              <a:spcBef>
-                <a:spcPct val="20000"/>
-              </a:spcBef>
-              <a:buFont typeface="Arial" panose="020B0604020202020204" pitchFamily="34" charset="0"/>
-              <a:buChar char="•"/>
-              <a:defRPr sz="2400">
-                <a:solidFill>
-                  <a:schemeClr val="tx1"/>
-                </a:solidFill>
-                <a:latin typeface="Calibri" panose="020F0502020204030204" pitchFamily="34" charset="0"/>
-              </a:defRPr>
-            </a:lvl3pPr>
-            <a:lvl4pPr marL="1600200" indent="-228600">
-              <a:spcBef>
-                <a:spcPct val="20000"/>
-              </a:spcBef>
-              <a:buFont typeface="Arial" panose="020B0604020202020204" pitchFamily="34" charset="0"/>
-              <a:buChar char="–"/>
-              <a:defRPr sz="2000">
-                <a:solidFill>
-                  <a:schemeClr val="tx1"/>
-                </a:solidFill>
-                <a:latin typeface="Calibri" panose="020F0502020204030204" pitchFamily="34" charset="0"/>
-              </a:defRPr>
-            </a:lvl4pPr>
-            <a:lvl5pPr marL="2057400" indent="-228600">
-              <a:spcBef>
-                <a:spcPct val="20000"/>
-              </a:spcBef>
-              <a:buFont typeface="Arial" panose="020B0604020202020204" pitchFamily="34" charset="0"/>
-              <a:buChar char="»"/>
-              <a:defRPr sz="2000">
-                <a:solidFill>
-                  <a:schemeClr val="tx1"/>
-                </a:solidFill>
-                <a:latin typeface="Calibri" panose="020F0502020204030204" pitchFamily="34" charset="0"/>
-              </a:defRPr>
-            </a:lvl5pPr>
-            <a:lvl6pPr marL="2514600" indent="-228600" eaLnBrk="0" fontAlgn="base" hangingPunct="0">
-              <a:spcBef>
-                <a:spcPct val="20000"/>
-              </a:spcBef>
-              <a:spcAft>
-                <a:spcPct val="0"/>
-              </a:spcAft>
-              <a:buFont typeface="Arial" panose="020B0604020202020204" pitchFamily="34" charset="0"/>
-              <a:buChar char="»"/>
-              <a:defRPr sz="2000">
-                <a:solidFill>
-                  <a:schemeClr val="tx1"/>
-                </a:solidFill>
-                <a:latin typeface="Calibri" panose="020F0502020204030204" pitchFamily="34" charset="0"/>
-              </a:defRPr>
-            </a:lvl6pPr>
-            <a:lvl7pPr marL="2971800" indent="-228600" eaLnBrk="0" fontAlgn="base" hangingPunct="0">
-              <a:spcBef>
-                <a:spcPct val="20000"/>
-              </a:spcBef>
-              <a:spcAft>
-                <a:spcPct val="0"/>
-              </a:spcAft>
-              <a:buFont typeface="Arial" panose="020B0604020202020204" pitchFamily="34" charset="0"/>
-              <a:buChar char="»"/>
-              <a:defRPr sz="2000">
-                <a:solidFill>
-                  <a:schemeClr val="tx1"/>
-                </a:solidFill>
-                <a:latin typeface="Calibri" panose="020F0502020204030204" pitchFamily="34" charset="0"/>
-              </a:defRPr>
-            </a:lvl7pPr>
-            <a:lvl8pPr marL="3429000" indent="-228600" eaLnBrk="0" fontAlgn="base" hangingPunct="0">
-              <a:spcBef>
-                <a:spcPct val="20000"/>
-              </a:spcBef>
-              <a:spcAft>
-                <a:spcPct val="0"/>
-              </a:spcAft>
-              <a:buFont typeface="Arial" panose="020B0604020202020204" pitchFamily="34" charset="0"/>
-              <a:buChar char="»"/>
-              <a:defRPr sz="2000">
-                <a:solidFill>
-                  <a:schemeClr val="tx1"/>
-                </a:solidFill>
-                <a:latin typeface="Calibri" panose="020F0502020204030204" pitchFamily="34" charset="0"/>
-              </a:defRPr>
-            </a:lvl8pPr>
-            <a:lvl9pPr marL="3886200" indent="-228600" eaLnBrk="0" fontAlgn="base" hangingPunct="0">
-              <a:spcBef>
-                <a:spcPct val="20000"/>
-              </a:spcBef>
-              <a:spcAft>
-                <a:spcPct val="0"/>
-              </a:spcAft>
-              <a:buFont typeface="Arial" panose="020B0604020202020204" pitchFamily="34" charset="0"/>
-              <a:buChar char="»"/>
-              <a:defRPr sz="2000">
-                <a:solidFill>
-                  <a:schemeClr val="tx1"/>
-                </a:solidFill>
-                <a:latin typeface="Calibri" panose="020F0502020204030204" pitchFamily="34" charset="0"/>
-              </a:defRPr>
-            </a:lvl9pPr>
-          </a:lstStyle>
-          <a:p>
-            <a:pPr>
-              <a:spcBef>
-                <a:spcPct val="0"/>
-              </a:spcBef>
-              <a:buFontTx/>
-              <a:buNone/>
-            </a:pPr>
-            <a:r>
-              <a:rPr lang="es-CU" altLang="es-CU" sz="1800" dirty="0">
-                <a:solidFill>
-                  <a:srgbClr val="000000"/>
-                </a:solidFill>
+            <a:ln>
+              <a:noFill/>
+            </a:ln>
+            <a:extLst>
+              <a:ext uri="{909E8E84-426E-40DD-AFC4-6F175D3DCCD1}">
+                <a14:hiddenFill xmlns:a14="http://schemas.microsoft.com/office/drawing/2010/main">
+                  <a:solidFill>
+                    <a:srgbClr val="FFFFFF"/>
+                  </a:solidFill>
+                </a14:hiddenFill>
+              </a:ext>
+              <a:ext uri="{91240B29-F687-4F45-9708-019B960494DF}">
+                <a14:hiddenLine xmlns:a14="http://schemas.microsoft.com/office/drawing/2010/main" w="9525">
+                  <a:solidFill>
+                    <a:srgbClr val="000000"/>
+                  </a:solidFill>
+                  <a:miter lim="800000"/>
+                  <a:headEnd/>
+                  <a:tailEnd/>
+                </a14:hiddenLine>
+              </a:ext>
+            </a:extLst>
+          </p:spPr>
+          <p:txBody>
+            <a:bodyPr wrap="none">
+              <a:spAutoFit/>
+            </a:bodyPr>
+            <a:lstStyle>
+              <a:lvl1pPr>
+                <a:spcBef>
+                  <a:spcPct val="20000"/>
+                </a:spcBef>
+                <a:buFont typeface="Arial" panose="020B0604020202020204" pitchFamily="34" charset="0"/>
+                <a:buChar char="•"/>
+                <a:defRPr sz="3200">
+                  <a:solidFill>
+                    <a:schemeClr val="tx1"/>
+                  </a:solidFill>
+                  <a:latin typeface="Calibri" panose="020F0502020204030204" pitchFamily="34" charset="0"/>
+                </a:defRPr>
+              </a:lvl1pPr>
+              <a:lvl2pPr marL="742950" indent="-285750">
+                <a:spcBef>
+                  <a:spcPct val="20000"/>
+                </a:spcBef>
+                <a:buFont typeface="Arial" panose="020B0604020202020204" pitchFamily="34" charset="0"/>
+                <a:buChar char="–"/>
+                <a:defRPr sz="2800">
+                  <a:solidFill>
+                    <a:schemeClr val="tx1"/>
+                  </a:solidFill>
+                  <a:latin typeface="Calibri" panose="020F0502020204030204" pitchFamily="34" charset="0"/>
+                </a:defRPr>
+              </a:lvl2pPr>
+              <a:lvl3pPr marL="1143000" indent="-228600">
+                <a:spcBef>
+                  <a:spcPct val="20000"/>
+                </a:spcBef>
+                <a:buFont typeface="Arial" panose="020B0604020202020204" pitchFamily="34" charset="0"/>
+                <a:buChar char="•"/>
+                <a:defRPr sz="2400">
+                  <a:solidFill>
+                    <a:schemeClr val="tx1"/>
+                  </a:solidFill>
+                  <a:latin typeface="Calibri" panose="020F0502020204030204" pitchFamily="34" charset="0"/>
+                </a:defRPr>
+              </a:lvl3pPr>
+              <a:lvl4pPr marL="1600200" indent="-228600">
+                <a:spcBef>
+                  <a:spcPct val="20000"/>
+                </a:spcBef>
+                <a:buFont typeface="Arial" panose="020B0604020202020204" pitchFamily="34" charset="0"/>
+                <a:buChar char="–"/>
+                <a:defRPr sz="2000">
+                  <a:solidFill>
+                    <a:schemeClr val="tx1"/>
+                  </a:solidFill>
+                  <a:latin typeface="Calibri" panose="020F0502020204030204" pitchFamily="34" charset="0"/>
+                </a:defRPr>
+              </a:lvl4pPr>
+              <a:lvl5pPr marL="2057400" indent="-228600">
+                <a:spcBef>
+                  <a:spcPct val="20000"/>
+                </a:spcBef>
+                <a:buFont typeface="Arial" panose="020B0604020202020204" pitchFamily="34" charset="0"/>
+                <a:buChar char="»"/>
+                <a:defRPr sz="2000">
+                  <a:solidFill>
+                    <a:schemeClr val="tx1"/>
+                  </a:solidFill>
+                  <a:latin typeface="Calibri" panose="020F0502020204030204" pitchFamily="34" charset="0"/>
+                </a:defRPr>
+              </a:lvl5pPr>
+              <a:lvl6pPr marL="2514600" indent="-228600" eaLnBrk="0" fontAlgn="base" hangingPunct="0">
+                <a:spcBef>
+                  <a:spcPct val="20000"/>
+                </a:spcBef>
+                <a:spcAft>
+                  <a:spcPct val="0"/>
+                </a:spcAft>
+                <a:buFont typeface="Arial" panose="020B0604020202020204" pitchFamily="34" charset="0"/>
+                <a:buChar char="»"/>
+                <a:defRPr sz="2000">
+                  <a:solidFill>
+                    <a:schemeClr val="tx1"/>
+                  </a:solidFill>
+                  <a:latin typeface="Calibri" panose="020F0502020204030204" pitchFamily="34" charset="0"/>
+                </a:defRPr>
+              </a:lvl6pPr>
+              <a:lvl7pPr marL="2971800" indent="-228600" eaLnBrk="0" fontAlgn="base" hangingPunct="0">
+                <a:spcBef>
+                  <a:spcPct val="20000"/>
+                </a:spcBef>
+                <a:spcAft>
+                  <a:spcPct val="0"/>
+                </a:spcAft>
+                <a:buFont typeface="Arial" panose="020B0604020202020204" pitchFamily="34" charset="0"/>
+                <a:buChar char="»"/>
+                <a:defRPr sz="2000">
+                  <a:solidFill>
+                    <a:schemeClr val="tx1"/>
+                  </a:solidFill>
+                  <a:latin typeface="Calibri" panose="020F0502020204030204" pitchFamily="34" charset="0"/>
+                </a:defRPr>
+              </a:lvl7pPr>
+              <a:lvl8pPr marL="3429000" indent="-228600" eaLnBrk="0" fontAlgn="base" hangingPunct="0">
+                <a:spcBef>
+                  <a:spcPct val="20000"/>
+                </a:spcBef>
+                <a:spcAft>
+                  <a:spcPct val="0"/>
+                </a:spcAft>
+                <a:buFont typeface="Arial" panose="020B0604020202020204" pitchFamily="34" charset="0"/>
+                <a:buChar char="»"/>
+                <a:defRPr sz="2000">
+                  <a:solidFill>
+                    <a:schemeClr val="tx1"/>
+                  </a:solidFill>
+                  <a:latin typeface="Calibri" panose="020F0502020204030204" pitchFamily="34" charset="0"/>
+                </a:defRPr>
+              </a:lvl8pPr>
+              <a:lvl9pPr marL="3886200" indent="-228600" eaLnBrk="0" fontAlgn="base" hangingPunct="0">
+                <a:spcBef>
+                  <a:spcPct val="20000"/>
+                </a:spcBef>
+                <a:spcAft>
+                  <a:spcPct val="0"/>
+                </a:spcAft>
+                <a:buFont typeface="Arial" panose="020B0604020202020204" pitchFamily="34" charset="0"/>
+                <a:buChar char="»"/>
+                <a:defRPr sz="2000">
+                  <a:solidFill>
+                    <a:schemeClr val="tx1"/>
+                  </a:solidFill>
+                  <a:latin typeface="Calibri" panose="020F0502020204030204" pitchFamily="34" charset="0"/>
+                </a:defRPr>
+              </a:lvl9pPr>
+            </a:lstStyle>
+            <a:p>
+              <a:pPr>
+                <a:spcBef>
+                  <a:spcPct val="0"/>
+                </a:spcBef>
+                <a:buFontTx/>
+                <a:buNone/>
+              </a:pPr>
+              <a:r>
+                <a:rPr lang="es-CU" altLang="es-CU" sz="1800" dirty="0">
+                  <a:solidFill>
+                    <a:srgbClr val="000000"/>
+                  </a:solidFill>
+                  <a:latin typeface="Arial" panose="020B0604020202020204" pitchFamily="34" charset="0"/>
+                </a:rPr>
+                <a:t>3.2.8</a:t>
+              </a:r>
+              <a:endParaRPr lang="es-CU" altLang="es-CU" sz="1800" dirty="0">
                 <a:latin typeface="Arial" panose="020B0604020202020204" pitchFamily="34" charset="0"/>
-              </a:rPr>
-              <a:t>3.2.8</a:t>
-            </a:r>
-            <a:endParaRPr lang="es-CU" altLang="es-CU" sz="1800" dirty="0">
-              <a:latin typeface="Arial" panose="020B0604020202020204" pitchFamily="34" charset="0"/>
-            </a:endParaRPr>
-          </a:p>
-        </p:txBody>
-      </p:sp>
+              </a:endParaRPr>
+            </a:p>
+          </p:txBody>
+        </p:sp>
+      </p:grpSp>
+      <p:grpSp>
+        <p:nvGrpSpPr>
+          <p:cNvPr id="18" name="Grupo 17">
+            <a:extLst>
+              <a:ext uri="{FF2B5EF4-FFF2-40B4-BE49-F238E27FC236}">
+                <a16:creationId xmlns:a16="http://schemas.microsoft.com/office/drawing/2014/main" id="{A4919C9E-5339-E4EF-534F-92A8D477BFD4}"/>
+              </a:ext>
+            </a:extLst>
+          </p:cNvPr>
+          <p:cNvGrpSpPr/>
+          <p:nvPr/>
+        </p:nvGrpSpPr>
+        <p:grpSpPr>
+          <a:xfrm>
+            <a:off x="4469034" y="2182509"/>
+            <a:ext cx="2615964" cy="1369945"/>
+            <a:chOff x="4469034" y="2182509"/>
+            <a:chExt cx="2615964" cy="1369945"/>
+          </a:xfrm>
+        </p:grpSpPr>
+        <p:pic>
+          <p:nvPicPr>
+            <p:cNvPr id="14" name="Imagen 13">
+              <a:extLst>
+                <a:ext uri="{FF2B5EF4-FFF2-40B4-BE49-F238E27FC236}">
+                  <a16:creationId xmlns:a16="http://schemas.microsoft.com/office/drawing/2014/main" id="{E3FE5452-6C3F-616B-3C6A-73EAC684C739}"/>
+                </a:ext>
+              </a:extLst>
+            </p:cNvPr>
+            <p:cNvPicPr>
+              <a:picLocks noChangeAspect="1"/>
+            </p:cNvPicPr>
+            <p:nvPr/>
+          </p:nvPicPr>
+          <p:blipFill>
+            <a:blip r:embed="rId6" cstate="print">
+              <a:extLst>
+                <a:ext uri="{28A0092B-C50C-407E-A947-70E740481C1C}">
+                  <a14:useLocalDpi xmlns:a14="http://schemas.microsoft.com/office/drawing/2010/main" val="0"/>
+                </a:ext>
+              </a:extLst>
+            </a:blip>
+            <a:stretch>
+              <a:fillRect/>
+            </a:stretch>
+          </p:blipFill>
+          <p:spPr>
+            <a:xfrm>
+              <a:off x="4469034" y="2182509"/>
+              <a:ext cx="2615964" cy="1369945"/>
+            </a:xfrm>
+            <a:prstGeom prst="rect">
+              <a:avLst/>
+            </a:prstGeom>
+            <a:ln w="38100" cap="sq">
+              <a:solidFill>
+                <a:srgbClr val="000000"/>
+              </a:solidFill>
+              <a:prstDash val="solid"/>
+              <a:miter lim="800000"/>
+            </a:ln>
+            <a:effectLst>
+              <a:outerShdw blurRad="50800" dist="38100" dir="2700000" algn="tl" rotWithShape="0">
+                <a:srgbClr val="000000">
+                  <a:alpha val="43000"/>
+                </a:srgbClr>
+              </a:outerShdw>
+            </a:effectLst>
+          </p:spPr>
+        </p:pic>
+        <p:sp>
+          <p:nvSpPr>
+            <p:cNvPr id="15" name="Rectángulo 1">
+              <a:extLst>
+                <a:ext uri="{FF2B5EF4-FFF2-40B4-BE49-F238E27FC236}">
+                  <a16:creationId xmlns:a16="http://schemas.microsoft.com/office/drawing/2014/main" id="{1ACA4D38-74A2-1F0E-5356-01014DC4CF4F}"/>
+                </a:ext>
+              </a:extLst>
+            </p:cNvPr>
+            <p:cNvSpPr>
+              <a:spLocks noChangeArrowheads="1"/>
+            </p:cNvSpPr>
+            <p:nvPr/>
+          </p:nvSpPr>
+          <p:spPr bwMode="auto">
+            <a:xfrm>
+              <a:off x="6408100" y="2248092"/>
+              <a:ext cx="505267" cy="369332"/>
+            </a:xfrm>
+            <a:prstGeom prst="rect">
+              <a:avLst/>
+            </a:prstGeom>
+            <a:noFill/>
+            <a:ln>
+              <a:noFill/>
+            </a:ln>
+            <a:extLst>
+              <a:ext uri="{909E8E84-426E-40DD-AFC4-6F175D3DCCD1}">
+                <a14:hiddenFill xmlns:a14="http://schemas.microsoft.com/office/drawing/2010/main">
+                  <a:solidFill>
+                    <a:srgbClr val="FFFFFF"/>
+                  </a:solidFill>
+                </a14:hiddenFill>
+              </a:ext>
+              <a:ext uri="{91240B29-F687-4F45-9708-019B960494DF}">
+                <a14:hiddenLine xmlns:a14="http://schemas.microsoft.com/office/drawing/2010/main" w="9525">
+                  <a:solidFill>
+                    <a:srgbClr val="000000"/>
+                  </a:solidFill>
+                  <a:miter lim="800000"/>
+                  <a:headEnd/>
+                  <a:tailEnd/>
+                </a14:hiddenLine>
+              </a:ext>
+            </a:extLst>
+          </p:spPr>
+          <p:txBody>
+            <a:bodyPr wrap="square">
+              <a:spAutoFit/>
+            </a:bodyPr>
+            <a:lstStyle>
+              <a:lvl1pPr>
+                <a:spcBef>
+                  <a:spcPct val="20000"/>
+                </a:spcBef>
+                <a:buFont typeface="Arial" panose="020B0604020202020204" pitchFamily="34" charset="0"/>
+                <a:buChar char="•"/>
+                <a:defRPr sz="3200">
+                  <a:solidFill>
+                    <a:schemeClr val="tx1"/>
+                  </a:solidFill>
+                  <a:latin typeface="Calibri" panose="020F0502020204030204" pitchFamily="34" charset="0"/>
+                </a:defRPr>
+              </a:lvl1pPr>
+              <a:lvl2pPr marL="742950" indent="-285750">
+                <a:spcBef>
+                  <a:spcPct val="20000"/>
+                </a:spcBef>
+                <a:buFont typeface="Arial" panose="020B0604020202020204" pitchFamily="34" charset="0"/>
+                <a:buChar char="–"/>
+                <a:defRPr sz="2800">
+                  <a:solidFill>
+                    <a:schemeClr val="tx1"/>
+                  </a:solidFill>
+                  <a:latin typeface="Calibri" panose="020F0502020204030204" pitchFamily="34" charset="0"/>
+                </a:defRPr>
+              </a:lvl2pPr>
+              <a:lvl3pPr marL="1143000" indent="-228600">
+                <a:spcBef>
+                  <a:spcPct val="20000"/>
+                </a:spcBef>
+                <a:buFont typeface="Arial" panose="020B0604020202020204" pitchFamily="34" charset="0"/>
+                <a:buChar char="•"/>
+                <a:defRPr sz="2400">
+                  <a:solidFill>
+                    <a:schemeClr val="tx1"/>
+                  </a:solidFill>
+                  <a:latin typeface="Calibri" panose="020F0502020204030204" pitchFamily="34" charset="0"/>
+                </a:defRPr>
+              </a:lvl3pPr>
+              <a:lvl4pPr marL="1600200" indent="-228600">
+                <a:spcBef>
+                  <a:spcPct val="20000"/>
+                </a:spcBef>
+                <a:buFont typeface="Arial" panose="020B0604020202020204" pitchFamily="34" charset="0"/>
+                <a:buChar char="–"/>
+                <a:defRPr sz="2000">
+                  <a:solidFill>
+                    <a:schemeClr val="tx1"/>
+                  </a:solidFill>
+                  <a:latin typeface="Calibri" panose="020F0502020204030204" pitchFamily="34" charset="0"/>
+                </a:defRPr>
+              </a:lvl4pPr>
+              <a:lvl5pPr marL="2057400" indent="-228600">
+                <a:spcBef>
+                  <a:spcPct val="20000"/>
+                </a:spcBef>
+                <a:buFont typeface="Arial" panose="020B0604020202020204" pitchFamily="34" charset="0"/>
+                <a:buChar char="»"/>
+                <a:defRPr sz="2000">
+                  <a:solidFill>
+                    <a:schemeClr val="tx1"/>
+                  </a:solidFill>
+                  <a:latin typeface="Calibri" panose="020F0502020204030204" pitchFamily="34" charset="0"/>
+                </a:defRPr>
+              </a:lvl5pPr>
+              <a:lvl6pPr marL="2514600" indent="-228600" eaLnBrk="0" fontAlgn="base" hangingPunct="0">
+                <a:spcBef>
+                  <a:spcPct val="20000"/>
+                </a:spcBef>
+                <a:spcAft>
+                  <a:spcPct val="0"/>
+                </a:spcAft>
+                <a:buFont typeface="Arial" panose="020B0604020202020204" pitchFamily="34" charset="0"/>
+                <a:buChar char="»"/>
+                <a:defRPr sz="2000">
+                  <a:solidFill>
+                    <a:schemeClr val="tx1"/>
+                  </a:solidFill>
+                  <a:latin typeface="Calibri" panose="020F0502020204030204" pitchFamily="34" charset="0"/>
+                </a:defRPr>
+              </a:lvl6pPr>
+              <a:lvl7pPr marL="2971800" indent="-228600" eaLnBrk="0" fontAlgn="base" hangingPunct="0">
+                <a:spcBef>
+                  <a:spcPct val="20000"/>
+                </a:spcBef>
+                <a:spcAft>
+                  <a:spcPct val="0"/>
+                </a:spcAft>
+                <a:buFont typeface="Arial" panose="020B0604020202020204" pitchFamily="34" charset="0"/>
+                <a:buChar char="»"/>
+                <a:defRPr sz="2000">
+                  <a:solidFill>
+                    <a:schemeClr val="tx1"/>
+                  </a:solidFill>
+                  <a:latin typeface="Calibri" panose="020F0502020204030204" pitchFamily="34" charset="0"/>
+                </a:defRPr>
+              </a:lvl7pPr>
+              <a:lvl8pPr marL="3429000" indent="-228600" eaLnBrk="0" fontAlgn="base" hangingPunct="0">
+                <a:spcBef>
+                  <a:spcPct val="20000"/>
+                </a:spcBef>
+                <a:spcAft>
+                  <a:spcPct val="0"/>
+                </a:spcAft>
+                <a:buFont typeface="Arial" panose="020B0604020202020204" pitchFamily="34" charset="0"/>
+                <a:buChar char="»"/>
+                <a:defRPr sz="2000">
+                  <a:solidFill>
+                    <a:schemeClr val="tx1"/>
+                  </a:solidFill>
+                  <a:latin typeface="Calibri" panose="020F0502020204030204" pitchFamily="34" charset="0"/>
+                </a:defRPr>
+              </a:lvl8pPr>
+              <a:lvl9pPr marL="3886200" indent="-228600" eaLnBrk="0" fontAlgn="base" hangingPunct="0">
+                <a:spcBef>
+                  <a:spcPct val="20000"/>
+                </a:spcBef>
+                <a:spcAft>
+                  <a:spcPct val="0"/>
+                </a:spcAft>
+                <a:buFont typeface="Arial" panose="020B0604020202020204" pitchFamily="34" charset="0"/>
+                <a:buChar char="»"/>
+                <a:defRPr sz="2000">
+                  <a:solidFill>
+                    <a:schemeClr val="tx1"/>
+                  </a:solidFill>
+                  <a:latin typeface="Calibri" panose="020F0502020204030204" pitchFamily="34" charset="0"/>
+                </a:defRPr>
+              </a:lvl9pPr>
+            </a:lstStyle>
+            <a:p>
+              <a:pPr>
+                <a:spcBef>
+                  <a:spcPct val="0"/>
+                </a:spcBef>
+                <a:buFontTx/>
+                <a:buNone/>
+              </a:pPr>
+              <a:r>
+                <a:rPr lang="es-CU" altLang="es-CU" sz="1800" dirty="0">
+                  <a:solidFill>
+                    <a:srgbClr val="000000"/>
+                  </a:solidFill>
+                  <a:latin typeface="Arial" panose="020B0604020202020204" pitchFamily="34" charset="0"/>
+                </a:rPr>
+                <a:t>5.2</a:t>
+              </a:r>
+              <a:endParaRPr lang="es-CU" altLang="es-CU" sz="1800" dirty="0">
+                <a:latin typeface="Arial" panose="020B0604020202020204" pitchFamily="34" charset="0"/>
+              </a:endParaRPr>
+            </a:p>
+          </p:txBody>
+        </p:sp>
+      </p:grpSp>
       <p:pic>
         <p:nvPicPr>
-          <p:cNvPr id="14" name="Imagen 13">
+          <p:cNvPr id="12" name="Imagen 11">
             <a:extLst>
               <a:ext uri="{FF2B5EF4-FFF2-40B4-BE49-F238E27FC236}">
-                <a16:creationId xmlns:a16="http://schemas.microsoft.com/office/drawing/2014/main" id="{E3FE5452-6C3F-616B-3C6A-73EAC684C739}"/>
+                <a16:creationId xmlns:a16="http://schemas.microsoft.com/office/drawing/2014/main" id="{87E7A53E-1E0F-EC99-EF34-37287D739F6D}"/>
               </a:ext>
             </a:extLst>
           </p:cNvPr>
@@ -8281,7 +9053,7 @@
           <p:nvPr/>
         </p:nvPicPr>
         <p:blipFill>
-          <a:blip r:embed="rId6" cstate="print">
+          <a:blip r:embed="rId7">
             <a:extLst>
               <a:ext uri="{28A0092B-C50C-407E-A947-70E740481C1C}">
                 <a14:useLocalDpi xmlns:a14="http://schemas.microsoft.com/office/drawing/2010/main" val="0"/>
@@ -8294,8 +9066,8 @@
         </p:blipFill>
         <p:spPr>
           <a:xfrm>
-            <a:off x="4040775" y="4819586"/>
-            <a:ext cx="2615964" cy="1369945"/>
+            <a:off x="4469034" y="4354051"/>
+            <a:ext cx="2876519" cy="1614249"/>
           </a:xfrm>
           <a:prstGeom prst="rect">
             <a:avLst/>
@@ -8316,214 +9088,143 @@
           </a:effectLst>
         </p:spPr>
       </p:pic>
-      <p:sp>
-        <p:nvSpPr>
-          <p:cNvPr id="15" name="Rectángulo 1">
+    </p:spTree>
+    <p:extLst>
+      <p:ext uri="{BB962C8B-B14F-4D97-AF65-F5344CB8AC3E}">
+        <p14:creationId xmlns:p14="http://schemas.microsoft.com/office/powerpoint/2010/main" val="1039254611"/>
+      </p:ext>
+    </p:extLst>
+  </p:cSld>
+  <p:clrMapOvr>
+    <a:masterClrMapping/>
+  </p:clrMapOvr>
+</p:sld>
+</file>
+
+<file path=ppt/slides/slide15.xml><?xml version="1.0" encoding="utf-8"?>
+<p:sld xmlns:a="http://schemas.openxmlformats.org/drawingml/2006/main" xmlns:r="http://schemas.openxmlformats.org/officeDocument/2006/relationships" xmlns:p="http://schemas.openxmlformats.org/presentationml/2006/main">
+  <p:cSld>
+    <p:spTree>
+      <p:nvGrpSpPr>
+        <p:cNvPr id="1" name=""/>
+        <p:cNvGrpSpPr/>
+        <p:nvPr/>
+      </p:nvGrpSpPr>
+      <p:grpSpPr>
+        <a:xfrm>
+          <a:off x="0" y="0"/>
+          <a:ext cx="0" cy="0"/>
+          <a:chOff x="0" y="0"/>
+          <a:chExt cx="0" cy="0"/>
+        </a:xfrm>
+      </p:grpSpPr>
+      <p:sp>
+        <p:nvSpPr>
+          <p:cNvPr id="2" name="Título 1">
             <a:extLst>
               <a:ext uri="{FF2B5EF4-FFF2-40B4-BE49-F238E27FC236}">
-                <a16:creationId xmlns:a16="http://schemas.microsoft.com/office/drawing/2014/main" id="{1ACA4D38-74A2-1F0E-5356-01014DC4CF4F}"/>
+                <a16:creationId xmlns:a16="http://schemas.microsoft.com/office/drawing/2014/main" id="{74C3471A-7A51-11EE-627B-0CF660742B81}"/>
               </a:ext>
             </a:extLst>
           </p:cNvPr>
           <p:cNvSpPr>
-            <a:spLocks noChangeArrowheads="1"/>
+            <a:spLocks noGrp="1"/>
           </p:cNvSpPr>
-          <p:nvPr/>
-        </p:nvSpPr>
-        <p:spPr bwMode="auto">
-          <a:xfrm>
-            <a:off x="6096000" y="4822428"/>
-            <a:ext cx="505267" cy="369332"/>
-          </a:xfrm>
-          <a:prstGeom prst="rect">
-            <a:avLst/>
-          </a:prstGeom>
-          <a:noFill/>
-          <a:ln>
-            <a:noFill/>
-          </a:ln>
-          <a:extLst>
-            <a:ext uri="{909E8E84-426E-40DD-AFC4-6F175D3DCCD1}">
-              <a14:hiddenFill xmlns:a14="http://schemas.microsoft.com/office/drawing/2010/main">
-                <a:solidFill>
-                  <a:srgbClr val="FFFFFF"/>
-                </a:solidFill>
-              </a14:hiddenFill>
-            </a:ext>
-            <a:ext uri="{91240B29-F687-4F45-9708-019B960494DF}">
-              <a14:hiddenLine xmlns:a14="http://schemas.microsoft.com/office/drawing/2010/main" w="9525">
-                <a:solidFill>
-                  <a:srgbClr val="000000"/>
-                </a:solidFill>
-                <a:miter lim="800000"/>
-                <a:headEnd/>
-                <a:tailEnd/>
-              </a14:hiddenLine>
-            </a:ext>
-          </a:extLst>
-        </p:spPr>
+          <p:nvPr>
+            <p:ph type="title"/>
+          </p:nvPr>
+        </p:nvSpPr>
+        <p:spPr/>
         <p:txBody>
-          <a:bodyPr wrap="square">
-            <a:spAutoFit/>
-          </a:bodyPr>
-          <a:lstStyle>
-            <a:lvl1pPr>
-              <a:spcBef>
-                <a:spcPct val="20000"/>
-              </a:spcBef>
-              <a:buFont typeface="Arial" panose="020B0604020202020204" pitchFamily="34" charset="0"/>
-              <a:buChar char="•"/>
-              <a:defRPr sz="3200">
-                <a:solidFill>
-                  <a:schemeClr val="tx1"/>
-                </a:solidFill>
-                <a:latin typeface="Calibri" panose="020F0502020204030204" pitchFamily="34" charset="0"/>
-              </a:defRPr>
-            </a:lvl1pPr>
-            <a:lvl2pPr marL="742950" indent="-285750">
-              <a:spcBef>
-                <a:spcPct val="20000"/>
-              </a:spcBef>
-              <a:buFont typeface="Arial" panose="020B0604020202020204" pitchFamily="34" charset="0"/>
-              <a:buChar char="–"/>
-              <a:defRPr sz="2800">
-                <a:solidFill>
-                  <a:schemeClr val="tx1"/>
-                </a:solidFill>
-                <a:latin typeface="Calibri" panose="020F0502020204030204" pitchFamily="34" charset="0"/>
-              </a:defRPr>
-            </a:lvl2pPr>
-            <a:lvl3pPr marL="1143000" indent="-228600">
-              <a:spcBef>
-                <a:spcPct val="20000"/>
-              </a:spcBef>
-              <a:buFont typeface="Arial" panose="020B0604020202020204" pitchFamily="34" charset="0"/>
-              <a:buChar char="•"/>
-              <a:defRPr sz="2400">
-                <a:solidFill>
-                  <a:schemeClr val="tx1"/>
-                </a:solidFill>
-                <a:latin typeface="Calibri" panose="020F0502020204030204" pitchFamily="34" charset="0"/>
-              </a:defRPr>
-            </a:lvl3pPr>
-            <a:lvl4pPr marL="1600200" indent="-228600">
-              <a:spcBef>
-                <a:spcPct val="20000"/>
-              </a:spcBef>
-              <a:buFont typeface="Arial" panose="020B0604020202020204" pitchFamily="34" charset="0"/>
-              <a:buChar char="–"/>
-              <a:defRPr sz="2000">
-                <a:solidFill>
-                  <a:schemeClr val="tx1"/>
-                </a:solidFill>
-                <a:latin typeface="Calibri" panose="020F0502020204030204" pitchFamily="34" charset="0"/>
-              </a:defRPr>
-            </a:lvl4pPr>
-            <a:lvl5pPr marL="2057400" indent="-228600">
-              <a:spcBef>
-                <a:spcPct val="20000"/>
-              </a:spcBef>
-              <a:buFont typeface="Arial" panose="020B0604020202020204" pitchFamily="34" charset="0"/>
-              <a:buChar char="»"/>
-              <a:defRPr sz="2000">
-                <a:solidFill>
-                  <a:schemeClr val="tx1"/>
-                </a:solidFill>
-                <a:latin typeface="Calibri" panose="020F0502020204030204" pitchFamily="34" charset="0"/>
-              </a:defRPr>
-            </a:lvl5pPr>
-            <a:lvl6pPr marL="2514600" indent="-228600" eaLnBrk="0" fontAlgn="base" hangingPunct="0">
-              <a:spcBef>
-                <a:spcPct val="20000"/>
-              </a:spcBef>
-              <a:spcAft>
-                <a:spcPct val="0"/>
-              </a:spcAft>
-              <a:buFont typeface="Arial" panose="020B0604020202020204" pitchFamily="34" charset="0"/>
-              <a:buChar char="»"/>
-              <a:defRPr sz="2000">
-                <a:solidFill>
-                  <a:schemeClr val="tx1"/>
-                </a:solidFill>
-                <a:latin typeface="Calibri" panose="020F0502020204030204" pitchFamily="34" charset="0"/>
-              </a:defRPr>
-            </a:lvl6pPr>
-            <a:lvl7pPr marL="2971800" indent="-228600" eaLnBrk="0" fontAlgn="base" hangingPunct="0">
-              <a:spcBef>
-                <a:spcPct val="20000"/>
-              </a:spcBef>
-              <a:spcAft>
-                <a:spcPct val="0"/>
-              </a:spcAft>
-              <a:buFont typeface="Arial" panose="020B0604020202020204" pitchFamily="34" charset="0"/>
-              <a:buChar char="»"/>
-              <a:defRPr sz="2000">
-                <a:solidFill>
-                  <a:schemeClr val="tx1"/>
-                </a:solidFill>
-                <a:latin typeface="Calibri" panose="020F0502020204030204" pitchFamily="34" charset="0"/>
-              </a:defRPr>
-            </a:lvl7pPr>
-            <a:lvl8pPr marL="3429000" indent="-228600" eaLnBrk="0" fontAlgn="base" hangingPunct="0">
-              <a:spcBef>
-                <a:spcPct val="20000"/>
-              </a:spcBef>
-              <a:spcAft>
-                <a:spcPct val="0"/>
-              </a:spcAft>
-              <a:buFont typeface="Arial" panose="020B0604020202020204" pitchFamily="34" charset="0"/>
-              <a:buChar char="»"/>
-              <a:defRPr sz="2000">
-                <a:solidFill>
-                  <a:schemeClr val="tx1"/>
-                </a:solidFill>
-                <a:latin typeface="Calibri" panose="020F0502020204030204" pitchFamily="34" charset="0"/>
-              </a:defRPr>
-            </a:lvl8pPr>
-            <a:lvl9pPr marL="3886200" indent="-228600" eaLnBrk="0" fontAlgn="base" hangingPunct="0">
-              <a:spcBef>
-                <a:spcPct val="20000"/>
-              </a:spcBef>
-              <a:spcAft>
-                <a:spcPct val="0"/>
-              </a:spcAft>
-              <a:buFont typeface="Arial" panose="020B0604020202020204" pitchFamily="34" charset="0"/>
-              <a:buChar char="»"/>
-              <a:defRPr sz="2000">
-                <a:solidFill>
-                  <a:schemeClr val="tx1"/>
-                </a:solidFill>
-                <a:latin typeface="Calibri" panose="020F0502020204030204" pitchFamily="34" charset="0"/>
-              </a:defRPr>
-            </a:lvl9pPr>
-          </a:lstStyle>
-          <a:p>
-            <a:pPr>
-              <a:spcBef>
-                <a:spcPct val="0"/>
-              </a:spcBef>
-              <a:buFontTx/>
-              <a:buNone/>
-            </a:pPr>
-            <a:r>
-              <a:rPr lang="es-CU" altLang="es-CU" sz="1800" dirty="0">
-                <a:solidFill>
-                  <a:srgbClr val="000000"/>
-                </a:solidFill>
-                <a:latin typeface="Arial" panose="020B0604020202020204" pitchFamily="34" charset="0"/>
-              </a:rPr>
-              <a:t>5.2</a:t>
-            </a:r>
-            <a:endParaRPr lang="es-CU" altLang="es-CU" sz="1800" dirty="0">
-              <a:latin typeface="Arial" panose="020B0604020202020204" pitchFamily="34" charset="0"/>
-            </a:endParaRPr>
+          <a:bodyPr/>
+          <a:lstStyle/>
+          <a:p>
+            <a:pPr algn="ctr"/>
+            <a:r>
+              <a:rPr lang="es-ES" dirty="0"/>
+              <a:t>Requisitos Funcionales</a:t>
+            </a:r>
+          </a:p>
+        </p:txBody>
+      </p:sp>
+      <p:sp>
+        <p:nvSpPr>
+          <p:cNvPr id="3" name="Marcador de contenido 2">
+            <a:extLst>
+              <a:ext uri="{FF2B5EF4-FFF2-40B4-BE49-F238E27FC236}">
+                <a16:creationId xmlns:a16="http://schemas.microsoft.com/office/drawing/2014/main" id="{34E17777-492F-9F1F-22E9-DE7EE679422A}"/>
+              </a:ext>
+            </a:extLst>
+          </p:cNvPr>
+          <p:cNvSpPr>
+            <a:spLocks noGrp="1"/>
+          </p:cNvSpPr>
+          <p:nvPr>
+            <p:ph idx="1"/>
+          </p:nvPr>
+        </p:nvSpPr>
+        <p:spPr/>
+        <p:txBody>
+          <a:bodyPr/>
+          <a:lstStyle/>
+          <a:p>
+            <a:pPr algn="just"/>
+            <a:r>
+              <a:rPr lang="es-ES" b="1" dirty="0"/>
+              <a:t>RF1: Autenticar usuario: Permitirá el acceso al sistema y funcionalidades correspondientes. </a:t>
+            </a:r>
+          </a:p>
+          <a:p>
+            <a:pPr algn="just"/>
+            <a:r>
+              <a:rPr lang="es-ES" dirty="0"/>
+              <a:t>  Entrada: Usuario y contraseña. </a:t>
+            </a:r>
+          </a:p>
+          <a:p>
+            <a:pPr algn="just"/>
+            <a:r>
+              <a:rPr lang="es-ES" dirty="0"/>
+              <a:t>  Salida: El usuario accede al sistema.</a:t>
+            </a:r>
+          </a:p>
+          <a:p>
+            <a:pPr algn="just"/>
+            <a:endParaRPr lang="es-ES" dirty="0"/>
+          </a:p>
+          <a:p>
+            <a:pPr algn="just"/>
+            <a:r>
+              <a:rPr lang="es-ES" b="1" dirty="0"/>
+              <a:t>RF2: Generar conocimiento del Asistente: Es donde el usuario a partir de una entrada de datos al sistema, este último analizará dichos datos y creará los archivos de entrenamiento.</a:t>
+            </a:r>
+          </a:p>
+          <a:p>
+            <a:pPr algn="just"/>
+            <a:r>
+              <a:rPr lang="es-ES" dirty="0"/>
+              <a:t>  Entrada: Datos.</a:t>
+            </a:r>
+          </a:p>
+          <a:p>
+            <a:pPr algn="just"/>
+            <a:r>
+              <a:rPr lang="es-ES" dirty="0"/>
+              <a:t>  Salida: Archivos de entrenamiento.</a:t>
+            </a:r>
+          </a:p>
+          <a:p>
+            <a:endParaRPr lang="es-ES" dirty="0"/>
+          </a:p>
+          <a:p>
+            <a:endParaRPr lang="es-ES" dirty="0"/>
           </a:p>
         </p:txBody>
       </p:sp>
     </p:spTree>
     <p:extLst>
       <p:ext uri="{BB962C8B-B14F-4D97-AF65-F5344CB8AC3E}">
-        <p14:creationId xmlns:p14="http://schemas.microsoft.com/office/powerpoint/2010/main" val="1039254611"/>
+        <p14:creationId xmlns:p14="http://schemas.microsoft.com/office/powerpoint/2010/main" val="1142400130"/>
       </p:ext>
     </p:extLst>
   </p:cSld>
@@ -8595,139 +9296,6 @@
             <p:ph idx="1"/>
           </p:nvPr>
         </p:nvSpPr>
-        <p:spPr/>
-        <p:txBody>
-          <a:bodyPr/>
-          <a:lstStyle/>
-          <a:p>
-            <a:pPr algn="just"/>
-            <a:r>
-              <a:rPr lang="es-ES" b="1" dirty="0"/>
-              <a:t>RF1: Autenticar usuario: Permitirá el acceso al sistema y funcionalidades correspondientes. </a:t>
-            </a:r>
-          </a:p>
-          <a:p>
-            <a:pPr algn="just"/>
-            <a:r>
-              <a:rPr lang="es-ES" dirty="0"/>
-              <a:t>  Entrada: Usuario y contraseña. </a:t>
-            </a:r>
-          </a:p>
-          <a:p>
-            <a:pPr algn="just"/>
-            <a:r>
-              <a:rPr lang="es-ES" dirty="0"/>
-              <a:t>  Salida: El usuario accede al sistema.</a:t>
-            </a:r>
-          </a:p>
-          <a:p>
-            <a:pPr algn="just"/>
-            <a:endParaRPr lang="es-ES" dirty="0"/>
-          </a:p>
-          <a:p>
-            <a:pPr algn="just"/>
-            <a:r>
-              <a:rPr lang="es-ES" b="1" dirty="0"/>
-              <a:t>RF2: Generar conocimiento del Asistente: Es donde el usuario a partir de una entrada de datos al sistema, este último analizará dichos datos y creará los archivos de entrenamiento.</a:t>
-            </a:r>
-          </a:p>
-          <a:p>
-            <a:pPr algn="just"/>
-            <a:r>
-              <a:rPr lang="es-ES" dirty="0"/>
-              <a:t>  Entrada: Datos.</a:t>
-            </a:r>
-          </a:p>
-          <a:p>
-            <a:pPr algn="just"/>
-            <a:r>
-              <a:rPr lang="es-ES" dirty="0"/>
-              <a:t>  Salida: Archivos de entrenamiento.</a:t>
-            </a:r>
-          </a:p>
-          <a:p>
-            <a:endParaRPr lang="es-ES" dirty="0"/>
-          </a:p>
-          <a:p>
-            <a:endParaRPr lang="es-ES" dirty="0"/>
-          </a:p>
-        </p:txBody>
-      </p:sp>
-    </p:spTree>
-    <p:extLst>
-      <p:ext uri="{BB962C8B-B14F-4D97-AF65-F5344CB8AC3E}">
-        <p14:creationId xmlns:p14="http://schemas.microsoft.com/office/powerpoint/2010/main" val="1142400130"/>
-      </p:ext>
-    </p:extLst>
-  </p:cSld>
-  <p:clrMapOvr>
-    <a:masterClrMapping/>
-  </p:clrMapOvr>
-</p:sld>
-</file>
-
-<file path=ppt/slides/slide17.xml><?xml version="1.0" encoding="utf-8"?>
-<p:sld xmlns:a="http://schemas.openxmlformats.org/drawingml/2006/main" xmlns:r="http://schemas.openxmlformats.org/officeDocument/2006/relationships" xmlns:p="http://schemas.openxmlformats.org/presentationml/2006/main">
-  <p:cSld>
-    <p:spTree>
-      <p:nvGrpSpPr>
-        <p:cNvPr id="1" name=""/>
-        <p:cNvGrpSpPr/>
-        <p:nvPr/>
-      </p:nvGrpSpPr>
-      <p:grpSpPr>
-        <a:xfrm>
-          <a:off x="0" y="0"/>
-          <a:ext cx="0" cy="0"/>
-          <a:chOff x="0" y="0"/>
-          <a:chExt cx="0" cy="0"/>
-        </a:xfrm>
-      </p:grpSpPr>
-      <p:sp>
-        <p:nvSpPr>
-          <p:cNvPr id="2" name="Título 1">
-            <a:extLst>
-              <a:ext uri="{FF2B5EF4-FFF2-40B4-BE49-F238E27FC236}">
-                <a16:creationId xmlns:a16="http://schemas.microsoft.com/office/drawing/2014/main" id="{74C3471A-7A51-11EE-627B-0CF660742B81}"/>
-              </a:ext>
-            </a:extLst>
-          </p:cNvPr>
-          <p:cNvSpPr>
-            <a:spLocks noGrp="1"/>
-          </p:cNvSpPr>
-          <p:nvPr>
-            <p:ph type="title"/>
-          </p:nvPr>
-        </p:nvSpPr>
-        <p:spPr/>
-        <p:txBody>
-          <a:bodyPr/>
-          <a:lstStyle/>
-          <a:p>
-            <a:pPr algn="ctr"/>
-            <a:r>
-              <a:rPr lang="es-ES" dirty="0"/>
-              <a:t>Requisitos Funcionales</a:t>
-            </a:r>
-          </a:p>
-        </p:txBody>
-      </p:sp>
-      <p:sp>
-        <p:nvSpPr>
-          <p:cNvPr id="3" name="Marcador de contenido 2">
-            <a:extLst>
-              <a:ext uri="{FF2B5EF4-FFF2-40B4-BE49-F238E27FC236}">
-                <a16:creationId xmlns:a16="http://schemas.microsoft.com/office/drawing/2014/main" id="{34E17777-492F-9F1F-22E9-DE7EE679422A}"/>
-              </a:ext>
-            </a:extLst>
-          </p:cNvPr>
-          <p:cNvSpPr>
-            <a:spLocks noGrp="1"/>
-          </p:cNvSpPr>
-          <p:nvPr>
-            <p:ph idx="1"/>
-          </p:nvPr>
-        </p:nvSpPr>
         <p:spPr>
           <a:xfrm>
             <a:off x="825910" y="1651819"/>
@@ -8805,7 +9373,7 @@
 </p:sld>
 </file>
 
-<file path=ppt/slides/slide18.xml><?xml version="1.0" encoding="utf-8"?>
+<file path=ppt/slides/slide17.xml><?xml version="1.0" encoding="utf-8"?>
 <p:sld xmlns:a="http://schemas.openxmlformats.org/drawingml/2006/main" xmlns:r="http://schemas.openxmlformats.org/officeDocument/2006/relationships" xmlns:p="http://schemas.openxmlformats.org/presentationml/2006/main">
   <p:cSld>
     <p:spTree>
@@ -8913,6 +9481,120 @@
     <p:extLst>
       <p:ext uri="{BB962C8B-B14F-4D97-AF65-F5344CB8AC3E}">
         <p14:creationId xmlns:p14="http://schemas.microsoft.com/office/powerpoint/2010/main" val="3277542731"/>
+      </p:ext>
+    </p:extLst>
+  </p:cSld>
+  <p:clrMapOvr>
+    <a:masterClrMapping/>
+  </p:clrMapOvr>
+</p:sld>
+</file>
+
+<file path=ppt/slides/slide18.xml><?xml version="1.0" encoding="utf-8"?>
+<p:sld xmlns:a="http://schemas.openxmlformats.org/drawingml/2006/main" xmlns:r="http://schemas.openxmlformats.org/officeDocument/2006/relationships" xmlns:p="http://schemas.openxmlformats.org/presentationml/2006/main">
+  <p:cSld>
+    <p:spTree>
+      <p:nvGrpSpPr>
+        <p:cNvPr id="1" name=""/>
+        <p:cNvGrpSpPr/>
+        <p:nvPr/>
+      </p:nvGrpSpPr>
+      <p:grpSpPr>
+        <a:xfrm>
+          <a:off x="0" y="0"/>
+          <a:ext cx="0" cy="0"/>
+          <a:chOff x="0" y="0"/>
+          <a:chExt cx="0" cy="0"/>
+        </a:xfrm>
+      </p:grpSpPr>
+      <p:sp>
+        <p:nvSpPr>
+          <p:cNvPr id="2" name="Título 1">
+            <a:extLst>
+              <a:ext uri="{FF2B5EF4-FFF2-40B4-BE49-F238E27FC236}">
+                <a16:creationId xmlns:a16="http://schemas.microsoft.com/office/drawing/2014/main" id="{2C1FB99B-8429-CEF2-DC58-5CA56A8F776D}"/>
+              </a:ext>
+            </a:extLst>
+          </p:cNvPr>
+          <p:cNvSpPr>
+            <a:spLocks noGrp="1"/>
+          </p:cNvSpPr>
+          <p:nvPr>
+            <p:ph type="title"/>
+          </p:nvPr>
+        </p:nvSpPr>
+        <p:spPr>
+          <a:xfrm>
+            <a:off x="1069848" y="-287881"/>
+            <a:ext cx="10058400" cy="1609344"/>
+          </a:xfrm>
+        </p:spPr>
+        <p:txBody>
+          <a:bodyPr/>
+          <a:lstStyle/>
+          <a:p>
+            <a:pPr algn="ctr"/>
+            <a:r>
+              <a:rPr lang="es-ES" dirty="0"/>
+              <a:t>Arquitectura del Sistema</a:t>
+            </a:r>
+          </a:p>
+        </p:txBody>
+      </p:sp>
+      <p:pic>
+        <p:nvPicPr>
+          <p:cNvPr id="5" name="Imagen 4">
+            <a:extLst>
+              <a:ext uri="{FF2B5EF4-FFF2-40B4-BE49-F238E27FC236}">
+                <a16:creationId xmlns:a16="http://schemas.microsoft.com/office/drawing/2014/main" id="{479F2CCB-9EDC-59C5-70CD-FDCE80675270}"/>
+              </a:ext>
+            </a:extLst>
+          </p:cNvPr>
+          <p:cNvPicPr>
+            <a:picLocks noChangeAspect="1"/>
+          </p:cNvPicPr>
+          <p:nvPr/>
+        </p:nvPicPr>
+        <p:blipFill>
+          <a:blip r:embed="rId2">
+            <a:extLst>
+              <a:ext uri="{28A0092B-C50C-407E-A947-70E740481C1C}">
+                <a14:useLocalDpi xmlns:a14="http://schemas.microsoft.com/office/drawing/2010/main" val="0"/>
+              </a:ext>
+            </a:extLst>
+          </a:blip>
+          <a:stretch>
+            <a:fillRect/>
+          </a:stretch>
+        </p:blipFill>
+        <p:spPr>
+          <a:xfrm>
+            <a:off x="740979" y="1321463"/>
+            <a:ext cx="10381173" cy="5181813"/>
+          </a:xfrm>
+          <a:prstGeom prst="rect">
+            <a:avLst/>
+          </a:prstGeom>
+          <a:ln w="38100" cap="sq">
+            <a:solidFill>
+              <a:srgbClr val="000000"/>
+            </a:solidFill>
+            <a:prstDash val="solid"/>
+            <a:miter lim="800000"/>
+          </a:ln>
+          <a:effectLst>
+            <a:outerShdw blurRad="50800" dist="38100" dir="2700000" algn="tl" rotWithShape="0">
+              <a:srgbClr val="000000">
+                <a:alpha val="43000"/>
+              </a:srgbClr>
+            </a:outerShdw>
+          </a:effectLst>
+        </p:spPr>
+      </p:pic>
+    </p:spTree>
+    <p:extLst>
+      <p:ext uri="{BB962C8B-B14F-4D97-AF65-F5344CB8AC3E}">
+        <p14:creationId xmlns:p14="http://schemas.microsoft.com/office/powerpoint/2010/main" val="570536936"/>
       </p:ext>
     </p:extLst>
   </p:cSld>
@@ -10148,7 +10830,7 @@
         <p:spPr bwMode="auto">
           <a:xfrm>
             <a:off x="5342220" y="1738158"/>
-            <a:ext cx="5676439" cy="2679837"/>
+            <a:ext cx="5676439" cy="2525949"/>
           </a:xfrm>
           <a:prstGeom prst="rect">
             <a:avLst/>
@@ -10508,66 +11190,23 @@
           <a:p>
             <a:pPr algn="ctr"/>
             <a:r>
-              <a:rPr lang="es-ES" sz="2800" b="1" dirty="0">
+              <a:rPr lang="es-ES" sz="2600" b="1" dirty="0">
                 <a:solidFill>
                   <a:schemeClr val="tx1"/>
                 </a:solidFill>
-                <a:latin typeface="Calibri" panose="020F0502020204030204" pitchFamily="34" charset="0"/>
-                <a:cs typeface="Calibri" panose="020F0502020204030204" pitchFamily="34" charset="0"/>
+                <a:effectLst/>
+                <a:ea typeface="Calibri" panose="020F0502020204030204" pitchFamily="34" charset="0"/>
               </a:rPr>
-              <a:t>GENERACIÓN AUTOMÁTICA </a:t>
+              <a:t>Herramienta digital para la creación de Asistentes Virtuales y  su base de conocimiento de forma automática</a:t>
             </a:r>
           </a:p>
           <a:p>
             <a:pPr algn="ctr"/>
-            <a:r>
-              <a:rPr lang="es-ES" sz="2800" b="1" dirty="0">
-                <a:solidFill>
-                  <a:schemeClr val="tx1"/>
-                </a:solidFill>
-                <a:latin typeface="Calibri" panose="020F0502020204030204" pitchFamily="34" charset="0"/>
-                <a:cs typeface="Calibri" panose="020F0502020204030204" pitchFamily="34" charset="0"/>
-              </a:rPr>
-              <a:t>DE </a:t>
-            </a:r>
-          </a:p>
-          <a:p>
-            <a:pPr algn="ctr"/>
-            <a:r>
-              <a:rPr lang="es-ES" sz="2800" b="1" dirty="0">
-                <a:solidFill>
-                  <a:schemeClr val="tx1"/>
-                </a:solidFill>
-                <a:latin typeface="Calibri" panose="020F0502020204030204" pitchFamily="34" charset="0"/>
-                <a:cs typeface="Calibri" panose="020F0502020204030204" pitchFamily="34" charset="0"/>
-              </a:rPr>
-              <a:t>ASISTENTES VIRTUALES</a:t>
-            </a:r>
-          </a:p>
-          <a:p>
-            <a:pPr algn="ctr"/>
-            <a:endParaRPr lang="es-ES" sz="2800" b="1" dirty="0">
+            <a:endParaRPr lang="es-ES" sz="2600" b="1" dirty="0">
               <a:solidFill>
                 <a:schemeClr val="tx1"/>
               </a:solidFill>
-              <a:latin typeface="Calibri" panose="020F0502020204030204" pitchFamily="34" charset="0"/>
-              <a:cs typeface="Calibri" panose="020F0502020204030204" pitchFamily="34" charset="0"/>
             </a:endParaRPr>
-          </a:p>
-          <a:p>
-            <a:pPr algn="ctr">
-              <a:buSzPct val="100000"/>
-            </a:pPr>
-            <a:r>
-              <a:rPr lang="es-ES" sz="2800" b="1" dirty="0">
-                <a:solidFill>
-                  <a:schemeClr val="tx1"/>
-                </a:solidFill>
-                <a:latin typeface="Calibri" panose="020F0502020204030204" pitchFamily="34" charset="0"/>
-                <a:cs typeface="Calibri" panose="020F0502020204030204" pitchFamily="34" charset="0"/>
-              </a:rPr>
-              <a:t>Bot de atención a la población </a:t>
-            </a:r>
           </a:p>
           <a:p>
             <a:pPr eaLnBrk="1" hangingPunct="1">
@@ -10584,802 +11223,90 @@
       </p:sp>
       <p:sp>
         <p:nvSpPr>
-          <p:cNvPr id="3077" name="Text Box 4">
+          <p:cNvPr id="2" name="CuadroTexto 1">
             <a:extLst>
               <a:ext uri="{FF2B5EF4-FFF2-40B4-BE49-F238E27FC236}">
-                <a16:creationId xmlns:a16="http://schemas.microsoft.com/office/drawing/2014/main" id="{8FD66142-2DAB-4455-8B45-5F028B00099B}"/>
+                <a16:creationId xmlns:a16="http://schemas.microsoft.com/office/drawing/2014/main" id="{34929A58-3F91-74DA-6F65-147BB2BDD97E}"/>
               </a:ext>
             </a:extLst>
           </p:cNvPr>
-          <p:cNvSpPr txBox="1">
-            <a:spLocks noChangeArrowheads="1"/>
-          </p:cNvSpPr>
+          <p:cNvSpPr txBox="1"/>
           <p:nvPr/>
         </p:nvSpPr>
-        <p:spPr bwMode="auto">
+        <p:spPr>
           <a:xfrm>
-            <a:off x="5810250" y="4796509"/>
-            <a:ext cx="4572000" cy="1201737"/>
+            <a:off x="5342220" y="4384004"/>
+            <a:ext cx="5676439" cy="2523768"/>
           </a:xfrm>
           <a:prstGeom prst="rect">
             <a:avLst/>
           </a:prstGeom>
           <a:noFill/>
-          <a:ln>
-            <a:noFill/>
-          </a:ln>
-          <a:effectLst/>
-          <a:extLst>
-            <a:ext uri="{909E8E84-426E-40DD-AFC4-6F175D3DCCD1}">
-              <a14:hiddenFill xmlns:a14="http://schemas.microsoft.com/office/drawing/2010/main">
-                <a:solidFill>
-                  <a:srgbClr val="FFFFFF"/>
-                </a:solidFill>
-              </a14:hiddenFill>
-            </a:ext>
-            <a:ext uri="{91240B29-F687-4F45-9708-019B960494DF}">
-              <a14:hiddenLine xmlns:a14="http://schemas.microsoft.com/office/drawing/2010/main" w="9525">
-                <a:solidFill>
-                  <a:srgbClr val="3465A4"/>
-                </a:solidFill>
-                <a:round/>
-                <a:headEnd/>
-                <a:tailEnd/>
-              </a14:hiddenLine>
-            </a:ext>
-            <a:ext uri="{AF507438-7753-43E0-B8FC-AC1667EBCBE1}">
-              <a14:hiddenEffects xmlns:a14="http://schemas.microsoft.com/office/drawing/2010/main">
-                <a:effectLst>
-                  <a:outerShdw dist="35921" dir="2700000" algn="ctr" rotWithShape="0">
-                    <a:srgbClr val="808080"/>
-                  </a:outerShdw>
-                </a:effectLst>
-              </a14:hiddenEffects>
-            </a:ext>
-          </a:extLst>
         </p:spPr>
         <p:txBody>
-          <a:bodyPr lIns="90000" tIns="46800" rIns="90000" bIns="46800">
+          <a:bodyPr wrap="square">
             <a:spAutoFit/>
           </a:bodyPr>
-          <a:lstStyle>
-            <a:lvl1pPr>
-              <a:tabLst>
-                <a:tab pos="0" algn="l"/>
-                <a:tab pos="447675" algn="l"/>
-                <a:tab pos="896938" algn="l"/>
-                <a:tab pos="1346200" algn="l"/>
-                <a:tab pos="1795463" algn="l"/>
-                <a:tab pos="2244725" algn="l"/>
-                <a:tab pos="2693988" algn="l"/>
-                <a:tab pos="3143250" algn="l"/>
-                <a:tab pos="3592513" algn="l"/>
-                <a:tab pos="4041775" algn="l"/>
-                <a:tab pos="4491038" algn="l"/>
-                <a:tab pos="4940300" algn="l"/>
-                <a:tab pos="5389563" algn="l"/>
-                <a:tab pos="5838825" algn="l"/>
-                <a:tab pos="6288088" algn="l"/>
-                <a:tab pos="6737350" algn="l"/>
-                <a:tab pos="7186613" algn="l"/>
-                <a:tab pos="7635875" algn="l"/>
-                <a:tab pos="8085138" algn="l"/>
-                <a:tab pos="8534400" algn="l"/>
-                <a:tab pos="8983663" algn="l"/>
-              </a:tabLst>
-              <a:defRPr>
-                <a:solidFill>
-                  <a:schemeClr val="bg1"/>
-                </a:solidFill>
-                <a:latin typeface="Arial" panose="020B0604020202020204" pitchFamily="34" charset="0"/>
-                <a:cs typeface="Arial" panose="020B0604020202020204" pitchFamily="34" charset="0"/>
-              </a:defRPr>
-            </a:lvl1pPr>
-            <a:lvl2pPr>
-              <a:tabLst>
-                <a:tab pos="0" algn="l"/>
-                <a:tab pos="447675" algn="l"/>
-                <a:tab pos="896938" algn="l"/>
-                <a:tab pos="1346200" algn="l"/>
-                <a:tab pos="1795463" algn="l"/>
-                <a:tab pos="2244725" algn="l"/>
-                <a:tab pos="2693988" algn="l"/>
-                <a:tab pos="3143250" algn="l"/>
-                <a:tab pos="3592513" algn="l"/>
-                <a:tab pos="4041775" algn="l"/>
-                <a:tab pos="4491038" algn="l"/>
-                <a:tab pos="4940300" algn="l"/>
-                <a:tab pos="5389563" algn="l"/>
-                <a:tab pos="5838825" algn="l"/>
-                <a:tab pos="6288088" algn="l"/>
-                <a:tab pos="6737350" algn="l"/>
-                <a:tab pos="7186613" algn="l"/>
-                <a:tab pos="7635875" algn="l"/>
-                <a:tab pos="8085138" algn="l"/>
-                <a:tab pos="8534400" algn="l"/>
-                <a:tab pos="8983663" algn="l"/>
-              </a:tabLst>
-              <a:defRPr>
-                <a:solidFill>
-                  <a:schemeClr val="bg1"/>
-                </a:solidFill>
-                <a:latin typeface="Arial" panose="020B0604020202020204" pitchFamily="34" charset="0"/>
-                <a:cs typeface="Arial" panose="020B0604020202020204" pitchFamily="34" charset="0"/>
-              </a:defRPr>
-            </a:lvl2pPr>
-            <a:lvl3pPr>
-              <a:tabLst>
-                <a:tab pos="0" algn="l"/>
-                <a:tab pos="447675" algn="l"/>
-                <a:tab pos="896938" algn="l"/>
-                <a:tab pos="1346200" algn="l"/>
-                <a:tab pos="1795463" algn="l"/>
-                <a:tab pos="2244725" algn="l"/>
-                <a:tab pos="2693988" algn="l"/>
-                <a:tab pos="3143250" algn="l"/>
-                <a:tab pos="3592513" algn="l"/>
-                <a:tab pos="4041775" algn="l"/>
-                <a:tab pos="4491038" algn="l"/>
-                <a:tab pos="4940300" algn="l"/>
-                <a:tab pos="5389563" algn="l"/>
-                <a:tab pos="5838825" algn="l"/>
-                <a:tab pos="6288088" algn="l"/>
-                <a:tab pos="6737350" algn="l"/>
-                <a:tab pos="7186613" algn="l"/>
-                <a:tab pos="7635875" algn="l"/>
-                <a:tab pos="8085138" algn="l"/>
-                <a:tab pos="8534400" algn="l"/>
-                <a:tab pos="8983663" algn="l"/>
-              </a:tabLst>
-              <a:defRPr>
-                <a:solidFill>
-                  <a:schemeClr val="bg1"/>
-                </a:solidFill>
-                <a:latin typeface="Arial" panose="020B0604020202020204" pitchFamily="34" charset="0"/>
-                <a:cs typeface="Arial" panose="020B0604020202020204" pitchFamily="34" charset="0"/>
-              </a:defRPr>
-            </a:lvl3pPr>
-            <a:lvl4pPr>
-              <a:tabLst>
-                <a:tab pos="0" algn="l"/>
-                <a:tab pos="447675" algn="l"/>
-                <a:tab pos="896938" algn="l"/>
-                <a:tab pos="1346200" algn="l"/>
-                <a:tab pos="1795463" algn="l"/>
-                <a:tab pos="2244725" algn="l"/>
-                <a:tab pos="2693988" algn="l"/>
-                <a:tab pos="3143250" algn="l"/>
-                <a:tab pos="3592513" algn="l"/>
-                <a:tab pos="4041775" algn="l"/>
-                <a:tab pos="4491038" algn="l"/>
-                <a:tab pos="4940300" algn="l"/>
-                <a:tab pos="5389563" algn="l"/>
-                <a:tab pos="5838825" algn="l"/>
-                <a:tab pos="6288088" algn="l"/>
-                <a:tab pos="6737350" algn="l"/>
-                <a:tab pos="7186613" algn="l"/>
-                <a:tab pos="7635875" algn="l"/>
-                <a:tab pos="8085138" algn="l"/>
-                <a:tab pos="8534400" algn="l"/>
-                <a:tab pos="8983663" algn="l"/>
-              </a:tabLst>
-              <a:defRPr>
-                <a:solidFill>
-                  <a:schemeClr val="bg1"/>
-                </a:solidFill>
-                <a:latin typeface="Arial" panose="020B0604020202020204" pitchFamily="34" charset="0"/>
-                <a:cs typeface="Arial" panose="020B0604020202020204" pitchFamily="34" charset="0"/>
-              </a:defRPr>
-            </a:lvl4pPr>
-            <a:lvl5pPr>
-              <a:tabLst>
-                <a:tab pos="0" algn="l"/>
-                <a:tab pos="447675" algn="l"/>
-                <a:tab pos="896938" algn="l"/>
-                <a:tab pos="1346200" algn="l"/>
-                <a:tab pos="1795463" algn="l"/>
-                <a:tab pos="2244725" algn="l"/>
-                <a:tab pos="2693988" algn="l"/>
-                <a:tab pos="3143250" algn="l"/>
-                <a:tab pos="3592513" algn="l"/>
-                <a:tab pos="4041775" algn="l"/>
-                <a:tab pos="4491038" algn="l"/>
-                <a:tab pos="4940300" algn="l"/>
-                <a:tab pos="5389563" algn="l"/>
-                <a:tab pos="5838825" algn="l"/>
-                <a:tab pos="6288088" algn="l"/>
-                <a:tab pos="6737350" algn="l"/>
-                <a:tab pos="7186613" algn="l"/>
-                <a:tab pos="7635875" algn="l"/>
-                <a:tab pos="8085138" algn="l"/>
-                <a:tab pos="8534400" algn="l"/>
-                <a:tab pos="8983663" algn="l"/>
-              </a:tabLst>
-              <a:defRPr>
-                <a:solidFill>
-                  <a:schemeClr val="bg1"/>
-                </a:solidFill>
-                <a:latin typeface="Arial" panose="020B0604020202020204" pitchFamily="34" charset="0"/>
-                <a:cs typeface="Arial" panose="020B0604020202020204" pitchFamily="34" charset="0"/>
-              </a:defRPr>
-            </a:lvl5pPr>
-            <a:lvl6pPr marL="2514600" indent="-228600" defTabSz="449263" eaLnBrk="0" fontAlgn="base" hangingPunct="0">
-              <a:spcBef>
-                <a:spcPct val="0"/>
-              </a:spcBef>
-              <a:spcAft>
-                <a:spcPct val="0"/>
-              </a:spcAft>
-              <a:tabLst>
-                <a:tab pos="0" algn="l"/>
-                <a:tab pos="447675" algn="l"/>
-                <a:tab pos="896938" algn="l"/>
-                <a:tab pos="1346200" algn="l"/>
-                <a:tab pos="1795463" algn="l"/>
-                <a:tab pos="2244725" algn="l"/>
-                <a:tab pos="2693988" algn="l"/>
-                <a:tab pos="3143250" algn="l"/>
-                <a:tab pos="3592513" algn="l"/>
-                <a:tab pos="4041775" algn="l"/>
-                <a:tab pos="4491038" algn="l"/>
-                <a:tab pos="4940300" algn="l"/>
-                <a:tab pos="5389563" algn="l"/>
-                <a:tab pos="5838825" algn="l"/>
-                <a:tab pos="6288088" algn="l"/>
-                <a:tab pos="6737350" algn="l"/>
-                <a:tab pos="7186613" algn="l"/>
-                <a:tab pos="7635875" algn="l"/>
-                <a:tab pos="8085138" algn="l"/>
-                <a:tab pos="8534400" algn="l"/>
-                <a:tab pos="8983663" algn="l"/>
-              </a:tabLst>
-              <a:defRPr>
-                <a:solidFill>
-                  <a:schemeClr val="bg1"/>
-                </a:solidFill>
-                <a:latin typeface="Arial" panose="020B0604020202020204" pitchFamily="34" charset="0"/>
-                <a:cs typeface="Arial" panose="020B0604020202020204" pitchFamily="34" charset="0"/>
-              </a:defRPr>
-            </a:lvl6pPr>
-            <a:lvl7pPr marL="2971800" indent="-228600" defTabSz="449263" eaLnBrk="0" fontAlgn="base" hangingPunct="0">
-              <a:spcBef>
-                <a:spcPct val="0"/>
-              </a:spcBef>
-              <a:spcAft>
-                <a:spcPct val="0"/>
-              </a:spcAft>
-              <a:tabLst>
-                <a:tab pos="0" algn="l"/>
-                <a:tab pos="447675" algn="l"/>
-                <a:tab pos="896938" algn="l"/>
-                <a:tab pos="1346200" algn="l"/>
-                <a:tab pos="1795463" algn="l"/>
-                <a:tab pos="2244725" algn="l"/>
-                <a:tab pos="2693988" algn="l"/>
-                <a:tab pos="3143250" algn="l"/>
-                <a:tab pos="3592513" algn="l"/>
-                <a:tab pos="4041775" algn="l"/>
-                <a:tab pos="4491038" algn="l"/>
-                <a:tab pos="4940300" algn="l"/>
-                <a:tab pos="5389563" algn="l"/>
-                <a:tab pos="5838825" algn="l"/>
-                <a:tab pos="6288088" algn="l"/>
-                <a:tab pos="6737350" algn="l"/>
-                <a:tab pos="7186613" algn="l"/>
-                <a:tab pos="7635875" algn="l"/>
-                <a:tab pos="8085138" algn="l"/>
-                <a:tab pos="8534400" algn="l"/>
-                <a:tab pos="8983663" algn="l"/>
-              </a:tabLst>
-              <a:defRPr>
-                <a:solidFill>
-                  <a:schemeClr val="bg1"/>
-                </a:solidFill>
-                <a:latin typeface="Arial" panose="020B0604020202020204" pitchFamily="34" charset="0"/>
-                <a:cs typeface="Arial" panose="020B0604020202020204" pitchFamily="34" charset="0"/>
-              </a:defRPr>
-            </a:lvl7pPr>
-            <a:lvl8pPr marL="3429000" indent="-228600" defTabSz="449263" eaLnBrk="0" fontAlgn="base" hangingPunct="0">
-              <a:spcBef>
-                <a:spcPct val="0"/>
-              </a:spcBef>
-              <a:spcAft>
-                <a:spcPct val="0"/>
-              </a:spcAft>
-              <a:tabLst>
-                <a:tab pos="0" algn="l"/>
-                <a:tab pos="447675" algn="l"/>
-                <a:tab pos="896938" algn="l"/>
-                <a:tab pos="1346200" algn="l"/>
-                <a:tab pos="1795463" algn="l"/>
-                <a:tab pos="2244725" algn="l"/>
-                <a:tab pos="2693988" algn="l"/>
-                <a:tab pos="3143250" algn="l"/>
-                <a:tab pos="3592513" algn="l"/>
-                <a:tab pos="4041775" algn="l"/>
-                <a:tab pos="4491038" algn="l"/>
-                <a:tab pos="4940300" algn="l"/>
-                <a:tab pos="5389563" algn="l"/>
-                <a:tab pos="5838825" algn="l"/>
-                <a:tab pos="6288088" algn="l"/>
-                <a:tab pos="6737350" algn="l"/>
-                <a:tab pos="7186613" algn="l"/>
-                <a:tab pos="7635875" algn="l"/>
-                <a:tab pos="8085138" algn="l"/>
-                <a:tab pos="8534400" algn="l"/>
-                <a:tab pos="8983663" algn="l"/>
-              </a:tabLst>
-              <a:defRPr>
-                <a:solidFill>
-                  <a:schemeClr val="bg1"/>
-                </a:solidFill>
-                <a:latin typeface="Arial" panose="020B0604020202020204" pitchFamily="34" charset="0"/>
-                <a:cs typeface="Arial" panose="020B0604020202020204" pitchFamily="34" charset="0"/>
-              </a:defRPr>
-            </a:lvl8pPr>
-            <a:lvl9pPr marL="3886200" indent="-228600" defTabSz="449263" eaLnBrk="0" fontAlgn="base" hangingPunct="0">
-              <a:spcBef>
-                <a:spcPct val="0"/>
-              </a:spcBef>
-              <a:spcAft>
-                <a:spcPct val="0"/>
-              </a:spcAft>
-              <a:tabLst>
-                <a:tab pos="0" algn="l"/>
-                <a:tab pos="447675" algn="l"/>
-                <a:tab pos="896938" algn="l"/>
-                <a:tab pos="1346200" algn="l"/>
-                <a:tab pos="1795463" algn="l"/>
-                <a:tab pos="2244725" algn="l"/>
-                <a:tab pos="2693988" algn="l"/>
-                <a:tab pos="3143250" algn="l"/>
-                <a:tab pos="3592513" algn="l"/>
-                <a:tab pos="4041775" algn="l"/>
-                <a:tab pos="4491038" algn="l"/>
-                <a:tab pos="4940300" algn="l"/>
-                <a:tab pos="5389563" algn="l"/>
-                <a:tab pos="5838825" algn="l"/>
-                <a:tab pos="6288088" algn="l"/>
-                <a:tab pos="6737350" algn="l"/>
-                <a:tab pos="7186613" algn="l"/>
-                <a:tab pos="7635875" algn="l"/>
-                <a:tab pos="8085138" algn="l"/>
-                <a:tab pos="8534400" algn="l"/>
-                <a:tab pos="8983663" algn="l"/>
-              </a:tabLst>
-              <a:defRPr>
-                <a:solidFill>
-                  <a:schemeClr val="bg1"/>
-                </a:solidFill>
-                <a:latin typeface="Arial" panose="020B0604020202020204" pitchFamily="34" charset="0"/>
-                <a:cs typeface="Arial" panose="020B0604020202020204" pitchFamily="34" charset="0"/>
-              </a:defRPr>
-            </a:lvl9pPr>
-          </a:lstStyle>
-          <a:p>
-            <a:pPr algn="ctr" eaLnBrk="1" hangingPunct="1">
-              <a:buSzPct val="100000"/>
-            </a:pPr>
-            <a:r>
-              <a:rPr lang="es-ES" altLang="es-MX" b="1" dirty="0">
-                <a:solidFill>
-                  <a:srgbClr val="000000"/>
-                </a:solidFill>
+          <a:lstStyle/>
+          <a:p>
+            <a:pPr algn="ctr"/>
+            <a:r>
+              <a:rPr lang="es-ES" sz="2600" b="1" dirty="0">
                 <a:latin typeface="Calibri" panose="020F0502020204030204" pitchFamily="34" charset="0"/>
+                <a:cs typeface="Calibri" panose="020F0502020204030204" pitchFamily="34" charset="0"/>
               </a:rPr>
-              <a:t>FACULTAD DE INGENIERÍA EN TELECOMUNICACIONES INFORMÁTICA Y BIOMÉDICA</a:t>
-            </a:r>
-          </a:p>
-          <a:p>
-            <a:pPr algn="ctr" eaLnBrk="1" hangingPunct="1">
-              <a:buSzPct val="100000"/>
-            </a:pPr>
-            <a:endParaRPr lang="es-ES" altLang="es-MX" b="1" dirty="0">
-              <a:solidFill>
-                <a:srgbClr val="000000"/>
-              </a:solidFill>
+              <a:t>Autor</a:t>
+            </a:r>
+          </a:p>
+          <a:p>
+            <a:pPr algn="ctr"/>
+            <a:r>
+              <a:rPr lang="es-ES" sz="2600" b="1" dirty="0">
+                <a:latin typeface="Calibri" panose="020F0502020204030204" pitchFamily="34" charset="0"/>
+                <a:cs typeface="Calibri" panose="020F0502020204030204" pitchFamily="34" charset="0"/>
+              </a:rPr>
+              <a:t>Jorge Ernesto Duvalón Hernández</a:t>
+            </a:r>
+          </a:p>
+          <a:p>
+            <a:pPr algn="ctr"/>
+            <a:endParaRPr lang="es-ES" sz="2600" b="1" dirty="0">
               <a:latin typeface="Calibri" panose="020F0502020204030204" pitchFamily="34" charset="0"/>
+              <a:cs typeface="Calibri" panose="020F0502020204030204" pitchFamily="34" charset="0"/>
             </a:endParaRPr>
           </a:p>
-        </p:txBody>
-      </p:sp>
-      <p:sp>
-        <p:nvSpPr>
-          <p:cNvPr id="3078" name="Text Box 5">
-            <a:extLst>
-              <a:ext uri="{FF2B5EF4-FFF2-40B4-BE49-F238E27FC236}">
-                <a16:creationId xmlns:a16="http://schemas.microsoft.com/office/drawing/2014/main" id="{1795302F-7E5D-4701-8B61-F0DAF6D7F27B}"/>
-              </a:ext>
-            </a:extLst>
-          </p:cNvPr>
-          <p:cNvSpPr txBox="1">
-            <a:spLocks noChangeArrowheads="1"/>
-          </p:cNvSpPr>
-          <p:nvPr/>
-        </p:nvSpPr>
-        <p:spPr bwMode="auto">
-          <a:xfrm>
-            <a:off x="5810250" y="5965030"/>
-            <a:ext cx="4572000" cy="642937"/>
-          </a:xfrm>
-          <a:prstGeom prst="rect">
-            <a:avLst/>
-          </a:prstGeom>
-          <a:noFill/>
-          <a:ln>
-            <a:noFill/>
-          </a:ln>
-          <a:effectLst/>
-          <a:extLst>
-            <a:ext uri="{909E8E84-426E-40DD-AFC4-6F175D3DCCD1}">
-              <a14:hiddenFill xmlns:a14="http://schemas.microsoft.com/office/drawing/2010/main">
-                <a:solidFill>
-                  <a:srgbClr val="FFFFFF"/>
-                </a:solidFill>
-              </a14:hiddenFill>
-            </a:ext>
-            <a:ext uri="{91240B29-F687-4F45-9708-019B960494DF}">
-              <a14:hiddenLine xmlns:a14="http://schemas.microsoft.com/office/drawing/2010/main" w="9525">
-                <a:solidFill>
-                  <a:srgbClr val="3465A4"/>
-                </a:solidFill>
-                <a:round/>
-                <a:headEnd/>
-                <a:tailEnd/>
-              </a14:hiddenLine>
-            </a:ext>
-            <a:ext uri="{AF507438-7753-43E0-B8FC-AC1667EBCBE1}">
-              <a14:hiddenEffects xmlns:a14="http://schemas.microsoft.com/office/drawing/2010/main">
-                <a:effectLst>
-                  <a:outerShdw dist="35921" dir="2700000" algn="ctr" rotWithShape="0">
-                    <a:srgbClr val="808080"/>
-                  </a:outerShdw>
-                </a:effectLst>
-              </a14:hiddenEffects>
-            </a:ext>
-          </a:extLst>
-        </p:spPr>
-        <p:txBody>
-          <a:bodyPr lIns="90000" tIns="46800" rIns="90000" bIns="46800">
-            <a:spAutoFit/>
-          </a:bodyPr>
-          <a:lstStyle>
-            <a:lvl1pPr>
-              <a:tabLst>
-                <a:tab pos="0" algn="l"/>
-                <a:tab pos="447675" algn="l"/>
-                <a:tab pos="896938" algn="l"/>
-                <a:tab pos="1346200" algn="l"/>
-                <a:tab pos="1795463" algn="l"/>
-                <a:tab pos="2244725" algn="l"/>
-                <a:tab pos="2693988" algn="l"/>
-                <a:tab pos="3143250" algn="l"/>
-                <a:tab pos="3592513" algn="l"/>
-                <a:tab pos="4041775" algn="l"/>
-                <a:tab pos="4491038" algn="l"/>
-                <a:tab pos="4940300" algn="l"/>
-                <a:tab pos="5389563" algn="l"/>
-                <a:tab pos="5838825" algn="l"/>
-                <a:tab pos="6288088" algn="l"/>
-                <a:tab pos="6737350" algn="l"/>
-                <a:tab pos="7186613" algn="l"/>
-                <a:tab pos="7635875" algn="l"/>
-                <a:tab pos="8085138" algn="l"/>
-                <a:tab pos="8534400" algn="l"/>
-                <a:tab pos="8983663" algn="l"/>
-              </a:tabLst>
-              <a:defRPr>
-                <a:solidFill>
-                  <a:schemeClr val="bg1"/>
-                </a:solidFill>
-                <a:latin typeface="Arial" panose="020B0604020202020204" pitchFamily="34" charset="0"/>
-                <a:cs typeface="Arial" panose="020B0604020202020204" pitchFamily="34" charset="0"/>
-              </a:defRPr>
-            </a:lvl1pPr>
-            <a:lvl2pPr>
-              <a:tabLst>
-                <a:tab pos="0" algn="l"/>
-                <a:tab pos="447675" algn="l"/>
-                <a:tab pos="896938" algn="l"/>
-                <a:tab pos="1346200" algn="l"/>
-                <a:tab pos="1795463" algn="l"/>
-                <a:tab pos="2244725" algn="l"/>
-                <a:tab pos="2693988" algn="l"/>
-                <a:tab pos="3143250" algn="l"/>
-                <a:tab pos="3592513" algn="l"/>
-                <a:tab pos="4041775" algn="l"/>
-                <a:tab pos="4491038" algn="l"/>
-                <a:tab pos="4940300" algn="l"/>
-                <a:tab pos="5389563" algn="l"/>
-                <a:tab pos="5838825" algn="l"/>
-                <a:tab pos="6288088" algn="l"/>
-                <a:tab pos="6737350" algn="l"/>
-                <a:tab pos="7186613" algn="l"/>
-                <a:tab pos="7635875" algn="l"/>
-                <a:tab pos="8085138" algn="l"/>
-                <a:tab pos="8534400" algn="l"/>
-                <a:tab pos="8983663" algn="l"/>
-              </a:tabLst>
-              <a:defRPr>
-                <a:solidFill>
-                  <a:schemeClr val="bg1"/>
-                </a:solidFill>
-                <a:latin typeface="Arial" panose="020B0604020202020204" pitchFamily="34" charset="0"/>
-                <a:cs typeface="Arial" panose="020B0604020202020204" pitchFamily="34" charset="0"/>
-              </a:defRPr>
-            </a:lvl2pPr>
-            <a:lvl3pPr>
-              <a:tabLst>
-                <a:tab pos="0" algn="l"/>
-                <a:tab pos="447675" algn="l"/>
-                <a:tab pos="896938" algn="l"/>
-                <a:tab pos="1346200" algn="l"/>
-                <a:tab pos="1795463" algn="l"/>
-                <a:tab pos="2244725" algn="l"/>
-                <a:tab pos="2693988" algn="l"/>
-                <a:tab pos="3143250" algn="l"/>
-                <a:tab pos="3592513" algn="l"/>
-                <a:tab pos="4041775" algn="l"/>
-                <a:tab pos="4491038" algn="l"/>
-                <a:tab pos="4940300" algn="l"/>
-                <a:tab pos="5389563" algn="l"/>
-                <a:tab pos="5838825" algn="l"/>
-                <a:tab pos="6288088" algn="l"/>
-                <a:tab pos="6737350" algn="l"/>
-                <a:tab pos="7186613" algn="l"/>
-                <a:tab pos="7635875" algn="l"/>
-                <a:tab pos="8085138" algn="l"/>
-                <a:tab pos="8534400" algn="l"/>
-                <a:tab pos="8983663" algn="l"/>
-              </a:tabLst>
-              <a:defRPr>
-                <a:solidFill>
-                  <a:schemeClr val="bg1"/>
-                </a:solidFill>
-                <a:latin typeface="Arial" panose="020B0604020202020204" pitchFamily="34" charset="0"/>
-                <a:cs typeface="Arial" panose="020B0604020202020204" pitchFamily="34" charset="0"/>
-              </a:defRPr>
-            </a:lvl3pPr>
-            <a:lvl4pPr>
-              <a:tabLst>
-                <a:tab pos="0" algn="l"/>
-                <a:tab pos="447675" algn="l"/>
-                <a:tab pos="896938" algn="l"/>
-                <a:tab pos="1346200" algn="l"/>
-                <a:tab pos="1795463" algn="l"/>
-                <a:tab pos="2244725" algn="l"/>
-                <a:tab pos="2693988" algn="l"/>
-                <a:tab pos="3143250" algn="l"/>
-                <a:tab pos="3592513" algn="l"/>
-                <a:tab pos="4041775" algn="l"/>
-                <a:tab pos="4491038" algn="l"/>
-                <a:tab pos="4940300" algn="l"/>
-                <a:tab pos="5389563" algn="l"/>
-                <a:tab pos="5838825" algn="l"/>
-                <a:tab pos="6288088" algn="l"/>
-                <a:tab pos="6737350" algn="l"/>
-                <a:tab pos="7186613" algn="l"/>
-                <a:tab pos="7635875" algn="l"/>
-                <a:tab pos="8085138" algn="l"/>
-                <a:tab pos="8534400" algn="l"/>
-                <a:tab pos="8983663" algn="l"/>
-              </a:tabLst>
-              <a:defRPr>
-                <a:solidFill>
-                  <a:schemeClr val="bg1"/>
-                </a:solidFill>
-                <a:latin typeface="Arial" panose="020B0604020202020204" pitchFamily="34" charset="0"/>
-                <a:cs typeface="Arial" panose="020B0604020202020204" pitchFamily="34" charset="0"/>
-              </a:defRPr>
-            </a:lvl4pPr>
-            <a:lvl5pPr>
-              <a:tabLst>
-                <a:tab pos="0" algn="l"/>
-                <a:tab pos="447675" algn="l"/>
-                <a:tab pos="896938" algn="l"/>
-                <a:tab pos="1346200" algn="l"/>
-                <a:tab pos="1795463" algn="l"/>
-                <a:tab pos="2244725" algn="l"/>
-                <a:tab pos="2693988" algn="l"/>
-                <a:tab pos="3143250" algn="l"/>
-                <a:tab pos="3592513" algn="l"/>
-                <a:tab pos="4041775" algn="l"/>
-                <a:tab pos="4491038" algn="l"/>
-                <a:tab pos="4940300" algn="l"/>
-                <a:tab pos="5389563" algn="l"/>
-                <a:tab pos="5838825" algn="l"/>
-                <a:tab pos="6288088" algn="l"/>
-                <a:tab pos="6737350" algn="l"/>
-                <a:tab pos="7186613" algn="l"/>
-                <a:tab pos="7635875" algn="l"/>
-                <a:tab pos="8085138" algn="l"/>
-                <a:tab pos="8534400" algn="l"/>
-                <a:tab pos="8983663" algn="l"/>
-              </a:tabLst>
-              <a:defRPr>
-                <a:solidFill>
-                  <a:schemeClr val="bg1"/>
-                </a:solidFill>
-                <a:latin typeface="Arial" panose="020B0604020202020204" pitchFamily="34" charset="0"/>
-                <a:cs typeface="Arial" panose="020B0604020202020204" pitchFamily="34" charset="0"/>
-              </a:defRPr>
-            </a:lvl5pPr>
-            <a:lvl6pPr marL="2514600" indent="-228600" defTabSz="449263" eaLnBrk="0" fontAlgn="base" hangingPunct="0">
-              <a:spcBef>
-                <a:spcPct val="0"/>
-              </a:spcBef>
-              <a:spcAft>
-                <a:spcPct val="0"/>
-              </a:spcAft>
-              <a:tabLst>
-                <a:tab pos="0" algn="l"/>
-                <a:tab pos="447675" algn="l"/>
-                <a:tab pos="896938" algn="l"/>
-                <a:tab pos="1346200" algn="l"/>
-                <a:tab pos="1795463" algn="l"/>
-                <a:tab pos="2244725" algn="l"/>
-                <a:tab pos="2693988" algn="l"/>
-                <a:tab pos="3143250" algn="l"/>
-                <a:tab pos="3592513" algn="l"/>
-                <a:tab pos="4041775" algn="l"/>
-                <a:tab pos="4491038" algn="l"/>
-                <a:tab pos="4940300" algn="l"/>
-                <a:tab pos="5389563" algn="l"/>
-                <a:tab pos="5838825" algn="l"/>
-                <a:tab pos="6288088" algn="l"/>
-                <a:tab pos="6737350" algn="l"/>
-                <a:tab pos="7186613" algn="l"/>
-                <a:tab pos="7635875" algn="l"/>
-                <a:tab pos="8085138" algn="l"/>
-                <a:tab pos="8534400" algn="l"/>
-                <a:tab pos="8983663" algn="l"/>
-              </a:tabLst>
-              <a:defRPr>
-                <a:solidFill>
-                  <a:schemeClr val="bg1"/>
-                </a:solidFill>
-                <a:latin typeface="Arial" panose="020B0604020202020204" pitchFamily="34" charset="0"/>
-                <a:cs typeface="Arial" panose="020B0604020202020204" pitchFamily="34" charset="0"/>
-              </a:defRPr>
-            </a:lvl6pPr>
-            <a:lvl7pPr marL="2971800" indent="-228600" defTabSz="449263" eaLnBrk="0" fontAlgn="base" hangingPunct="0">
-              <a:spcBef>
-                <a:spcPct val="0"/>
-              </a:spcBef>
-              <a:spcAft>
-                <a:spcPct val="0"/>
-              </a:spcAft>
-              <a:tabLst>
-                <a:tab pos="0" algn="l"/>
-                <a:tab pos="447675" algn="l"/>
-                <a:tab pos="896938" algn="l"/>
-                <a:tab pos="1346200" algn="l"/>
-                <a:tab pos="1795463" algn="l"/>
-                <a:tab pos="2244725" algn="l"/>
-                <a:tab pos="2693988" algn="l"/>
-                <a:tab pos="3143250" algn="l"/>
-                <a:tab pos="3592513" algn="l"/>
-                <a:tab pos="4041775" algn="l"/>
-                <a:tab pos="4491038" algn="l"/>
-                <a:tab pos="4940300" algn="l"/>
-                <a:tab pos="5389563" algn="l"/>
-                <a:tab pos="5838825" algn="l"/>
-                <a:tab pos="6288088" algn="l"/>
-                <a:tab pos="6737350" algn="l"/>
-                <a:tab pos="7186613" algn="l"/>
-                <a:tab pos="7635875" algn="l"/>
-                <a:tab pos="8085138" algn="l"/>
-                <a:tab pos="8534400" algn="l"/>
-                <a:tab pos="8983663" algn="l"/>
-              </a:tabLst>
-              <a:defRPr>
-                <a:solidFill>
-                  <a:schemeClr val="bg1"/>
-                </a:solidFill>
-                <a:latin typeface="Arial" panose="020B0604020202020204" pitchFamily="34" charset="0"/>
-                <a:cs typeface="Arial" panose="020B0604020202020204" pitchFamily="34" charset="0"/>
-              </a:defRPr>
-            </a:lvl7pPr>
-            <a:lvl8pPr marL="3429000" indent="-228600" defTabSz="449263" eaLnBrk="0" fontAlgn="base" hangingPunct="0">
-              <a:spcBef>
-                <a:spcPct val="0"/>
-              </a:spcBef>
-              <a:spcAft>
-                <a:spcPct val="0"/>
-              </a:spcAft>
-              <a:tabLst>
-                <a:tab pos="0" algn="l"/>
-                <a:tab pos="447675" algn="l"/>
-                <a:tab pos="896938" algn="l"/>
-                <a:tab pos="1346200" algn="l"/>
-                <a:tab pos="1795463" algn="l"/>
-                <a:tab pos="2244725" algn="l"/>
-                <a:tab pos="2693988" algn="l"/>
-                <a:tab pos="3143250" algn="l"/>
-                <a:tab pos="3592513" algn="l"/>
-                <a:tab pos="4041775" algn="l"/>
-                <a:tab pos="4491038" algn="l"/>
-                <a:tab pos="4940300" algn="l"/>
-                <a:tab pos="5389563" algn="l"/>
-                <a:tab pos="5838825" algn="l"/>
-                <a:tab pos="6288088" algn="l"/>
-                <a:tab pos="6737350" algn="l"/>
-                <a:tab pos="7186613" algn="l"/>
-                <a:tab pos="7635875" algn="l"/>
-                <a:tab pos="8085138" algn="l"/>
-                <a:tab pos="8534400" algn="l"/>
-                <a:tab pos="8983663" algn="l"/>
-              </a:tabLst>
-              <a:defRPr>
-                <a:solidFill>
-                  <a:schemeClr val="bg1"/>
-                </a:solidFill>
-                <a:latin typeface="Arial" panose="020B0604020202020204" pitchFamily="34" charset="0"/>
-                <a:cs typeface="Arial" panose="020B0604020202020204" pitchFamily="34" charset="0"/>
-              </a:defRPr>
-            </a:lvl8pPr>
-            <a:lvl9pPr marL="3886200" indent="-228600" defTabSz="449263" eaLnBrk="0" fontAlgn="base" hangingPunct="0">
-              <a:spcBef>
-                <a:spcPct val="0"/>
-              </a:spcBef>
-              <a:spcAft>
-                <a:spcPct val="0"/>
-              </a:spcAft>
-              <a:tabLst>
-                <a:tab pos="0" algn="l"/>
-                <a:tab pos="447675" algn="l"/>
-                <a:tab pos="896938" algn="l"/>
-                <a:tab pos="1346200" algn="l"/>
-                <a:tab pos="1795463" algn="l"/>
-                <a:tab pos="2244725" algn="l"/>
-                <a:tab pos="2693988" algn="l"/>
-                <a:tab pos="3143250" algn="l"/>
-                <a:tab pos="3592513" algn="l"/>
-                <a:tab pos="4041775" algn="l"/>
-                <a:tab pos="4491038" algn="l"/>
-                <a:tab pos="4940300" algn="l"/>
-                <a:tab pos="5389563" algn="l"/>
-                <a:tab pos="5838825" algn="l"/>
-                <a:tab pos="6288088" algn="l"/>
-                <a:tab pos="6737350" algn="l"/>
-                <a:tab pos="7186613" algn="l"/>
-                <a:tab pos="7635875" algn="l"/>
-                <a:tab pos="8085138" algn="l"/>
-                <a:tab pos="8534400" algn="l"/>
-                <a:tab pos="8983663" algn="l"/>
-              </a:tabLst>
-              <a:defRPr>
-                <a:solidFill>
-                  <a:schemeClr val="bg1"/>
-                </a:solidFill>
-                <a:latin typeface="Arial" panose="020B0604020202020204" pitchFamily="34" charset="0"/>
-                <a:cs typeface="Arial" panose="020B0604020202020204" pitchFamily="34" charset="0"/>
-              </a:defRPr>
-            </a:lvl9pPr>
-          </a:lstStyle>
-          <a:p>
-            <a:pPr algn="ctr" eaLnBrk="1" hangingPunct="1">
-              <a:buSzPct val="100000"/>
-            </a:pPr>
-            <a:r>
-              <a:rPr lang="es-ES" altLang="es-MX" b="1" dirty="0">
-                <a:solidFill>
-                  <a:srgbClr val="000000"/>
-                </a:solidFill>
+          <a:p>
+            <a:pPr algn="ctr"/>
+            <a:r>
+              <a:rPr lang="es-ES" sz="2600" b="1" dirty="0">
                 <a:latin typeface="Calibri" panose="020F0502020204030204" pitchFamily="34" charset="0"/>
+                <a:cs typeface="Calibri" panose="020F0502020204030204" pitchFamily="34" charset="0"/>
               </a:rPr>
-              <a:t>22 de octubre de 2020</a:t>
-            </a:r>
-          </a:p>
-          <a:p>
-            <a:pPr eaLnBrk="1" hangingPunct="1">
-              <a:buSzPct val="100000"/>
-            </a:pPr>
-            <a:endParaRPr lang="es-ES" altLang="es-MX" b="1" dirty="0">
-              <a:solidFill>
-                <a:srgbClr val="000000"/>
-              </a:solidFill>
+              <a:t>Tutor </a:t>
+            </a:r>
+          </a:p>
+          <a:p>
+            <a:pPr algn="ctr"/>
+            <a:r>
+              <a:rPr lang="es-ES" sz="2600" b="1" dirty="0" err="1">
+                <a:latin typeface="Calibri" panose="020F0502020204030204" pitchFamily="34" charset="0"/>
+                <a:cs typeface="Calibri" panose="020F0502020204030204" pitchFamily="34" charset="0"/>
+              </a:rPr>
+              <a:t>Dionis</a:t>
+            </a:r>
+            <a:r>
+              <a:rPr lang="es-ES" sz="2600" b="1" dirty="0">
+                <a:latin typeface="Calibri" panose="020F0502020204030204" pitchFamily="34" charset="0"/>
+                <a:cs typeface="Calibri" panose="020F0502020204030204" pitchFamily="34" charset="0"/>
+              </a:rPr>
+              <a:t> López Ramos</a:t>
+            </a:r>
+          </a:p>
+          <a:p>
+            <a:pPr algn="ctr"/>
+            <a:endParaRPr lang="es-ES" sz="2800" b="1" dirty="0">
               <a:latin typeface="Calibri" panose="020F0502020204030204" pitchFamily="34" charset="0"/>
+              <a:cs typeface="Calibri" panose="020F0502020204030204" pitchFamily="34" charset="0"/>
             </a:endParaRPr>
           </a:p>
         </p:txBody>
@@ -11387,7 +11314,7 @@
     </p:spTree>
     <p:extLst>
       <p:ext uri="{BB962C8B-B14F-4D97-AF65-F5344CB8AC3E}">
-        <p14:creationId xmlns:p14="http://schemas.microsoft.com/office/powerpoint/2010/main" val="4151539066"/>
+        <p14:creationId xmlns:p14="http://schemas.microsoft.com/office/powerpoint/2010/main" val="1355644756"/>
       </p:ext>
     </p:extLst>
   </p:cSld>

--- a/Tesis/Primer Corte.pptx
+++ b/Tesis/Primer Corte.pptx
@@ -5,31 +5,25 @@
     <p:sldMasterId id="2147483814" r:id="rId1"/>
   </p:sldMasterIdLst>
   <p:notesMasterIdLst>
-    <p:notesMasterId r:id="rId24"/>
+    <p:notesMasterId r:id="rId18"/>
   </p:notesMasterIdLst>
   <p:sldIdLst>
     <p:sldId id="256" r:id="rId2"/>
     <p:sldId id="257" r:id="rId3"/>
-    <p:sldId id="283" r:id="rId4"/>
-    <p:sldId id="265" r:id="rId5"/>
-    <p:sldId id="282" r:id="rId6"/>
-    <p:sldId id="258" r:id="rId7"/>
-    <p:sldId id="260" r:id="rId8"/>
-    <p:sldId id="280" r:id="rId9"/>
-    <p:sldId id="281" r:id="rId10"/>
-    <p:sldId id="263" r:id="rId11"/>
-    <p:sldId id="269" r:id="rId12"/>
-    <p:sldId id="284" r:id="rId13"/>
-    <p:sldId id="287" r:id="rId14"/>
-    <p:sldId id="288" r:id="rId15"/>
-    <p:sldId id="286" r:id="rId16"/>
-    <p:sldId id="289" r:id="rId17"/>
-    <p:sldId id="290" r:id="rId18"/>
-    <p:sldId id="293" r:id="rId19"/>
-    <p:sldId id="291" r:id="rId20"/>
-    <p:sldId id="292" r:id="rId21"/>
-    <p:sldId id="275" r:id="rId22"/>
-    <p:sldId id="294" r:id="rId23"/>
+    <p:sldId id="265" r:id="rId4"/>
+    <p:sldId id="260" r:id="rId5"/>
+    <p:sldId id="281" r:id="rId6"/>
+    <p:sldId id="263" r:id="rId7"/>
+    <p:sldId id="269" r:id="rId8"/>
+    <p:sldId id="284" r:id="rId9"/>
+    <p:sldId id="287" r:id="rId10"/>
+    <p:sldId id="288" r:id="rId11"/>
+    <p:sldId id="286" r:id="rId12"/>
+    <p:sldId id="290" r:id="rId13"/>
+    <p:sldId id="291" r:id="rId14"/>
+    <p:sldId id="292" r:id="rId15"/>
+    <p:sldId id="275" r:id="rId16"/>
+    <p:sldId id="295" r:id="rId17"/>
   </p:sldIdLst>
   <p:sldSz cx="12192000" cy="6858000"/>
   <p:notesSz cx="6858000" cy="9144000"/>
@@ -136,6 +130,18 @@
 </p:presentation>
 </file>
 
+<file path=ppt/commentAuthors.xml><?xml version="1.0" encoding="utf-8"?>
+<p:cmAuthorLst xmlns:a="http://schemas.openxmlformats.org/drawingml/2006/main" xmlns:r="http://schemas.openxmlformats.org/officeDocument/2006/relationships" xmlns:p="http://schemas.openxmlformats.org/presentationml/2006/main">
+  <p:cmAuthor id="1" name="Dionis" initials="D" lastIdx="17" clrIdx="0">
+    <p:extLst>
+      <p:ext uri="{19B8F6BF-5375-455C-9EA6-DF929625EA0E}">
+        <p15:presenceInfo xmlns:p15="http://schemas.microsoft.com/office/powerpoint/2012/main" userId="Dionis" providerId="None"/>
+      </p:ext>
+    </p:extLst>
+  </p:cmAuthor>
+</p:cmAuthorLst>
+</file>
+
 <file path=ppt/notesMasters/notesMaster1.xml><?xml version="1.0" encoding="utf-8"?>
 <p:notesMaster xmlns:a="http://schemas.openxmlformats.org/drawingml/2006/main" xmlns:r="http://schemas.openxmlformats.org/officeDocument/2006/relationships" xmlns:p="http://schemas.openxmlformats.org/presentationml/2006/main">
   <p:cSld>
@@ -218,7 +224,7 @@
           <a:p>
             <a:fld id="{855318E3-A54E-4A1B-925B-0B6BE85402D7}" type="datetimeFigureOut">
               <a:rPr lang="es-ES" smtClean="0"/>
-              <a:t>05/10/2022</a:t>
+              <a:t>10/10/2022</a:t>
             </a:fld>
             <a:endParaRPr lang="es-ES"/>
           </a:p>
@@ -628,6 +634,11 @@
         </p:txBody>
       </p:sp>
     </p:spTree>
+    <p:extLst>
+      <p:ext uri="{BB962C8B-B14F-4D97-AF65-F5344CB8AC3E}">
+        <p14:creationId xmlns:p14="http://schemas.microsoft.com/office/powerpoint/2010/main" val="2258096504"/>
+      </p:ext>
+    </p:extLst>
   </p:cSld>
   <p:clrMapOvr>
     <a:masterClrMapping/>
@@ -679,6 +690,112 @@
           <a:bodyPr/>
           <a:lstStyle/>
           <a:p>
+            <a:pPr algn="just"/>
+            <a:r>
+              <a:rPr lang="es-ES" dirty="0"/>
+              <a:t> </a:t>
+            </a:r>
+            <a:r>
+              <a:rPr lang="es-ES" sz="1200" dirty="0">
+                <a:effectLst/>
+                <a:latin typeface="Rockwell (Cuerpo)"/>
+                <a:ea typeface="Times New Roman" panose="02020603050405020304" pitchFamily="18" charset="0"/>
+              </a:rPr>
+              <a:t>Un Asistente virtual </a:t>
+            </a:r>
+            <a:r>
+              <a:rPr lang="es-ES" sz="1200" dirty="0">
+                <a:solidFill>
+                  <a:srgbClr val="000000"/>
+                </a:solidFill>
+                <a:effectLst/>
+                <a:latin typeface="Rockwell (Cuerpo)"/>
+                <a:ea typeface="Calibri" panose="020F0502020204030204" pitchFamily="34" charset="0"/>
+              </a:rPr>
+              <a:t>(AV)</a:t>
+            </a:r>
+            <a:r>
+              <a:rPr lang="es-ES" sz="1200" i="1" dirty="0">
+                <a:solidFill>
+                  <a:srgbClr val="000000"/>
+                </a:solidFill>
+                <a:effectLst/>
+                <a:latin typeface="Rockwell (Cuerpo)"/>
+                <a:ea typeface="Calibri" panose="020F0502020204030204" pitchFamily="34" charset="0"/>
+              </a:rPr>
+              <a:t> </a:t>
+            </a:r>
+            <a:r>
+              <a:rPr lang="es-ES" sz="1200" dirty="0">
+                <a:effectLst/>
+                <a:latin typeface="Rockwell (Cuerpo)"/>
+                <a:ea typeface="Times New Roman" panose="02020603050405020304" pitchFamily="18" charset="0"/>
+              </a:rPr>
+              <a:t>es un programa informático que permite a los seres humanos interactuar con la tecnología utilizando una variedad de métodos de entrada (voz, texto, gestos, tacto, etc.). </a:t>
+            </a:r>
+          </a:p>
+          <a:p>
+            <a:pPr algn="just"/>
+            <a:endParaRPr lang="es-ES" sz="1200" dirty="0">
+              <a:latin typeface="Rockwell (Cuerpo)"/>
+            </a:endParaRPr>
+          </a:p>
+          <a:p>
+            <a:pPr algn="just"/>
+            <a:r>
+              <a:rPr lang="es-ES" sz="1200" dirty="0">
+                <a:effectLst/>
+                <a:latin typeface="Rockwell (Cuerpo)"/>
+                <a:ea typeface="Times New Roman" panose="02020603050405020304" pitchFamily="18" charset="0"/>
+              </a:rPr>
+              <a:t>Durante muchos años, los asistentes virtuales se utilizaron sólo en entornos de servicio al cliente, pero ahora se han añadido otros casos de uso principalmente dentro de las empresas para mejorar la experiencia del cliente y la eficiencia empresarial. </a:t>
+            </a:r>
+          </a:p>
+          <a:p>
+            <a:pPr algn="just"/>
+            <a:endParaRPr lang="es-ES" sz="1200" dirty="0">
+              <a:latin typeface="Rockwell (Cuerpo)"/>
+            </a:endParaRPr>
+          </a:p>
+          <a:p>
+            <a:pPr algn="just"/>
+            <a:r>
+              <a:rPr lang="es-MX" sz="1200" dirty="0">
+                <a:solidFill>
+                  <a:srgbClr val="000000"/>
+                </a:solidFill>
+                <a:effectLst/>
+                <a:latin typeface="Rockwell (Cuerpo)"/>
+                <a:ea typeface="Calibri" panose="020F0502020204030204" pitchFamily="34" charset="0"/>
+              </a:rPr>
+              <a:t>En nuestro país actualmente esta tecnología no es muy explotada, aunque han existido, como es el ejemplo de Amanda (Usada para información sobre las elecciones en Cuba) y ELIZ que es un asistente virtual para la plataforma ENZONA. </a:t>
+            </a:r>
+          </a:p>
+          <a:p>
+            <a:pPr algn="just"/>
+            <a:endParaRPr lang="es-MX" sz="1200" dirty="0">
+              <a:solidFill>
+                <a:srgbClr val="000000"/>
+              </a:solidFill>
+              <a:latin typeface="Rockwell (Cuerpo)"/>
+            </a:endParaRPr>
+          </a:p>
+          <a:p>
+            <a:pPr algn="just"/>
+            <a:r>
+              <a:rPr lang="es-MX" sz="1200" dirty="0">
+                <a:solidFill>
+                  <a:srgbClr val="000000"/>
+                </a:solidFill>
+                <a:latin typeface="Rockwell (Cuerpo)"/>
+              </a:rPr>
+              <a:t>El propósito de esta investigación es, además de facilitar el desarrollo de asistentes virtuales, potenciar el uso de los mismos mejorando sus capacidades de respuesta al interactuar con las personas.</a:t>
+            </a:r>
+            <a:endParaRPr lang="es-ES" sz="1200" dirty="0">
+              <a:latin typeface="Rockwell (Cuerpo)"/>
+            </a:endParaRPr>
+          </a:p>
+          <a:p>
             <a:pPr marL="0" marR="0" lvl="0" indent="0" algn="just" defTabSz="914400" rtl="0" eaLnBrk="1" fontAlgn="auto" latinLnBrk="0" hangingPunct="1">
               <a:lnSpc>
                 <a:spcPct val="100000"/>
@@ -696,10 +813,7 @@
               <a:tabLst/>
               <a:defRPr/>
             </a:pPr>
-            <a:r>
-              <a:rPr lang="es-ES" dirty="0"/>
-              <a:t> </a:t>
-            </a:r>
+            <a:endParaRPr lang="es-ES" dirty="0"/>
           </a:p>
         </p:txBody>
       </p:sp>
@@ -783,7 +897,7 @@
           <a:bodyPr/>
           <a:lstStyle/>
           <a:p>
-            <a:pPr marL="0" marR="0" lvl="0" indent="0" algn="just" defTabSz="914400" rtl="0" eaLnBrk="1" fontAlgn="auto" latinLnBrk="0" hangingPunct="1">
+            <a:pPr marL="0" marR="0" lvl="0" indent="0" algn="l" defTabSz="914400" rtl="0" eaLnBrk="1" fontAlgn="auto" latinLnBrk="0" hangingPunct="1">
               <a:lnSpc>
                 <a:spcPct val="100000"/>
               </a:lnSpc>
@@ -801,9 +915,171 @@
               <a:defRPr/>
             </a:pPr>
             <a:r>
-              <a:rPr lang="es-ES" dirty="0"/>
+              <a:rPr lang="es-MX" dirty="0" err="1">
+                <a:latin typeface="Rockwell (Cuerpo)"/>
+                <a:cs typeface="Arial" panose="020B0604020202020204" pitchFamily="34" charset="0"/>
+              </a:rPr>
+              <a:t>Situacion</a:t>
+            </a:r>
+            <a:r>
+              <a:rPr lang="es-MX" dirty="0">
+                <a:latin typeface="Rockwell (Cuerpo)"/>
+                <a:cs typeface="Arial" panose="020B0604020202020204" pitchFamily="34" charset="0"/>
+              </a:rPr>
               <a:t> </a:t>
             </a:r>
+            <a:r>
+              <a:rPr lang="es-MX" dirty="0" err="1">
+                <a:latin typeface="Rockwell (Cuerpo)"/>
+                <a:cs typeface="Arial" panose="020B0604020202020204" pitchFamily="34" charset="0"/>
+              </a:rPr>
+              <a:t>Problemica</a:t>
+            </a:r>
+            <a:endParaRPr lang="es-MX" dirty="0">
+              <a:latin typeface="Rockwell (Cuerpo)"/>
+              <a:cs typeface="Arial" panose="020B0604020202020204" pitchFamily="34" charset="0"/>
+            </a:endParaRPr>
+          </a:p>
+          <a:p>
+            <a:pPr marL="0" marR="0" lvl="0" indent="0" algn="l" defTabSz="914400" rtl="0" eaLnBrk="1" fontAlgn="auto" latinLnBrk="0" hangingPunct="1">
+              <a:lnSpc>
+                <a:spcPct val="100000"/>
+              </a:lnSpc>
+              <a:spcBef>
+                <a:spcPts val="0"/>
+              </a:spcBef>
+              <a:spcAft>
+                <a:spcPts val="0"/>
+              </a:spcAft>
+              <a:buClrTx/>
+              <a:buSzTx/>
+              <a:buFontTx/>
+              <a:buNone/>
+              <a:tabLst/>
+              <a:defRPr/>
+            </a:pPr>
+            <a:r>
+              <a:rPr lang="es-MX" dirty="0">
+                <a:latin typeface="Rockwell (Cuerpo)"/>
+                <a:cs typeface="Arial" panose="020B0604020202020204" pitchFamily="34" charset="0"/>
+              </a:rPr>
+              <a:t>Los Asistentes Virtuales tienen la capacidad de brindar un servicio de atención mediante chat por diferentes vías, permiten la aclaración rápida de dudas y búsqueda de información que las personas demandan constantemente; sin embargo no están aptos muchas veces para dar respuestas o soluciones porque necesitan el conocimiento suficiente para ello.</a:t>
+            </a:r>
+          </a:p>
+          <a:p>
+            <a:pPr marL="0" marR="0" lvl="0" indent="0" algn="l" defTabSz="914400" rtl="0" eaLnBrk="1" fontAlgn="auto" latinLnBrk="0" hangingPunct="1">
+              <a:lnSpc>
+                <a:spcPct val="100000"/>
+              </a:lnSpc>
+              <a:spcBef>
+                <a:spcPts val="0"/>
+              </a:spcBef>
+              <a:spcAft>
+                <a:spcPts val="0"/>
+              </a:spcAft>
+              <a:buClrTx/>
+              <a:buSzTx/>
+              <a:buFontTx/>
+              <a:buNone/>
+              <a:tabLst/>
+              <a:defRPr/>
+            </a:pPr>
+            <a:endParaRPr lang="es-MX" dirty="0">
+              <a:latin typeface="Rockwell (Cuerpo)"/>
+              <a:cs typeface="Arial" panose="020B0604020202020204" pitchFamily="34" charset="0"/>
+            </a:endParaRPr>
+          </a:p>
+          <a:p>
+            <a:pPr marL="0" marR="0" lvl="0" indent="0" algn="l" defTabSz="914400" rtl="0" eaLnBrk="1" fontAlgn="auto" latinLnBrk="0" hangingPunct="1">
+              <a:lnSpc>
+                <a:spcPct val="100000"/>
+              </a:lnSpc>
+              <a:spcBef>
+                <a:spcPts val="0"/>
+              </a:spcBef>
+              <a:spcAft>
+                <a:spcPts val="0"/>
+              </a:spcAft>
+              <a:buClrTx/>
+              <a:buSzTx/>
+              <a:buFontTx/>
+              <a:buNone/>
+              <a:tabLst/>
+              <a:defRPr/>
+            </a:pPr>
+            <a:r>
+              <a:rPr lang="es-MX" dirty="0">
+                <a:latin typeface="Rockwell (Cuerpo)"/>
+                <a:cs typeface="Arial" panose="020B0604020202020204" pitchFamily="34" charset="0"/>
+              </a:rPr>
+              <a:t>Problema </a:t>
+            </a:r>
+          </a:p>
+          <a:p>
+            <a:pPr marL="0" marR="0" lvl="0" indent="0" algn="l" defTabSz="914400" rtl="0" eaLnBrk="1" fontAlgn="auto" latinLnBrk="0" hangingPunct="1">
+              <a:lnSpc>
+                <a:spcPct val="100000"/>
+              </a:lnSpc>
+              <a:spcBef>
+                <a:spcPts val="0"/>
+              </a:spcBef>
+              <a:spcAft>
+                <a:spcPts val="0"/>
+              </a:spcAft>
+              <a:buClrTx/>
+              <a:buSzTx/>
+              <a:buFontTx/>
+              <a:buNone/>
+              <a:tabLst/>
+              <a:defRPr/>
+            </a:pPr>
+            <a:r>
+              <a:rPr lang="es-ES" dirty="0">
+                <a:effectLst/>
+                <a:latin typeface="Rockwell (Cuerpo)"/>
+                <a:ea typeface="Calibri" panose="020F0502020204030204" pitchFamily="34" charset="0"/>
+              </a:rPr>
+              <a:t>El servicio agente de atención al cliente a través de personas supone costos, gasto físico y muchas veces limitaciones en el servicio, ya sea por el horario laboral, problemas de salud o falta de personal capacitado para satisfacer la demanda que de búsqueda de información que generan las personas. </a:t>
+            </a:r>
+            <a:r>
+              <a:rPr lang="es-ES" b="1" dirty="0">
+                <a:effectLst/>
+                <a:latin typeface="Rockwell (Cuerpo)"/>
+                <a:ea typeface="Calibri" panose="020F0502020204030204" pitchFamily="34" charset="0"/>
+              </a:rPr>
+              <a:t>Un asistente virtual que puede estar disponible a toda hora, atender a muchos usuarios a la vez con una buena base de conocimiento que actualmente es insuficiente, necesita de especialistas y de un laborioso trabajo para construirse, puede dar solución a estas cuestiones o necesidades.</a:t>
+            </a:r>
+            <a:endParaRPr lang="es-ES" dirty="0">
+              <a:effectLst/>
+              <a:latin typeface="Rockwell (Cuerpo)"/>
+              <a:ea typeface="Calibri" panose="020F0502020204030204" pitchFamily="34" charset="0"/>
+            </a:endParaRPr>
+          </a:p>
+          <a:p>
+            <a:pPr marL="0" marR="0" lvl="0" indent="0" algn="l" defTabSz="914400" rtl="0" eaLnBrk="1" fontAlgn="auto" latinLnBrk="0" hangingPunct="1">
+              <a:lnSpc>
+                <a:spcPct val="100000"/>
+              </a:lnSpc>
+              <a:spcBef>
+                <a:spcPts val="0"/>
+              </a:spcBef>
+              <a:spcAft>
+                <a:spcPts val="0"/>
+              </a:spcAft>
+              <a:buClrTx/>
+              <a:buSzTx/>
+              <a:buFontTx/>
+              <a:buNone/>
+              <a:tabLst/>
+              <a:defRPr/>
+            </a:pPr>
+            <a:endParaRPr lang="es-ES" dirty="0">
+              <a:latin typeface="Rockwell (Cuerpo)"/>
+              <a:cs typeface="Arial" panose="020B0604020202020204" pitchFamily="34" charset="0"/>
+            </a:endParaRPr>
+          </a:p>
+          <a:p>
+            <a:endParaRPr lang="es-ES" dirty="0"/>
           </a:p>
         </p:txBody>
       </p:sp>
@@ -833,7 +1109,7 @@
     </p:spTree>
     <p:extLst>
       <p:ext uri="{BB962C8B-B14F-4D97-AF65-F5344CB8AC3E}">
-        <p14:creationId xmlns:p14="http://schemas.microsoft.com/office/powerpoint/2010/main" val="334877510"/>
+        <p14:creationId xmlns:p14="http://schemas.microsoft.com/office/powerpoint/2010/main" val="2880916079"/>
       </p:ext>
     </p:extLst>
   </p:cSld>
@@ -887,36 +1163,6 @@
           <a:bodyPr/>
           <a:lstStyle/>
           <a:p>
-            <a:pPr marL="0" marR="0" lvl="0" indent="0" algn="l" defTabSz="914400" rtl="0" eaLnBrk="1" fontAlgn="auto" latinLnBrk="0" hangingPunct="1">
-              <a:lnSpc>
-                <a:spcPct val="100000"/>
-              </a:lnSpc>
-              <a:spcBef>
-                <a:spcPts val="0"/>
-              </a:spcBef>
-              <a:spcAft>
-                <a:spcPts val="0"/>
-              </a:spcAft>
-              <a:buClrTx/>
-              <a:buSzTx/>
-              <a:buFontTx/>
-              <a:buNone/>
-              <a:tabLst/>
-              <a:defRPr/>
-            </a:pPr>
-            <a:r>
-              <a:rPr lang="es-MX" dirty="0">
-                <a:latin typeface="Rockwell (Cuerpo)"/>
-                <a:cs typeface="Arial" panose="020B0604020202020204" pitchFamily="34" charset="0"/>
-              </a:rPr>
-              <a:t>Los Asistentes Virtuales tienen la capacidad de brindar un servicio de atención mediante chat por diferentes vías, permiten la aclaración rápida de dudas y búsqueda de información que las personas demandan constantemente; sin embargo no están aptos muchas veces para dar respuestas o soluciones porque necesitan el conocimiento suficiente para ello.</a:t>
-            </a:r>
-            <a:endParaRPr lang="es-ES" dirty="0">
-              <a:latin typeface="Rockwell (Cuerpo)"/>
-              <a:cs typeface="Arial" panose="020B0604020202020204" pitchFamily="34" charset="0"/>
-            </a:endParaRPr>
-          </a:p>
-          <a:p>
             <a:endParaRPr lang="es-ES" dirty="0"/>
           </a:p>
         </p:txBody>
@@ -938,7 +1184,7 @@
           <a:p>
             <a:fld id="{3078BF56-2ECF-4460-BCB4-07206B519773}" type="slidenum">
               <a:rPr lang="es-ES" smtClean="0"/>
-              <a:t>4</a:t>
+              <a:t>6</a:t>
             </a:fld>
             <a:endParaRPr lang="es-ES"/>
           </a:p>
@@ -947,7 +1193,7 @@
     </p:spTree>
     <p:extLst>
       <p:ext uri="{BB962C8B-B14F-4D97-AF65-F5344CB8AC3E}">
-        <p14:creationId xmlns:p14="http://schemas.microsoft.com/office/powerpoint/2010/main" val="2880916079"/>
+        <p14:creationId xmlns:p14="http://schemas.microsoft.com/office/powerpoint/2010/main" val="2585072665"/>
       </p:ext>
     </p:extLst>
   </p:cSld>
@@ -1001,6 +1247,97 @@
           <a:bodyPr/>
           <a:lstStyle/>
           <a:p>
+            <a:pPr marL="0" marR="0" lvl="0" indent="0" algn="l" defTabSz="914400" rtl="0" eaLnBrk="1" fontAlgn="auto" latinLnBrk="0" hangingPunct="1">
+              <a:lnSpc>
+                <a:spcPct val="100000"/>
+              </a:lnSpc>
+              <a:spcBef>
+                <a:spcPts val="0"/>
+              </a:spcBef>
+              <a:spcAft>
+                <a:spcPts val="0"/>
+              </a:spcAft>
+              <a:buClrTx/>
+              <a:buSzTx/>
+              <a:buFontTx/>
+              <a:buNone/>
+              <a:tabLst/>
+              <a:defRPr/>
+            </a:pPr>
+            <a:r>
+              <a:rPr lang="es-ES" sz="1800" dirty="0">
+                <a:effectLst/>
+                <a:latin typeface="Arial" panose="020B0604020202020204" pitchFamily="34" charset="0"/>
+                <a:ea typeface="Calibri" panose="020F0502020204030204" pitchFamily="34" charset="0"/>
+              </a:rPr>
+              <a:t>De las plataformas estudiadas lo mejor es el uso de sistemas Open </a:t>
+            </a:r>
+            <a:r>
+              <a:rPr lang="es-ES" sz="1800" dirty="0" err="1">
+                <a:effectLst/>
+                <a:latin typeface="Arial" panose="020B0604020202020204" pitchFamily="34" charset="0"/>
+                <a:ea typeface="Calibri" panose="020F0502020204030204" pitchFamily="34" charset="0"/>
+              </a:rPr>
+              <a:t>Source</a:t>
+            </a:r>
+            <a:r>
+              <a:rPr lang="es-ES" sz="1800" dirty="0">
+                <a:effectLst/>
+                <a:latin typeface="Arial" panose="020B0604020202020204" pitchFamily="34" charset="0"/>
+                <a:ea typeface="Calibri" panose="020F0502020204030204" pitchFamily="34" charset="0"/>
+              </a:rPr>
+              <a:t> (Código Abierto) como lo son </a:t>
+            </a:r>
+            <a:r>
+              <a:rPr lang="es-ES" sz="1800" dirty="0" err="1">
+                <a:effectLst/>
+                <a:latin typeface="Arial" panose="020B0604020202020204" pitchFamily="34" charset="0"/>
+                <a:ea typeface="Calibri" panose="020F0502020204030204" pitchFamily="34" charset="0"/>
+              </a:rPr>
+              <a:t>BotPress</a:t>
+            </a:r>
+            <a:r>
+              <a:rPr lang="es-ES" sz="1800" dirty="0">
+                <a:effectLst/>
+                <a:latin typeface="Arial" panose="020B0604020202020204" pitchFamily="34" charset="0"/>
+                <a:ea typeface="Calibri" panose="020F0502020204030204" pitchFamily="34" charset="0"/>
+              </a:rPr>
+              <a:t> y RASA por su manejo y la posibilidad de modificar en aras de adaptar y dar mejores facilidades en comparación con las otras plataformas, permite una mayor colaboración entre los que usan este tipo de sistemas y por lo tanto tienen una gran comunidad de desarrolladores activos. Las otras plataformas: Azure Bot </a:t>
+            </a:r>
+            <a:r>
+              <a:rPr lang="es-ES" sz="1800" dirty="0" err="1">
+                <a:effectLst/>
+                <a:latin typeface="Arial" panose="020B0604020202020204" pitchFamily="34" charset="0"/>
+                <a:ea typeface="Calibri" panose="020F0502020204030204" pitchFamily="34" charset="0"/>
+              </a:rPr>
+              <a:t>Service</a:t>
+            </a:r>
+            <a:r>
+              <a:rPr lang="es-ES" sz="1800" dirty="0">
+                <a:effectLst/>
+                <a:latin typeface="Arial" panose="020B0604020202020204" pitchFamily="34" charset="0"/>
+                <a:ea typeface="Calibri" panose="020F0502020204030204" pitchFamily="34" charset="0"/>
+              </a:rPr>
+              <a:t>, </a:t>
+            </a:r>
+            <a:r>
+              <a:rPr lang="es-ES" sz="1800" dirty="0" err="1">
+                <a:effectLst/>
+                <a:latin typeface="Arial" panose="020B0604020202020204" pitchFamily="34" charset="0"/>
+                <a:ea typeface="Calibri" panose="020F0502020204030204" pitchFamily="34" charset="0"/>
+              </a:rPr>
+              <a:t>DialogFlow</a:t>
+            </a:r>
+            <a:r>
+              <a:rPr lang="es-ES" sz="1800" dirty="0">
+                <a:effectLst/>
+                <a:latin typeface="Arial" panose="020B0604020202020204" pitchFamily="34" charset="0"/>
+                <a:ea typeface="Calibri" panose="020F0502020204030204" pitchFamily="34" charset="0"/>
+              </a:rPr>
+              <a:t> y Amazon Lex si bien son bastante completas y son las más usadas por las grandes empresas, estas son sistemas privados y hoy la industria del software libre es un gran paso de avance en la tecnología, una mejor alternativa, está en ascenso y es más flexible para los desarrolladores. La plataforma Rasa fue la elegida para trabajar, ya que por su forma de uso permite modificar o configurar a nivel de archivos cómo se lleva el conocimiento a los asistentes virtuales desarrollados en ella. Además, Rasa se ajusta más a la línea o idea que se está siguiendo en este trabajo porque al usar comandos permite de alguna manera automatizar del proceso que se está trabajando; además de la basta comunidad y tutoriales que posee, así como las facilidades que brinda para desarrollar y entrenar sus agentes conversacionales.</a:t>
+            </a:r>
+          </a:p>
+          <a:p>
             <a:endParaRPr lang="es-ES" dirty="0"/>
           </a:p>
         </p:txBody>
@@ -1022,7 +1359,7 @@
           <a:p>
             <a:fld id="{3078BF56-2ECF-4460-BCB4-07206B519773}" type="slidenum">
               <a:rPr lang="es-ES" smtClean="0"/>
-              <a:t>10</a:t>
+              <a:t>7</a:t>
             </a:fld>
             <a:endParaRPr lang="es-ES"/>
           </a:p>
@@ -1031,7 +1368,7 @@
     </p:spTree>
     <p:extLst>
       <p:ext uri="{BB962C8B-B14F-4D97-AF65-F5344CB8AC3E}">
-        <p14:creationId xmlns:p14="http://schemas.microsoft.com/office/powerpoint/2010/main" val="2585072665"/>
+        <p14:creationId xmlns:p14="http://schemas.microsoft.com/office/powerpoint/2010/main" val="2554199236"/>
       </p:ext>
     </p:extLst>
   </p:cSld>
@@ -1103,76 +1440,94 @@
               <a:defRPr/>
             </a:pPr>
             <a:r>
-              <a:rPr lang="es-ES" sz="1800" dirty="0">
-                <a:effectLst/>
-                <a:latin typeface="Arial" panose="020B0604020202020204" pitchFamily="34" charset="0"/>
-                <a:ea typeface="Calibri" panose="020F0502020204030204" pitchFamily="34" charset="0"/>
-              </a:rPr>
-              <a:t>De las plataformas estudiadas lo mejor es el uso de sistemas Open </a:t>
-            </a:r>
-            <a:r>
-              <a:rPr lang="es-ES" sz="1800" dirty="0" err="1">
-                <a:effectLst/>
-                <a:latin typeface="Arial" panose="020B0604020202020204" pitchFamily="34" charset="0"/>
-                <a:ea typeface="Calibri" panose="020F0502020204030204" pitchFamily="34" charset="0"/>
-              </a:rPr>
-              <a:t>Source</a:t>
-            </a:r>
-            <a:r>
-              <a:rPr lang="es-ES" sz="1800" dirty="0">
-                <a:effectLst/>
-                <a:latin typeface="Arial" panose="020B0604020202020204" pitchFamily="34" charset="0"/>
-                <a:ea typeface="Calibri" panose="020F0502020204030204" pitchFamily="34" charset="0"/>
-              </a:rPr>
-              <a:t> (Código Abierto) como lo son </a:t>
-            </a:r>
-            <a:r>
-              <a:rPr lang="es-ES" sz="1800" dirty="0" err="1">
-                <a:effectLst/>
-                <a:latin typeface="Arial" panose="020B0604020202020204" pitchFamily="34" charset="0"/>
-                <a:ea typeface="Calibri" panose="020F0502020204030204" pitchFamily="34" charset="0"/>
-              </a:rPr>
-              <a:t>BotPress</a:t>
-            </a:r>
-            <a:r>
-              <a:rPr lang="es-ES" sz="1800" dirty="0">
-                <a:effectLst/>
-                <a:latin typeface="Arial" panose="020B0604020202020204" pitchFamily="34" charset="0"/>
-                <a:ea typeface="Calibri" panose="020F0502020204030204" pitchFamily="34" charset="0"/>
-              </a:rPr>
-              <a:t> y RASA por su manejo y la posibilidad de modificar en aras de adaptar y dar mejores facilidades en comparación con las otras plataformas, permite una mayor colaboración entre los que usan este tipo de sistemas y por lo tanto tienen una gran comunidad de desarrolladores activos. Las otras plataformas: Azure Bot </a:t>
-            </a:r>
-            <a:r>
-              <a:rPr lang="es-ES" sz="1800" dirty="0" err="1">
-                <a:effectLst/>
-                <a:latin typeface="Arial" panose="020B0604020202020204" pitchFamily="34" charset="0"/>
-                <a:ea typeface="Calibri" panose="020F0502020204030204" pitchFamily="34" charset="0"/>
-              </a:rPr>
-              <a:t>Service</a:t>
-            </a:r>
-            <a:r>
-              <a:rPr lang="es-ES" sz="1800" dirty="0">
-                <a:effectLst/>
-                <a:latin typeface="Arial" panose="020B0604020202020204" pitchFamily="34" charset="0"/>
-                <a:ea typeface="Calibri" panose="020F0502020204030204" pitchFamily="34" charset="0"/>
-              </a:rPr>
-              <a:t>, </a:t>
-            </a:r>
-            <a:r>
-              <a:rPr lang="es-ES" sz="1800" dirty="0" err="1">
-                <a:effectLst/>
-                <a:latin typeface="Arial" panose="020B0604020202020204" pitchFamily="34" charset="0"/>
-                <a:ea typeface="Calibri" panose="020F0502020204030204" pitchFamily="34" charset="0"/>
-              </a:rPr>
-              <a:t>DialogFlow</a:t>
-            </a:r>
-            <a:r>
-              <a:rPr lang="es-ES" sz="1800" dirty="0">
-                <a:effectLst/>
-                <a:latin typeface="Arial" panose="020B0604020202020204" pitchFamily="34" charset="0"/>
-                <a:ea typeface="Calibri" panose="020F0502020204030204" pitchFamily="34" charset="0"/>
-              </a:rPr>
-              <a:t> y Amazon Lex si bien son bastante completas y son las más usadas por las grandes empresas, estas son sistemas privados y hoy la industria del software libre es un gran paso de avance en la tecnología, una mejor alternativa, está en ascenso y es más flexible para los desarrolladores. La plataforma Rasa fue la elegida para trabajar, ya que por su forma de uso permite modificar o configurar a nivel de archivos cómo se lleva el conocimiento a los asistentes virtuales desarrollados en ella. Además, Rasa se ajusta más a la línea o idea que se está siguiendo en este trabajo porque al usar comandos permite de alguna manera automatizar del proceso que se está trabajando; además de la basta comunidad y tutoriales que posee, así como las facilidades que brinda para desarrollar y entrenar sus agentes conversacionales.</a:t>
+              <a:rPr lang="es-ES" dirty="0"/>
+              <a:t>Un sistema que a partir de datos proporcionados pudiera generar o construir automáticamente la estructura de conocimiento de un asistente virtual desarrollado en Rasa, lo que reduce en gran medida el error humano al realizar este trabajo manualmente.</a:t>
+            </a:r>
+          </a:p>
+          <a:p>
+            <a:pPr marL="0" marR="0" lvl="0" indent="0" algn="l" defTabSz="914400" rtl="0" eaLnBrk="1" fontAlgn="auto" latinLnBrk="0" hangingPunct="1">
+              <a:lnSpc>
+                <a:spcPct val="100000"/>
+              </a:lnSpc>
+              <a:spcBef>
+                <a:spcPts val="0"/>
+              </a:spcBef>
+              <a:spcAft>
+                <a:spcPts val="0"/>
+              </a:spcAft>
+              <a:buClrTx/>
+              <a:buSzTx/>
+              <a:buFontTx/>
+              <a:buNone/>
+              <a:tabLst/>
+              <a:defRPr/>
+            </a:pPr>
+            <a:endParaRPr lang="es-ES" dirty="0"/>
+          </a:p>
+          <a:p>
+            <a:pPr marL="0" marR="0" lvl="0" indent="0" algn="l" defTabSz="914400" rtl="0" eaLnBrk="1" fontAlgn="auto" latinLnBrk="0" hangingPunct="1">
+              <a:lnSpc>
+                <a:spcPct val="100000"/>
+              </a:lnSpc>
+              <a:spcBef>
+                <a:spcPts val="0"/>
+              </a:spcBef>
+              <a:spcAft>
+                <a:spcPts val="0"/>
+              </a:spcAft>
+              <a:buClrTx/>
+              <a:buSzTx/>
+              <a:buFontTx/>
+              <a:buNone/>
+              <a:tabLst/>
+              <a:defRPr/>
+            </a:pPr>
+            <a:r>
+              <a:rPr lang="es-ES" dirty="0"/>
+              <a:t>La investigación también permitió saber el cómo lograr la construcción automática de asistentes virtuales a partir de una base de conocimiento nueva previamente construida.</a:t>
+            </a:r>
+          </a:p>
+          <a:p>
+            <a:pPr marL="0" marR="0" lvl="0" indent="0" algn="l" defTabSz="914400" rtl="0" eaLnBrk="1" fontAlgn="auto" latinLnBrk="0" hangingPunct="1">
+              <a:lnSpc>
+                <a:spcPct val="100000"/>
+              </a:lnSpc>
+              <a:spcBef>
+                <a:spcPts val="0"/>
+              </a:spcBef>
+              <a:spcAft>
+                <a:spcPts val="0"/>
+              </a:spcAft>
+              <a:buClrTx/>
+              <a:buSzTx/>
+              <a:buFontTx/>
+              <a:buNone/>
+              <a:tabLst/>
+              <a:defRPr/>
+            </a:pPr>
+            <a:endParaRPr lang="es-ES" dirty="0"/>
+          </a:p>
+          <a:p>
+            <a:pPr marL="0" marR="0" lvl="0" indent="0" algn="l" defTabSz="914400" rtl="0" eaLnBrk="1" fontAlgn="auto" latinLnBrk="0" hangingPunct="1">
+              <a:lnSpc>
+                <a:spcPct val="100000"/>
+              </a:lnSpc>
+              <a:spcBef>
+                <a:spcPts val="0"/>
+              </a:spcBef>
+              <a:spcAft>
+                <a:spcPts val="0"/>
+              </a:spcAft>
+              <a:buClrTx/>
+              <a:buSzTx/>
+              <a:buFontTx/>
+              <a:buNone/>
+              <a:tabLst/>
+              <a:defRPr/>
+            </a:pPr>
+            <a:r>
+              <a:rPr lang="es-ES" dirty="0"/>
+              <a:t>Además se logró evidenciar las facilidades que brinda este tipo de solución en el desarrollo de asistentes virtuales sin necesidad de especialistas y reduciendo el trabajo que cuesta dicha tarea; también cómo mejora la capacidad de respuesta de los asistentes virtuales y a su vez la calidad de su servicio al interactuar con las personas.</a:t>
             </a:r>
           </a:p>
           <a:p>
@@ -1197,7 +1552,7 @@
           <a:p>
             <a:fld id="{3078BF56-2ECF-4460-BCB4-07206B519773}" type="slidenum">
               <a:rPr lang="es-ES" smtClean="0"/>
-              <a:t>11</a:t>
+              <a:t>9</a:t>
             </a:fld>
             <a:endParaRPr lang="es-ES"/>
           </a:p>
@@ -1206,7 +1561,7 @@
     </p:spTree>
     <p:extLst>
       <p:ext uri="{BB962C8B-B14F-4D97-AF65-F5344CB8AC3E}">
-        <p14:creationId xmlns:p14="http://schemas.microsoft.com/office/powerpoint/2010/main" val="2554199236"/>
+        <p14:creationId xmlns:p14="http://schemas.microsoft.com/office/powerpoint/2010/main" val="1327427965"/>
       </p:ext>
     </p:extLst>
   </p:cSld>
@@ -1260,15 +1615,35 @@
           <a:bodyPr/>
           <a:lstStyle/>
           <a:p>
-            <a:r>
-              <a:rPr lang="es-ES" noProof="0" dirty="0"/>
-              <a:t>Conversación</a:t>
-            </a:r>
+            <a:pPr algn="just"/>
             <a:r>
               <a:rPr lang="es-ES" dirty="0"/>
-              <a:t> con el asistente virtual</a:t>
-            </a:r>
-            <a:endParaRPr lang="es-CU" dirty="0"/>
+              <a:t>RF1: Permitirá el acceso al sistema y funcionalidades correspondientes. </a:t>
+            </a:r>
+          </a:p>
+          <a:p>
+            <a:pPr algn="just"/>
+            <a:r>
+              <a:rPr lang="es-ES" dirty="0"/>
+              <a:t>RF2: Es donde el usuario a partir de una entrada de datos al sistema, este último analizará dichos datos y creará los archivos de entrenamiento.</a:t>
+            </a:r>
+          </a:p>
+          <a:p>
+            <a:pPr algn="just"/>
+            <a:r>
+              <a:rPr lang="es-ES" dirty="0"/>
+              <a:t>RF3: Proporciona la posibilidad de crear el asistente virtual a partir de cierta información.</a:t>
+            </a:r>
+          </a:p>
+          <a:p>
+            <a:pPr algn="just"/>
+            <a:r>
+              <a:rPr lang="es-ES" dirty="0"/>
+              <a:t>RF4: Permitirá una vez creado el asistente y los archivos de entrenamiento poder entrenarlo, y una vez finalizado este proceso tendrá la posibilidad de probarlo e interactuar con el robot conversacional.</a:t>
+            </a:r>
+          </a:p>
+          <a:p>
+            <a:endParaRPr lang="es-ES" dirty="0"/>
           </a:p>
         </p:txBody>
       </p:sp>
@@ -1289,7 +1664,143 @@
           <a:p>
             <a:fld id="{3078BF56-2ECF-4460-BCB4-07206B519773}" type="slidenum">
               <a:rPr lang="es-ES" smtClean="0"/>
-              <a:t>21</a:t>
+              <a:t>11</a:t>
+            </a:fld>
+            <a:endParaRPr lang="es-ES"/>
+          </a:p>
+        </p:txBody>
+      </p:sp>
+    </p:spTree>
+    <p:extLst>
+      <p:ext uri="{BB962C8B-B14F-4D97-AF65-F5344CB8AC3E}">
+        <p14:creationId xmlns:p14="http://schemas.microsoft.com/office/powerpoint/2010/main" val="876864057"/>
+      </p:ext>
+    </p:extLst>
+  </p:cSld>
+  <p:clrMapOvr>
+    <a:masterClrMapping/>
+  </p:clrMapOvr>
+</p:notes>
+</file>
+
+<file path=ppt/notesSlides/notesSlide8.xml><?xml version="1.0" encoding="utf-8"?>
+<p:notes xmlns:a="http://schemas.openxmlformats.org/drawingml/2006/main" xmlns:r="http://schemas.openxmlformats.org/officeDocument/2006/relationships" xmlns:p="http://schemas.openxmlformats.org/presentationml/2006/main">
+  <p:cSld>
+    <p:spTree>
+      <p:nvGrpSpPr>
+        <p:cNvPr id="1" name=""/>
+        <p:cNvGrpSpPr/>
+        <p:nvPr/>
+      </p:nvGrpSpPr>
+      <p:grpSpPr>
+        <a:xfrm>
+          <a:off x="0" y="0"/>
+          <a:ext cx="0" cy="0"/>
+          <a:chOff x="0" y="0"/>
+          <a:chExt cx="0" cy="0"/>
+        </a:xfrm>
+      </p:grpSpPr>
+      <p:sp>
+        <p:nvSpPr>
+          <p:cNvPr id="2" name="Marcador de imagen de diapositiva 1"/>
+          <p:cNvSpPr>
+            <a:spLocks noGrp="1" noRot="1" noChangeAspect="1"/>
+          </p:cNvSpPr>
+          <p:nvPr>
+            <p:ph type="sldImg"/>
+          </p:nvPr>
+        </p:nvSpPr>
+        <p:spPr/>
+      </p:sp>
+      <p:sp>
+        <p:nvSpPr>
+          <p:cNvPr id="3" name="Marcador de notas 2"/>
+          <p:cNvSpPr>
+            <a:spLocks noGrp="1"/>
+          </p:cNvSpPr>
+          <p:nvPr>
+            <p:ph type="body" idx="1"/>
+          </p:nvPr>
+        </p:nvSpPr>
+        <p:spPr/>
+        <p:txBody>
+          <a:bodyPr/>
+          <a:lstStyle/>
+          <a:p>
+            <a:pPr marL="228600" indent="-228600">
+              <a:buAutoNum type="arabicPeriod"/>
+            </a:pPr>
+            <a:r>
+              <a:rPr lang="es-ES" dirty="0"/>
+              <a:t>T</a:t>
+            </a:r>
+            <a:r>
+              <a:rPr lang="es-CU" dirty="0" err="1"/>
+              <a:t>exto</a:t>
+            </a:r>
+            <a:r>
+              <a:rPr lang="es-CU" dirty="0"/>
+              <a:t> y preguntas generadas (Ingles)</a:t>
+            </a:r>
+          </a:p>
+          <a:p>
+            <a:pPr marL="228600" indent="-228600">
+              <a:buAutoNum type="arabicPeriod"/>
+            </a:pPr>
+            <a:r>
+              <a:rPr lang="es-CU" dirty="0"/>
+              <a:t>Vista de uno de los archivos de entrenamiento con el conocimiento nuevo en español, dichos archivos constituyen la estructura de conocimiento de un </a:t>
+            </a:r>
+            <a:r>
+              <a:rPr lang="es-CU" dirty="0" err="1"/>
+              <a:t>bot</a:t>
+            </a:r>
+            <a:r>
+              <a:rPr lang="es-CU" dirty="0"/>
+              <a:t> desarrollado en Rasa</a:t>
+            </a:r>
+          </a:p>
+          <a:p>
+            <a:pPr marL="228600" indent="-228600">
+              <a:buAutoNum type="arabicPeriod"/>
+            </a:pPr>
+            <a:r>
+              <a:rPr lang="es-CU" dirty="0"/>
+              <a:t>Vista de la </a:t>
+            </a:r>
+            <a:r>
+              <a:rPr lang="es-CU" dirty="0" err="1"/>
+              <a:t>interacci</a:t>
+            </a:r>
+            <a:r>
+              <a:rPr lang="es-ES" dirty="0" err="1"/>
+              <a:t>ó</a:t>
+            </a:r>
+            <a:r>
+              <a:rPr lang="es-CU" dirty="0"/>
+              <a:t>n en un entorno web</a:t>
+            </a:r>
+          </a:p>
+        </p:txBody>
+      </p:sp>
+      <p:sp>
+        <p:nvSpPr>
+          <p:cNvPr id="4" name="Marcador de número de diapositiva 3"/>
+          <p:cNvSpPr>
+            <a:spLocks noGrp="1"/>
+          </p:cNvSpPr>
+          <p:nvPr>
+            <p:ph type="sldNum" sz="quarter" idx="5"/>
+          </p:nvPr>
+        </p:nvSpPr>
+        <p:spPr/>
+        <p:txBody>
+          <a:bodyPr/>
+          <a:lstStyle/>
+          <a:p>
+            <a:fld id="{3078BF56-2ECF-4460-BCB4-07206B519773}" type="slidenum">
+              <a:rPr lang="es-ES" smtClean="0"/>
+              <a:t>15</a:t>
             </a:fld>
             <a:endParaRPr lang="es-ES"/>
           </a:p>
@@ -1308,7 +1819,7 @@
 </p:notes>
 </file>
 
-<file path=ppt/notesSlides/notesSlide8.xml><?xml version="1.0" encoding="utf-8"?>
+<file path=ppt/notesSlides/notesSlide9.xml><?xml version="1.0" encoding="utf-8"?>
 <p:notes xmlns:a="http://schemas.openxmlformats.org/drawingml/2006/main" xmlns:r="http://schemas.openxmlformats.org/officeDocument/2006/relationships" xmlns:p="http://schemas.openxmlformats.org/presentationml/2006/main">
   <p:cSld>
     <p:bg>
@@ -1453,7 +1964,7 @@
     </p:spTree>
     <p:extLst>
       <p:ext uri="{BB962C8B-B14F-4D97-AF65-F5344CB8AC3E}">
-        <p14:creationId xmlns:p14="http://schemas.microsoft.com/office/powerpoint/2010/main" val="1606045348"/>
+        <p14:creationId xmlns:p14="http://schemas.microsoft.com/office/powerpoint/2010/main" val="3561783688"/>
       </p:ext>
     </p:extLst>
   </p:cSld>
@@ -1866,7 +2377,7 @@
           <a:p>
             <a:fld id="{B68655D5-7C77-493A-8D32-5357D2FC22A3}" type="datetimeFigureOut">
               <a:rPr lang="es-ES" smtClean="0"/>
-              <a:t>05/10/2022</a:t>
+              <a:t>10/10/2022</a:t>
             </a:fld>
             <a:endParaRPr lang="es-ES"/>
           </a:p>
@@ -2045,7 +2556,7 @@
           <a:p>
             <a:fld id="{B68655D5-7C77-493A-8D32-5357D2FC22A3}" type="datetimeFigureOut">
               <a:rPr lang="es-ES" smtClean="0"/>
-              <a:t>05/10/2022</a:t>
+              <a:t>10/10/2022</a:t>
             </a:fld>
             <a:endParaRPr lang="es-ES"/>
           </a:p>
@@ -2225,7 +2736,7 @@
           <a:p>
             <a:fld id="{B68655D5-7C77-493A-8D32-5357D2FC22A3}" type="datetimeFigureOut">
               <a:rPr lang="es-ES" smtClean="0"/>
-              <a:t>05/10/2022</a:t>
+              <a:t>10/10/2022</a:t>
             </a:fld>
             <a:endParaRPr lang="es-ES"/>
           </a:p>
@@ -2395,7 +2906,7 @@
           <a:p>
             <a:fld id="{B68655D5-7C77-493A-8D32-5357D2FC22A3}" type="datetimeFigureOut">
               <a:rPr lang="es-ES" smtClean="0"/>
-              <a:t>05/10/2022</a:t>
+              <a:t>10/10/2022</a:t>
             </a:fld>
             <a:endParaRPr lang="es-ES"/>
           </a:p>
@@ -2708,7 +3219,7 @@
           <a:p>
             <a:fld id="{B68655D5-7C77-493A-8D32-5357D2FC22A3}" type="datetimeFigureOut">
               <a:rPr lang="es-ES" smtClean="0"/>
-              <a:t>05/10/2022</a:t>
+              <a:t>10/10/2022</a:t>
             </a:fld>
             <a:endParaRPr lang="es-ES"/>
           </a:p>
@@ -3094,7 +3605,7 @@
           <a:p>
             <a:fld id="{B68655D5-7C77-493A-8D32-5357D2FC22A3}" type="datetimeFigureOut">
               <a:rPr lang="es-ES" smtClean="0"/>
-              <a:t>05/10/2022</a:t>
+              <a:t>10/10/2022</a:t>
             </a:fld>
             <a:endParaRPr lang="es-ES"/>
           </a:p>
@@ -3528,7 +4039,7 @@
           <a:p>
             <a:fld id="{B68655D5-7C77-493A-8D32-5357D2FC22A3}" type="datetimeFigureOut">
               <a:rPr lang="es-ES" smtClean="0"/>
-              <a:t>05/10/2022</a:t>
+              <a:t>10/10/2022</a:t>
             </a:fld>
             <a:endParaRPr lang="es-ES"/>
           </a:p>
@@ -3646,7 +4157,7 @@
           <a:p>
             <a:fld id="{B68655D5-7C77-493A-8D32-5357D2FC22A3}" type="datetimeFigureOut">
               <a:rPr lang="es-ES" smtClean="0"/>
-              <a:t>05/10/2022</a:t>
+              <a:t>10/10/2022</a:t>
             </a:fld>
             <a:endParaRPr lang="es-ES"/>
           </a:p>
@@ -3741,7 +4252,7 @@
           <a:p>
             <a:fld id="{B68655D5-7C77-493A-8D32-5357D2FC22A3}" type="datetimeFigureOut">
               <a:rPr lang="es-ES" smtClean="0"/>
-              <a:t>05/10/2022</a:t>
+              <a:t>10/10/2022</a:t>
             </a:fld>
             <a:endParaRPr lang="es-ES"/>
           </a:p>
@@ -4091,7 +4602,7 @@
           <a:p>
             <a:fld id="{B68655D5-7C77-493A-8D32-5357D2FC22A3}" type="datetimeFigureOut">
               <a:rPr lang="es-ES" smtClean="0"/>
-              <a:t>05/10/2022</a:t>
+              <a:t>10/10/2022</a:t>
             </a:fld>
             <a:endParaRPr lang="es-ES"/>
           </a:p>
@@ -4516,7 +5027,7 @@
           <a:p>
             <a:fld id="{B68655D5-7C77-493A-8D32-5357D2FC22A3}" type="datetimeFigureOut">
               <a:rPr lang="es-ES" smtClean="0"/>
-              <a:t>05/10/2022</a:t>
+              <a:t>10/10/2022</a:t>
             </a:fld>
             <a:endParaRPr lang="es-ES"/>
           </a:p>
@@ -4797,7 +5308,7 @@
           <a:p>
             <a:fld id="{B68655D5-7C77-493A-8D32-5357D2FC22A3}" type="datetimeFigureOut">
               <a:rPr lang="es-ES" smtClean="0"/>
-              <a:t>05/10/2022</a:t>
+              <a:t>10/10/2022</a:t>
             </a:fld>
             <a:endParaRPr lang="es-ES"/>
           </a:p>
@@ -5388,7 +5899,7 @@
           <p:nvPr/>
         </p:nvPicPr>
         <p:blipFill>
-          <a:blip r:embed="rId3">
+          <a:blip r:embed="rId3" cstate="print">
             <a:extLst>
               <a:ext uri="{28A0092B-C50C-407E-A947-70E740481C1C}">
                 <a14:useLocalDpi xmlns:a14="http://schemas.microsoft.com/office/drawing/2010/main" val="0"/>
@@ -5402,8 +5913,8 @@
         </p:blipFill>
         <p:spPr bwMode="auto">
           <a:xfrm>
-            <a:off x="0" y="0"/>
-            <a:ext cx="4011562" cy="6858000"/>
+            <a:off x="0" y="-16329"/>
+            <a:ext cx="3494314" cy="6858000"/>
           </a:xfrm>
           <a:prstGeom prst="rect">
             <a:avLst/>
@@ -5537,8 +6048,8 @@
         </p:nvSpPr>
         <p:spPr bwMode="auto">
           <a:xfrm>
-            <a:off x="5342220" y="1738158"/>
-            <a:ext cx="5676439" cy="2525949"/>
+            <a:off x="3265714" y="1329933"/>
+            <a:ext cx="9073241" cy="2125839"/>
           </a:xfrm>
           <a:prstGeom prst="rect">
             <a:avLst/>
@@ -5943,7 +6454,7 @@
         </p:nvSpPr>
         <p:spPr>
           <a:xfrm>
-            <a:off x="5342220" y="4384004"/>
+            <a:off x="4964114" y="4579952"/>
             <a:ext cx="5676439" cy="2523768"/>
           </a:xfrm>
           <a:prstGeom prst="rect">
@@ -6000,14 +6511,14 @@
                 <a:latin typeface="Calibri" panose="020F0502020204030204" pitchFamily="34" charset="0"/>
                 <a:cs typeface="Calibri" panose="020F0502020204030204" pitchFamily="34" charset="0"/>
               </a:rPr>
-              <a:t>Dionis</a:t>
+              <a:t>MSc</a:t>
             </a:r>
             <a:r>
               <a:rPr lang="es-ES" sz="2600" b="1" dirty="0">
                 <a:latin typeface="Calibri" panose="020F0502020204030204" pitchFamily="34" charset="0"/>
                 <a:cs typeface="Calibri" panose="020F0502020204030204" pitchFamily="34" charset="0"/>
               </a:rPr>
-              <a:t> López Ramos</a:t>
+              <a:t>. Dionis López Ramos</a:t>
             </a:r>
           </a:p>
           <a:p>
@@ -6015,6 +6526,433 @@
             <a:endParaRPr lang="es-ES" sz="2800" b="1" dirty="0">
               <a:latin typeface="Calibri" panose="020F0502020204030204" pitchFamily="34" charset="0"/>
               <a:cs typeface="Calibri" panose="020F0502020204030204" pitchFamily="34" charset="0"/>
+            </a:endParaRPr>
+          </a:p>
+        </p:txBody>
+      </p:sp>
+      <p:sp>
+        <p:nvSpPr>
+          <p:cNvPr id="3" name="Text Box 3">
+            <a:extLst>
+              <a:ext uri="{FF2B5EF4-FFF2-40B4-BE49-F238E27FC236}">
+                <a16:creationId xmlns:a16="http://schemas.microsoft.com/office/drawing/2014/main" id="{47DE047C-BC85-4E10-D7FE-79155DC5475E}"/>
+              </a:ext>
+            </a:extLst>
+          </p:cNvPr>
+          <p:cNvSpPr txBox="1">
+            <a:spLocks noChangeArrowheads="1"/>
+          </p:cNvSpPr>
+          <p:nvPr/>
+        </p:nvSpPr>
+        <p:spPr bwMode="auto">
+          <a:xfrm>
+            <a:off x="3616777" y="2854222"/>
+            <a:ext cx="8371114" cy="1725730"/>
+          </a:xfrm>
+          <a:prstGeom prst="rect">
+            <a:avLst/>
+          </a:prstGeom>
+          <a:noFill/>
+          <a:ln>
+            <a:noFill/>
+          </a:ln>
+          <a:effectLst/>
+          <a:extLst>
+            <a:ext uri="{909E8E84-426E-40DD-AFC4-6F175D3DCCD1}">
+              <a14:hiddenFill xmlns:a14="http://schemas.microsoft.com/office/drawing/2010/main">
+                <a:solidFill>
+                  <a:srgbClr val="FFFFFF"/>
+                </a:solidFill>
+              </a14:hiddenFill>
+            </a:ext>
+            <a:ext uri="{91240B29-F687-4F45-9708-019B960494DF}">
+              <a14:hiddenLine xmlns:a14="http://schemas.microsoft.com/office/drawing/2010/main" w="9525">
+                <a:solidFill>
+                  <a:srgbClr val="3465A4"/>
+                </a:solidFill>
+                <a:round/>
+                <a:headEnd/>
+                <a:tailEnd/>
+              </a14:hiddenLine>
+            </a:ext>
+            <a:ext uri="{AF507438-7753-43E0-B8FC-AC1667EBCBE1}">
+              <a14:hiddenEffects xmlns:a14="http://schemas.microsoft.com/office/drawing/2010/main">
+                <a:effectLst>
+                  <a:outerShdw dist="35921" dir="2700000" algn="ctr" rotWithShape="0">
+                    <a:srgbClr val="808080"/>
+                  </a:outerShdw>
+                </a:effectLst>
+              </a14:hiddenEffects>
+            </a:ext>
+          </a:extLst>
+        </p:spPr>
+        <p:txBody>
+          <a:bodyPr wrap="square" lIns="90000" tIns="46800" rIns="90000" bIns="46800">
+            <a:spAutoFit/>
+          </a:bodyPr>
+          <a:lstStyle>
+            <a:lvl1pPr>
+              <a:tabLst>
+                <a:tab pos="0" algn="l"/>
+                <a:tab pos="447675" algn="l"/>
+                <a:tab pos="896938" algn="l"/>
+                <a:tab pos="1346200" algn="l"/>
+                <a:tab pos="1795463" algn="l"/>
+                <a:tab pos="2244725" algn="l"/>
+                <a:tab pos="2693988" algn="l"/>
+                <a:tab pos="3143250" algn="l"/>
+                <a:tab pos="3592513" algn="l"/>
+                <a:tab pos="4041775" algn="l"/>
+                <a:tab pos="4491038" algn="l"/>
+                <a:tab pos="4940300" algn="l"/>
+                <a:tab pos="5389563" algn="l"/>
+                <a:tab pos="5838825" algn="l"/>
+                <a:tab pos="6288088" algn="l"/>
+                <a:tab pos="6737350" algn="l"/>
+                <a:tab pos="7186613" algn="l"/>
+                <a:tab pos="7635875" algn="l"/>
+                <a:tab pos="8085138" algn="l"/>
+                <a:tab pos="8534400" algn="l"/>
+                <a:tab pos="8983663" algn="l"/>
+              </a:tabLst>
+              <a:defRPr>
+                <a:solidFill>
+                  <a:schemeClr val="bg1"/>
+                </a:solidFill>
+                <a:latin typeface="Arial" panose="020B0604020202020204" pitchFamily="34" charset="0"/>
+                <a:cs typeface="Arial" panose="020B0604020202020204" pitchFamily="34" charset="0"/>
+              </a:defRPr>
+            </a:lvl1pPr>
+            <a:lvl2pPr>
+              <a:tabLst>
+                <a:tab pos="0" algn="l"/>
+                <a:tab pos="447675" algn="l"/>
+                <a:tab pos="896938" algn="l"/>
+                <a:tab pos="1346200" algn="l"/>
+                <a:tab pos="1795463" algn="l"/>
+                <a:tab pos="2244725" algn="l"/>
+                <a:tab pos="2693988" algn="l"/>
+                <a:tab pos="3143250" algn="l"/>
+                <a:tab pos="3592513" algn="l"/>
+                <a:tab pos="4041775" algn="l"/>
+                <a:tab pos="4491038" algn="l"/>
+                <a:tab pos="4940300" algn="l"/>
+                <a:tab pos="5389563" algn="l"/>
+                <a:tab pos="5838825" algn="l"/>
+                <a:tab pos="6288088" algn="l"/>
+                <a:tab pos="6737350" algn="l"/>
+                <a:tab pos="7186613" algn="l"/>
+                <a:tab pos="7635875" algn="l"/>
+                <a:tab pos="8085138" algn="l"/>
+                <a:tab pos="8534400" algn="l"/>
+                <a:tab pos="8983663" algn="l"/>
+              </a:tabLst>
+              <a:defRPr>
+                <a:solidFill>
+                  <a:schemeClr val="bg1"/>
+                </a:solidFill>
+                <a:latin typeface="Arial" panose="020B0604020202020204" pitchFamily="34" charset="0"/>
+                <a:cs typeface="Arial" panose="020B0604020202020204" pitchFamily="34" charset="0"/>
+              </a:defRPr>
+            </a:lvl2pPr>
+            <a:lvl3pPr>
+              <a:tabLst>
+                <a:tab pos="0" algn="l"/>
+                <a:tab pos="447675" algn="l"/>
+                <a:tab pos="896938" algn="l"/>
+                <a:tab pos="1346200" algn="l"/>
+                <a:tab pos="1795463" algn="l"/>
+                <a:tab pos="2244725" algn="l"/>
+                <a:tab pos="2693988" algn="l"/>
+                <a:tab pos="3143250" algn="l"/>
+                <a:tab pos="3592513" algn="l"/>
+                <a:tab pos="4041775" algn="l"/>
+                <a:tab pos="4491038" algn="l"/>
+                <a:tab pos="4940300" algn="l"/>
+                <a:tab pos="5389563" algn="l"/>
+                <a:tab pos="5838825" algn="l"/>
+                <a:tab pos="6288088" algn="l"/>
+                <a:tab pos="6737350" algn="l"/>
+                <a:tab pos="7186613" algn="l"/>
+                <a:tab pos="7635875" algn="l"/>
+                <a:tab pos="8085138" algn="l"/>
+                <a:tab pos="8534400" algn="l"/>
+                <a:tab pos="8983663" algn="l"/>
+              </a:tabLst>
+              <a:defRPr>
+                <a:solidFill>
+                  <a:schemeClr val="bg1"/>
+                </a:solidFill>
+                <a:latin typeface="Arial" panose="020B0604020202020204" pitchFamily="34" charset="0"/>
+                <a:cs typeface="Arial" panose="020B0604020202020204" pitchFamily="34" charset="0"/>
+              </a:defRPr>
+            </a:lvl3pPr>
+            <a:lvl4pPr>
+              <a:tabLst>
+                <a:tab pos="0" algn="l"/>
+                <a:tab pos="447675" algn="l"/>
+                <a:tab pos="896938" algn="l"/>
+                <a:tab pos="1346200" algn="l"/>
+                <a:tab pos="1795463" algn="l"/>
+                <a:tab pos="2244725" algn="l"/>
+                <a:tab pos="2693988" algn="l"/>
+                <a:tab pos="3143250" algn="l"/>
+                <a:tab pos="3592513" algn="l"/>
+                <a:tab pos="4041775" algn="l"/>
+                <a:tab pos="4491038" algn="l"/>
+                <a:tab pos="4940300" algn="l"/>
+                <a:tab pos="5389563" algn="l"/>
+                <a:tab pos="5838825" algn="l"/>
+                <a:tab pos="6288088" algn="l"/>
+                <a:tab pos="6737350" algn="l"/>
+                <a:tab pos="7186613" algn="l"/>
+                <a:tab pos="7635875" algn="l"/>
+                <a:tab pos="8085138" algn="l"/>
+                <a:tab pos="8534400" algn="l"/>
+                <a:tab pos="8983663" algn="l"/>
+              </a:tabLst>
+              <a:defRPr>
+                <a:solidFill>
+                  <a:schemeClr val="bg1"/>
+                </a:solidFill>
+                <a:latin typeface="Arial" panose="020B0604020202020204" pitchFamily="34" charset="0"/>
+                <a:cs typeface="Arial" panose="020B0604020202020204" pitchFamily="34" charset="0"/>
+              </a:defRPr>
+            </a:lvl4pPr>
+            <a:lvl5pPr>
+              <a:tabLst>
+                <a:tab pos="0" algn="l"/>
+                <a:tab pos="447675" algn="l"/>
+                <a:tab pos="896938" algn="l"/>
+                <a:tab pos="1346200" algn="l"/>
+                <a:tab pos="1795463" algn="l"/>
+                <a:tab pos="2244725" algn="l"/>
+                <a:tab pos="2693988" algn="l"/>
+                <a:tab pos="3143250" algn="l"/>
+                <a:tab pos="3592513" algn="l"/>
+                <a:tab pos="4041775" algn="l"/>
+                <a:tab pos="4491038" algn="l"/>
+                <a:tab pos="4940300" algn="l"/>
+                <a:tab pos="5389563" algn="l"/>
+                <a:tab pos="5838825" algn="l"/>
+                <a:tab pos="6288088" algn="l"/>
+                <a:tab pos="6737350" algn="l"/>
+                <a:tab pos="7186613" algn="l"/>
+                <a:tab pos="7635875" algn="l"/>
+                <a:tab pos="8085138" algn="l"/>
+                <a:tab pos="8534400" algn="l"/>
+                <a:tab pos="8983663" algn="l"/>
+              </a:tabLst>
+              <a:defRPr>
+                <a:solidFill>
+                  <a:schemeClr val="bg1"/>
+                </a:solidFill>
+                <a:latin typeface="Arial" panose="020B0604020202020204" pitchFamily="34" charset="0"/>
+                <a:cs typeface="Arial" panose="020B0604020202020204" pitchFamily="34" charset="0"/>
+              </a:defRPr>
+            </a:lvl5pPr>
+            <a:lvl6pPr marL="2514600" indent="-228600" defTabSz="449263" eaLnBrk="0" fontAlgn="base" hangingPunct="0">
+              <a:spcBef>
+                <a:spcPct val="0"/>
+              </a:spcBef>
+              <a:spcAft>
+                <a:spcPct val="0"/>
+              </a:spcAft>
+              <a:tabLst>
+                <a:tab pos="0" algn="l"/>
+                <a:tab pos="447675" algn="l"/>
+                <a:tab pos="896938" algn="l"/>
+                <a:tab pos="1346200" algn="l"/>
+                <a:tab pos="1795463" algn="l"/>
+                <a:tab pos="2244725" algn="l"/>
+                <a:tab pos="2693988" algn="l"/>
+                <a:tab pos="3143250" algn="l"/>
+                <a:tab pos="3592513" algn="l"/>
+                <a:tab pos="4041775" algn="l"/>
+                <a:tab pos="4491038" algn="l"/>
+                <a:tab pos="4940300" algn="l"/>
+                <a:tab pos="5389563" algn="l"/>
+                <a:tab pos="5838825" algn="l"/>
+                <a:tab pos="6288088" algn="l"/>
+                <a:tab pos="6737350" algn="l"/>
+                <a:tab pos="7186613" algn="l"/>
+                <a:tab pos="7635875" algn="l"/>
+                <a:tab pos="8085138" algn="l"/>
+                <a:tab pos="8534400" algn="l"/>
+                <a:tab pos="8983663" algn="l"/>
+              </a:tabLst>
+              <a:defRPr>
+                <a:solidFill>
+                  <a:schemeClr val="bg1"/>
+                </a:solidFill>
+                <a:latin typeface="Arial" panose="020B0604020202020204" pitchFamily="34" charset="0"/>
+                <a:cs typeface="Arial" panose="020B0604020202020204" pitchFamily="34" charset="0"/>
+              </a:defRPr>
+            </a:lvl6pPr>
+            <a:lvl7pPr marL="2971800" indent="-228600" defTabSz="449263" eaLnBrk="0" fontAlgn="base" hangingPunct="0">
+              <a:spcBef>
+                <a:spcPct val="0"/>
+              </a:spcBef>
+              <a:spcAft>
+                <a:spcPct val="0"/>
+              </a:spcAft>
+              <a:tabLst>
+                <a:tab pos="0" algn="l"/>
+                <a:tab pos="447675" algn="l"/>
+                <a:tab pos="896938" algn="l"/>
+                <a:tab pos="1346200" algn="l"/>
+                <a:tab pos="1795463" algn="l"/>
+                <a:tab pos="2244725" algn="l"/>
+                <a:tab pos="2693988" algn="l"/>
+                <a:tab pos="3143250" algn="l"/>
+                <a:tab pos="3592513" algn="l"/>
+                <a:tab pos="4041775" algn="l"/>
+                <a:tab pos="4491038" algn="l"/>
+                <a:tab pos="4940300" algn="l"/>
+                <a:tab pos="5389563" algn="l"/>
+                <a:tab pos="5838825" algn="l"/>
+                <a:tab pos="6288088" algn="l"/>
+                <a:tab pos="6737350" algn="l"/>
+                <a:tab pos="7186613" algn="l"/>
+                <a:tab pos="7635875" algn="l"/>
+                <a:tab pos="8085138" algn="l"/>
+                <a:tab pos="8534400" algn="l"/>
+                <a:tab pos="8983663" algn="l"/>
+              </a:tabLst>
+              <a:defRPr>
+                <a:solidFill>
+                  <a:schemeClr val="bg1"/>
+                </a:solidFill>
+                <a:latin typeface="Arial" panose="020B0604020202020204" pitchFamily="34" charset="0"/>
+                <a:cs typeface="Arial" panose="020B0604020202020204" pitchFamily="34" charset="0"/>
+              </a:defRPr>
+            </a:lvl7pPr>
+            <a:lvl8pPr marL="3429000" indent="-228600" defTabSz="449263" eaLnBrk="0" fontAlgn="base" hangingPunct="0">
+              <a:spcBef>
+                <a:spcPct val="0"/>
+              </a:spcBef>
+              <a:spcAft>
+                <a:spcPct val="0"/>
+              </a:spcAft>
+              <a:tabLst>
+                <a:tab pos="0" algn="l"/>
+                <a:tab pos="447675" algn="l"/>
+                <a:tab pos="896938" algn="l"/>
+                <a:tab pos="1346200" algn="l"/>
+                <a:tab pos="1795463" algn="l"/>
+                <a:tab pos="2244725" algn="l"/>
+                <a:tab pos="2693988" algn="l"/>
+                <a:tab pos="3143250" algn="l"/>
+                <a:tab pos="3592513" algn="l"/>
+                <a:tab pos="4041775" algn="l"/>
+                <a:tab pos="4491038" algn="l"/>
+                <a:tab pos="4940300" algn="l"/>
+                <a:tab pos="5389563" algn="l"/>
+                <a:tab pos="5838825" algn="l"/>
+                <a:tab pos="6288088" algn="l"/>
+                <a:tab pos="6737350" algn="l"/>
+                <a:tab pos="7186613" algn="l"/>
+                <a:tab pos="7635875" algn="l"/>
+                <a:tab pos="8085138" algn="l"/>
+                <a:tab pos="8534400" algn="l"/>
+                <a:tab pos="8983663" algn="l"/>
+              </a:tabLst>
+              <a:defRPr>
+                <a:solidFill>
+                  <a:schemeClr val="bg1"/>
+                </a:solidFill>
+                <a:latin typeface="Arial" panose="020B0604020202020204" pitchFamily="34" charset="0"/>
+                <a:cs typeface="Arial" panose="020B0604020202020204" pitchFamily="34" charset="0"/>
+              </a:defRPr>
+            </a:lvl8pPr>
+            <a:lvl9pPr marL="3886200" indent="-228600" defTabSz="449263" eaLnBrk="0" fontAlgn="base" hangingPunct="0">
+              <a:spcBef>
+                <a:spcPct val="0"/>
+              </a:spcBef>
+              <a:spcAft>
+                <a:spcPct val="0"/>
+              </a:spcAft>
+              <a:tabLst>
+                <a:tab pos="0" algn="l"/>
+                <a:tab pos="447675" algn="l"/>
+                <a:tab pos="896938" algn="l"/>
+                <a:tab pos="1346200" algn="l"/>
+                <a:tab pos="1795463" algn="l"/>
+                <a:tab pos="2244725" algn="l"/>
+                <a:tab pos="2693988" algn="l"/>
+                <a:tab pos="3143250" algn="l"/>
+                <a:tab pos="3592513" algn="l"/>
+                <a:tab pos="4041775" algn="l"/>
+                <a:tab pos="4491038" algn="l"/>
+                <a:tab pos="4940300" algn="l"/>
+                <a:tab pos="5389563" algn="l"/>
+                <a:tab pos="5838825" algn="l"/>
+                <a:tab pos="6288088" algn="l"/>
+                <a:tab pos="6737350" algn="l"/>
+                <a:tab pos="7186613" algn="l"/>
+                <a:tab pos="7635875" algn="l"/>
+                <a:tab pos="8085138" algn="l"/>
+                <a:tab pos="8534400" algn="l"/>
+                <a:tab pos="8983663" algn="l"/>
+              </a:tabLst>
+              <a:defRPr>
+                <a:solidFill>
+                  <a:schemeClr val="bg1"/>
+                </a:solidFill>
+                <a:latin typeface="Arial" panose="020B0604020202020204" pitchFamily="34" charset="0"/>
+                <a:cs typeface="Arial" panose="020B0604020202020204" pitchFamily="34" charset="0"/>
+              </a:defRPr>
+            </a:lvl9pPr>
+          </a:lstStyle>
+          <a:p>
+            <a:pPr algn="ctr"/>
+            <a:r>
+              <a:rPr lang="es-ES" sz="2600" b="1" dirty="0">
+                <a:solidFill>
+                  <a:schemeClr val="tx1"/>
+                </a:solidFill>
+                <a:effectLst/>
+                <a:ea typeface="Calibri" panose="020F0502020204030204" pitchFamily="34" charset="0"/>
+              </a:rPr>
+              <a:t>FITIB</a:t>
+            </a:r>
+          </a:p>
+          <a:p>
+            <a:pPr algn="ctr"/>
+            <a:r>
+              <a:rPr lang="es-ES" sz="2600" b="1" dirty="0">
+                <a:solidFill>
+                  <a:schemeClr val="tx1"/>
+                </a:solidFill>
+                <a:ea typeface="Calibri" panose="020F0502020204030204" pitchFamily="34" charset="0"/>
+              </a:rPr>
+              <a:t>Departamento de Informática</a:t>
+            </a:r>
+            <a:endParaRPr lang="es-ES" sz="2600" b="1" dirty="0">
+              <a:solidFill>
+                <a:schemeClr val="tx1"/>
+              </a:solidFill>
+              <a:effectLst/>
+              <a:ea typeface="Calibri" panose="020F0502020204030204" pitchFamily="34" charset="0"/>
+            </a:endParaRPr>
+          </a:p>
+          <a:p>
+            <a:pPr algn="ctr"/>
+            <a:endParaRPr lang="es-ES" sz="2600" b="1" dirty="0">
+              <a:solidFill>
+                <a:schemeClr val="tx1"/>
+              </a:solidFill>
+            </a:endParaRPr>
+          </a:p>
+          <a:p>
+            <a:pPr eaLnBrk="1" hangingPunct="1">
+              <a:buSzPct val="100000"/>
+            </a:pPr>
+            <a:endParaRPr lang="es-ES" altLang="es-MX" sz="2800" b="1" dirty="0">
+              <a:solidFill>
+                <a:srgbClr val="000000"/>
+              </a:solidFill>
+              <a:latin typeface="Calibri" panose="020F0502020204030204" pitchFamily="34" charset="0"/>
             </a:endParaRPr>
           </a:p>
         </p:txBody>
@@ -6056,1522 +6994,6 @@
 </file>
 
 <file path=ppt/slides/slide10.xml><?xml version="1.0" encoding="utf-8"?>
-<p:sld xmlns:a="http://schemas.openxmlformats.org/drawingml/2006/main" xmlns:r="http://schemas.openxmlformats.org/officeDocument/2006/relationships" xmlns:p="http://schemas.openxmlformats.org/presentationml/2006/main">
-  <p:cSld>
-    <p:spTree>
-      <p:nvGrpSpPr>
-        <p:cNvPr id="1" name=""/>
-        <p:cNvGrpSpPr/>
-        <p:nvPr/>
-      </p:nvGrpSpPr>
-      <p:grpSpPr>
-        <a:xfrm>
-          <a:off x="0" y="0"/>
-          <a:ext cx="0" cy="0"/>
-          <a:chOff x="0" y="0"/>
-          <a:chExt cx="0" cy="0"/>
-        </a:xfrm>
-      </p:grpSpPr>
-      <p:sp>
-        <p:nvSpPr>
-          <p:cNvPr id="2" name="Título 1"/>
-          <p:cNvSpPr>
-            <a:spLocks noGrp="1"/>
-          </p:cNvSpPr>
-          <p:nvPr>
-            <p:ph type="title"/>
-          </p:nvPr>
-        </p:nvSpPr>
-        <p:spPr/>
-        <p:txBody>
-          <a:bodyPr>
-            <a:normAutofit/>
-          </a:bodyPr>
-          <a:lstStyle/>
-          <a:p>
-            <a:pPr algn="ctr"/>
-            <a:r>
-              <a:rPr lang="es-ES" sz="4400" dirty="0"/>
-              <a:t>Hipótesis</a:t>
-            </a:r>
-          </a:p>
-        </p:txBody>
-      </p:sp>
-      <p:sp>
-        <p:nvSpPr>
-          <p:cNvPr id="3" name="Marcador de contenido 2"/>
-          <p:cNvSpPr>
-            <a:spLocks noGrp="1"/>
-          </p:cNvSpPr>
-          <p:nvPr>
-            <p:ph idx="1"/>
-          </p:nvPr>
-        </p:nvSpPr>
-        <p:spPr>
-          <a:xfrm>
-            <a:off x="1103312" y="2052918"/>
-            <a:ext cx="9309930" cy="4195481"/>
-          </a:xfrm>
-        </p:spPr>
-        <p:txBody>
-          <a:bodyPr>
-            <a:normAutofit/>
-          </a:bodyPr>
-          <a:lstStyle/>
-          <a:p>
-            <a:pPr algn="just">
-              <a:lnSpc>
-                <a:spcPct val="115000"/>
-              </a:lnSpc>
-              <a:spcAft>
-                <a:spcPts val="800"/>
-              </a:spcAft>
-            </a:pPr>
-            <a:r>
-              <a:rPr lang="es-ES" dirty="0">
-                <a:effectLst/>
-                <a:latin typeface="Rockwell (Cuerpo)"/>
-                <a:ea typeface="Calibri" panose="020F0502020204030204" pitchFamily="34" charset="0"/>
-              </a:rPr>
-              <a:t>Se desarrollará una aplicación informática que construya el conocimiento para un asistente virtual de forma automática, que permita a los asistentes virtuales responder o evacuar cualquier duda de los usuarios eficientemente desde las plataformas web o móvil donde se use el servicio de chat, estas plataformas se favorecerán al ganar en calidad en el servicio. </a:t>
-            </a:r>
-          </a:p>
-        </p:txBody>
-      </p:sp>
-    </p:spTree>
-    <p:extLst>
-      <p:ext uri="{BB962C8B-B14F-4D97-AF65-F5344CB8AC3E}">
-        <p14:creationId xmlns:p14="http://schemas.microsoft.com/office/powerpoint/2010/main" val="239370918"/>
-      </p:ext>
-    </p:extLst>
-  </p:cSld>
-  <p:clrMapOvr>
-    <a:masterClrMapping/>
-  </p:clrMapOvr>
-</p:sld>
-</file>
-
-<file path=ppt/slides/slide11.xml><?xml version="1.0" encoding="utf-8"?>
-<p:sld xmlns:a="http://schemas.openxmlformats.org/drawingml/2006/main" xmlns:r="http://schemas.openxmlformats.org/officeDocument/2006/relationships" xmlns:p="http://schemas.openxmlformats.org/presentationml/2006/main">
-  <p:cSld>
-    <p:spTree>
-      <p:nvGrpSpPr>
-        <p:cNvPr id="1" name=""/>
-        <p:cNvGrpSpPr/>
-        <p:nvPr/>
-      </p:nvGrpSpPr>
-      <p:grpSpPr>
-        <a:xfrm>
-          <a:off x="0" y="0"/>
-          <a:ext cx="0" cy="0"/>
-          <a:chOff x="0" y="0"/>
-          <a:chExt cx="0" cy="0"/>
-        </a:xfrm>
-      </p:grpSpPr>
-      <p:sp>
-        <p:nvSpPr>
-          <p:cNvPr id="2" name="Título 1">
-            <a:extLst>
-              <a:ext uri="{FF2B5EF4-FFF2-40B4-BE49-F238E27FC236}">
-                <a16:creationId xmlns:a16="http://schemas.microsoft.com/office/drawing/2014/main" id="{8C2C0955-1AA8-406E-8C4B-58DC377FF286}"/>
-              </a:ext>
-            </a:extLst>
-          </p:cNvPr>
-          <p:cNvSpPr>
-            <a:spLocks noGrp="1"/>
-          </p:cNvSpPr>
-          <p:nvPr>
-            <p:ph type="title"/>
-          </p:nvPr>
-        </p:nvSpPr>
-        <p:spPr/>
-        <p:txBody>
-          <a:bodyPr/>
-          <a:lstStyle/>
-          <a:p>
-            <a:pPr algn="ctr"/>
-            <a:r>
-              <a:rPr lang="es-ES" dirty="0"/>
-              <a:t>Plataformas para desarrollar Asistentes Virtuales</a:t>
-            </a:r>
-          </a:p>
-        </p:txBody>
-      </p:sp>
-      <p:pic>
-        <p:nvPicPr>
-          <p:cNvPr id="4" name="Imagen 3">
-            <a:extLst>
-              <a:ext uri="{FF2B5EF4-FFF2-40B4-BE49-F238E27FC236}">
-                <a16:creationId xmlns:a16="http://schemas.microsoft.com/office/drawing/2014/main" id="{BC395ECD-DBA9-415F-8FF4-FA6E54147F4D}"/>
-              </a:ext>
-            </a:extLst>
-          </p:cNvPr>
-          <p:cNvPicPr/>
-          <p:nvPr/>
-        </p:nvPicPr>
-        <p:blipFill>
-          <a:blip r:embed="rId3" cstate="print">
-            <a:extLst>
-              <a:ext uri="{28A0092B-C50C-407E-A947-70E740481C1C}">
-                <a14:useLocalDpi xmlns:a14="http://schemas.microsoft.com/office/drawing/2010/main" val="0"/>
-              </a:ext>
-            </a:extLst>
-          </a:blip>
-          <a:srcRect/>
-          <a:stretch>
-            <a:fillRect/>
-          </a:stretch>
-        </p:blipFill>
-        <p:spPr bwMode="auto">
-          <a:xfrm>
-            <a:off x="1916112" y="5018375"/>
-            <a:ext cx="1685925" cy="894715"/>
-          </a:xfrm>
-          <a:prstGeom prst="rect">
-            <a:avLst/>
-          </a:prstGeom>
-          <a:ln w="38100" cap="sq">
-            <a:solidFill>
-              <a:srgbClr val="000000"/>
-            </a:solidFill>
-            <a:prstDash val="solid"/>
-            <a:miter lim="800000"/>
-          </a:ln>
-          <a:effectLst>
-            <a:outerShdw blurRad="50800" dist="38100" dir="2700000" algn="tl" rotWithShape="0">
-              <a:srgbClr val="000000">
-                <a:alpha val="43000"/>
-              </a:srgbClr>
-            </a:outerShdw>
-          </a:effectLst>
-        </p:spPr>
-      </p:pic>
-      <p:pic>
-        <p:nvPicPr>
-          <p:cNvPr id="5" name="Imagen 4">
-            <a:extLst>
-              <a:ext uri="{FF2B5EF4-FFF2-40B4-BE49-F238E27FC236}">
-                <a16:creationId xmlns:a16="http://schemas.microsoft.com/office/drawing/2014/main" id="{D8639118-DF94-41D6-839A-963380333085}"/>
-              </a:ext>
-            </a:extLst>
-          </p:cNvPr>
-          <p:cNvPicPr/>
-          <p:nvPr/>
-        </p:nvPicPr>
-        <p:blipFill>
-          <a:blip r:embed="rId4" cstate="print">
-            <a:extLst>
-              <a:ext uri="{28A0092B-C50C-407E-A947-70E740481C1C}">
-                <a14:useLocalDpi xmlns:a14="http://schemas.microsoft.com/office/drawing/2010/main" val="0"/>
-              </a:ext>
-            </a:extLst>
-          </a:blip>
-          <a:srcRect/>
-          <a:stretch>
-            <a:fillRect/>
-          </a:stretch>
-        </p:blipFill>
-        <p:spPr bwMode="auto">
-          <a:xfrm>
-            <a:off x="8620146" y="2556664"/>
-            <a:ext cx="1831340" cy="1095375"/>
-          </a:xfrm>
-          <a:prstGeom prst="rect">
-            <a:avLst/>
-          </a:prstGeom>
-          <a:ln w="57150" cap="sq">
-            <a:solidFill>
-              <a:srgbClr val="00B050"/>
-            </a:solidFill>
-            <a:prstDash val="solid"/>
-            <a:miter lim="800000"/>
-          </a:ln>
-          <a:effectLst>
-            <a:outerShdw blurRad="50800" dist="38100" dir="2700000" algn="tl" rotWithShape="0">
-              <a:srgbClr val="000000">
-                <a:alpha val="43000"/>
-              </a:srgbClr>
-            </a:outerShdw>
-          </a:effectLst>
-        </p:spPr>
-      </p:pic>
-      <p:pic>
-        <p:nvPicPr>
-          <p:cNvPr id="6" name="Imagen 5">
-            <a:extLst>
-              <a:ext uri="{FF2B5EF4-FFF2-40B4-BE49-F238E27FC236}">
-                <a16:creationId xmlns:a16="http://schemas.microsoft.com/office/drawing/2014/main" id="{0E9BEDC6-38BC-46BC-864F-997C038ABB0F}"/>
-              </a:ext>
-            </a:extLst>
-          </p:cNvPr>
-          <p:cNvPicPr/>
-          <p:nvPr/>
-        </p:nvPicPr>
-        <p:blipFill>
-          <a:blip r:embed="rId5">
-            <a:extLst>
-              <a:ext uri="{28A0092B-C50C-407E-A947-70E740481C1C}">
-                <a14:useLocalDpi xmlns:a14="http://schemas.microsoft.com/office/drawing/2010/main" val="0"/>
-              </a:ext>
-            </a:extLst>
-          </a:blip>
-          <a:srcRect/>
-          <a:stretch>
-            <a:fillRect/>
-          </a:stretch>
-        </p:blipFill>
-        <p:spPr bwMode="auto">
-          <a:xfrm>
-            <a:off x="5257800" y="3556789"/>
-            <a:ext cx="1676400" cy="933450"/>
-          </a:xfrm>
-          <a:prstGeom prst="rect">
-            <a:avLst/>
-          </a:prstGeom>
-          <a:ln w="38100" cap="sq">
-            <a:solidFill>
-              <a:srgbClr val="000000"/>
-            </a:solidFill>
-            <a:prstDash val="solid"/>
-            <a:miter lim="800000"/>
-          </a:ln>
-          <a:effectLst>
-            <a:outerShdw blurRad="50800" dist="38100" dir="2700000" algn="tl" rotWithShape="0">
-              <a:srgbClr val="000000">
-                <a:alpha val="43000"/>
-              </a:srgbClr>
-            </a:outerShdw>
-          </a:effectLst>
-        </p:spPr>
-      </p:pic>
-      <p:pic>
-        <p:nvPicPr>
-          <p:cNvPr id="7" name="Imagen 6">
-            <a:extLst>
-              <a:ext uri="{FF2B5EF4-FFF2-40B4-BE49-F238E27FC236}">
-                <a16:creationId xmlns:a16="http://schemas.microsoft.com/office/drawing/2014/main" id="{ACF6082A-1A41-4BE7-A261-2C3E85DDB218}"/>
-              </a:ext>
-            </a:extLst>
-          </p:cNvPr>
-          <p:cNvPicPr/>
-          <p:nvPr/>
-        </p:nvPicPr>
-        <p:blipFill>
-          <a:blip r:embed="rId6">
-            <a:extLst>
-              <a:ext uri="{28A0092B-C50C-407E-A947-70E740481C1C}">
-                <a14:useLocalDpi xmlns:a14="http://schemas.microsoft.com/office/drawing/2010/main" val="0"/>
-              </a:ext>
-            </a:extLst>
-          </a:blip>
-          <a:srcRect/>
-          <a:stretch>
-            <a:fillRect/>
-          </a:stretch>
-        </p:blipFill>
-        <p:spPr bwMode="auto">
-          <a:xfrm>
-            <a:off x="8670311" y="4774401"/>
-            <a:ext cx="1831340" cy="971550"/>
-          </a:xfrm>
-          <a:prstGeom prst="rect">
-            <a:avLst/>
-          </a:prstGeom>
-          <a:ln w="38100" cap="sq">
-            <a:solidFill>
-              <a:srgbClr val="000000"/>
-            </a:solidFill>
-            <a:prstDash val="solid"/>
-            <a:miter lim="800000"/>
-          </a:ln>
-          <a:effectLst>
-            <a:outerShdw blurRad="50800" dist="38100" dir="2700000" algn="tl" rotWithShape="0">
-              <a:srgbClr val="000000">
-                <a:alpha val="43000"/>
-              </a:srgbClr>
-            </a:outerShdw>
-          </a:effectLst>
-        </p:spPr>
-      </p:pic>
-      <p:pic>
-        <p:nvPicPr>
-          <p:cNvPr id="8" name="Imagen 7">
-            <a:extLst>
-              <a:ext uri="{FF2B5EF4-FFF2-40B4-BE49-F238E27FC236}">
-                <a16:creationId xmlns:a16="http://schemas.microsoft.com/office/drawing/2014/main" id="{B4F7C0F5-4E8B-402C-9ADC-77E867D1F1C1}"/>
-              </a:ext>
-            </a:extLst>
-          </p:cNvPr>
-          <p:cNvPicPr/>
-          <p:nvPr/>
-        </p:nvPicPr>
-        <p:blipFill>
-          <a:blip r:embed="rId7">
-            <a:extLst>
-              <a:ext uri="{28A0092B-C50C-407E-A947-70E740481C1C}">
-                <a14:useLocalDpi xmlns:a14="http://schemas.microsoft.com/office/drawing/2010/main" val="0"/>
-              </a:ext>
-            </a:extLst>
-          </a:blip>
-          <a:srcRect/>
-          <a:stretch>
-            <a:fillRect/>
-          </a:stretch>
-        </p:blipFill>
-        <p:spPr bwMode="auto">
-          <a:xfrm>
-            <a:off x="1873250" y="2556664"/>
-            <a:ext cx="1771650" cy="1000125"/>
-          </a:xfrm>
-          <a:prstGeom prst="rect">
-            <a:avLst/>
-          </a:prstGeom>
-          <a:ln w="38100" cap="sq">
-            <a:solidFill>
-              <a:srgbClr val="000000"/>
-            </a:solidFill>
-            <a:prstDash val="solid"/>
-            <a:miter lim="800000"/>
-          </a:ln>
-          <a:effectLst>
-            <a:outerShdw blurRad="50800" dist="38100" dir="2700000" algn="tl" rotWithShape="0">
-              <a:srgbClr val="000000">
-                <a:alpha val="43000"/>
-              </a:srgbClr>
-            </a:outerShdw>
-          </a:effectLst>
-        </p:spPr>
-      </p:pic>
-      <p:sp>
-        <p:nvSpPr>
-          <p:cNvPr id="10" name="CuadroTexto 9">
-            <a:extLst>
-              <a:ext uri="{FF2B5EF4-FFF2-40B4-BE49-F238E27FC236}">
-                <a16:creationId xmlns:a16="http://schemas.microsoft.com/office/drawing/2014/main" id="{50AEE687-1E65-459B-80D2-647E41689EA1}"/>
-              </a:ext>
-            </a:extLst>
-          </p:cNvPr>
-          <p:cNvSpPr txBox="1"/>
-          <p:nvPr/>
-        </p:nvSpPr>
-        <p:spPr>
-          <a:xfrm>
-            <a:off x="5029790" y="4589735"/>
-            <a:ext cx="2226416" cy="369332"/>
-          </a:xfrm>
-          <a:prstGeom prst="rect">
-            <a:avLst/>
-          </a:prstGeom>
-          <a:noFill/>
-        </p:spPr>
-        <p:txBody>
-          <a:bodyPr wrap="square">
-            <a:spAutoFit/>
-          </a:bodyPr>
-          <a:lstStyle/>
-          <a:p>
-            <a:r>
-              <a:rPr lang="en-US" sz="1800" b="1" dirty="0">
-                <a:solidFill>
-                  <a:srgbClr val="000000"/>
-                </a:solidFill>
-                <a:effectLst/>
-                <a:latin typeface="Arial" panose="020B0604020202020204" pitchFamily="34" charset="0"/>
-                <a:ea typeface="Segoe UI" panose="020B0502040204020203" pitchFamily="34" charset="0"/>
-              </a:rPr>
-              <a:t>Azure Bot Service</a:t>
-            </a:r>
-            <a:endParaRPr lang="es-ES" dirty="0"/>
-          </a:p>
-        </p:txBody>
-      </p:sp>
-      <p:sp>
-        <p:nvSpPr>
-          <p:cNvPr id="12" name="CuadroTexto 11">
-            <a:extLst>
-              <a:ext uri="{FF2B5EF4-FFF2-40B4-BE49-F238E27FC236}">
-                <a16:creationId xmlns:a16="http://schemas.microsoft.com/office/drawing/2014/main" id="{31E1267E-7502-48B7-B335-A97445CB8EA6}"/>
-              </a:ext>
-            </a:extLst>
-          </p:cNvPr>
-          <p:cNvSpPr txBox="1"/>
-          <p:nvPr/>
-        </p:nvSpPr>
-        <p:spPr>
-          <a:xfrm>
-            <a:off x="1980561" y="3650145"/>
-            <a:ext cx="1621476" cy="369332"/>
-          </a:xfrm>
-          <a:prstGeom prst="rect">
-            <a:avLst/>
-          </a:prstGeom>
-          <a:noFill/>
-        </p:spPr>
-        <p:txBody>
-          <a:bodyPr wrap="square">
-            <a:spAutoFit/>
-          </a:bodyPr>
-          <a:lstStyle/>
-          <a:p>
-            <a:r>
-              <a:rPr lang="en-US" sz="1800" b="1" dirty="0">
-                <a:solidFill>
-                  <a:srgbClr val="000000"/>
-                </a:solidFill>
-                <a:effectLst/>
-                <a:latin typeface="Arial" panose="020B0604020202020204" pitchFamily="34" charset="0"/>
-                <a:ea typeface="Segoe UI" panose="020B0502040204020203" pitchFamily="34" charset="0"/>
-              </a:rPr>
-              <a:t>Amazon Lex </a:t>
-            </a:r>
-            <a:endParaRPr lang="es-ES" dirty="0"/>
-          </a:p>
-        </p:txBody>
-      </p:sp>
-      <p:sp>
-        <p:nvSpPr>
-          <p:cNvPr id="14" name="CuadroTexto 13">
-            <a:extLst>
-              <a:ext uri="{FF2B5EF4-FFF2-40B4-BE49-F238E27FC236}">
-                <a16:creationId xmlns:a16="http://schemas.microsoft.com/office/drawing/2014/main" id="{71E03349-2A75-4330-95FD-178D52E0DA03}"/>
-              </a:ext>
-            </a:extLst>
-          </p:cNvPr>
-          <p:cNvSpPr txBox="1"/>
-          <p:nvPr/>
-        </p:nvSpPr>
-        <p:spPr>
-          <a:xfrm>
-            <a:off x="2090584" y="5951825"/>
-            <a:ext cx="1511453" cy="369332"/>
-          </a:xfrm>
-          <a:prstGeom prst="rect">
-            <a:avLst/>
-          </a:prstGeom>
-          <a:noFill/>
-        </p:spPr>
-        <p:txBody>
-          <a:bodyPr wrap="square">
-            <a:spAutoFit/>
-          </a:bodyPr>
-          <a:lstStyle/>
-          <a:p>
-            <a:r>
-              <a:rPr lang="en-US" sz="1800" b="1" dirty="0" err="1">
-                <a:solidFill>
-                  <a:srgbClr val="000000"/>
-                </a:solidFill>
-                <a:effectLst/>
-                <a:latin typeface="Arial" panose="020B0604020202020204" pitchFamily="34" charset="0"/>
-                <a:ea typeface="Segoe UI" panose="020B0502040204020203" pitchFamily="34" charset="0"/>
-              </a:rPr>
-              <a:t>DialogFlow</a:t>
-            </a:r>
-            <a:r>
-              <a:rPr lang="en-US" sz="1800" b="1" dirty="0">
-                <a:solidFill>
-                  <a:srgbClr val="000000"/>
-                </a:solidFill>
-                <a:effectLst/>
-                <a:latin typeface="Arial" panose="020B0604020202020204" pitchFamily="34" charset="0"/>
-                <a:ea typeface="Segoe UI" panose="020B0502040204020203" pitchFamily="34" charset="0"/>
-              </a:rPr>
-              <a:t> </a:t>
-            </a:r>
-            <a:endParaRPr lang="es-ES" dirty="0"/>
-          </a:p>
-        </p:txBody>
-      </p:sp>
-      <p:sp>
-        <p:nvSpPr>
-          <p:cNvPr id="16" name="CuadroTexto 15">
-            <a:extLst>
-              <a:ext uri="{FF2B5EF4-FFF2-40B4-BE49-F238E27FC236}">
-                <a16:creationId xmlns:a16="http://schemas.microsoft.com/office/drawing/2014/main" id="{22ACA199-EA84-4B97-95AF-99B4A5725303}"/>
-              </a:ext>
-            </a:extLst>
-          </p:cNvPr>
-          <p:cNvSpPr txBox="1"/>
-          <p:nvPr/>
-        </p:nvSpPr>
-        <p:spPr>
-          <a:xfrm>
-            <a:off x="9104814" y="3745395"/>
-            <a:ext cx="962333" cy="369332"/>
-          </a:xfrm>
-          <a:prstGeom prst="rect">
-            <a:avLst/>
-          </a:prstGeom>
-          <a:noFill/>
-        </p:spPr>
-        <p:txBody>
-          <a:bodyPr wrap="square">
-            <a:spAutoFit/>
-          </a:bodyPr>
-          <a:lstStyle/>
-          <a:p>
-            <a:r>
-              <a:rPr lang="en-US" sz="1800" b="1" u="sng" dirty="0">
-                <a:solidFill>
-                  <a:srgbClr val="000000"/>
-                </a:solidFill>
-                <a:effectLst/>
-                <a:latin typeface="Arial" panose="020B0604020202020204" pitchFamily="34" charset="0"/>
-                <a:ea typeface="Segoe UI" panose="020B0502040204020203" pitchFamily="34" charset="0"/>
-              </a:rPr>
-              <a:t>RASA</a:t>
-            </a:r>
-            <a:endParaRPr lang="es-ES" u="sng" dirty="0"/>
-          </a:p>
-        </p:txBody>
-      </p:sp>
-      <p:sp>
-        <p:nvSpPr>
-          <p:cNvPr id="18" name="CuadroTexto 17">
-            <a:extLst>
-              <a:ext uri="{FF2B5EF4-FFF2-40B4-BE49-F238E27FC236}">
-                <a16:creationId xmlns:a16="http://schemas.microsoft.com/office/drawing/2014/main" id="{2DBBAC76-2135-4502-A721-12D8E52255BE}"/>
-              </a:ext>
-            </a:extLst>
-          </p:cNvPr>
-          <p:cNvSpPr txBox="1"/>
-          <p:nvPr/>
-        </p:nvSpPr>
-        <p:spPr>
-          <a:xfrm>
-            <a:off x="9104814" y="5903218"/>
-            <a:ext cx="1346672" cy="369332"/>
-          </a:xfrm>
-          <a:prstGeom prst="rect">
-            <a:avLst/>
-          </a:prstGeom>
-          <a:noFill/>
-        </p:spPr>
-        <p:txBody>
-          <a:bodyPr wrap="square">
-            <a:spAutoFit/>
-          </a:bodyPr>
-          <a:lstStyle/>
-          <a:p>
-            <a:r>
-              <a:rPr lang="en-US" sz="1800" b="1" dirty="0" err="1">
-                <a:solidFill>
-                  <a:srgbClr val="000000"/>
-                </a:solidFill>
-                <a:effectLst/>
-                <a:latin typeface="Arial" panose="020B0604020202020204" pitchFamily="34" charset="0"/>
-                <a:ea typeface="Segoe UI" panose="020B0502040204020203" pitchFamily="34" charset="0"/>
-              </a:rPr>
-              <a:t>BotPress</a:t>
-            </a:r>
-            <a:endParaRPr lang="es-ES" dirty="0"/>
-          </a:p>
-        </p:txBody>
-      </p:sp>
-    </p:spTree>
-    <p:extLst>
-      <p:ext uri="{BB962C8B-B14F-4D97-AF65-F5344CB8AC3E}">
-        <p14:creationId xmlns:p14="http://schemas.microsoft.com/office/powerpoint/2010/main" val="471638632"/>
-      </p:ext>
-    </p:extLst>
-  </p:cSld>
-  <p:clrMapOvr>
-    <a:masterClrMapping/>
-  </p:clrMapOvr>
-</p:sld>
-</file>
-
-<file path=ppt/slides/slide12.xml><?xml version="1.0" encoding="utf-8"?>
-<p:sld xmlns:a="http://schemas.openxmlformats.org/drawingml/2006/main" xmlns:r="http://schemas.openxmlformats.org/officeDocument/2006/relationships" xmlns:p="http://schemas.openxmlformats.org/presentationml/2006/main">
-  <p:cSld>
-    <p:spTree>
-      <p:nvGrpSpPr>
-        <p:cNvPr id="1" name=""/>
-        <p:cNvGrpSpPr/>
-        <p:nvPr/>
-      </p:nvGrpSpPr>
-      <p:grpSpPr>
-        <a:xfrm>
-          <a:off x="0" y="0"/>
-          <a:ext cx="0" cy="0"/>
-          <a:chOff x="0" y="0"/>
-          <a:chExt cx="0" cy="0"/>
-        </a:xfrm>
-      </p:grpSpPr>
-      <p:sp>
-        <p:nvSpPr>
-          <p:cNvPr id="2" name="Título 1">
-            <a:extLst>
-              <a:ext uri="{FF2B5EF4-FFF2-40B4-BE49-F238E27FC236}">
-                <a16:creationId xmlns:a16="http://schemas.microsoft.com/office/drawing/2014/main" id="{D09217C3-7961-22A7-D709-ED798861B56B}"/>
-              </a:ext>
-            </a:extLst>
-          </p:cNvPr>
-          <p:cNvSpPr>
-            <a:spLocks noGrp="1"/>
-          </p:cNvSpPr>
-          <p:nvPr>
-            <p:ph type="title"/>
-          </p:nvPr>
-        </p:nvSpPr>
-        <p:spPr>
-          <a:xfrm>
-            <a:off x="863371" y="86083"/>
-            <a:ext cx="10058400" cy="1269246"/>
-          </a:xfrm>
-        </p:spPr>
-        <p:txBody>
-          <a:bodyPr/>
-          <a:lstStyle/>
-          <a:p>
-            <a:pPr algn="ctr"/>
-            <a:r>
-              <a:rPr lang="es-ES" dirty="0"/>
-              <a:t>Estructura de la tesis</a:t>
-            </a:r>
-          </a:p>
-        </p:txBody>
-      </p:sp>
-      <p:sp>
-        <p:nvSpPr>
-          <p:cNvPr id="5" name="AutoShape 4">
-            <a:extLst>
-              <a:ext uri="{FF2B5EF4-FFF2-40B4-BE49-F238E27FC236}">
-                <a16:creationId xmlns:a16="http://schemas.microsoft.com/office/drawing/2014/main" id="{BECC851E-C150-6A88-36E3-9AE0E51D5F59}"/>
-              </a:ext>
-            </a:extLst>
-          </p:cNvPr>
-          <p:cNvSpPr>
-            <a:spLocks noChangeArrowheads="1"/>
-          </p:cNvSpPr>
-          <p:nvPr/>
-        </p:nvSpPr>
-        <p:spPr bwMode="gray">
-          <a:xfrm>
-            <a:off x="220715" y="2725759"/>
-            <a:ext cx="5754415" cy="533400"/>
-          </a:xfrm>
-          <a:prstGeom prst="roundRect">
-            <a:avLst>
-              <a:gd name="adj" fmla="val 16667"/>
-            </a:avLst>
-          </a:prstGeom>
-          <a:ln>
-            <a:headEnd/>
-            <a:tailEnd/>
-          </a:ln>
-        </p:spPr>
-        <p:style>
-          <a:lnRef idx="2">
-            <a:schemeClr val="accent2">
-              <a:shade val="50000"/>
-            </a:schemeClr>
-          </a:lnRef>
-          <a:fillRef idx="1">
-            <a:schemeClr val="accent2"/>
-          </a:fillRef>
-          <a:effectRef idx="0">
-            <a:schemeClr val="accent2"/>
-          </a:effectRef>
-          <a:fontRef idx="minor">
-            <a:schemeClr val="lt1"/>
-          </a:fontRef>
-        </p:style>
-        <p:txBody>
-          <a:bodyPr wrap="none" anchor="ctr"/>
-          <a:lstStyle/>
-          <a:p>
-            <a:r>
-              <a:rPr lang="es-ES" altLang="es-ES" sz="2400" b="1" dirty="0">
-                <a:solidFill>
-                  <a:srgbClr val="FFFFFF"/>
-                </a:solidFill>
-                <a:effectLst>
-                  <a:outerShdw blurRad="38100" dist="38100" dir="2700000" algn="tl">
-                    <a:srgbClr val="000000"/>
-                  </a:outerShdw>
-                </a:effectLst>
-              </a:rPr>
-              <a:t>Capítulo</a:t>
-            </a:r>
-            <a:r>
-              <a:rPr lang="en-US" altLang="es-ES" sz="2400" b="1" dirty="0">
-                <a:solidFill>
-                  <a:srgbClr val="FFFFFF"/>
-                </a:solidFill>
-                <a:effectLst>
-                  <a:outerShdw blurRad="38100" dist="38100" dir="2700000" algn="tl">
-                    <a:srgbClr val="000000"/>
-                  </a:outerShdw>
-                </a:effectLst>
-              </a:rPr>
-              <a:t> 1.</a:t>
-            </a:r>
-            <a:r>
-              <a:rPr lang="es-ES" altLang="es-ES" sz="2400" b="1" dirty="0">
-                <a:solidFill>
-                  <a:srgbClr val="FFFFFF"/>
-                </a:solidFill>
-                <a:effectLst>
-                  <a:outerShdw blurRad="38100" dist="38100" dir="2700000" algn="tl">
-                    <a:srgbClr val="000000"/>
-                  </a:outerShdw>
-                </a:effectLst>
-              </a:rPr>
-              <a:t> </a:t>
-            </a:r>
-            <a:r>
-              <a:rPr lang="en-US" altLang="es-ES" sz="2400" b="1" dirty="0">
-                <a:solidFill>
-                  <a:srgbClr val="FFFFFF"/>
-                </a:solidFill>
-                <a:effectLst>
-                  <a:outerShdw blurRad="38100" dist="38100" dir="2700000" algn="tl">
-                    <a:srgbClr val="000000"/>
-                  </a:outerShdw>
-                </a:effectLst>
-              </a:rPr>
-              <a:t>Marco </a:t>
-            </a:r>
-            <a:r>
-              <a:rPr lang="es-ES" altLang="es-ES" sz="2400" b="1" dirty="0">
-                <a:solidFill>
-                  <a:srgbClr val="FFFFFF"/>
-                </a:solidFill>
-                <a:effectLst>
-                  <a:outerShdw blurRad="38100" dist="38100" dir="2700000" algn="tl">
-                    <a:srgbClr val="000000"/>
-                  </a:outerShdw>
-                </a:effectLst>
-              </a:rPr>
-              <a:t>Referencial</a:t>
-            </a:r>
-          </a:p>
-        </p:txBody>
-      </p:sp>
-      <p:sp>
-        <p:nvSpPr>
-          <p:cNvPr id="6" name="AutoShape 5">
-            <a:extLst>
-              <a:ext uri="{FF2B5EF4-FFF2-40B4-BE49-F238E27FC236}">
-                <a16:creationId xmlns:a16="http://schemas.microsoft.com/office/drawing/2014/main" id="{A38CD4A4-922A-078C-518F-DA1C0E6BCFD1}"/>
-              </a:ext>
-            </a:extLst>
-          </p:cNvPr>
-          <p:cNvSpPr>
-            <a:spLocks noChangeArrowheads="1"/>
-          </p:cNvSpPr>
-          <p:nvPr/>
-        </p:nvSpPr>
-        <p:spPr bwMode="gray">
-          <a:xfrm>
-            <a:off x="220717" y="3703730"/>
-            <a:ext cx="5754414" cy="533400"/>
-          </a:xfrm>
-          <a:prstGeom prst="roundRect">
-            <a:avLst>
-              <a:gd name="adj" fmla="val 16667"/>
-            </a:avLst>
-          </a:prstGeom>
-          <a:ln>
-            <a:headEnd/>
-            <a:tailEnd/>
-          </a:ln>
-        </p:spPr>
-        <p:style>
-          <a:lnRef idx="2">
-            <a:schemeClr val="accent6">
-              <a:shade val="50000"/>
-            </a:schemeClr>
-          </a:lnRef>
-          <a:fillRef idx="1">
-            <a:schemeClr val="accent6"/>
-          </a:fillRef>
-          <a:effectRef idx="0">
-            <a:schemeClr val="accent6"/>
-          </a:effectRef>
-          <a:fontRef idx="minor">
-            <a:schemeClr val="lt1"/>
-          </a:fontRef>
-        </p:style>
-        <p:txBody>
-          <a:bodyPr wrap="none" anchor="ctr"/>
-          <a:lstStyle/>
-          <a:p>
-            <a:r>
-              <a:rPr lang="en-US" altLang="es-ES" sz="2400" b="1" dirty="0" err="1">
-                <a:solidFill>
-                  <a:srgbClr val="FFFFFF"/>
-                </a:solidFill>
-                <a:effectLst>
-                  <a:outerShdw blurRad="38100" dist="38100" dir="2700000" algn="tl">
-                    <a:srgbClr val="000000"/>
-                  </a:outerShdw>
-                </a:effectLst>
-              </a:rPr>
-              <a:t>Capítulo</a:t>
-            </a:r>
-            <a:r>
-              <a:rPr lang="en-US" altLang="es-ES" sz="2400" b="1" dirty="0">
-                <a:solidFill>
-                  <a:srgbClr val="FFFFFF"/>
-                </a:solidFill>
-                <a:effectLst>
-                  <a:outerShdw blurRad="38100" dist="38100" dir="2700000" algn="tl">
-                    <a:srgbClr val="000000"/>
-                  </a:outerShdw>
-                </a:effectLst>
-              </a:rPr>
-              <a:t> 2. </a:t>
-            </a:r>
-            <a:r>
-              <a:rPr lang="en-US" altLang="es-ES" sz="2400" b="1" dirty="0" err="1">
-                <a:solidFill>
-                  <a:srgbClr val="FFFFFF"/>
-                </a:solidFill>
-                <a:effectLst>
-                  <a:outerShdw blurRad="38100" dist="38100" dir="2700000" algn="tl">
-                    <a:srgbClr val="000000"/>
-                  </a:outerShdw>
-                </a:effectLst>
-              </a:rPr>
-              <a:t>Planificación</a:t>
-            </a:r>
-            <a:r>
-              <a:rPr lang="en-US" altLang="es-ES" sz="2400" b="1" dirty="0">
-                <a:solidFill>
-                  <a:srgbClr val="FFFFFF"/>
-                </a:solidFill>
-                <a:effectLst>
-                  <a:outerShdw blurRad="38100" dist="38100" dir="2700000" algn="tl">
-                    <a:srgbClr val="000000"/>
-                  </a:outerShdw>
-                </a:effectLst>
-              </a:rPr>
-              <a:t> y </a:t>
-            </a:r>
-            <a:r>
-              <a:rPr lang="en-US" altLang="es-ES" sz="2400" b="1" dirty="0" err="1">
-                <a:solidFill>
-                  <a:srgbClr val="FFFFFF"/>
-                </a:solidFill>
-                <a:effectLst>
-                  <a:outerShdw blurRad="38100" dist="38100" dir="2700000" algn="tl">
-                    <a:srgbClr val="000000"/>
-                  </a:outerShdw>
-                </a:effectLst>
-              </a:rPr>
-              <a:t>Diseño</a:t>
-            </a:r>
-            <a:endParaRPr lang="en-US" altLang="es-ES" sz="2400" b="1" dirty="0">
-              <a:solidFill>
-                <a:srgbClr val="FFFFFF"/>
-              </a:solidFill>
-              <a:effectLst>
-                <a:outerShdw blurRad="38100" dist="38100" dir="2700000" algn="tl">
-                  <a:srgbClr val="000000"/>
-                </a:outerShdw>
-              </a:effectLst>
-            </a:endParaRPr>
-          </a:p>
-        </p:txBody>
-      </p:sp>
-      <p:sp>
-        <p:nvSpPr>
-          <p:cNvPr id="7" name="AutoShape 6">
-            <a:extLst>
-              <a:ext uri="{FF2B5EF4-FFF2-40B4-BE49-F238E27FC236}">
-                <a16:creationId xmlns:a16="http://schemas.microsoft.com/office/drawing/2014/main" id="{A8EAE851-39B8-98AB-093C-E20A237AB3B9}"/>
-              </a:ext>
-            </a:extLst>
-          </p:cNvPr>
-          <p:cNvSpPr>
-            <a:spLocks noChangeArrowheads="1"/>
-          </p:cNvSpPr>
-          <p:nvPr/>
-        </p:nvSpPr>
-        <p:spPr bwMode="gray">
-          <a:xfrm>
-            <a:off x="220717" y="4752137"/>
-            <a:ext cx="5875282" cy="533400"/>
-          </a:xfrm>
-          <a:prstGeom prst="roundRect">
-            <a:avLst>
-              <a:gd name="adj" fmla="val 16667"/>
-            </a:avLst>
-          </a:prstGeom>
-          <a:solidFill>
-            <a:srgbClr val="7030A0"/>
-          </a:solidFill>
-          <a:ln>
-            <a:noFill/>
-          </a:ln>
-        </p:spPr>
-        <p:style>
-          <a:lnRef idx="0">
-            <a:scrgbClr r="0" g="0" b="0"/>
-          </a:lnRef>
-          <a:fillRef idx="0">
-            <a:scrgbClr r="0" g="0" b="0"/>
-          </a:fillRef>
-          <a:effectRef idx="0">
-            <a:scrgbClr r="0" g="0" b="0"/>
-          </a:effectRef>
-          <a:fontRef idx="minor">
-            <a:schemeClr val="lt1"/>
-          </a:fontRef>
-        </p:style>
-        <p:txBody>
-          <a:bodyPr wrap="none" anchor="ctr"/>
-          <a:lstStyle/>
-          <a:p>
-            <a:r>
-              <a:rPr lang="en-US" altLang="es-ES" sz="2400" b="1" dirty="0" err="1">
-                <a:solidFill>
-                  <a:srgbClr val="FFFFFF"/>
-                </a:solidFill>
-                <a:effectLst>
-                  <a:outerShdw blurRad="38100" dist="38100" dir="2700000" algn="tl">
-                    <a:srgbClr val="000000"/>
-                  </a:outerShdw>
-                </a:effectLst>
-              </a:rPr>
-              <a:t>Capítulo</a:t>
-            </a:r>
-            <a:r>
-              <a:rPr lang="en-US" altLang="es-ES" sz="2400" b="1" dirty="0">
-                <a:solidFill>
-                  <a:srgbClr val="FFFFFF"/>
-                </a:solidFill>
-                <a:effectLst>
-                  <a:outerShdw blurRad="38100" dist="38100" dir="2700000" algn="tl">
-                    <a:srgbClr val="000000"/>
-                  </a:outerShdw>
-                </a:effectLst>
-              </a:rPr>
-              <a:t> 3. </a:t>
-            </a:r>
-            <a:r>
-              <a:rPr lang="es-ES" altLang="es-ES" sz="2400" b="1" dirty="0">
-                <a:solidFill>
-                  <a:srgbClr val="FFFFFF"/>
-                </a:solidFill>
-                <a:effectLst>
-                  <a:outerShdw blurRad="38100" dist="38100" dir="2700000" algn="tl">
-                    <a:srgbClr val="000000"/>
-                  </a:outerShdw>
-                </a:effectLst>
-              </a:rPr>
-              <a:t>Implementación</a:t>
-            </a:r>
-            <a:r>
-              <a:rPr lang="en-US" altLang="es-ES" sz="2400" b="1" dirty="0">
-                <a:solidFill>
-                  <a:srgbClr val="FFFFFF"/>
-                </a:solidFill>
-                <a:effectLst>
-                  <a:outerShdw blurRad="38100" dist="38100" dir="2700000" algn="tl">
-                    <a:srgbClr val="000000"/>
-                  </a:outerShdw>
-                </a:effectLst>
-              </a:rPr>
-              <a:t> y </a:t>
-            </a:r>
-            <a:r>
-              <a:rPr lang="en-US" altLang="es-ES" sz="2400" b="1" dirty="0" err="1">
-                <a:solidFill>
-                  <a:srgbClr val="FFFFFF"/>
-                </a:solidFill>
-                <a:effectLst>
-                  <a:outerShdw blurRad="38100" dist="38100" dir="2700000" algn="tl">
-                    <a:srgbClr val="000000"/>
-                  </a:outerShdw>
-                </a:effectLst>
-              </a:rPr>
-              <a:t>Prueba</a:t>
-            </a:r>
-            <a:endParaRPr lang="en-US" altLang="es-ES" sz="2400" b="1" dirty="0">
-              <a:solidFill>
-                <a:srgbClr val="FFFFFF"/>
-              </a:solidFill>
-              <a:effectLst>
-                <a:outerShdw blurRad="38100" dist="38100" dir="2700000" algn="tl">
-                  <a:srgbClr val="000000"/>
-                </a:outerShdw>
-              </a:effectLst>
-            </a:endParaRPr>
-          </a:p>
-        </p:txBody>
-      </p:sp>
-      <p:sp>
-        <p:nvSpPr>
-          <p:cNvPr id="8" name="AutoShape 7">
-            <a:extLst>
-              <a:ext uri="{FF2B5EF4-FFF2-40B4-BE49-F238E27FC236}">
-                <a16:creationId xmlns:a16="http://schemas.microsoft.com/office/drawing/2014/main" id="{6320ED67-A965-CB22-0FC8-43B36B2B13FF}"/>
-              </a:ext>
-            </a:extLst>
-          </p:cNvPr>
-          <p:cNvSpPr>
-            <a:spLocks noChangeArrowheads="1"/>
-          </p:cNvSpPr>
-          <p:nvPr/>
-        </p:nvSpPr>
-        <p:spPr bwMode="gray">
-          <a:xfrm>
-            <a:off x="6442837" y="1884932"/>
-            <a:ext cx="5528447" cy="533400"/>
-          </a:xfrm>
-          <a:prstGeom prst="roundRect">
-            <a:avLst>
-              <a:gd name="adj" fmla="val 16667"/>
-            </a:avLst>
-          </a:prstGeom>
-          <a:gradFill rotWithShape="1">
-            <a:gsLst>
-              <a:gs pos="0">
-                <a:srgbClr val="A48B2E"/>
-              </a:gs>
-              <a:gs pos="50000">
-                <a:srgbClr val="A48B2E">
-                  <a:gamma/>
-                  <a:tint val="51373"/>
-                  <a:invGamma/>
-                </a:srgbClr>
-              </a:gs>
-              <a:gs pos="100000">
-                <a:srgbClr val="A48B2E"/>
-              </a:gs>
-            </a:gsLst>
-            <a:lin ang="5400000" scaled="1"/>
-          </a:gradFill>
-          <a:ln w="25400" algn="ctr">
-            <a:solidFill>
-              <a:schemeClr val="tx1"/>
-            </a:solidFill>
-            <a:round/>
-            <a:headEnd/>
-            <a:tailEnd/>
-          </a:ln>
-          <a:effectLst/>
-        </p:spPr>
-        <p:txBody>
-          <a:bodyPr wrap="none" anchor="ctr"/>
-          <a:lstStyle/>
-          <a:p>
-            <a:r>
-              <a:rPr lang="en-US" altLang="es-ES" sz="2400" b="1" dirty="0" err="1">
-                <a:solidFill>
-                  <a:srgbClr val="FFFFFF"/>
-                </a:solidFill>
-                <a:effectLst>
-                  <a:outerShdw blurRad="38100" dist="38100" dir="2700000" algn="tl">
-                    <a:srgbClr val="000000"/>
-                  </a:outerShdw>
-                </a:effectLst>
-              </a:rPr>
-              <a:t>Conclusiones</a:t>
-            </a:r>
-            <a:endParaRPr lang="en-US" altLang="es-ES" sz="2400" b="1" dirty="0">
-              <a:solidFill>
-                <a:srgbClr val="FFFFFF"/>
-              </a:solidFill>
-              <a:effectLst>
-                <a:outerShdw blurRad="38100" dist="38100" dir="2700000" algn="tl">
-                  <a:srgbClr val="000000"/>
-                </a:outerShdw>
-              </a:effectLst>
-            </a:endParaRPr>
-          </a:p>
-        </p:txBody>
-      </p:sp>
-      <p:sp>
-        <p:nvSpPr>
-          <p:cNvPr id="9" name="AutoShape 8">
-            <a:extLst>
-              <a:ext uri="{FF2B5EF4-FFF2-40B4-BE49-F238E27FC236}">
-                <a16:creationId xmlns:a16="http://schemas.microsoft.com/office/drawing/2014/main" id="{C4AE7C83-6949-324B-5075-D54AA1663711}"/>
-              </a:ext>
-            </a:extLst>
-          </p:cNvPr>
-          <p:cNvSpPr>
-            <a:spLocks noChangeArrowheads="1"/>
-          </p:cNvSpPr>
-          <p:nvPr/>
-        </p:nvSpPr>
-        <p:spPr bwMode="gray">
-          <a:xfrm>
-            <a:off x="6442837" y="2741525"/>
-            <a:ext cx="5528447" cy="533400"/>
-          </a:xfrm>
-          <a:prstGeom prst="roundRect">
-            <a:avLst>
-              <a:gd name="adj" fmla="val 16667"/>
-            </a:avLst>
-          </a:prstGeom>
-          <a:solidFill>
-            <a:schemeClr val="accent1">
-              <a:lumMod val="50000"/>
-            </a:schemeClr>
-          </a:solidFill>
-          <a:ln w="25400" algn="ctr">
-            <a:solidFill>
-              <a:schemeClr val="tx1"/>
-            </a:solidFill>
-            <a:round/>
-            <a:headEnd/>
-            <a:tailEnd/>
-          </a:ln>
-          <a:effectLst/>
-        </p:spPr>
-        <p:txBody>
-          <a:bodyPr wrap="none" anchor="ctr"/>
-          <a:lstStyle/>
-          <a:p>
-            <a:r>
-              <a:rPr lang="en-US" altLang="es-ES" sz="2400" b="1" dirty="0" err="1">
-                <a:solidFill>
-                  <a:srgbClr val="FFFFFF"/>
-                </a:solidFill>
-                <a:effectLst>
-                  <a:outerShdw blurRad="38100" dist="38100" dir="2700000" algn="tl">
-                    <a:srgbClr val="000000"/>
-                  </a:outerShdw>
-                </a:effectLst>
-              </a:rPr>
-              <a:t>Recomendaciones</a:t>
-            </a:r>
-            <a:endParaRPr lang="en-US" altLang="es-ES" sz="2400" b="1" dirty="0">
-              <a:solidFill>
-                <a:srgbClr val="FFFFFF"/>
-              </a:solidFill>
-              <a:effectLst>
-                <a:outerShdw blurRad="38100" dist="38100" dir="2700000" algn="tl">
-                  <a:srgbClr val="000000"/>
-                </a:outerShdw>
-              </a:effectLst>
-            </a:endParaRPr>
-          </a:p>
-        </p:txBody>
-      </p:sp>
-      <p:sp>
-        <p:nvSpPr>
-          <p:cNvPr id="10" name="AutoShape 8">
-            <a:extLst>
-              <a:ext uri="{FF2B5EF4-FFF2-40B4-BE49-F238E27FC236}">
-                <a16:creationId xmlns:a16="http://schemas.microsoft.com/office/drawing/2014/main" id="{FF68A702-E263-D77B-10FD-659B32A81E23}"/>
-              </a:ext>
-            </a:extLst>
-          </p:cNvPr>
-          <p:cNvSpPr>
-            <a:spLocks noChangeArrowheads="1"/>
-          </p:cNvSpPr>
-          <p:nvPr/>
-        </p:nvSpPr>
-        <p:spPr bwMode="gray">
-          <a:xfrm>
-            <a:off x="6442837" y="3712124"/>
-            <a:ext cx="5528447" cy="533400"/>
-          </a:xfrm>
-          <a:prstGeom prst="roundRect">
-            <a:avLst>
-              <a:gd name="adj" fmla="val 16667"/>
-            </a:avLst>
-          </a:prstGeom>
-          <a:solidFill>
-            <a:schemeClr val="tx2"/>
-          </a:solidFill>
-          <a:ln w="25400" algn="ctr">
-            <a:solidFill>
-              <a:schemeClr val="tx1"/>
-            </a:solidFill>
-            <a:round/>
-            <a:headEnd/>
-            <a:tailEnd/>
-          </a:ln>
-          <a:effectLst/>
-        </p:spPr>
-        <p:txBody>
-          <a:bodyPr wrap="none" anchor="ctr"/>
-          <a:lstStyle/>
-          <a:p>
-            <a:r>
-              <a:rPr lang="en-US" altLang="es-ES" sz="2400" b="1" dirty="0" err="1">
-                <a:solidFill>
-                  <a:srgbClr val="FFFFFF"/>
-                </a:solidFill>
-                <a:effectLst>
-                  <a:outerShdw blurRad="38100" dist="38100" dir="2700000" algn="tl">
-                    <a:srgbClr val="000000"/>
-                  </a:outerShdw>
-                </a:effectLst>
-              </a:rPr>
-              <a:t>Bibliografía</a:t>
-            </a:r>
-            <a:endParaRPr lang="en-US" altLang="es-ES" sz="2400" b="1" dirty="0">
-              <a:solidFill>
-                <a:srgbClr val="FFFFFF"/>
-              </a:solidFill>
-              <a:effectLst>
-                <a:outerShdw blurRad="38100" dist="38100" dir="2700000" algn="tl">
-                  <a:srgbClr val="000000"/>
-                </a:outerShdw>
-              </a:effectLst>
-            </a:endParaRPr>
-          </a:p>
-        </p:txBody>
-      </p:sp>
-      <p:sp>
-        <p:nvSpPr>
-          <p:cNvPr id="11" name="AutoShape 8">
-            <a:extLst>
-              <a:ext uri="{FF2B5EF4-FFF2-40B4-BE49-F238E27FC236}">
-                <a16:creationId xmlns:a16="http://schemas.microsoft.com/office/drawing/2014/main" id="{857F2ECE-B266-D963-49D5-A6BFFF9900AE}"/>
-              </a:ext>
-            </a:extLst>
-          </p:cNvPr>
-          <p:cNvSpPr>
-            <a:spLocks noChangeArrowheads="1"/>
-          </p:cNvSpPr>
-          <p:nvPr/>
-        </p:nvSpPr>
-        <p:spPr bwMode="gray">
-          <a:xfrm>
-            <a:off x="6442838" y="4741839"/>
-            <a:ext cx="5528446" cy="533400"/>
-          </a:xfrm>
-          <a:prstGeom prst="roundRect">
-            <a:avLst>
-              <a:gd name="adj" fmla="val 16667"/>
-            </a:avLst>
-          </a:prstGeom>
-          <a:solidFill>
-            <a:srgbClr val="002060"/>
-          </a:solidFill>
-          <a:ln w="25400" algn="ctr">
-            <a:solidFill>
-              <a:schemeClr val="tx1"/>
-            </a:solidFill>
-            <a:round/>
-            <a:headEnd/>
-            <a:tailEnd/>
-          </a:ln>
-          <a:effectLst/>
-        </p:spPr>
-        <p:txBody>
-          <a:bodyPr wrap="none" anchor="ctr"/>
-          <a:lstStyle/>
-          <a:p>
-            <a:r>
-              <a:rPr lang="en-US" altLang="es-ES" sz="2400" b="1" dirty="0" err="1">
-                <a:solidFill>
-                  <a:srgbClr val="FFFFFF"/>
-                </a:solidFill>
-                <a:effectLst>
-                  <a:outerShdw blurRad="38100" dist="38100" dir="2700000" algn="tl">
-                    <a:srgbClr val="000000"/>
-                  </a:outerShdw>
-                </a:effectLst>
-              </a:rPr>
-              <a:t>Anexos</a:t>
-            </a:r>
-            <a:endParaRPr lang="en-US" altLang="es-ES" sz="2400" b="1" dirty="0">
-              <a:solidFill>
-                <a:srgbClr val="FFFFFF"/>
-              </a:solidFill>
-              <a:effectLst>
-                <a:outerShdw blurRad="38100" dist="38100" dir="2700000" algn="tl">
-                  <a:srgbClr val="000000"/>
-                </a:outerShdw>
-              </a:effectLst>
-            </a:endParaRPr>
-          </a:p>
-        </p:txBody>
-      </p:sp>
-      <p:sp>
-        <p:nvSpPr>
-          <p:cNvPr id="12" name="AutoShape 4">
-            <a:extLst>
-              <a:ext uri="{FF2B5EF4-FFF2-40B4-BE49-F238E27FC236}">
-                <a16:creationId xmlns:a16="http://schemas.microsoft.com/office/drawing/2014/main" id="{A54702AF-EA42-895A-FE12-F4D1840AA459}"/>
-              </a:ext>
-            </a:extLst>
-          </p:cNvPr>
-          <p:cNvSpPr>
-            <a:spLocks noChangeArrowheads="1"/>
-          </p:cNvSpPr>
-          <p:nvPr/>
-        </p:nvSpPr>
-        <p:spPr bwMode="gray">
-          <a:xfrm>
-            <a:off x="220715" y="1884932"/>
-            <a:ext cx="5754415" cy="533400"/>
-          </a:xfrm>
-          <a:prstGeom prst="roundRect">
-            <a:avLst>
-              <a:gd name="adj" fmla="val 16667"/>
-            </a:avLst>
-          </a:prstGeom>
-          <a:ln>
-            <a:headEnd/>
-            <a:tailEnd/>
-          </a:ln>
-        </p:spPr>
-        <p:style>
-          <a:lnRef idx="2">
-            <a:schemeClr val="accent1">
-              <a:shade val="50000"/>
-            </a:schemeClr>
-          </a:lnRef>
-          <a:fillRef idx="1">
-            <a:schemeClr val="accent1"/>
-          </a:fillRef>
-          <a:effectRef idx="0">
-            <a:schemeClr val="accent1"/>
-          </a:effectRef>
-          <a:fontRef idx="minor">
-            <a:schemeClr val="lt1"/>
-          </a:fontRef>
-        </p:style>
-        <p:txBody>
-          <a:bodyPr wrap="none" anchor="ctr"/>
-          <a:lstStyle/>
-          <a:p>
-            <a:r>
-              <a:rPr lang="es-ES" altLang="es-ES" sz="2400" b="1" dirty="0">
-                <a:solidFill>
-                  <a:srgbClr val="FFFFFF"/>
-                </a:solidFill>
-                <a:effectLst>
-                  <a:outerShdw blurRad="38100" dist="38100" dir="2700000" algn="tl">
-                    <a:srgbClr val="000000"/>
-                  </a:outerShdw>
-                </a:effectLst>
-              </a:rPr>
-              <a:t>Introducción</a:t>
-            </a:r>
-          </a:p>
-        </p:txBody>
-      </p:sp>
-    </p:spTree>
-    <p:extLst>
-      <p:ext uri="{BB962C8B-B14F-4D97-AF65-F5344CB8AC3E}">
-        <p14:creationId xmlns:p14="http://schemas.microsoft.com/office/powerpoint/2010/main" val="3014748145"/>
-      </p:ext>
-    </p:extLst>
-  </p:cSld>
-  <p:clrMapOvr>
-    <a:masterClrMapping/>
-  </p:clrMapOvr>
-</p:sld>
-</file>
-
-<file path=ppt/slides/slide13.xml><?xml version="1.0" encoding="utf-8"?>
-<p:sld xmlns:a="http://schemas.openxmlformats.org/drawingml/2006/main" xmlns:r="http://schemas.openxmlformats.org/officeDocument/2006/relationships" xmlns:p="http://schemas.openxmlformats.org/presentationml/2006/main">
-  <p:cSld>
-    <p:spTree>
-      <p:nvGrpSpPr>
-        <p:cNvPr id="1" name=""/>
-        <p:cNvGrpSpPr/>
-        <p:nvPr/>
-      </p:nvGrpSpPr>
-      <p:grpSpPr>
-        <a:xfrm>
-          <a:off x="0" y="0"/>
-          <a:ext cx="0" cy="0"/>
-          <a:chOff x="0" y="0"/>
-          <a:chExt cx="0" cy="0"/>
-        </a:xfrm>
-      </p:grpSpPr>
-      <p:sp>
-        <p:nvSpPr>
-          <p:cNvPr id="2" name="Título 1">
-            <a:extLst>
-              <a:ext uri="{FF2B5EF4-FFF2-40B4-BE49-F238E27FC236}">
-                <a16:creationId xmlns:a16="http://schemas.microsoft.com/office/drawing/2014/main" id="{B3C7C15E-A287-C6A2-92E3-BE8EFECB0C05}"/>
-              </a:ext>
-            </a:extLst>
-          </p:cNvPr>
-          <p:cNvSpPr>
-            <a:spLocks noGrp="1"/>
-          </p:cNvSpPr>
-          <p:nvPr>
-            <p:ph type="title"/>
-          </p:nvPr>
-        </p:nvSpPr>
-        <p:spPr/>
-        <p:txBody>
-          <a:bodyPr/>
-          <a:lstStyle/>
-          <a:p>
-            <a:pPr algn="ctr"/>
-            <a:r>
-              <a:rPr lang="es-ES" dirty="0"/>
-              <a:t>Aportes</a:t>
-            </a:r>
-          </a:p>
-        </p:txBody>
-      </p:sp>
-      <p:sp>
-        <p:nvSpPr>
-          <p:cNvPr id="3" name="Marcador de contenido 2">
-            <a:extLst>
-              <a:ext uri="{FF2B5EF4-FFF2-40B4-BE49-F238E27FC236}">
-                <a16:creationId xmlns:a16="http://schemas.microsoft.com/office/drawing/2014/main" id="{DDE4EAD7-0F0F-56FF-09D0-4E490CAC9307}"/>
-              </a:ext>
-            </a:extLst>
-          </p:cNvPr>
-          <p:cNvSpPr>
-            <a:spLocks noGrp="1"/>
-          </p:cNvSpPr>
-          <p:nvPr>
-            <p:ph idx="1"/>
-          </p:nvPr>
-        </p:nvSpPr>
-        <p:spPr/>
-        <p:txBody>
-          <a:bodyPr/>
-          <a:lstStyle/>
-          <a:p>
-            <a:pPr algn="just"/>
-            <a:r>
-              <a:rPr lang="es-ES" dirty="0"/>
-              <a:t>Un sistema que a partir de datos proporcionados pudiera generar o construir automáticamente la estructura de conocimiento de un asistente virtual desarrollado en Rasa, lo que reduce en gran medida el error humano al realizar este trabajo manualmente.</a:t>
-            </a:r>
-          </a:p>
-          <a:p>
-            <a:pPr algn="just"/>
-            <a:r>
-              <a:rPr lang="es-ES" dirty="0"/>
-              <a:t>La investigación también permitió saber el cómo lograr la construcción automática de asistentes virtuales a partir de una base de conocimiento nueva previamente construida.</a:t>
-            </a:r>
-          </a:p>
-          <a:p>
-            <a:pPr algn="just"/>
-            <a:r>
-              <a:rPr lang="es-ES" dirty="0"/>
-              <a:t>Además se logró evidenciar las facilidades que brinda este tipo de solución en el desarrollo de asistentes virtuales sin necesidad de especialistas y reduciendo el trabajo que cuesta dicha tarea; también cómo mejora la capacidad de respuesta de los asistentes virtuales y a su vez la calidad de su servicio al interactuar con las personas.</a:t>
-            </a:r>
-          </a:p>
-          <a:p>
-            <a:endParaRPr lang="es-ES" dirty="0"/>
-          </a:p>
-        </p:txBody>
-      </p:sp>
-    </p:spTree>
-    <p:extLst>
-      <p:ext uri="{BB962C8B-B14F-4D97-AF65-F5344CB8AC3E}">
-        <p14:creationId xmlns:p14="http://schemas.microsoft.com/office/powerpoint/2010/main" val="931240880"/>
-      </p:ext>
-    </p:extLst>
-  </p:cSld>
-  <p:clrMapOvr>
-    <a:masterClrMapping/>
-  </p:clrMapOvr>
-</p:sld>
-</file>
-
-<file path=ppt/slides/slide14.xml><?xml version="1.0" encoding="utf-8"?>
 <p:sld xmlns:a="http://schemas.openxmlformats.org/drawingml/2006/main" xmlns:r="http://schemas.openxmlformats.org/officeDocument/2006/relationships" xmlns:p="http://schemas.openxmlformats.org/presentationml/2006/main">
   <p:cSld>
     <p:spTree>
@@ -9101,7 +8523,7 @@
 </p:sld>
 </file>
 
-<file path=ppt/slides/slide15.xml><?xml version="1.0" encoding="utf-8"?>
+<file path=ppt/slides/slide11.xml><?xml version="1.0" encoding="utf-8"?>
 <p:sld xmlns:a="http://schemas.openxmlformats.org/drawingml/2006/main" xmlns:r="http://schemas.openxmlformats.org/officeDocument/2006/relationships" xmlns:p="http://schemas.openxmlformats.org/presentationml/2006/main">
   <p:cSld>
     <p:spTree>
@@ -9170,22 +8592,8 @@
           <a:p>
             <a:pPr algn="just"/>
             <a:r>
-              <a:rPr lang="es-ES" b="1" dirty="0"/>
-              <a:t>RF1: Autenticar usuario: Permitirá el acceso al sistema y funcionalidades correspondientes. </a:t>
-            </a:r>
-          </a:p>
-          <a:p>
-            <a:pPr algn="just"/>
-            <a:r>
               <a:rPr lang="es-ES" dirty="0"/>
-              <a:t>  Entrada: Usuario y contraseña. </a:t>
-            </a:r>
-          </a:p>
-          <a:p>
-            <a:pPr algn="just"/>
-            <a:r>
-              <a:rPr lang="es-ES" dirty="0"/>
-              <a:t>  Salida: El usuario accede al sistema.</a:t>
+              <a:t>RF1: Autenticar usuario. </a:t>
             </a:r>
           </a:p>
           <a:p>
@@ -9195,22 +8603,30 @@
           <a:p>
             <a:pPr algn="just"/>
             <a:r>
-              <a:rPr lang="es-ES" b="1" dirty="0"/>
-              <a:t>RF2: Generar conocimiento del Asistente: Es donde el usuario a partir de una entrada de datos al sistema, este último analizará dichos datos y creará los archivos de entrenamiento.</a:t>
+              <a:rPr lang="es-ES" dirty="0"/>
+              <a:t>RF2: Generar conocimiento del Asistente.</a:t>
             </a:r>
           </a:p>
           <a:p>
             <a:pPr algn="just"/>
+            <a:endParaRPr lang="es-ES" dirty="0"/>
+          </a:p>
+          <a:p>
+            <a:pPr algn="just"/>
             <a:r>
               <a:rPr lang="es-ES" dirty="0"/>
-              <a:t>  Entrada: Datos.</a:t>
+              <a:t>RF3: Crear Asistente virtual.</a:t>
             </a:r>
           </a:p>
           <a:p>
             <a:pPr algn="just"/>
+            <a:endParaRPr lang="es-ES" dirty="0"/>
+          </a:p>
+          <a:p>
+            <a:pPr algn="just"/>
             <a:r>
               <a:rPr lang="es-ES" dirty="0"/>
-              <a:t>  Salida: Archivos de entrenamiento.</a:t>
+              <a:t>RF4: Entrenar Asistente y probarlo.</a:t>
             </a:r>
           </a:p>
           <a:p>
@@ -9234,146 +8650,7 @@
 </p:sld>
 </file>
 
-<file path=ppt/slides/slide16.xml><?xml version="1.0" encoding="utf-8"?>
-<p:sld xmlns:a="http://schemas.openxmlformats.org/drawingml/2006/main" xmlns:r="http://schemas.openxmlformats.org/officeDocument/2006/relationships" xmlns:p="http://schemas.openxmlformats.org/presentationml/2006/main">
-  <p:cSld>
-    <p:spTree>
-      <p:nvGrpSpPr>
-        <p:cNvPr id="1" name=""/>
-        <p:cNvGrpSpPr/>
-        <p:nvPr/>
-      </p:nvGrpSpPr>
-      <p:grpSpPr>
-        <a:xfrm>
-          <a:off x="0" y="0"/>
-          <a:ext cx="0" cy="0"/>
-          <a:chOff x="0" y="0"/>
-          <a:chExt cx="0" cy="0"/>
-        </a:xfrm>
-      </p:grpSpPr>
-      <p:sp>
-        <p:nvSpPr>
-          <p:cNvPr id="2" name="Título 1">
-            <a:extLst>
-              <a:ext uri="{FF2B5EF4-FFF2-40B4-BE49-F238E27FC236}">
-                <a16:creationId xmlns:a16="http://schemas.microsoft.com/office/drawing/2014/main" id="{74C3471A-7A51-11EE-627B-0CF660742B81}"/>
-              </a:ext>
-            </a:extLst>
-          </p:cNvPr>
-          <p:cNvSpPr>
-            <a:spLocks noGrp="1"/>
-          </p:cNvSpPr>
-          <p:nvPr>
-            <p:ph type="title"/>
-          </p:nvPr>
-        </p:nvSpPr>
-        <p:spPr/>
-        <p:txBody>
-          <a:bodyPr/>
-          <a:lstStyle/>
-          <a:p>
-            <a:pPr algn="ctr"/>
-            <a:r>
-              <a:rPr lang="es-ES" dirty="0"/>
-              <a:t>Requisitos Funcionales</a:t>
-            </a:r>
-          </a:p>
-        </p:txBody>
-      </p:sp>
-      <p:sp>
-        <p:nvSpPr>
-          <p:cNvPr id="3" name="Marcador de contenido 2">
-            <a:extLst>
-              <a:ext uri="{FF2B5EF4-FFF2-40B4-BE49-F238E27FC236}">
-                <a16:creationId xmlns:a16="http://schemas.microsoft.com/office/drawing/2014/main" id="{34E17777-492F-9F1F-22E9-DE7EE679422A}"/>
-              </a:ext>
-            </a:extLst>
-          </p:cNvPr>
-          <p:cNvSpPr>
-            <a:spLocks noGrp="1"/>
-          </p:cNvSpPr>
-          <p:nvPr>
-            <p:ph idx="1"/>
-          </p:nvPr>
-        </p:nvSpPr>
-        <p:spPr>
-          <a:xfrm>
-            <a:off x="825910" y="1651819"/>
-            <a:ext cx="10302338" cy="4520381"/>
-          </a:xfrm>
-        </p:spPr>
-        <p:txBody>
-          <a:bodyPr/>
-          <a:lstStyle/>
-          <a:p>
-            <a:pPr algn="just"/>
-            <a:endParaRPr lang="es-ES" dirty="0"/>
-          </a:p>
-          <a:p>
-            <a:pPr algn="just"/>
-            <a:r>
-              <a:rPr lang="es-ES" b="1" dirty="0"/>
-              <a:t>RF3: Crear Asistente virtual: Proporciona la posibilidad de crear el asistente virtual a partir de cierta información.</a:t>
-            </a:r>
-          </a:p>
-          <a:p>
-            <a:pPr algn="just"/>
-            <a:r>
-              <a:rPr lang="es-ES" dirty="0"/>
-              <a:t>  Entrada: Información pedida por el sistema.</a:t>
-            </a:r>
-          </a:p>
-          <a:p>
-            <a:pPr algn="just"/>
-            <a:r>
-              <a:rPr lang="es-ES" dirty="0"/>
-              <a:t>  Salida: Se crea el asistente virtual. </a:t>
-            </a:r>
-          </a:p>
-          <a:p>
-            <a:pPr algn="just"/>
-            <a:endParaRPr lang="es-ES" dirty="0"/>
-          </a:p>
-          <a:p>
-            <a:pPr algn="just"/>
-            <a:r>
-              <a:rPr lang="es-ES" b="1" dirty="0"/>
-              <a:t>RF4: Entrenar Asistente y probarlo: Permitirá una vez creado el asistente y los archivos de entrenamiento poder entrenarlo, y una vez finalizado este proceso tendrá la posibilidad de probarlo e interactuar con el robot conversacional.</a:t>
-            </a:r>
-          </a:p>
-          <a:p>
-            <a:pPr algn="just"/>
-            <a:r>
-              <a:rPr lang="es-ES" dirty="0"/>
-              <a:t>  Entrada: Información pedida por el sistema.</a:t>
-            </a:r>
-          </a:p>
-          <a:p>
-            <a:pPr algn="just"/>
-            <a:r>
-              <a:rPr lang="es-ES" dirty="0"/>
-              <a:t>  Salida: Se entrena el asistente virtual y se inicia la interacción de prueba.</a:t>
-            </a:r>
-          </a:p>
-          <a:p>
-            <a:endParaRPr lang="es-ES" dirty="0"/>
-          </a:p>
-        </p:txBody>
-      </p:sp>
-    </p:spTree>
-    <p:extLst>
-      <p:ext uri="{BB962C8B-B14F-4D97-AF65-F5344CB8AC3E}">
-        <p14:creationId xmlns:p14="http://schemas.microsoft.com/office/powerpoint/2010/main" val="1284052005"/>
-      </p:ext>
-    </p:extLst>
-  </p:cSld>
-  <p:clrMapOvr>
-    <a:masterClrMapping/>
-  </p:clrMapOvr>
-</p:sld>
-</file>
-
-<file path=ppt/slides/slide17.xml><?xml version="1.0" encoding="utf-8"?>
+<file path=ppt/slides/slide12.xml><?xml version="1.0" encoding="utf-8"?>
 <p:sld xmlns:a="http://schemas.openxmlformats.org/drawingml/2006/main" xmlns:r="http://schemas.openxmlformats.org/officeDocument/2006/relationships" xmlns:p="http://schemas.openxmlformats.org/presentationml/2006/main">
   <p:cSld>
     <p:spTree>
@@ -9477,6 +8754,181 @@
           </a:effectLst>
         </p:spPr>
       </p:pic>
+      <p:sp>
+        <p:nvSpPr>
+          <p:cNvPr id="3" name="CuadroTexto 2">
+            <a:extLst>
+              <a:ext uri="{FF2B5EF4-FFF2-40B4-BE49-F238E27FC236}">
+                <a16:creationId xmlns:a16="http://schemas.microsoft.com/office/drawing/2014/main" id="{CF021982-FDCC-6DEA-FB53-56AD238916A6}"/>
+              </a:ext>
+            </a:extLst>
+          </p:cNvPr>
+          <p:cNvSpPr txBox="1"/>
+          <p:nvPr/>
+        </p:nvSpPr>
+        <p:spPr>
+          <a:xfrm>
+            <a:off x="3020786" y="3820886"/>
+            <a:ext cx="342900" cy="400110"/>
+          </a:xfrm>
+          <a:prstGeom prst="rect">
+            <a:avLst/>
+          </a:prstGeom>
+          <a:noFill/>
+        </p:spPr>
+        <p:txBody>
+          <a:bodyPr wrap="square" rtlCol="0">
+            <a:spAutoFit/>
+          </a:bodyPr>
+          <a:lstStyle/>
+          <a:p>
+            <a:r>
+              <a:rPr lang="es-ES" sz="2000" b="1" dirty="0"/>
+              <a:t>1</a:t>
+            </a:r>
+          </a:p>
+        </p:txBody>
+      </p:sp>
+      <p:sp>
+        <p:nvSpPr>
+          <p:cNvPr id="5" name="CuadroTexto 4">
+            <a:extLst>
+              <a:ext uri="{FF2B5EF4-FFF2-40B4-BE49-F238E27FC236}">
+                <a16:creationId xmlns:a16="http://schemas.microsoft.com/office/drawing/2014/main" id="{5B467354-2551-AAAB-13DE-C4FF63DAB6CE}"/>
+              </a:ext>
+            </a:extLst>
+          </p:cNvPr>
+          <p:cNvSpPr txBox="1"/>
+          <p:nvPr/>
+        </p:nvSpPr>
+        <p:spPr>
+          <a:xfrm>
+            <a:off x="4740729" y="2520875"/>
+            <a:ext cx="342900" cy="400110"/>
+          </a:xfrm>
+          <a:prstGeom prst="rect">
+            <a:avLst/>
+          </a:prstGeom>
+          <a:noFill/>
+        </p:spPr>
+        <p:txBody>
+          <a:bodyPr wrap="square" rtlCol="0">
+            <a:spAutoFit/>
+          </a:bodyPr>
+          <a:lstStyle/>
+          <a:p>
+            <a:r>
+              <a:rPr lang="es-ES" sz="2000" b="1" dirty="0"/>
+              <a:t>2</a:t>
+            </a:r>
+          </a:p>
+        </p:txBody>
+      </p:sp>
+      <p:sp>
+        <p:nvSpPr>
+          <p:cNvPr id="6" name="CuadroTexto 5">
+            <a:extLst>
+              <a:ext uri="{FF2B5EF4-FFF2-40B4-BE49-F238E27FC236}">
+                <a16:creationId xmlns:a16="http://schemas.microsoft.com/office/drawing/2014/main" id="{725BCF2F-1FAD-6A74-36F8-961CB5B3818D}"/>
+              </a:ext>
+            </a:extLst>
+          </p:cNvPr>
+          <p:cNvSpPr txBox="1"/>
+          <p:nvPr/>
+        </p:nvSpPr>
+        <p:spPr>
+          <a:xfrm>
+            <a:off x="5619653" y="3086104"/>
+            <a:ext cx="342900" cy="400110"/>
+          </a:xfrm>
+          <a:prstGeom prst="rect">
+            <a:avLst/>
+          </a:prstGeom>
+          <a:noFill/>
+        </p:spPr>
+        <p:txBody>
+          <a:bodyPr wrap="square" rtlCol="0">
+            <a:spAutoFit/>
+          </a:bodyPr>
+          <a:lstStyle/>
+          <a:p>
+            <a:r>
+              <a:rPr lang="es-ES" sz="2000" b="1" dirty="0"/>
+              <a:t>3</a:t>
+            </a:r>
+          </a:p>
+        </p:txBody>
+      </p:sp>
+      <p:sp>
+        <p:nvSpPr>
+          <p:cNvPr id="7" name="CuadroTexto 6">
+            <a:extLst>
+              <a:ext uri="{FF2B5EF4-FFF2-40B4-BE49-F238E27FC236}">
+                <a16:creationId xmlns:a16="http://schemas.microsoft.com/office/drawing/2014/main" id="{914261B6-FF7B-FB7F-E859-239866BB1B1C}"/>
+              </a:ext>
+            </a:extLst>
+          </p:cNvPr>
+          <p:cNvSpPr txBox="1"/>
+          <p:nvPr/>
+        </p:nvSpPr>
+        <p:spPr>
+          <a:xfrm>
+            <a:off x="5949048" y="3906641"/>
+            <a:ext cx="342900" cy="400110"/>
+          </a:xfrm>
+          <a:prstGeom prst="rect">
+            <a:avLst/>
+          </a:prstGeom>
+          <a:noFill/>
+        </p:spPr>
+        <p:txBody>
+          <a:bodyPr wrap="square" rtlCol="0">
+            <a:spAutoFit/>
+          </a:bodyPr>
+          <a:lstStyle/>
+          <a:p>
+            <a:r>
+              <a:rPr lang="es-ES" sz="2000" b="1" dirty="0"/>
+              <a:t>4</a:t>
+            </a:r>
+          </a:p>
+        </p:txBody>
+      </p:sp>
+      <p:sp>
+        <p:nvSpPr>
+          <p:cNvPr id="8" name="CuadroTexto 7">
+            <a:extLst>
+              <a:ext uri="{FF2B5EF4-FFF2-40B4-BE49-F238E27FC236}">
+                <a16:creationId xmlns:a16="http://schemas.microsoft.com/office/drawing/2014/main" id="{AD18E729-B6F9-E42B-BD75-A8C6003B4CDA}"/>
+              </a:ext>
+            </a:extLst>
+          </p:cNvPr>
+          <p:cNvSpPr txBox="1"/>
+          <p:nvPr/>
+        </p:nvSpPr>
+        <p:spPr>
+          <a:xfrm>
+            <a:off x="4740729" y="5946469"/>
+            <a:ext cx="342900" cy="400110"/>
+          </a:xfrm>
+          <a:prstGeom prst="rect">
+            <a:avLst/>
+          </a:prstGeom>
+          <a:noFill/>
+        </p:spPr>
+        <p:txBody>
+          <a:bodyPr wrap="square" rtlCol="0">
+            <a:spAutoFit/>
+          </a:bodyPr>
+          <a:lstStyle/>
+          <a:p>
+            <a:r>
+              <a:rPr lang="es-ES" sz="2000" b="1" dirty="0"/>
+              <a:t>5</a:t>
+            </a:r>
+          </a:p>
+        </p:txBody>
+      </p:sp>
     </p:spTree>
     <p:extLst>
       <p:ext uri="{BB962C8B-B14F-4D97-AF65-F5344CB8AC3E}">
@@ -9490,121 +8942,7 @@
 </p:sld>
 </file>
 
-<file path=ppt/slides/slide18.xml><?xml version="1.0" encoding="utf-8"?>
-<p:sld xmlns:a="http://schemas.openxmlformats.org/drawingml/2006/main" xmlns:r="http://schemas.openxmlformats.org/officeDocument/2006/relationships" xmlns:p="http://schemas.openxmlformats.org/presentationml/2006/main">
-  <p:cSld>
-    <p:spTree>
-      <p:nvGrpSpPr>
-        <p:cNvPr id="1" name=""/>
-        <p:cNvGrpSpPr/>
-        <p:nvPr/>
-      </p:nvGrpSpPr>
-      <p:grpSpPr>
-        <a:xfrm>
-          <a:off x="0" y="0"/>
-          <a:ext cx="0" cy="0"/>
-          <a:chOff x="0" y="0"/>
-          <a:chExt cx="0" cy="0"/>
-        </a:xfrm>
-      </p:grpSpPr>
-      <p:sp>
-        <p:nvSpPr>
-          <p:cNvPr id="2" name="Título 1">
-            <a:extLst>
-              <a:ext uri="{FF2B5EF4-FFF2-40B4-BE49-F238E27FC236}">
-                <a16:creationId xmlns:a16="http://schemas.microsoft.com/office/drawing/2014/main" id="{2C1FB99B-8429-CEF2-DC58-5CA56A8F776D}"/>
-              </a:ext>
-            </a:extLst>
-          </p:cNvPr>
-          <p:cNvSpPr>
-            <a:spLocks noGrp="1"/>
-          </p:cNvSpPr>
-          <p:nvPr>
-            <p:ph type="title"/>
-          </p:nvPr>
-        </p:nvSpPr>
-        <p:spPr>
-          <a:xfrm>
-            <a:off x="1069848" y="-287881"/>
-            <a:ext cx="10058400" cy="1609344"/>
-          </a:xfrm>
-        </p:spPr>
-        <p:txBody>
-          <a:bodyPr/>
-          <a:lstStyle/>
-          <a:p>
-            <a:pPr algn="ctr"/>
-            <a:r>
-              <a:rPr lang="es-ES" dirty="0"/>
-              <a:t>Arquitectura del Sistema</a:t>
-            </a:r>
-          </a:p>
-        </p:txBody>
-      </p:sp>
-      <p:pic>
-        <p:nvPicPr>
-          <p:cNvPr id="5" name="Imagen 4">
-            <a:extLst>
-              <a:ext uri="{FF2B5EF4-FFF2-40B4-BE49-F238E27FC236}">
-                <a16:creationId xmlns:a16="http://schemas.microsoft.com/office/drawing/2014/main" id="{479F2CCB-9EDC-59C5-70CD-FDCE80675270}"/>
-              </a:ext>
-            </a:extLst>
-          </p:cNvPr>
-          <p:cNvPicPr>
-            <a:picLocks noChangeAspect="1"/>
-          </p:cNvPicPr>
-          <p:nvPr/>
-        </p:nvPicPr>
-        <p:blipFill>
-          <a:blip r:embed="rId2">
-            <a:extLst>
-              <a:ext uri="{28A0092B-C50C-407E-A947-70E740481C1C}">
-                <a14:useLocalDpi xmlns:a14="http://schemas.microsoft.com/office/drawing/2010/main" val="0"/>
-              </a:ext>
-            </a:extLst>
-          </a:blip>
-          <a:stretch>
-            <a:fillRect/>
-          </a:stretch>
-        </p:blipFill>
-        <p:spPr>
-          <a:xfrm>
-            <a:off x="740979" y="1321463"/>
-            <a:ext cx="10381173" cy="5181813"/>
-          </a:xfrm>
-          <a:prstGeom prst="rect">
-            <a:avLst/>
-          </a:prstGeom>
-          <a:ln w="38100" cap="sq">
-            <a:solidFill>
-              <a:srgbClr val="000000"/>
-            </a:solidFill>
-            <a:prstDash val="solid"/>
-            <a:miter lim="800000"/>
-          </a:ln>
-          <a:effectLst>
-            <a:outerShdw blurRad="50800" dist="38100" dir="2700000" algn="tl" rotWithShape="0">
-              <a:srgbClr val="000000">
-                <a:alpha val="43000"/>
-              </a:srgbClr>
-            </a:outerShdw>
-          </a:effectLst>
-        </p:spPr>
-      </p:pic>
-    </p:spTree>
-    <p:extLst>
-      <p:ext uri="{BB962C8B-B14F-4D97-AF65-F5344CB8AC3E}">
-        <p14:creationId xmlns:p14="http://schemas.microsoft.com/office/powerpoint/2010/main" val="570536936"/>
-      </p:ext>
-    </p:extLst>
-  </p:cSld>
-  <p:clrMapOvr>
-    <a:masterClrMapping/>
-  </p:clrMapOvr>
-</p:sld>
-</file>
-
-<file path=ppt/slides/slide19.xml><?xml version="1.0" encoding="utf-8"?>
+<file path=ppt/slides/slide13.xml><?xml version="1.0" encoding="utf-8"?>
 <p:sld xmlns:a="http://schemas.openxmlformats.org/drawingml/2006/main" xmlns:r="http://schemas.openxmlformats.org/officeDocument/2006/relationships" xmlns:p="http://schemas.openxmlformats.org/presentationml/2006/main">
   <p:cSld>
     <p:spTree>
@@ -9639,7 +8977,7 @@
         </p:nvSpPr>
         <p:spPr>
           <a:xfrm>
-            <a:off x="1069848" y="-31555"/>
+            <a:off x="1069848" y="-194845"/>
             <a:ext cx="10058400" cy="1609344"/>
           </a:xfrm>
         </p:spPr>
@@ -9657,21 +8995,19 @@
       </p:sp>
       <p:pic>
         <p:nvPicPr>
-          <p:cNvPr id="4" name="Marcador de contenido 3">
+          <p:cNvPr id="7" name="Imagen 6">
             <a:extLst>
               <a:ext uri="{FF2B5EF4-FFF2-40B4-BE49-F238E27FC236}">
-                <a16:creationId xmlns:a16="http://schemas.microsoft.com/office/drawing/2014/main" id="{2B67347B-BD7F-F46A-6C4E-8139CB143FA2}"/>
+                <a16:creationId xmlns:a16="http://schemas.microsoft.com/office/drawing/2014/main" id="{6B91F4FA-A409-121D-C298-1AB8DDAD40BD}"/>
               </a:ext>
             </a:extLst>
           </p:cNvPr>
           <p:cNvPicPr>
-            <a:picLocks noGrp="1" noChangeAspect="1"/>
+            <a:picLocks noChangeAspect="1"/>
           </p:cNvPicPr>
-          <p:nvPr>
-            <p:ph idx="1"/>
-          </p:nvPr>
+          <p:nvPr/>
         </p:nvPicPr>
-        <p:blipFill rotWithShape="1">
+        <p:blipFill>
           <a:blip r:embed="rId2">
             <a:extLst>
               <a:ext uri="{28A0092B-C50C-407E-A947-70E740481C1C}">
@@ -9679,40 +9015,24 @@
               </a:ext>
             </a:extLst>
           </a:blip>
-          <a:srcRect b="11021"/>
-          <a:stretch/>
+          <a:stretch>
+            <a:fillRect/>
+          </a:stretch>
         </p:blipFill>
-        <p:spPr bwMode="auto">
+        <p:spPr>
           <a:xfrm>
-            <a:off x="1091245" y="1297863"/>
-            <a:ext cx="10058400" cy="5383156"/>
+            <a:off x="424543" y="1108302"/>
+            <a:ext cx="10762569" cy="5570084"/>
           </a:xfrm>
           <a:prstGeom prst="rect">
             <a:avLst/>
           </a:prstGeom>
-          <a:ln w="38100" cap="sq" cmpd="sng" algn="ctr">
+          <a:ln w="38100" cap="sq">
             <a:solidFill>
               <a:srgbClr val="000000"/>
             </a:solidFill>
             <a:prstDash val="solid"/>
             <a:miter lim="800000"/>
-            <a:headEnd type="none" w="med" len="med"/>
-            <a:tailEnd type="none" w="med" len="med"/>
-            <a:extLst>
-              <a:ext uri="{C807C97D-BFC1-408E-A445-0C87EB9F89A2}">
-                <ask:lineSketchStyleProps xmlns:ask="http://schemas.microsoft.com/office/drawing/2018/sketchyshapes" sd="0">
-                  <a:custGeom>
-                    <a:avLst/>
-                    <a:gdLst/>
-                    <a:ahLst/>
-                    <a:cxnLst/>
-                    <a:rect l="0" t="0" r="0" b="0"/>
-                    <a:pathLst/>
-                  </a:custGeom>
-                  <ask:type/>
-                </ask:lineSketchStyleProps>
-              </a:ext>
-            </a:extLst>
           </a:ln>
           <a:effectLst>
             <a:outerShdw blurRad="50800" dist="38100" dir="2700000" algn="tl" rotWithShape="0">
@@ -9721,11 +9041,6 @@
               </a:srgbClr>
             </a:outerShdw>
           </a:effectLst>
-          <a:extLst>
-            <a:ext uri="{53640926-AAD7-44D8-BBD7-CCE9431645EC}">
-              <a14:shadowObscured xmlns:a14="http://schemas.microsoft.com/office/drawing/2010/main"/>
-            </a:ext>
-          </a:extLst>
         </p:spPr>
       </p:pic>
     </p:spTree>
@@ -9738,6 +9053,1712 @@
   <p:clrMapOvr>
     <a:masterClrMapping/>
   </p:clrMapOvr>
+</p:sld>
+</file>
+
+<file path=ppt/slides/slide14.xml><?xml version="1.0" encoding="utf-8"?>
+<p:sld xmlns:a="http://schemas.openxmlformats.org/drawingml/2006/main" xmlns:r="http://schemas.openxmlformats.org/officeDocument/2006/relationships" xmlns:p="http://schemas.openxmlformats.org/presentationml/2006/main">
+  <p:cSld>
+    <p:spTree>
+      <p:nvGrpSpPr>
+        <p:cNvPr id="1" name=""/>
+        <p:cNvGrpSpPr/>
+        <p:nvPr/>
+      </p:nvGrpSpPr>
+      <p:grpSpPr>
+        <a:xfrm>
+          <a:off x="0" y="0"/>
+          <a:ext cx="0" cy="0"/>
+          <a:chOff x="0" y="0"/>
+          <a:chExt cx="0" cy="0"/>
+        </a:xfrm>
+      </p:grpSpPr>
+      <p:sp>
+        <p:nvSpPr>
+          <p:cNvPr id="2" name="Título 1">
+            <a:extLst>
+              <a:ext uri="{FF2B5EF4-FFF2-40B4-BE49-F238E27FC236}">
+                <a16:creationId xmlns:a16="http://schemas.microsoft.com/office/drawing/2014/main" id="{75415DC7-02CB-7D93-93BE-B585EEE17373}"/>
+              </a:ext>
+            </a:extLst>
+          </p:cNvPr>
+          <p:cNvSpPr>
+            <a:spLocks noGrp="1"/>
+          </p:cNvSpPr>
+          <p:nvPr>
+            <p:ph type="title"/>
+          </p:nvPr>
+        </p:nvSpPr>
+        <p:spPr/>
+        <p:txBody>
+          <a:bodyPr/>
+          <a:lstStyle/>
+          <a:p>
+            <a:pPr algn="ctr"/>
+            <a:r>
+              <a:rPr lang="es-ES" dirty="0"/>
+              <a:t>Conclusiones</a:t>
+            </a:r>
+          </a:p>
+        </p:txBody>
+      </p:sp>
+      <p:sp>
+        <p:nvSpPr>
+          <p:cNvPr id="3" name="Marcador de contenido 2">
+            <a:extLst>
+              <a:ext uri="{FF2B5EF4-FFF2-40B4-BE49-F238E27FC236}">
+                <a16:creationId xmlns:a16="http://schemas.microsoft.com/office/drawing/2014/main" id="{A63ADC5C-B673-EF80-73B8-54B97E799BA3}"/>
+              </a:ext>
+            </a:extLst>
+          </p:cNvPr>
+          <p:cNvSpPr>
+            <a:spLocks noGrp="1"/>
+          </p:cNvSpPr>
+          <p:nvPr>
+            <p:ph idx="1"/>
+          </p:nvPr>
+        </p:nvSpPr>
+        <p:spPr/>
+        <p:txBody>
+          <a:bodyPr/>
+          <a:lstStyle/>
+          <a:p>
+            <a:r>
+              <a:rPr lang="es-ES" dirty="0"/>
+              <a:t>Se realizó el estudio del estado del arte de los sistemas para desarrollar asistentes virtuales dando como resultado la elección de la mejor solución para la herramienta informática propuesta.</a:t>
+            </a:r>
+          </a:p>
+          <a:p>
+            <a:r>
+              <a:rPr lang="es-ES" dirty="0"/>
+              <a:t>Se diseñó e implementó el prototipo de la herramienta  informática.</a:t>
+            </a:r>
+          </a:p>
+          <a:p>
+            <a:r>
+              <a:rPr lang="es-ES" dirty="0"/>
+              <a:t>Se desplegó la herramienta junto a un sistema para desarrollar asistentes virtuales.</a:t>
+            </a:r>
+          </a:p>
+          <a:p>
+            <a:r>
+              <a:rPr lang="es-ES" dirty="0"/>
+              <a:t>Algunas de las pruebas realizadas a la herramienta demuestran que aún falta mejorar el sistema de generación de conocimiento al proporcionar las preguntas y respuestas a partir de los datos entrados.</a:t>
+            </a:r>
+          </a:p>
+          <a:p>
+            <a:r>
+              <a:rPr lang="es-ES" dirty="0"/>
+              <a:t>Cómo trabajo futuro se pretende mejorar la interfaz visual de la herramienta y que no sea interfaz basada en texto. Mejorar el algoritmo de generación de preguntas y respuestas, así como hacerlo extensible a idioma tanto español como inglés.</a:t>
+            </a:r>
+          </a:p>
+        </p:txBody>
+      </p:sp>
+    </p:spTree>
+    <p:extLst>
+      <p:ext uri="{BB962C8B-B14F-4D97-AF65-F5344CB8AC3E}">
+        <p14:creationId xmlns:p14="http://schemas.microsoft.com/office/powerpoint/2010/main" val="83483778"/>
+      </p:ext>
+    </p:extLst>
+  </p:cSld>
+  <p:clrMapOvr>
+    <a:masterClrMapping/>
+  </p:clrMapOvr>
+</p:sld>
+</file>
+
+<file path=ppt/slides/slide15.xml><?xml version="1.0" encoding="utf-8"?>
+<p:sld xmlns:a="http://schemas.openxmlformats.org/drawingml/2006/main" xmlns:r="http://schemas.openxmlformats.org/officeDocument/2006/relationships" xmlns:p="http://schemas.openxmlformats.org/presentationml/2006/main">
+  <p:cSld>
+    <p:spTree>
+      <p:nvGrpSpPr>
+        <p:cNvPr id="1" name=""/>
+        <p:cNvGrpSpPr/>
+        <p:nvPr/>
+      </p:nvGrpSpPr>
+      <p:grpSpPr>
+        <a:xfrm>
+          <a:off x="0" y="0"/>
+          <a:ext cx="0" cy="0"/>
+          <a:chOff x="0" y="0"/>
+          <a:chExt cx="0" cy="0"/>
+        </a:xfrm>
+      </p:grpSpPr>
+      <p:sp>
+        <p:nvSpPr>
+          <p:cNvPr id="2" name="Título 1">
+            <a:extLst>
+              <a:ext uri="{FF2B5EF4-FFF2-40B4-BE49-F238E27FC236}">
+                <a16:creationId xmlns:a16="http://schemas.microsoft.com/office/drawing/2014/main" id="{1324DC5D-F0BB-4707-BDEC-8153887BD67F}"/>
+              </a:ext>
+            </a:extLst>
+          </p:cNvPr>
+          <p:cNvSpPr>
+            <a:spLocks noGrp="1"/>
+          </p:cNvSpPr>
+          <p:nvPr>
+            <p:ph type="title"/>
+          </p:nvPr>
+        </p:nvSpPr>
+        <p:spPr>
+          <a:xfrm>
+            <a:off x="1066800" y="16331"/>
+            <a:ext cx="10058400" cy="800100"/>
+          </a:xfrm>
+        </p:spPr>
+        <p:txBody>
+          <a:bodyPr>
+            <a:normAutofit fontScale="90000"/>
+          </a:bodyPr>
+          <a:lstStyle/>
+          <a:p>
+            <a:pPr algn="ctr"/>
+            <a:r>
+              <a:rPr lang="es-CU" dirty="0"/>
+              <a:t>Ejemplo</a:t>
+            </a:r>
+            <a:r>
+              <a:rPr lang="en-US" dirty="0"/>
+              <a:t> de </a:t>
+            </a:r>
+            <a:r>
+              <a:rPr lang="es-CU" dirty="0"/>
+              <a:t>funcionamiento</a:t>
+            </a:r>
+            <a:endParaRPr lang="es-ES" dirty="0"/>
+          </a:p>
+        </p:txBody>
+      </p:sp>
+      <p:pic>
+        <p:nvPicPr>
+          <p:cNvPr id="13" name="Marcador de contenido 4">
+            <a:extLst>
+              <a:ext uri="{FF2B5EF4-FFF2-40B4-BE49-F238E27FC236}">
+                <a16:creationId xmlns:a16="http://schemas.microsoft.com/office/drawing/2014/main" id="{530CC3E0-2A6A-6151-D6B0-7E4498B758A5}"/>
+              </a:ext>
+            </a:extLst>
+          </p:cNvPr>
+          <p:cNvPicPr>
+            <a:picLocks noGrp="1" noChangeAspect="1"/>
+          </p:cNvPicPr>
+          <p:nvPr>
+            <p:ph idx="1"/>
+          </p:nvPr>
+        </p:nvPicPr>
+        <p:blipFill>
+          <a:blip r:embed="rId5">
+            <a:extLst>
+              <a:ext uri="{28A0092B-C50C-407E-A947-70E740481C1C}">
+                <a14:useLocalDpi xmlns:a14="http://schemas.microsoft.com/office/drawing/2010/main" val="0"/>
+              </a:ext>
+            </a:extLst>
+          </a:blip>
+          <a:stretch>
+            <a:fillRect/>
+          </a:stretch>
+        </p:blipFill>
+        <p:spPr>
+          <a:xfrm>
+            <a:off x="1160734" y="751114"/>
+            <a:ext cx="10102647" cy="5895668"/>
+          </a:xfrm>
+          <a:prstGeom prst="rect">
+            <a:avLst/>
+          </a:prstGeom>
+          <a:ln w="38100" cap="sq">
+            <a:solidFill>
+              <a:srgbClr val="000000"/>
+            </a:solidFill>
+            <a:prstDash val="solid"/>
+            <a:miter lim="800000"/>
+          </a:ln>
+          <a:effectLst>
+            <a:outerShdw blurRad="50800" dist="38100" dir="2700000" algn="tl" rotWithShape="0">
+              <a:srgbClr val="000000">
+                <a:alpha val="43000"/>
+              </a:srgbClr>
+            </a:outerShdw>
+          </a:effectLst>
+        </p:spPr>
+      </p:pic>
+      <p:pic>
+        <p:nvPicPr>
+          <p:cNvPr id="5" name="Imagen 4">
+            <a:extLst>
+              <a:ext uri="{FF2B5EF4-FFF2-40B4-BE49-F238E27FC236}">
+                <a16:creationId xmlns:a16="http://schemas.microsoft.com/office/drawing/2014/main" id="{1A950734-D195-5DBD-019D-BDB6A30267C3}"/>
+              </a:ext>
+            </a:extLst>
+          </p:cNvPr>
+          <p:cNvPicPr>
+            <a:picLocks noChangeAspect="1"/>
+          </p:cNvPicPr>
+          <p:nvPr/>
+        </p:nvPicPr>
+        <p:blipFill rotWithShape="1">
+          <a:blip r:embed="rId6">
+            <a:extLst>
+              <a:ext uri="{28A0092B-C50C-407E-A947-70E740481C1C}">
+                <a14:useLocalDpi xmlns:a14="http://schemas.microsoft.com/office/drawing/2010/main" val="0"/>
+              </a:ext>
+            </a:extLst>
+          </a:blip>
+          <a:srcRect l="7407" t="78"/>
+          <a:stretch/>
+        </p:blipFill>
+        <p:spPr>
+          <a:xfrm>
+            <a:off x="1177057" y="734785"/>
+            <a:ext cx="10102647" cy="5895668"/>
+          </a:xfrm>
+          <a:prstGeom prst="rect">
+            <a:avLst/>
+          </a:prstGeom>
+          <a:ln w="38100" cap="sq">
+            <a:solidFill>
+              <a:srgbClr val="000000"/>
+            </a:solidFill>
+            <a:prstDash val="solid"/>
+            <a:miter lim="800000"/>
+          </a:ln>
+          <a:effectLst>
+            <a:outerShdw blurRad="50800" dist="38100" dir="2700000" algn="tl" rotWithShape="0">
+              <a:srgbClr val="000000">
+                <a:alpha val="43000"/>
+              </a:srgbClr>
+            </a:outerShdw>
+          </a:effectLst>
+        </p:spPr>
+      </p:pic>
+      <p:pic>
+        <p:nvPicPr>
+          <p:cNvPr id="7" name="4.1 Chat Web con Asistente (Interaccion)">
+            <a:hlinkClick r:id="" action="ppaction://media"/>
+            <a:extLst>
+              <a:ext uri="{FF2B5EF4-FFF2-40B4-BE49-F238E27FC236}">
+                <a16:creationId xmlns:a16="http://schemas.microsoft.com/office/drawing/2014/main" id="{D9F03C2E-2B7D-DE95-4D07-4B11F316004F}"/>
+              </a:ext>
+            </a:extLst>
+          </p:cNvPr>
+          <p:cNvPicPr>
+            <a:picLocks noChangeAspect="1"/>
+          </p:cNvPicPr>
+          <p:nvPr>
+            <a:videoFile r:link="rId2"/>
+            <p:extLst>
+              <p:ext uri="{DAA4B4D4-6D71-4841-9C94-3DE7FCFB9230}">
+                <p14:media xmlns:p14="http://schemas.microsoft.com/office/powerpoint/2010/main" r:embed="rId1"/>
+              </p:ext>
+            </p:extLst>
+          </p:nvPr>
+        </p:nvPicPr>
+        <p:blipFill>
+          <a:blip r:embed="rId7"/>
+          <a:stretch>
+            <a:fillRect/>
+          </a:stretch>
+        </p:blipFill>
+        <p:spPr>
+          <a:xfrm>
+            <a:off x="1177057" y="718458"/>
+            <a:ext cx="10102647" cy="5879338"/>
+          </a:xfrm>
+          <a:prstGeom prst="rect">
+            <a:avLst/>
+          </a:prstGeom>
+          <a:ln w="38100" cap="sq">
+            <a:solidFill>
+              <a:srgbClr val="000000"/>
+            </a:solidFill>
+            <a:prstDash val="solid"/>
+            <a:miter lim="800000"/>
+          </a:ln>
+          <a:effectLst>
+            <a:outerShdw blurRad="50800" dist="38100" dir="2700000" algn="tl" rotWithShape="0">
+              <a:srgbClr val="000000">
+                <a:alpha val="43000"/>
+              </a:srgbClr>
+            </a:outerShdw>
+          </a:effectLst>
+        </p:spPr>
+      </p:pic>
+    </p:spTree>
+    <p:extLst>
+      <p:ext uri="{BB962C8B-B14F-4D97-AF65-F5344CB8AC3E}">
+        <p14:creationId xmlns:p14="http://schemas.microsoft.com/office/powerpoint/2010/main" val="2720222872"/>
+      </p:ext>
+    </p:extLst>
+  </p:cSld>
+  <p:clrMapOvr>
+    <a:masterClrMapping/>
+  </p:clrMapOvr>
+  <p:timing>
+    <p:tnLst>
+      <p:par>
+        <p:cTn id="1" dur="indefinite" restart="never" nodeType="tmRoot">
+          <p:childTnLst>
+            <p:seq concurrent="1" nextAc="seek">
+              <p:cTn id="2" dur="indefinite" nodeType="mainSeq">
+                <p:childTnLst>
+                  <p:par>
+                    <p:cTn id="3" fill="hold">
+                      <p:stCondLst>
+                        <p:cond delay="indefinite"/>
+                      </p:stCondLst>
+                      <p:childTnLst>
+                        <p:par>
+                          <p:cTn id="4" fill="hold">
+                            <p:stCondLst>
+                              <p:cond delay="0"/>
+                            </p:stCondLst>
+                            <p:childTnLst>
+                              <p:par>
+                                <p:cTn id="5" presetID="10" presetClass="entr" presetSubtype="0" fill="hold" nodeType="clickEffect">
+                                  <p:stCondLst>
+                                    <p:cond delay="0"/>
+                                  </p:stCondLst>
+                                  <p:childTnLst>
+                                    <p:set>
+                                      <p:cBhvr>
+                                        <p:cTn id="6" dur="1" fill="hold">
+                                          <p:stCondLst>
+                                            <p:cond delay="0"/>
+                                          </p:stCondLst>
+                                        </p:cTn>
+                                        <p:tgtEl>
+                                          <p:spTgt spid="13"/>
+                                        </p:tgtEl>
+                                        <p:attrNameLst>
+                                          <p:attrName>style.visibility</p:attrName>
+                                        </p:attrNameLst>
+                                      </p:cBhvr>
+                                      <p:to>
+                                        <p:strVal val="visible"/>
+                                      </p:to>
+                                    </p:set>
+                                    <p:animEffect transition="in" filter="fade">
+                                      <p:cBhvr>
+                                        <p:cTn id="7" dur="500"/>
+                                        <p:tgtEl>
+                                          <p:spTgt spid="13"/>
+                                        </p:tgtEl>
+                                      </p:cBhvr>
+                                    </p:animEffect>
+                                  </p:childTnLst>
+                                </p:cTn>
+                              </p:par>
+                            </p:childTnLst>
+                          </p:cTn>
+                        </p:par>
+                      </p:childTnLst>
+                    </p:cTn>
+                  </p:par>
+                  <p:par>
+                    <p:cTn id="8" fill="hold">
+                      <p:stCondLst>
+                        <p:cond delay="indefinite"/>
+                      </p:stCondLst>
+                      <p:childTnLst>
+                        <p:par>
+                          <p:cTn id="9" fill="hold">
+                            <p:stCondLst>
+                              <p:cond delay="0"/>
+                            </p:stCondLst>
+                            <p:childTnLst>
+                              <p:par>
+                                <p:cTn id="10" presetID="10" presetClass="entr" presetSubtype="0" fill="hold" nodeType="clickEffect">
+                                  <p:stCondLst>
+                                    <p:cond delay="0"/>
+                                  </p:stCondLst>
+                                  <p:childTnLst>
+                                    <p:set>
+                                      <p:cBhvr>
+                                        <p:cTn id="11" dur="1" fill="hold">
+                                          <p:stCondLst>
+                                            <p:cond delay="0"/>
+                                          </p:stCondLst>
+                                        </p:cTn>
+                                        <p:tgtEl>
+                                          <p:spTgt spid="5"/>
+                                        </p:tgtEl>
+                                        <p:attrNameLst>
+                                          <p:attrName>style.visibility</p:attrName>
+                                        </p:attrNameLst>
+                                      </p:cBhvr>
+                                      <p:to>
+                                        <p:strVal val="visible"/>
+                                      </p:to>
+                                    </p:set>
+                                    <p:animEffect transition="in" filter="fade">
+                                      <p:cBhvr>
+                                        <p:cTn id="12" dur="500"/>
+                                        <p:tgtEl>
+                                          <p:spTgt spid="5"/>
+                                        </p:tgtEl>
+                                      </p:cBhvr>
+                                    </p:animEffect>
+                                  </p:childTnLst>
+                                </p:cTn>
+                              </p:par>
+                            </p:childTnLst>
+                          </p:cTn>
+                        </p:par>
+                      </p:childTnLst>
+                    </p:cTn>
+                  </p:par>
+                  <p:par>
+                    <p:cTn id="13" fill="hold">
+                      <p:stCondLst>
+                        <p:cond delay="indefinite"/>
+                      </p:stCondLst>
+                      <p:childTnLst>
+                        <p:par>
+                          <p:cTn id="14" fill="hold">
+                            <p:stCondLst>
+                              <p:cond delay="0"/>
+                            </p:stCondLst>
+                            <p:childTnLst>
+                              <p:par>
+                                <p:cTn id="15" presetID="10" presetClass="entr" presetSubtype="0" fill="hold" nodeType="clickEffect">
+                                  <p:stCondLst>
+                                    <p:cond delay="0"/>
+                                  </p:stCondLst>
+                                  <p:childTnLst>
+                                    <p:set>
+                                      <p:cBhvr>
+                                        <p:cTn id="16" dur="1" fill="hold">
+                                          <p:stCondLst>
+                                            <p:cond delay="0"/>
+                                          </p:stCondLst>
+                                        </p:cTn>
+                                        <p:tgtEl>
+                                          <p:spTgt spid="7"/>
+                                        </p:tgtEl>
+                                        <p:attrNameLst>
+                                          <p:attrName>style.visibility</p:attrName>
+                                        </p:attrNameLst>
+                                      </p:cBhvr>
+                                      <p:to>
+                                        <p:strVal val="visible"/>
+                                      </p:to>
+                                    </p:set>
+                                    <p:animEffect transition="in" filter="fade">
+                                      <p:cBhvr>
+                                        <p:cTn id="17" dur="500"/>
+                                        <p:tgtEl>
+                                          <p:spTgt spid="7"/>
+                                        </p:tgtEl>
+                                      </p:cBhvr>
+                                    </p:animEffect>
+                                  </p:childTnLst>
+                                </p:cTn>
+                              </p:par>
+                            </p:childTnLst>
+                          </p:cTn>
+                        </p:par>
+                      </p:childTnLst>
+                    </p:cTn>
+                  </p:par>
+                  <p:par>
+                    <p:cTn id="18" fill="hold">
+                      <p:stCondLst>
+                        <p:cond delay="indefinite"/>
+                      </p:stCondLst>
+                      <p:childTnLst>
+                        <p:par>
+                          <p:cTn id="19" fill="hold">
+                            <p:stCondLst>
+                              <p:cond delay="0"/>
+                            </p:stCondLst>
+                            <p:childTnLst>
+                              <p:par>
+                                <p:cTn id="20" presetID="1" presetClass="mediacall" presetSubtype="0" fill="hold" nodeType="clickEffect">
+                                  <p:stCondLst>
+                                    <p:cond delay="0"/>
+                                  </p:stCondLst>
+                                  <p:childTnLst>
+                                    <p:cmd type="call" cmd="playFrom(0.0)">
+                                      <p:cBhvr>
+                                        <p:cTn id="21" dur="35840" fill="hold"/>
+                                        <p:tgtEl>
+                                          <p:spTgt spid="7"/>
+                                        </p:tgtEl>
+                                      </p:cBhvr>
+                                    </p:cmd>
+                                  </p:childTnLst>
+                                </p:cTn>
+                              </p:par>
+                            </p:childTnLst>
+                          </p:cTn>
+                        </p:par>
+                      </p:childTnLst>
+                    </p:cTn>
+                  </p:par>
+                </p:childTnLst>
+              </p:cTn>
+              <p:prevCondLst>
+                <p:cond evt="onPrev" delay="0">
+                  <p:tgtEl>
+                    <p:sldTgt/>
+                  </p:tgtEl>
+                </p:cond>
+              </p:prevCondLst>
+              <p:nextCondLst>
+                <p:cond evt="onNext" delay="0">
+                  <p:tgtEl>
+                    <p:sldTgt/>
+                  </p:tgtEl>
+                </p:cond>
+              </p:nextCondLst>
+            </p:seq>
+            <p:video>
+              <p:cMediaNode vol="80000">
+                <p:cTn id="22" fill="hold" display="0">
+                  <p:stCondLst>
+                    <p:cond delay="indefinite"/>
+                  </p:stCondLst>
+                </p:cTn>
+                <p:tgtEl>
+                  <p:spTgt spid="7"/>
+                </p:tgtEl>
+              </p:cMediaNode>
+            </p:video>
+          </p:childTnLst>
+        </p:cTn>
+      </p:par>
+    </p:tnLst>
+  </p:timing>
+</p:sld>
+</file>
+
+<file path=ppt/slides/slide16.xml><?xml version="1.0" encoding="utf-8"?>
+<p:sld xmlns:a="http://schemas.openxmlformats.org/drawingml/2006/main" xmlns:r="http://schemas.openxmlformats.org/officeDocument/2006/relationships" xmlns:p="http://schemas.openxmlformats.org/presentationml/2006/main">
+  <p:cSld>
+    <p:spTree>
+      <p:nvGrpSpPr>
+        <p:cNvPr id="1" name=""/>
+        <p:cNvGrpSpPr/>
+        <p:nvPr/>
+      </p:nvGrpSpPr>
+      <p:grpSpPr>
+        <a:xfrm>
+          <a:off x="0" y="0"/>
+          <a:ext cx="0" cy="0"/>
+          <a:chOff x="0" y="0"/>
+          <a:chExt cx="0" cy="0"/>
+        </a:xfrm>
+      </p:grpSpPr>
+      <p:pic>
+        <p:nvPicPr>
+          <p:cNvPr id="3074" name="Picture 1">
+            <a:extLst>
+              <a:ext uri="{FF2B5EF4-FFF2-40B4-BE49-F238E27FC236}">
+                <a16:creationId xmlns:a16="http://schemas.microsoft.com/office/drawing/2014/main" id="{9DC66159-C388-4239-B779-8B52EB223B9F}"/>
+              </a:ext>
+            </a:extLst>
+          </p:cNvPr>
+          <p:cNvPicPr>
+            <a:picLocks noChangeAspect="1" noChangeArrowheads="1"/>
+          </p:cNvPicPr>
+          <p:nvPr/>
+        </p:nvPicPr>
+        <p:blipFill>
+          <a:blip r:embed="rId3" cstate="print">
+            <a:extLst>
+              <a:ext uri="{28A0092B-C50C-407E-A947-70E740481C1C}">
+                <a14:useLocalDpi xmlns:a14="http://schemas.microsoft.com/office/drawing/2010/main" val="0"/>
+              </a:ext>
+            </a:extLst>
+          </a:blip>
+          <a:srcRect/>
+          <a:stretch>
+            <a:fillRect/>
+          </a:stretch>
+        </p:blipFill>
+        <p:spPr bwMode="auto">
+          <a:xfrm>
+            <a:off x="0" y="-16329"/>
+            <a:ext cx="3494314" cy="6858000"/>
+          </a:xfrm>
+          <a:prstGeom prst="rect">
+            <a:avLst/>
+          </a:prstGeom>
+          <a:noFill/>
+          <a:ln>
+            <a:noFill/>
+          </a:ln>
+          <a:effectLst/>
+          <a:extLst>
+            <a:ext uri="{909E8E84-426E-40DD-AFC4-6F175D3DCCD1}">
+              <a14:hiddenFill xmlns:a14="http://schemas.microsoft.com/office/drawing/2010/main">
+                <a:blipFill dpi="0" rotWithShape="0">
+                  <a:blip/>
+                  <a:srcRect/>
+                  <a:stretch>
+                    <a:fillRect/>
+                  </a:stretch>
+                </a:blipFill>
+              </a14:hiddenFill>
+            </a:ext>
+            <a:ext uri="{91240B29-F687-4F45-9708-019B960494DF}">
+              <a14:hiddenLine xmlns:a14="http://schemas.microsoft.com/office/drawing/2010/main" w="9525">
+                <a:solidFill>
+                  <a:srgbClr val="3465A4"/>
+                </a:solidFill>
+                <a:round/>
+                <a:headEnd/>
+                <a:tailEnd/>
+              </a14:hiddenLine>
+            </a:ext>
+            <a:ext uri="{AF507438-7753-43E0-B8FC-AC1667EBCBE1}">
+              <a14:hiddenEffects xmlns:a14="http://schemas.microsoft.com/office/drawing/2010/main">
+                <a:effectLst>
+                  <a:outerShdw dist="35921" dir="2700000" algn="ctr" rotWithShape="0">
+                    <a:srgbClr val="808080"/>
+                  </a:outerShdw>
+                </a:effectLst>
+              </a14:hiddenEffects>
+            </a:ext>
+          </a:extLst>
+        </p:spPr>
+      </p:pic>
+      <p:pic>
+        <p:nvPicPr>
+          <p:cNvPr id="3075" name="Picture 2">
+            <a:extLst>
+              <a:ext uri="{FF2B5EF4-FFF2-40B4-BE49-F238E27FC236}">
+                <a16:creationId xmlns:a16="http://schemas.microsoft.com/office/drawing/2014/main" id="{88495DEA-FEBE-4103-85AD-41859F53FD35}"/>
+              </a:ext>
+            </a:extLst>
+          </p:cNvPr>
+          <p:cNvPicPr>
+            <a:picLocks noChangeAspect="1" noChangeArrowheads="1"/>
+          </p:cNvPicPr>
+          <p:nvPr/>
+        </p:nvPicPr>
+        <p:blipFill>
+          <a:blip r:embed="rId4">
+            <a:extLst>
+              <a:ext uri="{28A0092B-C50C-407E-A947-70E740481C1C}">
+                <a14:useLocalDpi xmlns:a14="http://schemas.microsoft.com/office/drawing/2010/main" val="0"/>
+              </a:ext>
+            </a:extLst>
+          </a:blip>
+          <a:srcRect/>
+          <a:stretch>
+            <a:fillRect/>
+          </a:stretch>
+        </p:blipFill>
+        <p:spPr bwMode="auto">
+          <a:xfrm>
+            <a:off x="6931818" y="547016"/>
+            <a:ext cx="2328863" cy="625475"/>
+          </a:xfrm>
+          <a:prstGeom prst="rect">
+            <a:avLst/>
+          </a:prstGeom>
+          <a:noFill/>
+          <a:ln>
+            <a:noFill/>
+          </a:ln>
+          <a:effectLst/>
+          <a:extLst>
+            <a:ext uri="{909E8E84-426E-40DD-AFC4-6F175D3DCCD1}">
+              <a14:hiddenFill xmlns:a14="http://schemas.microsoft.com/office/drawing/2010/main">
+                <a:blipFill dpi="0" rotWithShape="0">
+                  <a:blip/>
+                  <a:srcRect/>
+                  <a:stretch>
+                    <a:fillRect/>
+                  </a:stretch>
+                </a:blipFill>
+              </a14:hiddenFill>
+            </a:ext>
+            <a:ext uri="{91240B29-F687-4F45-9708-019B960494DF}">
+              <a14:hiddenLine xmlns:a14="http://schemas.microsoft.com/office/drawing/2010/main" w="9525">
+                <a:solidFill>
+                  <a:srgbClr val="3465A4"/>
+                </a:solidFill>
+                <a:round/>
+                <a:headEnd/>
+                <a:tailEnd/>
+              </a14:hiddenLine>
+            </a:ext>
+            <a:ext uri="{AF507438-7753-43E0-B8FC-AC1667EBCBE1}">
+              <a14:hiddenEffects xmlns:a14="http://schemas.microsoft.com/office/drawing/2010/main">
+                <a:effectLst>
+                  <a:outerShdw dist="35921" dir="2700000" algn="ctr" rotWithShape="0">
+                    <a:srgbClr val="808080"/>
+                  </a:outerShdw>
+                </a:effectLst>
+              </a14:hiddenEffects>
+            </a:ext>
+          </a:extLst>
+        </p:spPr>
+      </p:pic>
+      <p:sp>
+        <p:nvSpPr>
+          <p:cNvPr id="3076" name="Text Box 3">
+            <a:extLst>
+              <a:ext uri="{FF2B5EF4-FFF2-40B4-BE49-F238E27FC236}">
+                <a16:creationId xmlns:a16="http://schemas.microsoft.com/office/drawing/2014/main" id="{E1923479-41EA-4291-AA4D-9AA7710E0BC2}"/>
+              </a:ext>
+            </a:extLst>
+          </p:cNvPr>
+          <p:cNvSpPr txBox="1">
+            <a:spLocks noChangeArrowheads="1"/>
+          </p:cNvSpPr>
+          <p:nvPr/>
+        </p:nvSpPr>
+        <p:spPr bwMode="auto">
+          <a:xfrm>
+            <a:off x="3265714" y="1329933"/>
+            <a:ext cx="9073241" cy="2125839"/>
+          </a:xfrm>
+          <a:prstGeom prst="rect">
+            <a:avLst/>
+          </a:prstGeom>
+          <a:noFill/>
+          <a:ln>
+            <a:noFill/>
+          </a:ln>
+          <a:effectLst/>
+          <a:extLst>
+            <a:ext uri="{909E8E84-426E-40DD-AFC4-6F175D3DCCD1}">
+              <a14:hiddenFill xmlns:a14="http://schemas.microsoft.com/office/drawing/2010/main">
+                <a:solidFill>
+                  <a:srgbClr val="FFFFFF"/>
+                </a:solidFill>
+              </a14:hiddenFill>
+            </a:ext>
+            <a:ext uri="{91240B29-F687-4F45-9708-019B960494DF}">
+              <a14:hiddenLine xmlns:a14="http://schemas.microsoft.com/office/drawing/2010/main" w="9525">
+                <a:solidFill>
+                  <a:srgbClr val="3465A4"/>
+                </a:solidFill>
+                <a:round/>
+                <a:headEnd/>
+                <a:tailEnd/>
+              </a14:hiddenLine>
+            </a:ext>
+            <a:ext uri="{AF507438-7753-43E0-B8FC-AC1667EBCBE1}">
+              <a14:hiddenEffects xmlns:a14="http://schemas.microsoft.com/office/drawing/2010/main">
+                <a:effectLst>
+                  <a:outerShdw dist="35921" dir="2700000" algn="ctr" rotWithShape="0">
+                    <a:srgbClr val="808080"/>
+                  </a:outerShdw>
+                </a:effectLst>
+              </a14:hiddenEffects>
+            </a:ext>
+          </a:extLst>
+        </p:spPr>
+        <p:txBody>
+          <a:bodyPr wrap="square" lIns="90000" tIns="46800" rIns="90000" bIns="46800">
+            <a:spAutoFit/>
+          </a:bodyPr>
+          <a:lstStyle>
+            <a:lvl1pPr>
+              <a:tabLst>
+                <a:tab pos="0" algn="l"/>
+                <a:tab pos="447675" algn="l"/>
+                <a:tab pos="896938" algn="l"/>
+                <a:tab pos="1346200" algn="l"/>
+                <a:tab pos="1795463" algn="l"/>
+                <a:tab pos="2244725" algn="l"/>
+                <a:tab pos="2693988" algn="l"/>
+                <a:tab pos="3143250" algn="l"/>
+                <a:tab pos="3592513" algn="l"/>
+                <a:tab pos="4041775" algn="l"/>
+                <a:tab pos="4491038" algn="l"/>
+                <a:tab pos="4940300" algn="l"/>
+                <a:tab pos="5389563" algn="l"/>
+                <a:tab pos="5838825" algn="l"/>
+                <a:tab pos="6288088" algn="l"/>
+                <a:tab pos="6737350" algn="l"/>
+                <a:tab pos="7186613" algn="l"/>
+                <a:tab pos="7635875" algn="l"/>
+                <a:tab pos="8085138" algn="l"/>
+                <a:tab pos="8534400" algn="l"/>
+                <a:tab pos="8983663" algn="l"/>
+              </a:tabLst>
+              <a:defRPr>
+                <a:solidFill>
+                  <a:schemeClr val="bg1"/>
+                </a:solidFill>
+                <a:latin typeface="Arial" panose="020B0604020202020204" pitchFamily="34" charset="0"/>
+                <a:cs typeface="Arial" panose="020B0604020202020204" pitchFamily="34" charset="0"/>
+              </a:defRPr>
+            </a:lvl1pPr>
+            <a:lvl2pPr>
+              <a:tabLst>
+                <a:tab pos="0" algn="l"/>
+                <a:tab pos="447675" algn="l"/>
+                <a:tab pos="896938" algn="l"/>
+                <a:tab pos="1346200" algn="l"/>
+                <a:tab pos="1795463" algn="l"/>
+                <a:tab pos="2244725" algn="l"/>
+                <a:tab pos="2693988" algn="l"/>
+                <a:tab pos="3143250" algn="l"/>
+                <a:tab pos="3592513" algn="l"/>
+                <a:tab pos="4041775" algn="l"/>
+                <a:tab pos="4491038" algn="l"/>
+                <a:tab pos="4940300" algn="l"/>
+                <a:tab pos="5389563" algn="l"/>
+                <a:tab pos="5838825" algn="l"/>
+                <a:tab pos="6288088" algn="l"/>
+                <a:tab pos="6737350" algn="l"/>
+                <a:tab pos="7186613" algn="l"/>
+                <a:tab pos="7635875" algn="l"/>
+                <a:tab pos="8085138" algn="l"/>
+                <a:tab pos="8534400" algn="l"/>
+                <a:tab pos="8983663" algn="l"/>
+              </a:tabLst>
+              <a:defRPr>
+                <a:solidFill>
+                  <a:schemeClr val="bg1"/>
+                </a:solidFill>
+                <a:latin typeface="Arial" panose="020B0604020202020204" pitchFamily="34" charset="0"/>
+                <a:cs typeface="Arial" panose="020B0604020202020204" pitchFamily="34" charset="0"/>
+              </a:defRPr>
+            </a:lvl2pPr>
+            <a:lvl3pPr>
+              <a:tabLst>
+                <a:tab pos="0" algn="l"/>
+                <a:tab pos="447675" algn="l"/>
+                <a:tab pos="896938" algn="l"/>
+                <a:tab pos="1346200" algn="l"/>
+                <a:tab pos="1795463" algn="l"/>
+                <a:tab pos="2244725" algn="l"/>
+                <a:tab pos="2693988" algn="l"/>
+                <a:tab pos="3143250" algn="l"/>
+                <a:tab pos="3592513" algn="l"/>
+                <a:tab pos="4041775" algn="l"/>
+                <a:tab pos="4491038" algn="l"/>
+                <a:tab pos="4940300" algn="l"/>
+                <a:tab pos="5389563" algn="l"/>
+                <a:tab pos="5838825" algn="l"/>
+                <a:tab pos="6288088" algn="l"/>
+                <a:tab pos="6737350" algn="l"/>
+                <a:tab pos="7186613" algn="l"/>
+                <a:tab pos="7635875" algn="l"/>
+                <a:tab pos="8085138" algn="l"/>
+                <a:tab pos="8534400" algn="l"/>
+                <a:tab pos="8983663" algn="l"/>
+              </a:tabLst>
+              <a:defRPr>
+                <a:solidFill>
+                  <a:schemeClr val="bg1"/>
+                </a:solidFill>
+                <a:latin typeface="Arial" panose="020B0604020202020204" pitchFamily="34" charset="0"/>
+                <a:cs typeface="Arial" panose="020B0604020202020204" pitchFamily="34" charset="0"/>
+              </a:defRPr>
+            </a:lvl3pPr>
+            <a:lvl4pPr>
+              <a:tabLst>
+                <a:tab pos="0" algn="l"/>
+                <a:tab pos="447675" algn="l"/>
+                <a:tab pos="896938" algn="l"/>
+                <a:tab pos="1346200" algn="l"/>
+                <a:tab pos="1795463" algn="l"/>
+                <a:tab pos="2244725" algn="l"/>
+                <a:tab pos="2693988" algn="l"/>
+                <a:tab pos="3143250" algn="l"/>
+                <a:tab pos="3592513" algn="l"/>
+                <a:tab pos="4041775" algn="l"/>
+                <a:tab pos="4491038" algn="l"/>
+                <a:tab pos="4940300" algn="l"/>
+                <a:tab pos="5389563" algn="l"/>
+                <a:tab pos="5838825" algn="l"/>
+                <a:tab pos="6288088" algn="l"/>
+                <a:tab pos="6737350" algn="l"/>
+                <a:tab pos="7186613" algn="l"/>
+                <a:tab pos="7635875" algn="l"/>
+                <a:tab pos="8085138" algn="l"/>
+                <a:tab pos="8534400" algn="l"/>
+                <a:tab pos="8983663" algn="l"/>
+              </a:tabLst>
+              <a:defRPr>
+                <a:solidFill>
+                  <a:schemeClr val="bg1"/>
+                </a:solidFill>
+                <a:latin typeface="Arial" panose="020B0604020202020204" pitchFamily="34" charset="0"/>
+                <a:cs typeface="Arial" panose="020B0604020202020204" pitchFamily="34" charset="0"/>
+              </a:defRPr>
+            </a:lvl4pPr>
+            <a:lvl5pPr>
+              <a:tabLst>
+                <a:tab pos="0" algn="l"/>
+                <a:tab pos="447675" algn="l"/>
+                <a:tab pos="896938" algn="l"/>
+                <a:tab pos="1346200" algn="l"/>
+                <a:tab pos="1795463" algn="l"/>
+                <a:tab pos="2244725" algn="l"/>
+                <a:tab pos="2693988" algn="l"/>
+                <a:tab pos="3143250" algn="l"/>
+                <a:tab pos="3592513" algn="l"/>
+                <a:tab pos="4041775" algn="l"/>
+                <a:tab pos="4491038" algn="l"/>
+                <a:tab pos="4940300" algn="l"/>
+                <a:tab pos="5389563" algn="l"/>
+                <a:tab pos="5838825" algn="l"/>
+                <a:tab pos="6288088" algn="l"/>
+                <a:tab pos="6737350" algn="l"/>
+                <a:tab pos="7186613" algn="l"/>
+                <a:tab pos="7635875" algn="l"/>
+                <a:tab pos="8085138" algn="l"/>
+                <a:tab pos="8534400" algn="l"/>
+                <a:tab pos="8983663" algn="l"/>
+              </a:tabLst>
+              <a:defRPr>
+                <a:solidFill>
+                  <a:schemeClr val="bg1"/>
+                </a:solidFill>
+                <a:latin typeface="Arial" panose="020B0604020202020204" pitchFamily="34" charset="0"/>
+                <a:cs typeface="Arial" panose="020B0604020202020204" pitchFamily="34" charset="0"/>
+              </a:defRPr>
+            </a:lvl5pPr>
+            <a:lvl6pPr marL="2514600" indent="-228600" defTabSz="449263" eaLnBrk="0" fontAlgn="base" hangingPunct="0">
+              <a:spcBef>
+                <a:spcPct val="0"/>
+              </a:spcBef>
+              <a:spcAft>
+                <a:spcPct val="0"/>
+              </a:spcAft>
+              <a:tabLst>
+                <a:tab pos="0" algn="l"/>
+                <a:tab pos="447675" algn="l"/>
+                <a:tab pos="896938" algn="l"/>
+                <a:tab pos="1346200" algn="l"/>
+                <a:tab pos="1795463" algn="l"/>
+                <a:tab pos="2244725" algn="l"/>
+                <a:tab pos="2693988" algn="l"/>
+                <a:tab pos="3143250" algn="l"/>
+                <a:tab pos="3592513" algn="l"/>
+                <a:tab pos="4041775" algn="l"/>
+                <a:tab pos="4491038" algn="l"/>
+                <a:tab pos="4940300" algn="l"/>
+                <a:tab pos="5389563" algn="l"/>
+                <a:tab pos="5838825" algn="l"/>
+                <a:tab pos="6288088" algn="l"/>
+                <a:tab pos="6737350" algn="l"/>
+                <a:tab pos="7186613" algn="l"/>
+                <a:tab pos="7635875" algn="l"/>
+                <a:tab pos="8085138" algn="l"/>
+                <a:tab pos="8534400" algn="l"/>
+                <a:tab pos="8983663" algn="l"/>
+              </a:tabLst>
+              <a:defRPr>
+                <a:solidFill>
+                  <a:schemeClr val="bg1"/>
+                </a:solidFill>
+                <a:latin typeface="Arial" panose="020B0604020202020204" pitchFamily="34" charset="0"/>
+                <a:cs typeface="Arial" panose="020B0604020202020204" pitchFamily="34" charset="0"/>
+              </a:defRPr>
+            </a:lvl6pPr>
+            <a:lvl7pPr marL="2971800" indent="-228600" defTabSz="449263" eaLnBrk="0" fontAlgn="base" hangingPunct="0">
+              <a:spcBef>
+                <a:spcPct val="0"/>
+              </a:spcBef>
+              <a:spcAft>
+                <a:spcPct val="0"/>
+              </a:spcAft>
+              <a:tabLst>
+                <a:tab pos="0" algn="l"/>
+                <a:tab pos="447675" algn="l"/>
+                <a:tab pos="896938" algn="l"/>
+                <a:tab pos="1346200" algn="l"/>
+                <a:tab pos="1795463" algn="l"/>
+                <a:tab pos="2244725" algn="l"/>
+                <a:tab pos="2693988" algn="l"/>
+                <a:tab pos="3143250" algn="l"/>
+                <a:tab pos="3592513" algn="l"/>
+                <a:tab pos="4041775" algn="l"/>
+                <a:tab pos="4491038" algn="l"/>
+                <a:tab pos="4940300" algn="l"/>
+                <a:tab pos="5389563" algn="l"/>
+                <a:tab pos="5838825" algn="l"/>
+                <a:tab pos="6288088" algn="l"/>
+                <a:tab pos="6737350" algn="l"/>
+                <a:tab pos="7186613" algn="l"/>
+                <a:tab pos="7635875" algn="l"/>
+                <a:tab pos="8085138" algn="l"/>
+                <a:tab pos="8534400" algn="l"/>
+                <a:tab pos="8983663" algn="l"/>
+              </a:tabLst>
+              <a:defRPr>
+                <a:solidFill>
+                  <a:schemeClr val="bg1"/>
+                </a:solidFill>
+                <a:latin typeface="Arial" panose="020B0604020202020204" pitchFamily="34" charset="0"/>
+                <a:cs typeface="Arial" panose="020B0604020202020204" pitchFamily="34" charset="0"/>
+              </a:defRPr>
+            </a:lvl7pPr>
+            <a:lvl8pPr marL="3429000" indent="-228600" defTabSz="449263" eaLnBrk="0" fontAlgn="base" hangingPunct="0">
+              <a:spcBef>
+                <a:spcPct val="0"/>
+              </a:spcBef>
+              <a:spcAft>
+                <a:spcPct val="0"/>
+              </a:spcAft>
+              <a:tabLst>
+                <a:tab pos="0" algn="l"/>
+                <a:tab pos="447675" algn="l"/>
+                <a:tab pos="896938" algn="l"/>
+                <a:tab pos="1346200" algn="l"/>
+                <a:tab pos="1795463" algn="l"/>
+                <a:tab pos="2244725" algn="l"/>
+                <a:tab pos="2693988" algn="l"/>
+                <a:tab pos="3143250" algn="l"/>
+                <a:tab pos="3592513" algn="l"/>
+                <a:tab pos="4041775" algn="l"/>
+                <a:tab pos="4491038" algn="l"/>
+                <a:tab pos="4940300" algn="l"/>
+                <a:tab pos="5389563" algn="l"/>
+                <a:tab pos="5838825" algn="l"/>
+                <a:tab pos="6288088" algn="l"/>
+                <a:tab pos="6737350" algn="l"/>
+                <a:tab pos="7186613" algn="l"/>
+                <a:tab pos="7635875" algn="l"/>
+                <a:tab pos="8085138" algn="l"/>
+                <a:tab pos="8534400" algn="l"/>
+                <a:tab pos="8983663" algn="l"/>
+              </a:tabLst>
+              <a:defRPr>
+                <a:solidFill>
+                  <a:schemeClr val="bg1"/>
+                </a:solidFill>
+                <a:latin typeface="Arial" panose="020B0604020202020204" pitchFamily="34" charset="0"/>
+                <a:cs typeface="Arial" panose="020B0604020202020204" pitchFamily="34" charset="0"/>
+              </a:defRPr>
+            </a:lvl8pPr>
+            <a:lvl9pPr marL="3886200" indent="-228600" defTabSz="449263" eaLnBrk="0" fontAlgn="base" hangingPunct="0">
+              <a:spcBef>
+                <a:spcPct val="0"/>
+              </a:spcBef>
+              <a:spcAft>
+                <a:spcPct val="0"/>
+              </a:spcAft>
+              <a:tabLst>
+                <a:tab pos="0" algn="l"/>
+                <a:tab pos="447675" algn="l"/>
+                <a:tab pos="896938" algn="l"/>
+                <a:tab pos="1346200" algn="l"/>
+                <a:tab pos="1795463" algn="l"/>
+                <a:tab pos="2244725" algn="l"/>
+                <a:tab pos="2693988" algn="l"/>
+                <a:tab pos="3143250" algn="l"/>
+                <a:tab pos="3592513" algn="l"/>
+                <a:tab pos="4041775" algn="l"/>
+                <a:tab pos="4491038" algn="l"/>
+                <a:tab pos="4940300" algn="l"/>
+                <a:tab pos="5389563" algn="l"/>
+                <a:tab pos="5838825" algn="l"/>
+                <a:tab pos="6288088" algn="l"/>
+                <a:tab pos="6737350" algn="l"/>
+                <a:tab pos="7186613" algn="l"/>
+                <a:tab pos="7635875" algn="l"/>
+                <a:tab pos="8085138" algn="l"/>
+                <a:tab pos="8534400" algn="l"/>
+                <a:tab pos="8983663" algn="l"/>
+              </a:tabLst>
+              <a:defRPr>
+                <a:solidFill>
+                  <a:schemeClr val="bg1"/>
+                </a:solidFill>
+                <a:latin typeface="Arial" panose="020B0604020202020204" pitchFamily="34" charset="0"/>
+                <a:cs typeface="Arial" panose="020B0604020202020204" pitchFamily="34" charset="0"/>
+              </a:defRPr>
+            </a:lvl9pPr>
+          </a:lstStyle>
+          <a:p>
+            <a:pPr algn="ctr"/>
+            <a:r>
+              <a:rPr lang="es-ES" sz="2600" b="1" dirty="0">
+                <a:solidFill>
+                  <a:schemeClr val="tx1"/>
+                </a:solidFill>
+                <a:effectLst/>
+                <a:ea typeface="Calibri" panose="020F0502020204030204" pitchFamily="34" charset="0"/>
+              </a:rPr>
+              <a:t>Herramienta digital para la creación de Asistentes Virtuales y  su base de conocimiento de forma automática</a:t>
+            </a:r>
+          </a:p>
+          <a:p>
+            <a:pPr algn="ctr"/>
+            <a:endParaRPr lang="es-ES" sz="2600" b="1" dirty="0">
+              <a:solidFill>
+                <a:schemeClr val="tx1"/>
+              </a:solidFill>
+            </a:endParaRPr>
+          </a:p>
+          <a:p>
+            <a:pPr eaLnBrk="1" hangingPunct="1">
+              <a:buSzPct val="100000"/>
+            </a:pPr>
+            <a:endParaRPr lang="es-ES" altLang="es-MX" sz="2800" b="1" dirty="0">
+              <a:solidFill>
+                <a:srgbClr val="000000"/>
+              </a:solidFill>
+              <a:latin typeface="Calibri" panose="020F0502020204030204" pitchFamily="34" charset="0"/>
+            </a:endParaRPr>
+          </a:p>
+        </p:txBody>
+      </p:sp>
+      <p:sp>
+        <p:nvSpPr>
+          <p:cNvPr id="2" name="CuadroTexto 1">
+            <a:extLst>
+              <a:ext uri="{FF2B5EF4-FFF2-40B4-BE49-F238E27FC236}">
+                <a16:creationId xmlns:a16="http://schemas.microsoft.com/office/drawing/2014/main" id="{34929A58-3F91-74DA-6F65-147BB2BDD97E}"/>
+              </a:ext>
+            </a:extLst>
+          </p:cNvPr>
+          <p:cNvSpPr txBox="1"/>
+          <p:nvPr/>
+        </p:nvSpPr>
+        <p:spPr>
+          <a:xfrm>
+            <a:off x="4964114" y="4579952"/>
+            <a:ext cx="5676439" cy="2523768"/>
+          </a:xfrm>
+          <a:prstGeom prst="rect">
+            <a:avLst/>
+          </a:prstGeom>
+          <a:noFill/>
+        </p:spPr>
+        <p:txBody>
+          <a:bodyPr wrap="square">
+            <a:spAutoFit/>
+          </a:bodyPr>
+          <a:lstStyle/>
+          <a:p>
+            <a:pPr algn="ctr"/>
+            <a:r>
+              <a:rPr lang="es-ES" sz="2600" b="1" dirty="0">
+                <a:latin typeface="Calibri" panose="020F0502020204030204" pitchFamily="34" charset="0"/>
+                <a:cs typeface="Calibri" panose="020F0502020204030204" pitchFamily="34" charset="0"/>
+              </a:rPr>
+              <a:t>Autor</a:t>
+            </a:r>
+          </a:p>
+          <a:p>
+            <a:pPr algn="ctr"/>
+            <a:r>
+              <a:rPr lang="es-ES" sz="2600" b="1" dirty="0">
+                <a:latin typeface="Calibri" panose="020F0502020204030204" pitchFamily="34" charset="0"/>
+                <a:cs typeface="Calibri" panose="020F0502020204030204" pitchFamily="34" charset="0"/>
+              </a:rPr>
+              <a:t>Jorge Ernesto Duvalón Hernández</a:t>
+            </a:r>
+          </a:p>
+          <a:p>
+            <a:pPr algn="ctr"/>
+            <a:endParaRPr lang="es-ES" sz="2600" b="1" dirty="0">
+              <a:latin typeface="Calibri" panose="020F0502020204030204" pitchFamily="34" charset="0"/>
+              <a:cs typeface="Calibri" panose="020F0502020204030204" pitchFamily="34" charset="0"/>
+            </a:endParaRPr>
+          </a:p>
+          <a:p>
+            <a:pPr algn="ctr"/>
+            <a:r>
+              <a:rPr lang="es-ES" sz="2600" b="1" dirty="0">
+                <a:latin typeface="Calibri" panose="020F0502020204030204" pitchFamily="34" charset="0"/>
+                <a:cs typeface="Calibri" panose="020F0502020204030204" pitchFamily="34" charset="0"/>
+              </a:rPr>
+              <a:t>Tutor </a:t>
+            </a:r>
+          </a:p>
+          <a:p>
+            <a:pPr algn="ctr"/>
+            <a:r>
+              <a:rPr lang="es-ES" sz="2600" b="1" dirty="0" err="1">
+                <a:latin typeface="Calibri" panose="020F0502020204030204" pitchFamily="34" charset="0"/>
+                <a:cs typeface="Calibri" panose="020F0502020204030204" pitchFamily="34" charset="0"/>
+              </a:rPr>
+              <a:t>MSc</a:t>
+            </a:r>
+            <a:r>
+              <a:rPr lang="es-ES" sz="2600" b="1" dirty="0">
+                <a:latin typeface="Calibri" panose="020F0502020204030204" pitchFamily="34" charset="0"/>
+                <a:cs typeface="Calibri" panose="020F0502020204030204" pitchFamily="34" charset="0"/>
+              </a:rPr>
+              <a:t>. Dionis López Ramos</a:t>
+            </a:r>
+          </a:p>
+          <a:p>
+            <a:pPr algn="ctr"/>
+            <a:endParaRPr lang="es-ES" sz="2800" b="1" dirty="0">
+              <a:latin typeface="Calibri" panose="020F0502020204030204" pitchFamily="34" charset="0"/>
+              <a:cs typeface="Calibri" panose="020F0502020204030204" pitchFamily="34" charset="0"/>
+            </a:endParaRPr>
+          </a:p>
+        </p:txBody>
+      </p:sp>
+      <p:sp>
+        <p:nvSpPr>
+          <p:cNvPr id="3" name="Text Box 3">
+            <a:extLst>
+              <a:ext uri="{FF2B5EF4-FFF2-40B4-BE49-F238E27FC236}">
+                <a16:creationId xmlns:a16="http://schemas.microsoft.com/office/drawing/2014/main" id="{47DE047C-BC85-4E10-D7FE-79155DC5475E}"/>
+              </a:ext>
+            </a:extLst>
+          </p:cNvPr>
+          <p:cNvSpPr txBox="1">
+            <a:spLocks noChangeArrowheads="1"/>
+          </p:cNvSpPr>
+          <p:nvPr/>
+        </p:nvSpPr>
+        <p:spPr bwMode="auto">
+          <a:xfrm>
+            <a:off x="3616777" y="2854222"/>
+            <a:ext cx="8371114" cy="1725730"/>
+          </a:xfrm>
+          <a:prstGeom prst="rect">
+            <a:avLst/>
+          </a:prstGeom>
+          <a:noFill/>
+          <a:ln>
+            <a:noFill/>
+          </a:ln>
+          <a:effectLst/>
+          <a:extLst>
+            <a:ext uri="{909E8E84-426E-40DD-AFC4-6F175D3DCCD1}">
+              <a14:hiddenFill xmlns:a14="http://schemas.microsoft.com/office/drawing/2010/main">
+                <a:solidFill>
+                  <a:srgbClr val="FFFFFF"/>
+                </a:solidFill>
+              </a14:hiddenFill>
+            </a:ext>
+            <a:ext uri="{91240B29-F687-4F45-9708-019B960494DF}">
+              <a14:hiddenLine xmlns:a14="http://schemas.microsoft.com/office/drawing/2010/main" w="9525">
+                <a:solidFill>
+                  <a:srgbClr val="3465A4"/>
+                </a:solidFill>
+                <a:round/>
+                <a:headEnd/>
+                <a:tailEnd/>
+              </a14:hiddenLine>
+            </a:ext>
+            <a:ext uri="{AF507438-7753-43E0-B8FC-AC1667EBCBE1}">
+              <a14:hiddenEffects xmlns:a14="http://schemas.microsoft.com/office/drawing/2010/main">
+                <a:effectLst>
+                  <a:outerShdw dist="35921" dir="2700000" algn="ctr" rotWithShape="0">
+                    <a:srgbClr val="808080"/>
+                  </a:outerShdw>
+                </a:effectLst>
+              </a14:hiddenEffects>
+            </a:ext>
+          </a:extLst>
+        </p:spPr>
+        <p:txBody>
+          <a:bodyPr wrap="square" lIns="90000" tIns="46800" rIns="90000" bIns="46800">
+            <a:spAutoFit/>
+          </a:bodyPr>
+          <a:lstStyle>
+            <a:lvl1pPr>
+              <a:tabLst>
+                <a:tab pos="0" algn="l"/>
+                <a:tab pos="447675" algn="l"/>
+                <a:tab pos="896938" algn="l"/>
+                <a:tab pos="1346200" algn="l"/>
+                <a:tab pos="1795463" algn="l"/>
+                <a:tab pos="2244725" algn="l"/>
+                <a:tab pos="2693988" algn="l"/>
+                <a:tab pos="3143250" algn="l"/>
+                <a:tab pos="3592513" algn="l"/>
+                <a:tab pos="4041775" algn="l"/>
+                <a:tab pos="4491038" algn="l"/>
+                <a:tab pos="4940300" algn="l"/>
+                <a:tab pos="5389563" algn="l"/>
+                <a:tab pos="5838825" algn="l"/>
+                <a:tab pos="6288088" algn="l"/>
+                <a:tab pos="6737350" algn="l"/>
+                <a:tab pos="7186613" algn="l"/>
+                <a:tab pos="7635875" algn="l"/>
+                <a:tab pos="8085138" algn="l"/>
+                <a:tab pos="8534400" algn="l"/>
+                <a:tab pos="8983663" algn="l"/>
+              </a:tabLst>
+              <a:defRPr>
+                <a:solidFill>
+                  <a:schemeClr val="bg1"/>
+                </a:solidFill>
+                <a:latin typeface="Arial" panose="020B0604020202020204" pitchFamily="34" charset="0"/>
+                <a:cs typeface="Arial" panose="020B0604020202020204" pitchFamily="34" charset="0"/>
+              </a:defRPr>
+            </a:lvl1pPr>
+            <a:lvl2pPr>
+              <a:tabLst>
+                <a:tab pos="0" algn="l"/>
+                <a:tab pos="447675" algn="l"/>
+                <a:tab pos="896938" algn="l"/>
+                <a:tab pos="1346200" algn="l"/>
+                <a:tab pos="1795463" algn="l"/>
+                <a:tab pos="2244725" algn="l"/>
+                <a:tab pos="2693988" algn="l"/>
+                <a:tab pos="3143250" algn="l"/>
+                <a:tab pos="3592513" algn="l"/>
+                <a:tab pos="4041775" algn="l"/>
+                <a:tab pos="4491038" algn="l"/>
+                <a:tab pos="4940300" algn="l"/>
+                <a:tab pos="5389563" algn="l"/>
+                <a:tab pos="5838825" algn="l"/>
+                <a:tab pos="6288088" algn="l"/>
+                <a:tab pos="6737350" algn="l"/>
+                <a:tab pos="7186613" algn="l"/>
+                <a:tab pos="7635875" algn="l"/>
+                <a:tab pos="8085138" algn="l"/>
+                <a:tab pos="8534400" algn="l"/>
+                <a:tab pos="8983663" algn="l"/>
+              </a:tabLst>
+              <a:defRPr>
+                <a:solidFill>
+                  <a:schemeClr val="bg1"/>
+                </a:solidFill>
+                <a:latin typeface="Arial" panose="020B0604020202020204" pitchFamily="34" charset="0"/>
+                <a:cs typeface="Arial" panose="020B0604020202020204" pitchFamily="34" charset="0"/>
+              </a:defRPr>
+            </a:lvl2pPr>
+            <a:lvl3pPr>
+              <a:tabLst>
+                <a:tab pos="0" algn="l"/>
+                <a:tab pos="447675" algn="l"/>
+                <a:tab pos="896938" algn="l"/>
+                <a:tab pos="1346200" algn="l"/>
+                <a:tab pos="1795463" algn="l"/>
+                <a:tab pos="2244725" algn="l"/>
+                <a:tab pos="2693988" algn="l"/>
+                <a:tab pos="3143250" algn="l"/>
+                <a:tab pos="3592513" algn="l"/>
+                <a:tab pos="4041775" algn="l"/>
+                <a:tab pos="4491038" algn="l"/>
+                <a:tab pos="4940300" algn="l"/>
+                <a:tab pos="5389563" algn="l"/>
+                <a:tab pos="5838825" algn="l"/>
+                <a:tab pos="6288088" algn="l"/>
+                <a:tab pos="6737350" algn="l"/>
+                <a:tab pos="7186613" algn="l"/>
+                <a:tab pos="7635875" algn="l"/>
+                <a:tab pos="8085138" algn="l"/>
+                <a:tab pos="8534400" algn="l"/>
+                <a:tab pos="8983663" algn="l"/>
+              </a:tabLst>
+              <a:defRPr>
+                <a:solidFill>
+                  <a:schemeClr val="bg1"/>
+                </a:solidFill>
+                <a:latin typeface="Arial" panose="020B0604020202020204" pitchFamily="34" charset="0"/>
+                <a:cs typeface="Arial" panose="020B0604020202020204" pitchFamily="34" charset="0"/>
+              </a:defRPr>
+            </a:lvl3pPr>
+            <a:lvl4pPr>
+              <a:tabLst>
+                <a:tab pos="0" algn="l"/>
+                <a:tab pos="447675" algn="l"/>
+                <a:tab pos="896938" algn="l"/>
+                <a:tab pos="1346200" algn="l"/>
+                <a:tab pos="1795463" algn="l"/>
+                <a:tab pos="2244725" algn="l"/>
+                <a:tab pos="2693988" algn="l"/>
+                <a:tab pos="3143250" algn="l"/>
+                <a:tab pos="3592513" algn="l"/>
+                <a:tab pos="4041775" algn="l"/>
+                <a:tab pos="4491038" algn="l"/>
+                <a:tab pos="4940300" algn="l"/>
+                <a:tab pos="5389563" algn="l"/>
+                <a:tab pos="5838825" algn="l"/>
+                <a:tab pos="6288088" algn="l"/>
+                <a:tab pos="6737350" algn="l"/>
+                <a:tab pos="7186613" algn="l"/>
+                <a:tab pos="7635875" algn="l"/>
+                <a:tab pos="8085138" algn="l"/>
+                <a:tab pos="8534400" algn="l"/>
+                <a:tab pos="8983663" algn="l"/>
+              </a:tabLst>
+              <a:defRPr>
+                <a:solidFill>
+                  <a:schemeClr val="bg1"/>
+                </a:solidFill>
+                <a:latin typeface="Arial" panose="020B0604020202020204" pitchFamily="34" charset="0"/>
+                <a:cs typeface="Arial" panose="020B0604020202020204" pitchFamily="34" charset="0"/>
+              </a:defRPr>
+            </a:lvl4pPr>
+            <a:lvl5pPr>
+              <a:tabLst>
+                <a:tab pos="0" algn="l"/>
+                <a:tab pos="447675" algn="l"/>
+                <a:tab pos="896938" algn="l"/>
+                <a:tab pos="1346200" algn="l"/>
+                <a:tab pos="1795463" algn="l"/>
+                <a:tab pos="2244725" algn="l"/>
+                <a:tab pos="2693988" algn="l"/>
+                <a:tab pos="3143250" algn="l"/>
+                <a:tab pos="3592513" algn="l"/>
+                <a:tab pos="4041775" algn="l"/>
+                <a:tab pos="4491038" algn="l"/>
+                <a:tab pos="4940300" algn="l"/>
+                <a:tab pos="5389563" algn="l"/>
+                <a:tab pos="5838825" algn="l"/>
+                <a:tab pos="6288088" algn="l"/>
+                <a:tab pos="6737350" algn="l"/>
+                <a:tab pos="7186613" algn="l"/>
+                <a:tab pos="7635875" algn="l"/>
+                <a:tab pos="8085138" algn="l"/>
+                <a:tab pos="8534400" algn="l"/>
+                <a:tab pos="8983663" algn="l"/>
+              </a:tabLst>
+              <a:defRPr>
+                <a:solidFill>
+                  <a:schemeClr val="bg1"/>
+                </a:solidFill>
+                <a:latin typeface="Arial" panose="020B0604020202020204" pitchFamily="34" charset="0"/>
+                <a:cs typeface="Arial" panose="020B0604020202020204" pitchFamily="34" charset="0"/>
+              </a:defRPr>
+            </a:lvl5pPr>
+            <a:lvl6pPr marL="2514600" indent="-228600" defTabSz="449263" eaLnBrk="0" fontAlgn="base" hangingPunct="0">
+              <a:spcBef>
+                <a:spcPct val="0"/>
+              </a:spcBef>
+              <a:spcAft>
+                <a:spcPct val="0"/>
+              </a:spcAft>
+              <a:tabLst>
+                <a:tab pos="0" algn="l"/>
+                <a:tab pos="447675" algn="l"/>
+                <a:tab pos="896938" algn="l"/>
+                <a:tab pos="1346200" algn="l"/>
+                <a:tab pos="1795463" algn="l"/>
+                <a:tab pos="2244725" algn="l"/>
+                <a:tab pos="2693988" algn="l"/>
+                <a:tab pos="3143250" algn="l"/>
+                <a:tab pos="3592513" algn="l"/>
+                <a:tab pos="4041775" algn="l"/>
+                <a:tab pos="4491038" algn="l"/>
+                <a:tab pos="4940300" algn="l"/>
+                <a:tab pos="5389563" algn="l"/>
+                <a:tab pos="5838825" algn="l"/>
+                <a:tab pos="6288088" algn="l"/>
+                <a:tab pos="6737350" algn="l"/>
+                <a:tab pos="7186613" algn="l"/>
+                <a:tab pos="7635875" algn="l"/>
+                <a:tab pos="8085138" algn="l"/>
+                <a:tab pos="8534400" algn="l"/>
+                <a:tab pos="8983663" algn="l"/>
+              </a:tabLst>
+              <a:defRPr>
+                <a:solidFill>
+                  <a:schemeClr val="bg1"/>
+                </a:solidFill>
+                <a:latin typeface="Arial" panose="020B0604020202020204" pitchFamily="34" charset="0"/>
+                <a:cs typeface="Arial" panose="020B0604020202020204" pitchFamily="34" charset="0"/>
+              </a:defRPr>
+            </a:lvl6pPr>
+            <a:lvl7pPr marL="2971800" indent="-228600" defTabSz="449263" eaLnBrk="0" fontAlgn="base" hangingPunct="0">
+              <a:spcBef>
+                <a:spcPct val="0"/>
+              </a:spcBef>
+              <a:spcAft>
+                <a:spcPct val="0"/>
+              </a:spcAft>
+              <a:tabLst>
+                <a:tab pos="0" algn="l"/>
+                <a:tab pos="447675" algn="l"/>
+                <a:tab pos="896938" algn="l"/>
+                <a:tab pos="1346200" algn="l"/>
+                <a:tab pos="1795463" algn="l"/>
+                <a:tab pos="2244725" algn="l"/>
+                <a:tab pos="2693988" algn="l"/>
+                <a:tab pos="3143250" algn="l"/>
+                <a:tab pos="3592513" algn="l"/>
+                <a:tab pos="4041775" algn="l"/>
+                <a:tab pos="4491038" algn="l"/>
+                <a:tab pos="4940300" algn="l"/>
+                <a:tab pos="5389563" algn="l"/>
+                <a:tab pos="5838825" algn="l"/>
+                <a:tab pos="6288088" algn="l"/>
+                <a:tab pos="6737350" algn="l"/>
+                <a:tab pos="7186613" algn="l"/>
+                <a:tab pos="7635875" algn="l"/>
+                <a:tab pos="8085138" algn="l"/>
+                <a:tab pos="8534400" algn="l"/>
+                <a:tab pos="8983663" algn="l"/>
+              </a:tabLst>
+              <a:defRPr>
+                <a:solidFill>
+                  <a:schemeClr val="bg1"/>
+                </a:solidFill>
+                <a:latin typeface="Arial" panose="020B0604020202020204" pitchFamily="34" charset="0"/>
+                <a:cs typeface="Arial" panose="020B0604020202020204" pitchFamily="34" charset="0"/>
+              </a:defRPr>
+            </a:lvl7pPr>
+            <a:lvl8pPr marL="3429000" indent="-228600" defTabSz="449263" eaLnBrk="0" fontAlgn="base" hangingPunct="0">
+              <a:spcBef>
+                <a:spcPct val="0"/>
+              </a:spcBef>
+              <a:spcAft>
+                <a:spcPct val="0"/>
+              </a:spcAft>
+              <a:tabLst>
+                <a:tab pos="0" algn="l"/>
+                <a:tab pos="447675" algn="l"/>
+                <a:tab pos="896938" algn="l"/>
+                <a:tab pos="1346200" algn="l"/>
+                <a:tab pos="1795463" algn="l"/>
+                <a:tab pos="2244725" algn="l"/>
+                <a:tab pos="2693988" algn="l"/>
+                <a:tab pos="3143250" algn="l"/>
+                <a:tab pos="3592513" algn="l"/>
+                <a:tab pos="4041775" algn="l"/>
+                <a:tab pos="4491038" algn="l"/>
+                <a:tab pos="4940300" algn="l"/>
+                <a:tab pos="5389563" algn="l"/>
+                <a:tab pos="5838825" algn="l"/>
+                <a:tab pos="6288088" algn="l"/>
+                <a:tab pos="6737350" algn="l"/>
+                <a:tab pos="7186613" algn="l"/>
+                <a:tab pos="7635875" algn="l"/>
+                <a:tab pos="8085138" algn="l"/>
+                <a:tab pos="8534400" algn="l"/>
+                <a:tab pos="8983663" algn="l"/>
+              </a:tabLst>
+              <a:defRPr>
+                <a:solidFill>
+                  <a:schemeClr val="bg1"/>
+                </a:solidFill>
+                <a:latin typeface="Arial" panose="020B0604020202020204" pitchFamily="34" charset="0"/>
+                <a:cs typeface="Arial" panose="020B0604020202020204" pitchFamily="34" charset="0"/>
+              </a:defRPr>
+            </a:lvl8pPr>
+            <a:lvl9pPr marL="3886200" indent="-228600" defTabSz="449263" eaLnBrk="0" fontAlgn="base" hangingPunct="0">
+              <a:spcBef>
+                <a:spcPct val="0"/>
+              </a:spcBef>
+              <a:spcAft>
+                <a:spcPct val="0"/>
+              </a:spcAft>
+              <a:tabLst>
+                <a:tab pos="0" algn="l"/>
+                <a:tab pos="447675" algn="l"/>
+                <a:tab pos="896938" algn="l"/>
+                <a:tab pos="1346200" algn="l"/>
+                <a:tab pos="1795463" algn="l"/>
+                <a:tab pos="2244725" algn="l"/>
+                <a:tab pos="2693988" algn="l"/>
+                <a:tab pos="3143250" algn="l"/>
+                <a:tab pos="3592513" algn="l"/>
+                <a:tab pos="4041775" algn="l"/>
+                <a:tab pos="4491038" algn="l"/>
+                <a:tab pos="4940300" algn="l"/>
+                <a:tab pos="5389563" algn="l"/>
+                <a:tab pos="5838825" algn="l"/>
+                <a:tab pos="6288088" algn="l"/>
+                <a:tab pos="6737350" algn="l"/>
+                <a:tab pos="7186613" algn="l"/>
+                <a:tab pos="7635875" algn="l"/>
+                <a:tab pos="8085138" algn="l"/>
+                <a:tab pos="8534400" algn="l"/>
+                <a:tab pos="8983663" algn="l"/>
+              </a:tabLst>
+              <a:defRPr>
+                <a:solidFill>
+                  <a:schemeClr val="bg1"/>
+                </a:solidFill>
+                <a:latin typeface="Arial" panose="020B0604020202020204" pitchFamily="34" charset="0"/>
+                <a:cs typeface="Arial" panose="020B0604020202020204" pitchFamily="34" charset="0"/>
+              </a:defRPr>
+            </a:lvl9pPr>
+          </a:lstStyle>
+          <a:p>
+            <a:pPr algn="ctr"/>
+            <a:r>
+              <a:rPr lang="es-ES" sz="2600" b="1" dirty="0">
+                <a:solidFill>
+                  <a:schemeClr val="tx1"/>
+                </a:solidFill>
+                <a:effectLst/>
+                <a:ea typeface="Calibri" panose="020F0502020204030204" pitchFamily="34" charset="0"/>
+              </a:rPr>
+              <a:t>FITIB</a:t>
+            </a:r>
+          </a:p>
+          <a:p>
+            <a:pPr algn="ctr"/>
+            <a:r>
+              <a:rPr lang="es-ES" sz="2600" b="1" dirty="0">
+                <a:solidFill>
+                  <a:schemeClr val="tx1"/>
+                </a:solidFill>
+                <a:ea typeface="Calibri" panose="020F0502020204030204" pitchFamily="34" charset="0"/>
+              </a:rPr>
+              <a:t>Departamento de Informática</a:t>
+            </a:r>
+            <a:endParaRPr lang="es-ES" sz="2600" b="1" dirty="0">
+              <a:solidFill>
+                <a:schemeClr val="tx1"/>
+              </a:solidFill>
+              <a:effectLst/>
+              <a:ea typeface="Calibri" panose="020F0502020204030204" pitchFamily="34" charset="0"/>
+            </a:endParaRPr>
+          </a:p>
+          <a:p>
+            <a:pPr algn="ctr"/>
+            <a:endParaRPr lang="es-ES" sz="2600" b="1" dirty="0">
+              <a:solidFill>
+                <a:schemeClr val="tx1"/>
+              </a:solidFill>
+            </a:endParaRPr>
+          </a:p>
+          <a:p>
+            <a:pPr eaLnBrk="1" hangingPunct="1">
+              <a:buSzPct val="100000"/>
+            </a:pPr>
+            <a:endParaRPr lang="es-ES" altLang="es-MX" sz="2800" b="1" dirty="0">
+              <a:solidFill>
+                <a:srgbClr val="000000"/>
+              </a:solidFill>
+              <a:latin typeface="Calibri" panose="020F0502020204030204" pitchFamily="34" charset="0"/>
+            </a:endParaRPr>
+          </a:p>
+        </p:txBody>
+      </p:sp>
+    </p:spTree>
+    <p:extLst>
+      <p:ext uri="{BB962C8B-B14F-4D97-AF65-F5344CB8AC3E}">
+        <p14:creationId xmlns:p14="http://schemas.microsoft.com/office/powerpoint/2010/main" val="3181026589"/>
+      </p:ext>
+    </p:extLst>
+  </p:cSld>
+  <p:clrMapOvr>
+    <a:masterClrMapping/>
+  </p:clrMapOvr>
+  <p:transition spd="med"/>
+  <p:timing>
+    <p:tnLst>
+      <p:par>
+        <p:cTn id="1" dur="indefinite" restart="never" nodeType="tmRoot">
+          <p:childTnLst>
+            <p:seq concurrent="1" nextAc="seek">
+              <p:cTn id="2" dur="indefinite" nodeType="mainSeq"/>
+              <p:prevCondLst>
+                <p:cond evt="onPrev" delay="0">
+                  <p:tgtEl>
+                    <p:sldTgt/>
+                  </p:tgtEl>
+                </p:cond>
+              </p:prevCondLst>
+              <p:nextCondLst>
+                <p:cond evt="onNext" delay="0">
+                  <p:tgtEl>
+                    <p:sldTgt/>
+                  </p:tgtEl>
+                </p:cond>
+              </p:nextCondLst>
+            </p:seq>
+          </p:childTnLst>
+        </p:cTn>
+      </p:par>
+    </p:tnLst>
+  </p:timing>
 </p:sld>
 </file>
 
@@ -10283,1267 +11304,7 @@
 </p:sld>
 </file>
 
-<file path=ppt/slides/slide20.xml><?xml version="1.0" encoding="utf-8"?>
-<p:sld xmlns:a="http://schemas.openxmlformats.org/drawingml/2006/main" xmlns:r="http://schemas.openxmlformats.org/officeDocument/2006/relationships" xmlns:p="http://schemas.openxmlformats.org/presentationml/2006/main">
-  <p:cSld>
-    <p:spTree>
-      <p:nvGrpSpPr>
-        <p:cNvPr id="1" name=""/>
-        <p:cNvGrpSpPr/>
-        <p:nvPr/>
-      </p:nvGrpSpPr>
-      <p:grpSpPr>
-        <a:xfrm>
-          <a:off x="0" y="0"/>
-          <a:ext cx="0" cy="0"/>
-          <a:chOff x="0" y="0"/>
-          <a:chExt cx="0" cy="0"/>
-        </a:xfrm>
-      </p:grpSpPr>
-      <p:sp>
-        <p:nvSpPr>
-          <p:cNvPr id="2" name="Título 1">
-            <a:extLst>
-              <a:ext uri="{FF2B5EF4-FFF2-40B4-BE49-F238E27FC236}">
-                <a16:creationId xmlns:a16="http://schemas.microsoft.com/office/drawing/2014/main" id="{75415DC7-02CB-7D93-93BE-B585EEE17373}"/>
-              </a:ext>
-            </a:extLst>
-          </p:cNvPr>
-          <p:cNvSpPr>
-            <a:spLocks noGrp="1"/>
-          </p:cNvSpPr>
-          <p:nvPr>
-            <p:ph type="title"/>
-          </p:nvPr>
-        </p:nvSpPr>
-        <p:spPr/>
-        <p:txBody>
-          <a:bodyPr/>
-          <a:lstStyle/>
-          <a:p>
-            <a:pPr algn="ctr"/>
-            <a:r>
-              <a:rPr lang="es-ES" dirty="0"/>
-              <a:t>Conclusiones</a:t>
-            </a:r>
-          </a:p>
-        </p:txBody>
-      </p:sp>
-      <p:sp>
-        <p:nvSpPr>
-          <p:cNvPr id="3" name="Marcador de contenido 2">
-            <a:extLst>
-              <a:ext uri="{FF2B5EF4-FFF2-40B4-BE49-F238E27FC236}">
-                <a16:creationId xmlns:a16="http://schemas.microsoft.com/office/drawing/2014/main" id="{A63ADC5C-B673-EF80-73B8-54B97E799BA3}"/>
-              </a:ext>
-            </a:extLst>
-          </p:cNvPr>
-          <p:cNvSpPr>
-            <a:spLocks noGrp="1"/>
-          </p:cNvSpPr>
-          <p:nvPr>
-            <p:ph idx="1"/>
-          </p:nvPr>
-        </p:nvSpPr>
-        <p:spPr/>
-        <p:txBody>
-          <a:bodyPr/>
-          <a:lstStyle/>
-          <a:p>
-            <a:r>
-              <a:rPr lang="es-ES" dirty="0"/>
-              <a:t>Se realizó el estudio del estado del arte de los sistemas para desarrollar asistentes virtuales dando como resultado la elección de la mejor solución para la herramienta informática propuesta.</a:t>
-            </a:r>
-          </a:p>
-          <a:p>
-            <a:r>
-              <a:rPr lang="es-ES" dirty="0"/>
-              <a:t>Se diseñó e implementó el prototipo de la herramienta  informática.</a:t>
-            </a:r>
-          </a:p>
-          <a:p>
-            <a:r>
-              <a:rPr lang="es-ES" dirty="0"/>
-              <a:t>Se desplegó la herramienta junto a un sistema para desarrollar asistentes virtuales.</a:t>
-            </a:r>
-          </a:p>
-          <a:p>
-            <a:r>
-              <a:rPr lang="es-ES" dirty="0"/>
-              <a:t>Algunas de las pruebas realizadas a la herramienta demuestran que aún falta mejorar el sistema de generación de conocimiento al proporcionar las preguntas y respuestas a partir de los datos entrados.</a:t>
-            </a:r>
-          </a:p>
-        </p:txBody>
-      </p:sp>
-    </p:spTree>
-    <p:extLst>
-      <p:ext uri="{BB962C8B-B14F-4D97-AF65-F5344CB8AC3E}">
-        <p14:creationId xmlns:p14="http://schemas.microsoft.com/office/powerpoint/2010/main" val="83483778"/>
-      </p:ext>
-    </p:extLst>
-  </p:cSld>
-  <p:clrMapOvr>
-    <a:masterClrMapping/>
-  </p:clrMapOvr>
-</p:sld>
-</file>
-
-<file path=ppt/slides/slide21.xml><?xml version="1.0" encoding="utf-8"?>
-<p:sld xmlns:a="http://schemas.openxmlformats.org/drawingml/2006/main" xmlns:r="http://schemas.openxmlformats.org/officeDocument/2006/relationships" xmlns:p="http://schemas.openxmlformats.org/presentationml/2006/main">
-  <p:cSld>
-    <p:spTree>
-      <p:nvGrpSpPr>
-        <p:cNvPr id="1" name=""/>
-        <p:cNvGrpSpPr/>
-        <p:nvPr/>
-      </p:nvGrpSpPr>
-      <p:grpSpPr>
-        <a:xfrm>
-          <a:off x="0" y="0"/>
-          <a:ext cx="0" cy="0"/>
-          <a:chOff x="0" y="0"/>
-          <a:chExt cx="0" cy="0"/>
-        </a:xfrm>
-      </p:grpSpPr>
-      <p:sp>
-        <p:nvSpPr>
-          <p:cNvPr id="2" name="Título 1">
-            <a:extLst>
-              <a:ext uri="{FF2B5EF4-FFF2-40B4-BE49-F238E27FC236}">
-                <a16:creationId xmlns:a16="http://schemas.microsoft.com/office/drawing/2014/main" id="{1324DC5D-F0BB-4707-BDEC-8153887BD67F}"/>
-              </a:ext>
-            </a:extLst>
-          </p:cNvPr>
-          <p:cNvSpPr>
-            <a:spLocks noGrp="1"/>
-          </p:cNvSpPr>
-          <p:nvPr>
-            <p:ph type="title"/>
-          </p:nvPr>
-        </p:nvSpPr>
-        <p:spPr>
-          <a:xfrm>
-            <a:off x="1066800" y="-206472"/>
-            <a:ext cx="10058400" cy="1609344"/>
-          </a:xfrm>
-        </p:spPr>
-        <p:txBody>
-          <a:bodyPr/>
-          <a:lstStyle/>
-          <a:p>
-            <a:pPr algn="ctr"/>
-            <a:r>
-              <a:rPr lang="es-CU"/>
-              <a:t>Ejemplo</a:t>
-            </a:r>
-            <a:r>
-              <a:rPr lang="en-US"/>
-              <a:t> de </a:t>
-            </a:r>
-            <a:r>
-              <a:rPr lang="es-CU"/>
-              <a:t>funcionamiento</a:t>
-            </a:r>
-            <a:endParaRPr lang="es-ES" dirty="0"/>
-          </a:p>
-        </p:txBody>
-      </p:sp>
-      <p:pic>
-        <p:nvPicPr>
-          <p:cNvPr id="3" name="4.1 Chat Web con Asistente (Interaccion)">
-            <a:hlinkClick r:id="" action="ppaction://media"/>
-            <a:extLst>
-              <a:ext uri="{FF2B5EF4-FFF2-40B4-BE49-F238E27FC236}">
-                <a16:creationId xmlns:a16="http://schemas.microsoft.com/office/drawing/2014/main" id="{20FC8EFE-3B84-83A1-8F85-E62C3512CAA2}"/>
-              </a:ext>
-            </a:extLst>
-          </p:cNvPr>
-          <p:cNvPicPr>
-            <a:picLocks noChangeAspect="1"/>
-          </p:cNvPicPr>
-          <p:nvPr>
-            <a:videoFile r:link="rId2"/>
-            <p:extLst>
-              <p:ext uri="{DAA4B4D4-6D71-4841-9C94-3DE7FCFB9230}">
-                <p14:media xmlns:p14="http://schemas.microsoft.com/office/powerpoint/2010/main" r:embed="rId1"/>
-              </p:ext>
-            </p:extLst>
-          </p:nvPr>
-        </p:nvPicPr>
-        <p:blipFill>
-          <a:blip r:embed="rId5"/>
-          <a:stretch>
-            <a:fillRect/>
-          </a:stretch>
-        </p:blipFill>
-        <p:spPr>
-          <a:xfrm>
-            <a:off x="1238864" y="952167"/>
-            <a:ext cx="9497961" cy="5743601"/>
-          </a:xfrm>
-          <a:prstGeom prst="rect">
-            <a:avLst/>
-          </a:prstGeom>
-          <a:ln w="38100" cap="sq">
-            <a:solidFill>
-              <a:srgbClr val="000000"/>
-            </a:solidFill>
-            <a:prstDash val="solid"/>
-            <a:miter lim="800000"/>
-          </a:ln>
-          <a:effectLst>
-            <a:outerShdw blurRad="50800" dist="38100" dir="2700000" algn="tl" rotWithShape="0">
-              <a:srgbClr val="000000">
-                <a:alpha val="43000"/>
-              </a:srgbClr>
-            </a:outerShdw>
-          </a:effectLst>
-        </p:spPr>
-      </p:pic>
-    </p:spTree>
-    <p:extLst>
-      <p:ext uri="{BB962C8B-B14F-4D97-AF65-F5344CB8AC3E}">
-        <p14:creationId xmlns:p14="http://schemas.microsoft.com/office/powerpoint/2010/main" val="2720222872"/>
-      </p:ext>
-    </p:extLst>
-  </p:cSld>
-  <p:clrMapOvr>
-    <a:masterClrMapping/>
-  </p:clrMapOvr>
-  <p:timing>
-    <p:tnLst>
-      <p:par>
-        <p:cTn id="1" dur="indefinite" restart="never" nodeType="tmRoot">
-          <p:childTnLst>
-            <p:seq concurrent="1" nextAc="seek">
-              <p:cTn id="2" dur="indefinite" nodeType="mainSeq">
-                <p:childTnLst>
-                  <p:par>
-                    <p:cTn id="3" fill="hold">
-                      <p:stCondLst>
-                        <p:cond delay="indefinite"/>
-                      </p:stCondLst>
-                      <p:childTnLst>
-                        <p:par>
-                          <p:cTn id="4" fill="hold">
-                            <p:stCondLst>
-                              <p:cond delay="0"/>
-                            </p:stCondLst>
-                            <p:childTnLst>
-                              <p:par>
-                                <p:cTn id="5" presetID="1" presetClass="mediacall" presetSubtype="0" fill="hold" nodeType="clickEffect">
-                                  <p:stCondLst>
-                                    <p:cond delay="0"/>
-                                  </p:stCondLst>
-                                  <p:childTnLst>
-                                    <p:cmd type="call" cmd="playFrom(0.0)">
-                                      <p:cBhvr>
-                                        <p:cTn id="6" dur="35840" fill="hold"/>
-                                        <p:tgtEl>
-                                          <p:spTgt spid="3"/>
-                                        </p:tgtEl>
-                                      </p:cBhvr>
-                                    </p:cmd>
-                                  </p:childTnLst>
-                                </p:cTn>
-                              </p:par>
-                            </p:childTnLst>
-                          </p:cTn>
-                        </p:par>
-                      </p:childTnLst>
-                    </p:cTn>
-                  </p:par>
-                </p:childTnLst>
-              </p:cTn>
-              <p:prevCondLst>
-                <p:cond evt="onPrev" delay="0">
-                  <p:tgtEl>
-                    <p:sldTgt/>
-                  </p:tgtEl>
-                </p:cond>
-              </p:prevCondLst>
-              <p:nextCondLst>
-                <p:cond evt="onNext" delay="0">
-                  <p:tgtEl>
-                    <p:sldTgt/>
-                  </p:tgtEl>
-                </p:cond>
-              </p:nextCondLst>
-            </p:seq>
-            <p:video>
-              <p:cMediaNode vol="80000">
-                <p:cTn id="7" fill="hold" display="0">
-                  <p:stCondLst>
-                    <p:cond delay="indefinite"/>
-                  </p:stCondLst>
-                </p:cTn>
-                <p:tgtEl>
-                  <p:spTgt spid="3"/>
-                </p:tgtEl>
-              </p:cMediaNode>
-            </p:video>
-            <p:seq concurrent="1" nextAc="seek">
-              <p:cTn id="8" restart="whenNotActive" fill="hold" evtFilter="cancelBubble" nodeType="interactiveSeq">
-                <p:stCondLst>
-                  <p:cond evt="onClick" delay="0">
-                    <p:tgtEl>
-                      <p:spTgt spid="3"/>
-                    </p:tgtEl>
-                  </p:cond>
-                </p:stCondLst>
-                <p:endSync evt="end" delay="0">
-                  <p:rtn val="all"/>
-                </p:endSync>
-                <p:childTnLst>
-                  <p:par>
-                    <p:cTn id="9" fill="hold">
-                      <p:stCondLst>
-                        <p:cond delay="0"/>
-                      </p:stCondLst>
-                      <p:childTnLst>
-                        <p:par>
-                          <p:cTn id="10" fill="hold">
-                            <p:stCondLst>
-                              <p:cond delay="0"/>
-                            </p:stCondLst>
-                            <p:childTnLst>
-                              <p:par>
-                                <p:cTn id="11" presetID="2" presetClass="mediacall" presetSubtype="0" fill="hold" nodeType="clickEffect">
-                                  <p:stCondLst>
-                                    <p:cond delay="0"/>
-                                  </p:stCondLst>
-                                  <p:childTnLst>
-                                    <p:cmd type="call" cmd="togglePause">
-                                      <p:cBhvr>
-                                        <p:cTn id="12" dur="1" fill="hold"/>
-                                        <p:tgtEl>
-                                          <p:spTgt spid="3"/>
-                                        </p:tgtEl>
-                                      </p:cBhvr>
-                                    </p:cmd>
-                                  </p:childTnLst>
-                                </p:cTn>
-                              </p:par>
-                            </p:childTnLst>
-                          </p:cTn>
-                        </p:par>
-                      </p:childTnLst>
-                    </p:cTn>
-                  </p:par>
-                </p:childTnLst>
-              </p:cTn>
-              <p:nextCondLst>
-                <p:cond evt="onClick" delay="0">
-                  <p:tgtEl>
-                    <p:spTgt spid="3"/>
-                  </p:tgtEl>
-                </p:cond>
-              </p:nextCondLst>
-            </p:seq>
-          </p:childTnLst>
-        </p:cTn>
-      </p:par>
-    </p:tnLst>
-  </p:timing>
-</p:sld>
-</file>
-
-<file path=ppt/slides/slide22.xml><?xml version="1.0" encoding="utf-8"?>
-<p:sld xmlns:a="http://schemas.openxmlformats.org/drawingml/2006/main" xmlns:r="http://schemas.openxmlformats.org/officeDocument/2006/relationships" xmlns:p="http://schemas.openxmlformats.org/presentationml/2006/main">
-  <p:cSld>
-    <p:spTree>
-      <p:nvGrpSpPr>
-        <p:cNvPr id="1" name=""/>
-        <p:cNvGrpSpPr/>
-        <p:nvPr/>
-      </p:nvGrpSpPr>
-      <p:grpSpPr>
-        <a:xfrm>
-          <a:off x="0" y="0"/>
-          <a:ext cx="0" cy="0"/>
-          <a:chOff x="0" y="0"/>
-          <a:chExt cx="0" cy="0"/>
-        </a:xfrm>
-      </p:grpSpPr>
-      <p:pic>
-        <p:nvPicPr>
-          <p:cNvPr id="3074" name="Picture 1">
-            <a:extLst>
-              <a:ext uri="{FF2B5EF4-FFF2-40B4-BE49-F238E27FC236}">
-                <a16:creationId xmlns:a16="http://schemas.microsoft.com/office/drawing/2014/main" id="{9DC66159-C388-4239-B779-8B52EB223B9F}"/>
-              </a:ext>
-            </a:extLst>
-          </p:cNvPr>
-          <p:cNvPicPr>
-            <a:picLocks noChangeAspect="1" noChangeArrowheads="1"/>
-          </p:cNvPicPr>
-          <p:nvPr/>
-        </p:nvPicPr>
-        <p:blipFill>
-          <a:blip r:embed="rId3">
-            <a:extLst>
-              <a:ext uri="{28A0092B-C50C-407E-A947-70E740481C1C}">
-                <a14:useLocalDpi xmlns:a14="http://schemas.microsoft.com/office/drawing/2010/main" val="0"/>
-              </a:ext>
-            </a:extLst>
-          </a:blip>
-          <a:srcRect/>
-          <a:stretch>
-            <a:fillRect/>
-          </a:stretch>
-        </p:blipFill>
-        <p:spPr bwMode="auto">
-          <a:xfrm>
-            <a:off x="0" y="0"/>
-            <a:ext cx="4011562" cy="6858000"/>
-          </a:xfrm>
-          <a:prstGeom prst="rect">
-            <a:avLst/>
-          </a:prstGeom>
-          <a:noFill/>
-          <a:ln>
-            <a:noFill/>
-          </a:ln>
-          <a:effectLst/>
-          <a:extLst>
-            <a:ext uri="{909E8E84-426E-40DD-AFC4-6F175D3DCCD1}">
-              <a14:hiddenFill xmlns:a14="http://schemas.microsoft.com/office/drawing/2010/main">
-                <a:blipFill dpi="0" rotWithShape="0">
-                  <a:blip/>
-                  <a:srcRect/>
-                  <a:stretch>
-                    <a:fillRect/>
-                  </a:stretch>
-                </a:blipFill>
-              </a14:hiddenFill>
-            </a:ext>
-            <a:ext uri="{91240B29-F687-4F45-9708-019B960494DF}">
-              <a14:hiddenLine xmlns:a14="http://schemas.microsoft.com/office/drawing/2010/main" w="9525">
-                <a:solidFill>
-                  <a:srgbClr val="3465A4"/>
-                </a:solidFill>
-                <a:round/>
-                <a:headEnd/>
-                <a:tailEnd/>
-              </a14:hiddenLine>
-            </a:ext>
-            <a:ext uri="{AF507438-7753-43E0-B8FC-AC1667EBCBE1}">
-              <a14:hiddenEffects xmlns:a14="http://schemas.microsoft.com/office/drawing/2010/main">
-                <a:effectLst>
-                  <a:outerShdw dist="35921" dir="2700000" algn="ctr" rotWithShape="0">
-                    <a:srgbClr val="808080"/>
-                  </a:outerShdw>
-                </a:effectLst>
-              </a14:hiddenEffects>
-            </a:ext>
-          </a:extLst>
-        </p:spPr>
-      </p:pic>
-      <p:pic>
-        <p:nvPicPr>
-          <p:cNvPr id="3075" name="Picture 2">
-            <a:extLst>
-              <a:ext uri="{FF2B5EF4-FFF2-40B4-BE49-F238E27FC236}">
-                <a16:creationId xmlns:a16="http://schemas.microsoft.com/office/drawing/2014/main" id="{88495DEA-FEBE-4103-85AD-41859F53FD35}"/>
-              </a:ext>
-            </a:extLst>
-          </p:cNvPr>
-          <p:cNvPicPr>
-            <a:picLocks noChangeAspect="1" noChangeArrowheads="1"/>
-          </p:cNvPicPr>
-          <p:nvPr/>
-        </p:nvPicPr>
-        <p:blipFill>
-          <a:blip r:embed="rId4">
-            <a:extLst>
-              <a:ext uri="{28A0092B-C50C-407E-A947-70E740481C1C}">
-                <a14:useLocalDpi xmlns:a14="http://schemas.microsoft.com/office/drawing/2010/main" val="0"/>
-              </a:ext>
-            </a:extLst>
-          </a:blip>
-          <a:srcRect/>
-          <a:stretch>
-            <a:fillRect/>
-          </a:stretch>
-        </p:blipFill>
-        <p:spPr bwMode="auto">
-          <a:xfrm>
-            <a:off x="6931818" y="547016"/>
-            <a:ext cx="2328863" cy="625475"/>
-          </a:xfrm>
-          <a:prstGeom prst="rect">
-            <a:avLst/>
-          </a:prstGeom>
-          <a:noFill/>
-          <a:ln>
-            <a:noFill/>
-          </a:ln>
-          <a:effectLst/>
-          <a:extLst>
-            <a:ext uri="{909E8E84-426E-40DD-AFC4-6F175D3DCCD1}">
-              <a14:hiddenFill xmlns:a14="http://schemas.microsoft.com/office/drawing/2010/main">
-                <a:blipFill dpi="0" rotWithShape="0">
-                  <a:blip/>
-                  <a:srcRect/>
-                  <a:stretch>
-                    <a:fillRect/>
-                  </a:stretch>
-                </a:blipFill>
-              </a14:hiddenFill>
-            </a:ext>
-            <a:ext uri="{91240B29-F687-4F45-9708-019B960494DF}">
-              <a14:hiddenLine xmlns:a14="http://schemas.microsoft.com/office/drawing/2010/main" w="9525">
-                <a:solidFill>
-                  <a:srgbClr val="3465A4"/>
-                </a:solidFill>
-                <a:round/>
-                <a:headEnd/>
-                <a:tailEnd/>
-              </a14:hiddenLine>
-            </a:ext>
-            <a:ext uri="{AF507438-7753-43E0-B8FC-AC1667EBCBE1}">
-              <a14:hiddenEffects xmlns:a14="http://schemas.microsoft.com/office/drawing/2010/main">
-                <a:effectLst>
-                  <a:outerShdw dist="35921" dir="2700000" algn="ctr" rotWithShape="0">
-                    <a:srgbClr val="808080"/>
-                  </a:outerShdw>
-                </a:effectLst>
-              </a14:hiddenEffects>
-            </a:ext>
-          </a:extLst>
-        </p:spPr>
-      </p:pic>
-      <p:sp>
-        <p:nvSpPr>
-          <p:cNvPr id="3076" name="Text Box 3">
-            <a:extLst>
-              <a:ext uri="{FF2B5EF4-FFF2-40B4-BE49-F238E27FC236}">
-                <a16:creationId xmlns:a16="http://schemas.microsoft.com/office/drawing/2014/main" id="{E1923479-41EA-4291-AA4D-9AA7710E0BC2}"/>
-              </a:ext>
-            </a:extLst>
-          </p:cNvPr>
-          <p:cNvSpPr txBox="1">
-            <a:spLocks noChangeArrowheads="1"/>
-          </p:cNvSpPr>
-          <p:nvPr/>
-        </p:nvSpPr>
-        <p:spPr bwMode="auto">
-          <a:xfrm>
-            <a:off x="5342220" y="1738158"/>
-            <a:ext cx="5676439" cy="2525949"/>
-          </a:xfrm>
-          <a:prstGeom prst="rect">
-            <a:avLst/>
-          </a:prstGeom>
-          <a:noFill/>
-          <a:ln>
-            <a:noFill/>
-          </a:ln>
-          <a:effectLst/>
-          <a:extLst>
-            <a:ext uri="{909E8E84-426E-40DD-AFC4-6F175D3DCCD1}">
-              <a14:hiddenFill xmlns:a14="http://schemas.microsoft.com/office/drawing/2010/main">
-                <a:solidFill>
-                  <a:srgbClr val="FFFFFF"/>
-                </a:solidFill>
-              </a14:hiddenFill>
-            </a:ext>
-            <a:ext uri="{91240B29-F687-4F45-9708-019B960494DF}">
-              <a14:hiddenLine xmlns:a14="http://schemas.microsoft.com/office/drawing/2010/main" w="9525">
-                <a:solidFill>
-                  <a:srgbClr val="3465A4"/>
-                </a:solidFill>
-                <a:round/>
-                <a:headEnd/>
-                <a:tailEnd/>
-              </a14:hiddenLine>
-            </a:ext>
-            <a:ext uri="{AF507438-7753-43E0-B8FC-AC1667EBCBE1}">
-              <a14:hiddenEffects xmlns:a14="http://schemas.microsoft.com/office/drawing/2010/main">
-                <a:effectLst>
-                  <a:outerShdw dist="35921" dir="2700000" algn="ctr" rotWithShape="0">
-                    <a:srgbClr val="808080"/>
-                  </a:outerShdw>
-                </a:effectLst>
-              </a14:hiddenEffects>
-            </a:ext>
-          </a:extLst>
-        </p:spPr>
-        <p:txBody>
-          <a:bodyPr wrap="square" lIns="90000" tIns="46800" rIns="90000" bIns="46800">
-            <a:spAutoFit/>
-          </a:bodyPr>
-          <a:lstStyle>
-            <a:lvl1pPr>
-              <a:tabLst>
-                <a:tab pos="0" algn="l"/>
-                <a:tab pos="447675" algn="l"/>
-                <a:tab pos="896938" algn="l"/>
-                <a:tab pos="1346200" algn="l"/>
-                <a:tab pos="1795463" algn="l"/>
-                <a:tab pos="2244725" algn="l"/>
-                <a:tab pos="2693988" algn="l"/>
-                <a:tab pos="3143250" algn="l"/>
-                <a:tab pos="3592513" algn="l"/>
-                <a:tab pos="4041775" algn="l"/>
-                <a:tab pos="4491038" algn="l"/>
-                <a:tab pos="4940300" algn="l"/>
-                <a:tab pos="5389563" algn="l"/>
-                <a:tab pos="5838825" algn="l"/>
-                <a:tab pos="6288088" algn="l"/>
-                <a:tab pos="6737350" algn="l"/>
-                <a:tab pos="7186613" algn="l"/>
-                <a:tab pos="7635875" algn="l"/>
-                <a:tab pos="8085138" algn="l"/>
-                <a:tab pos="8534400" algn="l"/>
-                <a:tab pos="8983663" algn="l"/>
-              </a:tabLst>
-              <a:defRPr>
-                <a:solidFill>
-                  <a:schemeClr val="bg1"/>
-                </a:solidFill>
-                <a:latin typeface="Arial" panose="020B0604020202020204" pitchFamily="34" charset="0"/>
-                <a:cs typeface="Arial" panose="020B0604020202020204" pitchFamily="34" charset="0"/>
-              </a:defRPr>
-            </a:lvl1pPr>
-            <a:lvl2pPr>
-              <a:tabLst>
-                <a:tab pos="0" algn="l"/>
-                <a:tab pos="447675" algn="l"/>
-                <a:tab pos="896938" algn="l"/>
-                <a:tab pos="1346200" algn="l"/>
-                <a:tab pos="1795463" algn="l"/>
-                <a:tab pos="2244725" algn="l"/>
-                <a:tab pos="2693988" algn="l"/>
-                <a:tab pos="3143250" algn="l"/>
-                <a:tab pos="3592513" algn="l"/>
-                <a:tab pos="4041775" algn="l"/>
-                <a:tab pos="4491038" algn="l"/>
-                <a:tab pos="4940300" algn="l"/>
-                <a:tab pos="5389563" algn="l"/>
-                <a:tab pos="5838825" algn="l"/>
-                <a:tab pos="6288088" algn="l"/>
-                <a:tab pos="6737350" algn="l"/>
-                <a:tab pos="7186613" algn="l"/>
-                <a:tab pos="7635875" algn="l"/>
-                <a:tab pos="8085138" algn="l"/>
-                <a:tab pos="8534400" algn="l"/>
-                <a:tab pos="8983663" algn="l"/>
-              </a:tabLst>
-              <a:defRPr>
-                <a:solidFill>
-                  <a:schemeClr val="bg1"/>
-                </a:solidFill>
-                <a:latin typeface="Arial" panose="020B0604020202020204" pitchFamily="34" charset="0"/>
-                <a:cs typeface="Arial" panose="020B0604020202020204" pitchFamily="34" charset="0"/>
-              </a:defRPr>
-            </a:lvl2pPr>
-            <a:lvl3pPr>
-              <a:tabLst>
-                <a:tab pos="0" algn="l"/>
-                <a:tab pos="447675" algn="l"/>
-                <a:tab pos="896938" algn="l"/>
-                <a:tab pos="1346200" algn="l"/>
-                <a:tab pos="1795463" algn="l"/>
-                <a:tab pos="2244725" algn="l"/>
-                <a:tab pos="2693988" algn="l"/>
-                <a:tab pos="3143250" algn="l"/>
-                <a:tab pos="3592513" algn="l"/>
-                <a:tab pos="4041775" algn="l"/>
-                <a:tab pos="4491038" algn="l"/>
-                <a:tab pos="4940300" algn="l"/>
-                <a:tab pos="5389563" algn="l"/>
-                <a:tab pos="5838825" algn="l"/>
-                <a:tab pos="6288088" algn="l"/>
-                <a:tab pos="6737350" algn="l"/>
-                <a:tab pos="7186613" algn="l"/>
-                <a:tab pos="7635875" algn="l"/>
-                <a:tab pos="8085138" algn="l"/>
-                <a:tab pos="8534400" algn="l"/>
-                <a:tab pos="8983663" algn="l"/>
-              </a:tabLst>
-              <a:defRPr>
-                <a:solidFill>
-                  <a:schemeClr val="bg1"/>
-                </a:solidFill>
-                <a:latin typeface="Arial" panose="020B0604020202020204" pitchFamily="34" charset="0"/>
-                <a:cs typeface="Arial" panose="020B0604020202020204" pitchFamily="34" charset="0"/>
-              </a:defRPr>
-            </a:lvl3pPr>
-            <a:lvl4pPr>
-              <a:tabLst>
-                <a:tab pos="0" algn="l"/>
-                <a:tab pos="447675" algn="l"/>
-                <a:tab pos="896938" algn="l"/>
-                <a:tab pos="1346200" algn="l"/>
-                <a:tab pos="1795463" algn="l"/>
-                <a:tab pos="2244725" algn="l"/>
-                <a:tab pos="2693988" algn="l"/>
-                <a:tab pos="3143250" algn="l"/>
-                <a:tab pos="3592513" algn="l"/>
-                <a:tab pos="4041775" algn="l"/>
-                <a:tab pos="4491038" algn="l"/>
-                <a:tab pos="4940300" algn="l"/>
-                <a:tab pos="5389563" algn="l"/>
-                <a:tab pos="5838825" algn="l"/>
-                <a:tab pos="6288088" algn="l"/>
-                <a:tab pos="6737350" algn="l"/>
-                <a:tab pos="7186613" algn="l"/>
-                <a:tab pos="7635875" algn="l"/>
-                <a:tab pos="8085138" algn="l"/>
-                <a:tab pos="8534400" algn="l"/>
-                <a:tab pos="8983663" algn="l"/>
-              </a:tabLst>
-              <a:defRPr>
-                <a:solidFill>
-                  <a:schemeClr val="bg1"/>
-                </a:solidFill>
-                <a:latin typeface="Arial" panose="020B0604020202020204" pitchFamily="34" charset="0"/>
-                <a:cs typeface="Arial" panose="020B0604020202020204" pitchFamily="34" charset="0"/>
-              </a:defRPr>
-            </a:lvl4pPr>
-            <a:lvl5pPr>
-              <a:tabLst>
-                <a:tab pos="0" algn="l"/>
-                <a:tab pos="447675" algn="l"/>
-                <a:tab pos="896938" algn="l"/>
-                <a:tab pos="1346200" algn="l"/>
-                <a:tab pos="1795463" algn="l"/>
-                <a:tab pos="2244725" algn="l"/>
-                <a:tab pos="2693988" algn="l"/>
-                <a:tab pos="3143250" algn="l"/>
-                <a:tab pos="3592513" algn="l"/>
-                <a:tab pos="4041775" algn="l"/>
-                <a:tab pos="4491038" algn="l"/>
-                <a:tab pos="4940300" algn="l"/>
-                <a:tab pos="5389563" algn="l"/>
-                <a:tab pos="5838825" algn="l"/>
-                <a:tab pos="6288088" algn="l"/>
-                <a:tab pos="6737350" algn="l"/>
-                <a:tab pos="7186613" algn="l"/>
-                <a:tab pos="7635875" algn="l"/>
-                <a:tab pos="8085138" algn="l"/>
-                <a:tab pos="8534400" algn="l"/>
-                <a:tab pos="8983663" algn="l"/>
-              </a:tabLst>
-              <a:defRPr>
-                <a:solidFill>
-                  <a:schemeClr val="bg1"/>
-                </a:solidFill>
-                <a:latin typeface="Arial" panose="020B0604020202020204" pitchFamily="34" charset="0"/>
-                <a:cs typeface="Arial" panose="020B0604020202020204" pitchFamily="34" charset="0"/>
-              </a:defRPr>
-            </a:lvl5pPr>
-            <a:lvl6pPr marL="2514600" indent="-228600" defTabSz="449263" eaLnBrk="0" fontAlgn="base" hangingPunct="0">
-              <a:spcBef>
-                <a:spcPct val="0"/>
-              </a:spcBef>
-              <a:spcAft>
-                <a:spcPct val="0"/>
-              </a:spcAft>
-              <a:tabLst>
-                <a:tab pos="0" algn="l"/>
-                <a:tab pos="447675" algn="l"/>
-                <a:tab pos="896938" algn="l"/>
-                <a:tab pos="1346200" algn="l"/>
-                <a:tab pos="1795463" algn="l"/>
-                <a:tab pos="2244725" algn="l"/>
-                <a:tab pos="2693988" algn="l"/>
-                <a:tab pos="3143250" algn="l"/>
-                <a:tab pos="3592513" algn="l"/>
-                <a:tab pos="4041775" algn="l"/>
-                <a:tab pos="4491038" algn="l"/>
-                <a:tab pos="4940300" algn="l"/>
-                <a:tab pos="5389563" algn="l"/>
-                <a:tab pos="5838825" algn="l"/>
-                <a:tab pos="6288088" algn="l"/>
-                <a:tab pos="6737350" algn="l"/>
-                <a:tab pos="7186613" algn="l"/>
-                <a:tab pos="7635875" algn="l"/>
-                <a:tab pos="8085138" algn="l"/>
-                <a:tab pos="8534400" algn="l"/>
-                <a:tab pos="8983663" algn="l"/>
-              </a:tabLst>
-              <a:defRPr>
-                <a:solidFill>
-                  <a:schemeClr val="bg1"/>
-                </a:solidFill>
-                <a:latin typeface="Arial" panose="020B0604020202020204" pitchFamily="34" charset="0"/>
-                <a:cs typeface="Arial" panose="020B0604020202020204" pitchFamily="34" charset="0"/>
-              </a:defRPr>
-            </a:lvl6pPr>
-            <a:lvl7pPr marL="2971800" indent="-228600" defTabSz="449263" eaLnBrk="0" fontAlgn="base" hangingPunct="0">
-              <a:spcBef>
-                <a:spcPct val="0"/>
-              </a:spcBef>
-              <a:spcAft>
-                <a:spcPct val="0"/>
-              </a:spcAft>
-              <a:tabLst>
-                <a:tab pos="0" algn="l"/>
-                <a:tab pos="447675" algn="l"/>
-                <a:tab pos="896938" algn="l"/>
-                <a:tab pos="1346200" algn="l"/>
-                <a:tab pos="1795463" algn="l"/>
-                <a:tab pos="2244725" algn="l"/>
-                <a:tab pos="2693988" algn="l"/>
-                <a:tab pos="3143250" algn="l"/>
-                <a:tab pos="3592513" algn="l"/>
-                <a:tab pos="4041775" algn="l"/>
-                <a:tab pos="4491038" algn="l"/>
-                <a:tab pos="4940300" algn="l"/>
-                <a:tab pos="5389563" algn="l"/>
-                <a:tab pos="5838825" algn="l"/>
-                <a:tab pos="6288088" algn="l"/>
-                <a:tab pos="6737350" algn="l"/>
-                <a:tab pos="7186613" algn="l"/>
-                <a:tab pos="7635875" algn="l"/>
-                <a:tab pos="8085138" algn="l"/>
-                <a:tab pos="8534400" algn="l"/>
-                <a:tab pos="8983663" algn="l"/>
-              </a:tabLst>
-              <a:defRPr>
-                <a:solidFill>
-                  <a:schemeClr val="bg1"/>
-                </a:solidFill>
-                <a:latin typeface="Arial" panose="020B0604020202020204" pitchFamily="34" charset="0"/>
-                <a:cs typeface="Arial" panose="020B0604020202020204" pitchFamily="34" charset="0"/>
-              </a:defRPr>
-            </a:lvl7pPr>
-            <a:lvl8pPr marL="3429000" indent="-228600" defTabSz="449263" eaLnBrk="0" fontAlgn="base" hangingPunct="0">
-              <a:spcBef>
-                <a:spcPct val="0"/>
-              </a:spcBef>
-              <a:spcAft>
-                <a:spcPct val="0"/>
-              </a:spcAft>
-              <a:tabLst>
-                <a:tab pos="0" algn="l"/>
-                <a:tab pos="447675" algn="l"/>
-                <a:tab pos="896938" algn="l"/>
-                <a:tab pos="1346200" algn="l"/>
-                <a:tab pos="1795463" algn="l"/>
-                <a:tab pos="2244725" algn="l"/>
-                <a:tab pos="2693988" algn="l"/>
-                <a:tab pos="3143250" algn="l"/>
-                <a:tab pos="3592513" algn="l"/>
-                <a:tab pos="4041775" algn="l"/>
-                <a:tab pos="4491038" algn="l"/>
-                <a:tab pos="4940300" algn="l"/>
-                <a:tab pos="5389563" algn="l"/>
-                <a:tab pos="5838825" algn="l"/>
-                <a:tab pos="6288088" algn="l"/>
-                <a:tab pos="6737350" algn="l"/>
-                <a:tab pos="7186613" algn="l"/>
-                <a:tab pos="7635875" algn="l"/>
-                <a:tab pos="8085138" algn="l"/>
-                <a:tab pos="8534400" algn="l"/>
-                <a:tab pos="8983663" algn="l"/>
-              </a:tabLst>
-              <a:defRPr>
-                <a:solidFill>
-                  <a:schemeClr val="bg1"/>
-                </a:solidFill>
-                <a:latin typeface="Arial" panose="020B0604020202020204" pitchFamily="34" charset="0"/>
-                <a:cs typeface="Arial" panose="020B0604020202020204" pitchFamily="34" charset="0"/>
-              </a:defRPr>
-            </a:lvl8pPr>
-            <a:lvl9pPr marL="3886200" indent="-228600" defTabSz="449263" eaLnBrk="0" fontAlgn="base" hangingPunct="0">
-              <a:spcBef>
-                <a:spcPct val="0"/>
-              </a:spcBef>
-              <a:spcAft>
-                <a:spcPct val="0"/>
-              </a:spcAft>
-              <a:tabLst>
-                <a:tab pos="0" algn="l"/>
-                <a:tab pos="447675" algn="l"/>
-                <a:tab pos="896938" algn="l"/>
-                <a:tab pos="1346200" algn="l"/>
-                <a:tab pos="1795463" algn="l"/>
-                <a:tab pos="2244725" algn="l"/>
-                <a:tab pos="2693988" algn="l"/>
-                <a:tab pos="3143250" algn="l"/>
-                <a:tab pos="3592513" algn="l"/>
-                <a:tab pos="4041775" algn="l"/>
-                <a:tab pos="4491038" algn="l"/>
-                <a:tab pos="4940300" algn="l"/>
-                <a:tab pos="5389563" algn="l"/>
-                <a:tab pos="5838825" algn="l"/>
-                <a:tab pos="6288088" algn="l"/>
-                <a:tab pos="6737350" algn="l"/>
-                <a:tab pos="7186613" algn="l"/>
-                <a:tab pos="7635875" algn="l"/>
-                <a:tab pos="8085138" algn="l"/>
-                <a:tab pos="8534400" algn="l"/>
-                <a:tab pos="8983663" algn="l"/>
-              </a:tabLst>
-              <a:defRPr>
-                <a:solidFill>
-                  <a:schemeClr val="bg1"/>
-                </a:solidFill>
-                <a:latin typeface="Arial" panose="020B0604020202020204" pitchFamily="34" charset="0"/>
-                <a:cs typeface="Arial" panose="020B0604020202020204" pitchFamily="34" charset="0"/>
-              </a:defRPr>
-            </a:lvl9pPr>
-          </a:lstStyle>
-          <a:p>
-            <a:pPr algn="ctr"/>
-            <a:r>
-              <a:rPr lang="es-ES" sz="2600" b="1" dirty="0">
-                <a:solidFill>
-                  <a:schemeClr val="tx1"/>
-                </a:solidFill>
-                <a:effectLst/>
-                <a:ea typeface="Calibri" panose="020F0502020204030204" pitchFamily="34" charset="0"/>
-              </a:rPr>
-              <a:t>Herramienta digital para la creación de Asistentes Virtuales y  su base de conocimiento de forma automática</a:t>
-            </a:r>
-          </a:p>
-          <a:p>
-            <a:pPr algn="ctr"/>
-            <a:endParaRPr lang="es-ES" sz="2600" b="1" dirty="0">
-              <a:solidFill>
-                <a:schemeClr val="tx1"/>
-              </a:solidFill>
-            </a:endParaRPr>
-          </a:p>
-          <a:p>
-            <a:pPr eaLnBrk="1" hangingPunct="1">
-              <a:buSzPct val="100000"/>
-            </a:pPr>
-            <a:endParaRPr lang="es-ES" altLang="es-MX" sz="2800" b="1" dirty="0">
-              <a:solidFill>
-                <a:srgbClr val="000000"/>
-              </a:solidFill>
-              <a:latin typeface="Calibri" panose="020F0502020204030204" pitchFamily="34" charset="0"/>
-            </a:endParaRPr>
-          </a:p>
-        </p:txBody>
-      </p:sp>
-      <p:sp>
-        <p:nvSpPr>
-          <p:cNvPr id="2" name="CuadroTexto 1">
-            <a:extLst>
-              <a:ext uri="{FF2B5EF4-FFF2-40B4-BE49-F238E27FC236}">
-                <a16:creationId xmlns:a16="http://schemas.microsoft.com/office/drawing/2014/main" id="{34929A58-3F91-74DA-6F65-147BB2BDD97E}"/>
-              </a:ext>
-            </a:extLst>
-          </p:cNvPr>
-          <p:cNvSpPr txBox="1"/>
-          <p:nvPr/>
-        </p:nvSpPr>
-        <p:spPr>
-          <a:xfrm>
-            <a:off x="5342220" y="4384004"/>
-            <a:ext cx="5676439" cy="2523768"/>
-          </a:xfrm>
-          <a:prstGeom prst="rect">
-            <a:avLst/>
-          </a:prstGeom>
-          <a:noFill/>
-        </p:spPr>
-        <p:txBody>
-          <a:bodyPr wrap="square">
-            <a:spAutoFit/>
-          </a:bodyPr>
-          <a:lstStyle/>
-          <a:p>
-            <a:pPr algn="ctr"/>
-            <a:r>
-              <a:rPr lang="es-ES" sz="2600" b="1" dirty="0">
-                <a:latin typeface="Calibri" panose="020F0502020204030204" pitchFamily="34" charset="0"/>
-                <a:cs typeface="Calibri" panose="020F0502020204030204" pitchFamily="34" charset="0"/>
-              </a:rPr>
-              <a:t>Autor</a:t>
-            </a:r>
-          </a:p>
-          <a:p>
-            <a:pPr algn="ctr"/>
-            <a:r>
-              <a:rPr lang="es-ES" sz="2600" b="1" dirty="0">
-                <a:latin typeface="Calibri" panose="020F0502020204030204" pitchFamily="34" charset="0"/>
-                <a:cs typeface="Calibri" panose="020F0502020204030204" pitchFamily="34" charset="0"/>
-              </a:rPr>
-              <a:t>Jorge Ernesto Duvalón Hernández</a:t>
-            </a:r>
-          </a:p>
-          <a:p>
-            <a:pPr algn="ctr"/>
-            <a:endParaRPr lang="es-ES" sz="2600" b="1" dirty="0">
-              <a:latin typeface="Calibri" panose="020F0502020204030204" pitchFamily="34" charset="0"/>
-              <a:cs typeface="Calibri" panose="020F0502020204030204" pitchFamily="34" charset="0"/>
-            </a:endParaRPr>
-          </a:p>
-          <a:p>
-            <a:pPr algn="ctr"/>
-            <a:r>
-              <a:rPr lang="es-ES" sz="2600" b="1" dirty="0">
-                <a:latin typeface="Calibri" panose="020F0502020204030204" pitchFamily="34" charset="0"/>
-                <a:cs typeface="Calibri" panose="020F0502020204030204" pitchFamily="34" charset="0"/>
-              </a:rPr>
-              <a:t>Tutor </a:t>
-            </a:r>
-          </a:p>
-          <a:p>
-            <a:pPr algn="ctr"/>
-            <a:r>
-              <a:rPr lang="es-ES" sz="2600" b="1" dirty="0" err="1">
-                <a:latin typeface="Calibri" panose="020F0502020204030204" pitchFamily="34" charset="0"/>
-                <a:cs typeface="Calibri" panose="020F0502020204030204" pitchFamily="34" charset="0"/>
-              </a:rPr>
-              <a:t>Dionis</a:t>
-            </a:r>
-            <a:r>
-              <a:rPr lang="es-ES" sz="2600" b="1" dirty="0">
-                <a:latin typeface="Calibri" panose="020F0502020204030204" pitchFamily="34" charset="0"/>
-                <a:cs typeface="Calibri" panose="020F0502020204030204" pitchFamily="34" charset="0"/>
-              </a:rPr>
-              <a:t> López Ramos</a:t>
-            </a:r>
-          </a:p>
-          <a:p>
-            <a:pPr algn="ctr"/>
-            <a:endParaRPr lang="es-ES" sz="2800" b="1" dirty="0">
-              <a:latin typeface="Calibri" panose="020F0502020204030204" pitchFamily="34" charset="0"/>
-              <a:cs typeface="Calibri" panose="020F0502020204030204" pitchFamily="34" charset="0"/>
-            </a:endParaRPr>
-          </a:p>
-        </p:txBody>
-      </p:sp>
-    </p:spTree>
-    <p:extLst>
-      <p:ext uri="{BB962C8B-B14F-4D97-AF65-F5344CB8AC3E}">
-        <p14:creationId xmlns:p14="http://schemas.microsoft.com/office/powerpoint/2010/main" val="1355644756"/>
-      </p:ext>
-    </p:extLst>
-  </p:cSld>
-  <p:clrMapOvr>
-    <a:masterClrMapping/>
-  </p:clrMapOvr>
-  <p:transition spd="med"/>
-  <p:timing>
-    <p:tnLst>
-      <p:par>
-        <p:cTn id="1" dur="indefinite" restart="never" nodeType="tmRoot">
-          <p:childTnLst>
-            <p:seq concurrent="1" nextAc="seek">
-              <p:cTn id="2" dur="indefinite" nodeType="mainSeq"/>
-              <p:prevCondLst>
-                <p:cond evt="onPrev" delay="0">
-                  <p:tgtEl>
-                    <p:sldTgt/>
-                  </p:tgtEl>
-                </p:cond>
-              </p:prevCondLst>
-              <p:nextCondLst>
-                <p:cond evt="onNext" delay="0">
-                  <p:tgtEl>
-                    <p:sldTgt/>
-                  </p:tgtEl>
-                </p:cond>
-              </p:nextCondLst>
-            </p:seq>
-          </p:childTnLst>
-        </p:cTn>
-      </p:par>
-    </p:tnLst>
-  </p:timing>
-</p:sld>
-</file>
-
 <file path=ppt/slides/slide3.xml><?xml version="1.0" encoding="utf-8"?>
-<p:sld xmlns:a="http://schemas.openxmlformats.org/drawingml/2006/main" xmlns:r="http://schemas.openxmlformats.org/officeDocument/2006/relationships" xmlns:p="http://schemas.openxmlformats.org/presentationml/2006/main">
-  <p:cSld>
-    <p:spTree>
-      <p:nvGrpSpPr>
-        <p:cNvPr id="1" name=""/>
-        <p:cNvGrpSpPr/>
-        <p:nvPr/>
-      </p:nvGrpSpPr>
-      <p:grpSpPr>
-        <a:xfrm>
-          <a:off x="0" y="0"/>
-          <a:ext cx="0" cy="0"/>
-          <a:chOff x="0" y="0"/>
-          <a:chExt cx="0" cy="0"/>
-        </a:xfrm>
-      </p:grpSpPr>
-      <p:sp>
-        <p:nvSpPr>
-          <p:cNvPr id="2" name="Título 1"/>
-          <p:cNvSpPr>
-            <a:spLocks noGrp="1"/>
-          </p:cNvSpPr>
-          <p:nvPr>
-            <p:ph type="title"/>
-          </p:nvPr>
-        </p:nvSpPr>
-        <p:spPr>
-          <a:xfrm>
-            <a:off x="1233917" y="-235407"/>
-            <a:ext cx="9404723" cy="1400530"/>
-          </a:xfrm>
-        </p:spPr>
-        <p:txBody>
-          <a:bodyPr>
-            <a:normAutofit/>
-          </a:bodyPr>
-          <a:lstStyle/>
-          <a:p>
-            <a:pPr algn="ctr"/>
-            <a:r>
-              <a:rPr lang="es-ES" sz="4400" dirty="0"/>
-              <a:t>Introducción</a:t>
-            </a:r>
-          </a:p>
-        </p:txBody>
-      </p:sp>
-      <p:sp>
-        <p:nvSpPr>
-          <p:cNvPr id="5" name="CuadroTexto 4">
-            <a:extLst>
-              <a:ext uri="{FF2B5EF4-FFF2-40B4-BE49-F238E27FC236}">
-                <a16:creationId xmlns:a16="http://schemas.microsoft.com/office/drawing/2014/main" id="{381FB2C4-F0C8-1482-8DBF-8D9866E14120}"/>
-              </a:ext>
-            </a:extLst>
-          </p:cNvPr>
-          <p:cNvSpPr txBox="1"/>
-          <p:nvPr/>
-        </p:nvSpPr>
-        <p:spPr>
-          <a:xfrm>
-            <a:off x="1233916" y="1014779"/>
-            <a:ext cx="9960109" cy="5016758"/>
-          </a:xfrm>
-          <a:prstGeom prst="rect">
-            <a:avLst/>
-          </a:prstGeom>
-          <a:noFill/>
-        </p:spPr>
-        <p:txBody>
-          <a:bodyPr wrap="square">
-            <a:spAutoFit/>
-          </a:bodyPr>
-          <a:lstStyle/>
-          <a:p>
-            <a:pPr algn="just"/>
-            <a:r>
-              <a:rPr lang="es-ES" sz="2000" dirty="0">
-                <a:effectLst/>
-                <a:latin typeface="Rockwell (Cuerpo)"/>
-                <a:ea typeface="Times New Roman" panose="02020603050405020304" pitchFamily="18" charset="0"/>
-              </a:rPr>
-              <a:t>Un Asistente virtual </a:t>
-            </a:r>
-            <a:r>
-              <a:rPr lang="es-ES" sz="2000" dirty="0">
-                <a:solidFill>
-                  <a:srgbClr val="000000"/>
-                </a:solidFill>
-                <a:effectLst/>
-                <a:latin typeface="Rockwell (Cuerpo)"/>
-                <a:ea typeface="Calibri" panose="020F0502020204030204" pitchFamily="34" charset="0"/>
-              </a:rPr>
-              <a:t>(AV)</a:t>
-            </a:r>
-            <a:r>
-              <a:rPr lang="es-ES" sz="2000" i="1" dirty="0">
-                <a:solidFill>
-                  <a:srgbClr val="000000"/>
-                </a:solidFill>
-                <a:effectLst/>
-                <a:latin typeface="Rockwell (Cuerpo)"/>
-                <a:ea typeface="Calibri" panose="020F0502020204030204" pitchFamily="34" charset="0"/>
-              </a:rPr>
-              <a:t> </a:t>
-            </a:r>
-            <a:r>
-              <a:rPr lang="es-ES" sz="2000" dirty="0">
-                <a:effectLst/>
-                <a:latin typeface="Rockwell (Cuerpo)"/>
-                <a:ea typeface="Times New Roman" panose="02020603050405020304" pitchFamily="18" charset="0"/>
-              </a:rPr>
-              <a:t>es un programa informático que permite a los seres humanos interactuar con la tecnología utilizando una variedad de métodos de entrada (voz, texto, gestos, tacto, etc.). </a:t>
-            </a:r>
-          </a:p>
-          <a:p>
-            <a:pPr algn="just"/>
-            <a:endParaRPr lang="es-ES" sz="2000" dirty="0">
-              <a:latin typeface="Rockwell (Cuerpo)"/>
-            </a:endParaRPr>
-          </a:p>
-          <a:p>
-            <a:pPr algn="just"/>
-            <a:r>
-              <a:rPr lang="es-ES" sz="2000" dirty="0">
-                <a:effectLst/>
-                <a:latin typeface="Rockwell (Cuerpo)"/>
-                <a:ea typeface="Times New Roman" panose="02020603050405020304" pitchFamily="18" charset="0"/>
-              </a:rPr>
-              <a:t>Durante muchos años, los asistentes virtuales se utilizaron sólo en entornos de servicio al cliente, pero ahora se han añadido otros casos de uso principalmente dentro de las empresas para mejorar la experiencia del cliente y la eficiencia empresarial. </a:t>
-            </a:r>
-          </a:p>
-          <a:p>
-            <a:pPr algn="just"/>
-            <a:endParaRPr lang="es-ES" sz="2000" dirty="0">
-              <a:latin typeface="Rockwell (Cuerpo)"/>
-            </a:endParaRPr>
-          </a:p>
-          <a:p>
-            <a:pPr algn="just"/>
-            <a:r>
-              <a:rPr lang="es-MX" sz="2000" dirty="0">
-                <a:solidFill>
-                  <a:srgbClr val="000000"/>
-                </a:solidFill>
-                <a:effectLst/>
-                <a:latin typeface="Rockwell (Cuerpo)"/>
-                <a:ea typeface="Calibri" panose="020F0502020204030204" pitchFamily="34" charset="0"/>
-              </a:rPr>
-              <a:t>En nuestro país actualmente esta tecnología no es muy explotada, aunque han existido, como es el ejemplo de Amanda (Usada para información sobre las elecciones en Cuba) y ELIZ que es un asistente virtual para la plataforma ENZONA. </a:t>
-            </a:r>
-          </a:p>
-          <a:p>
-            <a:pPr algn="just"/>
-            <a:endParaRPr lang="es-MX" sz="2000" dirty="0">
-              <a:solidFill>
-                <a:srgbClr val="000000"/>
-              </a:solidFill>
-              <a:latin typeface="Rockwell (Cuerpo)"/>
-            </a:endParaRPr>
-          </a:p>
-          <a:p>
-            <a:pPr algn="just"/>
-            <a:r>
-              <a:rPr lang="es-MX" sz="2000" dirty="0">
-                <a:solidFill>
-                  <a:srgbClr val="000000"/>
-                </a:solidFill>
-                <a:latin typeface="Rockwell (Cuerpo)"/>
-              </a:rPr>
-              <a:t>El propósito de esta investigación es, además de facilitar el desarrollo de asistentes virtuales, potenciar el uso de los mismos mejorando sus capacidades de respuesta al interactuar con las personas.</a:t>
-            </a:r>
-            <a:endParaRPr lang="es-ES" sz="2000" dirty="0">
-              <a:latin typeface="Rockwell (Cuerpo)"/>
-            </a:endParaRPr>
-          </a:p>
-        </p:txBody>
-      </p:sp>
-    </p:spTree>
-    <p:extLst>
-      <p:ext uri="{BB962C8B-B14F-4D97-AF65-F5344CB8AC3E}">
-        <p14:creationId xmlns:p14="http://schemas.microsoft.com/office/powerpoint/2010/main" val="3498061297"/>
-      </p:ext>
-    </p:extLst>
-  </p:cSld>
-  <p:clrMapOvr>
-    <a:masterClrMapping/>
-  </p:clrMapOvr>
-</p:sld>
-</file>
-
-<file path=ppt/slides/slide4.xml><?xml version="1.0" encoding="utf-8"?>
 <p:sld xmlns:a="http://schemas.openxmlformats.org/drawingml/2006/main" xmlns:r="http://schemas.openxmlformats.org/officeDocument/2006/relationships" xmlns:p="http://schemas.openxmlformats.org/presentationml/2006/main">
   <p:cSld>
     <p:spTree>
@@ -11568,8 +11329,8 @@
         </p:nvGrpSpPr>
         <p:grpSpPr>
           <a:xfrm>
-            <a:off x="2006600" y="1838325"/>
-            <a:ext cx="8153400" cy="4435475"/>
+            <a:off x="373744" y="1216354"/>
+            <a:ext cx="5771962" cy="4865913"/>
             <a:chOff x="2006600" y="1838325"/>
             <a:chExt cx="8153400" cy="4435475"/>
           </a:xfrm>
@@ -11671,8 +11432,8 @@
         </p:nvSpPr>
         <p:spPr>
           <a:xfrm>
-            <a:off x="1069975" y="484188"/>
-            <a:ext cx="10058400" cy="1609725"/>
+            <a:off x="390073" y="-136313"/>
+            <a:ext cx="5771962" cy="1609725"/>
           </a:xfrm>
         </p:spPr>
         <p:txBody>
@@ -11689,63 +11450,59 @@
           </a:p>
         </p:txBody>
       </p:sp>
-    </p:spTree>
-    <p:extLst>
-      <p:ext uri="{BB962C8B-B14F-4D97-AF65-F5344CB8AC3E}">
-        <p14:creationId xmlns:p14="http://schemas.microsoft.com/office/powerpoint/2010/main" val="3204187844"/>
-      </p:ext>
-    </p:extLst>
-  </p:cSld>
-  <p:clrMapOvr>
-    <a:masterClrMapping/>
-  </p:clrMapOvr>
-</p:sld>
-</file>
-
-<file path=ppt/slides/slide5.xml><?xml version="1.0" encoding="utf-8"?>
-<p:sld xmlns:a="http://schemas.openxmlformats.org/drawingml/2006/main" xmlns:r="http://schemas.openxmlformats.org/officeDocument/2006/relationships" xmlns:p="http://schemas.openxmlformats.org/presentationml/2006/main">
-  <p:cSld>
-    <p:spTree>
-      <p:nvGrpSpPr>
-        <p:cNvPr id="1" name=""/>
-        <p:cNvGrpSpPr/>
-        <p:nvPr/>
-      </p:nvGrpSpPr>
-      <p:grpSpPr>
-        <a:xfrm>
-          <a:off x="0" y="0"/>
-          <a:ext cx="0" cy="0"/>
-          <a:chOff x="0" y="0"/>
-          <a:chExt cx="0" cy="0"/>
-        </a:xfrm>
-      </p:grpSpPr>
       <p:sp>
         <p:nvSpPr>
-          <p:cNvPr id="4" name="Título 1">
+          <p:cNvPr id="2" name="Título 1">
             <a:extLst>
               <a:ext uri="{FF2B5EF4-FFF2-40B4-BE49-F238E27FC236}">
-                <a16:creationId xmlns:a16="http://schemas.microsoft.com/office/drawing/2014/main" id="{6D3B98A9-9491-7910-C0B2-49C164EB804B}"/>
+                <a16:creationId xmlns:a16="http://schemas.microsoft.com/office/drawing/2014/main" id="{CA4BA7A9-4B18-EE5B-1013-EEA40A8779C4}"/>
               </a:ext>
             </a:extLst>
           </p:cNvPr>
-          <p:cNvSpPr>
-            <a:spLocks noGrp="1"/>
+          <p:cNvSpPr txBox="1">
+            <a:spLocks/>
           </p:cNvSpPr>
-          <p:nvPr>
-            <p:ph type="title"/>
-          </p:nvPr>
+          <p:nvPr/>
         </p:nvSpPr>
         <p:spPr>
           <a:xfrm>
-            <a:off x="1001425" y="0"/>
-            <a:ext cx="10058400" cy="1609344"/>
+            <a:off x="6400597" y="-38339"/>
+            <a:ext cx="5568246" cy="1387362"/>
           </a:xfrm>
+          <a:prstGeom prst="rect">
+            <a:avLst/>
+          </a:prstGeom>
         </p:spPr>
         <p:txBody>
-          <a:bodyPr>
+          <a:bodyPr vert="horz" lIns="91440" tIns="45720" rIns="91440" bIns="45720" rtlCol="0" anchor="ctr">
             <a:normAutofit/>
           </a:bodyPr>
-          <a:lstStyle/>
+          <a:lstStyle>
+            <a:lvl1pPr algn="l" defTabSz="914400" rtl="0" eaLnBrk="1" latinLnBrk="0" hangingPunct="1">
+              <a:lnSpc>
+                <a:spcPct val="90000"/>
+              </a:lnSpc>
+              <a:spcBef>
+                <a:spcPct val="0"/>
+              </a:spcBef>
+              <a:buNone/>
+              <a:defRPr sz="5400" kern="1200" cap="all" baseline="0">
+                <a:blipFill>
+                  <a:blip r:embed="rId4">
+                    <a:extLst>
+                      <a:ext uri="{28A0092B-C50C-407E-A947-70E740481C1C}">
+                        <a14:useLocalDpi xmlns:a14="http://schemas.microsoft.com/office/drawing/2010/main" val="0"/>
+                      </a:ext>
+                    </a:extLst>
+                  </a:blip>
+                  <a:tile tx="6350" ty="-127000" sx="65000" sy="64000" flip="none" algn="tl"/>
+                </a:blipFill>
+                <a:latin typeface="+mj-lt"/>
+                <a:ea typeface="+mj-ea"/>
+                <a:cs typeface="+mj-cs"/>
+              </a:defRPr>
+            </a:lvl1pPr>
+          </a:lstStyle>
           <a:p>
             <a:pPr algn="ctr"/>
             <a:r>
@@ -11757,10 +11514,10 @@
       </p:sp>
       <p:grpSp>
         <p:nvGrpSpPr>
-          <p:cNvPr id="5" name="Grupo 4">
+          <p:cNvPr id="3" name="Grupo 2">
             <a:extLst>
               <a:ext uri="{FF2B5EF4-FFF2-40B4-BE49-F238E27FC236}">
-                <a16:creationId xmlns:a16="http://schemas.microsoft.com/office/drawing/2014/main" id="{1C74B711-C72F-12D9-8D21-E3F27927B88F}"/>
+                <a16:creationId xmlns:a16="http://schemas.microsoft.com/office/drawing/2014/main" id="{1F5EBB35-8757-0252-F09A-B640898971CC}"/>
               </a:ext>
             </a:extLst>
           </p:cNvPr>
@@ -11769,18 +11526,18 @@
         </p:nvGrpSpPr>
         <p:grpSpPr>
           <a:xfrm>
-            <a:off x="1887794" y="1342103"/>
-            <a:ext cx="8185354" cy="4970207"/>
+            <a:off x="6384269" y="1224616"/>
+            <a:ext cx="5568246" cy="4865913"/>
             <a:chOff x="1879599" y="914400"/>
             <a:chExt cx="8512175" cy="5029200"/>
           </a:xfrm>
         </p:grpSpPr>
         <p:pic>
           <p:nvPicPr>
-            <p:cNvPr id="6" name="Imagen 5">
+            <p:cNvPr id="4" name="Imagen 3">
               <a:extLst>
                 <a:ext uri="{FF2B5EF4-FFF2-40B4-BE49-F238E27FC236}">
-                  <a16:creationId xmlns:a16="http://schemas.microsoft.com/office/drawing/2014/main" id="{C2427A46-9466-4C13-95F7-862CEC3C083E}"/>
+                  <a16:creationId xmlns:a16="http://schemas.microsoft.com/office/drawing/2014/main" id="{69327A56-0856-63DD-F9C3-97B91FA9C687}"/>
                 </a:ext>
               </a:extLst>
             </p:cNvPr>
@@ -11790,7 +11547,7 @@
             <p:nvPr/>
           </p:nvPicPr>
           <p:blipFill>
-            <a:blip r:embed="rId2">
+            <a:blip r:embed="rId5">
               <a:extLst>
                 <a:ext uri="{28A0092B-C50C-407E-A947-70E740481C1C}">
                   <a14:useLocalDpi xmlns:a14="http://schemas.microsoft.com/office/drawing/2010/main" val="0"/>
@@ -11809,6 +11566,7 @@
             <a:prstGeom prst="rect">
               <a:avLst/>
             </a:prstGeom>
+            <a:ln w="38100"/>
           </p:spPr>
           <p:style>
             <a:lnRef idx="2">
@@ -11827,10 +11585,10 @@
         </p:pic>
         <p:sp>
           <p:nvSpPr>
-            <p:cNvPr id="7" name="CuadroTexto 6">
+            <p:cNvPr id="8" name="CuadroTexto 7">
               <a:extLst>
                 <a:ext uri="{FF2B5EF4-FFF2-40B4-BE49-F238E27FC236}">
-                  <a16:creationId xmlns:a16="http://schemas.microsoft.com/office/drawing/2014/main" id="{C3274A2E-82A8-3D14-765C-2ED71A32C0DF}"/>
+                  <a16:creationId xmlns:a16="http://schemas.microsoft.com/office/drawing/2014/main" id="{1E72EEA2-3B2A-38AC-EB33-BAAE164FB8F4}"/>
                 </a:ext>
               </a:extLst>
             </p:cNvPr>
@@ -11845,6 +11603,7 @@
             <a:prstGeom prst="rect">
               <a:avLst/>
             </a:prstGeom>
+            <a:ln w="38100"/>
           </p:spPr>
           <p:style>
             <a:lnRef idx="2">
@@ -11876,10 +11635,10 @@
         </p:sp>
         <p:sp>
           <p:nvSpPr>
-            <p:cNvPr id="8" name="CuadroTexto 7">
+            <p:cNvPr id="10" name="CuadroTexto 9">
               <a:extLst>
                 <a:ext uri="{FF2B5EF4-FFF2-40B4-BE49-F238E27FC236}">
-                  <a16:creationId xmlns:a16="http://schemas.microsoft.com/office/drawing/2014/main" id="{6327CF5C-7D4F-4EE4-CA88-9BEFBB6995ED}"/>
+                  <a16:creationId xmlns:a16="http://schemas.microsoft.com/office/drawing/2014/main" id="{4FFE47B6-9788-A73A-4BA8-229EAC65C39A}"/>
                 </a:ext>
               </a:extLst>
             </p:cNvPr>
@@ -11888,12 +11647,13 @@
           </p:nvSpPr>
           <p:spPr>
             <a:xfrm>
-              <a:off x="7124939" y="5238235"/>
-              <a:ext cx="3104867" cy="318842"/>
+              <a:off x="6123362" y="5238235"/>
+              <a:ext cx="4106445" cy="338244"/>
             </a:xfrm>
             <a:prstGeom prst="rect">
               <a:avLst/>
             </a:prstGeom>
+            <a:ln w="38100"/>
           </p:spPr>
           <p:style>
             <a:lnRef idx="2">
@@ -11927,17 +11687,227 @@
     </p:spTree>
     <p:extLst>
       <p:ext uri="{BB962C8B-B14F-4D97-AF65-F5344CB8AC3E}">
-        <p14:creationId xmlns:p14="http://schemas.microsoft.com/office/powerpoint/2010/main" val="2523069697"/>
+        <p14:creationId xmlns:p14="http://schemas.microsoft.com/office/powerpoint/2010/main" val="3204187844"/>
       </p:ext>
     </p:extLst>
   </p:cSld>
   <p:clrMapOvr>
     <a:masterClrMapping/>
   </p:clrMapOvr>
+  <p:timing>
+    <p:tnLst>
+      <p:par>
+        <p:cTn id="1" dur="indefinite" restart="never" nodeType="tmRoot">
+          <p:childTnLst>
+            <p:seq concurrent="1" nextAc="seek">
+              <p:cTn id="2" dur="indefinite" nodeType="mainSeq">
+                <p:childTnLst>
+                  <p:par>
+                    <p:cTn id="3" fill="hold">
+                      <p:stCondLst>
+                        <p:cond delay="indefinite"/>
+                      </p:stCondLst>
+                      <p:childTnLst>
+                        <p:par>
+                          <p:cTn id="4" fill="hold">
+                            <p:stCondLst>
+                              <p:cond delay="0"/>
+                            </p:stCondLst>
+                            <p:childTnLst>
+                              <p:par>
+                                <p:cTn id="5" presetID="10" presetClass="entr" presetSubtype="0" fill="hold" grpId="0" nodeType="clickEffect">
+                                  <p:stCondLst>
+                                    <p:cond delay="0"/>
+                                  </p:stCondLst>
+                                  <p:childTnLst>
+                                    <p:set>
+                                      <p:cBhvr>
+                                        <p:cTn id="6" dur="1" fill="hold">
+                                          <p:stCondLst>
+                                            <p:cond delay="0"/>
+                                          </p:stCondLst>
+                                        </p:cTn>
+                                        <p:tgtEl>
+                                          <p:spTgt spid="9"/>
+                                        </p:tgtEl>
+                                        <p:attrNameLst>
+                                          <p:attrName>style.visibility</p:attrName>
+                                        </p:attrNameLst>
+                                      </p:cBhvr>
+                                      <p:to>
+                                        <p:strVal val="visible"/>
+                                      </p:to>
+                                    </p:set>
+                                    <p:animEffect transition="in" filter="fade">
+                                      <p:cBhvr>
+                                        <p:cTn id="7" dur="500"/>
+                                        <p:tgtEl>
+                                          <p:spTgt spid="9"/>
+                                        </p:tgtEl>
+                                      </p:cBhvr>
+                                    </p:animEffect>
+                                  </p:childTnLst>
+                                </p:cTn>
+                              </p:par>
+                              <p:par>
+                                <p:cTn id="8" presetID="10" presetClass="entr" presetSubtype="0" fill="hold" nodeType="withEffect">
+                                  <p:stCondLst>
+                                    <p:cond delay="0"/>
+                                  </p:stCondLst>
+                                  <p:childTnLst>
+                                    <p:set>
+                                      <p:cBhvr>
+                                        <p:cTn id="9" dur="1" fill="hold">
+                                          <p:stCondLst>
+                                            <p:cond delay="0"/>
+                                          </p:stCondLst>
+                                        </p:cTn>
+                                        <p:tgtEl>
+                                          <p:spTgt spid="7"/>
+                                        </p:tgtEl>
+                                        <p:attrNameLst>
+                                          <p:attrName>style.visibility</p:attrName>
+                                        </p:attrNameLst>
+                                      </p:cBhvr>
+                                      <p:to>
+                                        <p:strVal val="visible"/>
+                                      </p:to>
+                                    </p:set>
+                                    <p:animEffect transition="in" filter="fade">
+                                      <p:cBhvr>
+                                        <p:cTn id="10" dur="500"/>
+                                        <p:tgtEl>
+                                          <p:spTgt spid="7"/>
+                                        </p:tgtEl>
+                                      </p:cBhvr>
+                                    </p:animEffect>
+                                  </p:childTnLst>
+                                </p:cTn>
+                              </p:par>
+                            </p:childTnLst>
+                          </p:cTn>
+                        </p:par>
+                      </p:childTnLst>
+                    </p:cTn>
+                  </p:par>
+                  <p:par>
+                    <p:cTn id="11" fill="hold">
+                      <p:stCondLst>
+                        <p:cond delay="indefinite"/>
+                      </p:stCondLst>
+                      <p:childTnLst>
+                        <p:par>
+                          <p:cTn id="12" fill="hold">
+                            <p:stCondLst>
+                              <p:cond delay="0"/>
+                            </p:stCondLst>
+                            <p:childTnLst>
+                              <p:par>
+                                <p:cTn id="13" presetID="10" presetClass="entr" presetSubtype="0" fill="hold" grpId="0" nodeType="clickEffect">
+                                  <p:stCondLst>
+                                    <p:cond delay="0"/>
+                                  </p:stCondLst>
+                                  <p:childTnLst>
+                                    <p:set>
+                                      <p:cBhvr>
+                                        <p:cTn id="14" dur="1" fill="hold">
+                                          <p:stCondLst>
+                                            <p:cond delay="0"/>
+                                          </p:stCondLst>
+                                        </p:cTn>
+                                        <p:tgtEl>
+                                          <p:spTgt spid="2"/>
+                                        </p:tgtEl>
+                                        <p:attrNameLst>
+                                          <p:attrName>style.visibility</p:attrName>
+                                        </p:attrNameLst>
+                                      </p:cBhvr>
+                                      <p:to>
+                                        <p:strVal val="visible"/>
+                                      </p:to>
+                                    </p:set>
+                                    <p:animEffect transition="in" filter="fade">
+                                      <p:cBhvr>
+                                        <p:cTn id="15" dur="500"/>
+                                        <p:tgtEl>
+                                          <p:spTgt spid="2"/>
+                                        </p:tgtEl>
+                                      </p:cBhvr>
+                                    </p:animEffect>
+                                  </p:childTnLst>
+                                </p:cTn>
+                              </p:par>
+                              <p:par>
+                                <p:cTn id="16" presetID="10" presetClass="entr" presetSubtype="0" fill="hold" nodeType="withEffect">
+                                  <p:stCondLst>
+                                    <p:cond delay="0"/>
+                                  </p:stCondLst>
+                                  <p:childTnLst>
+                                    <p:set>
+                                      <p:cBhvr>
+                                        <p:cTn id="17" dur="1" fill="hold">
+                                          <p:stCondLst>
+                                            <p:cond delay="0"/>
+                                          </p:stCondLst>
+                                        </p:cTn>
+                                        <p:tgtEl>
+                                          <p:spTgt spid="3"/>
+                                        </p:tgtEl>
+                                        <p:attrNameLst>
+                                          <p:attrName>style.visibility</p:attrName>
+                                        </p:attrNameLst>
+                                      </p:cBhvr>
+                                      <p:to>
+                                        <p:strVal val="visible"/>
+                                      </p:to>
+                                    </p:set>
+                                    <p:animEffect transition="in" filter="fade">
+                                      <p:cBhvr>
+                                        <p:cTn id="18" dur="500"/>
+                                        <p:tgtEl>
+                                          <p:spTgt spid="3"/>
+                                        </p:tgtEl>
+                                      </p:cBhvr>
+                                    </p:animEffect>
+                                  </p:childTnLst>
+                                </p:cTn>
+                              </p:par>
+                            </p:childTnLst>
+                          </p:cTn>
+                        </p:par>
+                      </p:childTnLst>
+                    </p:cTn>
+                  </p:par>
+                </p:childTnLst>
+              </p:cTn>
+              <p:prevCondLst>
+                <p:cond evt="onPrev" delay="0">
+                  <p:tgtEl>
+                    <p:sldTgt/>
+                  </p:tgtEl>
+                </p:cond>
+              </p:prevCondLst>
+              <p:nextCondLst>
+                <p:cond evt="onNext" delay="0">
+                  <p:tgtEl>
+                    <p:sldTgt/>
+                  </p:tgtEl>
+                </p:cond>
+              </p:nextCondLst>
+            </p:seq>
+          </p:childTnLst>
+        </p:cTn>
+      </p:par>
+    </p:tnLst>
+    <p:bldLst>
+      <p:bldP spid="9" grpId="0"/>
+      <p:bldP spid="2" grpId="0"/>
+    </p:bldLst>
+  </p:timing>
 </p:sld>
 </file>
 
-<file path=ppt/slides/slide6.xml><?xml version="1.0" encoding="utf-8"?>
+<file path=ppt/slides/slide4.xml><?xml version="1.0" encoding="utf-8"?>
 <p:sld xmlns:a="http://schemas.openxmlformats.org/drawingml/2006/main" xmlns:r="http://schemas.openxmlformats.org/officeDocument/2006/relationships" xmlns:p="http://schemas.openxmlformats.org/presentationml/2006/main">
   <p:cSld>
     <p:spTree>
@@ -11966,7 +11936,7 @@
         </p:nvSpPr>
         <p:spPr>
           <a:xfrm>
-            <a:off x="1001425" y="0"/>
+            <a:off x="1066800" y="-141647"/>
             <a:ext cx="10058400" cy="1609344"/>
           </a:xfrm>
         </p:spPr>
@@ -11979,7 +11949,7 @@
             <a:pPr algn="ctr"/>
             <a:r>
               <a:rPr lang="es-ES" sz="4400" dirty="0"/>
-              <a:t>Problema</a:t>
+              <a:t>Objeto de Estudio</a:t>
             </a:r>
           </a:p>
         </p:txBody>
@@ -11996,13 +11966,13 @@
         </p:nvSpPr>
         <p:spPr>
           <a:xfrm>
-            <a:off x="1390386" y="1128436"/>
-            <a:ext cx="9669439" cy="3033661"/>
+            <a:off x="1103312" y="1367110"/>
+            <a:ext cx="9064270" cy="918889"/>
           </a:xfrm>
         </p:spPr>
         <p:txBody>
           <a:bodyPr>
-            <a:noAutofit/>
+            <a:normAutofit/>
           </a:bodyPr>
           <a:lstStyle/>
           <a:p>
@@ -12020,116 +11990,22 @@
                 <a:latin typeface="Rockwell (Cuerpo)"/>
                 <a:ea typeface="Calibri" panose="020F0502020204030204" pitchFamily="34" charset="0"/>
               </a:rPr>
-              <a:t>El servicio agente de atención al cliente a través de personas supone costos, gasto físico y muchas veces limitaciones en el servicio, ya sea por el horario laboral, problemas de salud o falta de personal capacitado para satisfacer la demanda que de búsqueda de información que generan las personas. </a:t>
-            </a:r>
-            <a:r>
-              <a:rPr lang="es-ES" b="1" dirty="0">
-                <a:effectLst/>
+              <a:t>La gestión </a:t>
+            </a:r>
+            <a:r>
+              <a:rPr lang="es-ES" dirty="0">
                 <a:latin typeface="Rockwell (Cuerpo)"/>
                 <a:ea typeface="Calibri" panose="020F0502020204030204" pitchFamily="34" charset="0"/>
               </a:rPr>
-              <a:t>Un asistente virtual que puede estar disponible a toda hora, atender a muchos usuarios a la vez con una buena base de conocimiento que actualmente es insuficiente, necesita de especialistas y de un laborioso trabajo para construirse, puede dar solución a estas cuestiones o necesidades.</a:t>
-            </a:r>
-            <a:endParaRPr lang="es-ES" dirty="0">
-              <a:effectLst/>
-              <a:latin typeface="Rockwell (Cuerpo)"/>
-              <a:ea typeface="Calibri" panose="020F0502020204030204" pitchFamily="34" charset="0"/>
-            </a:endParaRPr>
-          </a:p>
-        </p:txBody>
-      </p:sp>
-    </p:spTree>
-    <p:extLst>
-      <p:ext uri="{BB962C8B-B14F-4D97-AF65-F5344CB8AC3E}">
-        <p14:creationId xmlns:p14="http://schemas.microsoft.com/office/powerpoint/2010/main" val="3103350892"/>
-      </p:ext>
-    </p:extLst>
-  </p:cSld>
-  <p:clrMapOvr>
-    <a:masterClrMapping/>
-  </p:clrMapOvr>
-</p:sld>
-</file>
-
-<file path=ppt/slides/slide7.xml><?xml version="1.0" encoding="utf-8"?>
-<p:sld xmlns:a="http://schemas.openxmlformats.org/drawingml/2006/main" xmlns:r="http://schemas.openxmlformats.org/officeDocument/2006/relationships" xmlns:p="http://schemas.openxmlformats.org/presentationml/2006/main">
-  <p:cSld>
-    <p:spTree>
-      <p:nvGrpSpPr>
-        <p:cNvPr id="1" name=""/>
-        <p:cNvGrpSpPr/>
-        <p:nvPr/>
-      </p:nvGrpSpPr>
-      <p:grpSpPr>
-        <a:xfrm>
-          <a:off x="0" y="0"/>
-          <a:ext cx="0" cy="0"/>
-          <a:chOff x="0" y="0"/>
-          <a:chExt cx="0" cy="0"/>
-        </a:xfrm>
-      </p:grpSpPr>
-      <p:sp>
-        <p:nvSpPr>
-          <p:cNvPr id="2" name="Título 1"/>
-          <p:cNvSpPr>
-            <a:spLocks noGrp="1"/>
-          </p:cNvSpPr>
-          <p:nvPr>
-            <p:ph type="title"/>
-          </p:nvPr>
-        </p:nvSpPr>
-        <p:spPr/>
-        <p:txBody>
-          <a:bodyPr>
-            <a:normAutofit/>
-          </a:bodyPr>
-          <a:lstStyle/>
-          <a:p>
-            <a:pPr algn="ctr"/>
-            <a:r>
-              <a:rPr lang="es-ES" sz="4400" dirty="0"/>
-              <a:t>Objeto de Estudio</a:t>
-            </a:r>
-          </a:p>
-        </p:txBody>
-      </p:sp>
-      <p:sp>
-        <p:nvSpPr>
-          <p:cNvPr id="3" name="Marcador de contenido 2"/>
-          <p:cNvSpPr>
-            <a:spLocks noGrp="1"/>
-          </p:cNvSpPr>
-          <p:nvPr>
-            <p:ph idx="1"/>
-          </p:nvPr>
-        </p:nvSpPr>
-        <p:spPr>
-          <a:xfrm>
-            <a:off x="1103312" y="2052918"/>
-            <a:ext cx="9064270" cy="4195481"/>
-          </a:xfrm>
-        </p:spPr>
-        <p:txBody>
-          <a:bodyPr>
-            <a:normAutofit/>
-          </a:bodyPr>
-          <a:lstStyle/>
-          <a:p>
-            <a:pPr algn="just">
-              <a:lnSpc>
-                <a:spcPct val="115000"/>
-              </a:lnSpc>
-              <a:spcAft>
-                <a:spcPts val="800"/>
-              </a:spcAft>
-            </a:pPr>
+              <a:t>automatizada del</a:t>
+            </a:r>
             <a:r>
               <a:rPr lang="es-ES" dirty="0">
                 <a:effectLst/>
                 <a:latin typeface="Rockwell (Cuerpo)"/>
                 <a:ea typeface="Calibri" panose="020F0502020204030204" pitchFamily="34" charset="0"/>
               </a:rPr>
-              <a:t>La gestión de conocimiento.</a:t>
+              <a:t> conocimiento y el procesamiento de lenguaje natural.</a:t>
             </a:r>
           </a:p>
         </p:txBody>
@@ -12150,7 +12026,7 @@
         </p:nvSpPr>
         <p:spPr>
           <a:xfrm>
-            <a:off x="1103312" y="2762534"/>
+            <a:off x="1103312" y="1897118"/>
             <a:ext cx="10058400" cy="1609344"/>
           </a:xfrm>
           <a:prstGeom prst="rect">
@@ -12212,7 +12088,7 @@
         </p:nvSpPr>
         <p:spPr>
           <a:xfrm>
-            <a:off x="1030288" y="4374183"/>
+            <a:off x="1030288" y="3329143"/>
             <a:ext cx="10058400" cy="419906"/>
           </a:xfrm>
           <a:prstGeom prst="rect">
@@ -12484,6 +12360,358 @@
           </a:p>
         </p:txBody>
       </p:sp>
+      <p:sp>
+        <p:nvSpPr>
+          <p:cNvPr id="5" name="Título 1">
+            <a:extLst>
+              <a:ext uri="{FF2B5EF4-FFF2-40B4-BE49-F238E27FC236}">
+                <a16:creationId xmlns:a16="http://schemas.microsoft.com/office/drawing/2014/main" id="{FFBC6FD9-C17F-C4D1-A876-E1AE524E4ACE}"/>
+              </a:ext>
+            </a:extLst>
+          </p:cNvPr>
+          <p:cNvSpPr txBox="1">
+            <a:spLocks/>
+          </p:cNvSpPr>
+          <p:nvPr/>
+        </p:nvSpPr>
+        <p:spPr>
+          <a:xfrm>
+            <a:off x="1103312" y="3620765"/>
+            <a:ext cx="10058400" cy="1522473"/>
+          </a:xfrm>
+          <a:prstGeom prst="rect">
+            <a:avLst/>
+          </a:prstGeom>
+        </p:spPr>
+        <p:txBody>
+          <a:bodyPr vert="horz" lIns="91440" tIns="45720" rIns="91440" bIns="45720" rtlCol="0" anchor="ctr">
+            <a:normAutofit/>
+          </a:bodyPr>
+          <a:lstStyle>
+            <a:lvl1pPr algn="l" defTabSz="914400" rtl="0" eaLnBrk="1" latinLnBrk="0" hangingPunct="1">
+              <a:lnSpc>
+                <a:spcPct val="90000"/>
+              </a:lnSpc>
+              <a:spcBef>
+                <a:spcPct val="0"/>
+              </a:spcBef>
+              <a:buNone/>
+              <a:defRPr sz="5400" kern="1200" cap="all" baseline="0">
+                <a:blipFill>
+                  <a:blip r:embed="rId2">
+                    <a:extLst>
+                      <a:ext uri="{28A0092B-C50C-407E-A947-70E740481C1C}">
+                        <a14:useLocalDpi xmlns:a14="http://schemas.microsoft.com/office/drawing/2010/main" val="0"/>
+                      </a:ext>
+                    </a:extLst>
+                  </a:blip>
+                  <a:tile tx="6350" ty="-127000" sx="65000" sy="64000" flip="none" algn="tl"/>
+                </a:blipFill>
+                <a:latin typeface="+mj-lt"/>
+                <a:ea typeface="+mj-ea"/>
+                <a:cs typeface="+mj-cs"/>
+              </a:defRPr>
+            </a:lvl1pPr>
+          </a:lstStyle>
+          <a:p>
+            <a:pPr algn="ctr"/>
+            <a:r>
+              <a:rPr lang="es-ES" sz="4400" dirty="0"/>
+              <a:t>Objetivo General</a:t>
+            </a:r>
+          </a:p>
+        </p:txBody>
+      </p:sp>
+      <p:sp>
+        <p:nvSpPr>
+          <p:cNvPr id="6" name="Marcador de contenido 2">
+            <a:extLst>
+              <a:ext uri="{FF2B5EF4-FFF2-40B4-BE49-F238E27FC236}">
+                <a16:creationId xmlns:a16="http://schemas.microsoft.com/office/drawing/2014/main" id="{B499EF86-4CD6-E80D-0AA8-5359F0798668}"/>
+              </a:ext>
+            </a:extLst>
+          </p:cNvPr>
+          <p:cNvSpPr txBox="1">
+            <a:spLocks/>
+          </p:cNvSpPr>
+          <p:nvPr/>
+        </p:nvSpPr>
+        <p:spPr>
+          <a:xfrm>
+            <a:off x="1103312" y="5028935"/>
+            <a:ext cx="10058400" cy="4050792"/>
+          </a:xfrm>
+          <a:prstGeom prst="rect">
+            <a:avLst/>
+          </a:prstGeom>
+        </p:spPr>
+        <p:txBody>
+          <a:bodyPr vert="horz" lIns="91440" tIns="45720" rIns="91440" bIns="45720" rtlCol="0">
+            <a:normAutofit/>
+          </a:bodyPr>
+          <a:lstStyle>
+            <a:lvl1pPr marL="182880" indent="-182880" algn="l" defTabSz="914400" rtl="0" eaLnBrk="1" latinLnBrk="0" hangingPunct="1">
+              <a:lnSpc>
+                <a:spcPct val="90000"/>
+              </a:lnSpc>
+              <a:spcBef>
+                <a:spcPts val="1200"/>
+              </a:spcBef>
+              <a:buClr>
+                <a:schemeClr val="accent1">
+                  <a:lumMod val="75000"/>
+                </a:schemeClr>
+              </a:buClr>
+              <a:buSzPct val="85000"/>
+              <a:buFont typeface="Wingdings" pitchFamily="2" charset="2"/>
+              <a:buChar char="§"/>
+              <a:defRPr sz="2000" kern="1200">
+                <a:solidFill>
+                  <a:schemeClr val="tx1"/>
+                </a:solidFill>
+                <a:latin typeface="+mn-lt"/>
+                <a:ea typeface="+mn-ea"/>
+                <a:cs typeface="+mn-cs"/>
+              </a:defRPr>
+            </a:lvl1pPr>
+            <a:lvl2pPr marL="457200" indent="-182880" algn="l" defTabSz="914400" rtl="0" eaLnBrk="1" latinLnBrk="0" hangingPunct="1">
+              <a:lnSpc>
+                <a:spcPct val="90000"/>
+              </a:lnSpc>
+              <a:spcBef>
+                <a:spcPts val="400"/>
+              </a:spcBef>
+              <a:spcAft>
+                <a:spcPts val="200"/>
+              </a:spcAft>
+              <a:buClr>
+                <a:schemeClr val="accent1">
+                  <a:lumMod val="75000"/>
+                </a:schemeClr>
+              </a:buClr>
+              <a:buSzPct val="85000"/>
+              <a:buFont typeface="Wingdings" pitchFamily="2" charset="2"/>
+              <a:buChar char="§"/>
+              <a:defRPr sz="1800" kern="1200">
+                <a:solidFill>
+                  <a:schemeClr val="tx1"/>
+                </a:solidFill>
+                <a:latin typeface="+mn-lt"/>
+                <a:ea typeface="+mn-ea"/>
+                <a:cs typeface="+mn-cs"/>
+              </a:defRPr>
+            </a:lvl2pPr>
+            <a:lvl3pPr marL="731520" indent="-182880" algn="l" defTabSz="914400" rtl="0" eaLnBrk="1" latinLnBrk="0" hangingPunct="1">
+              <a:lnSpc>
+                <a:spcPct val="90000"/>
+              </a:lnSpc>
+              <a:spcBef>
+                <a:spcPts val="400"/>
+              </a:spcBef>
+              <a:spcAft>
+                <a:spcPts val="200"/>
+              </a:spcAft>
+              <a:buClr>
+                <a:schemeClr val="accent1">
+                  <a:lumMod val="75000"/>
+                </a:schemeClr>
+              </a:buClr>
+              <a:buSzPct val="85000"/>
+              <a:buFont typeface="Wingdings" pitchFamily="2" charset="2"/>
+              <a:buChar char="§"/>
+              <a:defRPr sz="1600" kern="1200">
+                <a:solidFill>
+                  <a:schemeClr val="tx1"/>
+                </a:solidFill>
+                <a:latin typeface="+mn-lt"/>
+                <a:ea typeface="+mn-ea"/>
+                <a:cs typeface="+mn-cs"/>
+              </a:defRPr>
+            </a:lvl3pPr>
+            <a:lvl4pPr marL="1005840" indent="-182880" algn="l" defTabSz="914400" rtl="0" eaLnBrk="1" latinLnBrk="0" hangingPunct="1">
+              <a:lnSpc>
+                <a:spcPct val="90000"/>
+              </a:lnSpc>
+              <a:spcBef>
+                <a:spcPts val="400"/>
+              </a:spcBef>
+              <a:spcAft>
+                <a:spcPts val="200"/>
+              </a:spcAft>
+              <a:buClr>
+                <a:schemeClr val="accent1">
+                  <a:lumMod val="75000"/>
+                </a:schemeClr>
+              </a:buClr>
+              <a:buSzPct val="85000"/>
+              <a:buFont typeface="Wingdings" pitchFamily="2" charset="2"/>
+              <a:buChar char="§"/>
+              <a:defRPr sz="1600" kern="1200">
+                <a:solidFill>
+                  <a:schemeClr val="tx1"/>
+                </a:solidFill>
+                <a:latin typeface="+mn-lt"/>
+                <a:ea typeface="+mn-ea"/>
+                <a:cs typeface="+mn-cs"/>
+              </a:defRPr>
+            </a:lvl4pPr>
+            <a:lvl5pPr marL="1280160" indent="-182880" algn="l" defTabSz="914400" rtl="0" eaLnBrk="1" latinLnBrk="0" hangingPunct="1">
+              <a:lnSpc>
+                <a:spcPct val="90000"/>
+              </a:lnSpc>
+              <a:spcBef>
+                <a:spcPts val="400"/>
+              </a:spcBef>
+              <a:spcAft>
+                <a:spcPts val="200"/>
+              </a:spcAft>
+              <a:buClr>
+                <a:schemeClr val="accent1">
+                  <a:lumMod val="75000"/>
+                </a:schemeClr>
+              </a:buClr>
+              <a:buSzPct val="85000"/>
+              <a:buFont typeface="Wingdings" pitchFamily="2" charset="2"/>
+              <a:buChar char="§"/>
+              <a:defRPr sz="1600" kern="1200">
+                <a:solidFill>
+                  <a:schemeClr val="tx1"/>
+                </a:solidFill>
+                <a:latin typeface="+mn-lt"/>
+                <a:ea typeface="+mn-ea"/>
+                <a:cs typeface="+mn-cs"/>
+              </a:defRPr>
+            </a:lvl5pPr>
+            <a:lvl6pPr marL="1600000" indent="-228600" algn="l" defTabSz="914400" rtl="0" eaLnBrk="1" latinLnBrk="0" hangingPunct="1">
+              <a:lnSpc>
+                <a:spcPct val="90000"/>
+              </a:lnSpc>
+              <a:spcBef>
+                <a:spcPts val="400"/>
+              </a:spcBef>
+              <a:spcAft>
+                <a:spcPts val="200"/>
+              </a:spcAft>
+              <a:buClr>
+                <a:schemeClr val="accent1">
+                  <a:lumMod val="75000"/>
+                </a:schemeClr>
+              </a:buClr>
+              <a:buSzPct val="85000"/>
+              <a:buFont typeface="Wingdings" pitchFamily="2" charset="2"/>
+              <a:buChar char="§"/>
+              <a:defRPr sz="1600" kern="1200">
+                <a:solidFill>
+                  <a:schemeClr val="tx1"/>
+                </a:solidFill>
+                <a:latin typeface="+mn-lt"/>
+                <a:ea typeface="+mn-ea"/>
+                <a:cs typeface="+mn-cs"/>
+              </a:defRPr>
+            </a:lvl6pPr>
+            <a:lvl7pPr marL="1900000" indent="-228600" algn="l" defTabSz="914400" rtl="0" eaLnBrk="1" latinLnBrk="0" hangingPunct="1">
+              <a:lnSpc>
+                <a:spcPct val="90000"/>
+              </a:lnSpc>
+              <a:spcBef>
+                <a:spcPts val="400"/>
+              </a:spcBef>
+              <a:spcAft>
+                <a:spcPts val="200"/>
+              </a:spcAft>
+              <a:buClr>
+                <a:schemeClr val="accent1">
+                  <a:lumMod val="75000"/>
+                </a:schemeClr>
+              </a:buClr>
+              <a:buSzPct val="85000"/>
+              <a:buFont typeface="Wingdings" pitchFamily="2" charset="2"/>
+              <a:buChar char="§"/>
+              <a:defRPr sz="1600" kern="1200">
+                <a:solidFill>
+                  <a:schemeClr val="tx1"/>
+                </a:solidFill>
+                <a:latin typeface="+mn-lt"/>
+                <a:ea typeface="+mn-ea"/>
+                <a:cs typeface="+mn-cs"/>
+              </a:defRPr>
+            </a:lvl7pPr>
+            <a:lvl8pPr marL="2200000" indent="-228600" algn="l" defTabSz="914400" rtl="0" eaLnBrk="1" latinLnBrk="0" hangingPunct="1">
+              <a:lnSpc>
+                <a:spcPct val="90000"/>
+              </a:lnSpc>
+              <a:spcBef>
+                <a:spcPts val="400"/>
+              </a:spcBef>
+              <a:spcAft>
+                <a:spcPts val="200"/>
+              </a:spcAft>
+              <a:buClr>
+                <a:schemeClr val="accent1">
+                  <a:lumMod val="75000"/>
+                </a:schemeClr>
+              </a:buClr>
+              <a:buSzPct val="85000"/>
+              <a:buFont typeface="Wingdings" pitchFamily="2" charset="2"/>
+              <a:buChar char="§"/>
+              <a:defRPr sz="1600" kern="1200">
+                <a:solidFill>
+                  <a:schemeClr val="tx1"/>
+                </a:solidFill>
+                <a:latin typeface="+mn-lt"/>
+                <a:ea typeface="+mn-ea"/>
+                <a:cs typeface="+mn-cs"/>
+              </a:defRPr>
+            </a:lvl8pPr>
+            <a:lvl9pPr marL="2500000" indent="-228600" algn="l" defTabSz="914400" rtl="0" eaLnBrk="1" latinLnBrk="0" hangingPunct="1">
+              <a:lnSpc>
+                <a:spcPct val="90000"/>
+              </a:lnSpc>
+              <a:spcBef>
+                <a:spcPts val="400"/>
+              </a:spcBef>
+              <a:spcAft>
+                <a:spcPts val="200"/>
+              </a:spcAft>
+              <a:buClr>
+                <a:schemeClr val="accent1">
+                  <a:lumMod val="75000"/>
+                </a:schemeClr>
+              </a:buClr>
+              <a:buSzPct val="85000"/>
+              <a:buFont typeface="Wingdings" pitchFamily="2" charset="2"/>
+              <a:buChar char="§"/>
+              <a:defRPr sz="1600" kern="1200">
+                <a:solidFill>
+                  <a:schemeClr val="tx1"/>
+                </a:solidFill>
+                <a:latin typeface="+mn-lt"/>
+                <a:ea typeface="+mn-ea"/>
+                <a:cs typeface="+mn-cs"/>
+              </a:defRPr>
+            </a:lvl9pPr>
+          </a:lstStyle>
+          <a:p>
+            <a:pPr marL="0" indent="0" algn="just">
+              <a:buFont typeface="Wingdings" pitchFamily="2" charset="2"/>
+              <a:buNone/>
+            </a:pPr>
+            <a:r>
+              <a:rPr lang="es-ES" dirty="0">
+                <a:solidFill>
+                  <a:srgbClr val="000000"/>
+                </a:solidFill>
+                <a:latin typeface="Rockwell (Cuerpo)"/>
+                <a:ea typeface="Times New Roman" panose="02020603050405020304" pitchFamily="18" charset="0"/>
+              </a:rPr>
+              <a:t>Desarrollar una aplicación informática que permita la gestión o construcción de conocimiento de manera automática para Asistentes Virtuales, para que estos puedan ser más eficientes al responder cualquier duda o inquietud de los usuarios.</a:t>
+            </a:r>
+            <a:endParaRPr lang="es-ES" dirty="0">
+              <a:latin typeface="Rockwell (Cuerpo)"/>
+            </a:endParaRPr>
+          </a:p>
+        </p:txBody>
+      </p:sp>
     </p:spTree>
     <p:extLst>
       <p:ext uri="{BB962C8B-B14F-4D97-AF65-F5344CB8AC3E}">
@@ -12494,102 +12722,320 @@
   <p:clrMapOvr>
     <a:masterClrMapping/>
   </p:clrMapOvr>
+  <p:timing>
+    <p:tnLst>
+      <p:par>
+        <p:cTn id="1" dur="indefinite" restart="never" nodeType="tmRoot">
+          <p:childTnLst>
+            <p:seq concurrent="1" nextAc="seek">
+              <p:cTn id="2" dur="indefinite" nodeType="mainSeq">
+                <p:childTnLst>
+                  <p:par>
+                    <p:cTn id="3" fill="hold">
+                      <p:stCondLst>
+                        <p:cond delay="indefinite"/>
+                      </p:stCondLst>
+                      <p:childTnLst>
+                        <p:par>
+                          <p:cTn id="4" fill="hold">
+                            <p:stCondLst>
+                              <p:cond delay="0"/>
+                            </p:stCondLst>
+                            <p:childTnLst>
+                              <p:par>
+                                <p:cTn id="5" presetID="10" presetClass="entr" presetSubtype="0" fill="hold" grpId="0" nodeType="clickEffect">
+                                  <p:stCondLst>
+                                    <p:cond delay="0"/>
+                                  </p:stCondLst>
+                                  <p:childTnLst>
+                                    <p:set>
+                                      <p:cBhvr>
+                                        <p:cTn id="6" dur="1" fill="hold">
+                                          <p:stCondLst>
+                                            <p:cond delay="0"/>
+                                          </p:stCondLst>
+                                        </p:cTn>
+                                        <p:tgtEl>
+                                          <p:spTgt spid="2"/>
+                                        </p:tgtEl>
+                                        <p:attrNameLst>
+                                          <p:attrName>style.visibility</p:attrName>
+                                        </p:attrNameLst>
+                                      </p:cBhvr>
+                                      <p:to>
+                                        <p:strVal val="visible"/>
+                                      </p:to>
+                                    </p:set>
+                                    <p:animEffect transition="in" filter="fade">
+                                      <p:cBhvr>
+                                        <p:cTn id="7" dur="500"/>
+                                        <p:tgtEl>
+                                          <p:spTgt spid="2"/>
+                                        </p:tgtEl>
+                                      </p:cBhvr>
+                                    </p:animEffect>
+                                  </p:childTnLst>
+                                </p:cTn>
+                              </p:par>
+                              <p:par>
+                                <p:cTn id="8" presetID="10" presetClass="entr" presetSubtype="0" fill="hold" grpId="0" nodeType="withEffect">
+                                  <p:stCondLst>
+                                    <p:cond delay="0"/>
+                                  </p:stCondLst>
+                                  <p:childTnLst>
+                                    <p:set>
+                                      <p:cBhvr>
+                                        <p:cTn id="9" dur="1" fill="hold">
+                                          <p:stCondLst>
+                                            <p:cond delay="0"/>
+                                          </p:stCondLst>
+                                        </p:cTn>
+                                        <p:tgtEl>
+                                          <p:spTgt spid="3">
+                                            <p:txEl>
+                                              <p:pRg st="0" end="0"/>
+                                            </p:txEl>
+                                          </p:spTgt>
+                                        </p:tgtEl>
+                                        <p:attrNameLst>
+                                          <p:attrName>style.visibility</p:attrName>
+                                        </p:attrNameLst>
+                                      </p:cBhvr>
+                                      <p:to>
+                                        <p:strVal val="visible"/>
+                                      </p:to>
+                                    </p:set>
+                                    <p:animEffect transition="in" filter="fade">
+                                      <p:cBhvr>
+                                        <p:cTn id="10" dur="500"/>
+                                        <p:tgtEl>
+                                          <p:spTgt spid="3">
+                                            <p:txEl>
+                                              <p:pRg st="0" end="0"/>
+                                            </p:txEl>
+                                          </p:spTgt>
+                                        </p:tgtEl>
+                                      </p:cBhvr>
+                                    </p:animEffect>
+                                  </p:childTnLst>
+                                </p:cTn>
+                              </p:par>
+                            </p:childTnLst>
+                          </p:cTn>
+                        </p:par>
+                      </p:childTnLst>
+                    </p:cTn>
+                  </p:par>
+                  <p:par>
+                    <p:cTn id="11" fill="hold">
+                      <p:stCondLst>
+                        <p:cond delay="indefinite"/>
+                      </p:stCondLst>
+                      <p:childTnLst>
+                        <p:par>
+                          <p:cTn id="12" fill="hold">
+                            <p:stCondLst>
+                              <p:cond delay="0"/>
+                            </p:stCondLst>
+                            <p:childTnLst>
+                              <p:par>
+                                <p:cTn id="13" presetID="10" presetClass="entr" presetSubtype="0" fill="hold" grpId="0" nodeType="clickEffect">
+                                  <p:stCondLst>
+                                    <p:cond delay="0"/>
+                                  </p:stCondLst>
+                                  <p:childTnLst>
+                                    <p:set>
+                                      <p:cBhvr>
+                                        <p:cTn id="14" dur="1" fill="hold">
+                                          <p:stCondLst>
+                                            <p:cond delay="0"/>
+                                          </p:stCondLst>
+                                        </p:cTn>
+                                        <p:tgtEl>
+                                          <p:spTgt spid="7"/>
+                                        </p:tgtEl>
+                                        <p:attrNameLst>
+                                          <p:attrName>style.visibility</p:attrName>
+                                        </p:attrNameLst>
+                                      </p:cBhvr>
+                                      <p:to>
+                                        <p:strVal val="visible"/>
+                                      </p:to>
+                                    </p:set>
+                                    <p:animEffect transition="in" filter="fade">
+                                      <p:cBhvr>
+                                        <p:cTn id="15" dur="500"/>
+                                        <p:tgtEl>
+                                          <p:spTgt spid="7"/>
+                                        </p:tgtEl>
+                                      </p:cBhvr>
+                                    </p:animEffect>
+                                  </p:childTnLst>
+                                </p:cTn>
+                              </p:par>
+                              <p:par>
+                                <p:cTn id="16" presetID="10" presetClass="entr" presetSubtype="0" fill="hold" grpId="0" nodeType="withEffect">
+                                  <p:stCondLst>
+                                    <p:cond delay="0"/>
+                                  </p:stCondLst>
+                                  <p:childTnLst>
+                                    <p:set>
+                                      <p:cBhvr>
+                                        <p:cTn id="17" dur="1" fill="hold">
+                                          <p:stCondLst>
+                                            <p:cond delay="0"/>
+                                          </p:stCondLst>
+                                        </p:cTn>
+                                        <p:tgtEl>
+                                          <p:spTgt spid="4"/>
+                                        </p:tgtEl>
+                                        <p:attrNameLst>
+                                          <p:attrName>style.visibility</p:attrName>
+                                        </p:attrNameLst>
+                                      </p:cBhvr>
+                                      <p:to>
+                                        <p:strVal val="visible"/>
+                                      </p:to>
+                                    </p:set>
+                                    <p:animEffect transition="in" filter="fade">
+                                      <p:cBhvr>
+                                        <p:cTn id="18" dur="500"/>
+                                        <p:tgtEl>
+                                          <p:spTgt spid="4"/>
+                                        </p:tgtEl>
+                                      </p:cBhvr>
+                                    </p:animEffect>
+                                  </p:childTnLst>
+                                </p:cTn>
+                              </p:par>
+                            </p:childTnLst>
+                          </p:cTn>
+                        </p:par>
+                      </p:childTnLst>
+                    </p:cTn>
+                  </p:par>
+                  <p:par>
+                    <p:cTn id="19" fill="hold">
+                      <p:stCondLst>
+                        <p:cond delay="indefinite"/>
+                      </p:stCondLst>
+                      <p:childTnLst>
+                        <p:par>
+                          <p:cTn id="20" fill="hold">
+                            <p:stCondLst>
+                              <p:cond delay="0"/>
+                            </p:stCondLst>
+                            <p:childTnLst>
+                              <p:par>
+                                <p:cTn id="21" presetID="10" presetClass="entr" presetSubtype="0" fill="hold" grpId="0" nodeType="clickEffect">
+                                  <p:stCondLst>
+                                    <p:cond delay="0"/>
+                                  </p:stCondLst>
+                                  <p:childTnLst>
+                                    <p:set>
+                                      <p:cBhvr>
+                                        <p:cTn id="22" dur="1" fill="hold">
+                                          <p:stCondLst>
+                                            <p:cond delay="0"/>
+                                          </p:stCondLst>
+                                        </p:cTn>
+                                        <p:tgtEl>
+                                          <p:spTgt spid="5"/>
+                                        </p:tgtEl>
+                                        <p:attrNameLst>
+                                          <p:attrName>style.visibility</p:attrName>
+                                        </p:attrNameLst>
+                                      </p:cBhvr>
+                                      <p:to>
+                                        <p:strVal val="visible"/>
+                                      </p:to>
+                                    </p:set>
+                                    <p:animEffect transition="in" filter="fade">
+                                      <p:cBhvr>
+                                        <p:cTn id="23" dur="500"/>
+                                        <p:tgtEl>
+                                          <p:spTgt spid="5"/>
+                                        </p:tgtEl>
+                                      </p:cBhvr>
+                                    </p:animEffect>
+                                  </p:childTnLst>
+                                </p:cTn>
+                              </p:par>
+                              <p:par>
+                                <p:cTn id="24" presetID="10" presetClass="entr" presetSubtype="0" fill="hold" grpId="0" nodeType="withEffect">
+                                  <p:stCondLst>
+                                    <p:cond delay="0"/>
+                                  </p:stCondLst>
+                                  <p:childTnLst>
+                                    <p:set>
+                                      <p:cBhvr>
+                                        <p:cTn id="25" dur="1" fill="hold">
+                                          <p:stCondLst>
+                                            <p:cond delay="0"/>
+                                          </p:stCondLst>
+                                        </p:cTn>
+                                        <p:tgtEl>
+                                          <p:spTgt spid="6"/>
+                                        </p:tgtEl>
+                                        <p:attrNameLst>
+                                          <p:attrName>style.visibility</p:attrName>
+                                        </p:attrNameLst>
+                                      </p:cBhvr>
+                                      <p:to>
+                                        <p:strVal val="visible"/>
+                                      </p:to>
+                                    </p:set>
+                                    <p:animEffect transition="in" filter="fade">
+                                      <p:cBhvr>
+                                        <p:cTn id="26" dur="500"/>
+                                        <p:tgtEl>
+                                          <p:spTgt spid="6"/>
+                                        </p:tgtEl>
+                                      </p:cBhvr>
+                                    </p:animEffect>
+                                  </p:childTnLst>
+                                </p:cTn>
+                              </p:par>
+                            </p:childTnLst>
+                          </p:cTn>
+                        </p:par>
+                      </p:childTnLst>
+                    </p:cTn>
+                  </p:par>
+                </p:childTnLst>
+              </p:cTn>
+              <p:prevCondLst>
+                <p:cond evt="onPrev" delay="0">
+                  <p:tgtEl>
+                    <p:sldTgt/>
+                  </p:tgtEl>
+                </p:cond>
+              </p:prevCondLst>
+              <p:nextCondLst>
+                <p:cond evt="onNext" delay="0">
+                  <p:tgtEl>
+                    <p:sldTgt/>
+                  </p:tgtEl>
+                </p:cond>
+              </p:nextCondLst>
+            </p:seq>
+          </p:childTnLst>
+        </p:cTn>
+      </p:par>
+    </p:tnLst>
+    <p:bldLst>
+      <p:bldP spid="2" grpId="0"/>
+      <p:bldP spid="3" grpId="0" build="p"/>
+      <p:bldP spid="4" grpId="0"/>
+      <p:bldP spid="7" grpId="0"/>
+      <p:bldP spid="5" grpId="0"/>
+      <p:bldP spid="6" grpId="0"/>
+    </p:bldLst>
+  </p:timing>
 </p:sld>
 </file>
 
-<file path=ppt/slides/slide8.xml><?xml version="1.0" encoding="utf-8"?>
-<p:sld xmlns:a="http://schemas.openxmlformats.org/drawingml/2006/main" xmlns:r="http://schemas.openxmlformats.org/officeDocument/2006/relationships" xmlns:p="http://schemas.openxmlformats.org/presentationml/2006/main">
-  <p:cSld>
-    <p:spTree>
-      <p:nvGrpSpPr>
-        <p:cNvPr id="1" name=""/>
-        <p:cNvGrpSpPr/>
-        <p:nvPr/>
-      </p:nvGrpSpPr>
-      <p:grpSpPr>
-        <a:xfrm>
-          <a:off x="0" y="0"/>
-          <a:ext cx="0" cy="0"/>
-          <a:chOff x="0" y="0"/>
-          <a:chExt cx="0" cy="0"/>
-        </a:xfrm>
-      </p:grpSpPr>
-      <p:sp>
-        <p:nvSpPr>
-          <p:cNvPr id="2" name="Título 1"/>
-          <p:cNvSpPr>
-            <a:spLocks noGrp="1"/>
-          </p:cNvSpPr>
-          <p:nvPr>
-            <p:ph type="title"/>
-          </p:nvPr>
-        </p:nvSpPr>
-        <p:spPr/>
-        <p:txBody>
-          <a:bodyPr>
-            <a:normAutofit/>
-          </a:bodyPr>
-          <a:lstStyle/>
-          <a:p>
-            <a:pPr algn="ctr"/>
-            <a:r>
-              <a:rPr lang="es-ES" sz="4400" dirty="0"/>
-              <a:t>Objetivo General</a:t>
-            </a:r>
-          </a:p>
-        </p:txBody>
-      </p:sp>
-      <p:sp>
-        <p:nvSpPr>
-          <p:cNvPr id="3" name="Marcador de contenido 2"/>
-          <p:cNvSpPr>
-            <a:spLocks noGrp="1"/>
-          </p:cNvSpPr>
-          <p:nvPr>
-            <p:ph idx="1"/>
-          </p:nvPr>
-        </p:nvSpPr>
-        <p:spPr/>
-        <p:txBody>
-          <a:bodyPr>
-            <a:normAutofit/>
-          </a:bodyPr>
-          <a:lstStyle/>
-          <a:p>
-            <a:pPr marL="0" indent="0" algn="just">
-              <a:buNone/>
-            </a:pPr>
-            <a:r>
-              <a:rPr lang="es-ES" dirty="0">
-                <a:solidFill>
-                  <a:srgbClr val="000000"/>
-                </a:solidFill>
-                <a:effectLst/>
-                <a:latin typeface="Rockwell (Cuerpo)"/>
-                <a:ea typeface="Times New Roman" panose="02020603050405020304" pitchFamily="18" charset="0"/>
-              </a:rPr>
-              <a:t>Desarrollar una aplicación informática que permita la gestión o construcción de conocimiento de manera automática para Asistentes Virtuales, en las plataformas web o móvil que estén usando el servicio brindado por los asistentes virtuales, para que estos puedan ser más eficientes al responder cualquier duda o inquietud de los usuarios.</a:t>
-            </a:r>
-            <a:endParaRPr lang="es-ES" dirty="0">
-              <a:latin typeface="Rockwell (Cuerpo)"/>
-            </a:endParaRPr>
-          </a:p>
-        </p:txBody>
-      </p:sp>
-    </p:spTree>
-    <p:extLst>
-      <p:ext uri="{BB962C8B-B14F-4D97-AF65-F5344CB8AC3E}">
-        <p14:creationId xmlns:p14="http://schemas.microsoft.com/office/powerpoint/2010/main" val="1738155908"/>
-      </p:ext>
-    </p:extLst>
-  </p:cSld>
-  <p:clrMapOvr>
-    <a:masterClrMapping/>
-  </p:clrMapOvr>
-</p:sld>
-</file>
-
-<file path=ppt/slides/slide9.xml><?xml version="1.0" encoding="utf-8"?>
+<file path=ppt/slides/slide5.xml><?xml version="1.0" encoding="utf-8"?>
 <p:sld xmlns:a="http://schemas.openxmlformats.org/drawingml/2006/main" xmlns:r="http://schemas.openxmlformats.org/officeDocument/2006/relationships" xmlns:p="http://schemas.openxmlformats.org/presentationml/2006/main">
   <p:cSld>
     <p:spTree>
@@ -12774,6 +13220,1536 @@
     <p:extLst>
       <p:ext uri="{BB962C8B-B14F-4D97-AF65-F5344CB8AC3E}">
         <p14:creationId xmlns:p14="http://schemas.microsoft.com/office/powerpoint/2010/main" val="69333835"/>
+      </p:ext>
+    </p:extLst>
+  </p:cSld>
+  <p:clrMapOvr>
+    <a:masterClrMapping/>
+  </p:clrMapOvr>
+</p:sld>
+</file>
+
+<file path=ppt/slides/slide6.xml><?xml version="1.0" encoding="utf-8"?>
+<p:sld xmlns:a="http://schemas.openxmlformats.org/drawingml/2006/main" xmlns:r="http://schemas.openxmlformats.org/officeDocument/2006/relationships" xmlns:p="http://schemas.openxmlformats.org/presentationml/2006/main">
+  <p:cSld>
+    <p:spTree>
+      <p:nvGrpSpPr>
+        <p:cNvPr id="1" name=""/>
+        <p:cNvGrpSpPr/>
+        <p:nvPr/>
+      </p:nvGrpSpPr>
+      <p:grpSpPr>
+        <a:xfrm>
+          <a:off x="0" y="0"/>
+          <a:ext cx="0" cy="0"/>
+          <a:chOff x="0" y="0"/>
+          <a:chExt cx="0" cy="0"/>
+        </a:xfrm>
+      </p:grpSpPr>
+      <p:sp>
+        <p:nvSpPr>
+          <p:cNvPr id="2" name="Título 1"/>
+          <p:cNvSpPr>
+            <a:spLocks noGrp="1"/>
+          </p:cNvSpPr>
+          <p:nvPr>
+            <p:ph type="title"/>
+          </p:nvPr>
+        </p:nvSpPr>
+        <p:spPr/>
+        <p:txBody>
+          <a:bodyPr>
+            <a:normAutofit/>
+          </a:bodyPr>
+          <a:lstStyle/>
+          <a:p>
+            <a:pPr algn="ctr"/>
+            <a:r>
+              <a:rPr lang="es-ES" sz="4400" dirty="0"/>
+              <a:t>Hipótesis</a:t>
+            </a:r>
+          </a:p>
+        </p:txBody>
+      </p:sp>
+      <p:sp>
+        <p:nvSpPr>
+          <p:cNvPr id="3" name="Marcador de contenido 2"/>
+          <p:cNvSpPr>
+            <a:spLocks noGrp="1"/>
+          </p:cNvSpPr>
+          <p:nvPr>
+            <p:ph idx="1"/>
+          </p:nvPr>
+        </p:nvSpPr>
+        <p:spPr>
+          <a:xfrm>
+            <a:off x="1103312" y="2052918"/>
+            <a:ext cx="9309930" cy="4195481"/>
+          </a:xfrm>
+        </p:spPr>
+        <p:txBody>
+          <a:bodyPr>
+            <a:normAutofit/>
+          </a:bodyPr>
+          <a:lstStyle/>
+          <a:p>
+            <a:pPr algn="just">
+              <a:lnSpc>
+                <a:spcPct val="115000"/>
+              </a:lnSpc>
+              <a:spcAft>
+                <a:spcPts val="800"/>
+              </a:spcAft>
+            </a:pPr>
+            <a:r>
+              <a:rPr lang="es-ES" dirty="0">
+                <a:effectLst/>
+                <a:latin typeface="Rockwell (Cuerpo)"/>
+                <a:ea typeface="Calibri" panose="020F0502020204030204" pitchFamily="34" charset="0"/>
+              </a:rPr>
+              <a:t>Se desarrollará una aplicación informática que construya el conocimiento para el desarrollo de asistentes virtuales de forma automática, que permita a los mismos responder o evacuar cualquier duda de los usuarios eficientemente desde las plataformas web o móvil donde se use el servicio de chat, estas plataformas se favorecerán al ganar en calidad en el servicio. </a:t>
+            </a:r>
+          </a:p>
+        </p:txBody>
+      </p:sp>
+    </p:spTree>
+    <p:extLst>
+      <p:ext uri="{BB962C8B-B14F-4D97-AF65-F5344CB8AC3E}">
+        <p14:creationId xmlns:p14="http://schemas.microsoft.com/office/powerpoint/2010/main" val="239370918"/>
+      </p:ext>
+    </p:extLst>
+  </p:cSld>
+  <p:clrMapOvr>
+    <a:masterClrMapping/>
+  </p:clrMapOvr>
+</p:sld>
+</file>
+
+<file path=ppt/slides/slide7.xml><?xml version="1.0" encoding="utf-8"?>
+<p:sld xmlns:a="http://schemas.openxmlformats.org/drawingml/2006/main" xmlns:r="http://schemas.openxmlformats.org/officeDocument/2006/relationships" xmlns:p="http://schemas.openxmlformats.org/presentationml/2006/main">
+  <p:cSld>
+    <p:spTree>
+      <p:nvGrpSpPr>
+        <p:cNvPr id="1" name=""/>
+        <p:cNvGrpSpPr/>
+        <p:nvPr/>
+      </p:nvGrpSpPr>
+      <p:grpSpPr>
+        <a:xfrm>
+          <a:off x="0" y="0"/>
+          <a:ext cx="0" cy="0"/>
+          <a:chOff x="0" y="0"/>
+          <a:chExt cx="0" cy="0"/>
+        </a:xfrm>
+      </p:grpSpPr>
+      <p:sp>
+        <p:nvSpPr>
+          <p:cNvPr id="2" name="Título 1">
+            <a:extLst>
+              <a:ext uri="{FF2B5EF4-FFF2-40B4-BE49-F238E27FC236}">
+                <a16:creationId xmlns:a16="http://schemas.microsoft.com/office/drawing/2014/main" id="{8C2C0955-1AA8-406E-8C4B-58DC377FF286}"/>
+              </a:ext>
+            </a:extLst>
+          </p:cNvPr>
+          <p:cNvSpPr>
+            <a:spLocks noGrp="1"/>
+          </p:cNvSpPr>
+          <p:nvPr>
+            <p:ph type="title"/>
+          </p:nvPr>
+        </p:nvSpPr>
+        <p:spPr/>
+        <p:txBody>
+          <a:bodyPr/>
+          <a:lstStyle/>
+          <a:p>
+            <a:pPr algn="ctr"/>
+            <a:r>
+              <a:rPr lang="es-ES" dirty="0"/>
+              <a:t>Plataformas para desarrollar Asistentes Virtuales</a:t>
+            </a:r>
+          </a:p>
+        </p:txBody>
+      </p:sp>
+      <p:pic>
+        <p:nvPicPr>
+          <p:cNvPr id="4" name="Imagen 3">
+            <a:extLst>
+              <a:ext uri="{FF2B5EF4-FFF2-40B4-BE49-F238E27FC236}">
+                <a16:creationId xmlns:a16="http://schemas.microsoft.com/office/drawing/2014/main" id="{BC395ECD-DBA9-415F-8FF4-FA6E54147F4D}"/>
+              </a:ext>
+            </a:extLst>
+          </p:cNvPr>
+          <p:cNvPicPr/>
+          <p:nvPr/>
+        </p:nvPicPr>
+        <p:blipFill>
+          <a:blip r:embed="rId3" cstate="print">
+            <a:extLst>
+              <a:ext uri="{28A0092B-C50C-407E-A947-70E740481C1C}">
+                <a14:useLocalDpi xmlns:a14="http://schemas.microsoft.com/office/drawing/2010/main" val="0"/>
+              </a:ext>
+            </a:extLst>
+          </a:blip>
+          <a:srcRect/>
+          <a:stretch>
+            <a:fillRect/>
+          </a:stretch>
+        </p:blipFill>
+        <p:spPr bwMode="auto">
+          <a:xfrm>
+            <a:off x="1916112" y="5018375"/>
+            <a:ext cx="1685925" cy="894715"/>
+          </a:xfrm>
+          <a:prstGeom prst="rect">
+            <a:avLst/>
+          </a:prstGeom>
+          <a:ln w="38100" cap="sq">
+            <a:solidFill>
+              <a:srgbClr val="000000"/>
+            </a:solidFill>
+            <a:prstDash val="solid"/>
+            <a:miter lim="800000"/>
+          </a:ln>
+          <a:effectLst>
+            <a:outerShdw blurRad="50800" dist="38100" dir="2700000" algn="tl" rotWithShape="0">
+              <a:srgbClr val="000000">
+                <a:alpha val="43000"/>
+              </a:srgbClr>
+            </a:outerShdw>
+          </a:effectLst>
+        </p:spPr>
+      </p:pic>
+      <p:pic>
+        <p:nvPicPr>
+          <p:cNvPr id="5" name="Imagen 4">
+            <a:extLst>
+              <a:ext uri="{FF2B5EF4-FFF2-40B4-BE49-F238E27FC236}">
+                <a16:creationId xmlns:a16="http://schemas.microsoft.com/office/drawing/2014/main" id="{D8639118-DF94-41D6-839A-963380333085}"/>
+              </a:ext>
+            </a:extLst>
+          </p:cNvPr>
+          <p:cNvPicPr/>
+          <p:nvPr/>
+        </p:nvPicPr>
+        <p:blipFill>
+          <a:blip r:embed="rId4" cstate="print">
+            <a:extLst>
+              <a:ext uri="{28A0092B-C50C-407E-A947-70E740481C1C}">
+                <a14:useLocalDpi xmlns:a14="http://schemas.microsoft.com/office/drawing/2010/main" val="0"/>
+              </a:ext>
+            </a:extLst>
+          </a:blip>
+          <a:srcRect/>
+          <a:stretch>
+            <a:fillRect/>
+          </a:stretch>
+        </p:blipFill>
+        <p:spPr bwMode="auto">
+          <a:xfrm>
+            <a:off x="8620146" y="2556664"/>
+            <a:ext cx="1831340" cy="1095375"/>
+          </a:xfrm>
+          <a:prstGeom prst="rect">
+            <a:avLst/>
+          </a:prstGeom>
+          <a:ln w="57150" cap="sq">
+            <a:solidFill>
+              <a:srgbClr val="00B050"/>
+            </a:solidFill>
+            <a:prstDash val="solid"/>
+            <a:miter lim="800000"/>
+          </a:ln>
+          <a:effectLst>
+            <a:outerShdw blurRad="50800" dist="38100" dir="2700000" algn="tl" rotWithShape="0">
+              <a:srgbClr val="000000">
+                <a:alpha val="43000"/>
+              </a:srgbClr>
+            </a:outerShdw>
+          </a:effectLst>
+        </p:spPr>
+      </p:pic>
+      <p:pic>
+        <p:nvPicPr>
+          <p:cNvPr id="6" name="Imagen 5">
+            <a:extLst>
+              <a:ext uri="{FF2B5EF4-FFF2-40B4-BE49-F238E27FC236}">
+                <a16:creationId xmlns:a16="http://schemas.microsoft.com/office/drawing/2014/main" id="{0E9BEDC6-38BC-46BC-864F-997C038ABB0F}"/>
+              </a:ext>
+            </a:extLst>
+          </p:cNvPr>
+          <p:cNvPicPr/>
+          <p:nvPr/>
+        </p:nvPicPr>
+        <p:blipFill>
+          <a:blip r:embed="rId5">
+            <a:extLst>
+              <a:ext uri="{28A0092B-C50C-407E-A947-70E740481C1C}">
+                <a14:useLocalDpi xmlns:a14="http://schemas.microsoft.com/office/drawing/2010/main" val="0"/>
+              </a:ext>
+            </a:extLst>
+          </a:blip>
+          <a:srcRect/>
+          <a:stretch>
+            <a:fillRect/>
+          </a:stretch>
+        </p:blipFill>
+        <p:spPr bwMode="auto">
+          <a:xfrm>
+            <a:off x="5257800" y="3556789"/>
+            <a:ext cx="1676400" cy="933450"/>
+          </a:xfrm>
+          <a:prstGeom prst="rect">
+            <a:avLst/>
+          </a:prstGeom>
+          <a:ln w="38100" cap="sq">
+            <a:solidFill>
+              <a:srgbClr val="000000"/>
+            </a:solidFill>
+            <a:prstDash val="solid"/>
+            <a:miter lim="800000"/>
+          </a:ln>
+          <a:effectLst>
+            <a:outerShdw blurRad="50800" dist="38100" dir="2700000" algn="tl" rotWithShape="0">
+              <a:srgbClr val="000000">
+                <a:alpha val="43000"/>
+              </a:srgbClr>
+            </a:outerShdw>
+          </a:effectLst>
+        </p:spPr>
+      </p:pic>
+      <p:pic>
+        <p:nvPicPr>
+          <p:cNvPr id="7" name="Imagen 6">
+            <a:extLst>
+              <a:ext uri="{FF2B5EF4-FFF2-40B4-BE49-F238E27FC236}">
+                <a16:creationId xmlns:a16="http://schemas.microsoft.com/office/drawing/2014/main" id="{ACF6082A-1A41-4BE7-A261-2C3E85DDB218}"/>
+              </a:ext>
+            </a:extLst>
+          </p:cNvPr>
+          <p:cNvPicPr/>
+          <p:nvPr/>
+        </p:nvPicPr>
+        <p:blipFill>
+          <a:blip r:embed="rId6">
+            <a:extLst>
+              <a:ext uri="{28A0092B-C50C-407E-A947-70E740481C1C}">
+                <a14:useLocalDpi xmlns:a14="http://schemas.microsoft.com/office/drawing/2010/main" val="0"/>
+              </a:ext>
+            </a:extLst>
+          </a:blip>
+          <a:srcRect/>
+          <a:stretch>
+            <a:fillRect/>
+          </a:stretch>
+        </p:blipFill>
+        <p:spPr bwMode="auto">
+          <a:xfrm>
+            <a:off x="8670311" y="4774401"/>
+            <a:ext cx="1831340" cy="971550"/>
+          </a:xfrm>
+          <a:prstGeom prst="rect">
+            <a:avLst/>
+          </a:prstGeom>
+          <a:ln w="38100" cap="sq">
+            <a:solidFill>
+              <a:srgbClr val="000000"/>
+            </a:solidFill>
+            <a:prstDash val="solid"/>
+            <a:miter lim="800000"/>
+          </a:ln>
+          <a:effectLst>
+            <a:outerShdw blurRad="50800" dist="38100" dir="2700000" algn="tl" rotWithShape="0">
+              <a:srgbClr val="000000">
+                <a:alpha val="43000"/>
+              </a:srgbClr>
+            </a:outerShdw>
+          </a:effectLst>
+        </p:spPr>
+      </p:pic>
+      <p:pic>
+        <p:nvPicPr>
+          <p:cNvPr id="8" name="Imagen 7">
+            <a:extLst>
+              <a:ext uri="{FF2B5EF4-FFF2-40B4-BE49-F238E27FC236}">
+                <a16:creationId xmlns:a16="http://schemas.microsoft.com/office/drawing/2014/main" id="{B4F7C0F5-4E8B-402C-9ADC-77E867D1F1C1}"/>
+              </a:ext>
+            </a:extLst>
+          </p:cNvPr>
+          <p:cNvPicPr/>
+          <p:nvPr/>
+        </p:nvPicPr>
+        <p:blipFill>
+          <a:blip r:embed="rId7">
+            <a:extLst>
+              <a:ext uri="{28A0092B-C50C-407E-A947-70E740481C1C}">
+                <a14:useLocalDpi xmlns:a14="http://schemas.microsoft.com/office/drawing/2010/main" val="0"/>
+              </a:ext>
+            </a:extLst>
+          </a:blip>
+          <a:srcRect/>
+          <a:stretch>
+            <a:fillRect/>
+          </a:stretch>
+        </p:blipFill>
+        <p:spPr bwMode="auto">
+          <a:xfrm>
+            <a:off x="1873250" y="2556664"/>
+            <a:ext cx="1771650" cy="1000125"/>
+          </a:xfrm>
+          <a:prstGeom prst="rect">
+            <a:avLst/>
+          </a:prstGeom>
+          <a:ln w="38100" cap="sq">
+            <a:solidFill>
+              <a:srgbClr val="000000"/>
+            </a:solidFill>
+            <a:prstDash val="solid"/>
+            <a:miter lim="800000"/>
+          </a:ln>
+          <a:effectLst>
+            <a:outerShdw blurRad="50800" dist="38100" dir="2700000" algn="tl" rotWithShape="0">
+              <a:srgbClr val="000000">
+                <a:alpha val="43000"/>
+              </a:srgbClr>
+            </a:outerShdw>
+          </a:effectLst>
+        </p:spPr>
+      </p:pic>
+      <p:sp>
+        <p:nvSpPr>
+          <p:cNvPr id="10" name="CuadroTexto 9">
+            <a:extLst>
+              <a:ext uri="{FF2B5EF4-FFF2-40B4-BE49-F238E27FC236}">
+                <a16:creationId xmlns:a16="http://schemas.microsoft.com/office/drawing/2014/main" id="{50AEE687-1E65-459B-80D2-647E41689EA1}"/>
+              </a:ext>
+            </a:extLst>
+          </p:cNvPr>
+          <p:cNvSpPr txBox="1"/>
+          <p:nvPr/>
+        </p:nvSpPr>
+        <p:spPr>
+          <a:xfrm>
+            <a:off x="5029790" y="4589735"/>
+            <a:ext cx="2226416" cy="369332"/>
+          </a:xfrm>
+          <a:prstGeom prst="rect">
+            <a:avLst/>
+          </a:prstGeom>
+          <a:noFill/>
+        </p:spPr>
+        <p:txBody>
+          <a:bodyPr wrap="square">
+            <a:spAutoFit/>
+          </a:bodyPr>
+          <a:lstStyle/>
+          <a:p>
+            <a:r>
+              <a:rPr lang="en-US" sz="1800" b="1" dirty="0">
+                <a:solidFill>
+                  <a:srgbClr val="000000"/>
+                </a:solidFill>
+                <a:effectLst/>
+                <a:latin typeface="Arial" panose="020B0604020202020204" pitchFamily="34" charset="0"/>
+                <a:ea typeface="Segoe UI" panose="020B0502040204020203" pitchFamily="34" charset="0"/>
+              </a:rPr>
+              <a:t>Azure Bot Service</a:t>
+            </a:r>
+            <a:endParaRPr lang="es-ES" dirty="0"/>
+          </a:p>
+        </p:txBody>
+      </p:sp>
+      <p:sp>
+        <p:nvSpPr>
+          <p:cNvPr id="12" name="CuadroTexto 11">
+            <a:extLst>
+              <a:ext uri="{FF2B5EF4-FFF2-40B4-BE49-F238E27FC236}">
+                <a16:creationId xmlns:a16="http://schemas.microsoft.com/office/drawing/2014/main" id="{31E1267E-7502-48B7-B335-A97445CB8EA6}"/>
+              </a:ext>
+            </a:extLst>
+          </p:cNvPr>
+          <p:cNvSpPr txBox="1"/>
+          <p:nvPr/>
+        </p:nvSpPr>
+        <p:spPr>
+          <a:xfrm>
+            <a:off x="1980561" y="3650145"/>
+            <a:ext cx="1621476" cy="369332"/>
+          </a:xfrm>
+          <a:prstGeom prst="rect">
+            <a:avLst/>
+          </a:prstGeom>
+          <a:noFill/>
+        </p:spPr>
+        <p:txBody>
+          <a:bodyPr wrap="square">
+            <a:spAutoFit/>
+          </a:bodyPr>
+          <a:lstStyle/>
+          <a:p>
+            <a:r>
+              <a:rPr lang="en-US" sz="1800" b="1" dirty="0">
+                <a:solidFill>
+                  <a:srgbClr val="000000"/>
+                </a:solidFill>
+                <a:effectLst/>
+                <a:latin typeface="Arial" panose="020B0604020202020204" pitchFamily="34" charset="0"/>
+                <a:ea typeface="Segoe UI" panose="020B0502040204020203" pitchFamily="34" charset="0"/>
+              </a:rPr>
+              <a:t>Amazon Lex </a:t>
+            </a:r>
+            <a:endParaRPr lang="es-ES" dirty="0"/>
+          </a:p>
+        </p:txBody>
+      </p:sp>
+      <p:sp>
+        <p:nvSpPr>
+          <p:cNvPr id="14" name="CuadroTexto 13">
+            <a:extLst>
+              <a:ext uri="{FF2B5EF4-FFF2-40B4-BE49-F238E27FC236}">
+                <a16:creationId xmlns:a16="http://schemas.microsoft.com/office/drawing/2014/main" id="{71E03349-2A75-4330-95FD-178D52E0DA03}"/>
+              </a:ext>
+            </a:extLst>
+          </p:cNvPr>
+          <p:cNvSpPr txBox="1"/>
+          <p:nvPr/>
+        </p:nvSpPr>
+        <p:spPr>
+          <a:xfrm>
+            <a:off x="2090584" y="5951825"/>
+            <a:ext cx="1511453" cy="369332"/>
+          </a:xfrm>
+          <a:prstGeom prst="rect">
+            <a:avLst/>
+          </a:prstGeom>
+          <a:noFill/>
+        </p:spPr>
+        <p:txBody>
+          <a:bodyPr wrap="square">
+            <a:spAutoFit/>
+          </a:bodyPr>
+          <a:lstStyle/>
+          <a:p>
+            <a:r>
+              <a:rPr lang="en-US" sz="1800" b="1" dirty="0" err="1">
+                <a:solidFill>
+                  <a:srgbClr val="000000"/>
+                </a:solidFill>
+                <a:effectLst/>
+                <a:latin typeface="Arial" panose="020B0604020202020204" pitchFamily="34" charset="0"/>
+                <a:ea typeface="Segoe UI" panose="020B0502040204020203" pitchFamily="34" charset="0"/>
+              </a:rPr>
+              <a:t>DialogFlow</a:t>
+            </a:r>
+            <a:r>
+              <a:rPr lang="en-US" sz="1800" b="1" dirty="0">
+                <a:solidFill>
+                  <a:srgbClr val="000000"/>
+                </a:solidFill>
+                <a:effectLst/>
+                <a:latin typeface="Arial" panose="020B0604020202020204" pitchFamily="34" charset="0"/>
+                <a:ea typeface="Segoe UI" panose="020B0502040204020203" pitchFamily="34" charset="0"/>
+              </a:rPr>
+              <a:t> </a:t>
+            </a:r>
+            <a:endParaRPr lang="es-ES" dirty="0"/>
+          </a:p>
+        </p:txBody>
+      </p:sp>
+      <p:sp>
+        <p:nvSpPr>
+          <p:cNvPr id="16" name="CuadroTexto 15">
+            <a:extLst>
+              <a:ext uri="{FF2B5EF4-FFF2-40B4-BE49-F238E27FC236}">
+                <a16:creationId xmlns:a16="http://schemas.microsoft.com/office/drawing/2014/main" id="{22ACA199-EA84-4B97-95AF-99B4A5725303}"/>
+              </a:ext>
+            </a:extLst>
+          </p:cNvPr>
+          <p:cNvSpPr txBox="1"/>
+          <p:nvPr/>
+        </p:nvSpPr>
+        <p:spPr>
+          <a:xfrm>
+            <a:off x="9104814" y="3745395"/>
+            <a:ext cx="962333" cy="369332"/>
+          </a:xfrm>
+          <a:prstGeom prst="rect">
+            <a:avLst/>
+          </a:prstGeom>
+          <a:noFill/>
+        </p:spPr>
+        <p:txBody>
+          <a:bodyPr wrap="square">
+            <a:spAutoFit/>
+          </a:bodyPr>
+          <a:lstStyle/>
+          <a:p>
+            <a:r>
+              <a:rPr lang="en-US" sz="1800" b="1" u="sng" dirty="0">
+                <a:solidFill>
+                  <a:srgbClr val="000000"/>
+                </a:solidFill>
+                <a:effectLst/>
+                <a:latin typeface="Arial" panose="020B0604020202020204" pitchFamily="34" charset="0"/>
+                <a:ea typeface="Segoe UI" panose="020B0502040204020203" pitchFamily="34" charset="0"/>
+              </a:rPr>
+              <a:t>RASA</a:t>
+            </a:r>
+            <a:endParaRPr lang="es-ES" u="sng" dirty="0"/>
+          </a:p>
+        </p:txBody>
+      </p:sp>
+      <p:sp>
+        <p:nvSpPr>
+          <p:cNvPr id="18" name="CuadroTexto 17">
+            <a:extLst>
+              <a:ext uri="{FF2B5EF4-FFF2-40B4-BE49-F238E27FC236}">
+                <a16:creationId xmlns:a16="http://schemas.microsoft.com/office/drawing/2014/main" id="{2DBBAC76-2135-4502-A721-12D8E52255BE}"/>
+              </a:ext>
+            </a:extLst>
+          </p:cNvPr>
+          <p:cNvSpPr txBox="1"/>
+          <p:nvPr/>
+        </p:nvSpPr>
+        <p:spPr>
+          <a:xfrm>
+            <a:off x="9104814" y="5903218"/>
+            <a:ext cx="1346672" cy="369332"/>
+          </a:xfrm>
+          <a:prstGeom prst="rect">
+            <a:avLst/>
+          </a:prstGeom>
+          <a:noFill/>
+        </p:spPr>
+        <p:txBody>
+          <a:bodyPr wrap="square">
+            <a:spAutoFit/>
+          </a:bodyPr>
+          <a:lstStyle/>
+          <a:p>
+            <a:r>
+              <a:rPr lang="en-US" sz="1800" b="1" dirty="0" err="1">
+                <a:solidFill>
+                  <a:srgbClr val="000000"/>
+                </a:solidFill>
+                <a:effectLst/>
+                <a:latin typeface="Arial" panose="020B0604020202020204" pitchFamily="34" charset="0"/>
+                <a:ea typeface="Segoe UI" panose="020B0502040204020203" pitchFamily="34" charset="0"/>
+              </a:rPr>
+              <a:t>BotPress</a:t>
+            </a:r>
+            <a:endParaRPr lang="es-ES" dirty="0"/>
+          </a:p>
+        </p:txBody>
+      </p:sp>
+    </p:spTree>
+    <p:extLst>
+      <p:ext uri="{BB962C8B-B14F-4D97-AF65-F5344CB8AC3E}">
+        <p14:creationId xmlns:p14="http://schemas.microsoft.com/office/powerpoint/2010/main" val="471638632"/>
+      </p:ext>
+    </p:extLst>
+  </p:cSld>
+  <p:clrMapOvr>
+    <a:masterClrMapping/>
+  </p:clrMapOvr>
+</p:sld>
+</file>
+
+<file path=ppt/slides/slide8.xml><?xml version="1.0" encoding="utf-8"?>
+<p:sld xmlns:a="http://schemas.openxmlformats.org/drawingml/2006/main" xmlns:r="http://schemas.openxmlformats.org/officeDocument/2006/relationships" xmlns:p="http://schemas.openxmlformats.org/presentationml/2006/main">
+  <p:cSld>
+    <p:spTree>
+      <p:nvGrpSpPr>
+        <p:cNvPr id="1" name=""/>
+        <p:cNvGrpSpPr/>
+        <p:nvPr/>
+      </p:nvGrpSpPr>
+      <p:grpSpPr>
+        <a:xfrm>
+          <a:off x="0" y="0"/>
+          <a:ext cx="0" cy="0"/>
+          <a:chOff x="0" y="0"/>
+          <a:chExt cx="0" cy="0"/>
+        </a:xfrm>
+      </p:grpSpPr>
+      <p:sp>
+        <p:nvSpPr>
+          <p:cNvPr id="2" name="Título 1">
+            <a:extLst>
+              <a:ext uri="{FF2B5EF4-FFF2-40B4-BE49-F238E27FC236}">
+                <a16:creationId xmlns:a16="http://schemas.microsoft.com/office/drawing/2014/main" id="{D09217C3-7961-22A7-D709-ED798861B56B}"/>
+              </a:ext>
+            </a:extLst>
+          </p:cNvPr>
+          <p:cNvSpPr>
+            <a:spLocks noGrp="1"/>
+          </p:cNvSpPr>
+          <p:nvPr>
+            <p:ph type="title"/>
+          </p:nvPr>
+        </p:nvSpPr>
+        <p:spPr>
+          <a:xfrm>
+            <a:off x="863371" y="86083"/>
+            <a:ext cx="10058400" cy="1269246"/>
+          </a:xfrm>
+        </p:spPr>
+        <p:txBody>
+          <a:bodyPr/>
+          <a:lstStyle/>
+          <a:p>
+            <a:pPr algn="ctr"/>
+            <a:r>
+              <a:rPr lang="es-ES" dirty="0"/>
+              <a:t>Estructura de la tesis</a:t>
+            </a:r>
+          </a:p>
+        </p:txBody>
+      </p:sp>
+      <p:sp>
+        <p:nvSpPr>
+          <p:cNvPr id="5" name="AutoShape 4">
+            <a:extLst>
+              <a:ext uri="{FF2B5EF4-FFF2-40B4-BE49-F238E27FC236}">
+                <a16:creationId xmlns:a16="http://schemas.microsoft.com/office/drawing/2014/main" id="{BECC851E-C150-6A88-36E3-9AE0E51D5F59}"/>
+              </a:ext>
+            </a:extLst>
+          </p:cNvPr>
+          <p:cNvSpPr>
+            <a:spLocks noChangeArrowheads="1"/>
+          </p:cNvSpPr>
+          <p:nvPr/>
+        </p:nvSpPr>
+        <p:spPr bwMode="gray">
+          <a:xfrm>
+            <a:off x="220715" y="2725759"/>
+            <a:ext cx="5754415" cy="533400"/>
+          </a:xfrm>
+          <a:prstGeom prst="roundRect">
+            <a:avLst>
+              <a:gd name="adj" fmla="val 16667"/>
+            </a:avLst>
+          </a:prstGeom>
+          <a:ln>
+            <a:headEnd/>
+            <a:tailEnd/>
+          </a:ln>
+        </p:spPr>
+        <p:style>
+          <a:lnRef idx="2">
+            <a:schemeClr val="accent2">
+              <a:shade val="50000"/>
+            </a:schemeClr>
+          </a:lnRef>
+          <a:fillRef idx="1">
+            <a:schemeClr val="accent2"/>
+          </a:fillRef>
+          <a:effectRef idx="0">
+            <a:schemeClr val="accent2"/>
+          </a:effectRef>
+          <a:fontRef idx="minor">
+            <a:schemeClr val="lt1"/>
+          </a:fontRef>
+        </p:style>
+        <p:txBody>
+          <a:bodyPr wrap="none" anchor="ctr"/>
+          <a:lstStyle/>
+          <a:p>
+            <a:r>
+              <a:rPr lang="es-ES" altLang="es-ES" sz="2400" b="1" dirty="0">
+                <a:solidFill>
+                  <a:srgbClr val="FFFFFF"/>
+                </a:solidFill>
+                <a:effectLst>
+                  <a:outerShdw blurRad="38100" dist="38100" dir="2700000" algn="tl">
+                    <a:srgbClr val="000000"/>
+                  </a:outerShdw>
+                </a:effectLst>
+              </a:rPr>
+              <a:t>Capítulo</a:t>
+            </a:r>
+            <a:r>
+              <a:rPr lang="en-US" altLang="es-ES" sz="2400" b="1" dirty="0">
+                <a:solidFill>
+                  <a:srgbClr val="FFFFFF"/>
+                </a:solidFill>
+                <a:effectLst>
+                  <a:outerShdw blurRad="38100" dist="38100" dir="2700000" algn="tl">
+                    <a:srgbClr val="000000"/>
+                  </a:outerShdw>
+                </a:effectLst>
+              </a:rPr>
+              <a:t> 1.</a:t>
+            </a:r>
+            <a:r>
+              <a:rPr lang="es-ES" altLang="es-ES" sz="2400" b="1" dirty="0">
+                <a:solidFill>
+                  <a:srgbClr val="FFFFFF"/>
+                </a:solidFill>
+                <a:effectLst>
+                  <a:outerShdw blurRad="38100" dist="38100" dir="2700000" algn="tl">
+                    <a:srgbClr val="000000"/>
+                  </a:outerShdw>
+                </a:effectLst>
+              </a:rPr>
+              <a:t> </a:t>
+            </a:r>
+            <a:r>
+              <a:rPr lang="en-US" altLang="es-ES" sz="2400" b="1" dirty="0">
+                <a:solidFill>
+                  <a:srgbClr val="FFFFFF"/>
+                </a:solidFill>
+                <a:effectLst>
+                  <a:outerShdw blurRad="38100" dist="38100" dir="2700000" algn="tl">
+                    <a:srgbClr val="000000"/>
+                  </a:outerShdw>
+                </a:effectLst>
+              </a:rPr>
+              <a:t>Marco </a:t>
+            </a:r>
+            <a:r>
+              <a:rPr lang="es-ES" altLang="es-ES" sz="2400" b="1" dirty="0">
+                <a:solidFill>
+                  <a:srgbClr val="FFFFFF"/>
+                </a:solidFill>
+                <a:effectLst>
+                  <a:outerShdw blurRad="38100" dist="38100" dir="2700000" algn="tl">
+                    <a:srgbClr val="000000"/>
+                  </a:outerShdw>
+                </a:effectLst>
+              </a:rPr>
+              <a:t>Referencial</a:t>
+            </a:r>
+          </a:p>
+        </p:txBody>
+      </p:sp>
+      <p:sp>
+        <p:nvSpPr>
+          <p:cNvPr id="6" name="AutoShape 5">
+            <a:extLst>
+              <a:ext uri="{FF2B5EF4-FFF2-40B4-BE49-F238E27FC236}">
+                <a16:creationId xmlns:a16="http://schemas.microsoft.com/office/drawing/2014/main" id="{A38CD4A4-922A-078C-518F-DA1C0E6BCFD1}"/>
+              </a:ext>
+            </a:extLst>
+          </p:cNvPr>
+          <p:cNvSpPr>
+            <a:spLocks noChangeArrowheads="1"/>
+          </p:cNvSpPr>
+          <p:nvPr/>
+        </p:nvSpPr>
+        <p:spPr bwMode="gray">
+          <a:xfrm>
+            <a:off x="220717" y="3703730"/>
+            <a:ext cx="5754414" cy="533400"/>
+          </a:xfrm>
+          <a:prstGeom prst="roundRect">
+            <a:avLst>
+              <a:gd name="adj" fmla="val 16667"/>
+            </a:avLst>
+          </a:prstGeom>
+          <a:ln>
+            <a:headEnd/>
+            <a:tailEnd/>
+          </a:ln>
+        </p:spPr>
+        <p:style>
+          <a:lnRef idx="2">
+            <a:schemeClr val="accent6">
+              <a:shade val="50000"/>
+            </a:schemeClr>
+          </a:lnRef>
+          <a:fillRef idx="1">
+            <a:schemeClr val="accent6"/>
+          </a:fillRef>
+          <a:effectRef idx="0">
+            <a:schemeClr val="accent6"/>
+          </a:effectRef>
+          <a:fontRef idx="minor">
+            <a:schemeClr val="lt1"/>
+          </a:fontRef>
+        </p:style>
+        <p:txBody>
+          <a:bodyPr wrap="none" anchor="ctr"/>
+          <a:lstStyle/>
+          <a:p>
+            <a:r>
+              <a:rPr lang="en-US" altLang="es-ES" sz="2400" b="1" dirty="0" err="1">
+                <a:solidFill>
+                  <a:srgbClr val="FFFFFF"/>
+                </a:solidFill>
+                <a:effectLst>
+                  <a:outerShdw blurRad="38100" dist="38100" dir="2700000" algn="tl">
+                    <a:srgbClr val="000000"/>
+                  </a:outerShdw>
+                </a:effectLst>
+              </a:rPr>
+              <a:t>Capítulo</a:t>
+            </a:r>
+            <a:r>
+              <a:rPr lang="en-US" altLang="es-ES" sz="2400" b="1" dirty="0">
+                <a:solidFill>
+                  <a:srgbClr val="FFFFFF"/>
+                </a:solidFill>
+                <a:effectLst>
+                  <a:outerShdw blurRad="38100" dist="38100" dir="2700000" algn="tl">
+                    <a:srgbClr val="000000"/>
+                  </a:outerShdw>
+                </a:effectLst>
+              </a:rPr>
+              <a:t> 2. </a:t>
+            </a:r>
+            <a:r>
+              <a:rPr lang="en-US" altLang="es-ES" sz="2400" b="1" dirty="0" err="1">
+                <a:solidFill>
+                  <a:srgbClr val="FFFFFF"/>
+                </a:solidFill>
+                <a:effectLst>
+                  <a:outerShdw blurRad="38100" dist="38100" dir="2700000" algn="tl">
+                    <a:srgbClr val="000000"/>
+                  </a:outerShdw>
+                </a:effectLst>
+              </a:rPr>
+              <a:t>Planificación</a:t>
+            </a:r>
+            <a:r>
+              <a:rPr lang="en-US" altLang="es-ES" sz="2400" b="1" dirty="0">
+                <a:solidFill>
+                  <a:srgbClr val="FFFFFF"/>
+                </a:solidFill>
+                <a:effectLst>
+                  <a:outerShdw blurRad="38100" dist="38100" dir="2700000" algn="tl">
+                    <a:srgbClr val="000000"/>
+                  </a:outerShdw>
+                </a:effectLst>
+              </a:rPr>
+              <a:t> y </a:t>
+            </a:r>
+            <a:r>
+              <a:rPr lang="en-US" altLang="es-ES" sz="2400" b="1" dirty="0" err="1">
+                <a:solidFill>
+                  <a:srgbClr val="FFFFFF"/>
+                </a:solidFill>
+                <a:effectLst>
+                  <a:outerShdw blurRad="38100" dist="38100" dir="2700000" algn="tl">
+                    <a:srgbClr val="000000"/>
+                  </a:outerShdw>
+                </a:effectLst>
+              </a:rPr>
+              <a:t>Diseño</a:t>
+            </a:r>
+            <a:endParaRPr lang="en-US" altLang="es-ES" sz="2400" b="1" dirty="0">
+              <a:solidFill>
+                <a:srgbClr val="FFFFFF"/>
+              </a:solidFill>
+              <a:effectLst>
+                <a:outerShdw blurRad="38100" dist="38100" dir="2700000" algn="tl">
+                  <a:srgbClr val="000000"/>
+                </a:outerShdw>
+              </a:effectLst>
+            </a:endParaRPr>
+          </a:p>
+        </p:txBody>
+      </p:sp>
+      <p:sp>
+        <p:nvSpPr>
+          <p:cNvPr id="7" name="AutoShape 6">
+            <a:extLst>
+              <a:ext uri="{FF2B5EF4-FFF2-40B4-BE49-F238E27FC236}">
+                <a16:creationId xmlns:a16="http://schemas.microsoft.com/office/drawing/2014/main" id="{A8EAE851-39B8-98AB-093C-E20A237AB3B9}"/>
+              </a:ext>
+            </a:extLst>
+          </p:cNvPr>
+          <p:cNvSpPr>
+            <a:spLocks noChangeArrowheads="1"/>
+          </p:cNvSpPr>
+          <p:nvPr/>
+        </p:nvSpPr>
+        <p:spPr bwMode="gray">
+          <a:xfrm>
+            <a:off x="220717" y="4752137"/>
+            <a:ext cx="5875282" cy="533400"/>
+          </a:xfrm>
+          <a:prstGeom prst="roundRect">
+            <a:avLst>
+              <a:gd name="adj" fmla="val 16667"/>
+            </a:avLst>
+          </a:prstGeom>
+          <a:solidFill>
+            <a:srgbClr val="7030A0"/>
+          </a:solidFill>
+          <a:ln>
+            <a:noFill/>
+          </a:ln>
+        </p:spPr>
+        <p:style>
+          <a:lnRef idx="0">
+            <a:scrgbClr r="0" g="0" b="0"/>
+          </a:lnRef>
+          <a:fillRef idx="0">
+            <a:scrgbClr r="0" g="0" b="0"/>
+          </a:fillRef>
+          <a:effectRef idx="0">
+            <a:scrgbClr r="0" g="0" b="0"/>
+          </a:effectRef>
+          <a:fontRef idx="minor">
+            <a:schemeClr val="lt1"/>
+          </a:fontRef>
+        </p:style>
+        <p:txBody>
+          <a:bodyPr wrap="none" anchor="ctr"/>
+          <a:lstStyle/>
+          <a:p>
+            <a:r>
+              <a:rPr lang="en-US" altLang="es-ES" sz="2400" b="1" dirty="0" err="1">
+                <a:solidFill>
+                  <a:srgbClr val="FFFFFF"/>
+                </a:solidFill>
+                <a:effectLst>
+                  <a:outerShdw blurRad="38100" dist="38100" dir="2700000" algn="tl">
+                    <a:srgbClr val="000000"/>
+                  </a:outerShdw>
+                </a:effectLst>
+              </a:rPr>
+              <a:t>Capítulo</a:t>
+            </a:r>
+            <a:r>
+              <a:rPr lang="en-US" altLang="es-ES" sz="2400" b="1" dirty="0">
+                <a:solidFill>
+                  <a:srgbClr val="FFFFFF"/>
+                </a:solidFill>
+                <a:effectLst>
+                  <a:outerShdw blurRad="38100" dist="38100" dir="2700000" algn="tl">
+                    <a:srgbClr val="000000"/>
+                  </a:outerShdw>
+                </a:effectLst>
+              </a:rPr>
+              <a:t> 3. </a:t>
+            </a:r>
+            <a:r>
+              <a:rPr lang="es-ES" altLang="es-ES" sz="2400" b="1" dirty="0">
+                <a:solidFill>
+                  <a:srgbClr val="FFFFFF"/>
+                </a:solidFill>
+                <a:effectLst>
+                  <a:outerShdw blurRad="38100" dist="38100" dir="2700000" algn="tl">
+                    <a:srgbClr val="000000"/>
+                  </a:outerShdw>
+                </a:effectLst>
+              </a:rPr>
+              <a:t>Implementación</a:t>
+            </a:r>
+            <a:r>
+              <a:rPr lang="en-US" altLang="es-ES" sz="2400" b="1" dirty="0">
+                <a:solidFill>
+                  <a:srgbClr val="FFFFFF"/>
+                </a:solidFill>
+                <a:effectLst>
+                  <a:outerShdw blurRad="38100" dist="38100" dir="2700000" algn="tl">
+                    <a:srgbClr val="000000"/>
+                  </a:outerShdw>
+                </a:effectLst>
+              </a:rPr>
+              <a:t> y </a:t>
+            </a:r>
+            <a:r>
+              <a:rPr lang="en-US" altLang="es-ES" sz="2400" b="1" dirty="0" err="1">
+                <a:solidFill>
+                  <a:srgbClr val="FFFFFF"/>
+                </a:solidFill>
+                <a:effectLst>
+                  <a:outerShdw blurRad="38100" dist="38100" dir="2700000" algn="tl">
+                    <a:srgbClr val="000000"/>
+                  </a:outerShdw>
+                </a:effectLst>
+              </a:rPr>
+              <a:t>Prueba</a:t>
+            </a:r>
+            <a:endParaRPr lang="en-US" altLang="es-ES" sz="2400" b="1" dirty="0">
+              <a:solidFill>
+                <a:srgbClr val="FFFFFF"/>
+              </a:solidFill>
+              <a:effectLst>
+                <a:outerShdw blurRad="38100" dist="38100" dir="2700000" algn="tl">
+                  <a:srgbClr val="000000"/>
+                </a:outerShdw>
+              </a:effectLst>
+            </a:endParaRPr>
+          </a:p>
+        </p:txBody>
+      </p:sp>
+      <p:sp>
+        <p:nvSpPr>
+          <p:cNvPr id="8" name="AutoShape 7">
+            <a:extLst>
+              <a:ext uri="{FF2B5EF4-FFF2-40B4-BE49-F238E27FC236}">
+                <a16:creationId xmlns:a16="http://schemas.microsoft.com/office/drawing/2014/main" id="{6320ED67-A965-CB22-0FC8-43B36B2B13FF}"/>
+              </a:ext>
+            </a:extLst>
+          </p:cNvPr>
+          <p:cNvSpPr>
+            <a:spLocks noChangeArrowheads="1"/>
+          </p:cNvSpPr>
+          <p:nvPr/>
+        </p:nvSpPr>
+        <p:spPr bwMode="gray">
+          <a:xfrm>
+            <a:off x="6442837" y="1884932"/>
+            <a:ext cx="5528447" cy="533400"/>
+          </a:xfrm>
+          <a:prstGeom prst="roundRect">
+            <a:avLst>
+              <a:gd name="adj" fmla="val 16667"/>
+            </a:avLst>
+          </a:prstGeom>
+          <a:gradFill rotWithShape="1">
+            <a:gsLst>
+              <a:gs pos="0">
+                <a:srgbClr val="A48B2E"/>
+              </a:gs>
+              <a:gs pos="50000">
+                <a:srgbClr val="A48B2E">
+                  <a:gamma/>
+                  <a:tint val="51373"/>
+                  <a:invGamma/>
+                </a:srgbClr>
+              </a:gs>
+              <a:gs pos="100000">
+                <a:srgbClr val="A48B2E"/>
+              </a:gs>
+            </a:gsLst>
+            <a:lin ang="5400000" scaled="1"/>
+          </a:gradFill>
+          <a:ln w="25400" algn="ctr">
+            <a:solidFill>
+              <a:schemeClr val="tx1"/>
+            </a:solidFill>
+            <a:round/>
+            <a:headEnd/>
+            <a:tailEnd/>
+          </a:ln>
+          <a:effectLst/>
+        </p:spPr>
+        <p:txBody>
+          <a:bodyPr wrap="none" anchor="ctr"/>
+          <a:lstStyle/>
+          <a:p>
+            <a:r>
+              <a:rPr lang="en-US" altLang="es-ES" sz="2400" b="1" dirty="0" err="1">
+                <a:solidFill>
+                  <a:srgbClr val="FFFFFF"/>
+                </a:solidFill>
+                <a:effectLst>
+                  <a:outerShdw blurRad="38100" dist="38100" dir="2700000" algn="tl">
+                    <a:srgbClr val="000000"/>
+                  </a:outerShdw>
+                </a:effectLst>
+              </a:rPr>
+              <a:t>Conclusiones</a:t>
+            </a:r>
+            <a:endParaRPr lang="en-US" altLang="es-ES" sz="2400" b="1" dirty="0">
+              <a:solidFill>
+                <a:srgbClr val="FFFFFF"/>
+              </a:solidFill>
+              <a:effectLst>
+                <a:outerShdw blurRad="38100" dist="38100" dir="2700000" algn="tl">
+                  <a:srgbClr val="000000"/>
+                </a:outerShdw>
+              </a:effectLst>
+            </a:endParaRPr>
+          </a:p>
+        </p:txBody>
+      </p:sp>
+      <p:sp>
+        <p:nvSpPr>
+          <p:cNvPr id="9" name="AutoShape 8">
+            <a:extLst>
+              <a:ext uri="{FF2B5EF4-FFF2-40B4-BE49-F238E27FC236}">
+                <a16:creationId xmlns:a16="http://schemas.microsoft.com/office/drawing/2014/main" id="{C4AE7C83-6949-324B-5075-D54AA1663711}"/>
+              </a:ext>
+            </a:extLst>
+          </p:cNvPr>
+          <p:cNvSpPr>
+            <a:spLocks noChangeArrowheads="1"/>
+          </p:cNvSpPr>
+          <p:nvPr/>
+        </p:nvSpPr>
+        <p:spPr bwMode="gray">
+          <a:xfrm>
+            <a:off x="6442837" y="2741525"/>
+            <a:ext cx="5528447" cy="533400"/>
+          </a:xfrm>
+          <a:prstGeom prst="roundRect">
+            <a:avLst>
+              <a:gd name="adj" fmla="val 16667"/>
+            </a:avLst>
+          </a:prstGeom>
+          <a:solidFill>
+            <a:schemeClr val="accent1">
+              <a:lumMod val="50000"/>
+            </a:schemeClr>
+          </a:solidFill>
+          <a:ln w="25400" algn="ctr">
+            <a:solidFill>
+              <a:schemeClr val="tx1"/>
+            </a:solidFill>
+            <a:round/>
+            <a:headEnd/>
+            <a:tailEnd/>
+          </a:ln>
+          <a:effectLst/>
+        </p:spPr>
+        <p:txBody>
+          <a:bodyPr wrap="none" anchor="ctr"/>
+          <a:lstStyle/>
+          <a:p>
+            <a:r>
+              <a:rPr lang="en-US" altLang="es-ES" sz="2400" b="1" dirty="0" err="1">
+                <a:solidFill>
+                  <a:srgbClr val="FFFFFF"/>
+                </a:solidFill>
+                <a:effectLst>
+                  <a:outerShdw blurRad="38100" dist="38100" dir="2700000" algn="tl">
+                    <a:srgbClr val="000000"/>
+                  </a:outerShdw>
+                </a:effectLst>
+              </a:rPr>
+              <a:t>Recomendaciones</a:t>
+            </a:r>
+            <a:endParaRPr lang="en-US" altLang="es-ES" sz="2400" b="1" dirty="0">
+              <a:solidFill>
+                <a:srgbClr val="FFFFFF"/>
+              </a:solidFill>
+              <a:effectLst>
+                <a:outerShdw blurRad="38100" dist="38100" dir="2700000" algn="tl">
+                  <a:srgbClr val="000000"/>
+                </a:outerShdw>
+              </a:effectLst>
+            </a:endParaRPr>
+          </a:p>
+        </p:txBody>
+      </p:sp>
+      <p:sp>
+        <p:nvSpPr>
+          <p:cNvPr id="10" name="AutoShape 8">
+            <a:extLst>
+              <a:ext uri="{FF2B5EF4-FFF2-40B4-BE49-F238E27FC236}">
+                <a16:creationId xmlns:a16="http://schemas.microsoft.com/office/drawing/2014/main" id="{FF68A702-E263-D77B-10FD-659B32A81E23}"/>
+              </a:ext>
+            </a:extLst>
+          </p:cNvPr>
+          <p:cNvSpPr>
+            <a:spLocks noChangeArrowheads="1"/>
+          </p:cNvSpPr>
+          <p:nvPr/>
+        </p:nvSpPr>
+        <p:spPr bwMode="gray">
+          <a:xfrm>
+            <a:off x="6442837" y="3712124"/>
+            <a:ext cx="5528447" cy="533400"/>
+          </a:xfrm>
+          <a:prstGeom prst="roundRect">
+            <a:avLst>
+              <a:gd name="adj" fmla="val 16667"/>
+            </a:avLst>
+          </a:prstGeom>
+          <a:solidFill>
+            <a:schemeClr val="tx2"/>
+          </a:solidFill>
+          <a:ln w="25400" algn="ctr">
+            <a:solidFill>
+              <a:schemeClr val="tx1"/>
+            </a:solidFill>
+            <a:round/>
+            <a:headEnd/>
+            <a:tailEnd/>
+          </a:ln>
+          <a:effectLst/>
+        </p:spPr>
+        <p:txBody>
+          <a:bodyPr wrap="none" anchor="ctr"/>
+          <a:lstStyle/>
+          <a:p>
+            <a:r>
+              <a:rPr lang="en-US" altLang="es-ES" sz="2400" b="1" dirty="0" err="1">
+                <a:solidFill>
+                  <a:srgbClr val="FFFFFF"/>
+                </a:solidFill>
+                <a:effectLst>
+                  <a:outerShdw blurRad="38100" dist="38100" dir="2700000" algn="tl">
+                    <a:srgbClr val="000000"/>
+                  </a:outerShdw>
+                </a:effectLst>
+              </a:rPr>
+              <a:t>Bibliografía</a:t>
+            </a:r>
+            <a:endParaRPr lang="en-US" altLang="es-ES" sz="2400" b="1" dirty="0">
+              <a:solidFill>
+                <a:srgbClr val="FFFFFF"/>
+              </a:solidFill>
+              <a:effectLst>
+                <a:outerShdw blurRad="38100" dist="38100" dir="2700000" algn="tl">
+                  <a:srgbClr val="000000"/>
+                </a:outerShdw>
+              </a:effectLst>
+            </a:endParaRPr>
+          </a:p>
+        </p:txBody>
+      </p:sp>
+      <p:sp>
+        <p:nvSpPr>
+          <p:cNvPr id="11" name="AutoShape 8">
+            <a:extLst>
+              <a:ext uri="{FF2B5EF4-FFF2-40B4-BE49-F238E27FC236}">
+                <a16:creationId xmlns:a16="http://schemas.microsoft.com/office/drawing/2014/main" id="{857F2ECE-B266-D963-49D5-A6BFFF9900AE}"/>
+              </a:ext>
+            </a:extLst>
+          </p:cNvPr>
+          <p:cNvSpPr>
+            <a:spLocks noChangeArrowheads="1"/>
+          </p:cNvSpPr>
+          <p:nvPr/>
+        </p:nvSpPr>
+        <p:spPr bwMode="gray">
+          <a:xfrm>
+            <a:off x="6442838" y="4741839"/>
+            <a:ext cx="5528446" cy="533400"/>
+          </a:xfrm>
+          <a:prstGeom prst="roundRect">
+            <a:avLst>
+              <a:gd name="adj" fmla="val 16667"/>
+            </a:avLst>
+          </a:prstGeom>
+          <a:solidFill>
+            <a:srgbClr val="002060"/>
+          </a:solidFill>
+          <a:ln w="25400" algn="ctr">
+            <a:solidFill>
+              <a:schemeClr val="tx1"/>
+            </a:solidFill>
+            <a:round/>
+            <a:headEnd/>
+            <a:tailEnd/>
+          </a:ln>
+          <a:effectLst/>
+        </p:spPr>
+        <p:txBody>
+          <a:bodyPr wrap="none" anchor="ctr"/>
+          <a:lstStyle/>
+          <a:p>
+            <a:r>
+              <a:rPr lang="en-US" altLang="es-ES" sz="2400" b="1" dirty="0" err="1">
+                <a:solidFill>
+                  <a:srgbClr val="FFFFFF"/>
+                </a:solidFill>
+                <a:effectLst>
+                  <a:outerShdw blurRad="38100" dist="38100" dir="2700000" algn="tl">
+                    <a:srgbClr val="000000"/>
+                  </a:outerShdw>
+                </a:effectLst>
+              </a:rPr>
+              <a:t>Anexos</a:t>
+            </a:r>
+            <a:endParaRPr lang="en-US" altLang="es-ES" sz="2400" b="1" dirty="0">
+              <a:solidFill>
+                <a:srgbClr val="FFFFFF"/>
+              </a:solidFill>
+              <a:effectLst>
+                <a:outerShdw blurRad="38100" dist="38100" dir="2700000" algn="tl">
+                  <a:srgbClr val="000000"/>
+                </a:outerShdw>
+              </a:effectLst>
+            </a:endParaRPr>
+          </a:p>
+        </p:txBody>
+      </p:sp>
+      <p:sp>
+        <p:nvSpPr>
+          <p:cNvPr id="12" name="AutoShape 4">
+            <a:extLst>
+              <a:ext uri="{FF2B5EF4-FFF2-40B4-BE49-F238E27FC236}">
+                <a16:creationId xmlns:a16="http://schemas.microsoft.com/office/drawing/2014/main" id="{A54702AF-EA42-895A-FE12-F4D1840AA459}"/>
+              </a:ext>
+            </a:extLst>
+          </p:cNvPr>
+          <p:cNvSpPr>
+            <a:spLocks noChangeArrowheads="1"/>
+          </p:cNvSpPr>
+          <p:nvPr/>
+        </p:nvSpPr>
+        <p:spPr bwMode="gray">
+          <a:xfrm>
+            <a:off x="220715" y="1884932"/>
+            <a:ext cx="5754415" cy="533400"/>
+          </a:xfrm>
+          <a:prstGeom prst="roundRect">
+            <a:avLst>
+              <a:gd name="adj" fmla="val 16667"/>
+            </a:avLst>
+          </a:prstGeom>
+          <a:ln>
+            <a:headEnd/>
+            <a:tailEnd/>
+          </a:ln>
+        </p:spPr>
+        <p:style>
+          <a:lnRef idx="2">
+            <a:schemeClr val="accent1">
+              <a:shade val="50000"/>
+            </a:schemeClr>
+          </a:lnRef>
+          <a:fillRef idx="1">
+            <a:schemeClr val="accent1"/>
+          </a:fillRef>
+          <a:effectRef idx="0">
+            <a:schemeClr val="accent1"/>
+          </a:effectRef>
+          <a:fontRef idx="minor">
+            <a:schemeClr val="lt1"/>
+          </a:fontRef>
+        </p:style>
+        <p:txBody>
+          <a:bodyPr wrap="none" anchor="ctr"/>
+          <a:lstStyle/>
+          <a:p>
+            <a:r>
+              <a:rPr lang="es-ES" altLang="es-ES" sz="2400" b="1" dirty="0">
+                <a:solidFill>
+                  <a:srgbClr val="FFFFFF"/>
+                </a:solidFill>
+                <a:effectLst>
+                  <a:outerShdw blurRad="38100" dist="38100" dir="2700000" algn="tl">
+                    <a:srgbClr val="000000"/>
+                  </a:outerShdw>
+                </a:effectLst>
+              </a:rPr>
+              <a:t>Introducción</a:t>
+            </a:r>
+          </a:p>
+        </p:txBody>
+      </p:sp>
+    </p:spTree>
+    <p:extLst>
+      <p:ext uri="{BB962C8B-B14F-4D97-AF65-F5344CB8AC3E}">
+        <p14:creationId xmlns:p14="http://schemas.microsoft.com/office/powerpoint/2010/main" val="3014748145"/>
+      </p:ext>
+    </p:extLst>
+  </p:cSld>
+  <p:clrMapOvr>
+    <a:masterClrMapping/>
+  </p:clrMapOvr>
+</p:sld>
+</file>
+
+<file path=ppt/slides/slide9.xml><?xml version="1.0" encoding="utf-8"?>
+<p:sld xmlns:a="http://schemas.openxmlformats.org/drawingml/2006/main" xmlns:r="http://schemas.openxmlformats.org/officeDocument/2006/relationships" xmlns:p="http://schemas.openxmlformats.org/presentationml/2006/main">
+  <p:cSld>
+    <p:spTree>
+      <p:nvGrpSpPr>
+        <p:cNvPr id="1" name=""/>
+        <p:cNvGrpSpPr/>
+        <p:nvPr/>
+      </p:nvGrpSpPr>
+      <p:grpSpPr>
+        <a:xfrm>
+          <a:off x="0" y="0"/>
+          <a:ext cx="0" cy="0"/>
+          <a:chOff x="0" y="0"/>
+          <a:chExt cx="0" cy="0"/>
+        </a:xfrm>
+      </p:grpSpPr>
+      <p:sp>
+        <p:nvSpPr>
+          <p:cNvPr id="2" name="Título 1">
+            <a:extLst>
+              <a:ext uri="{FF2B5EF4-FFF2-40B4-BE49-F238E27FC236}">
+                <a16:creationId xmlns:a16="http://schemas.microsoft.com/office/drawing/2014/main" id="{B3C7C15E-A287-C6A2-92E3-BE8EFECB0C05}"/>
+              </a:ext>
+            </a:extLst>
+          </p:cNvPr>
+          <p:cNvSpPr>
+            <a:spLocks noGrp="1"/>
+          </p:cNvSpPr>
+          <p:nvPr>
+            <p:ph type="title"/>
+          </p:nvPr>
+        </p:nvSpPr>
+        <p:spPr/>
+        <p:txBody>
+          <a:bodyPr/>
+          <a:lstStyle/>
+          <a:p>
+            <a:pPr algn="ctr"/>
+            <a:r>
+              <a:rPr lang="es-ES" dirty="0"/>
+              <a:t>Aportes</a:t>
+            </a:r>
+          </a:p>
+        </p:txBody>
+      </p:sp>
+      <p:sp>
+        <p:nvSpPr>
+          <p:cNvPr id="3" name="Marcador de contenido 2">
+            <a:extLst>
+              <a:ext uri="{FF2B5EF4-FFF2-40B4-BE49-F238E27FC236}">
+                <a16:creationId xmlns:a16="http://schemas.microsoft.com/office/drawing/2014/main" id="{DDE4EAD7-0F0F-56FF-09D0-4E490CAC9307}"/>
+              </a:ext>
+            </a:extLst>
+          </p:cNvPr>
+          <p:cNvSpPr>
+            <a:spLocks noGrp="1"/>
+          </p:cNvSpPr>
+          <p:nvPr>
+            <p:ph idx="1"/>
+          </p:nvPr>
+        </p:nvSpPr>
+        <p:spPr>
+          <a:xfrm>
+            <a:off x="1069848" y="2121408"/>
+            <a:ext cx="10058400" cy="2238321"/>
+          </a:xfrm>
+        </p:spPr>
+        <p:txBody>
+          <a:bodyPr>
+            <a:noAutofit/>
+          </a:bodyPr>
+          <a:lstStyle/>
+          <a:p>
+            <a:pPr algn="just"/>
+            <a:r>
+              <a:rPr lang="es-ES" dirty="0"/>
+              <a:t>Un sistema que a partir de datos proporcionados pudiera generar o construir automáticamente la estructura de conocimiento.</a:t>
+            </a:r>
+          </a:p>
+          <a:p>
+            <a:pPr marL="0" indent="0" algn="just">
+              <a:buNone/>
+            </a:pPr>
+            <a:endParaRPr lang="es-ES" dirty="0"/>
+          </a:p>
+          <a:p>
+            <a:pPr algn="just"/>
+            <a:r>
+              <a:rPr lang="es-ES" dirty="0"/>
+              <a:t>La investigación también permitió saber el cómo lograr la construcción automática de asistentes virtuales.</a:t>
+            </a:r>
+          </a:p>
+          <a:p>
+            <a:pPr algn="just"/>
+            <a:endParaRPr lang="es-ES" dirty="0"/>
+          </a:p>
+          <a:p>
+            <a:pPr algn="just"/>
+            <a:r>
+              <a:rPr lang="es-ES" dirty="0"/>
+              <a:t>Además se logró evidenciar las facilidades que brinda este tipo de solución en el desarrollo de asistentes virtuales.</a:t>
+            </a:r>
+          </a:p>
+        </p:txBody>
+      </p:sp>
+    </p:spTree>
+    <p:extLst>
+      <p:ext uri="{BB962C8B-B14F-4D97-AF65-F5344CB8AC3E}">
+        <p14:creationId xmlns:p14="http://schemas.microsoft.com/office/powerpoint/2010/main" val="931240880"/>
       </p:ext>
     </p:extLst>
   </p:cSld>

--- a/Tesis/Primer Corte.pptx
+++ b/Tesis/Primer Corte.pptx
@@ -8,7 +8,7 @@
     <p:notesMasterId r:id="rId18"/>
   </p:notesMasterIdLst>
   <p:sldIdLst>
-    <p:sldId id="256" r:id="rId2"/>
+    <p:sldId id="296" r:id="rId2"/>
     <p:sldId id="257" r:id="rId3"/>
     <p:sldId id="265" r:id="rId4"/>
     <p:sldId id="260" r:id="rId5"/>
@@ -23,7 +23,7 @@
     <p:sldId id="291" r:id="rId14"/>
     <p:sldId id="292" r:id="rId15"/>
     <p:sldId id="275" r:id="rId16"/>
-    <p:sldId id="295" r:id="rId17"/>
+    <p:sldId id="297" r:id="rId17"/>
   </p:sldIdLst>
   <p:sldSz cx="12192000" cy="6858000"/>
   <p:notesSz cx="6858000" cy="9144000"/>
@@ -132,7 +132,7 @@
 
 <file path=ppt/commentAuthors.xml><?xml version="1.0" encoding="utf-8"?>
 <p:cmAuthorLst xmlns:a="http://schemas.openxmlformats.org/drawingml/2006/main" xmlns:r="http://schemas.openxmlformats.org/officeDocument/2006/relationships" xmlns:p="http://schemas.openxmlformats.org/presentationml/2006/main">
-  <p:cmAuthor id="1" name="Dionis" initials="D" lastIdx="17" clrIdx="0">
+  <p:cmAuthor id="1" name="Dionis" initials="D" lastIdx="19" clrIdx="0">
     <p:extLst>
       <p:ext uri="{19B8F6BF-5375-455C-9EA6-DF929625EA0E}">
         <p15:presenceInfo xmlns:p15="http://schemas.microsoft.com/office/powerpoint/2012/main" userId="Dionis" providerId="None"/>
@@ -636,7 +636,7 @@
     </p:spTree>
     <p:extLst>
       <p:ext uri="{BB962C8B-B14F-4D97-AF65-F5344CB8AC3E}">
-        <p14:creationId xmlns:p14="http://schemas.microsoft.com/office/powerpoint/2010/main" val="2258096504"/>
+        <p14:creationId xmlns:p14="http://schemas.microsoft.com/office/powerpoint/2010/main" val="577589894"/>
       </p:ext>
     </p:extLst>
   </p:cSld>
@@ -646,1180 +646,7 @@
 </p:notes>
 </file>
 
-<file path=ppt/notesSlides/notesSlide2.xml><?xml version="1.0" encoding="utf-8"?>
-<p:notes xmlns:a="http://schemas.openxmlformats.org/drawingml/2006/main" xmlns:r="http://schemas.openxmlformats.org/officeDocument/2006/relationships" xmlns:p="http://schemas.openxmlformats.org/presentationml/2006/main">
-  <p:cSld>
-    <p:spTree>
-      <p:nvGrpSpPr>
-        <p:cNvPr id="1" name=""/>
-        <p:cNvGrpSpPr/>
-        <p:nvPr/>
-      </p:nvGrpSpPr>
-      <p:grpSpPr>
-        <a:xfrm>
-          <a:off x="0" y="0"/>
-          <a:ext cx="0" cy="0"/>
-          <a:chOff x="0" y="0"/>
-          <a:chExt cx="0" cy="0"/>
-        </a:xfrm>
-      </p:grpSpPr>
-      <p:sp>
-        <p:nvSpPr>
-          <p:cNvPr id="2" name="Marcador de imagen de diapositiva 1"/>
-          <p:cNvSpPr>
-            <a:spLocks noGrp="1" noRot="1" noChangeAspect="1"/>
-          </p:cNvSpPr>
-          <p:nvPr>
-            <p:ph type="sldImg"/>
-          </p:nvPr>
-        </p:nvSpPr>
-        <p:spPr/>
-      </p:sp>
-      <p:sp>
-        <p:nvSpPr>
-          <p:cNvPr id="3" name="Marcador de notas 2"/>
-          <p:cNvSpPr>
-            <a:spLocks noGrp="1"/>
-          </p:cNvSpPr>
-          <p:nvPr>
-            <p:ph type="body" idx="1"/>
-          </p:nvPr>
-        </p:nvSpPr>
-        <p:spPr/>
-        <p:txBody>
-          <a:bodyPr/>
-          <a:lstStyle/>
-          <a:p>
-            <a:pPr algn="just"/>
-            <a:r>
-              <a:rPr lang="es-ES" dirty="0"/>
-              <a:t> </a:t>
-            </a:r>
-            <a:r>
-              <a:rPr lang="es-ES" sz="1200" dirty="0">
-                <a:effectLst/>
-                <a:latin typeface="Rockwell (Cuerpo)"/>
-                <a:ea typeface="Times New Roman" panose="02020603050405020304" pitchFamily="18" charset="0"/>
-              </a:rPr>
-              <a:t>Un Asistente virtual </a:t>
-            </a:r>
-            <a:r>
-              <a:rPr lang="es-ES" sz="1200" dirty="0">
-                <a:solidFill>
-                  <a:srgbClr val="000000"/>
-                </a:solidFill>
-                <a:effectLst/>
-                <a:latin typeface="Rockwell (Cuerpo)"/>
-                <a:ea typeface="Calibri" panose="020F0502020204030204" pitchFamily="34" charset="0"/>
-              </a:rPr>
-              <a:t>(AV)</a:t>
-            </a:r>
-            <a:r>
-              <a:rPr lang="es-ES" sz="1200" i="1" dirty="0">
-                <a:solidFill>
-                  <a:srgbClr val="000000"/>
-                </a:solidFill>
-                <a:effectLst/>
-                <a:latin typeface="Rockwell (Cuerpo)"/>
-                <a:ea typeface="Calibri" panose="020F0502020204030204" pitchFamily="34" charset="0"/>
-              </a:rPr>
-              <a:t> </a:t>
-            </a:r>
-            <a:r>
-              <a:rPr lang="es-ES" sz="1200" dirty="0">
-                <a:effectLst/>
-                <a:latin typeface="Rockwell (Cuerpo)"/>
-                <a:ea typeface="Times New Roman" panose="02020603050405020304" pitchFamily="18" charset="0"/>
-              </a:rPr>
-              <a:t>es un programa informático que permite a los seres humanos interactuar con la tecnología utilizando una variedad de métodos de entrada (voz, texto, gestos, tacto, etc.). </a:t>
-            </a:r>
-          </a:p>
-          <a:p>
-            <a:pPr algn="just"/>
-            <a:endParaRPr lang="es-ES" sz="1200" dirty="0">
-              <a:latin typeface="Rockwell (Cuerpo)"/>
-            </a:endParaRPr>
-          </a:p>
-          <a:p>
-            <a:pPr algn="just"/>
-            <a:r>
-              <a:rPr lang="es-ES" sz="1200" dirty="0">
-                <a:effectLst/>
-                <a:latin typeface="Rockwell (Cuerpo)"/>
-                <a:ea typeface="Times New Roman" panose="02020603050405020304" pitchFamily="18" charset="0"/>
-              </a:rPr>
-              <a:t>Durante muchos años, los asistentes virtuales se utilizaron sólo en entornos de servicio al cliente, pero ahora se han añadido otros casos de uso principalmente dentro de las empresas para mejorar la experiencia del cliente y la eficiencia empresarial. </a:t>
-            </a:r>
-          </a:p>
-          <a:p>
-            <a:pPr algn="just"/>
-            <a:endParaRPr lang="es-ES" sz="1200" dirty="0">
-              <a:latin typeface="Rockwell (Cuerpo)"/>
-            </a:endParaRPr>
-          </a:p>
-          <a:p>
-            <a:pPr algn="just"/>
-            <a:r>
-              <a:rPr lang="es-MX" sz="1200" dirty="0">
-                <a:solidFill>
-                  <a:srgbClr val="000000"/>
-                </a:solidFill>
-                <a:effectLst/>
-                <a:latin typeface="Rockwell (Cuerpo)"/>
-                <a:ea typeface="Calibri" panose="020F0502020204030204" pitchFamily="34" charset="0"/>
-              </a:rPr>
-              <a:t>En nuestro país actualmente esta tecnología no es muy explotada, aunque han existido, como es el ejemplo de Amanda (Usada para información sobre las elecciones en Cuba) y ELIZ que es un asistente virtual para la plataforma ENZONA. </a:t>
-            </a:r>
-          </a:p>
-          <a:p>
-            <a:pPr algn="just"/>
-            <a:endParaRPr lang="es-MX" sz="1200" dirty="0">
-              <a:solidFill>
-                <a:srgbClr val="000000"/>
-              </a:solidFill>
-              <a:latin typeface="Rockwell (Cuerpo)"/>
-            </a:endParaRPr>
-          </a:p>
-          <a:p>
-            <a:pPr algn="just"/>
-            <a:r>
-              <a:rPr lang="es-MX" sz="1200" dirty="0">
-                <a:solidFill>
-                  <a:srgbClr val="000000"/>
-                </a:solidFill>
-                <a:latin typeface="Rockwell (Cuerpo)"/>
-              </a:rPr>
-              <a:t>El propósito de esta investigación es, además de facilitar el desarrollo de asistentes virtuales, potenciar el uso de los mismos mejorando sus capacidades de respuesta al interactuar con las personas.</a:t>
-            </a:r>
-            <a:endParaRPr lang="es-ES" sz="1200" dirty="0">
-              <a:latin typeface="Rockwell (Cuerpo)"/>
-            </a:endParaRPr>
-          </a:p>
-          <a:p>
-            <a:pPr marL="0" marR="0" lvl="0" indent="0" algn="just" defTabSz="914400" rtl="0" eaLnBrk="1" fontAlgn="auto" latinLnBrk="0" hangingPunct="1">
-              <a:lnSpc>
-                <a:spcPct val="100000"/>
-              </a:lnSpc>
-              <a:spcBef>
-                <a:spcPts val="0"/>
-              </a:spcBef>
-              <a:spcAft>
-                <a:spcPts val="0"/>
-              </a:spcAft>
-              <a:buClrTx/>
-              <a:buSzTx/>
-              <a:buFontTx/>
-              <a:buNone/>
-              <a:tabLst/>
-              <a:defRPr/>
-            </a:pPr>
-            <a:endParaRPr lang="es-ES" dirty="0"/>
-          </a:p>
-        </p:txBody>
-      </p:sp>
-      <p:sp>
-        <p:nvSpPr>
-          <p:cNvPr id="4" name="Marcador de número de diapositiva 3"/>
-          <p:cNvSpPr>
-            <a:spLocks noGrp="1"/>
-          </p:cNvSpPr>
-          <p:nvPr>
-            <p:ph type="sldNum" sz="quarter" idx="5"/>
-          </p:nvPr>
-        </p:nvSpPr>
-        <p:spPr/>
-        <p:txBody>
-          <a:bodyPr/>
-          <a:lstStyle/>
-          <a:p>
-            <a:fld id="{3078BF56-2ECF-4460-BCB4-07206B519773}" type="slidenum">
-              <a:rPr lang="es-ES" smtClean="0"/>
-              <a:t>2</a:t>
-            </a:fld>
-            <a:endParaRPr lang="es-ES"/>
-          </a:p>
-        </p:txBody>
-      </p:sp>
-    </p:spTree>
-    <p:extLst>
-      <p:ext uri="{BB962C8B-B14F-4D97-AF65-F5344CB8AC3E}">
-        <p14:creationId xmlns:p14="http://schemas.microsoft.com/office/powerpoint/2010/main" val="18917434"/>
-      </p:ext>
-    </p:extLst>
-  </p:cSld>
-  <p:clrMapOvr>
-    <a:masterClrMapping/>
-  </p:clrMapOvr>
-</p:notes>
-</file>
-
-<file path=ppt/notesSlides/notesSlide3.xml><?xml version="1.0" encoding="utf-8"?>
-<p:notes xmlns:a="http://schemas.openxmlformats.org/drawingml/2006/main" xmlns:r="http://schemas.openxmlformats.org/officeDocument/2006/relationships" xmlns:p="http://schemas.openxmlformats.org/presentationml/2006/main">
-  <p:cSld>
-    <p:spTree>
-      <p:nvGrpSpPr>
-        <p:cNvPr id="1" name=""/>
-        <p:cNvGrpSpPr/>
-        <p:nvPr/>
-      </p:nvGrpSpPr>
-      <p:grpSpPr>
-        <a:xfrm>
-          <a:off x="0" y="0"/>
-          <a:ext cx="0" cy="0"/>
-          <a:chOff x="0" y="0"/>
-          <a:chExt cx="0" cy="0"/>
-        </a:xfrm>
-      </p:grpSpPr>
-      <p:sp>
-        <p:nvSpPr>
-          <p:cNvPr id="2" name="Marcador de imagen de diapositiva 1"/>
-          <p:cNvSpPr>
-            <a:spLocks noGrp="1" noRot="1" noChangeAspect="1"/>
-          </p:cNvSpPr>
-          <p:nvPr>
-            <p:ph type="sldImg"/>
-          </p:nvPr>
-        </p:nvSpPr>
-        <p:spPr/>
-      </p:sp>
-      <p:sp>
-        <p:nvSpPr>
-          <p:cNvPr id="3" name="Marcador de notas 2"/>
-          <p:cNvSpPr>
-            <a:spLocks noGrp="1"/>
-          </p:cNvSpPr>
-          <p:nvPr>
-            <p:ph type="body" idx="1"/>
-          </p:nvPr>
-        </p:nvSpPr>
-        <p:spPr/>
-        <p:txBody>
-          <a:bodyPr/>
-          <a:lstStyle/>
-          <a:p>
-            <a:pPr marL="0" marR="0" lvl="0" indent="0" algn="l" defTabSz="914400" rtl="0" eaLnBrk="1" fontAlgn="auto" latinLnBrk="0" hangingPunct="1">
-              <a:lnSpc>
-                <a:spcPct val="100000"/>
-              </a:lnSpc>
-              <a:spcBef>
-                <a:spcPts val="0"/>
-              </a:spcBef>
-              <a:spcAft>
-                <a:spcPts val="0"/>
-              </a:spcAft>
-              <a:buClrTx/>
-              <a:buSzTx/>
-              <a:buFontTx/>
-              <a:buNone/>
-              <a:tabLst/>
-              <a:defRPr/>
-            </a:pPr>
-            <a:r>
-              <a:rPr lang="es-MX" dirty="0" err="1">
-                <a:latin typeface="Rockwell (Cuerpo)"/>
-                <a:cs typeface="Arial" panose="020B0604020202020204" pitchFamily="34" charset="0"/>
-              </a:rPr>
-              <a:t>Situacion</a:t>
-            </a:r>
-            <a:r>
-              <a:rPr lang="es-MX" dirty="0">
-                <a:latin typeface="Rockwell (Cuerpo)"/>
-                <a:cs typeface="Arial" panose="020B0604020202020204" pitchFamily="34" charset="0"/>
-              </a:rPr>
-              <a:t> </a:t>
-            </a:r>
-            <a:r>
-              <a:rPr lang="es-MX" dirty="0" err="1">
-                <a:latin typeface="Rockwell (Cuerpo)"/>
-                <a:cs typeface="Arial" panose="020B0604020202020204" pitchFamily="34" charset="0"/>
-              </a:rPr>
-              <a:t>Problemica</a:t>
-            </a:r>
-            <a:endParaRPr lang="es-MX" dirty="0">
-              <a:latin typeface="Rockwell (Cuerpo)"/>
-              <a:cs typeface="Arial" panose="020B0604020202020204" pitchFamily="34" charset="0"/>
-            </a:endParaRPr>
-          </a:p>
-          <a:p>
-            <a:pPr marL="0" marR="0" lvl="0" indent="0" algn="l" defTabSz="914400" rtl="0" eaLnBrk="1" fontAlgn="auto" latinLnBrk="0" hangingPunct="1">
-              <a:lnSpc>
-                <a:spcPct val="100000"/>
-              </a:lnSpc>
-              <a:spcBef>
-                <a:spcPts val="0"/>
-              </a:spcBef>
-              <a:spcAft>
-                <a:spcPts val="0"/>
-              </a:spcAft>
-              <a:buClrTx/>
-              <a:buSzTx/>
-              <a:buFontTx/>
-              <a:buNone/>
-              <a:tabLst/>
-              <a:defRPr/>
-            </a:pPr>
-            <a:r>
-              <a:rPr lang="es-MX" dirty="0">
-                <a:latin typeface="Rockwell (Cuerpo)"/>
-                <a:cs typeface="Arial" panose="020B0604020202020204" pitchFamily="34" charset="0"/>
-              </a:rPr>
-              <a:t>Los Asistentes Virtuales tienen la capacidad de brindar un servicio de atención mediante chat por diferentes vías, permiten la aclaración rápida de dudas y búsqueda de información que las personas demandan constantemente; sin embargo no están aptos muchas veces para dar respuestas o soluciones porque necesitan el conocimiento suficiente para ello.</a:t>
-            </a:r>
-          </a:p>
-          <a:p>
-            <a:pPr marL="0" marR="0" lvl="0" indent="0" algn="l" defTabSz="914400" rtl="0" eaLnBrk="1" fontAlgn="auto" latinLnBrk="0" hangingPunct="1">
-              <a:lnSpc>
-                <a:spcPct val="100000"/>
-              </a:lnSpc>
-              <a:spcBef>
-                <a:spcPts val="0"/>
-              </a:spcBef>
-              <a:spcAft>
-                <a:spcPts val="0"/>
-              </a:spcAft>
-              <a:buClrTx/>
-              <a:buSzTx/>
-              <a:buFontTx/>
-              <a:buNone/>
-              <a:tabLst/>
-              <a:defRPr/>
-            </a:pPr>
-            <a:endParaRPr lang="es-MX" dirty="0">
-              <a:latin typeface="Rockwell (Cuerpo)"/>
-              <a:cs typeface="Arial" panose="020B0604020202020204" pitchFamily="34" charset="0"/>
-            </a:endParaRPr>
-          </a:p>
-          <a:p>
-            <a:pPr marL="0" marR="0" lvl="0" indent="0" algn="l" defTabSz="914400" rtl="0" eaLnBrk="1" fontAlgn="auto" latinLnBrk="0" hangingPunct="1">
-              <a:lnSpc>
-                <a:spcPct val="100000"/>
-              </a:lnSpc>
-              <a:spcBef>
-                <a:spcPts val="0"/>
-              </a:spcBef>
-              <a:spcAft>
-                <a:spcPts val="0"/>
-              </a:spcAft>
-              <a:buClrTx/>
-              <a:buSzTx/>
-              <a:buFontTx/>
-              <a:buNone/>
-              <a:tabLst/>
-              <a:defRPr/>
-            </a:pPr>
-            <a:r>
-              <a:rPr lang="es-MX" dirty="0">
-                <a:latin typeface="Rockwell (Cuerpo)"/>
-                <a:cs typeface="Arial" panose="020B0604020202020204" pitchFamily="34" charset="0"/>
-              </a:rPr>
-              <a:t>Problema </a:t>
-            </a:r>
-          </a:p>
-          <a:p>
-            <a:pPr marL="0" marR="0" lvl="0" indent="0" algn="l" defTabSz="914400" rtl="0" eaLnBrk="1" fontAlgn="auto" latinLnBrk="0" hangingPunct="1">
-              <a:lnSpc>
-                <a:spcPct val="100000"/>
-              </a:lnSpc>
-              <a:spcBef>
-                <a:spcPts val="0"/>
-              </a:spcBef>
-              <a:spcAft>
-                <a:spcPts val="0"/>
-              </a:spcAft>
-              <a:buClrTx/>
-              <a:buSzTx/>
-              <a:buFontTx/>
-              <a:buNone/>
-              <a:tabLst/>
-              <a:defRPr/>
-            </a:pPr>
-            <a:r>
-              <a:rPr lang="es-ES" dirty="0">
-                <a:effectLst/>
-                <a:latin typeface="Rockwell (Cuerpo)"/>
-                <a:ea typeface="Calibri" panose="020F0502020204030204" pitchFamily="34" charset="0"/>
-              </a:rPr>
-              <a:t>El servicio agente de atención al cliente a través de personas supone costos, gasto físico y muchas veces limitaciones en el servicio, ya sea por el horario laboral, problemas de salud o falta de personal capacitado para satisfacer la demanda que de búsqueda de información que generan las personas. </a:t>
-            </a:r>
-            <a:r>
-              <a:rPr lang="es-ES" b="1" dirty="0">
-                <a:effectLst/>
-                <a:latin typeface="Rockwell (Cuerpo)"/>
-                <a:ea typeface="Calibri" panose="020F0502020204030204" pitchFamily="34" charset="0"/>
-              </a:rPr>
-              <a:t>Un asistente virtual que puede estar disponible a toda hora, atender a muchos usuarios a la vez con una buena base de conocimiento que actualmente es insuficiente, necesita de especialistas y de un laborioso trabajo para construirse, puede dar solución a estas cuestiones o necesidades.</a:t>
-            </a:r>
-            <a:endParaRPr lang="es-ES" dirty="0">
-              <a:effectLst/>
-              <a:latin typeface="Rockwell (Cuerpo)"/>
-              <a:ea typeface="Calibri" panose="020F0502020204030204" pitchFamily="34" charset="0"/>
-            </a:endParaRPr>
-          </a:p>
-          <a:p>
-            <a:pPr marL="0" marR="0" lvl="0" indent="0" algn="l" defTabSz="914400" rtl="0" eaLnBrk="1" fontAlgn="auto" latinLnBrk="0" hangingPunct="1">
-              <a:lnSpc>
-                <a:spcPct val="100000"/>
-              </a:lnSpc>
-              <a:spcBef>
-                <a:spcPts val="0"/>
-              </a:spcBef>
-              <a:spcAft>
-                <a:spcPts val="0"/>
-              </a:spcAft>
-              <a:buClrTx/>
-              <a:buSzTx/>
-              <a:buFontTx/>
-              <a:buNone/>
-              <a:tabLst/>
-              <a:defRPr/>
-            </a:pPr>
-            <a:endParaRPr lang="es-ES" dirty="0">
-              <a:latin typeface="Rockwell (Cuerpo)"/>
-              <a:cs typeface="Arial" panose="020B0604020202020204" pitchFamily="34" charset="0"/>
-            </a:endParaRPr>
-          </a:p>
-          <a:p>
-            <a:endParaRPr lang="es-ES" dirty="0"/>
-          </a:p>
-        </p:txBody>
-      </p:sp>
-      <p:sp>
-        <p:nvSpPr>
-          <p:cNvPr id="4" name="Marcador de número de diapositiva 3"/>
-          <p:cNvSpPr>
-            <a:spLocks noGrp="1"/>
-          </p:cNvSpPr>
-          <p:nvPr>
-            <p:ph type="sldNum" sz="quarter" idx="5"/>
-          </p:nvPr>
-        </p:nvSpPr>
-        <p:spPr/>
-        <p:txBody>
-          <a:bodyPr/>
-          <a:lstStyle/>
-          <a:p>
-            <a:fld id="{3078BF56-2ECF-4460-BCB4-07206B519773}" type="slidenum">
-              <a:rPr lang="es-ES" smtClean="0"/>
-              <a:t>3</a:t>
-            </a:fld>
-            <a:endParaRPr lang="es-ES"/>
-          </a:p>
-        </p:txBody>
-      </p:sp>
-    </p:spTree>
-    <p:extLst>
-      <p:ext uri="{BB962C8B-B14F-4D97-AF65-F5344CB8AC3E}">
-        <p14:creationId xmlns:p14="http://schemas.microsoft.com/office/powerpoint/2010/main" val="2880916079"/>
-      </p:ext>
-    </p:extLst>
-  </p:cSld>
-  <p:clrMapOvr>
-    <a:masterClrMapping/>
-  </p:clrMapOvr>
-</p:notes>
-</file>
-
-<file path=ppt/notesSlides/notesSlide4.xml><?xml version="1.0" encoding="utf-8"?>
-<p:notes xmlns:a="http://schemas.openxmlformats.org/drawingml/2006/main" xmlns:r="http://schemas.openxmlformats.org/officeDocument/2006/relationships" xmlns:p="http://schemas.openxmlformats.org/presentationml/2006/main">
-  <p:cSld>
-    <p:spTree>
-      <p:nvGrpSpPr>
-        <p:cNvPr id="1" name=""/>
-        <p:cNvGrpSpPr/>
-        <p:nvPr/>
-      </p:nvGrpSpPr>
-      <p:grpSpPr>
-        <a:xfrm>
-          <a:off x="0" y="0"/>
-          <a:ext cx="0" cy="0"/>
-          <a:chOff x="0" y="0"/>
-          <a:chExt cx="0" cy="0"/>
-        </a:xfrm>
-      </p:grpSpPr>
-      <p:sp>
-        <p:nvSpPr>
-          <p:cNvPr id="2" name="Marcador de imagen de diapositiva 1"/>
-          <p:cNvSpPr>
-            <a:spLocks noGrp="1" noRot="1" noChangeAspect="1"/>
-          </p:cNvSpPr>
-          <p:nvPr>
-            <p:ph type="sldImg"/>
-          </p:nvPr>
-        </p:nvSpPr>
-        <p:spPr/>
-      </p:sp>
-      <p:sp>
-        <p:nvSpPr>
-          <p:cNvPr id="3" name="Marcador de notas 2"/>
-          <p:cNvSpPr>
-            <a:spLocks noGrp="1"/>
-          </p:cNvSpPr>
-          <p:nvPr>
-            <p:ph type="body" idx="1"/>
-          </p:nvPr>
-        </p:nvSpPr>
-        <p:spPr/>
-        <p:txBody>
-          <a:bodyPr/>
-          <a:lstStyle/>
-          <a:p>
-            <a:endParaRPr lang="es-ES" dirty="0"/>
-          </a:p>
-        </p:txBody>
-      </p:sp>
-      <p:sp>
-        <p:nvSpPr>
-          <p:cNvPr id="4" name="Marcador de número de diapositiva 3"/>
-          <p:cNvSpPr>
-            <a:spLocks noGrp="1"/>
-          </p:cNvSpPr>
-          <p:nvPr>
-            <p:ph type="sldNum" sz="quarter" idx="5"/>
-          </p:nvPr>
-        </p:nvSpPr>
-        <p:spPr/>
-        <p:txBody>
-          <a:bodyPr/>
-          <a:lstStyle/>
-          <a:p>
-            <a:fld id="{3078BF56-2ECF-4460-BCB4-07206B519773}" type="slidenum">
-              <a:rPr lang="es-ES" smtClean="0"/>
-              <a:t>6</a:t>
-            </a:fld>
-            <a:endParaRPr lang="es-ES"/>
-          </a:p>
-        </p:txBody>
-      </p:sp>
-    </p:spTree>
-    <p:extLst>
-      <p:ext uri="{BB962C8B-B14F-4D97-AF65-F5344CB8AC3E}">
-        <p14:creationId xmlns:p14="http://schemas.microsoft.com/office/powerpoint/2010/main" val="2585072665"/>
-      </p:ext>
-    </p:extLst>
-  </p:cSld>
-  <p:clrMapOvr>
-    <a:masterClrMapping/>
-  </p:clrMapOvr>
-</p:notes>
-</file>
-
-<file path=ppt/notesSlides/notesSlide5.xml><?xml version="1.0" encoding="utf-8"?>
-<p:notes xmlns:a="http://schemas.openxmlformats.org/drawingml/2006/main" xmlns:r="http://schemas.openxmlformats.org/officeDocument/2006/relationships" xmlns:p="http://schemas.openxmlformats.org/presentationml/2006/main">
-  <p:cSld>
-    <p:spTree>
-      <p:nvGrpSpPr>
-        <p:cNvPr id="1" name=""/>
-        <p:cNvGrpSpPr/>
-        <p:nvPr/>
-      </p:nvGrpSpPr>
-      <p:grpSpPr>
-        <a:xfrm>
-          <a:off x="0" y="0"/>
-          <a:ext cx="0" cy="0"/>
-          <a:chOff x="0" y="0"/>
-          <a:chExt cx="0" cy="0"/>
-        </a:xfrm>
-      </p:grpSpPr>
-      <p:sp>
-        <p:nvSpPr>
-          <p:cNvPr id="2" name="Marcador de imagen de diapositiva 1"/>
-          <p:cNvSpPr>
-            <a:spLocks noGrp="1" noRot="1" noChangeAspect="1"/>
-          </p:cNvSpPr>
-          <p:nvPr>
-            <p:ph type="sldImg"/>
-          </p:nvPr>
-        </p:nvSpPr>
-        <p:spPr/>
-      </p:sp>
-      <p:sp>
-        <p:nvSpPr>
-          <p:cNvPr id="3" name="Marcador de notas 2"/>
-          <p:cNvSpPr>
-            <a:spLocks noGrp="1"/>
-          </p:cNvSpPr>
-          <p:nvPr>
-            <p:ph type="body" idx="1"/>
-          </p:nvPr>
-        </p:nvSpPr>
-        <p:spPr/>
-        <p:txBody>
-          <a:bodyPr/>
-          <a:lstStyle/>
-          <a:p>
-            <a:pPr marL="0" marR="0" lvl="0" indent="0" algn="l" defTabSz="914400" rtl="0" eaLnBrk="1" fontAlgn="auto" latinLnBrk="0" hangingPunct="1">
-              <a:lnSpc>
-                <a:spcPct val="100000"/>
-              </a:lnSpc>
-              <a:spcBef>
-                <a:spcPts val="0"/>
-              </a:spcBef>
-              <a:spcAft>
-                <a:spcPts val="0"/>
-              </a:spcAft>
-              <a:buClrTx/>
-              <a:buSzTx/>
-              <a:buFontTx/>
-              <a:buNone/>
-              <a:tabLst/>
-              <a:defRPr/>
-            </a:pPr>
-            <a:r>
-              <a:rPr lang="es-ES" sz="1800" dirty="0">
-                <a:effectLst/>
-                <a:latin typeface="Arial" panose="020B0604020202020204" pitchFamily="34" charset="0"/>
-                <a:ea typeface="Calibri" panose="020F0502020204030204" pitchFamily="34" charset="0"/>
-              </a:rPr>
-              <a:t>De las plataformas estudiadas lo mejor es el uso de sistemas Open </a:t>
-            </a:r>
-            <a:r>
-              <a:rPr lang="es-ES" sz="1800" dirty="0" err="1">
-                <a:effectLst/>
-                <a:latin typeface="Arial" panose="020B0604020202020204" pitchFamily="34" charset="0"/>
-                <a:ea typeface="Calibri" panose="020F0502020204030204" pitchFamily="34" charset="0"/>
-              </a:rPr>
-              <a:t>Source</a:t>
-            </a:r>
-            <a:r>
-              <a:rPr lang="es-ES" sz="1800" dirty="0">
-                <a:effectLst/>
-                <a:latin typeface="Arial" panose="020B0604020202020204" pitchFamily="34" charset="0"/>
-                <a:ea typeface="Calibri" panose="020F0502020204030204" pitchFamily="34" charset="0"/>
-              </a:rPr>
-              <a:t> (Código Abierto) como lo son </a:t>
-            </a:r>
-            <a:r>
-              <a:rPr lang="es-ES" sz="1800" dirty="0" err="1">
-                <a:effectLst/>
-                <a:latin typeface="Arial" panose="020B0604020202020204" pitchFamily="34" charset="0"/>
-                <a:ea typeface="Calibri" panose="020F0502020204030204" pitchFamily="34" charset="0"/>
-              </a:rPr>
-              <a:t>BotPress</a:t>
-            </a:r>
-            <a:r>
-              <a:rPr lang="es-ES" sz="1800" dirty="0">
-                <a:effectLst/>
-                <a:latin typeface="Arial" panose="020B0604020202020204" pitchFamily="34" charset="0"/>
-                <a:ea typeface="Calibri" panose="020F0502020204030204" pitchFamily="34" charset="0"/>
-              </a:rPr>
-              <a:t> y RASA por su manejo y la posibilidad de modificar en aras de adaptar y dar mejores facilidades en comparación con las otras plataformas, permite una mayor colaboración entre los que usan este tipo de sistemas y por lo tanto tienen una gran comunidad de desarrolladores activos. Las otras plataformas: Azure Bot </a:t>
-            </a:r>
-            <a:r>
-              <a:rPr lang="es-ES" sz="1800" dirty="0" err="1">
-                <a:effectLst/>
-                <a:latin typeface="Arial" panose="020B0604020202020204" pitchFamily="34" charset="0"/>
-                <a:ea typeface="Calibri" panose="020F0502020204030204" pitchFamily="34" charset="0"/>
-              </a:rPr>
-              <a:t>Service</a:t>
-            </a:r>
-            <a:r>
-              <a:rPr lang="es-ES" sz="1800" dirty="0">
-                <a:effectLst/>
-                <a:latin typeface="Arial" panose="020B0604020202020204" pitchFamily="34" charset="0"/>
-                <a:ea typeface="Calibri" panose="020F0502020204030204" pitchFamily="34" charset="0"/>
-              </a:rPr>
-              <a:t>, </a:t>
-            </a:r>
-            <a:r>
-              <a:rPr lang="es-ES" sz="1800" dirty="0" err="1">
-                <a:effectLst/>
-                <a:latin typeface="Arial" panose="020B0604020202020204" pitchFamily="34" charset="0"/>
-                <a:ea typeface="Calibri" panose="020F0502020204030204" pitchFamily="34" charset="0"/>
-              </a:rPr>
-              <a:t>DialogFlow</a:t>
-            </a:r>
-            <a:r>
-              <a:rPr lang="es-ES" sz="1800" dirty="0">
-                <a:effectLst/>
-                <a:latin typeface="Arial" panose="020B0604020202020204" pitchFamily="34" charset="0"/>
-                <a:ea typeface="Calibri" panose="020F0502020204030204" pitchFamily="34" charset="0"/>
-              </a:rPr>
-              <a:t> y Amazon Lex si bien son bastante completas y son las más usadas por las grandes empresas, estas son sistemas privados y hoy la industria del software libre es un gran paso de avance en la tecnología, una mejor alternativa, está en ascenso y es más flexible para los desarrolladores. La plataforma Rasa fue la elegida para trabajar, ya que por su forma de uso permite modificar o configurar a nivel de archivos cómo se lleva el conocimiento a los asistentes virtuales desarrollados en ella. Además, Rasa se ajusta más a la línea o idea que se está siguiendo en este trabajo porque al usar comandos permite de alguna manera automatizar del proceso que se está trabajando; además de la basta comunidad y tutoriales que posee, así como las facilidades que brinda para desarrollar y entrenar sus agentes conversacionales.</a:t>
-            </a:r>
-          </a:p>
-          <a:p>
-            <a:endParaRPr lang="es-ES" dirty="0"/>
-          </a:p>
-        </p:txBody>
-      </p:sp>
-      <p:sp>
-        <p:nvSpPr>
-          <p:cNvPr id="4" name="Marcador de número de diapositiva 3"/>
-          <p:cNvSpPr>
-            <a:spLocks noGrp="1"/>
-          </p:cNvSpPr>
-          <p:nvPr>
-            <p:ph type="sldNum" sz="quarter" idx="5"/>
-          </p:nvPr>
-        </p:nvSpPr>
-        <p:spPr/>
-        <p:txBody>
-          <a:bodyPr/>
-          <a:lstStyle/>
-          <a:p>
-            <a:fld id="{3078BF56-2ECF-4460-BCB4-07206B519773}" type="slidenum">
-              <a:rPr lang="es-ES" smtClean="0"/>
-              <a:t>7</a:t>
-            </a:fld>
-            <a:endParaRPr lang="es-ES"/>
-          </a:p>
-        </p:txBody>
-      </p:sp>
-    </p:spTree>
-    <p:extLst>
-      <p:ext uri="{BB962C8B-B14F-4D97-AF65-F5344CB8AC3E}">
-        <p14:creationId xmlns:p14="http://schemas.microsoft.com/office/powerpoint/2010/main" val="2554199236"/>
-      </p:ext>
-    </p:extLst>
-  </p:cSld>
-  <p:clrMapOvr>
-    <a:masterClrMapping/>
-  </p:clrMapOvr>
-</p:notes>
-</file>
-
-<file path=ppt/notesSlides/notesSlide6.xml><?xml version="1.0" encoding="utf-8"?>
-<p:notes xmlns:a="http://schemas.openxmlformats.org/drawingml/2006/main" xmlns:r="http://schemas.openxmlformats.org/officeDocument/2006/relationships" xmlns:p="http://schemas.openxmlformats.org/presentationml/2006/main">
-  <p:cSld>
-    <p:spTree>
-      <p:nvGrpSpPr>
-        <p:cNvPr id="1" name=""/>
-        <p:cNvGrpSpPr/>
-        <p:nvPr/>
-      </p:nvGrpSpPr>
-      <p:grpSpPr>
-        <a:xfrm>
-          <a:off x="0" y="0"/>
-          <a:ext cx="0" cy="0"/>
-          <a:chOff x="0" y="0"/>
-          <a:chExt cx="0" cy="0"/>
-        </a:xfrm>
-      </p:grpSpPr>
-      <p:sp>
-        <p:nvSpPr>
-          <p:cNvPr id="2" name="Marcador de imagen de diapositiva 1"/>
-          <p:cNvSpPr>
-            <a:spLocks noGrp="1" noRot="1" noChangeAspect="1"/>
-          </p:cNvSpPr>
-          <p:nvPr>
-            <p:ph type="sldImg"/>
-          </p:nvPr>
-        </p:nvSpPr>
-        <p:spPr/>
-      </p:sp>
-      <p:sp>
-        <p:nvSpPr>
-          <p:cNvPr id="3" name="Marcador de notas 2"/>
-          <p:cNvSpPr>
-            <a:spLocks noGrp="1"/>
-          </p:cNvSpPr>
-          <p:nvPr>
-            <p:ph type="body" idx="1"/>
-          </p:nvPr>
-        </p:nvSpPr>
-        <p:spPr/>
-        <p:txBody>
-          <a:bodyPr/>
-          <a:lstStyle/>
-          <a:p>
-            <a:pPr marL="0" marR="0" lvl="0" indent="0" algn="l" defTabSz="914400" rtl="0" eaLnBrk="1" fontAlgn="auto" latinLnBrk="0" hangingPunct="1">
-              <a:lnSpc>
-                <a:spcPct val="100000"/>
-              </a:lnSpc>
-              <a:spcBef>
-                <a:spcPts val="0"/>
-              </a:spcBef>
-              <a:spcAft>
-                <a:spcPts val="0"/>
-              </a:spcAft>
-              <a:buClrTx/>
-              <a:buSzTx/>
-              <a:buFontTx/>
-              <a:buNone/>
-              <a:tabLst/>
-              <a:defRPr/>
-            </a:pPr>
-            <a:r>
-              <a:rPr lang="es-ES" dirty="0"/>
-              <a:t>Un sistema que a partir de datos proporcionados pudiera generar o construir automáticamente la estructura de conocimiento de un asistente virtual desarrollado en Rasa, lo que reduce en gran medida el error humano al realizar este trabajo manualmente.</a:t>
-            </a:r>
-          </a:p>
-          <a:p>
-            <a:pPr marL="0" marR="0" lvl="0" indent="0" algn="l" defTabSz="914400" rtl="0" eaLnBrk="1" fontAlgn="auto" latinLnBrk="0" hangingPunct="1">
-              <a:lnSpc>
-                <a:spcPct val="100000"/>
-              </a:lnSpc>
-              <a:spcBef>
-                <a:spcPts val="0"/>
-              </a:spcBef>
-              <a:spcAft>
-                <a:spcPts val="0"/>
-              </a:spcAft>
-              <a:buClrTx/>
-              <a:buSzTx/>
-              <a:buFontTx/>
-              <a:buNone/>
-              <a:tabLst/>
-              <a:defRPr/>
-            </a:pPr>
-            <a:endParaRPr lang="es-ES" dirty="0"/>
-          </a:p>
-          <a:p>
-            <a:pPr marL="0" marR="0" lvl="0" indent="0" algn="l" defTabSz="914400" rtl="0" eaLnBrk="1" fontAlgn="auto" latinLnBrk="0" hangingPunct="1">
-              <a:lnSpc>
-                <a:spcPct val="100000"/>
-              </a:lnSpc>
-              <a:spcBef>
-                <a:spcPts val="0"/>
-              </a:spcBef>
-              <a:spcAft>
-                <a:spcPts val="0"/>
-              </a:spcAft>
-              <a:buClrTx/>
-              <a:buSzTx/>
-              <a:buFontTx/>
-              <a:buNone/>
-              <a:tabLst/>
-              <a:defRPr/>
-            </a:pPr>
-            <a:r>
-              <a:rPr lang="es-ES" dirty="0"/>
-              <a:t>La investigación también permitió saber el cómo lograr la construcción automática de asistentes virtuales a partir de una base de conocimiento nueva previamente construida.</a:t>
-            </a:r>
-          </a:p>
-          <a:p>
-            <a:pPr marL="0" marR="0" lvl="0" indent="0" algn="l" defTabSz="914400" rtl="0" eaLnBrk="1" fontAlgn="auto" latinLnBrk="0" hangingPunct="1">
-              <a:lnSpc>
-                <a:spcPct val="100000"/>
-              </a:lnSpc>
-              <a:spcBef>
-                <a:spcPts val="0"/>
-              </a:spcBef>
-              <a:spcAft>
-                <a:spcPts val="0"/>
-              </a:spcAft>
-              <a:buClrTx/>
-              <a:buSzTx/>
-              <a:buFontTx/>
-              <a:buNone/>
-              <a:tabLst/>
-              <a:defRPr/>
-            </a:pPr>
-            <a:endParaRPr lang="es-ES" dirty="0"/>
-          </a:p>
-          <a:p>
-            <a:pPr marL="0" marR="0" lvl="0" indent="0" algn="l" defTabSz="914400" rtl="0" eaLnBrk="1" fontAlgn="auto" latinLnBrk="0" hangingPunct="1">
-              <a:lnSpc>
-                <a:spcPct val="100000"/>
-              </a:lnSpc>
-              <a:spcBef>
-                <a:spcPts val="0"/>
-              </a:spcBef>
-              <a:spcAft>
-                <a:spcPts val="0"/>
-              </a:spcAft>
-              <a:buClrTx/>
-              <a:buSzTx/>
-              <a:buFontTx/>
-              <a:buNone/>
-              <a:tabLst/>
-              <a:defRPr/>
-            </a:pPr>
-            <a:r>
-              <a:rPr lang="es-ES" dirty="0"/>
-              <a:t>Además se logró evidenciar las facilidades que brinda este tipo de solución en el desarrollo de asistentes virtuales sin necesidad de especialistas y reduciendo el trabajo que cuesta dicha tarea; también cómo mejora la capacidad de respuesta de los asistentes virtuales y a su vez la calidad de su servicio al interactuar con las personas.</a:t>
-            </a:r>
-          </a:p>
-          <a:p>
-            <a:endParaRPr lang="es-ES" dirty="0"/>
-          </a:p>
-        </p:txBody>
-      </p:sp>
-      <p:sp>
-        <p:nvSpPr>
-          <p:cNvPr id="4" name="Marcador de número de diapositiva 3"/>
-          <p:cNvSpPr>
-            <a:spLocks noGrp="1"/>
-          </p:cNvSpPr>
-          <p:nvPr>
-            <p:ph type="sldNum" sz="quarter" idx="5"/>
-          </p:nvPr>
-        </p:nvSpPr>
-        <p:spPr/>
-        <p:txBody>
-          <a:bodyPr/>
-          <a:lstStyle/>
-          <a:p>
-            <a:fld id="{3078BF56-2ECF-4460-BCB4-07206B519773}" type="slidenum">
-              <a:rPr lang="es-ES" smtClean="0"/>
-              <a:t>9</a:t>
-            </a:fld>
-            <a:endParaRPr lang="es-ES"/>
-          </a:p>
-        </p:txBody>
-      </p:sp>
-    </p:spTree>
-    <p:extLst>
-      <p:ext uri="{BB962C8B-B14F-4D97-AF65-F5344CB8AC3E}">
-        <p14:creationId xmlns:p14="http://schemas.microsoft.com/office/powerpoint/2010/main" val="1327427965"/>
-      </p:ext>
-    </p:extLst>
-  </p:cSld>
-  <p:clrMapOvr>
-    <a:masterClrMapping/>
-  </p:clrMapOvr>
-</p:notes>
-</file>
-
-<file path=ppt/notesSlides/notesSlide7.xml><?xml version="1.0" encoding="utf-8"?>
-<p:notes xmlns:a="http://schemas.openxmlformats.org/drawingml/2006/main" xmlns:r="http://schemas.openxmlformats.org/officeDocument/2006/relationships" xmlns:p="http://schemas.openxmlformats.org/presentationml/2006/main">
-  <p:cSld>
-    <p:spTree>
-      <p:nvGrpSpPr>
-        <p:cNvPr id="1" name=""/>
-        <p:cNvGrpSpPr/>
-        <p:nvPr/>
-      </p:nvGrpSpPr>
-      <p:grpSpPr>
-        <a:xfrm>
-          <a:off x="0" y="0"/>
-          <a:ext cx="0" cy="0"/>
-          <a:chOff x="0" y="0"/>
-          <a:chExt cx="0" cy="0"/>
-        </a:xfrm>
-      </p:grpSpPr>
-      <p:sp>
-        <p:nvSpPr>
-          <p:cNvPr id="2" name="Marcador de imagen de diapositiva 1"/>
-          <p:cNvSpPr>
-            <a:spLocks noGrp="1" noRot="1" noChangeAspect="1"/>
-          </p:cNvSpPr>
-          <p:nvPr>
-            <p:ph type="sldImg"/>
-          </p:nvPr>
-        </p:nvSpPr>
-        <p:spPr/>
-      </p:sp>
-      <p:sp>
-        <p:nvSpPr>
-          <p:cNvPr id="3" name="Marcador de notas 2"/>
-          <p:cNvSpPr>
-            <a:spLocks noGrp="1"/>
-          </p:cNvSpPr>
-          <p:nvPr>
-            <p:ph type="body" idx="1"/>
-          </p:nvPr>
-        </p:nvSpPr>
-        <p:spPr/>
-        <p:txBody>
-          <a:bodyPr/>
-          <a:lstStyle/>
-          <a:p>
-            <a:pPr algn="just"/>
-            <a:r>
-              <a:rPr lang="es-ES" dirty="0"/>
-              <a:t>RF1: Permitirá el acceso al sistema y funcionalidades correspondientes. </a:t>
-            </a:r>
-          </a:p>
-          <a:p>
-            <a:pPr algn="just"/>
-            <a:r>
-              <a:rPr lang="es-ES" dirty="0"/>
-              <a:t>RF2: Es donde el usuario a partir de una entrada de datos al sistema, este último analizará dichos datos y creará los archivos de entrenamiento.</a:t>
-            </a:r>
-          </a:p>
-          <a:p>
-            <a:pPr algn="just"/>
-            <a:r>
-              <a:rPr lang="es-ES" dirty="0"/>
-              <a:t>RF3: Proporciona la posibilidad de crear el asistente virtual a partir de cierta información.</a:t>
-            </a:r>
-          </a:p>
-          <a:p>
-            <a:pPr algn="just"/>
-            <a:r>
-              <a:rPr lang="es-ES" dirty="0"/>
-              <a:t>RF4: Permitirá una vez creado el asistente y los archivos de entrenamiento poder entrenarlo, y una vez finalizado este proceso tendrá la posibilidad de probarlo e interactuar con el robot conversacional.</a:t>
-            </a:r>
-          </a:p>
-          <a:p>
-            <a:endParaRPr lang="es-ES" dirty="0"/>
-          </a:p>
-        </p:txBody>
-      </p:sp>
-      <p:sp>
-        <p:nvSpPr>
-          <p:cNvPr id="4" name="Marcador de número de diapositiva 3"/>
-          <p:cNvSpPr>
-            <a:spLocks noGrp="1"/>
-          </p:cNvSpPr>
-          <p:nvPr>
-            <p:ph type="sldNum" sz="quarter" idx="5"/>
-          </p:nvPr>
-        </p:nvSpPr>
-        <p:spPr/>
-        <p:txBody>
-          <a:bodyPr/>
-          <a:lstStyle/>
-          <a:p>
-            <a:fld id="{3078BF56-2ECF-4460-BCB4-07206B519773}" type="slidenum">
-              <a:rPr lang="es-ES" smtClean="0"/>
-              <a:t>11</a:t>
-            </a:fld>
-            <a:endParaRPr lang="es-ES"/>
-          </a:p>
-        </p:txBody>
-      </p:sp>
-    </p:spTree>
-    <p:extLst>
-      <p:ext uri="{BB962C8B-B14F-4D97-AF65-F5344CB8AC3E}">
-        <p14:creationId xmlns:p14="http://schemas.microsoft.com/office/powerpoint/2010/main" val="876864057"/>
-      </p:ext>
-    </p:extLst>
-  </p:cSld>
-  <p:clrMapOvr>
-    <a:masterClrMapping/>
-  </p:clrMapOvr>
-</p:notes>
-</file>
-
-<file path=ppt/notesSlides/notesSlide8.xml><?xml version="1.0" encoding="utf-8"?>
-<p:notes xmlns:a="http://schemas.openxmlformats.org/drawingml/2006/main" xmlns:r="http://schemas.openxmlformats.org/officeDocument/2006/relationships" xmlns:p="http://schemas.openxmlformats.org/presentationml/2006/main">
-  <p:cSld>
-    <p:spTree>
-      <p:nvGrpSpPr>
-        <p:cNvPr id="1" name=""/>
-        <p:cNvGrpSpPr/>
-        <p:nvPr/>
-      </p:nvGrpSpPr>
-      <p:grpSpPr>
-        <a:xfrm>
-          <a:off x="0" y="0"/>
-          <a:ext cx="0" cy="0"/>
-          <a:chOff x="0" y="0"/>
-          <a:chExt cx="0" cy="0"/>
-        </a:xfrm>
-      </p:grpSpPr>
-      <p:sp>
-        <p:nvSpPr>
-          <p:cNvPr id="2" name="Marcador de imagen de diapositiva 1"/>
-          <p:cNvSpPr>
-            <a:spLocks noGrp="1" noRot="1" noChangeAspect="1"/>
-          </p:cNvSpPr>
-          <p:nvPr>
-            <p:ph type="sldImg"/>
-          </p:nvPr>
-        </p:nvSpPr>
-        <p:spPr/>
-      </p:sp>
-      <p:sp>
-        <p:nvSpPr>
-          <p:cNvPr id="3" name="Marcador de notas 2"/>
-          <p:cNvSpPr>
-            <a:spLocks noGrp="1"/>
-          </p:cNvSpPr>
-          <p:nvPr>
-            <p:ph type="body" idx="1"/>
-          </p:nvPr>
-        </p:nvSpPr>
-        <p:spPr/>
-        <p:txBody>
-          <a:bodyPr/>
-          <a:lstStyle/>
-          <a:p>
-            <a:pPr marL="228600" indent="-228600">
-              <a:buAutoNum type="arabicPeriod"/>
-            </a:pPr>
-            <a:r>
-              <a:rPr lang="es-ES" dirty="0"/>
-              <a:t>T</a:t>
-            </a:r>
-            <a:r>
-              <a:rPr lang="es-CU" dirty="0" err="1"/>
-              <a:t>exto</a:t>
-            </a:r>
-            <a:r>
-              <a:rPr lang="es-CU" dirty="0"/>
-              <a:t> y preguntas generadas (Ingles)</a:t>
-            </a:r>
-          </a:p>
-          <a:p>
-            <a:pPr marL="228600" indent="-228600">
-              <a:buAutoNum type="arabicPeriod"/>
-            </a:pPr>
-            <a:r>
-              <a:rPr lang="es-CU" dirty="0"/>
-              <a:t>Vista de uno de los archivos de entrenamiento con el conocimiento nuevo en español, dichos archivos constituyen la estructura de conocimiento de un </a:t>
-            </a:r>
-            <a:r>
-              <a:rPr lang="es-CU" dirty="0" err="1"/>
-              <a:t>bot</a:t>
-            </a:r>
-            <a:r>
-              <a:rPr lang="es-CU" dirty="0"/>
-              <a:t> desarrollado en Rasa</a:t>
-            </a:r>
-          </a:p>
-          <a:p>
-            <a:pPr marL="228600" indent="-228600">
-              <a:buAutoNum type="arabicPeriod"/>
-            </a:pPr>
-            <a:r>
-              <a:rPr lang="es-CU" dirty="0"/>
-              <a:t>Vista de la </a:t>
-            </a:r>
-            <a:r>
-              <a:rPr lang="es-CU" dirty="0" err="1"/>
-              <a:t>interacci</a:t>
-            </a:r>
-            <a:r>
-              <a:rPr lang="es-ES" dirty="0" err="1"/>
-              <a:t>ó</a:t>
-            </a:r>
-            <a:r>
-              <a:rPr lang="es-CU" dirty="0"/>
-              <a:t>n en un entorno web</a:t>
-            </a:r>
-          </a:p>
-        </p:txBody>
-      </p:sp>
-      <p:sp>
-        <p:nvSpPr>
-          <p:cNvPr id="4" name="Marcador de número de diapositiva 3"/>
-          <p:cNvSpPr>
-            <a:spLocks noGrp="1"/>
-          </p:cNvSpPr>
-          <p:nvPr>
-            <p:ph type="sldNum" sz="quarter" idx="5"/>
-          </p:nvPr>
-        </p:nvSpPr>
-        <p:spPr/>
-        <p:txBody>
-          <a:bodyPr/>
-          <a:lstStyle/>
-          <a:p>
-            <a:fld id="{3078BF56-2ECF-4460-BCB4-07206B519773}" type="slidenum">
-              <a:rPr lang="es-ES" smtClean="0"/>
-              <a:t>15</a:t>
-            </a:fld>
-            <a:endParaRPr lang="es-ES"/>
-          </a:p>
-        </p:txBody>
-      </p:sp>
-    </p:spTree>
-    <p:extLst>
-      <p:ext uri="{BB962C8B-B14F-4D97-AF65-F5344CB8AC3E}">
-        <p14:creationId xmlns:p14="http://schemas.microsoft.com/office/powerpoint/2010/main" val="2619308017"/>
-      </p:ext>
-    </p:extLst>
-  </p:cSld>
-  <p:clrMapOvr>
-    <a:masterClrMapping/>
-  </p:clrMapOvr>
-</p:notes>
-</file>
-
-<file path=ppt/notesSlides/notesSlide9.xml><?xml version="1.0" encoding="utf-8"?>
+<file path=ppt/notesSlides/notesSlide10.xml><?xml version="1.0" encoding="utf-8"?>
 <p:notes xmlns:a="http://schemas.openxmlformats.org/drawingml/2006/main" xmlns:r="http://schemas.openxmlformats.org/officeDocument/2006/relationships" xmlns:p="http://schemas.openxmlformats.org/presentationml/2006/main">
   <p:cSld>
     <p:bg>
@@ -1964,7 +791,1247 @@
     </p:spTree>
     <p:extLst>
       <p:ext uri="{BB962C8B-B14F-4D97-AF65-F5344CB8AC3E}">
-        <p14:creationId xmlns:p14="http://schemas.microsoft.com/office/powerpoint/2010/main" val="3561783688"/>
+        <p14:creationId xmlns:p14="http://schemas.microsoft.com/office/powerpoint/2010/main" val="2184512685"/>
+      </p:ext>
+    </p:extLst>
+  </p:cSld>
+  <p:clrMapOvr>
+    <a:masterClrMapping/>
+  </p:clrMapOvr>
+</p:notes>
+</file>
+
+<file path=ppt/notesSlides/notesSlide2.xml><?xml version="1.0" encoding="utf-8"?>
+<p:notes xmlns:a="http://schemas.openxmlformats.org/drawingml/2006/main" xmlns:r="http://schemas.openxmlformats.org/officeDocument/2006/relationships" xmlns:p="http://schemas.openxmlformats.org/presentationml/2006/main">
+  <p:cSld>
+    <p:spTree>
+      <p:nvGrpSpPr>
+        <p:cNvPr id="1" name=""/>
+        <p:cNvGrpSpPr/>
+        <p:nvPr/>
+      </p:nvGrpSpPr>
+      <p:grpSpPr>
+        <a:xfrm>
+          <a:off x="0" y="0"/>
+          <a:ext cx="0" cy="0"/>
+          <a:chOff x="0" y="0"/>
+          <a:chExt cx="0" cy="0"/>
+        </a:xfrm>
+      </p:grpSpPr>
+      <p:sp>
+        <p:nvSpPr>
+          <p:cNvPr id="2" name="Marcador de imagen de diapositiva 1"/>
+          <p:cNvSpPr>
+            <a:spLocks noGrp="1" noRot="1" noChangeAspect="1"/>
+          </p:cNvSpPr>
+          <p:nvPr>
+            <p:ph type="sldImg"/>
+          </p:nvPr>
+        </p:nvSpPr>
+        <p:spPr/>
+      </p:sp>
+      <p:sp>
+        <p:nvSpPr>
+          <p:cNvPr id="3" name="Marcador de notas 2"/>
+          <p:cNvSpPr>
+            <a:spLocks noGrp="1"/>
+          </p:cNvSpPr>
+          <p:nvPr>
+            <p:ph type="body" idx="1"/>
+          </p:nvPr>
+        </p:nvSpPr>
+        <p:spPr/>
+        <p:txBody>
+          <a:bodyPr/>
+          <a:lstStyle/>
+          <a:p>
+            <a:pPr algn="just"/>
+            <a:r>
+              <a:rPr lang="es-ES" dirty="0"/>
+              <a:t> </a:t>
+            </a:r>
+            <a:r>
+              <a:rPr lang="es-ES" sz="1200" dirty="0">
+                <a:effectLst/>
+                <a:latin typeface="Rockwell (Cuerpo)"/>
+                <a:ea typeface="Times New Roman" panose="02020603050405020304" pitchFamily="18" charset="0"/>
+              </a:rPr>
+              <a:t>Un Asistente virtual </a:t>
+            </a:r>
+            <a:r>
+              <a:rPr lang="es-ES" sz="1200" dirty="0">
+                <a:solidFill>
+                  <a:srgbClr val="000000"/>
+                </a:solidFill>
+                <a:effectLst/>
+                <a:latin typeface="Rockwell (Cuerpo)"/>
+                <a:ea typeface="Calibri" panose="020F0502020204030204" pitchFamily="34" charset="0"/>
+              </a:rPr>
+              <a:t>(AV)</a:t>
+            </a:r>
+            <a:r>
+              <a:rPr lang="es-ES" sz="1200" i="1" dirty="0">
+                <a:solidFill>
+                  <a:srgbClr val="000000"/>
+                </a:solidFill>
+                <a:effectLst/>
+                <a:latin typeface="Rockwell (Cuerpo)"/>
+                <a:ea typeface="Calibri" panose="020F0502020204030204" pitchFamily="34" charset="0"/>
+              </a:rPr>
+              <a:t> </a:t>
+            </a:r>
+            <a:r>
+              <a:rPr lang="es-ES" sz="1200" dirty="0">
+                <a:effectLst/>
+                <a:latin typeface="Rockwell (Cuerpo)"/>
+                <a:ea typeface="Times New Roman" panose="02020603050405020304" pitchFamily="18" charset="0"/>
+              </a:rPr>
+              <a:t>es un programa informático que permite a los seres humanos interactuar con la tecnología utilizando una variedad de métodos de entrada (voz, texto, gestos, tacto, etc.). </a:t>
+            </a:r>
+          </a:p>
+          <a:p>
+            <a:pPr algn="just"/>
+            <a:endParaRPr lang="es-ES" sz="1200" dirty="0">
+              <a:latin typeface="Rockwell (Cuerpo)"/>
+            </a:endParaRPr>
+          </a:p>
+          <a:p>
+            <a:pPr algn="just"/>
+            <a:r>
+              <a:rPr lang="es-ES" sz="1200" dirty="0">
+                <a:effectLst/>
+                <a:latin typeface="Rockwell (Cuerpo)"/>
+                <a:ea typeface="Times New Roman" panose="02020603050405020304" pitchFamily="18" charset="0"/>
+              </a:rPr>
+              <a:t>Durante muchos años, los asistentes virtuales se utilizaron sólo en entornos de servicio al cliente, pero ahora se han añadido otros casos de uso principalmente dentro de las empresas para mejorar la experiencia del cliente y la eficiencia empresarial. </a:t>
+            </a:r>
+          </a:p>
+          <a:p>
+            <a:pPr algn="just"/>
+            <a:endParaRPr lang="es-ES" sz="1200" dirty="0">
+              <a:latin typeface="Rockwell (Cuerpo)"/>
+            </a:endParaRPr>
+          </a:p>
+          <a:p>
+            <a:pPr algn="just"/>
+            <a:r>
+              <a:rPr lang="es-MX" sz="1200" dirty="0">
+                <a:solidFill>
+                  <a:srgbClr val="000000"/>
+                </a:solidFill>
+                <a:effectLst/>
+                <a:latin typeface="Rockwell (Cuerpo)"/>
+                <a:ea typeface="Calibri" panose="020F0502020204030204" pitchFamily="34" charset="0"/>
+              </a:rPr>
+              <a:t>En nuestro país actualmente esta tecnología no es muy explotada, aunque han existido, como es el ejemplo de Amanda (Usada para información sobre las elecciones en Cuba) y ELIZ que es un asistente virtual para la plataforma ENZONA. </a:t>
+            </a:r>
+          </a:p>
+          <a:p>
+            <a:pPr algn="just"/>
+            <a:endParaRPr lang="es-MX" sz="1200" dirty="0">
+              <a:solidFill>
+                <a:srgbClr val="000000"/>
+              </a:solidFill>
+              <a:latin typeface="Rockwell (Cuerpo)"/>
+            </a:endParaRPr>
+          </a:p>
+          <a:p>
+            <a:pPr algn="just"/>
+            <a:r>
+              <a:rPr lang="es-MX" sz="1200" dirty="0">
+                <a:solidFill>
+                  <a:srgbClr val="000000"/>
+                </a:solidFill>
+                <a:latin typeface="Rockwell (Cuerpo)"/>
+              </a:rPr>
+              <a:t>El propósito de esta investigación es, además de facilitar el desarrollo de asistentes virtuales, potenciar el uso de los mismos mejorando sus capacidades de respuesta al interactuar con las personas.</a:t>
+            </a:r>
+            <a:endParaRPr lang="es-ES" sz="1200" dirty="0">
+              <a:latin typeface="Rockwell (Cuerpo)"/>
+            </a:endParaRPr>
+          </a:p>
+          <a:p>
+            <a:pPr marL="0" marR="0" lvl="0" indent="0" algn="just" defTabSz="914400" rtl="0" eaLnBrk="1" fontAlgn="auto" latinLnBrk="0" hangingPunct="1">
+              <a:lnSpc>
+                <a:spcPct val="100000"/>
+              </a:lnSpc>
+              <a:spcBef>
+                <a:spcPts val="0"/>
+              </a:spcBef>
+              <a:spcAft>
+                <a:spcPts val="0"/>
+              </a:spcAft>
+              <a:buClrTx/>
+              <a:buSzTx/>
+              <a:buFontTx/>
+              <a:buNone/>
+              <a:tabLst/>
+              <a:defRPr/>
+            </a:pPr>
+            <a:endParaRPr lang="es-ES" dirty="0"/>
+          </a:p>
+        </p:txBody>
+      </p:sp>
+      <p:sp>
+        <p:nvSpPr>
+          <p:cNvPr id="4" name="Marcador de número de diapositiva 3"/>
+          <p:cNvSpPr>
+            <a:spLocks noGrp="1"/>
+          </p:cNvSpPr>
+          <p:nvPr>
+            <p:ph type="sldNum" sz="quarter" idx="5"/>
+          </p:nvPr>
+        </p:nvSpPr>
+        <p:spPr/>
+        <p:txBody>
+          <a:bodyPr/>
+          <a:lstStyle/>
+          <a:p>
+            <a:fld id="{3078BF56-2ECF-4460-BCB4-07206B519773}" type="slidenum">
+              <a:rPr lang="es-ES" smtClean="0"/>
+              <a:t>2</a:t>
+            </a:fld>
+            <a:endParaRPr lang="es-ES"/>
+          </a:p>
+        </p:txBody>
+      </p:sp>
+    </p:spTree>
+    <p:extLst>
+      <p:ext uri="{BB962C8B-B14F-4D97-AF65-F5344CB8AC3E}">
+        <p14:creationId xmlns:p14="http://schemas.microsoft.com/office/powerpoint/2010/main" val="18917434"/>
+      </p:ext>
+    </p:extLst>
+  </p:cSld>
+  <p:clrMapOvr>
+    <a:masterClrMapping/>
+  </p:clrMapOvr>
+</p:notes>
+</file>
+
+<file path=ppt/notesSlides/notesSlide3.xml><?xml version="1.0" encoding="utf-8"?>
+<p:notes xmlns:a="http://schemas.openxmlformats.org/drawingml/2006/main" xmlns:r="http://schemas.openxmlformats.org/officeDocument/2006/relationships" xmlns:p="http://schemas.openxmlformats.org/presentationml/2006/main">
+  <p:cSld>
+    <p:spTree>
+      <p:nvGrpSpPr>
+        <p:cNvPr id="1" name=""/>
+        <p:cNvGrpSpPr/>
+        <p:nvPr/>
+      </p:nvGrpSpPr>
+      <p:grpSpPr>
+        <a:xfrm>
+          <a:off x="0" y="0"/>
+          <a:ext cx="0" cy="0"/>
+          <a:chOff x="0" y="0"/>
+          <a:chExt cx="0" cy="0"/>
+        </a:xfrm>
+      </p:grpSpPr>
+      <p:sp>
+        <p:nvSpPr>
+          <p:cNvPr id="2" name="Marcador de imagen de diapositiva 1"/>
+          <p:cNvSpPr>
+            <a:spLocks noGrp="1" noRot="1" noChangeAspect="1"/>
+          </p:cNvSpPr>
+          <p:nvPr>
+            <p:ph type="sldImg"/>
+          </p:nvPr>
+        </p:nvSpPr>
+        <p:spPr/>
+      </p:sp>
+      <p:sp>
+        <p:nvSpPr>
+          <p:cNvPr id="3" name="Marcador de notas 2"/>
+          <p:cNvSpPr>
+            <a:spLocks noGrp="1"/>
+          </p:cNvSpPr>
+          <p:nvPr>
+            <p:ph type="body" idx="1"/>
+          </p:nvPr>
+        </p:nvSpPr>
+        <p:spPr/>
+        <p:txBody>
+          <a:bodyPr/>
+          <a:lstStyle/>
+          <a:p>
+            <a:pPr marL="0" marR="0" lvl="0" indent="0" algn="l" defTabSz="914400" rtl="0" eaLnBrk="1" fontAlgn="auto" latinLnBrk="0" hangingPunct="1">
+              <a:lnSpc>
+                <a:spcPct val="100000"/>
+              </a:lnSpc>
+              <a:spcBef>
+                <a:spcPts val="0"/>
+              </a:spcBef>
+              <a:spcAft>
+                <a:spcPts val="0"/>
+              </a:spcAft>
+              <a:buClrTx/>
+              <a:buSzTx/>
+              <a:buFontTx/>
+              <a:buNone/>
+              <a:tabLst/>
+              <a:defRPr/>
+            </a:pPr>
+            <a:r>
+              <a:rPr lang="es-MX" dirty="0" err="1">
+                <a:latin typeface="Rockwell (Cuerpo)"/>
+                <a:cs typeface="Arial" panose="020B0604020202020204" pitchFamily="34" charset="0"/>
+              </a:rPr>
+              <a:t>Situacion</a:t>
+            </a:r>
+            <a:r>
+              <a:rPr lang="es-MX" dirty="0">
+                <a:latin typeface="Rockwell (Cuerpo)"/>
+                <a:cs typeface="Arial" panose="020B0604020202020204" pitchFamily="34" charset="0"/>
+              </a:rPr>
+              <a:t> </a:t>
+            </a:r>
+            <a:r>
+              <a:rPr lang="es-MX" dirty="0" err="1">
+                <a:latin typeface="Rockwell (Cuerpo)"/>
+                <a:cs typeface="Arial" panose="020B0604020202020204" pitchFamily="34" charset="0"/>
+              </a:rPr>
+              <a:t>Problemica</a:t>
+            </a:r>
+            <a:endParaRPr lang="es-MX" dirty="0">
+              <a:latin typeface="Rockwell (Cuerpo)"/>
+              <a:cs typeface="Arial" panose="020B0604020202020204" pitchFamily="34" charset="0"/>
+            </a:endParaRPr>
+          </a:p>
+          <a:p>
+            <a:pPr marL="0" marR="0" lvl="0" indent="0" algn="l" defTabSz="914400" rtl="0" eaLnBrk="1" fontAlgn="auto" latinLnBrk="0" hangingPunct="1">
+              <a:lnSpc>
+                <a:spcPct val="100000"/>
+              </a:lnSpc>
+              <a:spcBef>
+                <a:spcPts val="0"/>
+              </a:spcBef>
+              <a:spcAft>
+                <a:spcPts val="0"/>
+              </a:spcAft>
+              <a:buClrTx/>
+              <a:buSzTx/>
+              <a:buFontTx/>
+              <a:buNone/>
+              <a:tabLst/>
+              <a:defRPr/>
+            </a:pPr>
+            <a:r>
+              <a:rPr lang="es-MX" dirty="0">
+                <a:latin typeface="Rockwell (Cuerpo)"/>
+                <a:cs typeface="Arial" panose="020B0604020202020204" pitchFamily="34" charset="0"/>
+              </a:rPr>
+              <a:t>Los Asistentes Virtuales tienen la capacidad de brindar un servicio de atención mediante chat por diferentes vías, permiten la aclaración rápida de dudas y búsqueda de información que las personas demandan constantemente; sin embargo no están aptos muchas veces para dar respuestas o soluciones porque necesitan el conocimiento suficiente para ello.</a:t>
+            </a:r>
+          </a:p>
+          <a:p>
+            <a:pPr marL="0" marR="0" lvl="0" indent="0" algn="l" defTabSz="914400" rtl="0" eaLnBrk="1" fontAlgn="auto" latinLnBrk="0" hangingPunct="1">
+              <a:lnSpc>
+                <a:spcPct val="100000"/>
+              </a:lnSpc>
+              <a:spcBef>
+                <a:spcPts val="0"/>
+              </a:spcBef>
+              <a:spcAft>
+                <a:spcPts val="0"/>
+              </a:spcAft>
+              <a:buClrTx/>
+              <a:buSzTx/>
+              <a:buFontTx/>
+              <a:buNone/>
+              <a:tabLst/>
+              <a:defRPr/>
+            </a:pPr>
+            <a:endParaRPr lang="es-MX" dirty="0">
+              <a:latin typeface="Rockwell (Cuerpo)"/>
+              <a:cs typeface="Arial" panose="020B0604020202020204" pitchFamily="34" charset="0"/>
+            </a:endParaRPr>
+          </a:p>
+          <a:p>
+            <a:pPr marL="0" marR="0" lvl="0" indent="0" algn="l" defTabSz="914400" rtl="0" eaLnBrk="1" fontAlgn="auto" latinLnBrk="0" hangingPunct="1">
+              <a:lnSpc>
+                <a:spcPct val="100000"/>
+              </a:lnSpc>
+              <a:spcBef>
+                <a:spcPts val="0"/>
+              </a:spcBef>
+              <a:spcAft>
+                <a:spcPts val="0"/>
+              </a:spcAft>
+              <a:buClrTx/>
+              <a:buSzTx/>
+              <a:buFontTx/>
+              <a:buNone/>
+              <a:tabLst/>
+              <a:defRPr/>
+            </a:pPr>
+            <a:r>
+              <a:rPr lang="es-MX" dirty="0">
+                <a:latin typeface="Rockwell (Cuerpo)"/>
+                <a:cs typeface="Arial" panose="020B0604020202020204" pitchFamily="34" charset="0"/>
+              </a:rPr>
+              <a:t>Problema </a:t>
+            </a:r>
+          </a:p>
+          <a:p>
+            <a:pPr marL="0" marR="0" lvl="0" indent="0" algn="l" defTabSz="914400" rtl="0" eaLnBrk="1" fontAlgn="auto" latinLnBrk="0" hangingPunct="1">
+              <a:lnSpc>
+                <a:spcPct val="100000"/>
+              </a:lnSpc>
+              <a:spcBef>
+                <a:spcPts val="0"/>
+              </a:spcBef>
+              <a:spcAft>
+                <a:spcPts val="0"/>
+              </a:spcAft>
+              <a:buClrTx/>
+              <a:buSzTx/>
+              <a:buFontTx/>
+              <a:buNone/>
+              <a:tabLst/>
+              <a:defRPr/>
+            </a:pPr>
+            <a:r>
+              <a:rPr lang="es-ES" dirty="0">
+                <a:effectLst/>
+                <a:latin typeface="Rockwell (Cuerpo)"/>
+                <a:ea typeface="Calibri" panose="020F0502020204030204" pitchFamily="34" charset="0"/>
+              </a:rPr>
+              <a:t>El servicio agente de atención al cliente a través de personas supone costos, gasto físico y muchas veces limitaciones en el servicio, ya sea por el horario laboral, problemas de salud o falta de personal capacitado para satisfacer la demanda que de búsqueda de información que generan las personas. </a:t>
+            </a:r>
+            <a:r>
+              <a:rPr lang="es-ES" b="1" dirty="0">
+                <a:effectLst/>
+                <a:latin typeface="Rockwell (Cuerpo)"/>
+                <a:ea typeface="Calibri" panose="020F0502020204030204" pitchFamily="34" charset="0"/>
+              </a:rPr>
+              <a:t>Un asistente virtual que puede estar disponible a toda hora, atender a muchos usuarios a la vez con una buena base de conocimiento que actualmente es insuficiente, necesita de especialistas y de un laborioso trabajo para construirse, puede dar solución a estas cuestiones o necesidades.</a:t>
+            </a:r>
+            <a:endParaRPr lang="es-ES" dirty="0">
+              <a:effectLst/>
+              <a:latin typeface="Rockwell (Cuerpo)"/>
+              <a:ea typeface="Calibri" panose="020F0502020204030204" pitchFamily="34" charset="0"/>
+            </a:endParaRPr>
+          </a:p>
+          <a:p>
+            <a:pPr marL="0" marR="0" lvl="0" indent="0" algn="l" defTabSz="914400" rtl="0" eaLnBrk="1" fontAlgn="auto" latinLnBrk="0" hangingPunct="1">
+              <a:lnSpc>
+                <a:spcPct val="100000"/>
+              </a:lnSpc>
+              <a:spcBef>
+                <a:spcPts val="0"/>
+              </a:spcBef>
+              <a:spcAft>
+                <a:spcPts val="0"/>
+              </a:spcAft>
+              <a:buClrTx/>
+              <a:buSzTx/>
+              <a:buFontTx/>
+              <a:buNone/>
+              <a:tabLst/>
+              <a:defRPr/>
+            </a:pPr>
+            <a:endParaRPr lang="es-ES" dirty="0">
+              <a:latin typeface="Rockwell (Cuerpo)"/>
+              <a:cs typeface="Arial" panose="020B0604020202020204" pitchFamily="34" charset="0"/>
+            </a:endParaRPr>
+          </a:p>
+          <a:p>
+            <a:endParaRPr lang="es-ES" dirty="0"/>
+          </a:p>
+        </p:txBody>
+      </p:sp>
+      <p:sp>
+        <p:nvSpPr>
+          <p:cNvPr id="4" name="Marcador de número de diapositiva 3"/>
+          <p:cNvSpPr>
+            <a:spLocks noGrp="1"/>
+          </p:cNvSpPr>
+          <p:nvPr>
+            <p:ph type="sldNum" sz="quarter" idx="5"/>
+          </p:nvPr>
+        </p:nvSpPr>
+        <p:spPr/>
+        <p:txBody>
+          <a:bodyPr/>
+          <a:lstStyle/>
+          <a:p>
+            <a:fld id="{3078BF56-2ECF-4460-BCB4-07206B519773}" type="slidenum">
+              <a:rPr lang="es-ES" smtClean="0"/>
+              <a:t>3</a:t>
+            </a:fld>
+            <a:endParaRPr lang="es-ES"/>
+          </a:p>
+        </p:txBody>
+      </p:sp>
+    </p:spTree>
+    <p:extLst>
+      <p:ext uri="{BB962C8B-B14F-4D97-AF65-F5344CB8AC3E}">
+        <p14:creationId xmlns:p14="http://schemas.microsoft.com/office/powerpoint/2010/main" val="2880916079"/>
+      </p:ext>
+    </p:extLst>
+  </p:cSld>
+  <p:clrMapOvr>
+    <a:masterClrMapping/>
+  </p:clrMapOvr>
+</p:notes>
+</file>
+
+<file path=ppt/notesSlides/notesSlide4.xml><?xml version="1.0" encoding="utf-8"?>
+<p:notes xmlns:a="http://schemas.openxmlformats.org/drawingml/2006/main" xmlns:r="http://schemas.openxmlformats.org/officeDocument/2006/relationships" xmlns:p="http://schemas.openxmlformats.org/presentationml/2006/main">
+  <p:cSld>
+    <p:spTree>
+      <p:nvGrpSpPr>
+        <p:cNvPr id="1" name=""/>
+        <p:cNvGrpSpPr/>
+        <p:nvPr/>
+      </p:nvGrpSpPr>
+      <p:grpSpPr>
+        <a:xfrm>
+          <a:off x="0" y="0"/>
+          <a:ext cx="0" cy="0"/>
+          <a:chOff x="0" y="0"/>
+          <a:chExt cx="0" cy="0"/>
+        </a:xfrm>
+      </p:grpSpPr>
+      <p:sp>
+        <p:nvSpPr>
+          <p:cNvPr id="2" name="Marcador de imagen de diapositiva 1"/>
+          <p:cNvSpPr>
+            <a:spLocks noGrp="1" noRot="1" noChangeAspect="1"/>
+          </p:cNvSpPr>
+          <p:nvPr>
+            <p:ph type="sldImg"/>
+          </p:nvPr>
+        </p:nvSpPr>
+        <p:spPr/>
+      </p:sp>
+      <p:sp>
+        <p:nvSpPr>
+          <p:cNvPr id="3" name="Marcador de notas 2"/>
+          <p:cNvSpPr>
+            <a:spLocks noGrp="1"/>
+          </p:cNvSpPr>
+          <p:nvPr>
+            <p:ph type="body" idx="1"/>
+          </p:nvPr>
+        </p:nvSpPr>
+        <p:spPr/>
+        <p:txBody>
+          <a:bodyPr/>
+          <a:lstStyle/>
+          <a:p>
+            <a:pPr marL="0" marR="0" lvl="0" indent="0" algn="l" defTabSz="914400" rtl="0" eaLnBrk="1" fontAlgn="auto" latinLnBrk="0" hangingPunct="1">
+              <a:lnSpc>
+                <a:spcPct val="100000"/>
+              </a:lnSpc>
+              <a:spcBef>
+                <a:spcPts val="0"/>
+              </a:spcBef>
+              <a:spcAft>
+                <a:spcPts val="0"/>
+              </a:spcAft>
+              <a:buClrTx/>
+              <a:buSzTx/>
+              <a:buFontTx/>
+              <a:buNone/>
+              <a:tabLst/>
+              <a:defRPr/>
+            </a:pPr>
+            <a:r>
+              <a:rPr lang="es-ES" dirty="0">
+                <a:solidFill>
+                  <a:srgbClr val="000000"/>
+                </a:solidFill>
+                <a:latin typeface="Rockwell (Cuerpo)"/>
+                <a:ea typeface="Times New Roman" panose="02020603050405020304" pitchFamily="18" charset="0"/>
+              </a:rPr>
+              <a:t>Desarrollar una aplicación informática que permita la gestión o construcción de conocimiento de manera automática para Asistentes Virtuales, para que estos puedan ser más eficientes al responder cualquier duda o inquietud de los usuarios.</a:t>
+            </a:r>
+            <a:endParaRPr lang="es-ES" dirty="0">
+              <a:latin typeface="Rockwell (Cuerpo)"/>
+            </a:endParaRPr>
+          </a:p>
+          <a:p>
+            <a:endParaRPr lang="es-ES" dirty="0"/>
+          </a:p>
+        </p:txBody>
+      </p:sp>
+      <p:sp>
+        <p:nvSpPr>
+          <p:cNvPr id="4" name="Marcador de número de diapositiva 3"/>
+          <p:cNvSpPr>
+            <a:spLocks noGrp="1"/>
+          </p:cNvSpPr>
+          <p:nvPr>
+            <p:ph type="sldNum" sz="quarter" idx="5"/>
+          </p:nvPr>
+        </p:nvSpPr>
+        <p:spPr/>
+        <p:txBody>
+          <a:bodyPr/>
+          <a:lstStyle/>
+          <a:p>
+            <a:fld id="{3078BF56-2ECF-4460-BCB4-07206B519773}" type="slidenum">
+              <a:rPr lang="es-ES" smtClean="0"/>
+              <a:t>4</a:t>
+            </a:fld>
+            <a:endParaRPr lang="es-ES"/>
+          </a:p>
+        </p:txBody>
+      </p:sp>
+    </p:spTree>
+    <p:extLst>
+      <p:ext uri="{BB962C8B-B14F-4D97-AF65-F5344CB8AC3E}">
+        <p14:creationId xmlns:p14="http://schemas.microsoft.com/office/powerpoint/2010/main" val="816321103"/>
+      </p:ext>
+    </p:extLst>
+  </p:cSld>
+  <p:clrMapOvr>
+    <a:masterClrMapping/>
+  </p:clrMapOvr>
+</p:notes>
+</file>
+
+<file path=ppt/notesSlides/notesSlide5.xml><?xml version="1.0" encoding="utf-8"?>
+<p:notes xmlns:a="http://schemas.openxmlformats.org/drawingml/2006/main" xmlns:r="http://schemas.openxmlformats.org/officeDocument/2006/relationships" xmlns:p="http://schemas.openxmlformats.org/presentationml/2006/main">
+  <p:cSld>
+    <p:spTree>
+      <p:nvGrpSpPr>
+        <p:cNvPr id="1" name=""/>
+        <p:cNvGrpSpPr/>
+        <p:nvPr/>
+      </p:nvGrpSpPr>
+      <p:grpSpPr>
+        <a:xfrm>
+          <a:off x="0" y="0"/>
+          <a:ext cx="0" cy="0"/>
+          <a:chOff x="0" y="0"/>
+          <a:chExt cx="0" cy="0"/>
+        </a:xfrm>
+      </p:grpSpPr>
+      <p:sp>
+        <p:nvSpPr>
+          <p:cNvPr id="2" name="Marcador de imagen de diapositiva 1"/>
+          <p:cNvSpPr>
+            <a:spLocks noGrp="1" noRot="1" noChangeAspect="1"/>
+          </p:cNvSpPr>
+          <p:nvPr>
+            <p:ph type="sldImg"/>
+          </p:nvPr>
+        </p:nvSpPr>
+        <p:spPr/>
+      </p:sp>
+      <p:sp>
+        <p:nvSpPr>
+          <p:cNvPr id="3" name="Marcador de notas 2"/>
+          <p:cNvSpPr>
+            <a:spLocks noGrp="1"/>
+          </p:cNvSpPr>
+          <p:nvPr>
+            <p:ph type="body" idx="1"/>
+          </p:nvPr>
+        </p:nvSpPr>
+        <p:spPr/>
+        <p:txBody>
+          <a:bodyPr/>
+          <a:lstStyle/>
+          <a:p>
+            <a:endParaRPr lang="es-ES" dirty="0"/>
+          </a:p>
+        </p:txBody>
+      </p:sp>
+      <p:sp>
+        <p:nvSpPr>
+          <p:cNvPr id="4" name="Marcador de número de diapositiva 3"/>
+          <p:cNvSpPr>
+            <a:spLocks noGrp="1"/>
+          </p:cNvSpPr>
+          <p:nvPr>
+            <p:ph type="sldNum" sz="quarter" idx="5"/>
+          </p:nvPr>
+        </p:nvSpPr>
+        <p:spPr/>
+        <p:txBody>
+          <a:bodyPr/>
+          <a:lstStyle/>
+          <a:p>
+            <a:fld id="{3078BF56-2ECF-4460-BCB4-07206B519773}" type="slidenum">
+              <a:rPr lang="es-ES" smtClean="0"/>
+              <a:t>6</a:t>
+            </a:fld>
+            <a:endParaRPr lang="es-ES"/>
+          </a:p>
+        </p:txBody>
+      </p:sp>
+    </p:spTree>
+    <p:extLst>
+      <p:ext uri="{BB962C8B-B14F-4D97-AF65-F5344CB8AC3E}">
+        <p14:creationId xmlns:p14="http://schemas.microsoft.com/office/powerpoint/2010/main" val="2585072665"/>
+      </p:ext>
+    </p:extLst>
+  </p:cSld>
+  <p:clrMapOvr>
+    <a:masterClrMapping/>
+  </p:clrMapOvr>
+</p:notes>
+</file>
+
+<file path=ppt/notesSlides/notesSlide6.xml><?xml version="1.0" encoding="utf-8"?>
+<p:notes xmlns:a="http://schemas.openxmlformats.org/drawingml/2006/main" xmlns:r="http://schemas.openxmlformats.org/officeDocument/2006/relationships" xmlns:p="http://schemas.openxmlformats.org/presentationml/2006/main">
+  <p:cSld>
+    <p:spTree>
+      <p:nvGrpSpPr>
+        <p:cNvPr id="1" name=""/>
+        <p:cNvGrpSpPr/>
+        <p:nvPr/>
+      </p:nvGrpSpPr>
+      <p:grpSpPr>
+        <a:xfrm>
+          <a:off x="0" y="0"/>
+          <a:ext cx="0" cy="0"/>
+          <a:chOff x="0" y="0"/>
+          <a:chExt cx="0" cy="0"/>
+        </a:xfrm>
+      </p:grpSpPr>
+      <p:sp>
+        <p:nvSpPr>
+          <p:cNvPr id="2" name="Marcador de imagen de diapositiva 1"/>
+          <p:cNvSpPr>
+            <a:spLocks noGrp="1" noRot="1" noChangeAspect="1"/>
+          </p:cNvSpPr>
+          <p:nvPr>
+            <p:ph type="sldImg"/>
+          </p:nvPr>
+        </p:nvSpPr>
+        <p:spPr/>
+      </p:sp>
+      <p:sp>
+        <p:nvSpPr>
+          <p:cNvPr id="3" name="Marcador de notas 2"/>
+          <p:cNvSpPr>
+            <a:spLocks noGrp="1"/>
+          </p:cNvSpPr>
+          <p:nvPr>
+            <p:ph type="body" idx="1"/>
+          </p:nvPr>
+        </p:nvSpPr>
+        <p:spPr/>
+        <p:txBody>
+          <a:bodyPr/>
+          <a:lstStyle/>
+          <a:p>
+            <a:pPr marL="0" marR="0" lvl="0" indent="0" algn="l" defTabSz="914400" rtl="0" eaLnBrk="1" fontAlgn="auto" latinLnBrk="0" hangingPunct="1">
+              <a:lnSpc>
+                <a:spcPct val="100000"/>
+              </a:lnSpc>
+              <a:spcBef>
+                <a:spcPts val="0"/>
+              </a:spcBef>
+              <a:spcAft>
+                <a:spcPts val="0"/>
+              </a:spcAft>
+              <a:buClrTx/>
+              <a:buSzTx/>
+              <a:buFontTx/>
+              <a:buNone/>
+              <a:tabLst/>
+              <a:defRPr/>
+            </a:pPr>
+            <a:r>
+              <a:rPr lang="es-ES" sz="1800" dirty="0">
+                <a:effectLst/>
+                <a:latin typeface="Arial" panose="020B0604020202020204" pitchFamily="34" charset="0"/>
+                <a:ea typeface="Calibri" panose="020F0502020204030204" pitchFamily="34" charset="0"/>
+              </a:rPr>
+              <a:t>De las plataformas estudiadas lo mejor es el uso de sistemas Open </a:t>
+            </a:r>
+            <a:r>
+              <a:rPr lang="es-ES" sz="1800" dirty="0" err="1">
+                <a:effectLst/>
+                <a:latin typeface="Arial" panose="020B0604020202020204" pitchFamily="34" charset="0"/>
+                <a:ea typeface="Calibri" panose="020F0502020204030204" pitchFamily="34" charset="0"/>
+              </a:rPr>
+              <a:t>Source</a:t>
+            </a:r>
+            <a:r>
+              <a:rPr lang="es-ES" sz="1800" dirty="0">
+                <a:effectLst/>
+                <a:latin typeface="Arial" panose="020B0604020202020204" pitchFamily="34" charset="0"/>
+                <a:ea typeface="Calibri" panose="020F0502020204030204" pitchFamily="34" charset="0"/>
+              </a:rPr>
+              <a:t> (Código Abierto) como lo son </a:t>
+            </a:r>
+            <a:r>
+              <a:rPr lang="es-ES" sz="1800" dirty="0" err="1">
+                <a:effectLst/>
+                <a:latin typeface="Arial" panose="020B0604020202020204" pitchFamily="34" charset="0"/>
+                <a:ea typeface="Calibri" panose="020F0502020204030204" pitchFamily="34" charset="0"/>
+              </a:rPr>
+              <a:t>BotPress</a:t>
+            </a:r>
+            <a:r>
+              <a:rPr lang="es-ES" sz="1800" dirty="0">
+                <a:effectLst/>
+                <a:latin typeface="Arial" panose="020B0604020202020204" pitchFamily="34" charset="0"/>
+                <a:ea typeface="Calibri" panose="020F0502020204030204" pitchFamily="34" charset="0"/>
+              </a:rPr>
+              <a:t> y RASA por su manejo y la posibilidad de modificar en aras de adaptar y dar mejores facilidades en comparación con las otras plataformas, permite una mayor colaboración entre los que usan este tipo de sistemas y por lo tanto tienen una gran comunidad de desarrolladores activos. Las otras plataformas: Azure Bot </a:t>
+            </a:r>
+            <a:r>
+              <a:rPr lang="es-ES" sz="1800" dirty="0" err="1">
+                <a:effectLst/>
+                <a:latin typeface="Arial" panose="020B0604020202020204" pitchFamily="34" charset="0"/>
+                <a:ea typeface="Calibri" panose="020F0502020204030204" pitchFamily="34" charset="0"/>
+              </a:rPr>
+              <a:t>Service</a:t>
+            </a:r>
+            <a:r>
+              <a:rPr lang="es-ES" sz="1800" dirty="0">
+                <a:effectLst/>
+                <a:latin typeface="Arial" panose="020B0604020202020204" pitchFamily="34" charset="0"/>
+                <a:ea typeface="Calibri" panose="020F0502020204030204" pitchFamily="34" charset="0"/>
+              </a:rPr>
+              <a:t>, </a:t>
+            </a:r>
+            <a:r>
+              <a:rPr lang="es-ES" sz="1800" dirty="0" err="1">
+                <a:effectLst/>
+                <a:latin typeface="Arial" panose="020B0604020202020204" pitchFamily="34" charset="0"/>
+                <a:ea typeface="Calibri" panose="020F0502020204030204" pitchFamily="34" charset="0"/>
+              </a:rPr>
+              <a:t>DialogFlow</a:t>
+            </a:r>
+            <a:r>
+              <a:rPr lang="es-ES" sz="1800" dirty="0">
+                <a:effectLst/>
+                <a:latin typeface="Arial" panose="020B0604020202020204" pitchFamily="34" charset="0"/>
+                <a:ea typeface="Calibri" panose="020F0502020204030204" pitchFamily="34" charset="0"/>
+              </a:rPr>
+              <a:t> y Amazon Lex si bien son bastante completas y son las más usadas por las grandes empresas, estas son sistemas privados y hoy la industria del software libre es un gran paso de avance en la tecnología, una mejor alternativa, está en ascenso y es más flexible para los desarrolladores. La plataforma Rasa fue la elegida para trabajar, ya que por su forma de uso permite modificar o configurar a nivel de archivos cómo se lleva el conocimiento a los asistentes virtuales desarrollados en ella. Además, Rasa se ajusta más a la línea o idea que se está siguiendo en este trabajo porque al usar comandos permite de alguna manera automatizar del proceso que se está trabajando; además de la basta comunidad y tutoriales que posee, así como las facilidades que brinda para desarrollar y entrenar sus agentes conversacionales.</a:t>
+            </a:r>
+          </a:p>
+          <a:p>
+            <a:endParaRPr lang="es-ES" dirty="0"/>
+          </a:p>
+        </p:txBody>
+      </p:sp>
+      <p:sp>
+        <p:nvSpPr>
+          <p:cNvPr id="4" name="Marcador de número de diapositiva 3"/>
+          <p:cNvSpPr>
+            <a:spLocks noGrp="1"/>
+          </p:cNvSpPr>
+          <p:nvPr>
+            <p:ph type="sldNum" sz="quarter" idx="5"/>
+          </p:nvPr>
+        </p:nvSpPr>
+        <p:spPr/>
+        <p:txBody>
+          <a:bodyPr/>
+          <a:lstStyle/>
+          <a:p>
+            <a:fld id="{3078BF56-2ECF-4460-BCB4-07206B519773}" type="slidenum">
+              <a:rPr lang="es-ES" smtClean="0"/>
+              <a:t>7</a:t>
+            </a:fld>
+            <a:endParaRPr lang="es-ES"/>
+          </a:p>
+        </p:txBody>
+      </p:sp>
+    </p:spTree>
+    <p:extLst>
+      <p:ext uri="{BB962C8B-B14F-4D97-AF65-F5344CB8AC3E}">
+        <p14:creationId xmlns:p14="http://schemas.microsoft.com/office/powerpoint/2010/main" val="2554199236"/>
+      </p:ext>
+    </p:extLst>
+  </p:cSld>
+  <p:clrMapOvr>
+    <a:masterClrMapping/>
+  </p:clrMapOvr>
+</p:notes>
+</file>
+
+<file path=ppt/notesSlides/notesSlide7.xml><?xml version="1.0" encoding="utf-8"?>
+<p:notes xmlns:a="http://schemas.openxmlformats.org/drawingml/2006/main" xmlns:r="http://schemas.openxmlformats.org/officeDocument/2006/relationships" xmlns:p="http://schemas.openxmlformats.org/presentationml/2006/main">
+  <p:cSld>
+    <p:spTree>
+      <p:nvGrpSpPr>
+        <p:cNvPr id="1" name=""/>
+        <p:cNvGrpSpPr/>
+        <p:nvPr/>
+      </p:nvGrpSpPr>
+      <p:grpSpPr>
+        <a:xfrm>
+          <a:off x="0" y="0"/>
+          <a:ext cx="0" cy="0"/>
+          <a:chOff x="0" y="0"/>
+          <a:chExt cx="0" cy="0"/>
+        </a:xfrm>
+      </p:grpSpPr>
+      <p:sp>
+        <p:nvSpPr>
+          <p:cNvPr id="2" name="Marcador de imagen de diapositiva 1"/>
+          <p:cNvSpPr>
+            <a:spLocks noGrp="1" noRot="1" noChangeAspect="1"/>
+          </p:cNvSpPr>
+          <p:nvPr>
+            <p:ph type="sldImg"/>
+          </p:nvPr>
+        </p:nvSpPr>
+        <p:spPr/>
+      </p:sp>
+      <p:sp>
+        <p:nvSpPr>
+          <p:cNvPr id="3" name="Marcador de notas 2"/>
+          <p:cNvSpPr>
+            <a:spLocks noGrp="1"/>
+          </p:cNvSpPr>
+          <p:nvPr>
+            <p:ph type="body" idx="1"/>
+          </p:nvPr>
+        </p:nvSpPr>
+        <p:spPr/>
+        <p:txBody>
+          <a:bodyPr/>
+          <a:lstStyle/>
+          <a:p>
+            <a:pPr marL="0" marR="0" lvl="0" indent="0" algn="l" defTabSz="914400" rtl="0" eaLnBrk="1" fontAlgn="auto" latinLnBrk="0" hangingPunct="1">
+              <a:lnSpc>
+                <a:spcPct val="100000"/>
+              </a:lnSpc>
+              <a:spcBef>
+                <a:spcPts val="0"/>
+              </a:spcBef>
+              <a:spcAft>
+                <a:spcPts val="0"/>
+              </a:spcAft>
+              <a:buClrTx/>
+              <a:buSzTx/>
+              <a:buFontTx/>
+              <a:buNone/>
+              <a:tabLst/>
+              <a:defRPr/>
+            </a:pPr>
+            <a:r>
+              <a:rPr lang="es-ES" dirty="0"/>
+              <a:t>Un sistema que a partir de datos proporcionados pudiera generar o construir automáticamente la estructura de conocimiento de un asistente virtual desarrollado en Rasa, lo que reduce en gran medida el error humano al realizar este trabajo manualmente.</a:t>
+            </a:r>
+          </a:p>
+          <a:p>
+            <a:pPr marL="0" marR="0" lvl="0" indent="0" algn="l" defTabSz="914400" rtl="0" eaLnBrk="1" fontAlgn="auto" latinLnBrk="0" hangingPunct="1">
+              <a:lnSpc>
+                <a:spcPct val="100000"/>
+              </a:lnSpc>
+              <a:spcBef>
+                <a:spcPts val="0"/>
+              </a:spcBef>
+              <a:spcAft>
+                <a:spcPts val="0"/>
+              </a:spcAft>
+              <a:buClrTx/>
+              <a:buSzTx/>
+              <a:buFontTx/>
+              <a:buNone/>
+              <a:tabLst/>
+              <a:defRPr/>
+            </a:pPr>
+            <a:endParaRPr lang="es-ES" dirty="0"/>
+          </a:p>
+          <a:p>
+            <a:pPr marL="0" marR="0" lvl="0" indent="0" algn="l" defTabSz="914400" rtl="0" eaLnBrk="1" fontAlgn="auto" latinLnBrk="0" hangingPunct="1">
+              <a:lnSpc>
+                <a:spcPct val="100000"/>
+              </a:lnSpc>
+              <a:spcBef>
+                <a:spcPts val="0"/>
+              </a:spcBef>
+              <a:spcAft>
+                <a:spcPts val="0"/>
+              </a:spcAft>
+              <a:buClrTx/>
+              <a:buSzTx/>
+              <a:buFontTx/>
+              <a:buNone/>
+              <a:tabLst/>
+              <a:defRPr/>
+            </a:pPr>
+            <a:r>
+              <a:rPr lang="es-ES" dirty="0"/>
+              <a:t>La investigación también permitió saber el cómo lograr la construcción automática de asistentes virtuales a partir de una base de conocimiento nueva previamente construida.</a:t>
+            </a:r>
+          </a:p>
+          <a:p>
+            <a:pPr marL="0" marR="0" lvl="0" indent="0" algn="l" defTabSz="914400" rtl="0" eaLnBrk="1" fontAlgn="auto" latinLnBrk="0" hangingPunct="1">
+              <a:lnSpc>
+                <a:spcPct val="100000"/>
+              </a:lnSpc>
+              <a:spcBef>
+                <a:spcPts val="0"/>
+              </a:spcBef>
+              <a:spcAft>
+                <a:spcPts val="0"/>
+              </a:spcAft>
+              <a:buClrTx/>
+              <a:buSzTx/>
+              <a:buFontTx/>
+              <a:buNone/>
+              <a:tabLst/>
+              <a:defRPr/>
+            </a:pPr>
+            <a:endParaRPr lang="es-ES" dirty="0"/>
+          </a:p>
+          <a:p>
+            <a:pPr marL="0" marR="0" lvl="0" indent="0" algn="l" defTabSz="914400" rtl="0" eaLnBrk="1" fontAlgn="auto" latinLnBrk="0" hangingPunct="1">
+              <a:lnSpc>
+                <a:spcPct val="100000"/>
+              </a:lnSpc>
+              <a:spcBef>
+                <a:spcPts val="0"/>
+              </a:spcBef>
+              <a:spcAft>
+                <a:spcPts val="0"/>
+              </a:spcAft>
+              <a:buClrTx/>
+              <a:buSzTx/>
+              <a:buFontTx/>
+              <a:buNone/>
+              <a:tabLst/>
+              <a:defRPr/>
+            </a:pPr>
+            <a:r>
+              <a:rPr lang="es-ES" dirty="0"/>
+              <a:t>Además se logró evidenciar las facilidades que brinda este tipo de solución en el desarrollo de asistentes virtuales sin necesidad de especialistas y reduciendo el trabajo que cuesta dicha tarea; también cómo mejora la capacidad de respuesta de los asistentes virtuales y a su vez la calidad de su servicio al interactuar con las personas.</a:t>
+            </a:r>
+          </a:p>
+          <a:p>
+            <a:endParaRPr lang="es-ES" dirty="0"/>
+          </a:p>
+        </p:txBody>
+      </p:sp>
+      <p:sp>
+        <p:nvSpPr>
+          <p:cNvPr id="4" name="Marcador de número de diapositiva 3"/>
+          <p:cNvSpPr>
+            <a:spLocks noGrp="1"/>
+          </p:cNvSpPr>
+          <p:nvPr>
+            <p:ph type="sldNum" sz="quarter" idx="5"/>
+          </p:nvPr>
+        </p:nvSpPr>
+        <p:spPr/>
+        <p:txBody>
+          <a:bodyPr/>
+          <a:lstStyle/>
+          <a:p>
+            <a:fld id="{3078BF56-2ECF-4460-BCB4-07206B519773}" type="slidenum">
+              <a:rPr lang="es-ES" smtClean="0"/>
+              <a:t>9</a:t>
+            </a:fld>
+            <a:endParaRPr lang="es-ES"/>
+          </a:p>
+        </p:txBody>
+      </p:sp>
+    </p:spTree>
+    <p:extLst>
+      <p:ext uri="{BB962C8B-B14F-4D97-AF65-F5344CB8AC3E}">
+        <p14:creationId xmlns:p14="http://schemas.microsoft.com/office/powerpoint/2010/main" val="1327427965"/>
+      </p:ext>
+    </p:extLst>
+  </p:cSld>
+  <p:clrMapOvr>
+    <a:masterClrMapping/>
+  </p:clrMapOvr>
+</p:notes>
+</file>
+
+<file path=ppt/notesSlides/notesSlide8.xml><?xml version="1.0" encoding="utf-8"?>
+<p:notes xmlns:a="http://schemas.openxmlformats.org/drawingml/2006/main" xmlns:r="http://schemas.openxmlformats.org/officeDocument/2006/relationships" xmlns:p="http://schemas.openxmlformats.org/presentationml/2006/main">
+  <p:cSld>
+    <p:spTree>
+      <p:nvGrpSpPr>
+        <p:cNvPr id="1" name=""/>
+        <p:cNvGrpSpPr/>
+        <p:nvPr/>
+      </p:nvGrpSpPr>
+      <p:grpSpPr>
+        <a:xfrm>
+          <a:off x="0" y="0"/>
+          <a:ext cx="0" cy="0"/>
+          <a:chOff x="0" y="0"/>
+          <a:chExt cx="0" cy="0"/>
+        </a:xfrm>
+      </p:grpSpPr>
+      <p:sp>
+        <p:nvSpPr>
+          <p:cNvPr id="2" name="Marcador de imagen de diapositiva 1"/>
+          <p:cNvSpPr>
+            <a:spLocks noGrp="1" noRot="1" noChangeAspect="1"/>
+          </p:cNvSpPr>
+          <p:nvPr>
+            <p:ph type="sldImg"/>
+          </p:nvPr>
+        </p:nvSpPr>
+        <p:spPr/>
+      </p:sp>
+      <p:sp>
+        <p:nvSpPr>
+          <p:cNvPr id="3" name="Marcador de notas 2"/>
+          <p:cNvSpPr>
+            <a:spLocks noGrp="1"/>
+          </p:cNvSpPr>
+          <p:nvPr>
+            <p:ph type="body" idx="1"/>
+          </p:nvPr>
+        </p:nvSpPr>
+        <p:spPr/>
+        <p:txBody>
+          <a:bodyPr/>
+          <a:lstStyle/>
+          <a:p>
+            <a:pPr algn="just"/>
+            <a:r>
+              <a:rPr lang="es-ES" dirty="0"/>
+              <a:t>RF1: Permitirá el acceso al sistema y funcionalidades correspondientes. </a:t>
+            </a:r>
+          </a:p>
+          <a:p>
+            <a:pPr algn="just"/>
+            <a:r>
+              <a:rPr lang="es-ES" dirty="0"/>
+              <a:t>RF2: Es donde el usuario a partir de una entrada de datos al sistema, este último analizará dichos datos y creará los archivos de entrenamiento.</a:t>
+            </a:r>
+          </a:p>
+          <a:p>
+            <a:pPr algn="just"/>
+            <a:r>
+              <a:rPr lang="es-ES" dirty="0"/>
+              <a:t>RF3: Proporciona la posibilidad de crear el asistente virtual a partir de cierta información.</a:t>
+            </a:r>
+          </a:p>
+          <a:p>
+            <a:pPr algn="just"/>
+            <a:r>
+              <a:rPr lang="es-ES" dirty="0"/>
+              <a:t>RF4: Permitirá una vez creado el asistente y los archivos de entrenamiento poder entrenarlo, y una vez finalizado este proceso tendrá la posibilidad de probarlo e interactuar con el robot conversacional.</a:t>
+            </a:r>
+          </a:p>
+          <a:p>
+            <a:endParaRPr lang="es-ES" dirty="0"/>
+          </a:p>
+        </p:txBody>
+      </p:sp>
+      <p:sp>
+        <p:nvSpPr>
+          <p:cNvPr id="4" name="Marcador de número de diapositiva 3"/>
+          <p:cNvSpPr>
+            <a:spLocks noGrp="1"/>
+          </p:cNvSpPr>
+          <p:nvPr>
+            <p:ph type="sldNum" sz="quarter" idx="5"/>
+          </p:nvPr>
+        </p:nvSpPr>
+        <p:spPr/>
+        <p:txBody>
+          <a:bodyPr/>
+          <a:lstStyle/>
+          <a:p>
+            <a:fld id="{3078BF56-2ECF-4460-BCB4-07206B519773}" type="slidenum">
+              <a:rPr lang="es-ES" smtClean="0"/>
+              <a:t>11</a:t>
+            </a:fld>
+            <a:endParaRPr lang="es-ES"/>
+          </a:p>
+        </p:txBody>
+      </p:sp>
+    </p:spTree>
+    <p:extLst>
+      <p:ext uri="{BB962C8B-B14F-4D97-AF65-F5344CB8AC3E}">
+        <p14:creationId xmlns:p14="http://schemas.microsoft.com/office/powerpoint/2010/main" val="876864057"/>
+      </p:ext>
+    </p:extLst>
+  </p:cSld>
+  <p:clrMapOvr>
+    <a:masterClrMapping/>
+  </p:clrMapOvr>
+</p:notes>
+</file>
+
+<file path=ppt/notesSlides/notesSlide9.xml><?xml version="1.0" encoding="utf-8"?>
+<p:notes xmlns:a="http://schemas.openxmlformats.org/drawingml/2006/main" xmlns:r="http://schemas.openxmlformats.org/officeDocument/2006/relationships" xmlns:p="http://schemas.openxmlformats.org/presentationml/2006/main">
+  <p:cSld>
+    <p:spTree>
+      <p:nvGrpSpPr>
+        <p:cNvPr id="1" name=""/>
+        <p:cNvGrpSpPr/>
+        <p:nvPr/>
+      </p:nvGrpSpPr>
+      <p:grpSpPr>
+        <a:xfrm>
+          <a:off x="0" y="0"/>
+          <a:ext cx="0" cy="0"/>
+          <a:chOff x="0" y="0"/>
+          <a:chExt cx="0" cy="0"/>
+        </a:xfrm>
+      </p:grpSpPr>
+      <p:sp>
+        <p:nvSpPr>
+          <p:cNvPr id="2" name="Marcador de imagen de diapositiva 1"/>
+          <p:cNvSpPr>
+            <a:spLocks noGrp="1" noRot="1" noChangeAspect="1"/>
+          </p:cNvSpPr>
+          <p:nvPr>
+            <p:ph type="sldImg"/>
+          </p:nvPr>
+        </p:nvSpPr>
+        <p:spPr/>
+      </p:sp>
+      <p:sp>
+        <p:nvSpPr>
+          <p:cNvPr id="3" name="Marcador de notas 2"/>
+          <p:cNvSpPr>
+            <a:spLocks noGrp="1"/>
+          </p:cNvSpPr>
+          <p:nvPr>
+            <p:ph type="body" idx="1"/>
+          </p:nvPr>
+        </p:nvSpPr>
+        <p:spPr/>
+        <p:txBody>
+          <a:bodyPr/>
+          <a:lstStyle/>
+          <a:p>
+            <a:pPr marL="228600" indent="-228600">
+              <a:buAutoNum type="arabicPeriod"/>
+            </a:pPr>
+            <a:endParaRPr lang="es-CU" dirty="0"/>
+          </a:p>
+        </p:txBody>
+      </p:sp>
+      <p:sp>
+        <p:nvSpPr>
+          <p:cNvPr id="4" name="Marcador de número de diapositiva 3"/>
+          <p:cNvSpPr>
+            <a:spLocks noGrp="1"/>
+          </p:cNvSpPr>
+          <p:nvPr>
+            <p:ph type="sldNum" sz="quarter" idx="5"/>
+          </p:nvPr>
+        </p:nvSpPr>
+        <p:spPr/>
+        <p:txBody>
+          <a:bodyPr/>
+          <a:lstStyle/>
+          <a:p>
+            <a:fld id="{3078BF56-2ECF-4460-BCB4-07206B519773}" type="slidenum">
+              <a:rPr lang="es-ES" smtClean="0"/>
+              <a:t>15</a:t>
+            </a:fld>
+            <a:endParaRPr lang="es-ES"/>
+          </a:p>
+        </p:txBody>
+      </p:sp>
+    </p:spTree>
+    <p:extLst>
+      <p:ext uri="{BB962C8B-B14F-4D97-AF65-F5344CB8AC3E}">
+        <p14:creationId xmlns:p14="http://schemas.microsoft.com/office/powerpoint/2010/main" val="2619308017"/>
       </p:ext>
     </p:extLst>
   </p:cSld>
@@ -6454,8 +6521,8 @@
         </p:nvSpPr>
         <p:spPr>
           <a:xfrm>
-            <a:off x="4964114" y="4579952"/>
-            <a:ext cx="5676439" cy="2523768"/>
+            <a:off x="4820652" y="2750349"/>
+            <a:ext cx="5676439" cy="1877437"/>
           </a:xfrm>
           <a:prstGeom prst="rect">
             <a:avLst/>
@@ -6470,7 +6537,7 @@
           <a:p>
             <a:pPr algn="ctr"/>
             <a:r>
-              <a:rPr lang="es-ES" sz="2600" b="1" dirty="0">
+              <a:rPr lang="es-ES" sz="2400" b="1" dirty="0">
                 <a:latin typeface="Calibri" panose="020F0502020204030204" pitchFamily="34" charset="0"/>
                 <a:cs typeface="Calibri" panose="020F0502020204030204" pitchFamily="34" charset="0"/>
               </a:rPr>
@@ -6480,7 +6547,7 @@
           <a:p>
             <a:pPr algn="ctr"/>
             <a:r>
-              <a:rPr lang="es-ES" sz="2600" b="1" dirty="0">
+              <a:rPr lang="es-ES" sz="2400" b="1" dirty="0">
                 <a:latin typeface="Calibri" panose="020F0502020204030204" pitchFamily="34" charset="0"/>
                 <a:cs typeface="Calibri" panose="020F0502020204030204" pitchFamily="34" charset="0"/>
               </a:rPr>
@@ -6489,15 +6556,8 @@
           </a:p>
           <a:p>
             <a:pPr algn="ctr"/>
-            <a:endParaRPr lang="es-ES" sz="2600" b="1" dirty="0">
-              <a:latin typeface="Calibri" panose="020F0502020204030204" pitchFamily="34" charset="0"/>
-              <a:cs typeface="Calibri" panose="020F0502020204030204" pitchFamily="34" charset="0"/>
-            </a:endParaRPr>
-          </a:p>
-          <a:p>
-            <a:pPr algn="ctr"/>
-            <a:r>
-              <a:rPr lang="es-ES" sz="2600" b="1" dirty="0">
+            <a:r>
+              <a:rPr lang="es-ES" sz="2000" b="1" dirty="0">
                 <a:latin typeface="Calibri" panose="020F0502020204030204" pitchFamily="34" charset="0"/>
                 <a:cs typeface="Calibri" panose="020F0502020204030204" pitchFamily="34" charset="0"/>
               </a:rPr>
@@ -6507,14 +6567,14 @@
           <a:p>
             <a:pPr algn="ctr"/>
             <a:r>
-              <a:rPr lang="es-ES" sz="2600" b="1" dirty="0" err="1">
+              <a:rPr lang="es-ES" sz="2000" b="1" dirty="0" err="1">
                 <a:latin typeface="Calibri" panose="020F0502020204030204" pitchFamily="34" charset="0"/>
                 <a:cs typeface="Calibri" panose="020F0502020204030204" pitchFamily="34" charset="0"/>
               </a:rPr>
               <a:t>MSc</a:t>
             </a:r>
             <a:r>
-              <a:rPr lang="es-ES" sz="2600" b="1" dirty="0">
+              <a:rPr lang="es-ES" sz="2000" b="1" dirty="0">
                 <a:latin typeface="Calibri" panose="020F0502020204030204" pitchFamily="34" charset="0"/>
                 <a:cs typeface="Calibri" panose="020F0502020204030204" pitchFamily="34" charset="0"/>
               </a:rPr>
@@ -6546,8 +6606,8 @@
         </p:nvSpPr>
         <p:spPr bwMode="auto">
           <a:xfrm>
-            <a:off x="3616777" y="2854222"/>
-            <a:ext cx="8371114" cy="1725730"/>
+            <a:off x="3616777" y="4646757"/>
+            <a:ext cx="8371114" cy="2310505"/>
           </a:xfrm>
           <a:prstGeom prst="rect">
             <a:avLst/>
@@ -6907,28 +6967,78 @@
           <a:p>
             <a:pPr algn="ctr"/>
             <a:r>
-              <a:rPr lang="es-ES" sz="2600" b="1" dirty="0">
+              <a:rPr lang="es-ES" b="1" dirty="0">
                 <a:solidFill>
                   <a:schemeClr val="tx1"/>
                 </a:solidFill>
                 <a:effectLst/>
                 <a:ea typeface="Calibri" panose="020F0502020204030204" pitchFamily="34" charset="0"/>
               </a:rPr>
-              <a:t>FITIB</a:t>
-            </a:r>
-          </a:p>
-          <a:p>
-            <a:pPr algn="ctr"/>
-            <a:r>
-              <a:rPr lang="es-ES" sz="2600" b="1" dirty="0">
+              <a:t>Facultad de Ingeniería en Telecomunicaciones, Informática y Biom</a:t>
+            </a:r>
+            <a:r>
+              <a:rPr lang="es-ES" b="1" dirty="0">
                 <a:solidFill>
                   <a:schemeClr val="tx1"/>
                 </a:solidFill>
                 <a:ea typeface="Calibri" panose="020F0502020204030204" pitchFamily="34" charset="0"/>
               </a:rPr>
-              <a:t>Departamento de Informática</a:t>
-            </a:r>
-            <a:endParaRPr lang="es-ES" sz="2600" b="1" dirty="0">
+              <a:t>édica</a:t>
+            </a:r>
+            <a:endParaRPr lang="es-ES" b="1" dirty="0">
+              <a:solidFill>
+                <a:schemeClr val="tx1"/>
+              </a:solidFill>
+              <a:effectLst/>
+              <a:ea typeface="Calibri" panose="020F0502020204030204" pitchFamily="34" charset="0"/>
+            </a:endParaRPr>
+          </a:p>
+          <a:p>
+            <a:pPr algn="ctr"/>
+            <a:r>
+              <a:rPr lang="es-ES" b="1" dirty="0">
+                <a:solidFill>
+                  <a:schemeClr val="tx1"/>
+                </a:solidFill>
+                <a:ea typeface="Calibri" panose="020F0502020204030204" pitchFamily="34" charset="0"/>
+              </a:rPr>
+              <a:t>Departamento de Ingeniería Informática</a:t>
+            </a:r>
+          </a:p>
+          <a:p>
+            <a:pPr algn="ctr"/>
+            <a:r>
+              <a:rPr lang="es-ES" b="1" dirty="0">
+                <a:solidFill>
+                  <a:schemeClr val="tx1"/>
+                </a:solidFill>
+                <a:effectLst/>
+                <a:ea typeface="Calibri" panose="020F0502020204030204" pitchFamily="34" charset="0"/>
+              </a:rPr>
+              <a:t>Proyecto </a:t>
+            </a:r>
+            <a:r>
+              <a:rPr lang="es-ES" b="1" dirty="0">
+                <a:solidFill>
+                  <a:schemeClr val="tx1"/>
+                </a:solidFill>
+                <a:ea typeface="Calibri" panose="020F0502020204030204" pitchFamily="34" charset="0"/>
+              </a:rPr>
+              <a:t>de Investigación </a:t>
+            </a:r>
+          </a:p>
+          <a:p>
+            <a:pPr algn="ctr"/>
+            <a:r>
+              <a:rPr lang="es-ES" b="1" dirty="0">
+                <a:solidFill>
+                  <a:schemeClr val="tx1"/>
+                </a:solidFill>
+                <a:ea typeface="Calibri" panose="020F0502020204030204" pitchFamily="34" charset="0"/>
+              </a:rPr>
+              <a:t>“Soluciones informática para la gestión de los procesos universitarios a partir de plataformas de gobierno electrónico”</a:t>
+            </a:r>
+            <a:endParaRPr lang="es-ES" b="1" dirty="0">
               <a:solidFill>
                 <a:schemeClr val="tx1"/>
               </a:solidFill>
@@ -6958,6 +7068,11 @@
         </p:txBody>
       </p:sp>
     </p:spTree>
+    <p:extLst>
+      <p:ext uri="{BB962C8B-B14F-4D97-AF65-F5344CB8AC3E}">
+        <p14:creationId xmlns:p14="http://schemas.microsoft.com/office/powerpoint/2010/main" val="2123893208"/>
+      </p:ext>
+    </p:extLst>
   </p:cSld>
   <p:clrMapOvr>
     <a:masterClrMapping/>
@@ -8510,6 +8625,34 @@
           </a:effectLst>
         </p:spPr>
       </p:pic>
+      <p:sp>
+        <p:nvSpPr>
+          <p:cNvPr id="21" name="Marcador de número de diapositiva 20">
+            <a:extLst>
+              <a:ext uri="{FF2B5EF4-FFF2-40B4-BE49-F238E27FC236}">
+                <a16:creationId xmlns:a16="http://schemas.microsoft.com/office/drawing/2014/main" id="{6352B5A5-E8E9-81A4-2534-9A809012D783}"/>
+              </a:ext>
+            </a:extLst>
+          </p:cNvPr>
+          <p:cNvSpPr>
+            <a:spLocks noGrp="1"/>
+          </p:cNvSpPr>
+          <p:nvPr>
+            <p:ph type="sldNum" sz="quarter" idx="12"/>
+          </p:nvPr>
+        </p:nvSpPr>
+        <p:spPr/>
+        <p:txBody>
+          <a:bodyPr/>
+          <a:lstStyle/>
+          <a:p>
+            <a:r>
+              <a:rPr lang="es-ES" dirty="0"/>
+              <a:t>9</a:t>
+            </a:r>
+          </a:p>
+        </p:txBody>
+      </p:sp>
     </p:spTree>
     <p:extLst>
       <p:ext uri="{BB962C8B-B14F-4D97-AF65-F5344CB8AC3E}">
@@ -8634,6 +8777,34 @@
           </a:p>
           <a:p>
             <a:endParaRPr lang="es-ES" dirty="0"/>
+          </a:p>
+        </p:txBody>
+      </p:sp>
+      <p:sp>
+        <p:nvSpPr>
+          <p:cNvPr id="7" name="Marcador de número de diapositiva 6">
+            <a:extLst>
+              <a:ext uri="{FF2B5EF4-FFF2-40B4-BE49-F238E27FC236}">
+                <a16:creationId xmlns:a16="http://schemas.microsoft.com/office/drawing/2014/main" id="{703F41D1-F165-C859-BD15-077718B31C02}"/>
+              </a:ext>
+            </a:extLst>
+          </p:cNvPr>
+          <p:cNvSpPr>
+            <a:spLocks noGrp="1"/>
+          </p:cNvSpPr>
+          <p:nvPr>
+            <p:ph type="sldNum" sz="quarter" idx="12"/>
+          </p:nvPr>
+        </p:nvSpPr>
+        <p:spPr/>
+        <p:txBody>
+          <a:bodyPr/>
+          <a:lstStyle/>
+          <a:p>
+            <a:r>
+              <a:rPr lang="es-ES" dirty="0"/>
+              <a:t>10</a:t>
+            </a:r>
           </a:p>
         </p:txBody>
       </p:sp>
@@ -8929,6 +9100,34 @@
           </a:p>
         </p:txBody>
       </p:sp>
+      <p:sp>
+        <p:nvSpPr>
+          <p:cNvPr id="12" name="Marcador de número de diapositiva 11">
+            <a:extLst>
+              <a:ext uri="{FF2B5EF4-FFF2-40B4-BE49-F238E27FC236}">
+                <a16:creationId xmlns:a16="http://schemas.microsoft.com/office/drawing/2014/main" id="{07B0B33C-94E9-26F4-D136-166A83C7FA5A}"/>
+              </a:ext>
+            </a:extLst>
+          </p:cNvPr>
+          <p:cNvSpPr>
+            <a:spLocks noGrp="1"/>
+          </p:cNvSpPr>
+          <p:nvPr>
+            <p:ph type="sldNum" sz="quarter" idx="12"/>
+          </p:nvPr>
+        </p:nvSpPr>
+        <p:spPr/>
+        <p:txBody>
+          <a:bodyPr/>
+          <a:lstStyle/>
+          <a:p>
+            <a:r>
+              <a:rPr lang="es-ES" dirty="0"/>
+              <a:t>11</a:t>
+            </a:r>
+          </a:p>
+        </p:txBody>
+      </p:sp>
     </p:spTree>
     <p:extLst>
       <p:ext uri="{BB962C8B-B14F-4D97-AF65-F5344CB8AC3E}">
@@ -9043,6 +9242,34 @@
           </a:effectLst>
         </p:spPr>
       </p:pic>
+      <p:sp>
+        <p:nvSpPr>
+          <p:cNvPr id="6" name="Marcador de número de diapositiva 5">
+            <a:extLst>
+              <a:ext uri="{FF2B5EF4-FFF2-40B4-BE49-F238E27FC236}">
+                <a16:creationId xmlns:a16="http://schemas.microsoft.com/office/drawing/2014/main" id="{D05D075B-A9DC-6AA9-05D8-A71C29891EE1}"/>
+              </a:ext>
+            </a:extLst>
+          </p:cNvPr>
+          <p:cNvSpPr>
+            <a:spLocks noGrp="1"/>
+          </p:cNvSpPr>
+          <p:nvPr>
+            <p:ph type="sldNum" sz="quarter" idx="12"/>
+          </p:nvPr>
+        </p:nvSpPr>
+        <p:spPr/>
+        <p:txBody>
+          <a:bodyPr/>
+          <a:lstStyle/>
+          <a:p>
+            <a:r>
+              <a:rPr lang="es-ES" dirty="0"/>
+              <a:t>12</a:t>
+            </a:r>
+          </a:p>
+        </p:txBody>
+      </p:sp>
     </p:spTree>
     <p:extLst>
       <p:ext uri="{BB962C8B-B14F-4D97-AF65-F5344CB8AC3E}">
@@ -9154,6 +9381,34 @@
           </a:p>
         </p:txBody>
       </p:sp>
+      <p:sp>
+        <p:nvSpPr>
+          <p:cNvPr id="7" name="Marcador de número de diapositiva 6">
+            <a:extLst>
+              <a:ext uri="{FF2B5EF4-FFF2-40B4-BE49-F238E27FC236}">
+                <a16:creationId xmlns:a16="http://schemas.microsoft.com/office/drawing/2014/main" id="{DD851F16-F95C-3554-F054-5647DE66AE18}"/>
+              </a:ext>
+            </a:extLst>
+          </p:cNvPr>
+          <p:cNvSpPr>
+            <a:spLocks noGrp="1"/>
+          </p:cNvSpPr>
+          <p:nvPr>
+            <p:ph type="sldNum" sz="quarter" idx="12"/>
+          </p:nvPr>
+        </p:nvSpPr>
+        <p:spPr/>
+        <p:txBody>
+          <a:bodyPr/>
+          <a:lstStyle/>
+          <a:p>
+            <a:r>
+              <a:rPr lang="es-ES" dirty="0"/>
+              <a:t>13</a:t>
+            </a:r>
+          </a:p>
+        </p:txBody>
+      </p:sp>
     </p:spTree>
     <p:extLst>
       <p:ext uri="{BB962C8B-B14F-4D97-AF65-F5344CB8AC3E}">
@@ -9231,112 +9486,11 @@
       </p:sp>
       <p:pic>
         <p:nvPicPr>
-          <p:cNvPr id="13" name="Marcador de contenido 4">
-            <a:extLst>
-              <a:ext uri="{FF2B5EF4-FFF2-40B4-BE49-F238E27FC236}">
-                <a16:creationId xmlns:a16="http://schemas.microsoft.com/office/drawing/2014/main" id="{530CC3E0-2A6A-6151-D6B0-7E4498B758A5}"/>
-              </a:ext>
-            </a:extLst>
-          </p:cNvPr>
-          <p:cNvPicPr>
-            <a:picLocks noGrp="1" noChangeAspect="1"/>
-          </p:cNvPicPr>
-          <p:nvPr>
-            <p:ph idx="1"/>
-          </p:nvPr>
-        </p:nvPicPr>
-        <p:blipFill>
-          <a:blip r:embed="rId5">
-            <a:extLst>
-              <a:ext uri="{28A0092B-C50C-407E-A947-70E740481C1C}">
-                <a14:useLocalDpi xmlns:a14="http://schemas.microsoft.com/office/drawing/2010/main" val="0"/>
-              </a:ext>
-            </a:extLst>
-          </a:blip>
-          <a:stretch>
-            <a:fillRect/>
-          </a:stretch>
-        </p:blipFill>
-        <p:spPr>
-          <a:xfrm>
-            <a:off x="1160734" y="751114"/>
-            <a:ext cx="10102647" cy="5895668"/>
-          </a:xfrm>
-          <a:prstGeom prst="rect">
-            <a:avLst/>
-          </a:prstGeom>
-          <a:ln w="38100" cap="sq">
-            <a:solidFill>
-              <a:srgbClr val="000000"/>
-            </a:solidFill>
-            <a:prstDash val="solid"/>
-            <a:miter lim="800000"/>
-          </a:ln>
-          <a:effectLst>
-            <a:outerShdw blurRad="50800" dist="38100" dir="2700000" algn="tl" rotWithShape="0">
-              <a:srgbClr val="000000">
-                <a:alpha val="43000"/>
-              </a:srgbClr>
-            </a:outerShdw>
-          </a:effectLst>
-        </p:spPr>
-      </p:pic>
-      <p:pic>
-        <p:nvPicPr>
-          <p:cNvPr id="5" name="Imagen 4">
-            <a:extLst>
-              <a:ext uri="{FF2B5EF4-FFF2-40B4-BE49-F238E27FC236}">
-                <a16:creationId xmlns:a16="http://schemas.microsoft.com/office/drawing/2014/main" id="{1A950734-D195-5DBD-019D-BDB6A30267C3}"/>
-              </a:ext>
-            </a:extLst>
-          </p:cNvPr>
-          <p:cNvPicPr>
-            <a:picLocks noChangeAspect="1"/>
-          </p:cNvPicPr>
-          <p:nvPr/>
-        </p:nvPicPr>
-        <p:blipFill rotWithShape="1">
-          <a:blip r:embed="rId6">
-            <a:extLst>
-              <a:ext uri="{28A0092B-C50C-407E-A947-70E740481C1C}">
-                <a14:useLocalDpi xmlns:a14="http://schemas.microsoft.com/office/drawing/2010/main" val="0"/>
-              </a:ext>
-            </a:extLst>
-          </a:blip>
-          <a:srcRect l="7407" t="78"/>
-          <a:stretch/>
-        </p:blipFill>
-        <p:spPr>
-          <a:xfrm>
-            <a:off x="1177057" y="734785"/>
-            <a:ext cx="10102647" cy="5895668"/>
-          </a:xfrm>
-          <a:prstGeom prst="rect">
-            <a:avLst/>
-          </a:prstGeom>
-          <a:ln w="38100" cap="sq">
-            <a:solidFill>
-              <a:srgbClr val="000000"/>
-            </a:solidFill>
-            <a:prstDash val="solid"/>
-            <a:miter lim="800000"/>
-          </a:ln>
-          <a:effectLst>
-            <a:outerShdw blurRad="50800" dist="38100" dir="2700000" algn="tl" rotWithShape="0">
-              <a:srgbClr val="000000">
-                <a:alpha val="43000"/>
-              </a:srgbClr>
-            </a:outerShdw>
-          </a:effectLst>
-        </p:spPr>
-      </p:pic>
-      <p:pic>
-        <p:nvPicPr>
-          <p:cNvPr id="7" name="4.1 Chat Web con Asistente (Interaccion)">
+          <p:cNvPr id="11" name="Proceso">
             <a:hlinkClick r:id="" action="ppaction://media"/>
             <a:extLst>
               <a:ext uri="{FF2B5EF4-FFF2-40B4-BE49-F238E27FC236}">
-                <a16:creationId xmlns:a16="http://schemas.microsoft.com/office/drawing/2014/main" id="{D9F03C2E-2B7D-DE95-4D07-4B11F316004F}"/>
+                <a16:creationId xmlns:a16="http://schemas.microsoft.com/office/drawing/2014/main" id="{D607E7AE-67FA-5D15-6336-04D5CD5C649D}"/>
               </a:ext>
             </a:extLst>
           </p:cNvPr>
@@ -9353,35 +9507,49 @@
           </p:nvPr>
         </p:nvPicPr>
         <p:blipFill>
-          <a:blip r:embed="rId7"/>
+          <a:blip r:embed="rId5"/>
           <a:stretch>
             <a:fillRect/>
           </a:stretch>
         </p:blipFill>
         <p:spPr>
           <a:xfrm>
-            <a:off x="1177057" y="718458"/>
-            <a:ext cx="10102647" cy="5879338"/>
+            <a:off x="350520" y="816431"/>
+            <a:ext cx="10911840" cy="5889169"/>
           </a:xfrm>
           <a:prstGeom prst="rect">
             <a:avLst/>
           </a:prstGeom>
-          <a:ln w="38100" cap="sq">
-            <a:solidFill>
-              <a:srgbClr val="000000"/>
-            </a:solidFill>
-            <a:prstDash val="solid"/>
-            <a:miter lim="800000"/>
-          </a:ln>
-          <a:effectLst>
-            <a:outerShdw blurRad="50800" dist="38100" dir="2700000" algn="tl" rotWithShape="0">
-              <a:srgbClr val="000000">
-                <a:alpha val="43000"/>
-              </a:srgbClr>
-            </a:outerShdw>
-          </a:effectLst>
         </p:spPr>
       </p:pic>
+      <p:sp>
+        <p:nvSpPr>
+          <p:cNvPr id="16" name="Marcador de número de diapositiva 15">
+            <a:extLst>
+              <a:ext uri="{FF2B5EF4-FFF2-40B4-BE49-F238E27FC236}">
+                <a16:creationId xmlns:a16="http://schemas.microsoft.com/office/drawing/2014/main" id="{4C613CB8-083B-0599-8739-0DF019D6A694}"/>
+              </a:ext>
+            </a:extLst>
+          </p:cNvPr>
+          <p:cNvSpPr>
+            <a:spLocks noGrp="1"/>
+          </p:cNvSpPr>
+          <p:nvPr>
+            <p:ph type="sldNum" sz="quarter" idx="12"/>
+          </p:nvPr>
+        </p:nvSpPr>
+        <p:spPr/>
+        <p:txBody>
+          <a:bodyPr/>
+          <a:lstStyle/>
+          <a:p>
+            <a:r>
+              <a:rPr lang="es-ES" dirty="0"/>
+              <a:t>14</a:t>
+            </a:r>
+          </a:p>
+        </p:txBody>
+      </p:sp>
     </p:spTree>
     <p:extLst>
       <p:ext uri="{BB962C8B-B14F-4D97-AF65-F5344CB8AC3E}">
@@ -9413,175 +9581,16 @@
                             </p:stCondLst>
                             <p:childTnLst>
                               <p:par>
-                                <p:cTn id="5" presetID="10" presetClass="entr" presetSubtype="0" fill="hold" nodeType="clickEffect">
-                                  <p:stCondLst>
-                                    <p:cond delay="0"/>
-                                  </p:stCondLst>
-                                  <p:childTnLst>
-                                    <p:set>
-                                      <p:cBhvr>
-                                        <p:cTn id="6" dur="1" fill="hold">
-                                          <p:stCondLst>
-                                            <p:cond delay="0"/>
-                                          </p:stCondLst>
-                                        </p:cTn>
-                                        <p:tgtEl>
-                                          <p:spTgt spid="13"/>
-                                        </p:tgtEl>
-                                        <p:attrNameLst>
-                                          <p:attrName>style.visibility</p:attrName>
-                                        </p:attrNameLst>
-                                      </p:cBhvr>
-                                      <p:to>
-                                        <p:strVal val="visible"/>
-                                      </p:to>
-                                    </p:set>
-                                    <p:animEffect transition="in" filter="fade">
-                                      <p:cBhvr>
-                                        <p:cTn id="7" dur="500"/>
-                                        <p:tgtEl>
-                                          <p:spTgt spid="13"/>
-                                        </p:tgtEl>
-                                      </p:cBhvr>
-                                    </p:animEffect>
-                                  </p:childTnLst>
-                                </p:cTn>
-                              </p:par>
-                            </p:childTnLst>
-                          </p:cTn>
-                        </p:par>
-                      </p:childTnLst>
-                    </p:cTn>
-                  </p:par>
-                  <p:par>
-                    <p:cTn id="8" fill="hold">
-                      <p:stCondLst>
-                        <p:cond delay="indefinite"/>
-                      </p:stCondLst>
-                      <p:childTnLst>
-                        <p:par>
-                          <p:cTn id="9" fill="hold">
-                            <p:stCondLst>
-                              <p:cond delay="0"/>
-                            </p:stCondLst>
-                            <p:childTnLst>
-                              <p:par>
-                                <p:cTn id="10" presetID="10" presetClass="entr" presetSubtype="0" fill="hold" nodeType="clickEffect">
-                                  <p:stCondLst>
-                                    <p:cond delay="0"/>
-                                  </p:stCondLst>
-                                  <p:childTnLst>
-                                    <p:set>
-                                      <p:cBhvr>
-                                        <p:cTn id="11" dur="1" fill="hold">
-                                          <p:stCondLst>
-                                            <p:cond delay="0"/>
-                                          </p:stCondLst>
-                                        </p:cTn>
-                                        <p:tgtEl>
-                                          <p:spTgt spid="5"/>
-                                        </p:tgtEl>
-                                        <p:attrNameLst>
-                                          <p:attrName>style.visibility</p:attrName>
-                                        </p:attrNameLst>
-                                      </p:cBhvr>
-                                      <p:to>
-                                        <p:strVal val="visible"/>
-                                      </p:to>
-                                    </p:set>
-                                    <p:animEffect transition="in" filter="fade">
-                                      <p:cBhvr>
-                                        <p:cTn id="12" dur="500"/>
-                                        <p:tgtEl>
-                                          <p:spTgt spid="5"/>
-                                        </p:tgtEl>
-                                      </p:cBhvr>
-                                    </p:animEffect>
-                                  </p:childTnLst>
-                                </p:cTn>
-                              </p:par>
-                            </p:childTnLst>
-                          </p:cTn>
-                        </p:par>
-                      </p:childTnLst>
-                    </p:cTn>
-                  </p:par>
-                  <p:par>
-                    <p:cTn id="13" fill="hold">
-                      <p:stCondLst>
-                        <p:cond delay="indefinite"/>
-                      </p:stCondLst>
-                      <p:childTnLst>
-                        <p:par>
-                          <p:cTn id="14" fill="hold">
-                            <p:stCondLst>
-                              <p:cond delay="0"/>
-                            </p:stCondLst>
-                            <p:childTnLst>
-                              <p:par>
-                                <p:cTn id="15" presetID="10" presetClass="entr" presetSubtype="0" fill="hold" nodeType="clickEffect">
-                                  <p:stCondLst>
-                                    <p:cond delay="0"/>
-                                  </p:stCondLst>
-                                  <p:childTnLst>
-                                    <p:set>
-                                      <p:cBhvr>
-                                        <p:cTn id="16" dur="1" fill="hold">
-                                          <p:stCondLst>
-                                            <p:cond delay="0"/>
-                                          </p:stCondLst>
-                                        </p:cTn>
-                                        <p:tgtEl>
-                                          <p:spTgt spid="7"/>
-                                        </p:tgtEl>
-                                        <p:attrNameLst>
-                                          <p:attrName>style.visibility</p:attrName>
-                                        </p:attrNameLst>
-                                      </p:cBhvr>
-                                      <p:to>
-                                        <p:strVal val="visible"/>
-                                      </p:to>
-                                    </p:set>
-                                    <p:animEffect transition="in" filter="fade">
-                                      <p:cBhvr>
-                                        <p:cTn id="17" dur="500"/>
-                                        <p:tgtEl>
-                                          <p:spTgt spid="7"/>
-                                        </p:tgtEl>
-                                      </p:cBhvr>
-                                    </p:animEffect>
-                                  </p:childTnLst>
-                                </p:cTn>
-                              </p:par>
-                            </p:childTnLst>
-                          </p:cTn>
-                        </p:par>
-                      </p:childTnLst>
-                    </p:cTn>
-                  </p:par>
-                  <p:par>
-                    <p:cTn id="18" fill="hold">
-                      <p:stCondLst>
-                        <p:cond delay="indefinite"/>
-                      </p:stCondLst>
-                      <p:childTnLst>
-                        <p:par>
-                          <p:cTn id="19" fill="hold">
-                            <p:stCondLst>
-                              <p:cond delay="0"/>
-                            </p:stCondLst>
-                            <p:childTnLst>
-                              <p:par>
-                                <p:cTn id="20" presetID="1" presetClass="mediacall" presetSubtype="0" fill="hold" nodeType="clickEffect">
+                                <p:cTn id="5" presetID="1" presetClass="mediacall" presetSubtype="0" fill="hold" nodeType="clickEffect">
                                   <p:stCondLst>
                                     <p:cond delay="0"/>
                                   </p:stCondLst>
                                   <p:childTnLst>
                                     <p:cmd type="call" cmd="playFrom(0.0)">
                                       <p:cBhvr>
-                                        <p:cTn id="21" dur="35840" fill="hold"/>
+                                        <p:cTn id="6" dur="154854" fill="hold"/>
                                         <p:tgtEl>
-                                          <p:spTgt spid="7"/>
+                                          <p:spTgt spid="11"/>
                                         </p:tgtEl>
                                       </p:cBhvr>
                                     </p:cmd>
@@ -9613,16 +9622,74 @@
             </p:seq>
             <p:video>
               <p:cMediaNode vol="80000">
-                <p:cTn id="22" fill="hold" display="0">
+                <p:cTn id="7" fill="hold" display="0">
                   <p:stCondLst>
                     <p:cond delay="indefinite"/>
                   </p:stCondLst>
                 </p:cTn>
                 <p:tgtEl>
-                  <p:spTgt spid="7"/>
+                  <p:spTgt spid="11"/>
                 </p:tgtEl>
               </p:cMediaNode>
             </p:video>
+            <p:seq concurrent="1" nextAc="seek">
+              <p:cTn id="8" restart="whenNotActive" fill="hold" evtFilter="cancelBubble" nodeType="interactiveSeq">
+                <p:stCondLst>
+                  <p:cond evt="onClick" delay="0">
+                    <p:tgtEl>
+                      <p:spTgt spid="11"/>
+                    </p:tgtEl>
+                  </p:cond>
+                </p:stCondLst>
+                <p:endSync evt="end" delay="0">
+                  <p:rtn val="all"/>
+                </p:endSync>
+                <p:childTnLst>
+                  <p:par>
+                    <p:cTn id="9" fill="hold">
+                      <p:stCondLst>
+                        <p:cond delay="0"/>
+                      </p:stCondLst>
+                      <p:childTnLst>
+                        <p:par>
+                          <p:cTn id="10" fill="hold">
+                            <p:stCondLst>
+                              <p:cond delay="0"/>
+                            </p:stCondLst>
+                            <p:childTnLst>
+                              <p:par>
+                                <p:cTn id="11" presetID="2" presetClass="mediacall" presetSubtype="0" fill="hold" nodeType="clickEffect">
+                                  <p:stCondLst>
+                                    <p:cond delay="0"/>
+                                  </p:stCondLst>
+                                  <p:childTnLst>
+                                    <p:cmd type="call" cmd="togglePause">
+                                      <p:cBhvr>
+                                        <p:cTn id="12" dur="1" fill="hold"/>
+                                        <p:tgtEl>
+                                          <p:spTgt spid="11"/>
+                                        </p:tgtEl>
+                                      </p:cBhvr>
+                                    </p:cmd>
+                                  </p:childTnLst>
+                                </p:cTn>
+                              </p:par>
+                            </p:childTnLst>
+                          </p:cTn>
+                        </p:par>
+                      </p:childTnLst>
+                    </p:cTn>
+                  </p:par>
+                </p:childTnLst>
+              </p:cTn>
+              <p:nextCondLst>
+                <p:cond evt="onClick" delay="0">
+                  <p:tgtEl>
+                    <p:spTgt spid="11"/>
+                  </p:tgtEl>
+                </p:cond>
+              </p:nextCondLst>
+            </p:seq>
           </p:childTnLst>
         </p:cTn>
       </p:par>
@@ -10218,8 +10285,8 @@
         </p:nvSpPr>
         <p:spPr>
           <a:xfrm>
-            <a:off x="4964114" y="4579952"/>
-            <a:ext cx="5676439" cy="2523768"/>
+            <a:off x="4820652" y="2750349"/>
+            <a:ext cx="5676439" cy="1877437"/>
           </a:xfrm>
           <a:prstGeom prst="rect">
             <a:avLst/>
@@ -10234,7 +10301,7 @@
           <a:p>
             <a:pPr algn="ctr"/>
             <a:r>
-              <a:rPr lang="es-ES" sz="2600" b="1" dirty="0">
+              <a:rPr lang="es-ES" sz="2400" b="1" dirty="0">
                 <a:latin typeface="Calibri" panose="020F0502020204030204" pitchFamily="34" charset="0"/>
                 <a:cs typeface="Calibri" panose="020F0502020204030204" pitchFamily="34" charset="0"/>
               </a:rPr>
@@ -10244,7 +10311,7 @@
           <a:p>
             <a:pPr algn="ctr"/>
             <a:r>
-              <a:rPr lang="es-ES" sz="2600" b="1" dirty="0">
+              <a:rPr lang="es-ES" sz="2400" b="1" dirty="0">
                 <a:latin typeface="Calibri" panose="020F0502020204030204" pitchFamily="34" charset="0"/>
                 <a:cs typeface="Calibri" panose="020F0502020204030204" pitchFamily="34" charset="0"/>
               </a:rPr>
@@ -10253,15 +10320,8 @@
           </a:p>
           <a:p>
             <a:pPr algn="ctr"/>
-            <a:endParaRPr lang="es-ES" sz="2600" b="1" dirty="0">
-              <a:latin typeface="Calibri" panose="020F0502020204030204" pitchFamily="34" charset="0"/>
-              <a:cs typeface="Calibri" panose="020F0502020204030204" pitchFamily="34" charset="0"/>
-            </a:endParaRPr>
-          </a:p>
-          <a:p>
-            <a:pPr algn="ctr"/>
-            <a:r>
-              <a:rPr lang="es-ES" sz="2600" b="1" dirty="0">
+            <a:r>
+              <a:rPr lang="es-ES" sz="2000" b="1" dirty="0">
                 <a:latin typeface="Calibri" panose="020F0502020204030204" pitchFamily="34" charset="0"/>
                 <a:cs typeface="Calibri" panose="020F0502020204030204" pitchFamily="34" charset="0"/>
               </a:rPr>
@@ -10271,14 +10331,14 @@
           <a:p>
             <a:pPr algn="ctr"/>
             <a:r>
-              <a:rPr lang="es-ES" sz="2600" b="1" dirty="0" err="1">
+              <a:rPr lang="es-ES" sz="2000" b="1" dirty="0" err="1">
                 <a:latin typeface="Calibri" panose="020F0502020204030204" pitchFamily="34" charset="0"/>
                 <a:cs typeface="Calibri" panose="020F0502020204030204" pitchFamily="34" charset="0"/>
               </a:rPr>
               <a:t>MSc</a:t>
             </a:r>
             <a:r>
-              <a:rPr lang="es-ES" sz="2600" b="1" dirty="0">
+              <a:rPr lang="es-ES" sz="2000" b="1" dirty="0">
                 <a:latin typeface="Calibri" panose="020F0502020204030204" pitchFamily="34" charset="0"/>
                 <a:cs typeface="Calibri" panose="020F0502020204030204" pitchFamily="34" charset="0"/>
               </a:rPr>
@@ -10310,8 +10370,8 @@
         </p:nvSpPr>
         <p:spPr bwMode="auto">
           <a:xfrm>
-            <a:off x="3616777" y="2854222"/>
-            <a:ext cx="8371114" cy="1725730"/>
+            <a:off x="3616777" y="4646757"/>
+            <a:ext cx="8371114" cy="2310505"/>
           </a:xfrm>
           <a:prstGeom prst="rect">
             <a:avLst/>
@@ -10671,28 +10731,78 @@
           <a:p>
             <a:pPr algn="ctr"/>
             <a:r>
-              <a:rPr lang="es-ES" sz="2600" b="1" dirty="0">
+              <a:rPr lang="es-ES" b="1" dirty="0">
                 <a:solidFill>
                   <a:schemeClr val="tx1"/>
                 </a:solidFill>
                 <a:effectLst/>
                 <a:ea typeface="Calibri" panose="020F0502020204030204" pitchFamily="34" charset="0"/>
               </a:rPr>
-              <a:t>FITIB</a:t>
-            </a:r>
-          </a:p>
-          <a:p>
-            <a:pPr algn="ctr"/>
-            <a:r>
-              <a:rPr lang="es-ES" sz="2600" b="1" dirty="0">
+              <a:t>Facultad de Ingeniería en Telecomunicaciones, Informática y Biom</a:t>
+            </a:r>
+            <a:r>
+              <a:rPr lang="es-ES" b="1" dirty="0">
                 <a:solidFill>
                   <a:schemeClr val="tx1"/>
                 </a:solidFill>
                 <a:ea typeface="Calibri" panose="020F0502020204030204" pitchFamily="34" charset="0"/>
               </a:rPr>
-              <a:t>Departamento de Informática</a:t>
-            </a:r>
-            <a:endParaRPr lang="es-ES" sz="2600" b="1" dirty="0">
+              <a:t>édica</a:t>
+            </a:r>
+            <a:endParaRPr lang="es-ES" b="1" dirty="0">
+              <a:solidFill>
+                <a:schemeClr val="tx1"/>
+              </a:solidFill>
+              <a:effectLst/>
+              <a:ea typeface="Calibri" panose="020F0502020204030204" pitchFamily="34" charset="0"/>
+            </a:endParaRPr>
+          </a:p>
+          <a:p>
+            <a:pPr algn="ctr"/>
+            <a:r>
+              <a:rPr lang="es-ES" b="1" dirty="0">
+                <a:solidFill>
+                  <a:schemeClr val="tx1"/>
+                </a:solidFill>
+                <a:ea typeface="Calibri" panose="020F0502020204030204" pitchFamily="34" charset="0"/>
+              </a:rPr>
+              <a:t>Departamento de Ingeniería Informática</a:t>
+            </a:r>
+          </a:p>
+          <a:p>
+            <a:pPr algn="ctr"/>
+            <a:r>
+              <a:rPr lang="es-ES" b="1" dirty="0">
+                <a:solidFill>
+                  <a:schemeClr val="tx1"/>
+                </a:solidFill>
+                <a:effectLst/>
+                <a:ea typeface="Calibri" panose="020F0502020204030204" pitchFamily="34" charset="0"/>
+              </a:rPr>
+              <a:t>Proyecto </a:t>
+            </a:r>
+            <a:r>
+              <a:rPr lang="es-ES" b="1" dirty="0">
+                <a:solidFill>
+                  <a:schemeClr val="tx1"/>
+                </a:solidFill>
+                <a:ea typeface="Calibri" panose="020F0502020204030204" pitchFamily="34" charset="0"/>
+              </a:rPr>
+              <a:t>de Investigación </a:t>
+            </a:r>
+          </a:p>
+          <a:p>
+            <a:pPr algn="ctr"/>
+            <a:r>
+              <a:rPr lang="es-ES" b="1" dirty="0">
+                <a:solidFill>
+                  <a:schemeClr val="tx1"/>
+                </a:solidFill>
+                <a:ea typeface="Calibri" panose="020F0502020204030204" pitchFamily="34" charset="0"/>
+              </a:rPr>
+              <a:t>“Soluciones informática para la gestión de los procesos universitarios a partir de plataformas de gobierno electrónico”</a:t>
+            </a:r>
+            <a:endParaRPr lang="es-ES" b="1" dirty="0">
               <a:solidFill>
                 <a:schemeClr val="tx1"/>
               </a:solidFill>
@@ -10724,7 +10834,7 @@
     </p:spTree>
     <p:extLst>
       <p:ext uri="{BB962C8B-B14F-4D97-AF65-F5344CB8AC3E}">
-        <p14:creationId xmlns:p14="http://schemas.microsoft.com/office/powerpoint/2010/main" val="3181026589"/>
+        <p14:creationId xmlns:p14="http://schemas.microsoft.com/office/powerpoint/2010/main" val="2022528801"/>
       </p:ext>
     </p:extLst>
   </p:cSld>
@@ -11291,6 +11401,34 @@
           </a:fontRef>
         </p:style>
       </p:cxnSp>
+      <p:sp>
+        <p:nvSpPr>
+          <p:cNvPr id="10" name="Marcador de número de diapositiva 9">
+            <a:extLst>
+              <a:ext uri="{FF2B5EF4-FFF2-40B4-BE49-F238E27FC236}">
+                <a16:creationId xmlns:a16="http://schemas.microsoft.com/office/drawing/2014/main" id="{F60EA955-0C4A-D7CA-6B91-C5D9E98610A9}"/>
+              </a:ext>
+            </a:extLst>
+          </p:cNvPr>
+          <p:cNvSpPr>
+            <a:spLocks noGrp="1"/>
+          </p:cNvSpPr>
+          <p:nvPr>
+            <p:ph type="sldNum" sz="quarter" idx="12"/>
+          </p:nvPr>
+        </p:nvSpPr>
+        <p:spPr/>
+        <p:txBody>
+          <a:bodyPr/>
+          <a:lstStyle/>
+          <a:p>
+            <a:r>
+              <a:rPr lang="es-ES" dirty="0"/>
+              <a:t>1</a:t>
+            </a:r>
+          </a:p>
+        </p:txBody>
+      </p:sp>
     </p:spTree>
     <p:extLst>
       <p:ext uri="{BB962C8B-B14F-4D97-AF65-F5344CB8AC3E}">
@@ -11684,6 +11822,34 @@
           </p:txBody>
         </p:sp>
       </p:grpSp>
+      <p:sp>
+        <p:nvSpPr>
+          <p:cNvPr id="14" name="Marcador de número de diapositiva 13">
+            <a:extLst>
+              <a:ext uri="{FF2B5EF4-FFF2-40B4-BE49-F238E27FC236}">
+                <a16:creationId xmlns:a16="http://schemas.microsoft.com/office/drawing/2014/main" id="{522FB433-5ACC-E08B-9B51-8817BC3D25CE}"/>
+              </a:ext>
+            </a:extLst>
+          </p:cNvPr>
+          <p:cNvSpPr>
+            <a:spLocks noGrp="1"/>
+          </p:cNvSpPr>
+          <p:nvPr>
+            <p:ph type="sldNum" sz="quarter" idx="12"/>
+          </p:nvPr>
+        </p:nvSpPr>
+        <p:spPr/>
+        <p:txBody>
+          <a:bodyPr/>
+          <a:lstStyle/>
+          <a:p>
+            <a:r>
+              <a:rPr lang="es-ES" dirty="0"/>
+              <a:t>2</a:t>
+            </a:r>
+          </a:p>
+        </p:txBody>
+      </p:sp>
     </p:spTree>
     <p:extLst>
       <p:ext uri="{BB962C8B-B14F-4D97-AF65-F5344CB8AC3E}">
@@ -12048,7 +12214,7 @@
               <a:buNone/>
               <a:defRPr sz="5400" kern="1200" cap="all" baseline="0">
                 <a:blipFill>
-                  <a:blip r:embed="rId2">
+                  <a:blip r:embed="rId3">
                     <a:extLst>
                       <a:ext uri="{28A0092B-C50C-407E-A947-70E740481C1C}">
                         <a14:useLocalDpi xmlns:a14="http://schemas.microsoft.com/office/drawing/2010/main" val="0"/>
@@ -12398,7 +12564,7 @@
               <a:buNone/>
               <a:defRPr sz="5400" kern="1200" cap="all" baseline="0">
                 <a:blipFill>
-                  <a:blip r:embed="rId2">
+                  <a:blip r:embed="rId3">
                     <a:extLst>
                       <a:ext uri="{28A0092B-C50C-407E-A947-70E740481C1C}">
                         <a14:useLocalDpi xmlns:a14="http://schemas.microsoft.com/office/drawing/2010/main" val="0"/>
@@ -12439,7 +12605,7 @@
         <p:spPr>
           <a:xfrm>
             <a:off x="1103312" y="5028935"/>
-            <a:ext cx="10058400" cy="4050792"/>
+            <a:ext cx="10058400" cy="811426"/>
           </a:xfrm>
           <a:prstGeom prst="rect">
             <a:avLst/>
@@ -12693,7 +12859,6 @@
           </a:lstStyle>
           <a:p>
             <a:pPr marL="0" indent="0" algn="just">
-              <a:buFont typeface="Wingdings" pitchFamily="2" charset="2"/>
               <a:buNone/>
             </a:pPr>
             <a:r>
@@ -12704,11 +12869,39 @@
                 <a:latin typeface="Rockwell (Cuerpo)"/>
                 <a:ea typeface="Times New Roman" panose="02020603050405020304" pitchFamily="18" charset="0"/>
               </a:rPr>
-              <a:t>Desarrollar una aplicación informática que permita la gestión o construcción de conocimiento de manera automática para Asistentes Virtuales, para que estos puedan ser más eficientes al responder cualquier duda o inquietud de los usuarios.</a:t>
+              <a:t>Desarrollar una aplicación informática que permita la gestión o construcción de conocimiento de manera automática para Asistentes Virtuales.</a:t>
             </a:r>
             <a:endParaRPr lang="es-ES" dirty="0">
               <a:latin typeface="Rockwell (Cuerpo)"/>
             </a:endParaRPr>
+          </a:p>
+        </p:txBody>
+      </p:sp>
+      <p:sp>
+        <p:nvSpPr>
+          <p:cNvPr id="13" name="Marcador de número de diapositiva 12">
+            <a:extLst>
+              <a:ext uri="{FF2B5EF4-FFF2-40B4-BE49-F238E27FC236}">
+                <a16:creationId xmlns:a16="http://schemas.microsoft.com/office/drawing/2014/main" id="{35D5F530-D8BC-5A9F-1FAD-24A44618B0A4}"/>
+              </a:ext>
+            </a:extLst>
+          </p:cNvPr>
+          <p:cNvSpPr>
+            <a:spLocks noGrp="1"/>
+          </p:cNvSpPr>
+          <p:nvPr>
+            <p:ph type="sldNum" sz="quarter" idx="12"/>
+          </p:nvPr>
+        </p:nvSpPr>
+        <p:spPr/>
+        <p:txBody>
+          <a:bodyPr/>
+          <a:lstStyle/>
+          <a:p>
+            <a:r>
+              <a:rPr lang="es-ES" dirty="0"/>
+              <a:t>3</a:t>
+            </a:r>
           </a:p>
         </p:txBody>
       </p:sp>
@@ -13216,6 +13409,34 @@
           </a:p>
         </p:txBody>
       </p:sp>
+      <p:sp>
+        <p:nvSpPr>
+          <p:cNvPr id="7" name="Marcador de número de diapositiva 6">
+            <a:extLst>
+              <a:ext uri="{FF2B5EF4-FFF2-40B4-BE49-F238E27FC236}">
+                <a16:creationId xmlns:a16="http://schemas.microsoft.com/office/drawing/2014/main" id="{A3E18463-8B8A-6B8D-950F-A45DDBA4B789}"/>
+              </a:ext>
+            </a:extLst>
+          </p:cNvPr>
+          <p:cNvSpPr>
+            <a:spLocks noGrp="1"/>
+          </p:cNvSpPr>
+          <p:nvPr>
+            <p:ph type="sldNum" sz="quarter" idx="12"/>
+          </p:nvPr>
+        </p:nvSpPr>
+        <p:spPr/>
+        <p:txBody>
+          <a:bodyPr/>
+          <a:lstStyle/>
+          <a:p>
+            <a:r>
+              <a:rPr lang="es-ES" dirty="0"/>
+              <a:t>4</a:t>
+            </a:r>
+          </a:p>
+        </p:txBody>
+      </p:sp>
     </p:spTree>
     <p:extLst>
       <p:ext uri="{BB962C8B-B14F-4D97-AF65-F5344CB8AC3E}">
@@ -13308,6 +13529,34 @@
                 <a:ea typeface="Calibri" panose="020F0502020204030204" pitchFamily="34" charset="0"/>
               </a:rPr>
               <a:t>Se desarrollará una aplicación informática que construya el conocimiento para el desarrollo de asistentes virtuales de forma automática, que permita a los mismos responder o evacuar cualquier duda de los usuarios eficientemente desde las plataformas web o móvil donde se use el servicio de chat, estas plataformas se favorecerán al ganar en calidad en el servicio. </a:t>
+            </a:r>
+          </a:p>
+        </p:txBody>
+      </p:sp>
+      <p:sp>
+        <p:nvSpPr>
+          <p:cNvPr id="7" name="Marcador de número de diapositiva 6">
+            <a:extLst>
+              <a:ext uri="{FF2B5EF4-FFF2-40B4-BE49-F238E27FC236}">
+                <a16:creationId xmlns:a16="http://schemas.microsoft.com/office/drawing/2014/main" id="{CFBD676E-8F27-107C-9968-2454B7BE5E89}"/>
+              </a:ext>
+            </a:extLst>
+          </p:cNvPr>
+          <p:cNvSpPr>
+            <a:spLocks noGrp="1"/>
+          </p:cNvSpPr>
+          <p:nvPr>
+            <p:ph type="sldNum" sz="quarter" idx="12"/>
+          </p:nvPr>
+        </p:nvSpPr>
+        <p:spPr/>
+        <p:txBody>
+          <a:bodyPr/>
+          <a:lstStyle/>
+          <a:p>
+            <a:r>
+              <a:rPr lang="es-ES" dirty="0"/>
+              <a:t>5</a:t>
             </a:r>
           </a:p>
         </p:txBody>
@@ -13842,6 +14091,34 @@
           </a:p>
         </p:txBody>
       </p:sp>
+      <p:sp>
+        <p:nvSpPr>
+          <p:cNvPr id="13" name="Marcador de número de diapositiva 12">
+            <a:extLst>
+              <a:ext uri="{FF2B5EF4-FFF2-40B4-BE49-F238E27FC236}">
+                <a16:creationId xmlns:a16="http://schemas.microsoft.com/office/drawing/2014/main" id="{5932ABB0-EBB3-7A1D-B21B-03B65F656573}"/>
+              </a:ext>
+            </a:extLst>
+          </p:cNvPr>
+          <p:cNvSpPr>
+            <a:spLocks noGrp="1"/>
+          </p:cNvSpPr>
+          <p:nvPr>
+            <p:ph type="sldNum" sz="quarter" idx="12"/>
+          </p:nvPr>
+        </p:nvSpPr>
+        <p:spPr/>
+        <p:txBody>
+          <a:bodyPr/>
+          <a:lstStyle/>
+          <a:p>
+            <a:r>
+              <a:rPr lang="es-ES" dirty="0"/>
+              <a:t>6</a:t>
+            </a:r>
+          </a:p>
+        </p:txBody>
+      </p:sp>
     </p:spTree>
     <p:extLst>
       <p:ext uri="{BB962C8B-B14F-4D97-AF65-F5344CB8AC3E}">
@@ -14627,6 +14904,34 @@
           </a:p>
         </p:txBody>
       </p:sp>
+      <p:sp>
+        <p:nvSpPr>
+          <p:cNvPr id="14" name="Marcador de número de diapositiva 13">
+            <a:extLst>
+              <a:ext uri="{FF2B5EF4-FFF2-40B4-BE49-F238E27FC236}">
+                <a16:creationId xmlns:a16="http://schemas.microsoft.com/office/drawing/2014/main" id="{67345973-BF2D-7590-A054-6C2925AE48BA}"/>
+              </a:ext>
+            </a:extLst>
+          </p:cNvPr>
+          <p:cNvSpPr>
+            <a:spLocks noGrp="1"/>
+          </p:cNvSpPr>
+          <p:nvPr>
+            <p:ph type="sldNum" sz="quarter" idx="12"/>
+          </p:nvPr>
+        </p:nvSpPr>
+        <p:spPr/>
+        <p:txBody>
+          <a:bodyPr/>
+          <a:lstStyle/>
+          <a:p>
+            <a:r>
+              <a:rPr lang="es-ES" dirty="0"/>
+              <a:t>7</a:t>
+            </a:r>
+          </a:p>
+        </p:txBody>
+      </p:sp>
     </p:spTree>
     <p:extLst>
       <p:ext uri="{BB962C8B-B14F-4D97-AF65-F5344CB8AC3E}">
@@ -14742,6 +15047,34 @@
             <a:r>
               <a:rPr lang="es-ES" dirty="0"/>
               <a:t>Además se logró evidenciar las facilidades que brinda este tipo de solución en el desarrollo de asistentes virtuales.</a:t>
+            </a:r>
+          </a:p>
+        </p:txBody>
+      </p:sp>
+      <p:sp>
+        <p:nvSpPr>
+          <p:cNvPr id="7" name="Marcador de número de diapositiva 6">
+            <a:extLst>
+              <a:ext uri="{FF2B5EF4-FFF2-40B4-BE49-F238E27FC236}">
+                <a16:creationId xmlns:a16="http://schemas.microsoft.com/office/drawing/2014/main" id="{1F875B6C-7B64-7D05-46F7-92CEA2F17BC6}"/>
+              </a:ext>
+            </a:extLst>
+          </p:cNvPr>
+          <p:cNvSpPr>
+            <a:spLocks noGrp="1"/>
+          </p:cNvSpPr>
+          <p:nvPr>
+            <p:ph type="sldNum" sz="quarter" idx="12"/>
+          </p:nvPr>
+        </p:nvSpPr>
+        <p:spPr/>
+        <p:txBody>
+          <a:bodyPr/>
+          <a:lstStyle/>
+          <a:p>
+            <a:r>
+              <a:rPr lang="es-ES" dirty="0"/>
+              <a:t>8</a:t>
             </a:r>
           </a:p>
         </p:txBody>

--- a/Tesis/Primer Corte.pptx
+++ b/Tesis/Primer Corte.pptx
@@ -5,7 +5,7 @@
     <p:sldMasterId id="2147483814" r:id="rId1"/>
   </p:sldMasterIdLst>
   <p:notesMasterIdLst>
-    <p:notesMasterId r:id="rId18"/>
+    <p:notesMasterId r:id="rId20"/>
   </p:notesMasterIdLst>
   <p:sldIdLst>
     <p:sldId id="296" r:id="rId2"/>
@@ -19,11 +19,13 @@
     <p:sldId id="287" r:id="rId10"/>
     <p:sldId id="288" r:id="rId11"/>
     <p:sldId id="286" r:id="rId12"/>
-    <p:sldId id="290" r:id="rId13"/>
-    <p:sldId id="291" r:id="rId14"/>
-    <p:sldId id="292" r:id="rId15"/>
-    <p:sldId id="275" r:id="rId16"/>
-    <p:sldId id="297" r:id="rId17"/>
+    <p:sldId id="273" r:id="rId13"/>
+    <p:sldId id="290" r:id="rId14"/>
+    <p:sldId id="291" r:id="rId15"/>
+    <p:sldId id="292" r:id="rId16"/>
+    <p:sldId id="276" r:id="rId17"/>
+    <p:sldId id="275" r:id="rId18"/>
+    <p:sldId id="297" r:id="rId19"/>
   </p:sldIdLst>
   <p:sldSz cx="12192000" cy="6858000"/>
   <p:notesSz cx="6858000" cy="9144000"/>
@@ -224,7 +226,7 @@
           <a:p>
             <a:fld id="{855318E3-A54E-4A1B-925B-0B6BE85402D7}" type="datetimeFigureOut">
               <a:rPr lang="es-ES" smtClean="0"/>
-              <a:t>10/10/2022</a:t>
+              <a:t>11/10/2022</a:t>
             </a:fld>
             <a:endParaRPr lang="es-ES"/>
           </a:p>
@@ -649,6 +651,93 @@
 <file path=ppt/notesSlides/notesSlide10.xml><?xml version="1.0" encoding="utf-8"?>
 <p:notes xmlns:a="http://schemas.openxmlformats.org/drawingml/2006/main" xmlns:r="http://schemas.openxmlformats.org/officeDocument/2006/relationships" xmlns:p="http://schemas.openxmlformats.org/presentationml/2006/main">
   <p:cSld>
+    <p:spTree>
+      <p:nvGrpSpPr>
+        <p:cNvPr id="1" name=""/>
+        <p:cNvGrpSpPr/>
+        <p:nvPr/>
+      </p:nvGrpSpPr>
+      <p:grpSpPr>
+        <a:xfrm>
+          <a:off x="0" y="0"/>
+          <a:ext cx="0" cy="0"/>
+          <a:chOff x="0" y="0"/>
+          <a:chExt cx="0" cy="0"/>
+        </a:xfrm>
+      </p:grpSpPr>
+      <p:sp>
+        <p:nvSpPr>
+          <p:cNvPr id="2" name="Marcador de imagen de diapositiva 1"/>
+          <p:cNvSpPr>
+            <a:spLocks noGrp="1" noRot="1" noChangeAspect="1"/>
+          </p:cNvSpPr>
+          <p:nvPr>
+            <p:ph type="sldImg"/>
+          </p:nvPr>
+        </p:nvSpPr>
+        <p:spPr/>
+      </p:sp>
+      <p:sp>
+        <p:nvSpPr>
+          <p:cNvPr id="3" name="Marcador de notas 2"/>
+          <p:cNvSpPr>
+            <a:spLocks noGrp="1"/>
+          </p:cNvSpPr>
+          <p:nvPr>
+            <p:ph type="body" idx="1"/>
+          </p:nvPr>
+        </p:nvSpPr>
+        <p:spPr/>
+        <p:txBody>
+          <a:bodyPr/>
+          <a:lstStyle/>
+          <a:p>
+            <a:pPr marL="228600" indent="-228600">
+              <a:buAutoNum type="arabicPeriod"/>
+            </a:pPr>
+            <a:endParaRPr lang="es-CU" dirty="0"/>
+          </a:p>
+        </p:txBody>
+      </p:sp>
+      <p:sp>
+        <p:nvSpPr>
+          <p:cNvPr id="4" name="Marcador de número de diapositiva 3"/>
+          <p:cNvSpPr>
+            <a:spLocks noGrp="1"/>
+          </p:cNvSpPr>
+          <p:nvPr>
+            <p:ph type="sldNum" sz="quarter" idx="5"/>
+          </p:nvPr>
+        </p:nvSpPr>
+        <p:spPr/>
+        <p:txBody>
+          <a:bodyPr/>
+          <a:lstStyle/>
+          <a:p>
+            <a:fld id="{3078BF56-2ECF-4460-BCB4-07206B519773}" type="slidenum">
+              <a:rPr lang="es-ES" smtClean="0"/>
+              <a:t>17</a:t>
+            </a:fld>
+            <a:endParaRPr lang="es-ES"/>
+          </a:p>
+        </p:txBody>
+      </p:sp>
+    </p:spTree>
+    <p:extLst>
+      <p:ext uri="{BB962C8B-B14F-4D97-AF65-F5344CB8AC3E}">
+        <p14:creationId xmlns:p14="http://schemas.microsoft.com/office/powerpoint/2010/main" val="2619308017"/>
+      </p:ext>
+    </p:extLst>
+  </p:cSld>
+  <p:clrMapOvr>
+    <a:masterClrMapping/>
+  </p:clrMapOvr>
+</p:notes>
+</file>
+
+<file path=ppt/notesSlides/notesSlide11.xml><?xml version="1.0" encoding="utf-8"?>
+<p:notes xmlns:a="http://schemas.openxmlformats.org/drawingml/2006/main" xmlns:r="http://schemas.openxmlformats.org/officeDocument/2006/relationships" xmlns:p="http://schemas.openxmlformats.org/presentationml/2006/main">
+  <p:cSld>
     <p:bg>
       <p:bgPr>
         <a:solidFill>
@@ -1998,10 +2087,10 @@
           <a:bodyPr/>
           <a:lstStyle/>
           <a:p>
-            <a:pPr marL="228600" indent="-228600">
-              <a:buAutoNum type="arabicPeriod"/>
-            </a:pPr>
-            <a:endParaRPr lang="es-CU" dirty="0"/>
+            <a:r>
+              <a:rPr lang="es-CU" dirty="0"/>
+              <a:t>Generación de preguntas a partir de un texto entrado</a:t>
+            </a:r>
           </a:p>
         </p:txBody>
       </p:sp>
@@ -2022,7 +2111,7 @@
           <a:p>
             <a:fld id="{3078BF56-2ECF-4460-BCB4-07206B519773}" type="slidenum">
               <a:rPr lang="es-ES" smtClean="0"/>
-              <a:t>15</a:t>
+              <a:t>16</a:t>
             </a:fld>
             <a:endParaRPr lang="es-ES"/>
           </a:p>
@@ -2031,7 +2120,7 @@
     </p:spTree>
     <p:extLst>
       <p:ext uri="{BB962C8B-B14F-4D97-AF65-F5344CB8AC3E}">
-        <p14:creationId xmlns:p14="http://schemas.microsoft.com/office/powerpoint/2010/main" val="2619308017"/>
+        <p14:creationId xmlns:p14="http://schemas.microsoft.com/office/powerpoint/2010/main" val="685504619"/>
       </p:ext>
     </p:extLst>
   </p:cSld>
@@ -2444,7 +2533,7 @@
           <a:p>
             <a:fld id="{B68655D5-7C77-493A-8D32-5357D2FC22A3}" type="datetimeFigureOut">
               <a:rPr lang="es-ES" smtClean="0"/>
-              <a:t>10/10/2022</a:t>
+              <a:t>11/10/2022</a:t>
             </a:fld>
             <a:endParaRPr lang="es-ES"/>
           </a:p>
@@ -2623,7 +2712,7 @@
           <a:p>
             <a:fld id="{B68655D5-7C77-493A-8D32-5357D2FC22A3}" type="datetimeFigureOut">
               <a:rPr lang="es-ES" smtClean="0"/>
-              <a:t>10/10/2022</a:t>
+              <a:t>11/10/2022</a:t>
             </a:fld>
             <a:endParaRPr lang="es-ES"/>
           </a:p>
@@ -2803,7 +2892,7 @@
           <a:p>
             <a:fld id="{B68655D5-7C77-493A-8D32-5357D2FC22A3}" type="datetimeFigureOut">
               <a:rPr lang="es-ES" smtClean="0"/>
-              <a:t>10/10/2022</a:t>
+              <a:t>11/10/2022</a:t>
             </a:fld>
             <a:endParaRPr lang="es-ES"/>
           </a:p>
@@ -2973,7 +3062,7 @@
           <a:p>
             <a:fld id="{B68655D5-7C77-493A-8D32-5357D2FC22A3}" type="datetimeFigureOut">
               <a:rPr lang="es-ES" smtClean="0"/>
-              <a:t>10/10/2022</a:t>
+              <a:t>11/10/2022</a:t>
             </a:fld>
             <a:endParaRPr lang="es-ES"/>
           </a:p>
@@ -3286,7 +3375,7 @@
           <a:p>
             <a:fld id="{B68655D5-7C77-493A-8D32-5357D2FC22A3}" type="datetimeFigureOut">
               <a:rPr lang="es-ES" smtClean="0"/>
-              <a:t>10/10/2022</a:t>
+              <a:t>11/10/2022</a:t>
             </a:fld>
             <a:endParaRPr lang="es-ES"/>
           </a:p>
@@ -3672,7 +3761,7 @@
           <a:p>
             <a:fld id="{B68655D5-7C77-493A-8D32-5357D2FC22A3}" type="datetimeFigureOut">
               <a:rPr lang="es-ES" smtClean="0"/>
-              <a:t>10/10/2022</a:t>
+              <a:t>11/10/2022</a:t>
             </a:fld>
             <a:endParaRPr lang="es-ES"/>
           </a:p>
@@ -4106,7 +4195,7 @@
           <a:p>
             <a:fld id="{B68655D5-7C77-493A-8D32-5357D2FC22A3}" type="datetimeFigureOut">
               <a:rPr lang="es-ES" smtClean="0"/>
-              <a:t>10/10/2022</a:t>
+              <a:t>11/10/2022</a:t>
             </a:fld>
             <a:endParaRPr lang="es-ES"/>
           </a:p>
@@ -4224,7 +4313,7 @@
           <a:p>
             <a:fld id="{B68655D5-7C77-493A-8D32-5357D2FC22A3}" type="datetimeFigureOut">
               <a:rPr lang="es-ES" smtClean="0"/>
-              <a:t>10/10/2022</a:t>
+              <a:t>11/10/2022</a:t>
             </a:fld>
             <a:endParaRPr lang="es-ES"/>
           </a:p>
@@ -4319,7 +4408,7 @@
           <a:p>
             <a:fld id="{B68655D5-7C77-493A-8D32-5357D2FC22A3}" type="datetimeFigureOut">
               <a:rPr lang="es-ES" smtClean="0"/>
-              <a:t>10/10/2022</a:t>
+              <a:t>11/10/2022</a:t>
             </a:fld>
             <a:endParaRPr lang="es-ES"/>
           </a:p>
@@ -4669,7 +4758,7 @@
           <a:p>
             <a:fld id="{B68655D5-7C77-493A-8D32-5357D2FC22A3}" type="datetimeFigureOut">
               <a:rPr lang="es-ES" smtClean="0"/>
-              <a:t>10/10/2022</a:t>
+              <a:t>11/10/2022</a:t>
             </a:fld>
             <a:endParaRPr lang="es-ES"/>
           </a:p>
@@ -5094,7 +5183,7 @@
           <a:p>
             <a:fld id="{B68655D5-7C77-493A-8D32-5357D2FC22A3}" type="datetimeFigureOut">
               <a:rPr lang="es-ES" smtClean="0"/>
-              <a:t>10/10/2022</a:t>
+              <a:t>11/10/2022</a:t>
             </a:fld>
             <a:endParaRPr lang="es-ES"/>
           </a:p>
@@ -5375,7 +5464,7 @@
           <a:p>
             <a:fld id="{B68655D5-7C77-493A-8D32-5357D2FC22A3}" type="datetimeFigureOut">
               <a:rPr lang="es-ES" smtClean="0"/>
-              <a:t>10/10/2022</a:t>
+              <a:t>11/10/2022</a:t>
             </a:fld>
             <a:endParaRPr lang="es-ES"/>
           </a:p>
@@ -8843,6 +8932,177 @@
           <p:cNvPr id="2" name="Título 1">
             <a:extLst>
               <a:ext uri="{FF2B5EF4-FFF2-40B4-BE49-F238E27FC236}">
+                <a16:creationId xmlns:a16="http://schemas.microsoft.com/office/drawing/2014/main" id="{2C876E24-3186-4571-9303-AC591BE115D9}"/>
+              </a:ext>
+            </a:extLst>
+          </p:cNvPr>
+          <p:cNvSpPr>
+            <a:spLocks noGrp="1"/>
+          </p:cNvSpPr>
+          <p:nvPr>
+            <p:ph type="title"/>
+          </p:nvPr>
+        </p:nvSpPr>
+        <p:spPr>
+          <a:xfrm>
+            <a:off x="944880" y="457200"/>
+            <a:ext cx="10058400" cy="1609344"/>
+          </a:xfrm>
+        </p:spPr>
+        <p:txBody>
+          <a:bodyPr>
+            <a:noAutofit/>
+          </a:bodyPr>
+          <a:lstStyle/>
+          <a:p>
+            <a:pPr algn="ctr"/>
+            <a:r>
+              <a:rPr lang="es-ES" dirty="0">
+                <a:effectLst/>
+                <a:latin typeface="Rockwell Condensed (Títulos)"/>
+                <a:ea typeface="Calibri" panose="020F0502020204030204" pitchFamily="34" charset="0"/>
+              </a:rPr>
+              <a:t>Sistema de Generación de Conocimiento Automático (SGCA)</a:t>
+            </a:r>
+            <a:br>
+              <a:rPr lang="es-ES" dirty="0">
+                <a:effectLst/>
+                <a:latin typeface="Arial" panose="020B0604020202020204" pitchFamily="34" charset="0"/>
+                <a:ea typeface="Calibri" panose="020F0502020204030204" pitchFamily="34" charset="0"/>
+              </a:rPr>
+            </a:br>
+            <a:endParaRPr lang="es-ES" b="1" dirty="0"/>
+          </a:p>
+        </p:txBody>
+      </p:sp>
+      <p:sp>
+        <p:nvSpPr>
+          <p:cNvPr id="3" name="Marcador de contenido 2">
+            <a:extLst>
+              <a:ext uri="{FF2B5EF4-FFF2-40B4-BE49-F238E27FC236}">
+                <a16:creationId xmlns:a16="http://schemas.microsoft.com/office/drawing/2014/main" id="{E96E943C-0C49-49BB-BC05-BB7FA1FD85E6}"/>
+              </a:ext>
+            </a:extLst>
+          </p:cNvPr>
+          <p:cNvSpPr>
+            <a:spLocks noGrp="1"/>
+          </p:cNvSpPr>
+          <p:nvPr>
+            <p:ph idx="1"/>
+          </p:nvPr>
+        </p:nvSpPr>
+        <p:spPr>
+          <a:xfrm>
+            <a:off x="838200" y="2194560"/>
+            <a:ext cx="10058400" cy="4419600"/>
+          </a:xfrm>
+        </p:spPr>
+        <p:txBody>
+          <a:bodyPr>
+            <a:normAutofit/>
+          </a:bodyPr>
+          <a:lstStyle/>
+          <a:p>
+            <a:pPr algn="just"/>
+            <a:r>
+              <a:rPr lang="es-ES" dirty="0"/>
+              <a:t>Para el SGCA que consiste en la generación automática de preguntas y respuestas a partir de una entrada de datos, se buscaron varias soluciones de terceros ya implementadas, cada una con sus características y limitaciones. Las solución encontrada sólo genera preguntas y como respuesta se tomaron las oraciones.</a:t>
+            </a:r>
+          </a:p>
+          <a:p>
+            <a:pPr marL="0" indent="0" algn="just">
+              <a:buNone/>
+            </a:pPr>
+            <a:endParaRPr lang="es-ES" dirty="0"/>
+          </a:p>
+          <a:p>
+            <a:r>
+              <a:rPr lang="es-ES" dirty="0"/>
+              <a:t>Las soluciones encontradas funcionan con idioma inglés, lo que constituye una limitación pues el idioma destino es el español. </a:t>
+            </a:r>
+          </a:p>
+          <a:p>
+            <a:endParaRPr lang="es-ES" dirty="0"/>
+          </a:p>
+          <a:p>
+            <a:r>
+              <a:rPr lang="es-ES" dirty="0"/>
+              <a:t>Los datos entrados deben ser inglés, por el momento podemos traducir la información resultante del análisis al español y una vez entrenado con dichos resultados lograr una conversación con el asistente virtual en dicho idioma.</a:t>
+            </a:r>
+          </a:p>
+          <a:p>
+            <a:endParaRPr lang="es-ES" dirty="0"/>
+          </a:p>
+        </p:txBody>
+      </p:sp>
+      <p:sp>
+        <p:nvSpPr>
+          <p:cNvPr id="4" name="Marcador de número de diapositiva 15">
+            <a:extLst>
+              <a:ext uri="{FF2B5EF4-FFF2-40B4-BE49-F238E27FC236}">
+                <a16:creationId xmlns:a16="http://schemas.microsoft.com/office/drawing/2014/main" id="{6813AE19-4A2A-1138-7CD0-443662DD6273}"/>
+              </a:ext>
+            </a:extLst>
+          </p:cNvPr>
+          <p:cNvSpPr>
+            <a:spLocks noGrp="1"/>
+          </p:cNvSpPr>
+          <p:nvPr>
+            <p:ph type="sldNum" sz="quarter" idx="12"/>
+          </p:nvPr>
+        </p:nvSpPr>
+        <p:spPr>
+          <a:xfrm>
+            <a:off x="11311128" y="6272784"/>
+            <a:ext cx="640080" cy="365125"/>
+          </a:xfrm>
+        </p:spPr>
+        <p:txBody>
+          <a:bodyPr/>
+          <a:lstStyle/>
+          <a:p>
+            <a:r>
+              <a:rPr lang="es-ES" dirty="0"/>
+              <a:t>11</a:t>
+            </a:r>
+          </a:p>
+        </p:txBody>
+      </p:sp>
+    </p:spTree>
+    <p:extLst>
+      <p:ext uri="{BB962C8B-B14F-4D97-AF65-F5344CB8AC3E}">
+        <p14:creationId xmlns:p14="http://schemas.microsoft.com/office/powerpoint/2010/main" val="2966031720"/>
+      </p:ext>
+    </p:extLst>
+  </p:cSld>
+  <p:clrMapOvr>
+    <a:masterClrMapping/>
+  </p:clrMapOvr>
+</p:sld>
+</file>
+
+<file path=ppt/slides/slide13.xml><?xml version="1.0" encoding="utf-8"?>
+<p:sld xmlns:a="http://schemas.openxmlformats.org/drawingml/2006/main" xmlns:r="http://schemas.openxmlformats.org/officeDocument/2006/relationships" xmlns:p="http://schemas.openxmlformats.org/presentationml/2006/main">
+  <p:cSld>
+    <p:spTree>
+      <p:nvGrpSpPr>
+        <p:cNvPr id="1" name=""/>
+        <p:cNvGrpSpPr/>
+        <p:nvPr/>
+      </p:nvGrpSpPr>
+      <p:grpSpPr>
+        <a:xfrm>
+          <a:off x="0" y="0"/>
+          <a:ext cx="0" cy="0"/>
+          <a:chOff x="0" y="0"/>
+          <a:chExt cx="0" cy="0"/>
+        </a:xfrm>
+      </p:grpSpPr>
+      <p:sp>
+        <p:nvSpPr>
+          <p:cNvPr id="2" name="Título 1">
+            <a:extLst>
+              <a:ext uri="{FF2B5EF4-FFF2-40B4-BE49-F238E27FC236}">
                 <a16:creationId xmlns:a16="http://schemas.microsoft.com/office/drawing/2014/main" id="{01FAE683-1C27-C7EC-A7A2-4597F1B24AAC}"/>
               </a:ext>
             </a:extLst>
@@ -9123,7 +9383,7 @@
           <a:p>
             <a:r>
               <a:rPr lang="es-ES" dirty="0"/>
-              <a:t>11</a:t>
+              <a:t>12</a:t>
             </a:r>
           </a:p>
         </p:txBody>
@@ -9141,7 +9401,7 @@
 </p:sld>
 </file>
 
-<file path=ppt/slides/slide13.xml><?xml version="1.0" encoding="utf-8"?>
+<file path=ppt/slides/slide14.xml><?xml version="1.0" encoding="utf-8"?>
 <p:sld xmlns:a="http://schemas.openxmlformats.org/drawingml/2006/main" xmlns:r="http://schemas.openxmlformats.org/officeDocument/2006/relationships" xmlns:p="http://schemas.openxmlformats.org/presentationml/2006/main">
   <p:cSld>
     <p:spTree>
@@ -9220,7 +9480,7 @@
         </p:blipFill>
         <p:spPr>
           <a:xfrm>
-            <a:off x="424543" y="1108302"/>
+            <a:off x="359583" y="1067825"/>
             <a:ext cx="10762569" cy="5570084"/>
           </a:xfrm>
           <a:prstGeom prst="rect">
@@ -9265,7 +9525,7 @@
           <a:p>
             <a:r>
               <a:rPr lang="es-ES" dirty="0"/>
-              <a:t>12</a:t>
+              <a:t>13</a:t>
             </a:r>
           </a:p>
         </p:txBody>
@@ -9283,7 +9543,7 @@
 </p:sld>
 </file>
 
-<file path=ppt/slides/slide14.xml><?xml version="1.0" encoding="utf-8"?>
+<file path=ppt/slides/slide15.xml><?xml version="1.0" encoding="utf-8"?>
 <p:sld xmlns:a="http://schemas.openxmlformats.org/drawingml/2006/main" xmlns:r="http://schemas.openxmlformats.org/officeDocument/2006/relationships" xmlns:p="http://schemas.openxmlformats.org/presentationml/2006/main">
   <p:cSld>
     <p:spTree>
@@ -9397,14 +9657,19 @@
             <p:ph type="sldNum" sz="quarter" idx="12"/>
           </p:nvPr>
         </p:nvSpPr>
-        <p:spPr/>
+        <p:spPr>
+          <a:xfrm>
+            <a:off x="11311128" y="6288024"/>
+            <a:ext cx="640080" cy="365125"/>
+          </a:xfrm>
+        </p:spPr>
         <p:txBody>
           <a:bodyPr/>
           <a:lstStyle/>
           <a:p>
             <a:r>
               <a:rPr lang="es-ES" dirty="0"/>
-              <a:t>13</a:t>
+              <a:t>14</a:t>
             </a:r>
           </a:p>
         </p:txBody>
@@ -9422,7 +9687,164 @@
 </p:sld>
 </file>
 
-<file path=ppt/slides/slide15.xml><?xml version="1.0" encoding="utf-8"?>
+<file path=ppt/slides/slide16.xml><?xml version="1.0" encoding="utf-8"?>
+<p:sld xmlns:a="http://schemas.openxmlformats.org/drawingml/2006/main" xmlns:r="http://schemas.openxmlformats.org/officeDocument/2006/relationships" xmlns:p="http://schemas.openxmlformats.org/presentationml/2006/main">
+  <p:cSld>
+    <p:spTree>
+      <p:nvGrpSpPr>
+        <p:cNvPr id="1" name=""/>
+        <p:cNvGrpSpPr/>
+        <p:nvPr/>
+      </p:nvGrpSpPr>
+      <p:grpSpPr>
+        <a:xfrm>
+          <a:off x="0" y="0"/>
+          <a:ext cx="0" cy="0"/>
+          <a:chOff x="0" y="0"/>
+          <a:chExt cx="0" cy="0"/>
+        </a:xfrm>
+      </p:grpSpPr>
+      <p:sp>
+        <p:nvSpPr>
+          <p:cNvPr id="2" name="Título 1">
+            <a:extLst>
+              <a:ext uri="{FF2B5EF4-FFF2-40B4-BE49-F238E27FC236}">
+                <a16:creationId xmlns:a16="http://schemas.microsoft.com/office/drawing/2014/main" id="{356E58B3-618A-4FB8-8FD8-38D92F30D796}"/>
+              </a:ext>
+            </a:extLst>
+          </p:cNvPr>
+          <p:cNvSpPr>
+            <a:spLocks noGrp="1"/>
+          </p:cNvSpPr>
+          <p:nvPr>
+            <p:ph type="title"/>
+          </p:nvPr>
+        </p:nvSpPr>
+        <p:spPr>
+          <a:xfrm>
+            <a:off x="1069848" y="-94488"/>
+            <a:ext cx="10058400" cy="1609344"/>
+          </a:xfrm>
+        </p:spPr>
+        <p:txBody>
+          <a:bodyPr/>
+          <a:lstStyle/>
+          <a:p>
+            <a:pPr algn="ctr"/>
+            <a:r>
+              <a:rPr lang="es-CU" dirty="0"/>
+              <a:t>Ejemplo</a:t>
+            </a:r>
+            <a:r>
+              <a:rPr lang="en-US" dirty="0"/>
+              <a:t> de </a:t>
+            </a:r>
+            <a:r>
+              <a:rPr lang="es-CU" dirty="0"/>
+              <a:t>funcionamiento</a:t>
+            </a:r>
+          </a:p>
+        </p:txBody>
+      </p:sp>
+      <p:pic>
+        <p:nvPicPr>
+          <p:cNvPr id="5" name="Marcador de contenido 4">
+            <a:extLst>
+              <a:ext uri="{FF2B5EF4-FFF2-40B4-BE49-F238E27FC236}">
+                <a16:creationId xmlns:a16="http://schemas.microsoft.com/office/drawing/2014/main" id="{7A5D4EC4-7F28-4090-B46E-26BE80EDB4BD}"/>
+              </a:ext>
+            </a:extLst>
+          </p:cNvPr>
+          <p:cNvPicPr>
+            <a:picLocks noGrp="1" noChangeAspect="1"/>
+          </p:cNvPicPr>
+          <p:nvPr>
+            <p:ph idx="1"/>
+          </p:nvPr>
+        </p:nvPicPr>
+        <p:blipFill>
+          <a:blip r:embed="rId3">
+            <a:extLst>
+              <a:ext uri="{28A0092B-C50C-407E-A947-70E740481C1C}">
+                <a14:useLocalDpi xmlns:a14="http://schemas.microsoft.com/office/drawing/2010/main" val="0"/>
+              </a:ext>
+            </a:extLst>
+          </a:blip>
+          <a:stretch>
+            <a:fillRect/>
+          </a:stretch>
+        </p:blipFill>
+        <p:spPr>
+          <a:xfrm>
+            <a:off x="299764" y="1158240"/>
+            <a:ext cx="10957088" cy="5479669"/>
+          </a:xfrm>
+          <a:prstGeom prst="rect">
+            <a:avLst/>
+          </a:prstGeom>
+          <a:ln w="38100" cap="sq">
+            <a:solidFill>
+              <a:srgbClr val="000000"/>
+            </a:solidFill>
+            <a:prstDash val="solid"/>
+            <a:miter lim="800000"/>
+          </a:ln>
+          <a:effectLst>
+            <a:outerShdw blurRad="50800" dist="38100" dir="2700000" algn="tl" rotWithShape="0">
+              <a:srgbClr val="000000">
+                <a:alpha val="43000"/>
+              </a:srgbClr>
+            </a:outerShdw>
+          </a:effectLst>
+        </p:spPr>
+      </p:pic>
+      <p:sp>
+        <p:nvSpPr>
+          <p:cNvPr id="3" name="Marcador de número de diapositiva 15">
+            <a:extLst>
+              <a:ext uri="{FF2B5EF4-FFF2-40B4-BE49-F238E27FC236}">
+                <a16:creationId xmlns:a16="http://schemas.microsoft.com/office/drawing/2014/main" id="{3909184E-ED19-17E1-B54D-DC83BCFAE3E0}"/>
+              </a:ext>
+            </a:extLst>
+          </p:cNvPr>
+          <p:cNvSpPr>
+            <a:spLocks noGrp="1"/>
+          </p:cNvSpPr>
+          <p:nvPr>
+            <p:ph type="sldNum" sz="quarter" idx="12"/>
+          </p:nvPr>
+        </p:nvSpPr>
+        <p:spPr>
+          <a:xfrm>
+            <a:off x="11311128" y="6272784"/>
+            <a:ext cx="640080" cy="365125"/>
+          </a:xfrm>
+        </p:spPr>
+        <p:txBody>
+          <a:bodyPr/>
+          <a:lstStyle/>
+          <a:p>
+            <a:r>
+              <a:rPr lang="es-ES" dirty="0"/>
+              <a:t>15</a:t>
+            </a:r>
+          </a:p>
+        </p:txBody>
+      </p:sp>
+    </p:spTree>
+    <p:extLst>
+      <p:ext uri="{BB962C8B-B14F-4D97-AF65-F5344CB8AC3E}">
+        <p14:creationId xmlns:p14="http://schemas.microsoft.com/office/powerpoint/2010/main" val="4279749232"/>
+      </p:ext>
+    </p:extLst>
+  </p:cSld>
+  <p:clrMapOvr>
+    <a:masterClrMapping/>
+  </p:clrMapOvr>
+</p:sld>
+</file>
+
+<file path=ppt/slides/slide17.xml><?xml version="1.0" encoding="utf-8"?>
 <p:sld xmlns:a="http://schemas.openxmlformats.org/drawingml/2006/main" xmlns:r="http://schemas.openxmlformats.org/officeDocument/2006/relationships" xmlns:p="http://schemas.openxmlformats.org/presentationml/2006/main">
   <p:cSld>
     <p:spTree>
@@ -9545,7 +9967,7 @@
           <a:p>
             <a:r>
               <a:rPr lang="es-ES" dirty="0"/>
-              <a:t>14</a:t>
+              <a:t>16</a:t>
             </a:r>
           </a:p>
         </p:txBody>
@@ -9698,7 +10120,7 @@
 </p:sld>
 </file>
 
-<file path=ppt/slides/slide16.xml><?xml version="1.0" encoding="utf-8"?>
+<file path=ppt/slides/slide18.xml><?xml version="1.0" encoding="utf-8"?>
 <p:sld xmlns:a="http://schemas.openxmlformats.org/drawingml/2006/main" xmlns:r="http://schemas.openxmlformats.org/officeDocument/2006/relationships" xmlns:p="http://schemas.openxmlformats.org/presentationml/2006/main">
   <p:cSld>
     <p:spTree>

--- a/Tesis/Primer Corte.pptx
+++ b/Tesis/Primer Corte.pptx
@@ -5,7 +5,7 @@
     <p:sldMasterId id="2147483814" r:id="rId1"/>
   </p:sldMasterIdLst>
   <p:notesMasterIdLst>
-    <p:notesMasterId r:id="rId20"/>
+    <p:notesMasterId r:id="rId21"/>
   </p:notesMasterIdLst>
   <p:sldIdLst>
     <p:sldId id="296" r:id="rId2"/>
@@ -14,18 +14,19 @@
     <p:sldId id="260" r:id="rId5"/>
     <p:sldId id="281" r:id="rId6"/>
     <p:sldId id="263" r:id="rId7"/>
-    <p:sldId id="269" r:id="rId8"/>
-    <p:sldId id="284" r:id="rId9"/>
-    <p:sldId id="287" r:id="rId10"/>
+    <p:sldId id="287" r:id="rId8"/>
+    <p:sldId id="298" r:id="rId9"/>
+    <p:sldId id="269" r:id="rId10"/>
     <p:sldId id="288" r:id="rId11"/>
-    <p:sldId id="286" r:id="rId12"/>
-    <p:sldId id="273" r:id="rId13"/>
-    <p:sldId id="290" r:id="rId14"/>
-    <p:sldId id="291" r:id="rId15"/>
-    <p:sldId id="292" r:id="rId16"/>
-    <p:sldId id="276" r:id="rId17"/>
-    <p:sldId id="275" r:id="rId18"/>
-    <p:sldId id="297" r:id="rId19"/>
+    <p:sldId id="299" r:id="rId12"/>
+    <p:sldId id="286" r:id="rId13"/>
+    <p:sldId id="273" r:id="rId14"/>
+    <p:sldId id="290" r:id="rId15"/>
+    <p:sldId id="291" r:id="rId16"/>
+    <p:sldId id="292" r:id="rId17"/>
+    <p:sldId id="276" r:id="rId18"/>
+    <p:sldId id="275" r:id="rId19"/>
+    <p:sldId id="297" r:id="rId20"/>
   </p:sldIdLst>
   <p:sldSz cx="12192000" cy="6858000"/>
   <p:notesSz cx="6858000" cy="9144000"/>
@@ -144,6 +145,2882 @@
 </p:cmAuthorLst>
 </file>
 
+<file path=ppt/diagrams/colors1.xml><?xml version="1.0" encoding="utf-8"?>
+<dgm:colorsDef xmlns:dgm="http://schemas.openxmlformats.org/drawingml/2006/diagram" xmlns:a="http://schemas.openxmlformats.org/drawingml/2006/main" uniqueId="urn:microsoft.com/office/officeart/2005/8/colors/accent1_2">
+  <dgm:title val=""/>
+  <dgm:desc val=""/>
+  <dgm:catLst>
+    <dgm:cat type="accent1" pri="11200"/>
+  </dgm:catLst>
+  <dgm:styleLbl name="node0">
+    <dgm:fillClrLst meth="repeat">
+      <a:schemeClr val="accent1"/>
+    </dgm:fillClrLst>
+    <dgm:linClrLst meth="repeat">
+      <a:schemeClr val="lt1"/>
+    </dgm:linClrLst>
+    <dgm:effectClrLst/>
+    <dgm:txLinClrLst/>
+    <dgm:txFillClrLst/>
+    <dgm:txEffectClrLst/>
+  </dgm:styleLbl>
+  <dgm:styleLbl name="alignNode1">
+    <dgm:fillClrLst meth="repeat">
+      <a:schemeClr val="accent1"/>
+    </dgm:fillClrLst>
+    <dgm:linClrLst meth="repeat">
+      <a:schemeClr val="accent1"/>
+    </dgm:linClrLst>
+    <dgm:effectClrLst/>
+    <dgm:txLinClrLst/>
+    <dgm:txFillClrLst/>
+    <dgm:txEffectClrLst/>
+  </dgm:styleLbl>
+  <dgm:styleLbl name="node1">
+    <dgm:fillClrLst meth="repeat">
+      <a:schemeClr val="accent1"/>
+    </dgm:fillClrLst>
+    <dgm:linClrLst meth="repeat">
+      <a:schemeClr val="lt1"/>
+    </dgm:linClrLst>
+    <dgm:effectClrLst/>
+    <dgm:txLinClrLst/>
+    <dgm:txFillClrLst/>
+    <dgm:txEffectClrLst/>
+  </dgm:styleLbl>
+  <dgm:styleLbl name="lnNode1">
+    <dgm:fillClrLst meth="repeat">
+      <a:schemeClr val="accent1"/>
+    </dgm:fillClrLst>
+    <dgm:linClrLst meth="repeat">
+      <a:schemeClr val="lt1"/>
+    </dgm:linClrLst>
+    <dgm:effectClrLst/>
+    <dgm:txLinClrLst/>
+    <dgm:txFillClrLst/>
+    <dgm:txEffectClrLst/>
+  </dgm:styleLbl>
+  <dgm:styleLbl name="vennNode1">
+    <dgm:fillClrLst meth="repeat">
+      <a:schemeClr val="accent1">
+        <a:alpha val="50000"/>
+      </a:schemeClr>
+    </dgm:fillClrLst>
+    <dgm:linClrLst meth="repeat">
+      <a:schemeClr val="lt1"/>
+    </dgm:linClrLst>
+    <dgm:effectClrLst/>
+    <dgm:txLinClrLst/>
+    <dgm:txFillClrLst/>
+    <dgm:txEffectClrLst/>
+  </dgm:styleLbl>
+  <dgm:styleLbl name="node2">
+    <dgm:fillClrLst meth="repeat">
+      <a:schemeClr val="accent1"/>
+    </dgm:fillClrLst>
+    <dgm:linClrLst meth="repeat">
+      <a:schemeClr val="lt1"/>
+    </dgm:linClrLst>
+    <dgm:effectClrLst/>
+    <dgm:txLinClrLst/>
+    <dgm:txFillClrLst/>
+    <dgm:txEffectClrLst/>
+  </dgm:styleLbl>
+  <dgm:styleLbl name="node3">
+    <dgm:fillClrLst meth="repeat">
+      <a:schemeClr val="accent1"/>
+    </dgm:fillClrLst>
+    <dgm:linClrLst meth="repeat">
+      <a:schemeClr val="lt1"/>
+    </dgm:linClrLst>
+    <dgm:effectClrLst/>
+    <dgm:txLinClrLst/>
+    <dgm:txFillClrLst/>
+    <dgm:txEffectClrLst/>
+  </dgm:styleLbl>
+  <dgm:styleLbl name="node4">
+    <dgm:fillClrLst meth="repeat">
+      <a:schemeClr val="accent1"/>
+    </dgm:fillClrLst>
+    <dgm:linClrLst meth="repeat">
+      <a:schemeClr val="lt1"/>
+    </dgm:linClrLst>
+    <dgm:effectClrLst/>
+    <dgm:txLinClrLst/>
+    <dgm:txFillClrLst/>
+    <dgm:txEffectClrLst/>
+  </dgm:styleLbl>
+  <dgm:styleLbl name="fgImgPlace1">
+    <dgm:fillClrLst meth="repeat">
+      <a:schemeClr val="accent1">
+        <a:tint val="50000"/>
+      </a:schemeClr>
+    </dgm:fillClrLst>
+    <dgm:linClrLst meth="repeat">
+      <a:schemeClr val="lt1"/>
+    </dgm:linClrLst>
+    <dgm:effectClrLst/>
+    <dgm:txLinClrLst/>
+    <dgm:txFillClrLst meth="repeat">
+      <a:schemeClr val="lt1"/>
+    </dgm:txFillClrLst>
+    <dgm:txEffectClrLst/>
+  </dgm:styleLbl>
+  <dgm:styleLbl name="alignImgPlace1">
+    <dgm:fillClrLst meth="repeat">
+      <a:schemeClr val="accent1">
+        <a:tint val="50000"/>
+      </a:schemeClr>
+    </dgm:fillClrLst>
+    <dgm:linClrLst meth="repeat">
+      <a:schemeClr val="lt1"/>
+    </dgm:linClrLst>
+    <dgm:effectClrLst/>
+    <dgm:txLinClrLst/>
+    <dgm:txFillClrLst meth="repeat">
+      <a:schemeClr val="lt1"/>
+    </dgm:txFillClrLst>
+    <dgm:txEffectClrLst/>
+  </dgm:styleLbl>
+  <dgm:styleLbl name="bgImgPlace1">
+    <dgm:fillClrLst meth="repeat">
+      <a:schemeClr val="accent1">
+        <a:tint val="50000"/>
+      </a:schemeClr>
+    </dgm:fillClrLst>
+    <dgm:linClrLst meth="repeat">
+      <a:schemeClr val="lt1"/>
+    </dgm:linClrLst>
+    <dgm:effectClrLst/>
+    <dgm:txLinClrLst/>
+    <dgm:txFillClrLst meth="repeat">
+      <a:schemeClr val="lt1"/>
+    </dgm:txFillClrLst>
+    <dgm:txEffectClrLst/>
+  </dgm:styleLbl>
+  <dgm:styleLbl name="sibTrans2D1">
+    <dgm:fillClrLst meth="repeat">
+      <a:schemeClr val="accent1">
+        <a:tint val="60000"/>
+      </a:schemeClr>
+    </dgm:fillClrLst>
+    <dgm:linClrLst meth="repeat">
+      <a:schemeClr val="accent1">
+        <a:tint val="60000"/>
+      </a:schemeClr>
+    </dgm:linClrLst>
+    <dgm:effectClrLst/>
+    <dgm:txLinClrLst/>
+    <dgm:txFillClrLst/>
+    <dgm:txEffectClrLst/>
+  </dgm:styleLbl>
+  <dgm:styleLbl name="fgSibTrans2D1">
+    <dgm:fillClrLst meth="repeat">
+      <a:schemeClr val="accent1">
+        <a:tint val="60000"/>
+      </a:schemeClr>
+    </dgm:fillClrLst>
+    <dgm:linClrLst meth="repeat">
+      <a:schemeClr val="accent1">
+        <a:tint val="60000"/>
+      </a:schemeClr>
+    </dgm:linClrLst>
+    <dgm:effectClrLst/>
+    <dgm:txLinClrLst/>
+    <dgm:txFillClrLst/>
+    <dgm:txEffectClrLst/>
+  </dgm:styleLbl>
+  <dgm:styleLbl name="bgSibTrans2D1">
+    <dgm:fillClrLst meth="repeat">
+      <a:schemeClr val="accent1">
+        <a:tint val="60000"/>
+      </a:schemeClr>
+    </dgm:fillClrLst>
+    <dgm:linClrLst meth="repeat">
+      <a:schemeClr val="accent1">
+        <a:tint val="60000"/>
+      </a:schemeClr>
+    </dgm:linClrLst>
+    <dgm:effectClrLst/>
+    <dgm:txLinClrLst/>
+    <dgm:txFillClrLst/>
+    <dgm:txEffectClrLst/>
+  </dgm:styleLbl>
+  <dgm:styleLbl name="sibTrans1D1">
+    <dgm:fillClrLst meth="repeat">
+      <a:schemeClr val="accent1"/>
+    </dgm:fillClrLst>
+    <dgm:linClrLst meth="repeat">
+      <a:schemeClr val="accent1"/>
+    </dgm:linClrLst>
+    <dgm:effectClrLst/>
+    <dgm:txLinClrLst/>
+    <dgm:txFillClrLst meth="repeat">
+      <a:schemeClr val="tx1"/>
+    </dgm:txFillClrLst>
+    <dgm:txEffectClrLst/>
+  </dgm:styleLbl>
+  <dgm:styleLbl name="callout">
+    <dgm:fillClrLst meth="repeat">
+      <a:schemeClr val="accent1"/>
+    </dgm:fillClrLst>
+    <dgm:linClrLst meth="repeat">
+      <a:schemeClr val="accent1">
+        <a:tint val="50000"/>
+      </a:schemeClr>
+    </dgm:linClrLst>
+    <dgm:effectClrLst/>
+    <dgm:txLinClrLst/>
+    <dgm:txFillClrLst meth="repeat">
+      <a:schemeClr val="tx1"/>
+    </dgm:txFillClrLst>
+    <dgm:txEffectClrLst/>
+  </dgm:styleLbl>
+  <dgm:styleLbl name="asst0">
+    <dgm:fillClrLst meth="repeat">
+      <a:schemeClr val="accent1"/>
+    </dgm:fillClrLst>
+    <dgm:linClrLst meth="repeat">
+      <a:schemeClr val="lt1"/>
+    </dgm:linClrLst>
+    <dgm:effectClrLst/>
+    <dgm:txLinClrLst/>
+    <dgm:txFillClrLst/>
+    <dgm:txEffectClrLst/>
+  </dgm:styleLbl>
+  <dgm:styleLbl name="asst1">
+    <dgm:fillClrLst meth="repeat">
+      <a:schemeClr val="accent1"/>
+    </dgm:fillClrLst>
+    <dgm:linClrLst meth="repeat">
+      <a:schemeClr val="lt1"/>
+    </dgm:linClrLst>
+    <dgm:effectClrLst/>
+    <dgm:txLinClrLst/>
+    <dgm:txFillClrLst/>
+    <dgm:txEffectClrLst/>
+  </dgm:styleLbl>
+  <dgm:styleLbl name="asst2">
+    <dgm:fillClrLst meth="repeat">
+      <a:schemeClr val="accent1"/>
+    </dgm:fillClrLst>
+    <dgm:linClrLst meth="repeat">
+      <a:schemeClr val="lt1"/>
+    </dgm:linClrLst>
+    <dgm:effectClrLst/>
+    <dgm:txLinClrLst/>
+    <dgm:txFillClrLst/>
+    <dgm:txEffectClrLst/>
+  </dgm:styleLbl>
+  <dgm:styleLbl name="asst3">
+    <dgm:fillClrLst meth="repeat">
+      <a:schemeClr val="accent1"/>
+    </dgm:fillClrLst>
+    <dgm:linClrLst meth="repeat">
+      <a:schemeClr val="lt1"/>
+    </dgm:linClrLst>
+    <dgm:effectClrLst/>
+    <dgm:txLinClrLst/>
+    <dgm:txFillClrLst/>
+    <dgm:txEffectClrLst/>
+  </dgm:styleLbl>
+  <dgm:styleLbl name="asst4">
+    <dgm:fillClrLst meth="repeat">
+      <a:schemeClr val="accent1"/>
+    </dgm:fillClrLst>
+    <dgm:linClrLst meth="repeat">
+      <a:schemeClr val="lt1"/>
+    </dgm:linClrLst>
+    <dgm:effectClrLst/>
+    <dgm:txLinClrLst/>
+    <dgm:txFillClrLst/>
+    <dgm:txEffectClrLst/>
+  </dgm:styleLbl>
+  <dgm:styleLbl name="parChTrans2D1">
+    <dgm:fillClrLst meth="repeat">
+      <a:schemeClr val="accent1">
+        <a:tint val="60000"/>
+      </a:schemeClr>
+    </dgm:fillClrLst>
+    <dgm:linClrLst meth="repeat">
+      <a:schemeClr val="accent1">
+        <a:tint val="60000"/>
+      </a:schemeClr>
+    </dgm:linClrLst>
+    <dgm:effectClrLst/>
+    <dgm:txLinClrLst/>
+    <dgm:txFillClrLst meth="repeat">
+      <a:schemeClr val="lt1"/>
+    </dgm:txFillClrLst>
+    <dgm:txEffectClrLst/>
+  </dgm:styleLbl>
+  <dgm:styleLbl name="parChTrans2D2">
+    <dgm:fillClrLst meth="repeat">
+      <a:schemeClr val="accent1"/>
+    </dgm:fillClrLst>
+    <dgm:linClrLst meth="repeat">
+      <a:schemeClr val="accent1"/>
+    </dgm:linClrLst>
+    <dgm:effectClrLst/>
+    <dgm:txLinClrLst/>
+    <dgm:txFillClrLst meth="repeat">
+      <a:schemeClr val="lt1"/>
+    </dgm:txFillClrLst>
+    <dgm:txEffectClrLst/>
+  </dgm:styleLbl>
+  <dgm:styleLbl name="parChTrans2D3">
+    <dgm:fillClrLst meth="repeat">
+      <a:schemeClr val="accent1"/>
+    </dgm:fillClrLst>
+    <dgm:linClrLst meth="repeat">
+      <a:schemeClr val="accent1"/>
+    </dgm:linClrLst>
+    <dgm:effectClrLst/>
+    <dgm:txLinClrLst/>
+    <dgm:txFillClrLst meth="repeat">
+      <a:schemeClr val="lt1"/>
+    </dgm:txFillClrLst>
+    <dgm:txEffectClrLst/>
+  </dgm:styleLbl>
+  <dgm:styleLbl name="parChTrans2D4">
+    <dgm:fillClrLst meth="repeat">
+      <a:schemeClr val="accent1"/>
+    </dgm:fillClrLst>
+    <dgm:linClrLst meth="repeat">
+      <a:schemeClr val="accent1"/>
+    </dgm:linClrLst>
+    <dgm:effectClrLst/>
+    <dgm:txLinClrLst/>
+    <dgm:txFillClrLst meth="repeat">
+      <a:schemeClr val="lt1"/>
+    </dgm:txFillClrLst>
+    <dgm:txEffectClrLst/>
+  </dgm:styleLbl>
+  <dgm:styleLbl name="parChTrans1D1">
+    <dgm:fillClrLst meth="repeat">
+      <a:schemeClr val="accent1"/>
+    </dgm:fillClrLst>
+    <dgm:linClrLst meth="repeat">
+      <a:schemeClr val="accent1">
+        <a:shade val="60000"/>
+      </a:schemeClr>
+    </dgm:linClrLst>
+    <dgm:effectClrLst/>
+    <dgm:txLinClrLst/>
+    <dgm:txFillClrLst meth="repeat">
+      <a:schemeClr val="tx1"/>
+    </dgm:txFillClrLst>
+    <dgm:txEffectClrLst/>
+  </dgm:styleLbl>
+  <dgm:styleLbl name="parChTrans1D2">
+    <dgm:fillClrLst meth="repeat">
+      <a:schemeClr val="accent1"/>
+    </dgm:fillClrLst>
+    <dgm:linClrLst meth="repeat">
+      <a:schemeClr val="accent1">
+        <a:shade val="60000"/>
+      </a:schemeClr>
+    </dgm:linClrLst>
+    <dgm:effectClrLst/>
+    <dgm:txLinClrLst/>
+    <dgm:txFillClrLst meth="repeat">
+      <a:schemeClr val="tx1"/>
+    </dgm:txFillClrLst>
+    <dgm:txEffectClrLst/>
+  </dgm:styleLbl>
+  <dgm:styleLbl name="parChTrans1D3">
+    <dgm:fillClrLst meth="repeat">
+      <a:schemeClr val="accent1"/>
+    </dgm:fillClrLst>
+    <dgm:linClrLst meth="repeat">
+      <a:schemeClr val="accent1">
+        <a:shade val="80000"/>
+      </a:schemeClr>
+    </dgm:linClrLst>
+    <dgm:effectClrLst/>
+    <dgm:txLinClrLst/>
+    <dgm:txFillClrLst meth="repeat">
+      <a:schemeClr val="tx1"/>
+    </dgm:txFillClrLst>
+    <dgm:txEffectClrLst/>
+  </dgm:styleLbl>
+  <dgm:styleLbl name="parChTrans1D4">
+    <dgm:fillClrLst meth="repeat">
+      <a:schemeClr val="accent1"/>
+    </dgm:fillClrLst>
+    <dgm:linClrLst meth="repeat">
+      <a:schemeClr val="accent1">
+        <a:shade val="80000"/>
+      </a:schemeClr>
+    </dgm:linClrLst>
+    <dgm:effectClrLst/>
+    <dgm:txLinClrLst/>
+    <dgm:txFillClrLst meth="repeat">
+      <a:schemeClr val="tx1"/>
+    </dgm:txFillClrLst>
+    <dgm:txEffectClrLst/>
+  </dgm:styleLbl>
+  <dgm:styleLbl name="fgAcc1">
+    <dgm:fillClrLst meth="repeat">
+      <a:schemeClr val="lt1">
+        <a:alpha val="90000"/>
+      </a:schemeClr>
+    </dgm:fillClrLst>
+    <dgm:linClrLst meth="repeat">
+      <a:schemeClr val="accent1"/>
+    </dgm:linClrLst>
+    <dgm:effectClrLst/>
+    <dgm:txLinClrLst/>
+    <dgm:txFillClrLst meth="repeat">
+      <a:schemeClr val="dk1"/>
+    </dgm:txFillClrLst>
+    <dgm:txEffectClrLst/>
+  </dgm:styleLbl>
+  <dgm:styleLbl name="conFgAcc1">
+    <dgm:fillClrLst meth="repeat">
+      <a:schemeClr val="lt1">
+        <a:alpha val="90000"/>
+      </a:schemeClr>
+    </dgm:fillClrLst>
+    <dgm:linClrLst meth="repeat">
+      <a:schemeClr val="accent1"/>
+    </dgm:linClrLst>
+    <dgm:effectClrLst/>
+    <dgm:txLinClrLst/>
+    <dgm:txFillClrLst meth="repeat">
+      <a:schemeClr val="dk1"/>
+    </dgm:txFillClrLst>
+    <dgm:txEffectClrLst/>
+  </dgm:styleLbl>
+  <dgm:styleLbl name="alignAcc1">
+    <dgm:fillClrLst meth="repeat">
+      <a:schemeClr val="lt1">
+        <a:alpha val="90000"/>
+      </a:schemeClr>
+    </dgm:fillClrLst>
+    <dgm:linClrLst meth="repeat">
+      <a:schemeClr val="accent1"/>
+    </dgm:linClrLst>
+    <dgm:effectClrLst/>
+    <dgm:txLinClrLst/>
+    <dgm:txFillClrLst meth="repeat">
+      <a:schemeClr val="dk1"/>
+    </dgm:txFillClrLst>
+    <dgm:txEffectClrLst/>
+  </dgm:styleLbl>
+  <dgm:styleLbl name="trAlignAcc1">
+    <dgm:fillClrLst meth="repeat">
+      <a:schemeClr val="lt1">
+        <a:alpha val="40000"/>
+      </a:schemeClr>
+    </dgm:fillClrLst>
+    <dgm:linClrLst meth="repeat">
+      <a:schemeClr val="accent1"/>
+    </dgm:linClrLst>
+    <dgm:effectClrLst/>
+    <dgm:txLinClrLst/>
+    <dgm:txFillClrLst meth="repeat">
+      <a:schemeClr val="dk1"/>
+    </dgm:txFillClrLst>
+    <dgm:txEffectClrLst/>
+  </dgm:styleLbl>
+  <dgm:styleLbl name="bgAcc1">
+    <dgm:fillClrLst meth="repeat">
+      <a:schemeClr val="lt1">
+        <a:alpha val="90000"/>
+      </a:schemeClr>
+    </dgm:fillClrLst>
+    <dgm:linClrLst meth="repeat">
+      <a:schemeClr val="accent1"/>
+    </dgm:linClrLst>
+    <dgm:effectClrLst/>
+    <dgm:txLinClrLst/>
+    <dgm:txFillClrLst meth="repeat">
+      <a:schemeClr val="dk1"/>
+    </dgm:txFillClrLst>
+    <dgm:txEffectClrLst/>
+  </dgm:styleLbl>
+  <dgm:styleLbl name="solidFgAcc1">
+    <dgm:fillClrLst meth="repeat">
+      <a:schemeClr val="lt1"/>
+    </dgm:fillClrLst>
+    <dgm:linClrLst meth="repeat">
+      <a:schemeClr val="accent1"/>
+    </dgm:linClrLst>
+    <dgm:effectClrLst/>
+    <dgm:txLinClrLst/>
+    <dgm:txFillClrLst meth="repeat">
+      <a:schemeClr val="dk1"/>
+    </dgm:txFillClrLst>
+    <dgm:txEffectClrLst/>
+  </dgm:styleLbl>
+  <dgm:styleLbl name="solidAlignAcc1">
+    <dgm:fillClrLst meth="repeat">
+      <a:schemeClr val="lt1"/>
+    </dgm:fillClrLst>
+    <dgm:linClrLst meth="repeat">
+      <a:schemeClr val="accent1"/>
+    </dgm:linClrLst>
+    <dgm:effectClrLst/>
+    <dgm:txLinClrLst/>
+    <dgm:txFillClrLst meth="repeat">
+      <a:schemeClr val="dk1"/>
+    </dgm:txFillClrLst>
+    <dgm:txEffectClrLst/>
+  </dgm:styleLbl>
+  <dgm:styleLbl name="solidBgAcc1">
+    <dgm:fillClrLst meth="repeat">
+      <a:schemeClr val="lt1"/>
+    </dgm:fillClrLst>
+    <dgm:linClrLst meth="repeat">
+      <a:schemeClr val="accent1"/>
+    </dgm:linClrLst>
+    <dgm:effectClrLst/>
+    <dgm:txLinClrLst/>
+    <dgm:txFillClrLst meth="repeat">
+      <a:schemeClr val="dk1"/>
+    </dgm:txFillClrLst>
+    <dgm:txEffectClrLst/>
+  </dgm:styleLbl>
+  <dgm:styleLbl name="fgAccFollowNode1">
+    <dgm:fillClrLst meth="repeat">
+      <a:schemeClr val="accent1">
+        <a:alpha val="90000"/>
+        <a:tint val="40000"/>
+      </a:schemeClr>
+    </dgm:fillClrLst>
+    <dgm:linClrLst meth="repeat">
+      <a:schemeClr val="accent1">
+        <a:alpha val="90000"/>
+        <a:tint val="40000"/>
+      </a:schemeClr>
+    </dgm:linClrLst>
+    <dgm:effectClrLst/>
+    <dgm:txLinClrLst/>
+    <dgm:txFillClrLst meth="repeat">
+      <a:schemeClr val="dk1"/>
+    </dgm:txFillClrLst>
+    <dgm:txEffectClrLst/>
+  </dgm:styleLbl>
+  <dgm:styleLbl name="alignAccFollowNode1">
+    <dgm:fillClrLst meth="repeat">
+      <a:schemeClr val="accent1">
+        <a:alpha val="90000"/>
+        <a:tint val="40000"/>
+      </a:schemeClr>
+    </dgm:fillClrLst>
+    <dgm:linClrLst meth="repeat">
+      <a:schemeClr val="accent1">
+        <a:alpha val="90000"/>
+        <a:tint val="40000"/>
+      </a:schemeClr>
+    </dgm:linClrLst>
+    <dgm:effectClrLst/>
+    <dgm:txLinClrLst/>
+    <dgm:txFillClrLst meth="repeat">
+      <a:schemeClr val="dk1"/>
+    </dgm:txFillClrLst>
+    <dgm:txEffectClrLst/>
+  </dgm:styleLbl>
+  <dgm:styleLbl name="bgAccFollowNode1">
+    <dgm:fillClrLst meth="repeat">
+      <a:schemeClr val="accent1">
+        <a:alpha val="90000"/>
+        <a:tint val="40000"/>
+      </a:schemeClr>
+    </dgm:fillClrLst>
+    <dgm:linClrLst meth="repeat">
+      <a:schemeClr val="accent1">
+        <a:alpha val="90000"/>
+        <a:tint val="40000"/>
+      </a:schemeClr>
+    </dgm:linClrLst>
+    <dgm:effectClrLst/>
+    <dgm:txLinClrLst/>
+    <dgm:txFillClrLst meth="repeat">
+      <a:schemeClr val="dk1"/>
+    </dgm:txFillClrLst>
+    <dgm:txEffectClrLst/>
+  </dgm:styleLbl>
+  <dgm:styleLbl name="fgAcc0">
+    <dgm:fillClrLst meth="repeat">
+      <a:schemeClr val="lt1">
+        <a:alpha val="90000"/>
+      </a:schemeClr>
+    </dgm:fillClrLst>
+    <dgm:linClrLst meth="repeat">
+      <a:schemeClr val="accent1"/>
+    </dgm:linClrLst>
+    <dgm:effectClrLst/>
+    <dgm:txLinClrLst/>
+    <dgm:txFillClrLst meth="repeat">
+      <a:schemeClr val="dk1"/>
+    </dgm:txFillClrLst>
+    <dgm:txEffectClrLst/>
+  </dgm:styleLbl>
+  <dgm:styleLbl name="fgAcc2">
+    <dgm:fillClrLst meth="repeat">
+      <a:schemeClr val="lt1">
+        <a:alpha val="90000"/>
+      </a:schemeClr>
+    </dgm:fillClrLst>
+    <dgm:linClrLst meth="repeat">
+      <a:schemeClr val="accent1"/>
+    </dgm:linClrLst>
+    <dgm:effectClrLst/>
+    <dgm:txLinClrLst/>
+    <dgm:txFillClrLst meth="repeat">
+      <a:schemeClr val="dk1"/>
+    </dgm:txFillClrLst>
+    <dgm:txEffectClrLst/>
+  </dgm:styleLbl>
+  <dgm:styleLbl name="fgAcc3">
+    <dgm:fillClrLst meth="repeat">
+      <a:schemeClr val="lt1">
+        <a:alpha val="90000"/>
+      </a:schemeClr>
+    </dgm:fillClrLst>
+    <dgm:linClrLst meth="repeat">
+      <a:schemeClr val="accent1"/>
+    </dgm:linClrLst>
+    <dgm:effectClrLst/>
+    <dgm:txLinClrLst/>
+    <dgm:txFillClrLst meth="repeat">
+      <a:schemeClr val="dk1"/>
+    </dgm:txFillClrLst>
+    <dgm:txEffectClrLst/>
+  </dgm:styleLbl>
+  <dgm:styleLbl name="fgAcc4">
+    <dgm:fillClrLst meth="repeat">
+      <a:schemeClr val="lt1">
+        <a:alpha val="90000"/>
+      </a:schemeClr>
+    </dgm:fillClrLst>
+    <dgm:linClrLst meth="repeat">
+      <a:schemeClr val="accent1"/>
+    </dgm:linClrLst>
+    <dgm:effectClrLst/>
+    <dgm:txLinClrLst/>
+    <dgm:txFillClrLst meth="repeat">
+      <a:schemeClr val="dk1"/>
+    </dgm:txFillClrLst>
+    <dgm:txEffectClrLst/>
+  </dgm:styleLbl>
+  <dgm:styleLbl name="bgShp">
+    <dgm:fillClrLst meth="repeat">
+      <a:schemeClr val="accent1">
+        <a:tint val="40000"/>
+      </a:schemeClr>
+    </dgm:fillClrLst>
+    <dgm:linClrLst meth="repeat">
+      <a:schemeClr val="accent1"/>
+    </dgm:linClrLst>
+    <dgm:effectClrLst/>
+    <dgm:txLinClrLst/>
+    <dgm:txFillClrLst meth="repeat">
+      <a:schemeClr val="dk1"/>
+    </dgm:txFillClrLst>
+    <dgm:txEffectClrLst/>
+  </dgm:styleLbl>
+  <dgm:styleLbl name="dkBgShp">
+    <dgm:fillClrLst meth="repeat">
+      <a:schemeClr val="accent1">
+        <a:shade val="80000"/>
+      </a:schemeClr>
+    </dgm:fillClrLst>
+    <dgm:linClrLst meth="repeat">
+      <a:schemeClr val="accent1"/>
+    </dgm:linClrLst>
+    <dgm:effectClrLst/>
+    <dgm:txLinClrLst/>
+    <dgm:txFillClrLst meth="repeat">
+      <a:schemeClr val="lt1"/>
+    </dgm:txFillClrLst>
+    <dgm:txEffectClrLst/>
+  </dgm:styleLbl>
+  <dgm:styleLbl name="trBgShp">
+    <dgm:fillClrLst meth="repeat">
+      <a:schemeClr val="accent1">
+        <a:tint val="50000"/>
+        <a:alpha val="40000"/>
+      </a:schemeClr>
+    </dgm:fillClrLst>
+    <dgm:linClrLst meth="repeat">
+      <a:schemeClr val="accent1"/>
+    </dgm:linClrLst>
+    <dgm:effectClrLst/>
+    <dgm:txLinClrLst/>
+    <dgm:txFillClrLst meth="repeat">
+      <a:schemeClr val="lt1"/>
+    </dgm:txFillClrLst>
+    <dgm:txEffectClrLst/>
+  </dgm:styleLbl>
+  <dgm:styleLbl name="fgShp">
+    <dgm:fillClrLst meth="repeat">
+      <a:schemeClr val="accent1">
+        <a:tint val="60000"/>
+      </a:schemeClr>
+    </dgm:fillClrLst>
+    <dgm:linClrLst meth="repeat">
+      <a:schemeClr val="lt1"/>
+    </dgm:linClrLst>
+    <dgm:effectClrLst/>
+    <dgm:txLinClrLst/>
+    <dgm:txFillClrLst meth="repeat">
+      <a:schemeClr val="dk1"/>
+    </dgm:txFillClrLst>
+    <dgm:txEffectClrLst/>
+  </dgm:styleLbl>
+  <dgm:styleLbl name="revTx">
+    <dgm:fillClrLst meth="repeat">
+      <a:schemeClr val="lt1">
+        <a:alpha val="0"/>
+      </a:schemeClr>
+    </dgm:fillClrLst>
+    <dgm:linClrLst meth="repeat">
+      <a:schemeClr val="dk1">
+        <a:alpha val="0"/>
+      </a:schemeClr>
+    </dgm:linClrLst>
+    <dgm:effectClrLst/>
+    <dgm:txLinClrLst/>
+    <dgm:txFillClrLst meth="repeat">
+      <a:schemeClr val="tx1"/>
+    </dgm:txFillClrLst>
+    <dgm:txEffectClrLst/>
+  </dgm:styleLbl>
+</dgm:colorsDef>
+</file>
+
+<file path=ppt/diagrams/data1.xml><?xml version="1.0" encoding="utf-8"?>
+<dgm:dataModel xmlns:dgm="http://schemas.openxmlformats.org/drawingml/2006/diagram" xmlns:a="http://schemas.openxmlformats.org/drawingml/2006/main">
+  <dgm:ptLst>
+    <dgm:pt modelId="{87313FE5-A1BD-4A09-B8A7-BCFE3C34C763}" type="doc">
+      <dgm:prSet loTypeId="urn:microsoft.com/office/officeart/2005/8/layout/cycle5" loCatId="cycle" qsTypeId="urn:microsoft.com/office/officeart/2005/8/quickstyle/simple4" qsCatId="simple" csTypeId="urn:microsoft.com/office/officeart/2005/8/colors/accent1_2" csCatId="accent1" phldr="1"/>
+      <dgm:spPr/>
+      <dgm:t>
+        <a:bodyPr/>
+        <a:lstStyle/>
+        <a:p>
+          <a:endParaRPr lang="es-ES"/>
+        </a:p>
+      </dgm:t>
+    </dgm:pt>
+    <dgm:pt modelId="{B080E6FE-DE72-4479-9C6D-8E80ABD40DE9}">
+      <dgm:prSet phldrT="[Texto]" custT="1"/>
+      <dgm:spPr/>
+      <dgm:t>
+        <a:bodyPr/>
+        <a:lstStyle/>
+        <a:p>
+          <a:r>
+            <a:rPr lang="es-ES" sz="1800" dirty="0">
+              <a:latin typeface="Arial" panose="020B0604020202020204" pitchFamily="34" charset="0"/>
+              <a:cs typeface="Arial" panose="020B0604020202020204" pitchFamily="34" charset="0"/>
+            </a:rPr>
+            <a:t>Diseño	</a:t>
+          </a:r>
+        </a:p>
+      </dgm:t>
+    </dgm:pt>
+    <dgm:pt modelId="{B309A588-BB89-4597-99A0-F448496A90AC}" type="parTrans" cxnId="{E21DCC4E-273E-4195-9D6C-1C5B222D63AB}">
+      <dgm:prSet/>
+      <dgm:spPr/>
+      <dgm:t>
+        <a:bodyPr/>
+        <a:lstStyle/>
+        <a:p>
+          <a:endParaRPr lang="es-ES" sz="1800">
+            <a:latin typeface="Arial" panose="020B0604020202020204" pitchFamily="34" charset="0"/>
+            <a:cs typeface="Arial" panose="020B0604020202020204" pitchFamily="34" charset="0"/>
+          </a:endParaRPr>
+        </a:p>
+      </dgm:t>
+    </dgm:pt>
+    <dgm:pt modelId="{9AED537B-EE74-4754-9874-C6790C234A48}" type="sibTrans" cxnId="{E21DCC4E-273E-4195-9D6C-1C5B222D63AB}">
+      <dgm:prSet/>
+      <dgm:spPr/>
+      <dgm:t>
+        <a:bodyPr/>
+        <a:lstStyle/>
+        <a:p>
+          <a:endParaRPr lang="es-ES" sz="1800">
+            <a:latin typeface="Arial" panose="020B0604020202020204" pitchFamily="34" charset="0"/>
+            <a:cs typeface="Arial" panose="020B0604020202020204" pitchFamily="34" charset="0"/>
+          </a:endParaRPr>
+        </a:p>
+      </dgm:t>
+    </dgm:pt>
+    <dgm:pt modelId="{96CFB4DB-DC57-4E0A-9BA8-827A983F4030}">
+      <dgm:prSet phldrT="[Texto]" custT="1"/>
+      <dgm:spPr/>
+      <dgm:t>
+        <a:bodyPr/>
+        <a:lstStyle/>
+        <a:p>
+          <a:r>
+            <a:rPr lang="es-ES" sz="1800" dirty="0">
+              <a:latin typeface="Arial" panose="020B0604020202020204" pitchFamily="34" charset="0"/>
+              <a:cs typeface="Arial" panose="020B0604020202020204" pitchFamily="34" charset="0"/>
+            </a:rPr>
+            <a:t>Codificación</a:t>
+          </a:r>
+        </a:p>
+      </dgm:t>
+    </dgm:pt>
+    <dgm:pt modelId="{8A3FEDB9-1AA8-440B-9151-BD55AE8BF98E}" type="parTrans" cxnId="{32A1EE38-1397-4DBF-A570-795C3E75017B}">
+      <dgm:prSet/>
+      <dgm:spPr/>
+      <dgm:t>
+        <a:bodyPr/>
+        <a:lstStyle/>
+        <a:p>
+          <a:endParaRPr lang="es-ES" sz="1800">
+            <a:latin typeface="Arial" panose="020B0604020202020204" pitchFamily="34" charset="0"/>
+            <a:cs typeface="Arial" panose="020B0604020202020204" pitchFamily="34" charset="0"/>
+          </a:endParaRPr>
+        </a:p>
+      </dgm:t>
+    </dgm:pt>
+    <dgm:pt modelId="{351F9305-F842-457D-ABB1-262E7AFAEC13}" type="sibTrans" cxnId="{32A1EE38-1397-4DBF-A570-795C3E75017B}">
+      <dgm:prSet/>
+      <dgm:spPr/>
+      <dgm:t>
+        <a:bodyPr/>
+        <a:lstStyle/>
+        <a:p>
+          <a:endParaRPr lang="es-ES" sz="1800">
+            <a:latin typeface="Arial" panose="020B0604020202020204" pitchFamily="34" charset="0"/>
+            <a:cs typeface="Arial" panose="020B0604020202020204" pitchFamily="34" charset="0"/>
+          </a:endParaRPr>
+        </a:p>
+      </dgm:t>
+    </dgm:pt>
+    <dgm:pt modelId="{865D9D9D-9C5F-4A41-B50A-E64D6CC36B9E}">
+      <dgm:prSet phldrT="[Texto]" custT="1"/>
+      <dgm:spPr/>
+      <dgm:t>
+        <a:bodyPr/>
+        <a:lstStyle/>
+        <a:p>
+          <a:r>
+            <a:rPr lang="es-ES" sz="1800" dirty="0">
+              <a:latin typeface="Arial" panose="020B0604020202020204" pitchFamily="34" charset="0"/>
+              <a:cs typeface="Arial" panose="020B0604020202020204" pitchFamily="34" charset="0"/>
+            </a:rPr>
+            <a:t>Prueba</a:t>
+          </a:r>
+        </a:p>
+      </dgm:t>
+    </dgm:pt>
+    <dgm:pt modelId="{915084C4-3C6C-4F19-B86C-B8B521BF9614}" type="parTrans" cxnId="{845027A7-970D-4B70-9665-24F1AFA146CF}">
+      <dgm:prSet/>
+      <dgm:spPr/>
+      <dgm:t>
+        <a:bodyPr/>
+        <a:lstStyle/>
+        <a:p>
+          <a:endParaRPr lang="es-ES" sz="1800">
+            <a:latin typeface="Arial" panose="020B0604020202020204" pitchFamily="34" charset="0"/>
+            <a:cs typeface="Arial" panose="020B0604020202020204" pitchFamily="34" charset="0"/>
+          </a:endParaRPr>
+        </a:p>
+      </dgm:t>
+    </dgm:pt>
+    <dgm:pt modelId="{37052082-7C7E-42DB-8BC9-19F24D978ABA}" type="sibTrans" cxnId="{845027A7-970D-4B70-9665-24F1AFA146CF}">
+      <dgm:prSet/>
+      <dgm:spPr/>
+      <dgm:t>
+        <a:bodyPr/>
+        <a:lstStyle/>
+        <a:p>
+          <a:endParaRPr lang="es-ES" sz="1800">
+            <a:latin typeface="Arial" panose="020B0604020202020204" pitchFamily="34" charset="0"/>
+            <a:cs typeface="Arial" panose="020B0604020202020204" pitchFamily="34" charset="0"/>
+          </a:endParaRPr>
+        </a:p>
+      </dgm:t>
+    </dgm:pt>
+    <dgm:pt modelId="{45B767B4-D3D2-4D54-AB4B-7DF4C5165B11}">
+      <dgm:prSet phldrT="[Texto]" custT="1"/>
+      <dgm:spPr/>
+      <dgm:t>
+        <a:bodyPr/>
+        <a:lstStyle/>
+        <a:p>
+          <a:r>
+            <a:rPr lang="es-ES" sz="1800" dirty="0">
+              <a:latin typeface="Arial" panose="020B0604020202020204" pitchFamily="34" charset="0"/>
+              <a:cs typeface="Arial" panose="020B0604020202020204" pitchFamily="34" charset="0"/>
+            </a:rPr>
+            <a:t>Planificación</a:t>
+          </a:r>
+        </a:p>
+      </dgm:t>
+    </dgm:pt>
+    <dgm:pt modelId="{163DC6A8-497E-463F-A591-1863D543F10B}" type="parTrans" cxnId="{A95BD9E5-0913-4A3B-AD05-4C11F458A113}">
+      <dgm:prSet/>
+      <dgm:spPr/>
+      <dgm:t>
+        <a:bodyPr/>
+        <a:lstStyle/>
+        <a:p>
+          <a:endParaRPr lang="es-ES" sz="1800">
+            <a:latin typeface="Arial" panose="020B0604020202020204" pitchFamily="34" charset="0"/>
+            <a:cs typeface="Arial" panose="020B0604020202020204" pitchFamily="34" charset="0"/>
+          </a:endParaRPr>
+        </a:p>
+      </dgm:t>
+    </dgm:pt>
+    <dgm:pt modelId="{07A20CE0-F640-4059-89AC-47E20BB45779}" type="sibTrans" cxnId="{A95BD9E5-0913-4A3B-AD05-4C11F458A113}">
+      <dgm:prSet/>
+      <dgm:spPr>
+        <a:solidFill>
+          <a:schemeClr val="accent1">
+            <a:lumMod val="50000"/>
+          </a:schemeClr>
+        </a:solidFill>
+      </dgm:spPr>
+      <dgm:t>
+        <a:bodyPr/>
+        <a:lstStyle/>
+        <a:p>
+          <a:endParaRPr lang="es-ES" sz="1800">
+            <a:latin typeface="Arial" panose="020B0604020202020204" pitchFamily="34" charset="0"/>
+            <a:cs typeface="Arial" panose="020B0604020202020204" pitchFamily="34" charset="0"/>
+          </a:endParaRPr>
+        </a:p>
+      </dgm:t>
+    </dgm:pt>
+    <dgm:pt modelId="{79E0E6B9-2780-4CCD-A167-FABCA62CF725}" type="pres">
+      <dgm:prSet presAssocID="{87313FE5-A1BD-4A09-B8A7-BCFE3C34C763}" presName="cycle" presStyleCnt="0">
+        <dgm:presLayoutVars>
+          <dgm:dir/>
+          <dgm:resizeHandles val="exact"/>
+        </dgm:presLayoutVars>
+      </dgm:prSet>
+      <dgm:spPr/>
+    </dgm:pt>
+    <dgm:pt modelId="{02CE30C8-BA19-4F7C-AA54-7CBDEF2CDB80}" type="pres">
+      <dgm:prSet presAssocID="{B080E6FE-DE72-4479-9C6D-8E80ABD40DE9}" presName="node" presStyleLbl="node1" presStyleIdx="0" presStyleCnt="4" custRadScaleRad="97498">
+        <dgm:presLayoutVars>
+          <dgm:bulletEnabled val="1"/>
+        </dgm:presLayoutVars>
+      </dgm:prSet>
+      <dgm:spPr/>
+    </dgm:pt>
+    <dgm:pt modelId="{5FB9D340-F321-401D-897D-A9C653AE8623}" type="pres">
+      <dgm:prSet presAssocID="{B080E6FE-DE72-4479-9C6D-8E80ABD40DE9}" presName="spNode" presStyleCnt="0"/>
+      <dgm:spPr/>
+    </dgm:pt>
+    <dgm:pt modelId="{24207952-8189-4BF4-B359-9FDB0CBD39F7}" type="pres">
+      <dgm:prSet presAssocID="{9AED537B-EE74-4754-9874-C6790C234A48}" presName="sibTrans" presStyleLbl="sibTrans1D1" presStyleIdx="0" presStyleCnt="4"/>
+      <dgm:spPr/>
+    </dgm:pt>
+    <dgm:pt modelId="{0AEB6790-92A6-4E5A-8ADC-4ED25A55A8A5}" type="pres">
+      <dgm:prSet presAssocID="{96CFB4DB-DC57-4E0A-9BA8-827A983F4030}" presName="node" presStyleLbl="node1" presStyleIdx="1" presStyleCnt="4">
+        <dgm:presLayoutVars>
+          <dgm:bulletEnabled val="1"/>
+        </dgm:presLayoutVars>
+      </dgm:prSet>
+      <dgm:spPr/>
+    </dgm:pt>
+    <dgm:pt modelId="{4FACC0E5-E634-4D1C-AB6A-C0E6627D6EBB}" type="pres">
+      <dgm:prSet presAssocID="{96CFB4DB-DC57-4E0A-9BA8-827A983F4030}" presName="spNode" presStyleCnt="0"/>
+      <dgm:spPr/>
+    </dgm:pt>
+    <dgm:pt modelId="{F385341F-B15C-4248-BD34-768BBACF370D}" type="pres">
+      <dgm:prSet presAssocID="{351F9305-F842-457D-ABB1-262E7AFAEC13}" presName="sibTrans" presStyleLbl="sibTrans1D1" presStyleIdx="1" presStyleCnt="4"/>
+      <dgm:spPr/>
+    </dgm:pt>
+    <dgm:pt modelId="{7BEBE472-5E8D-46EB-82D1-801FA87F74FD}" type="pres">
+      <dgm:prSet presAssocID="{865D9D9D-9C5F-4A41-B50A-E64D6CC36B9E}" presName="node" presStyleLbl="node1" presStyleIdx="2" presStyleCnt="4">
+        <dgm:presLayoutVars>
+          <dgm:bulletEnabled val="1"/>
+        </dgm:presLayoutVars>
+      </dgm:prSet>
+      <dgm:spPr/>
+    </dgm:pt>
+    <dgm:pt modelId="{7118A4F8-BE51-48EA-AE54-BA2625368A24}" type="pres">
+      <dgm:prSet presAssocID="{865D9D9D-9C5F-4A41-B50A-E64D6CC36B9E}" presName="spNode" presStyleCnt="0"/>
+      <dgm:spPr/>
+    </dgm:pt>
+    <dgm:pt modelId="{8BC77B64-4A7C-4938-A296-A6C21642770A}" type="pres">
+      <dgm:prSet presAssocID="{37052082-7C7E-42DB-8BC9-19F24D978ABA}" presName="sibTrans" presStyleLbl="sibTrans1D1" presStyleIdx="2" presStyleCnt="4"/>
+      <dgm:spPr/>
+    </dgm:pt>
+    <dgm:pt modelId="{49D1B486-DE84-426B-B503-EAE613280661}" type="pres">
+      <dgm:prSet presAssocID="{45B767B4-D3D2-4D54-AB4B-7DF4C5165B11}" presName="node" presStyleLbl="node1" presStyleIdx="3" presStyleCnt="4">
+        <dgm:presLayoutVars>
+          <dgm:bulletEnabled val="1"/>
+        </dgm:presLayoutVars>
+      </dgm:prSet>
+      <dgm:spPr/>
+    </dgm:pt>
+    <dgm:pt modelId="{5DCAEB0C-228F-4A62-97D0-DD58E9DA0CEA}" type="pres">
+      <dgm:prSet presAssocID="{45B767B4-D3D2-4D54-AB4B-7DF4C5165B11}" presName="spNode" presStyleCnt="0"/>
+      <dgm:spPr/>
+    </dgm:pt>
+    <dgm:pt modelId="{FA6A6527-6CDC-4A00-8D68-D03EFA4802E6}" type="pres">
+      <dgm:prSet presAssocID="{07A20CE0-F640-4059-89AC-47E20BB45779}" presName="sibTrans" presStyleLbl="sibTrans1D1" presStyleIdx="3" presStyleCnt="4"/>
+      <dgm:spPr/>
+    </dgm:pt>
+  </dgm:ptLst>
+  <dgm:cxnLst>
+    <dgm:cxn modelId="{FBB2CA02-861C-439B-BB2A-C69F51E36BFF}" type="presOf" srcId="{96CFB4DB-DC57-4E0A-9BA8-827A983F4030}" destId="{0AEB6790-92A6-4E5A-8ADC-4ED25A55A8A5}" srcOrd="0" destOrd="0" presId="urn:microsoft.com/office/officeart/2005/8/layout/cycle5"/>
+    <dgm:cxn modelId="{7944BC03-6CAA-47ED-AEAF-FF4DB26B6744}" type="presOf" srcId="{351F9305-F842-457D-ABB1-262E7AFAEC13}" destId="{F385341F-B15C-4248-BD34-768BBACF370D}" srcOrd="0" destOrd="0" presId="urn:microsoft.com/office/officeart/2005/8/layout/cycle5"/>
+    <dgm:cxn modelId="{D19D622F-2D6F-4A46-9F33-4758749BE12F}" type="presOf" srcId="{07A20CE0-F640-4059-89AC-47E20BB45779}" destId="{FA6A6527-6CDC-4A00-8D68-D03EFA4802E6}" srcOrd="0" destOrd="0" presId="urn:microsoft.com/office/officeart/2005/8/layout/cycle5"/>
+    <dgm:cxn modelId="{32A1EE38-1397-4DBF-A570-795C3E75017B}" srcId="{87313FE5-A1BD-4A09-B8A7-BCFE3C34C763}" destId="{96CFB4DB-DC57-4E0A-9BA8-827A983F4030}" srcOrd="1" destOrd="0" parTransId="{8A3FEDB9-1AA8-440B-9151-BD55AE8BF98E}" sibTransId="{351F9305-F842-457D-ABB1-262E7AFAEC13}"/>
+    <dgm:cxn modelId="{17C10366-0576-41A9-B4D4-803ECD1B80EF}" type="presOf" srcId="{865D9D9D-9C5F-4A41-B50A-E64D6CC36B9E}" destId="{7BEBE472-5E8D-46EB-82D1-801FA87F74FD}" srcOrd="0" destOrd="0" presId="urn:microsoft.com/office/officeart/2005/8/layout/cycle5"/>
+    <dgm:cxn modelId="{E21DCC4E-273E-4195-9D6C-1C5B222D63AB}" srcId="{87313FE5-A1BD-4A09-B8A7-BCFE3C34C763}" destId="{B080E6FE-DE72-4479-9C6D-8E80ABD40DE9}" srcOrd="0" destOrd="0" parTransId="{B309A588-BB89-4597-99A0-F448496A90AC}" sibTransId="{9AED537B-EE74-4754-9874-C6790C234A48}"/>
+    <dgm:cxn modelId="{BD089651-CD9F-4F32-9294-1697C4BCCE6D}" type="presOf" srcId="{45B767B4-D3D2-4D54-AB4B-7DF4C5165B11}" destId="{49D1B486-DE84-426B-B503-EAE613280661}" srcOrd="0" destOrd="0" presId="urn:microsoft.com/office/officeart/2005/8/layout/cycle5"/>
+    <dgm:cxn modelId="{9203FD7F-74E3-4A37-807F-EE575142E3DE}" type="presOf" srcId="{87313FE5-A1BD-4A09-B8A7-BCFE3C34C763}" destId="{79E0E6B9-2780-4CCD-A167-FABCA62CF725}" srcOrd="0" destOrd="0" presId="urn:microsoft.com/office/officeart/2005/8/layout/cycle5"/>
+    <dgm:cxn modelId="{845027A7-970D-4B70-9665-24F1AFA146CF}" srcId="{87313FE5-A1BD-4A09-B8A7-BCFE3C34C763}" destId="{865D9D9D-9C5F-4A41-B50A-E64D6CC36B9E}" srcOrd="2" destOrd="0" parTransId="{915084C4-3C6C-4F19-B86C-B8B521BF9614}" sibTransId="{37052082-7C7E-42DB-8BC9-19F24D978ABA}"/>
+    <dgm:cxn modelId="{0742C0A7-8B70-4907-A66D-B5EEE2D028D6}" type="presOf" srcId="{9AED537B-EE74-4754-9874-C6790C234A48}" destId="{24207952-8189-4BF4-B359-9FDB0CBD39F7}" srcOrd="0" destOrd="0" presId="urn:microsoft.com/office/officeart/2005/8/layout/cycle5"/>
+    <dgm:cxn modelId="{2DD018E2-85E7-40EF-8F11-FC3EAF23E4AD}" type="presOf" srcId="{B080E6FE-DE72-4479-9C6D-8E80ABD40DE9}" destId="{02CE30C8-BA19-4F7C-AA54-7CBDEF2CDB80}" srcOrd="0" destOrd="0" presId="urn:microsoft.com/office/officeart/2005/8/layout/cycle5"/>
+    <dgm:cxn modelId="{A95BD9E5-0913-4A3B-AD05-4C11F458A113}" srcId="{87313FE5-A1BD-4A09-B8A7-BCFE3C34C763}" destId="{45B767B4-D3D2-4D54-AB4B-7DF4C5165B11}" srcOrd="3" destOrd="0" parTransId="{163DC6A8-497E-463F-A591-1863D543F10B}" sibTransId="{07A20CE0-F640-4059-89AC-47E20BB45779}"/>
+    <dgm:cxn modelId="{B49195EF-0A1B-491E-BC12-481AEA19E418}" type="presOf" srcId="{37052082-7C7E-42DB-8BC9-19F24D978ABA}" destId="{8BC77B64-4A7C-4938-A296-A6C21642770A}" srcOrd="0" destOrd="0" presId="urn:microsoft.com/office/officeart/2005/8/layout/cycle5"/>
+    <dgm:cxn modelId="{69305D78-814B-4494-AEAA-1A0A9DCF384F}" type="presParOf" srcId="{79E0E6B9-2780-4CCD-A167-FABCA62CF725}" destId="{02CE30C8-BA19-4F7C-AA54-7CBDEF2CDB80}" srcOrd="0" destOrd="0" presId="urn:microsoft.com/office/officeart/2005/8/layout/cycle5"/>
+    <dgm:cxn modelId="{F39680D6-0EE4-4069-9E39-4A70AC61A018}" type="presParOf" srcId="{79E0E6B9-2780-4CCD-A167-FABCA62CF725}" destId="{5FB9D340-F321-401D-897D-A9C653AE8623}" srcOrd="1" destOrd="0" presId="urn:microsoft.com/office/officeart/2005/8/layout/cycle5"/>
+    <dgm:cxn modelId="{BB56AE81-3819-47AB-9B46-7654A5769935}" type="presParOf" srcId="{79E0E6B9-2780-4CCD-A167-FABCA62CF725}" destId="{24207952-8189-4BF4-B359-9FDB0CBD39F7}" srcOrd="2" destOrd="0" presId="urn:microsoft.com/office/officeart/2005/8/layout/cycle5"/>
+    <dgm:cxn modelId="{DA4FB4A7-611D-4681-A38F-F93312D6E55E}" type="presParOf" srcId="{79E0E6B9-2780-4CCD-A167-FABCA62CF725}" destId="{0AEB6790-92A6-4E5A-8ADC-4ED25A55A8A5}" srcOrd="3" destOrd="0" presId="urn:microsoft.com/office/officeart/2005/8/layout/cycle5"/>
+    <dgm:cxn modelId="{4CAEF841-4A97-449B-9652-52BDD9341921}" type="presParOf" srcId="{79E0E6B9-2780-4CCD-A167-FABCA62CF725}" destId="{4FACC0E5-E634-4D1C-AB6A-C0E6627D6EBB}" srcOrd="4" destOrd="0" presId="urn:microsoft.com/office/officeart/2005/8/layout/cycle5"/>
+    <dgm:cxn modelId="{B37857D1-8B6E-47CD-8293-52C868CB007B}" type="presParOf" srcId="{79E0E6B9-2780-4CCD-A167-FABCA62CF725}" destId="{F385341F-B15C-4248-BD34-768BBACF370D}" srcOrd="5" destOrd="0" presId="urn:microsoft.com/office/officeart/2005/8/layout/cycle5"/>
+    <dgm:cxn modelId="{816E5171-B87D-4528-9FB7-2EFAF060BF00}" type="presParOf" srcId="{79E0E6B9-2780-4CCD-A167-FABCA62CF725}" destId="{7BEBE472-5E8D-46EB-82D1-801FA87F74FD}" srcOrd="6" destOrd="0" presId="urn:microsoft.com/office/officeart/2005/8/layout/cycle5"/>
+    <dgm:cxn modelId="{D25D78CC-21C5-49A4-BEC3-823D44C2C45A}" type="presParOf" srcId="{79E0E6B9-2780-4CCD-A167-FABCA62CF725}" destId="{7118A4F8-BE51-48EA-AE54-BA2625368A24}" srcOrd="7" destOrd="0" presId="urn:microsoft.com/office/officeart/2005/8/layout/cycle5"/>
+    <dgm:cxn modelId="{46928C3D-B23D-4CBA-8F4C-591300180997}" type="presParOf" srcId="{79E0E6B9-2780-4CCD-A167-FABCA62CF725}" destId="{8BC77B64-4A7C-4938-A296-A6C21642770A}" srcOrd="8" destOrd="0" presId="urn:microsoft.com/office/officeart/2005/8/layout/cycle5"/>
+    <dgm:cxn modelId="{B91BD638-886C-4416-AAD0-45A3762B0A18}" type="presParOf" srcId="{79E0E6B9-2780-4CCD-A167-FABCA62CF725}" destId="{49D1B486-DE84-426B-B503-EAE613280661}" srcOrd="9" destOrd="0" presId="urn:microsoft.com/office/officeart/2005/8/layout/cycle5"/>
+    <dgm:cxn modelId="{F7480B0D-8445-450B-B74C-7535591AAFB6}" type="presParOf" srcId="{79E0E6B9-2780-4CCD-A167-FABCA62CF725}" destId="{5DCAEB0C-228F-4A62-97D0-DD58E9DA0CEA}" srcOrd="10" destOrd="0" presId="urn:microsoft.com/office/officeart/2005/8/layout/cycle5"/>
+    <dgm:cxn modelId="{E7DA3DA3-921E-405D-9199-DAE27FC0BCAD}" type="presParOf" srcId="{79E0E6B9-2780-4CCD-A167-FABCA62CF725}" destId="{FA6A6527-6CDC-4A00-8D68-D03EFA4802E6}" srcOrd="11" destOrd="0" presId="urn:microsoft.com/office/officeart/2005/8/layout/cycle5"/>
+  </dgm:cxnLst>
+  <dgm:bg/>
+  <dgm:whole/>
+  <dgm:extLst>
+    <a:ext uri="http://schemas.microsoft.com/office/drawing/2008/diagram">
+      <dsp:dataModelExt xmlns:dsp="http://schemas.microsoft.com/office/drawing/2008/diagram" relId="rId6" minVer="http://schemas.openxmlformats.org/drawingml/2006/diagram"/>
+    </a:ext>
+  </dgm:extLst>
+</dgm:dataModel>
+</file>
+
+<file path=ppt/diagrams/drawing1.xml><?xml version="1.0" encoding="utf-8"?>
+<dsp:drawing xmlns:dgm="http://schemas.openxmlformats.org/drawingml/2006/diagram" xmlns:dsp="http://schemas.microsoft.com/office/drawing/2008/diagram" xmlns:a="http://schemas.openxmlformats.org/drawingml/2006/main">
+  <dsp:spTree>
+    <dsp:nvGrpSpPr>
+      <dsp:cNvPr id="0" name=""/>
+      <dsp:cNvGrpSpPr/>
+    </dsp:nvGrpSpPr>
+    <dsp:grpSpPr/>
+    <dsp:sp modelId="{02CE30C8-BA19-4F7C-AA54-7CBDEF2CDB80}">
+      <dsp:nvSpPr>
+        <dsp:cNvPr id="0" name=""/>
+        <dsp:cNvSpPr/>
+      </dsp:nvSpPr>
+      <dsp:spPr>
+        <a:xfrm>
+          <a:off x="2186805" y="46025"/>
+          <a:ext cx="1703156" cy="1107051"/>
+        </a:xfrm>
+        <a:prstGeom prst="roundRect">
+          <a:avLst/>
+        </a:prstGeom>
+        <a:blipFill rotWithShape="1">
+          <a:blip xmlns:r="http://schemas.openxmlformats.org/officeDocument/2006/relationships" r:embed="rId1">
+            <a:duotone>
+              <a:schemeClr val="accent1">
+                <a:hueOff val="0"/>
+                <a:satOff val="0"/>
+                <a:lumOff val="0"/>
+                <a:alphaOff val="0"/>
+                <a:shade val="36000"/>
+                <a:satMod val="120000"/>
+              </a:schemeClr>
+              <a:schemeClr val="accent1">
+                <a:hueOff val="0"/>
+                <a:satOff val="0"/>
+                <a:lumOff val="0"/>
+                <a:alphaOff val="0"/>
+                <a:tint val="40000"/>
+              </a:schemeClr>
+            </a:duotone>
+          </a:blip>
+          <a:tile tx="0" ty="0" sx="60000" sy="59000" flip="none" algn="tl"/>
+        </a:blipFill>
+        <a:ln>
+          <a:noFill/>
+        </a:ln>
+        <a:effectLst>
+          <a:softEdge rad="12700"/>
+        </a:effectLst>
+      </dsp:spPr>
+      <dsp:style>
+        <a:lnRef idx="0">
+          <a:scrgbClr r="0" g="0" b="0"/>
+        </a:lnRef>
+        <a:fillRef idx="3">
+          <a:scrgbClr r="0" g="0" b="0"/>
+        </a:fillRef>
+        <a:effectRef idx="2">
+          <a:scrgbClr r="0" g="0" b="0"/>
+        </a:effectRef>
+        <a:fontRef idx="minor">
+          <a:schemeClr val="lt1"/>
+        </a:fontRef>
+      </dsp:style>
+      <dsp:txBody>
+        <a:bodyPr spcFirstLastPara="0" vert="horz" wrap="square" lIns="68580" tIns="68580" rIns="68580" bIns="68580" numCol="1" spcCol="1270" anchor="ctr" anchorCtr="0">
+          <a:noAutofit/>
+        </a:bodyPr>
+        <a:lstStyle/>
+        <a:p>
+          <a:pPr marL="0" lvl="0" indent="0" algn="ctr" defTabSz="800100">
+            <a:lnSpc>
+              <a:spcPct val="90000"/>
+            </a:lnSpc>
+            <a:spcBef>
+              <a:spcPct val="0"/>
+            </a:spcBef>
+            <a:spcAft>
+              <a:spcPct val="35000"/>
+            </a:spcAft>
+            <a:buNone/>
+          </a:pPr>
+          <a:r>
+            <a:rPr lang="es-ES" sz="1800" kern="1200" dirty="0">
+              <a:latin typeface="Arial" panose="020B0604020202020204" pitchFamily="34" charset="0"/>
+              <a:cs typeface="Arial" panose="020B0604020202020204" pitchFamily="34" charset="0"/>
+            </a:rPr>
+            <a:t>Diseño	</a:t>
+          </a:r>
+        </a:p>
+      </dsp:txBody>
+      <dsp:txXfrm>
+        <a:off x="2240847" y="100067"/>
+        <a:ext cx="1595072" cy="998967"/>
+      </dsp:txXfrm>
+    </dsp:sp>
+    <dsp:sp modelId="{24207952-8189-4BF4-B359-9FDB0CBD39F7}">
+      <dsp:nvSpPr>
+        <dsp:cNvPr id="0" name=""/>
+        <dsp:cNvSpPr/>
+      </dsp:nvSpPr>
+      <dsp:spPr>
+        <a:xfrm>
+          <a:off x="1231521" y="616692"/>
+          <a:ext cx="3656206" cy="3656206"/>
+        </a:xfrm>
+        <a:custGeom>
+          <a:avLst/>
+          <a:gdLst/>
+          <a:ahLst/>
+          <a:cxnLst/>
+          <a:rect l="0" t="0" r="0" b="0"/>
+          <a:pathLst>
+            <a:path>
+              <a:moveTo>
+                <a:pt x="2888797" y="339181"/>
+              </a:moveTo>
+              <a:arcTo wR="1828103" hR="1828103" stAng="18327943" swAng="1582627"/>
+            </a:path>
+          </a:pathLst>
+        </a:custGeom>
+        <a:noFill/>
+        <a:ln w="6350" cap="flat" cmpd="sng" algn="ctr">
+          <a:solidFill>
+            <a:schemeClr val="accent1">
+              <a:hueOff val="0"/>
+              <a:satOff val="0"/>
+              <a:lumOff val="0"/>
+              <a:alphaOff val="0"/>
+            </a:schemeClr>
+          </a:solidFill>
+          <a:prstDash val="solid"/>
+          <a:tailEnd type="arrow"/>
+        </a:ln>
+        <a:effectLst/>
+      </dsp:spPr>
+      <dsp:style>
+        <a:lnRef idx="1">
+          <a:scrgbClr r="0" g="0" b="0"/>
+        </a:lnRef>
+        <a:fillRef idx="0">
+          <a:scrgbClr r="0" g="0" b="0"/>
+        </a:fillRef>
+        <a:effectRef idx="0">
+          <a:scrgbClr r="0" g="0" b="0"/>
+        </a:effectRef>
+        <a:fontRef idx="minor"/>
+      </dsp:style>
+    </dsp:sp>
+    <dsp:sp modelId="{0AEB6790-92A6-4E5A-8ADC-4ED25A55A8A5}">
+      <dsp:nvSpPr>
+        <dsp:cNvPr id="0" name=""/>
+        <dsp:cNvSpPr/>
+      </dsp:nvSpPr>
+      <dsp:spPr>
+        <a:xfrm>
+          <a:off x="4014909" y="1828389"/>
+          <a:ext cx="1703156" cy="1107051"/>
+        </a:xfrm>
+        <a:prstGeom prst="roundRect">
+          <a:avLst/>
+        </a:prstGeom>
+        <a:blipFill rotWithShape="1">
+          <a:blip xmlns:r="http://schemas.openxmlformats.org/officeDocument/2006/relationships" r:embed="rId1">
+            <a:duotone>
+              <a:schemeClr val="accent1">
+                <a:hueOff val="0"/>
+                <a:satOff val="0"/>
+                <a:lumOff val="0"/>
+                <a:alphaOff val="0"/>
+                <a:shade val="36000"/>
+                <a:satMod val="120000"/>
+              </a:schemeClr>
+              <a:schemeClr val="accent1">
+                <a:hueOff val="0"/>
+                <a:satOff val="0"/>
+                <a:lumOff val="0"/>
+                <a:alphaOff val="0"/>
+                <a:tint val="40000"/>
+              </a:schemeClr>
+            </a:duotone>
+          </a:blip>
+          <a:tile tx="0" ty="0" sx="60000" sy="59000" flip="none" algn="tl"/>
+        </a:blipFill>
+        <a:ln>
+          <a:noFill/>
+        </a:ln>
+        <a:effectLst>
+          <a:softEdge rad="12700"/>
+        </a:effectLst>
+      </dsp:spPr>
+      <dsp:style>
+        <a:lnRef idx="0">
+          <a:scrgbClr r="0" g="0" b="0"/>
+        </a:lnRef>
+        <a:fillRef idx="3">
+          <a:scrgbClr r="0" g="0" b="0"/>
+        </a:fillRef>
+        <a:effectRef idx="2">
+          <a:scrgbClr r="0" g="0" b="0"/>
+        </a:effectRef>
+        <a:fontRef idx="minor">
+          <a:schemeClr val="lt1"/>
+        </a:fontRef>
+      </dsp:style>
+      <dsp:txBody>
+        <a:bodyPr spcFirstLastPara="0" vert="horz" wrap="square" lIns="68580" tIns="68580" rIns="68580" bIns="68580" numCol="1" spcCol="1270" anchor="ctr" anchorCtr="0">
+          <a:noAutofit/>
+        </a:bodyPr>
+        <a:lstStyle/>
+        <a:p>
+          <a:pPr marL="0" lvl="0" indent="0" algn="ctr" defTabSz="800100">
+            <a:lnSpc>
+              <a:spcPct val="90000"/>
+            </a:lnSpc>
+            <a:spcBef>
+              <a:spcPct val="0"/>
+            </a:spcBef>
+            <a:spcAft>
+              <a:spcPct val="35000"/>
+            </a:spcAft>
+            <a:buNone/>
+          </a:pPr>
+          <a:r>
+            <a:rPr lang="es-ES" sz="1800" kern="1200" dirty="0">
+              <a:latin typeface="Arial" panose="020B0604020202020204" pitchFamily="34" charset="0"/>
+              <a:cs typeface="Arial" panose="020B0604020202020204" pitchFamily="34" charset="0"/>
+            </a:rPr>
+            <a:t>Codificación</a:t>
+          </a:r>
+        </a:p>
+      </dsp:txBody>
+      <dsp:txXfrm>
+        <a:off x="4068951" y="1882431"/>
+        <a:ext cx="1595072" cy="998967"/>
+      </dsp:txXfrm>
+    </dsp:sp>
+    <dsp:sp modelId="{F385341F-B15C-4248-BD34-768BBACF370D}">
+      <dsp:nvSpPr>
+        <dsp:cNvPr id="0" name=""/>
+        <dsp:cNvSpPr/>
+      </dsp:nvSpPr>
+      <dsp:spPr>
+        <a:xfrm>
+          <a:off x="1210280" y="553812"/>
+          <a:ext cx="3656206" cy="3656206"/>
+        </a:xfrm>
+        <a:custGeom>
+          <a:avLst/>
+          <a:gdLst/>
+          <a:ahLst/>
+          <a:cxnLst/>
+          <a:rect l="0" t="0" r="0" b="0"/>
+          <a:pathLst>
+            <a:path>
+              <a:moveTo>
+                <a:pt x="3466638" y="2638759"/>
+              </a:moveTo>
+              <a:arcTo wR="1828103" hR="1828103" stAng="1579419" swAng="1632845"/>
+            </a:path>
+          </a:pathLst>
+        </a:custGeom>
+        <a:noFill/>
+        <a:ln w="6350" cap="flat" cmpd="sng" algn="ctr">
+          <a:solidFill>
+            <a:schemeClr val="accent1">
+              <a:hueOff val="0"/>
+              <a:satOff val="0"/>
+              <a:lumOff val="0"/>
+              <a:alphaOff val="0"/>
+            </a:schemeClr>
+          </a:solidFill>
+          <a:prstDash val="solid"/>
+          <a:tailEnd type="arrow"/>
+        </a:ln>
+        <a:effectLst/>
+      </dsp:spPr>
+      <dsp:style>
+        <a:lnRef idx="1">
+          <a:scrgbClr r="0" g="0" b="0"/>
+        </a:lnRef>
+        <a:fillRef idx="0">
+          <a:scrgbClr r="0" g="0" b="0"/>
+        </a:fillRef>
+        <a:effectRef idx="0">
+          <a:scrgbClr r="0" g="0" b="0"/>
+        </a:effectRef>
+        <a:fontRef idx="minor"/>
+      </dsp:style>
+    </dsp:sp>
+    <dsp:sp modelId="{7BEBE472-5E8D-46EB-82D1-801FA87F74FD}">
+      <dsp:nvSpPr>
+        <dsp:cNvPr id="0" name=""/>
+        <dsp:cNvSpPr/>
+      </dsp:nvSpPr>
+      <dsp:spPr>
+        <a:xfrm>
+          <a:off x="2186805" y="3656492"/>
+          <a:ext cx="1703156" cy="1107051"/>
+        </a:xfrm>
+        <a:prstGeom prst="roundRect">
+          <a:avLst/>
+        </a:prstGeom>
+        <a:blipFill rotWithShape="1">
+          <a:blip xmlns:r="http://schemas.openxmlformats.org/officeDocument/2006/relationships" r:embed="rId1">
+            <a:duotone>
+              <a:schemeClr val="accent1">
+                <a:hueOff val="0"/>
+                <a:satOff val="0"/>
+                <a:lumOff val="0"/>
+                <a:alphaOff val="0"/>
+                <a:shade val="36000"/>
+                <a:satMod val="120000"/>
+              </a:schemeClr>
+              <a:schemeClr val="accent1">
+                <a:hueOff val="0"/>
+                <a:satOff val="0"/>
+                <a:lumOff val="0"/>
+                <a:alphaOff val="0"/>
+                <a:tint val="40000"/>
+              </a:schemeClr>
+            </a:duotone>
+          </a:blip>
+          <a:tile tx="0" ty="0" sx="60000" sy="59000" flip="none" algn="tl"/>
+        </a:blipFill>
+        <a:ln>
+          <a:noFill/>
+        </a:ln>
+        <a:effectLst>
+          <a:softEdge rad="12700"/>
+        </a:effectLst>
+      </dsp:spPr>
+      <dsp:style>
+        <a:lnRef idx="0">
+          <a:scrgbClr r="0" g="0" b="0"/>
+        </a:lnRef>
+        <a:fillRef idx="3">
+          <a:scrgbClr r="0" g="0" b="0"/>
+        </a:fillRef>
+        <a:effectRef idx="2">
+          <a:scrgbClr r="0" g="0" b="0"/>
+        </a:effectRef>
+        <a:fontRef idx="minor">
+          <a:schemeClr val="lt1"/>
+        </a:fontRef>
+      </dsp:style>
+      <dsp:txBody>
+        <a:bodyPr spcFirstLastPara="0" vert="horz" wrap="square" lIns="68580" tIns="68580" rIns="68580" bIns="68580" numCol="1" spcCol="1270" anchor="ctr" anchorCtr="0">
+          <a:noAutofit/>
+        </a:bodyPr>
+        <a:lstStyle/>
+        <a:p>
+          <a:pPr marL="0" lvl="0" indent="0" algn="ctr" defTabSz="800100">
+            <a:lnSpc>
+              <a:spcPct val="90000"/>
+            </a:lnSpc>
+            <a:spcBef>
+              <a:spcPct val="0"/>
+            </a:spcBef>
+            <a:spcAft>
+              <a:spcPct val="35000"/>
+            </a:spcAft>
+            <a:buNone/>
+          </a:pPr>
+          <a:r>
+            <a:rPr lang="es-ES" sz="1800" kern="1200" dirty="0">
+              <a:latin typeface="Arial" panose="020B0604020202020204" pitchFamily="34" charset="0"/>
+              <a:cs typeface="Arial" panose="020B0604020202020204" pitchFamily="34" charset="0"/>
+            </a:rPr>
+            <a:t>Prueba</a:t>
+          </a:r>
+        </a:p>
+      </dsp:txBody>
+      <dsp:txXfrm>
+        <a:off x="2240847" y="3710534"/>
+        <a:ext cx="1595072" cy="998967"/>
+      </dsp:txXfrm>
+    </dsp:sp>
+    <dsp:sp modelId="{8BC77B64-4A7C-4938-A296-A6C21642770A}">
+      <dsp:nvSpPr>
+        <dsp:cNvPr id="0" name=""/>
+        <dsp:cNvSpPr/>
+      </dsp:nvSpPr>
+      <dsp:spPr>
+        <a:xfrm>
+          <a:off x="1210280" y="553812"/>
+          <a:ext cx="3656206" cy="3656206"/>
+        </a:xfrm>
+        <a:custGeom>
+          <a:avLst/>
+          <a:gdLst/>
+          <a:ahLst/>
+          <a:cxnLst/>
+          <a:rect l="0" t="0" r="0" b="0"/>
+          <a:pathLst>
+            <a:path>
+              <a:moveTo>
+                <a:pt x="741673" y="3298352"/>
+              </a:moveTo>
+              <a:arcTo wR="1828103" hR="1828103" stAng="7587736" swAng="1632845"/>
+            </a:path>
+          </a:pathLst>
+        </a:custGeom>
+        <a:noFill/>
+        <a:ln w="6350" cap="flat" cmpd="sng" algn="ctr">
+          <a:solidFill>
+            <a:schemeClr val="accent1">
+              <a:hueOff val="0"/>
+              <a:satOff val="0"/>
+              <a:lumOff val="0"/>
+              <a:alphaOff val="0"/>
+            </a:schemeClr>
+          </a:solidFill>
+          <a:prstDash val="solid"/>
+          <a:tailEnd type="arrow"/>
+        </a:ln>
+        <a:effectLst/>
+      </dsp:spPr>
+      <dsp:style>
+        <a:lnRef idx="1">
+          <a:scrgbClr r="0" g="0" b="0"/>
+        </a:lnRef>
+        <a:fillRef idx="0">
+          <a:scrgbClr r="0" g="0" b="0"/>
+        </a:fillRef>
+        <a:effectRef idx="0">
+          <a:scrgbClr r="0" g="0" b="0"/>
+        </a:effectRef>
+        <a:fontRef idx="minor"/>
+      </dsp:style>
+    </dsp:sp>
+    <dsp:sp modelId="{49D1B486-DE84-426B-B503-EAE613280661}">
+      <dsp:nvSpPr>
+        <dsp:cNvPr id="0" name=""/>
+        <dsp:cNvSpPr/>
+      </dsp:nvSpPr>
+      <dsp:spPr>
+        <a:xfrm>
+          <a:off x="358702" y="1828389"/>
+          <a:ext cx="1703156" cy="1107051"/>
+        </a:xfrm>
+        <a:prstGeom prst="roundRect">
+          <a:avLst/>
+        </a:prstGeom>
+        <a:blipFill rotWithShape="1">
+          <a:blip xmlns:r="http://schemas.openxmlformats.org/officeDocument/2006/relationships" r:embed="rId1">
+            <a:duotone>
+              <a:schemeClr val="accent1">
+                <a:hueOff val="0"/>
+                <a:satOff val="0"/>
+                <a:lumOff val="0"/>
+                <a:alphaOff val="0"/>
+                <a:shade val="36000"/>
+                <a:satMod val="120000"/>
+              </a:schemeClr>
+              <a:schemeClr val="accent1">
+                <a:hueOff val="0"/>
+                <a:satOff val="0"/>
+                <a:lumOff val="0"/>
+                <a:alphaOff val="0"/>
+                <a:tint val="40000"/>
+              </a:schemeClr>
+            </a:duotone>
+          </a:blip>
+          <a:tile tx="0" ty="0" sx="60000" sy="59000" flip="none" algn="tl"/>
+        </a:blipFill>
+        <a:ln>
+          <a:noFill/>
+        </a:ln>
+        <a:effectLst>
+          <a:softEdge rad="12700"/>
+        </a:effectLst>
+      </dsp:spPr>
+      <dsp:style>
+        <a:lnRef idx="0">
+          <a:scrgbClr r="0" g="0" b="0"/>
+        </a:lnRef>
+        <a:fillRef idx="3">
+          <a:scrgbClr r="0" g="0" b="0"/>
+        </a:fillRef>
+        <a:effectRef idx="2">
+          <a:scrgbClr r="0" g="0" b="0"/>
+        </a:effectRef>
+        <a:fontRef idx="minor">
+          <a:schemeClr val="lt1"/>
+        </a:fontRef>
+      </dsp:style>
+      <dsp:txBody>
+        <a:bodyPr spcFirstLastPara="0" vert="horz" wrap="square" lIns="68580" tIns="68580" rIns="68580" bIns="68580" numCol="1" spcCol="1270" anchor="ctr" anchorCtr="0">
+          <a:noAutofit/>
+        </a:bodyPr>
+        <a:lstStyle/>
+        <a:p>
+          <a:pPr marL="0" lvl="0" indent="0" algn="ctr" defTabSz="800100">
+            <a:lnSpc>
+              <a:spcPct val="90000"/>
+            </a:lnSpc>
+            <a:spcBef>
+              <a:spcPct val="0"/>
+            </a:spcBef>
+            <a:spcAft>
+              <a:spcPct val="35000"/>
+            </a:spcAft>
+            <a:buNone/>
+          </a:pPr>
+          <a:r>
+            <a:rPr lang="es-ES" sz="1800" kern="1200" dirty="0">
+              <a:latin typeface="Arial" panose="020B0604020202020204" pitchFamily="34" charset="0"/>
+              <a:cs typeface="Arial" panose="020B0604020202020204" pitchFamily="34" charset="0"/>
+            </a:rPr>
+            <a:t>Planificación</a:t>
+          </a:r>
+        </a:p>
+      </dsp:txBody>
+      <dsp:txXfrm>
+        <a:off x="412744" y="1882431"/>
+        <a:ext cx="1595072" cy="998967"/>
+      </dsp:txXfrm>
+    </dsp:sp>
+    <dsp:sp modelId="{FA6A6527-6CDC-4A00-8D68-D03EFA4802E6}">
+      <dsp:nvSpPr>
+        <dsp:cNvPr id="0" name=""/>
+        <dsp:cNvSpPr/>
+      </dsp:nvSpPr>
+      <dsp:spPr>
+        <a:xfrm>
+          <a:off x="1189039" y="616692"/>
+          <a:ext cx="3656206" cy="3656206"/>
+        </a:xfrm>
+        <a:custGeom>
+          <a:avLst/>
+          <a:gdLst/>
+          <a:ahLst/>
+          <a:cxnLst/>
+          <a:rect l="0" t="0" r="0" b="0"/>
+          <a:pathLst>
+            <a:path>
+              <a:moveTo>
+                <a:pt x="216344" y="965436"/>
+              </a:moveTo>
+              <a:arcTo wR="1828103" hR="1828103" stAng="12489430" swAng="1582627"/>
+            </a:path>
+          </a:pathLst>
+        </a:custGeom>
+        <a:noFill/>
+        <a:ln w="6350" cap="flat" cmpd="sng" algn="ctr">
+          <a:solidFill>
+            <a:schemeClr val="accent1">
+              <a:hueOff val="0"/>
+              <a:satOff val="0"/>
+              <a:lumOff val="0"/>
+              <a:alphaOff val="0"/>
+            </a:schemeClr>
+          </a:solidFill>
+          <a:prstDash val="solid"/>
+          <a:tailEnd type="arrow"/>
+        </a:ln>
+        <a:effectLst/>
+      </dsp:spPr>
+      <dsp:style>
+        <a:lnRef idx="1">
+          <a:scrgbClr r="0" g="0" b="0"/>
+        </a:lnRef>
+        <a:fillRef idx="0">
+          <a:scrgbClr r="0" g="0" b="0"/>
+        </a:fillRef>
+        <a:effectRef idx="0">
+          <a:scrgbClr r="0" g="0" b="0"/>
+        </a:effectRef>
+        <a:fontRef idx="minor"/>
+      </dsp:style>
+    </dsp:sp>
+  </dsp:spTree>
+</dsp:drawing>
+</file>
+
+<file path=ppt/diagrams/layout1.xml><?xml version="1.0" encoding="utf-8"?>
+<dgm:layoutDef xmlns:dgm="http://schemas.openxmlformats.org/drawingml/2006/diagram" xmlns:a="http://schemas.openxmlformats.org/drawingml/2006/main" uniqueId="urn:microsoft.com/office/officeart/2005/8/layout/cycle5">
+  <dgm:title val=""/>
+  <dgm:desc val=""/>
+  <dgm:catLst>
+    <dgm:cat type="cycle" pri="3000"/>
+  </dgm:catLst>
+  <dgm:sampData>
+    <dgm:dataModel>
+      <dgm:ptLst>
+        <dgm:pt modelId="0" type="doc"/>
+        <dgm:pt modelId="1">
+          <dgm:prSet phldr="1"/>
+        </dgm:pt>
+        <dgm:pt modelId="2">
+          <dgm:prSet phldr="1"/>
+        </dgm:pt>
+        <dgm:pt modelId="3">
+          <dgm:prSet phldr="1"/>
+        </dgm:pt>
+        <dgm:pt modelId="4">
+          <dgm:prSet phldr="1"/>
+        </dgm:pt>
+        <dgm:pt modelId="5">
+          <dgm:prSet phldr="1"/>
+        </dgm:pt>
+      </dgm:ptLst>
+      <dgm:cxnLst>
+        <dgm:cxn modelId="6" srcId="0" destId="1" srcOrd="0" destOrd="0"/>
+        <dgm:cxn modelId="7" srcId="0" destId="2" srcOrd="1" destOrd="0"/>
+        <dgm:cxn modelId="8" srcId="0" destId="3" srcOrd="2" destOrd="0"/>
+        <dgm:cxn modelId="9" srcId="0" destId="4" srcOrd="3" destOrd="0"/>
+        <dgm:cxn modelId="10" srcId="0" destId="5" srcOrd="4" destOrd="0"/>
+      </dgm:cxnLst>
+      <dgm:bg/>
+      <dgm:whole/>
+    </dgm:dataModel>
+  </dgm:sampData>
+  <dgm:styleData>
+    <dgm:dataModel>
+      <dgm:ptLst>
+        <dgm:pt modelId="0" type="doc"/>
+        <dgm:pt modelId="1"/>
+        <dgm:pt modelId="2"/>
+        <dgm:pt modelId="3"/>
+      </dgm:ptLst>
+      <dgm:cxnLst>
+        <dgm:cxn modelId="4" srcId="0" destId="1" srcOrd="0" destOrd="0"/>
+        <dgm:cxn modelId="5" srcId="0" destId="2" srcOrd="1" destOrd="0"/>
+        <dgm:cxn modelId="6" srcId="0" destId="3" srcOrd="2" destOrd="0"/>
+      </dgm:cxnLst>
+      <dgm:bg/>
+      <dgm:whole/>
+    </dgm:dataModel>
+  </dgm:styleData>
+  <dgm:clrData>
+    <dgm:dataModel>
+      <dgm:ptLst>
+        <dgm:pt modelId="0" type="doc"/>
+        <dgm:pt modelId="1"/>
+        <dgm:pt modelId="2"/>
+        <dgm:pt modelId="3"/>
+        <dgm:pt modelId="4"/>
+        <dgm:pt modelId="5"/>
+        <dgm:pt modelId="6"/>
+      </dgm:ptLst>
+      <dgm:cxnLst>
+        <dgm:cxn modelId="7" srcId="0" destId="1" srcOrd="0" destOrd="0"/>
+        <dgm:cxn modelId="8" srcId="0" destId="2" srcOrd="1" destOrd="0"/>
+        <dgm:cxn modelId="9" srcId="0" destId="3" srcOrd="2" destOrd="0"/>
+        <dgm:cxn modelId="10" srcId="0" destId="4" srcOrd="3" destOrd="0"/>
+        <dgm:cxn modelId="11" srcId="0" destId="5" srcOrd="4" destOrd="0"/>
+        <dgm:cxn modelId="12" srcId="0" destId="6" srcOrd="5" destOrd="0"/>
+      </dgm:cxnLst>
+      <dgm:bg/>
+      <dgm:whole/>
+    </dgm:dataModel>
+  </dgm:clrData>
+  <dgm:layoutNode name="cycle">
+    <dgm:varLst>
+      <dgm:dir/>
+      <dgm:resizeHandles val="exact"/>
+    </dgm:varLst>
+    <dgm:choose name="Name0">
+      <dgm:if name="Name1" func="var" arg="dir" op="equ" val="norm">
+        <dgm:choose name="Name2">
+          <dgm:if name="Name3" axis="ch" ptType="node" func="cnt" op="gt" val="2">
+            <dgm:alg type="cycle">
+              <dgm:param type="stAng" val="0"/>
+              <dgm:param type="spanAng" val="360"/>
+            </dgm:alg>
+          </dgm:if>
+          <dgm:else name="Name4">
+            <dgm:alg type="cycle">
+              <dgm:param type="stAng" val="-90"/>
+              <dgm:param type="spanAng" val="360"/>
+            </dgm:alg>
+          </dgm:else>
+        </dgm:choose>
+      </dgm:if>
+      <dgm:else name="Name5">
+        <dgm:choose name="Name6">
+          <dgm:if name="Name7" axis="ch" ptType="node" func="cnt" op="gt" val="2">
+            <dgm:alg type="cycle">
+              <dgm:param type="stAng" val="0"/>
+              <dgm:param type="spanAng" val="-360"/>
+            </dgm:alg>
+          </dgm:if>
+          <dgm:else name="Name8">
+            <dgm:alg type="cycle">
+              <dgm:param type="stAng" val="90"/>
+              <dgm:param type="spanAng" val="-360"/>
+            </dgm:alg>
+          </dgm:else>
+        </dgm:choose>
+      </dgm:else>
+    </dgm:choose>
+    <dgm:shape xmlns:r="http://schemas.openxmlformats.org/officeDocument/2006/relationships" r:blip="">
+      <dgm:adjLst/>
+    </dgm:shape>
+    <dgm:presOf/>
+    <dgm:choose name="Name9">
+      <dgm:if name="Name10" func="var" arg="dir" op="equ" val="norm">
+        <dgm:constrLst>
+          <dgm:constr type="w" for="ch" forName="node" refType="w"/>
+          <dgm:constr type="w" for="ch" ptType="sibTrans" refType="w" refFor="ch" refForName="node" op="equ" fact="0.3"/>
+          <dgm:constr type="diam" for="ch" ptType="sibTrans" refType="diam" op="equ"/>
+          <dgm:constr type="sibSp" refType="w" refFor="ch" refForName="node" op="equ" fact="0.15"/>
+          <dgm:constr type="w" for="ch" forName="spNode" refType="sibSp" fact="1.6"/>
+          <dgm:constr type="primFontSz" for="ch" forName="node" op="equ" val="65"/>
+        </dgm:constrLst>
+      </dgm:if>
+      <dgm:else name="Name11">
+        <dgm:constrLst>
+          <dgm:constr type="w" for="ch" forName="node" refType="w"/>
+          <dgm:constr type="w" for="ch" ptType="sibTrans" refType="w" refFor="ch" refForName="node" op="equ" fact="0.3"/>
+          <dgm:constr type="diam" for="ch" ptType="sibTrans" refType="diam" fact="-1"/>
+          <dgm:constr type="diam" for="ch" refType="diam" op="equ" fact="-1"/>
+          <dgm:constr type="sibSp" refType="w" refFor="ch" refForName="node" op="equ" fact="0.15"/>
+          <dgm:constr type="w" for="ch" forName="spNode" refType="sibSp" fact="1.6"/>
+          <dgm:constr type="primFontSz" for="ch" forName="node" op="equ" val="65"/>
+        </dgm:constrLst>
+      </dgm:else>
+    </dgm:choose>
+    <dgm:ruleLst/>
+    <dgm:forEach name="Name12" axis="ch" ptType="node">
+      <dgm:layoutNode name="node">
+        <dgm:varLst>
+          <dgm:bulletEnabled val="1"/>
+        </dgm:varLst>
+        <dgm:alg type="tx"/>
+        <dgm:shape xmlns:r="http://schemas.openxmlformats.org/officeDocument/2006/relationships" type="roundRect" r:blip="">
+          <dgm:adjLst/>
+        </dgm:shape>
+        <dgm:presOf axis="desOrSelf" ptType="node"/>
+        <dgm:constrLst>
+          <dgm:constr type="h" refType="w" fact="0.65"/>
+          <dgm:constr type="tMarg" refType="primFontSz" fact="0.3"/>
+          <dgm:constr type="bMarg" refType="primFontSz" fact="0.3"/>
+          <dgm:constr type="lMarg" refType="primFontSz" fact="0.3"/>
+          <dgm:constr type="rMarg" refType="primFontSz" fact="0.3"/>
+        </dgm:constrLst>
+        <dgm:ruleLst>
+          <dgm:rule type="primFontSz" val="5" fact="NaN" max="NaN"/>
+        </dgm:ruleLst>
+      </dgm:layoutNode>
+      <dgm:choose name="Name13">
+        <dgm:if name="Name14" axis="par ch" ptType="doc node" func="cnt" op="gt" val="1">
+          <dgm:layoutNode name="spNode">
+            <dgm:alg type="sp"/>
+            <dgm:shape xmlns:r="http://schemas.openxmlformats.org/officeDocument/2006/relationships" r:blip="">
+              <dgm:adjLst/>
+            </dgm:shape>
+            <dgm:presOf/>
+            <dgm:constrLst>
+              <dgm:constr type="h" refType="w"/>
+            </dgm:constrLst>
+            <dgm:ruleLst/>
+          </dgm:layoutNode>
+          <dgm:forEach name="Name15" axis="followSib" ptType="sibTrans" hideLastTrans="0" cnt="1">
+            <dgm:layoutNode name="sibTrans">
+              <dgm:alg type="conn">
+                <dgm:param type="dim" val="1D"/>
+                <dgm:param type="connRout" val="curve"/>
+                <dgm:param type="begPts" val="radial"/>
+                <dgm:param type="endPts" val="radial"/>
+              </dgm:alg>
+              <dgm:shape xmlns:r="http://schemas.openxmlformats.org/officeDocument/2006/relationships" type="conn" r:blip="">
+                <dgm:adjLst/>
+              </dgm:shape>
+              <dgm:presOf axis="self"/>
+              <dgm:constrLst>
+                <dgm:constr type="h" refType="w" fact="0.65"/>
+                <dgm:constr type="connDist"/>
+                <dgm:constr type="begPad" refType="connDist" fact="0.2"/>
+                <dgm:constr type="endPad" refType="connDist" fact="0.2"/>
+              </dgm:constrLst>
+              <dgm:ruleLst/>
+            </dgm:layoutNode>
+          </dgm:forEach>
+        </dgm:if>
+        <dgm:else name="Name16"/>
+      </dgm:choose>
+    </dgm:forEach>
+  </dgm:layoutNode>
+</dgm:layoutDef>
+</file>
+
+<file path=ppt/diagrams/quickStyle1.xml><?xml version="1.0" encoding="utf-8"?>
+<dgm:styleDef xmlns:dgm="http://schemas.openxmlformats.org/drawingml/2006/diagram" xmlns:a="http://schemas.openxmlformats.org/drawingml/2006/main" uniqueId="urn:microsoft.com/office/officeart/2005/8/quickstyle/simple4">
+  <dgm:title val=""/>
+  <dgm:desc val=""/>
+  <dgm:catLst>
+    <dgm:cat type="simple" pri="10400"/>
+  </dgm:catLst>
+  <dgm:scene3d>
+    <a:camera prst="orthographicFront"/>
+    <a:lightRig rig="threePt" dir="t"/>
+  </dgm:scene3d>
+  <dgm:styleLbl name="node0">
+    <dgm:scene3d>
+      <a:camera prst="orthographicFront"/>
+      <a:lightRig rig="threePt" dir="t"/>
+    </dgm:scene3d>
+    <dgm:sp3d/>
+    <dgm:txPr/>
+    <dgm:style>
+      <a:lnRef idx="0">
+        <a:scrgbClr r="0" g="0" b="0"/>
+      </a:lnRef>
+      <a:fillRef idx="3">
+        <a:scrgbClr r="0" g="0" b="0"/>
+      </a:fillRef>
+      <a:effectRef idx="2">
+        <a:scrgbClr r="0" g="0" b="0"/>
+      </a:effectRef>
+      <a:fontRef idx="minor">
+        <a:schemeClr val="lt1"/>
+      </a:fontRef>
+    </dgm:style>
+  </dgm:styleLbl>
+  <dgm:styleLbl name="lnNode1">
+    <dgm:scene3d>
+      <a:camera prst="orthographicFront"/>
+      <a:lightRig rig="threePt" dir="t"/>
+    </dgm:scene3d>
+    <dgm:sp3d/>
+    <dgm:txPr/>
+    <dgm:style>
+      <a:lnRef idx="1">
+        <a:scrgbClr r="0" g="0" b="0"/>
+      </a:lnRef>
+      <a:fillRef idx="3">
+        <a:scrgbClr r="0" g="0" b="0"/>
+      </a:fillRef>
+      <a:effectRef idx="2">
+        <a:scrgbClr r="0" g="0" b="0"/>
+      </a:effectRef>
+      <a:fontRef idx="minor">
+        <a:schemeClr val="lt1"/>
+      </a:fontRef>
+    </dgm:style>
+  </dgm:styleLbl>
+  <dgm:styleLbl name="vennNode1">
+    <dgm:scene3d>
+      <a:camera prst="orthographicFront"/>
+      <a:lightRig rig="threePt" dir="t"/>
+    </dgm:scene3d>
+    <dgm:sp3d/>
+    <dgm:txPr/>
+    <dgm:style>
+      <a:lnRef idx="0">
+        <a:scrgbClr r="0" g="0" b="0"/>
+      </a:lnRef>
+      <a:fillRef idx="3">
+        <a:scrgbClr r="0" g="0" b="0"/>
+      </a:fillRef>
+      <a:effectRef idx="0">
+        <a:scrgbClr r="0" g="0" b="0"/>
+      </a:effectRef>
+      <a:fontRef idx="minor">
+        <a:schemeClr val="tx1"/>
+      </a:fontRef>
+    </dgm:style>
+  </dgm:styleLbl>
+  <dgm:styleLbl name="alignNode1">
+    <dgm:scene3d>
+      <a:camera prst="orthographicFront"/>
+      <a:lightRig rig="threePt" dir="t"/>
+    </dgm:scene3d>
+    <dgm:sp3d/>
+    <dgm:txPr/>
+    <dgm:style>
+      <a:lnRef idx="1">
+        <a:scrgbClr r="0" g="0" b="0"/>
+      </a:lnRef>
+      <a:fillRef idx="3">
+        <a:scrgbClr r="0" g="0" b="0"/>
+      </a:fillRef>
+      <a:effectRef idx="2">
+        <a:scrgbClr r="0" g="0" b="0"/>
+      </a:effectRef>
+      <a:fontRef idx="minor">
+        <a:schemeClr val="lt1"/>
+      </a:fontRef>
+    </dgm:style>
+  </dgm:styleLbl>
+  <dgm:styleLbl name="node1">
+    <dgm:scene3d>
+      <a:camera prst="orthographicFront"/>
+      <a:lightRig rig="threePt" dir="t"/>
+    </dgm:scene3d>
+    <dgm:sp3d/>
+    <dgm:txPr/>
+    <dgm:style>
+      <a:lnRef idx="0">
+        <a:scrgbClr r="0" g="0" b="0"/>
+      </a:lnRef>
+      <a:fillRef idx="3">
+        <a:scrgbClr r="0" g="0" b="0"/>
+      </a:fillRef>
+      <a:effectRef idx="2">
+        <a:scrgbClr r="0" g="0" b="0"/>
+      </a:effectRef>
+      <a:fontRef idx="minor">
+        <a:schemeClr val="lt1"/>
+      </a:fontRef>
+    </dgm:style>
+  </dgm:styleLbl>
+  <dgm:styleLbl name="node2">
+    <dgm:scene3d>
+      <a:camera prst="orthographicFront"/>
+      <a:lightRig rig="threePt" dir="t"/>
+    </dgm:scene3d>
+    <dgm:sp3d/>
+    <dgm:txPr/>
+    <dgm:style>
+      <a:lnRef idx="0">
+        <a:scrgbClr r="0" g="0" b="0"/>
+      </a:lnRef>
+      <a:fillRef idx="3">
+        <a:scrgbClr r="0" g="0" b="0"/>
+      </a:fillRef>
+      <a:effectRef idx="2">
+        <a:scrgbClr r="0" g="0" b="0"/>
+      </a:effectRef>
+      <a:fontRef idx="minor">
+        <a:schemeClr val="lt1"/>
+      </a:fontRef>
+    </dgm:style>
+  </dgm:styleLbl>
+  <dgm:styleLbl name="node3">
+    <dgm:scene3d>
+      <a:camera prst="orthographicFront"/>
+      <a:lightRig rig="threePt" dir="t"/>
+    </dgm:scene3d>
+    <dgm:sp3d/>
+    <dgm:txPr/>
+    <dgm:style>
+      <a:lnRef idx="0">
+        <a:scrgbClr r="0" g="0" b="0"/>
+      </a:lnRef>
+      <a:fillRef idx="3">
+        <a:scrgbClr r="0" g="0" b="0"/>
+      </a:fillRef>
+      <a:effectRef idx="2">
+        <a:scrgbClr r="0" g="0" b="0"/>
+      </a:effectRef>
+      <a:fontRef idx="minor">
+        <a:schemeClr val="lt1"/>
+      </a:fontRef>
+    </dgm:style>
+  </dgm:styleLbl>
+  <dgm:styleLbl name="node4">
+    <dgm:scene3d>
+      <a:camera prst="orthographicFront"/>
+      <a:lightRig rig="threePt" dir="t"/>
+    </dgm:scene3d>
+    <dgm:sp3d/>
+    <dgm:txPr/>
+    <dgm:style>
+      <a:lnRef idx="0">
+        <a:scrgbClr r="0" g="0" b="0"/>
+      </a:lnRef>
+      <a:fillRef idx="3">
+        <a:scrgbClr r="0" g="0" b="0"/>
+      </a:fillRef>
+      <a:effectRef idx="2">
+        <a:scrgbClr r="0" g="0" b="0"/>
+      </a:effectRef>
+      <a:fontRef idx="minor">
+        <a:schemeClr val="lt1"/>
+      </a:fontRef>
+    </dgm:style>
+  </dgm:styleLbl>
+  <dgm:styleLbl name="fgImgPlace1">
+    <dgm:scene3d>
+      <a:camera prst="orthographicFront"/>
+      <a:lightRig rig="threePt" dir="t"/>
+    </dgm:scene3d>
+    <dgm:sp3d/>
+    <dgm:txPr/>
+    <dgm:style>
+      <a:lnRef idx="0">
+        <a:scrgbClr r="0" g="0" b="0"/>
+      </a:lnRef>
+      <a:fillRef idx="1">
+        <a:scrgbClr r="0" g="0" b="0"/>
+      </a:fillRef>
+      <a:effectRef idx="2">
+        <a:scrgbClr r="0" g="0" b="0"/>
+      </a:effectRef>
+      <a:fontRef idx="minor"/>
+    </dgm:style>
+  </dgm:styleLbl>
+  <dgm:styleLbl name="alignImgPlace1">
+    <dgm:scene3d>
+      <a:camera prst="orthographicFront"/>
+      <a:lightRig rig="threePt" dir="t"/>
+    </dgm:scene3d>
+    <dgm:sp3d/>
+    <dgm:txPr/>
+    <dgm:style>
+      <a:lnRef idx="0">
+        <a:scrgbClr r="0" g="0" b="0"/>
+      </a:lnRef>
+      <a:fillRef idx="1">
+        <a:scrgbClr r="0" g="0" b="0"/>
+      </a:fillRef>
+      <a:effectRef idx="2">
+        <a:scrgbClr r="0" g="0" b="0"/>
+      </a:effectRef>
+      <a:fontRef idx="minor"/>
+    </dgm:style>
+  </dgm:styleLbl>
+  <dgm:styleLbl name="bgImgPlace1">
+    <dgm:scene3d>
+      <a:camera prst="orthographicFront"/>
+      <a:lightRig rig="threePt" dir="t"/>
+    </dgm:scene3d>
+    <dgm:sp3d/>
+    <dgm:txPr/>
+    <dgm:style>
+      <a:lnRef idx="0">
+        <a:scrgbClr r="0" g="0" b="0"/>
+      </a:lnRef>
+      <a:fillRef idx="1">
+        <a:scrgbClr r="0" g="0" b="0"/>
+      </a:fillRef>
+      <a:effectRef idx="2">
+        <a:scrgbClr r="0" g="0" b="0"/>
+      </a:effectRef>
+      <a:fontRef idx="minor"/>
+    </dgm:style>
+  </dgm:styleLbl>
+  <dgm:styleLbl name="sibTrans2D1">
+    <dgm:scene3d>
+      <a:camera prst="orthographicFront"/>
+      <a:lightRig rig="threePt" dir="t"/>
+    </dgm:scene3d>
+    <dgm:sp3d/>
+    <dgm:txPr/>
+    <dgm:style>
+      <a:lnRef idx="0">
+        <a:scrgbClr r="0" g="0" b="0"/>
+      </a:lnRef>
+      <a:fillRef idx="3">
+        <a:scrgbClr r="0" g="0" b="0"/>
+      </a:fillRef>
+      <a:effectRef idx="2">
+        <a:scrgbClr r="0" g="0" b="0"/>
+      </a:effectRef>
+      <a:fontRef idx="minor">
+        <a:schemeClr val="lt1"/>
+      </a:fontRef>
+    </dgm:style>
+  </dgm:styleLbl>
+  <dgm:styleLbl name="fgSibTrans2D1">
+    <dgm:scene3d>
+      <a:camera prst="orthographicFront"/>
+      <a:lightRig rig="threePt" dir="t"/>
+    </dgm:scene3d>
+    <dgm:sp3d/>
+    <dgm:txPr/>
+    <dgm:style>
+      <a:lnRef idx="0">
+        <a:scrgbClr r="0" g="0" b="0"/>
+      </a:lnRef>
+      <a:fillRef idx="3">
+        <a:scrgbClr r="0" g="0" b="0"/>
+      </a:fillRef>
+      <a:effectRef idx="2">
+        <a:scrgbClr r="0" g="0" b="0"/>
+      </a:effectRef>
+      <a:fontRef idx="minor">
+        <a:schemeClr val="lt1"/>
+      </a:fontRef>
+    </dgm:style>
+  </dgm:styleLbl>
+  <dgm:styleLbl name="bgSibTrans2D1">
+    <dgm:scene3d>
+      <a:camera prst="orthographicFront"/>
+      <a:lightRig rig="threePt" dir="t"/>
+    </dgm:scene3d>
+    <dgm:sp3d/>
+    <dgm:txPr/>
+    <dgm:style>
+      <a:lnRef idx="0">
+        <a:scrgbClr r="0" g="0" b="0"/>
+      </a:lnRef>
+      <a:fillRef idx="3">
+        <a:scrgbClr r="0" g="0" b="0"/>
+      </a:fillRef>
+      <a:effectRef idx="2">
+        <a:scrgbClr r="0" g="0" b="0"/>
+      </a:effectRef>
+      <a:fontRef idx="minor">
+        <a:schemeClr val="lt1"/>
+      </a:fontRef>
+    </dgm:style>
+  </dgm:styleLbl>
+  <dgm:styleLbl name="sibTrans1D1">
+    <dgm:scene3d>
+      <a:camera prst="orthographicFront"/>
+      <a:lightRig rig="threePt" dir="t"/>
+    </dgm:scene3d>
+    <dgm:sp3d/>
+    <dgm:txPr/>
+    <dgm:style>
+      <a:lnRef idx="1">
+        <a:scrgbClr r="0" g="0" b="0"/>
+      </a:lnRef>
+      <a:fillRef idx="0">
+        <a:scrgbClr r="0" g="0" b="0"/>
+      </a:fillRef>
+      <a:effectRef idx="0">
+        <a:scrgbClr r="0" g="0" b="0"/>
+      </a:effectRef>
+      <a:fontRef idx="minor"/>
+    </dgm:style>
+  </dgm:styleLbl>
+  <dgm:styleLbl name="callout">
+    <dgm:scene3d>
+      <a:camera prst="orthographicFront"/>
+      <a:lightRig rig="threePt" dir="t"/>
+    </dgm:scene3d>
+    <dgm:sp3d/>
+    <dgm:txPr/>
+    <dgm:style>
+      <a:lnRef idx="2">
+        <a:scrgbClr r="0" g="0" b="0"/>
+      </a:lnRef>
+      <a:fillRef idx="1">
+        <a:scrgbClr r="0" g="0" b="0"/>
+      </a:fillRef>
+      <a:effectRef idx="1">
+        <a:scrgbClr r="0" g="0" b="0"/>
+      </a:effectRef>
+      <a:fontRef idx="minor"/>
+    </dgm:style>
+  </dgm:styleLbl>
+  <dgm:styleLbl name="asst0">
+    <dgm:scene3d>
+      <a:camera prst="orthographicFront"/>
+      <a:lightRig rig="threePt" dir="t"/>
+    </dgm:scene3d>
+    <dgm:sp3d/>
+    <dgm:txPr/>
+    <dgm:style>
+      <a:lnRef idx="0">
+        <a:scrgbClr r="0" g="0" b="0"/>
+      </a:lnRef>
+      <a:fillRef idx="3">
+        <a:scrgbClr r="0" g="0" b="0"/>
+      </a:fillRef>
+      <a:effectRef idx="2">
+        <a:scrgbClr r="0" g="0" b="0"/>
+      </a:effectRef>
+      <a:fontRef idx="minor">
+        <a:schemeClr val="lt1"/>
+      </a:fontRef>
+    </dgm:style>
+  </dgm:styleLbl>
+  <dgm:styleLbl name="asst1">
+    <dgm:scene3d>
+      <a:camera prst="orthographicFront"/>
+      <a:lightRig rig="threePt" dir="t"/>
+    </dgm:scene3d>
+    <dgm:sp3d/>
+    <dgm:txPr/>
+    <dgm:style>
+      <a:lnRef idx="0">
+        <a:scrgbClr r="0" g="0" b="0"/>
+      </a:lnRef>
+      <a:fillRef idx="3">
+        <a:scrgbClr r="0" g="0" b="0"/>
+      </a:fillRef>
+      <a:effectRef idx="2">
+        <a:scrgbClr r="0" g="0" b="0"/>
+      </a:effectRef>
+      <a:fontRef idx="minor">
+        <a:schemeClr val="lt1"/>
+      </a:fontRef>
+    </dgm:style>
+  </dgm:styleLbl>
+  <dgm:styleLbl name="asst2">
+    <dgm:scene3d>
+      <a:camera prst="orthographicFront"/>
+      <a:lightRig rig="threePt" dir="t"/>
+    </dgm:scene3d>
+    <dgm:sp3d/>
+    <dgm:txPr/>
+    <dgm:style>
+      <a:lnRef idx="0">
+        <a:scrgbClr r="0" g="0" b="0"/>
+      </a:lnRef>
+      <a:fillRef idx="3">
+        <a:scrgbClr r="0" g="0" b="0"/>
+      </a:fillRef>
+      <a:effectRef idx="2">
+        <a:scrgbClr r="0" g="0" b="0"/>
+      </a:effectRef>
+      <a:fontRef idx="minor">
+        <a:schemeClr val="lt1"/>
+      </a:fontRef>
+    </dgm:style>
+  </dgm:styleLbl>
+  <dgm:styleLbl name="asst3">
+    <dgm:scene3d>
+      <a:camera prst="orthographicFront"/>
+      <a:lightRig rig="threePt" dir="t"/>
+    </dgm:scene3d>
+    <dgm:sp3d/>
+    <dgm:txPr/>
+    <dgm:style>
+      <a:lnRef idx="0">
+        <a:scrgbClr r="0" g="0" b="0"/>
+      </a:lnRef>
+      <a:fillRef idx="3">
+        <a:scrgbClr r="0" g="0" b="0"/>
+      </a:fillRef>
+      <a:effectRef idx="2">
+        <a:scrgbClr r="0" g="0" b="0"/>
+      </a:effectRef>
+      <a:fontRef idx="minor">
+        <a:schemeClr val="lt1"/>
+      </a:fontRef>
+    </dgm:style>
+  </dgm:styleLbl>
+  <dgm:styleLbl name="asst4">
+    <dgm:scene3d>
+      <a:camera prst="orthographicFront"/>
+      <a:lightRig rig="threePt" dir="t"/>
+    </dgm:scene3d>
+    <dgm:sp3d/>
+    <dgm:txPr/>
+    <dgm:style>
+      <a:lnRef idx="0">
+        <a:scrgbClr r="0" g="0" b="0"/>
+      </a:lnRef>
+      <a:fillRef idx="3">
+        <a:scrgbClr r="0" g="0" b="0"/>
+      </a:fillRef>
+      <a:effectRef idx="2">
+        <a:scrgbClr r="0" g="0" b="0"/>
+      </a:effectRef>
+      <a:fontRef idx="minor">
+        <a:schemeClr val="lt1"/>
+      </a:fontRef>
+    </dgm:style>
+  </dgm:styleLbl>
+  <dgm:styleLbl name="parChTrans2D1">
+    <dgm:scene3d>
+      <a:camera prst="orthographicFront"/>
+      <a:lightRig rig="threePt" dir="t"/>
+    </dgm:scene3d>
+    <dgm:sp3d/>
+    <dgm:txPr/>
+    <dgm:style>
+      <a:lnRef idx="0">
+        <a:scrgbClr r="0" g="0" b="0"/>
+      </a:lnRef>
+      <a:fillRef idx="3">
+        <a:scrgbClr r="0" g="0" b="0"/>
+      </a:fillRef>
+      <a:effectRef idx="2">
+        <a:scrgbClr r="0" g="0" b="0"/>
+      </a:effectRef>
+      <a:fontRef idx="minor">
+        <a:schemeClr val="lt1"/>
+      </a:fontRef>
+    </dgm:style>
+  </dgm:styleLbl>
+  <dgm:styleLbl name="parChTrans2D2">
+    <dgm:scene3d>
+      <a:camera prst="orthographicFront"/>
+      <a:lightRig rig="threePt" dir="t"/>
+    </dgm:scene3d>
+    <dgm:sp3d/>
+    <dgm:txPr/>
+    <dgm:style>
+      <a:lnRef idx="0">
+        <a:scrgbClr r="0" g="0" b="0"/>
+      </a:lnRef>
+      <a:fillRef idx="3">
+        <a:scrgbClr r="0" g="0" b="0"/>
+      </a:fillRef>
+      <a:effectRef idx="2">
+        <a:scrgbClr r="0" g="0" b="0"/>
+      </a:effectRef>
+      <a:fontRef idx="minor">
+        <a:schemeClr val="lt1"/>
+      </a:fontRef>
+    </dgm:style>
+  </dgm:styleLbl>
+  <dgm:styleLbl name="parChTrans2D3">
+    <dgm:scene3d>
+      <a:camera prst="orthographicFront"/>
+      <a:lightRig rig="threePt" dir="t"/>
+    </dgm:scene3d>
+    <dgm:sp3d/>
+    <dgm:txPr/>
+    <dgm:style>
+      <a:lnRef idx="1">
+        <a:scrgbClr r="0" g="0" b="0"/>
+      </a:lnRef>
+      <a:fillRef idx="3">
+        <a:scrgbClr r="0" g="0" b="0"/>
+      </a:fillRef>
+      <a:effectRef idx="2">
+        <a:scrgbClr r="0" g="0" b="0"/>
+      </a:effectRef>
+      <a:fontRef idx="minor">
+        <a:schemeClr val="lt1"/>
+      </a:fontRef>
+    </dgm:style>
+  </dgm:styleLbl>
+  <dgm:styleLbl name="parChTrans2D4">
+    <dgm:scene3d>
+      <a:camera prst="orthographicFront"/>
+      <a:lightRig rig="threePt" dir="t"/>
+    </dgm:scene3d>
+    <dgm:sp3d/>
+    <dgm:txPr/>
+    <dgm:style>
+      <a:lnRef idx="1">
+        <a:scrgbClr r="0" g="0" b="0"/>
+      </a:lnRef>
+      <a:fillRef idx="3">
+        <a:scrgbClr r="0" g="0" b="0"/>
+      </a:fillRef>
+      <a:effectRef idx="2">
+        <a:scrgbClr r="0" g="0" b="0"/>
+      </a:effectRef>
+      <a:fontRef idx="minor">
+        <a:schemeClr val="lt1"/>
+      </a:fontRef>
+    </dgm:style>
+  </dgm:styleLbl>
+  <dgm:styleLbl name="parChTrans1D1">
+    <dgm:scene3d>
+      <a:camera prst="orthographicFront"/>
+      <a:lightRig rig="threePt" dir="t"/>
+    </dgm:scene3d>
+    <dgm:sp3d/>
+    <dgm:txPr/>
+    <dgm:style>
+      <a:lnRef idx="1">
+        <a:scrgbClr r="0" g="0" b="0"/>
+      </a:lnRef>
+      <a:fillRef idx="0">
+        <a:scrgbClr r="0" g="0" b="0"/>
+      </a:fillRef>
+      <a:effectRef idx="0">
+        <a:scrgbClr r="0" g="0" b="0"/>
+      </a:effectRef>
+      <a:fontRef idx="minor"/>
+    </dgm:style>
+  </dgm:styleLbl>
+  <dgm:styleLbl name="parChTrans1D2">
+    <dgm:scene3d>
+      <a:camera prst="orthographicFront"/>
+      <a:lightRig rig="threePt" dir="t"/>
+    </dgm:scene3d>
+    <dgm:sp3d/>
+    <dgm:txPr/>
+    <dgm:style>
+      <a:lnRef idx="1">
+        <a:scrgbClr r="0" g="0" b="0"/>
+      </a:lnRef>
+      <a:fillRef idx="0">
+        <a:scrgbClr r="0" g="0" b="0"/>
+      </a:fillRef>
+      <a:effectRef idx="0">
+        <a:scrgbClr r="0" g="0" b="0"/>
+      </a:effectRef>
+      <a:fontRef idx="minor"/>
+    </dgm:style>
+  </dgm:styleLbl>
+  <dgm:styleLbl name="parChTrans1D3">
+    <dgm:scene3d>
+      <a:camera prst="orthographicFront"/>
+      <a:lightRig rig="threePt" dir="t"/>
+    </dgm:scene3d>
+    <dgm:sp3d/>
+    <dgm:txPr/>
+    <dgm:style>
+      <a:lnRef idx="1">
+        <a:scrgbClr r="0" g="0" b="0"/>
+      </a:lnRef>
+      <a:fillRef idx="0">
+        <a:scrgbClr r="0" g="0" b="0"/>
+      </a:fillRef>
+      <a:effectRef idx="0">
+        <a:scrgbClr r="0" g="0" b="0"/>
+      </a:effectRef>
+      <a:fontRef idx="minor"/>
+    </dgm:style>
+  </dgm:styleLbl>
+  <dgm:styleLbl name="parChTrans1D4">
+    <dgm:scene3d>
+      <a:camera prst="orthographicFront"/>
+      <a:lightRig rig="threePt" dir="t"/>
+    </dgm:scene3d>
+    <dgm:sp3d/>
+    <dgm:txPr/>
+    <dgm:style>
+      <a:lnRef idx="1">
+        <a:scrgbClr r="0" g="0" b="0"/>
+      </a:lnRef>
+      <a:fillRef idx="0">
+        <a:scrgbClr r="0" g="0" b="0"/>
+      </a:fillRef>
+      <a:effectRef idx="0">
+        <a:scrgbClr r="0" g="0" b="0"/>
+      </a:effectRef>
+      <a:fontRef idx="minor"/>
+    </dgm:style>
+  </dgm:styleLbl>
+  <dgm:styleLbl name="fgAcc1">
+    <dgm:scene3d>
+      <a:camera prst="orthographicFront"/>
+      <a:lightRig rig="threePt" dir="t"/>
+    </dgm:scene3d>
+    <dgm:sp3d/>
+    <dgm:txPr/>
+    <dgm:style>
+      <a:lnRef idx="1">
+        <a:scrgbClr r="0" g="0" b="0"/>
+      </a:lnRef>
+      <a:fillRef idx="1">
+        <a:scrgbClr r="0" g="0" b="0"/>
+      </a:fillRef>
+      <a:effectRef idx="0">
+        <a:scrgbClr r="0" g="0" b="0"/>
+      </a:effectRef>
+      <a:fontRef idx="minor"/>
+    </dgm:style>
+  </dgm:styleLbl>
+  <dgm:styleLbl name="conFgAcc1">
+    <dgm:scene3d>
+      <a:camera prst="orthographicFront"/>
+      <a:lightRig rig="threePt" dir="t"/>
+    </dgm:scene3d>
+    <dgm:sp3d/>
+    <dgm:txPr/>
+    <dgm:style>
+      <a:lnRef idx="1">
+        <a:scrgbClr r="0" g="0" b="0"/>
+      </a:lnRef>
+      <a:fillRef idx="1">
+        <a:scrgbClr r="0" g="0" b="0"/>
+      </a:fillRef>
+      <a:effectRef idx="0">
+        <a:scrgbClr r="0" g="0" b="0"/>
+      </a:effectRef>
+      <a:fontRef idx="minor"/>
+    </dgm:style>
+  </dgm:styleLbl>
+  <dgm:styleLbl name="alignAcc1">
+    <dgm:scene3d>
+      <a:camera prst="orthographicFront"/>
+      <a:lightRig rig="threePt" dir="t"/>
+    </dgm:scene3d>
+    <dgm:sp3d/>
+    <dgm:txPr/>
+    <dgm:style>
+      <a:lnRef idx="1">
+        <a:scrgbClr r="0" g="0" b="0"/>
+      </a:lnRef>
+      <a:fillRef idx="1">
+        <a:scrgbClr r="0" g="0" b="0"/>
+      </a:fillRef>
+      <a:effectRef idx="0">
+        <a:scrgbClr r="0" g="0" b="0"/>
+      </a:effectRef>
+      <a:fontRef idx="minor"/>
+    </dgm:style>
+  </dgm:styleLbl>
+  <dgm:styleLbl name="trAlignAcc1">
+    <dgm:scene3d>
+      <a:camera prst="orthographicFront"/>
+      <a:lightRig rig="threePt" dir="t"/>
+    </dgm:scene3d>
+    <dgm:sp3d/>
+    <dgm:txPr/>
+    <dgm:style>
+      <a:lnRef idx="1">
+        <a:scrgbClr r="0" g="0" b="0"/>
+      </a:lnRef>
+      <a:fillRef idx="1">
+        <a:scrgbClr r="0" g="0" b="0"/>
+      </a:fillRef>
+      <a:effectRef idx="0">
+        <a:scrgbClr r="0" g="0" b="0"/>
+      </a:effectRef>
+      <a:fontRef idx="minor"/>
+    </dgm:style>
+  </dgm:styleLbl>
+  <dgm:styleLbl name="bgAcc1">
+    <dgm:scene3d>
+      <a:camera prst="orthographicFront"/>
+      <a:lightRig rig="threePt" dir="t"/>
+    </dgm:scene3d>
+    <dgm:sp3d/>
+    <dgm:txPr/>
+    <dgm:style>
+      <a:lnRef idx="1">
+        <a:scrgbClr r="0" g="0" b="0"/>
+      </a:lnRef>
+      <a:fillRef idx="1">
+        <a:scrgbClr r="0" g="0" b="0"/>
+      </a:fillRef>
+      <a:effectRef idx="0">
+        <a:scrgbClr r="0" g="0" b="0"/>
+      </a:effectRef>
+      <a:fontRef idx="minor"/>
+    </dgm:style>
+  </dgm:styleLbl>
+  <dgm:styleLbl name="solidFgAcc1">
+    <dgm:scene3d>
+      <a:camera prst="orthographicFront"/>
+      <a:lightRig rig="threePt" dir="t"/>
+    </dgm:scene3d>
+    <dgm:sp3d/>
+    <dgm:txPr/>
+    <dgm:style>
+      <a:lnRef idx="1">
+        <a:scrgbClr r="0" g="0" b="0"/>
+      </a:lnRef>
+      <a:fillRef idx="1">
+        <a:scrgbClr r="0" g="0" b="0"/>
+      </a:fillRef>
+      <a:effectRef idx="0">
+        <a:scrgbClr r="0" g="0" b="0"/>
+      </a:effectRef>
+      <a:fontRef idx="minor"/>
+    </dgm:style>
+  </dgm:styleLbl>
+  <dgm:styleLbl name="solidAlignAcc1">
+    <dgm:scene3d>
+      <a:camera prst="orthographicFront"/>
+      <a:lightRig rig="threePt" dir="t"/>
+    </dgm:scene3d>
+    <dgm:sp3d/>
+    <dgm:txPr/>
+    <dgm:style>
+      <a:lnRef idx="1">
+        <a:scrgbClr r="0" g="0" b="0"/>
+      </a:lnRef>
+      <a:fillRef idx="1">
+        <a:scrgbClr r="0" g="0" b="0"/>
+      </a:fillRef>
+      <a:effectRef idx="0">
+        <a:scrgbClr r="0" g="0" b="0"/>
+      </a:effectRef>
+      <a:fontRef idx="minor"/>
+    </dgm:style>
+  </dgm:styleLbl>
+  <dgm:styleLbl name="solidBgAcc1">
+    <dgm:scene3d>
+      <a:camera prst="orthographicFront"/>
+      <a:lightRig rig="threePt" dir="t"/>
+    </dgm:scene3d>
+    <dgm:sp3d/>
+    <dgm:txPr/>
+    <dgm:style>
+      <a:lnRef idx="1">
+        <a:scrgbClr r="0" g="0" b="0"/>
+      </a:lnRef>
+      <a:fillRef idx="1">
+        <a:scrgbClr r="0" g="0" b="0"/>
+      </a:fillRef>
+      <a:effectRef idx="0">
+        <a:scrgbClr r="0" g="0" b="0"/>
+      </a:effectRef>
+      <a:fontRef idx="minor"/>
+    </dgm:style>
+  </dgm:styleLbl>
+  <dgm:styleLbl name="fgAccFollowNode1">
+    <dgm:scene3d>
+      <a:camera prst="orthographicFront"/>
+      <a:lightRig rig="threePt" dir="t"/>
+    </dgm:scene3d>
+    <dgm:sp3d/>
+    <dgm:txPr/>
+    <dgm:style>
+      <a:lnRef idx="1">
+        <a:scrgbClr r="0" g="0" b="0"/>
+      </a:lnRef>
+      <a:fillRef idx="1">
+        <a:scrgbClr r="0" g="0" b="0"/>
+      </a:fillRef>
+      <a:effectRef idx="0">
+        <a:scrgbClr r="0" g="0" b="0"/>
+      </a:effectRef>
+      <a:fontRef idx="minor"/>
+    </dgm:style>
+  </dgm:styleLbl>
+  <dgm:styleLbl name="alignAccFollowNode1">
+    <dgm:scene3d>
+      <a:camera prst="orthographicFront"/>
+      <a:lightRig rig="threePt" dir="t"/>
+    </dgm:scene3d>
+    <dgm:sp3d/>
+    <dgm:txPr/>
+    <dgm:style>
+      <a:lnRef idx="1">
+        <a:scrgbClr r="0" g="0" b="0"/>
+      </a:lnRef>
+      <a:fillRef idx="1">
+        <a:scrgbClr r="0" g="0" b="0"/>
+      </a:fillRef>
+      <a:effectRef idx="0">
+        <a:scrgbClr r="0" g="0" b="0"/>
+      </a:effectRef>
+      <a:fontRef idx="minor"/>
+    </dgm:style>
+  </dgm:styleLbl>
+  <dgm:styleLbl name="bgAccFollowNode1">
+    <dgm:scene3d>
+      <a:camera prst="orthographicFront"/>
+      <a:lightRig rig="threePt" dir="t"/>
+    </dgm:scene3d>
+    <dgm:sp3d/>
+    <dgm:txPr/>
+    <dgm:style>
+      <a:lnRef idx="1">
+        <a:scrgbClr r="0" g="0" b="0"/>
+      </a:lnRef>
+      <a:fillRef idx="1">
+        <a:scrgbClr r="0" g="0" b="0"/>
+      </a:fillRef>
+      <a:effectRef idx="0">
+        <a:scrgbClr r="0" g="0" b="0"/>
+      </a:effectRef>
+      <a:fontRef idx="minor"/>
+    </dgm:style>
+  </dgm:styleLbl>
+  <dgm:styleLbl name="fgAcc0">
+    <dgm:scene3d>
+      <a:camera prst="orthographicFront"/>
+      <a:lightRig rig="threePt" dir="t"/>
+    </dgm:scene3d>
+    <dgm:sp3d/>
+    <dgm:txPr/>
+    <dgm:style>
+      <a:lnRef idx="1">
+        <a:scrgbClr r="0" g="0" b="0"/>
+      </a:lnRef>
+      <a:fillRef idx="1">
+        <a:scrgbClr r="0" g="0" b="0"/>
+      </a:fillRef>
+      <a:effectRef idx="0">
+        <a:scrgbClr r="0" g="0" b="0"/>
+      </a:effectRef>
+      <a:fontRef idx="minor"/>
+    </dgm:style>
+  </dgm:styleLbl>
+  <dgm:styleLbl name="fgAcc2">
+    <dgm:scene3d>
+      <a:camera prst="orthographicFront"/>
+      <a:lightRig rig="threePt" dir="t"/>
+    </dgm:scene3d>
+    <dgm:sp3d/>
+    <dgm:txPr/>
+    <dgm:style>
+      <a:lnRef idx="1">
+        <a:scrgbClr r="0" g="0" b="0"/>
+      </a:lnRef>
+      <a:fillRef idx="1">
+        <a:scrgbClr r="0" g="0" b="0"/>
+      </a:fillRef>
+      <a:effectRef idx="0">
+        <a:scrgbClr r="0" g="0" b="0"/>
+      </a:effectRef>
+      <a:fontRef idx="minor"/>
+    </dgm:style>
+  </dgm:styleLbl>
+  <dgm:styleLbl name="fgAcc3">
+    <dgm:scene3d>
+      <a:camera prst="orthographicFront"/>
+      <a:lightRig rig="threePt" dir="t"/>
+    </dgm:scene3d>
+    <dgm:sp3d/>
+    <dgm:txPr/>
+    <dgm:style>
+      <a:lnRef idx="1">
+        <a:scrgbClr r="0" g="0" b="0"/>
+      </a:lnRef>
+      <a:fillRef idx="1">
+        <a:scrgbClr r="0" g="0" b="0"/>
+      </a:fillRef>
+      <a:effectRef idx="0">
+        <a:scrgbClr r="0" g="0" b="0"/>
+      </a:effectRef>
+      <a:fontRef idx="minor"/>
+    </dgm:style>
+  </dgm:styleLbl>
+  <dgm:styleLbl name="fgAcc4">
+    <dgm:scene3d>
+      <a:camera prst="orthographicFront"/>
+      <a:lightRig rig="threePt" dir="t"/>
+    </dgm:scene3d>
+    <dgm:sp3d/>
+    <dgm:txPr/>
+    <dgm:style>
+      <a:lnRef idx="1">
+        <a:scrgbClr r="0" g="0" b="0"/>
+      </a:lnRef>
+      <a:fillRef idx="1">
+        <a:scrgbClr r="0" g="0" b="0"/>
+      </a:fillRef>
+      <a:effectRef idx="0">
+        <a:scrgbClr r="0" g="0" b="0"/>
+      </a:effectRef>
+      <a:fontRef idx="minor"/>
+    </dgm:style>
+  </dgm:styleLbl>
+  <dgm:styleLbl name="bgShp">
+    <dgm:scene3d>
+      <a:camera prst="orthographicFront"/>
+      <a:lightRig rig="threePt" dir="t"/>
+    </dgm:scene3d>
+    <dgm:sp3d/>
+    <dgm:txPr/>
+    <dgm:style>
+      <a:lnRef idx="0">
+        <a:scrgbClr r="0" g="0" b="0"/>
+      </a:lnRef>
+      <a:fillRef idx="1">
+        <a:scrgbClr r="0" g="0" b="0"/>
+      </a:fillRef>
+      <a:effectRef idx="2">
+        <a:scrgbClr r="0" g="0" b="0"/>
+      </a:effectRef>
+      <a:fontRef idx="minor"/>
+    </dgm:style>
+  </dgm:styleLbl>
+  <dgm:styleLbl name="dkBgShp">
+    <dgm:scene3d>
+      <a:camera prst="orthographicFront"/>
+      <a:lightRig rig="threePt" dir="t"/>
+    </dgm:scene3d>
+    <dgm:sp3d/>
+    <dgm:txPr/>
+    <dgm:style>
+      <a:lnRef idx="0">
+        <a:scrgbClr r="0" g="0" b="0"/>
+      </a:lnRef>
+      <a:fillRef idx="1">
+        <a:scrgbClr r="0" g="0" b="0"/>
+      </a:fillRef>
+      <a:effectRef idx="2">
+        <a:scrgbClr r="0" g="0" b="0"/>
+      </a:effectRef>
+      <a:fontRef idx="minor"/>
+    </dgm:style>
+  </dgm:styleLbl>
+  <dgm:styleLbl name="trBgShp">
+    <dgm:scene3d>
+      <a:camera prst="orthographicFront"/>
+      <a:lightRig rig="threePt" dir="t"/>
+    </dgm:scene3d>
+    <dgm:sp3d/>
+    <dgm:txPr/>
+    <dgm:style>
+      <a:lnRef idx="0">
+        <a:scrgbClr r="0" g="0" b="0"/>
+      </a:lnRef>
+      <a:fillRef idx="1">
+        <a:scrgbClr r="0" g="0" b="0"/>
+      </a:fillRef>
+      <a:effectRef idx="0">
+        <a:scrgbClr r="0" g="0" b="0"/>
+      </a:effectRef>
+      <a:fontRef idx="minor"/>
+    </dgm:style>
+  </dgm:styleLbl>
+  <dgm:styleLbl name="fgShp">
+    <dgm:scene3d>
+      <a:camera prst="orthographicFront"/>
+      <a:lightRig rig="threePt" dir="t"/>
+    </dgm:scene3d>
+    <dgm:sp3d/>
+    <dgm:txPr/>
+    <dgm:style>
+      <a:lnRef idx="0">
+        <a:scrgbClr r="0" g="0" b="0"/>
+      </a:lnRef>
+      <a:fillRef idx="3">
+        <a:scrgbClr r="0" g="0" b="0"/>
+      </a:fillRef>
+      <a:effectRef idx="2">
+        <a:scrgbClr r="0" g="0" b="0"/>
+      </a:effectRef>
+      <a:fontRef idx="minor"/>
+    </dgm:style>
+  </dgm:styleLbl>
+  <dgm:styleLbl name="revTx">
+    <dgm:scene3d>
+      <a:camera prst="orthographicFront"/>
+      <a:lightRig rig="threePt" dir="t"/>
+    </dgm:scene3d>
+    <dgm:sp3d/>
+    <dgm:txPr/>
+    <dgm:style>
+      <a:lnRef idx="0">
+        <a:scrgbClr r="0" g="0" b="0"/>
+      </a:lnRef>
+      <a:fillRef idx="0">
+        <a:scrgbClr r="0" g="0" b="0"/>
+      </a:fillRef>
+      <a:effectRef idx="0">
+        <a:scrgbClr r="0" g="0" b="0"/>
+      </a:effectRef>
+      <a:fontRef idx="minor"/>
+    </dgm:style>
+  </dgm:styleLbl>
+</dgm:styleDef>
+</file>
+
 <file path=ppt/notesMasters/notesMaster1.xml><?xml version="1.0" encoding="utf-8"?>
 <p:notesMaster xmlns:a="http://schemas.openxmlformats.org/drawingml/2006/main" xmlns:r="http://schemas.openxmlformats.org/officeDocument/2006/relationships" xmlns:p="http://schemas.openxmlformats.org/presentationml/2006/main">
   <p:cSld>
@@ -226,7 +3103,7 @@
           <a:p>
             <a:fld id="{855318E3-A54E-4A1B-925B-0B6BE85402D7}" type="datetimeFigureOut">
               <a:rPr lang="es-ES" smtClean="0"/>
-              <a:t>11/10/2022</a:t>
+              <a:t>01/11/2022</a:t>
             </a:fld>
             <a:endParaRPr lang="es-ES"/>
           </a:p>
@@ -716,7 +3593,7 @@
           <a:p>
             <a:fld id="{3078BF56-2ECF-4460-BCB4-07206B519773}" type="slidenum">
               <a:rPr lang="es-ES" smtClean="0"/>
-              <a:t>17</a:t>
+              <a:t>18</a:t>
             </a:fld>
             <a:endParaRPr lang="es-ES"/>
           </a:p>
@@ -987,32 +3864,159 @@
           <a:p>
             <a:pPr algn="just"/>
             <a:r>
-              <a:rPr lang="es-ES" sz="1200" dirty="0">
-                <a:effectLst/>
-                <a:latin typeface="Rockwell (Cuerpo)"/>
-                <a:ea typeface="Times New Roman" panose="02020603050405020304" pitchFamily="18" charset="0"/>
-              </a:rPr>
-              <a:t>Durante muchos años, los asistentes virtuales se utilizaron sólo en entornos de servicio al cliente, pero ahora se han añadido otros casos de uso principalmente dentro de las empresas para mejorar la experiencia del cliente y la eficiencia empresarial. </a:t>
-            </a:r>
-          </a:p>
-          <a:p>
-            <a:pPr algn="just"/>
-            <a:endParaRPr lang="es-ES" sz="1200" dirty="0">
-              <a:latin typeface="Rockwell (Cuerpo)"/>
-            </a:endParaRPr>
-          </a:p>
-          <a:p>
-            <a:pPr algn="just"/>
-            <a:r>
-              <a:rPr lang="es-MX" sz="1200" dirty="0">
+              <a:rPr lang="es-MX" sz="1800" dirty="0">
                 <a:solidFill>
                   <a:srgbClr val="000000"/>
                 </a:solidFill>
                 <a:effectLst/>
-                <a:latin typeface="Rockwell (Cuerpo)"/>
+                <a:latin typeface="Arial" panose="020B0604020202020204" pitchFamily="34" charset="0"/>
                 <a:ea typeface="Calibri" panose="020F0502020204030204" pitchFamily="34" charset="0"/>
               </a:rPr>
-              <a:t>En nuestro país actualmente esta tecnología no es muy explotada, aunque han existido, como es el ejemplo de Amanda (Usada para información sobre las elecciones en Cuba) y ELIZ que es un asistente virtual para la plataforma ENZONA. </a:t>
+              <a:t>En nuestro país actualmente esta tecnología no es muy explotada, aunque han existido, como es el ejemplo de Amanda (Usada para información sobre las elecciones en Cuba); </a:t>
+            </a:r>
+          </a:p>
+          <a:p>
+            <a:pPr algn="just"/>
+            <a:endParaRPr lang="es-MX" sz="1800" dirty="0">
+              <a:solidFill>
+                <a:srgbClr val="000000"/>
+              </a:solidFill>
+              <a:effectLst/>
+              <a:latin typeface="Arial" panose="020B0604020202020204" pitchFamily="34" charset="0"/>
+              <a:ea typeface="Calibri" panose="020F0502020204030204" pitchFamily="34" charset="0"/>
+            </a:endParaRPr>
+          </a:p>
+          <a:p>
+            <a:pPr algn="just"/>
+            <a:r>
+              <a:rPr lang="es-MX" sz="1800" dirty="0">
+                <a:solidFill>
+                  <a:srgbClr val="000000"/>
+                </a:solidFill>
+                <a:effectLst/>
+                <a:latin typeface="Arial" panose="020B0604020202020204" pitchFamily="34" charset="0"/>
+                <a:ea typeface="Calibri" panose="020F0502020204030204" pitchFamily="34" charset="0"/>
+              </a:rPr>
+              <a:t>ELIZ que es un asistente virtual para la plataforma ENZONA la cual brinda información sobre los servicios de la aplicación;</a:t>
+            </a:r>
+          </a:p>
+          <a:p>
+            <a:pPr algn="just"/>
+            <a:r>
+              <a:rPr lang="es-MX" sz="1800" dirty="0">
+                <a:solidFill>
+                  <a:srgbClr val="000000"/>
+                </a:solidFill>
+                <a:effectLst/>
+                <a:latin typeface="Arial" panose="020B0604020202020204" pitchFamily="34" charset="0"/>
+                <a:ea typeface="Calibri" panose="020F0502020204030204" pitchFamily="34" charset="0"/>
+              </a:rPr>
+              <a:t> </a:t>
+            </a:r>
+          </a:p>
+          <a:p>
+            <a:pPr algn="just"/>
+            <a:r>
+              <a:rPr lang="es-MX" sz="1800" dirty="0">
+                <a:solidFill>
+                  <a:srgbClr val="000000"/>
+                </a:solidFill>
+                <a:effectLst/>
+                <a:latin typeface="Arial" panose="020B0604020202020204" pitchFamily="34" charset="0"/>
+                <a:ea typeface="Calibri" panose="020F0502020204030204" pitchFamily="34" charset="0"/>
+              </a:rPr>
+              <a:t>La revista Alma Mater tiene un </a:t>
+            </a:r>
+            <a:r>
+              <a:rPr lang="es-MX" sz="1800" dirty="0" err="1">
+                <a:solidFill>
+                  <a:srgbClr val="000000"/>
+                </a:solidFill>
+                <a:effectLst/>
+                <a:latin typeface="Arial" panose="020B0604020202020204" pitchFamily="34" charset="0"/>
+                <a:ea typeface="Calibri" panose="020F0502020204030204" pitchFamily="34" charset="0"/>
+              </a:rPr>
+              <a:t>chatbot</a:t>
+            </a:r>
+            <a:r>
+              <a:rPr lang="es-MX" sz="1800" dirty="0">
+                <a:solidFill>
+                  <a:srgbClr val="000000"/>
+                </a:solidFill>
+                <a:effectLst/>
+                <a:latin typeface="Arial" panose="020B0604020202020204" pitchFamily="34" charset="0"/>
+                <a:ea typeface="Calibri" panose="020F0502020204030204" pitchFamily="34" charset="0"/>
+              </a:rPr>
+              <a:t> donde se puede recibir el boletín de publicaciones semanales, aclara dudas o medidas sobre la Covid-19 y el estado de las alertas ciclónicas en el país, enviar sugerencias u opiniones. </a:t>
+            </a:r>
+          </a:p>
+          <a:p>
+            <a:pPr algn="just"/>
+            <a:endParaRPr lang="es-MX" sz="1800" dirty="0">
+              <a:solidFill>
+                <a:srgbClr val="000000"/>
+              </a:solidFill>
+              <a:effectLst/>
+              <a:latin typeface="Arial" panose="020B0604020202020204" pitchFamily="34" charset="0"/>
+              <a:ea typeface="Calibri" panose="020F0502020204030204" pitchFamily="34" charset="0"/>
+            </a:endParaRPr>
+          </a:p>
+          <a:p>
+            <a:pPr algn="just"/>
+            <a:r>
+              <a:rPr lang="es-MX" sz="1800" dirty="0">
+                <a:solidFill>
+                  <a:srgbClr val="000000"/>
+                </a:solidFill>
+                <a:effectLst/>
+                <a:latin typeface="Arial" panose="020B0604020202020204" pitchFamily="34" charset="0"/>
+                <a:ea typeface="Calibri" panose="020F0502020204030204" pitchFamily="34" charset="0"/>
+              </a:rPr>
+              <a:t>El centro de soporte de la Universidad de Ciencias Informáticas (UCI) posee un </a:t>
+            </a:r>
+            <a:r>
+              <a:rPr lang="es-MX" sz="1800" dirty="0" err="1">
+                <a:solidFill>
+                  <a:srgbClr val="000000"/>
+                </a:solidFill>
+                <a:effectLst/>
+                <a:latin typeface="Arial" panose="020B0604020202020204" pitchFamily="34" charset="0"/>
+                <a:ea typeface="Calibri" panose="020F0502020204030204" pitchFamily="34" charset="0"/>
+              </a:rPr>
+              <a:t>bot</a:t>
+            </a:r>
+            <a:r>
+              <a:rPr lang="es-MX" sz="1800" dirty="0">
+                <a:solidFill>
+                  <a:srgbClr val="000000"/>
+                </a:solidFill>
+                <a:effectLst/>
+                <a:latin typeface="Arial" panose="020B0604020202020204" pitchFamily="34" charset="0"/>
+                <a:ea typeface="Calibri" panose="020F0502020204030204" pitchFamily="34" charset="0"/>
+              </a:rPr>
+              <a:t> llamado “C.S. </a:t>
+            </a:r>
+            <a:r>
+              <a:rPr lang="es-MX" sz="1800" dirty="0" err="1">
+                <a:solidFill>
+                  <a:srgbClr val="000000"/>
+                </a:solidFill>
+                <a:effectLst/>
+                <a:latin typeface="Arial" panose="020B0604020202020204" pitchFamily="34" charset="0"/>
+                <a:ea typeface="Calibri" panose="020F0502020204030204" pitchFamily="34" charset="0"/>
+              </a:rPr>
+              <a:t>Chatbot</a:t>
+            </a:r>
+            <a:r>
+              <a:rPr lang="es-MX" sz="1800" dirty="0">
+                <a:solidFill>
+                  <a:srgbClr val="000000"/>
+                </a:solidFill>
+                <a:effectLst/>
+                <a:latin typeface="Arial" panose="020B0604020202020204" pitchFamily="34" charset="0"/>
+                <a:ea typeface="Calibri" panose="020F0502020204030204" pitchFamily="34" charset="0"/>
+              </a:rPr>
+              <a:t>” para la atención al cliente, donde atiende entre otras cosas cuestiones sobre incidencias reportadas por los usuarios.</a:t>
             </a:r>
           </a:p>
           <a:p>
@@ -1202,13 +4206,55 @@
               <a:tabLst/>
               <a:defRPr/>
             </a:pPr>
+            <a:endParaRPr lang="es-MX" dirty="0">
+              <a:latin typeface="Rockwell (Cuerpo)"/>
+              <a:cs typeface="Arial" panose="020B0604020202020204" pitchFamily="34" charset="0"/>
+            </a:endParaRPr>
+          </a:p>
+          <a:p>
+            <a:pPr marL="0" marR="0" lvl="0" indent="0" algn="l" defTabSz="914400" rtl="0" eaLnBrk="1" fontAlgn="auto" latinLnBrk="0" hangingPunct="1">
+              <a:lnSpc>
+                <a:spcPct val="100000"/>
+              </a:lnSpc>
+              <a:spcBef>
+                <a:spcPts val="0"/>
+              </a:spcBef>
+              <a:spcAft>
+                <a:spcPts val="0"/>
+              </a:spcAft>
+              <a:buClrTx/>
+              <a:buSzTx/>
+              <a:buFontTx/>
+              <a:buNone/>
+              <a:tabLst/>
+              <a:defRPr/>
+            </a:pPr>
+            <a:r>
+              <a:rPr lang="es-ES" dirty="0">
+                <a:effectLst/>
+                <a:latin typeface="Rockwell (Cuerpo)"/>
+                <a:ea typeface="Calibri" panose="020F0502020204030204" pitchFamily="34" charset="0"/>
+              </a:rPr>
+              <a:t>El servicio agente de atención al cliente a través de personas supone costos, gasto físico y muchas veces limitaciones en el servicio, ya sea por el horario laboral, problemas de salud o falta de personal capacitado para satisfacer la demanda que de búsqueda de información que generan las personas, sin embargo un asistente virtual puede hacer este trabajo con disponibilidad a tiempo completo, pero </a:t>
+            </a:r>
             <a:r>
               <a:rPr lang="es-MX" dirty="0">
                 <a:latin typeface="Rockwell (Cuerpo)"/>
                 <a:cs typeface="Arial" panose="020B0604020202020204" pitchFamily="34" charset="0"/>
               </a:rPr>
-              <a:t>Los Asistentes Virtuales tienen la capacidad de brindar un servicio de atención mediante chat por diferentes vías, permiten la aclaración rápida de dudas y búsqueda de información que las personas demandan constantemente; sin embargo no están aptos muchas veces para dar respuestas o soluciones porque necesitan el conocimiento suficiente para ello.</a:t>
-            </a:r>
+              <a:t>construir la base de conocimiento para un asistente virtual es un laborioso trabajo que requiere de especialistas que reúnan, procesen y den la estructura correcta a la información</a:t>
+            </a:r>
+            <a:r>
+              <a:rPr lang="es-ES" dirty="0">
+                <a:latin typeface="Rockwell (Cuerpo)"/>
+                <a:cs typeface="Arial" panose="020B0604020202020204" pitchFamily="34" charset="0"/>
+              </a:rPr>
+              <a:t> para que pueda ser captada por los asistentes virtuales, el uso de especialistas supone altos costos, este proceso puede durar tiempo y contener el error humano.</a:t>
+            </a:r>
+            <a:endParaRPr lang="es-MX" dirty="0">
+              <a:latin typeface="Rockwell (Cuerpo)"/>
+              <a:cs typeface="Arial" panose="020B0604020202020204" pitchFamily="34" charset="0"/>
+            </a:endParaRPr>
           </a:p>
           <a:p>
             <a:pPr marL="0" marR="0" lvl="0" indent="0" algn="l" defTabSz="914400" rtl="0" eaLnBrk="1" fontAlgn="auto" latinLnBrk="0" hangingPunct="1">
@@ -1260,44 +4306,22 @@
             </a:r>
           </a:p>
           <a:p>
-            <a:pPr marL="0" marR="0" lvl="0" indent="0" algn="l" defTabSz="914400" rtl="0" eaLnBrk="1" fontAlgn="auto" latinLnBrk="0" hangingPunct="1">
+            <a:pPr algn="just">
               <a:lnSpc>
-                <a:spcPct val="100000"/>
+                <a:spcPct val="115000"/>
               </a:lnSpc>
-              <a:spcBef>
-                <a:spcPts val="0"/>
-              </a:spcBef>
               <a:spcAft>
-                <a:spcPts val="0"/>
+                <a:spcPts val="800"/>
               </a:spcAft>
-              <a:buClrTx/>
-              <a:buSzTx/>
-              <a:buFontTx/>
-              <a:buNone/>
-              <a:tabLst/>
-              <a:defRPr/>
             </a:pPr>
             <a:r>
-              <a:rPr lang="es-ES" dirty="0">
+              <a:rPr lang="es-ES" sz="1800" dirty="0">
                 <a:effectLst/>
-                <a:latin typeface="Rockwell (Cuerpo)"/>
+                <a:latin typeface="Arial" panose="020B0604020202020204" pitchFamily="34" charset="0"/>
                 <a:ea typeface="Calibri" panose="020F0502020204030204" pitchFamily="34" charset="0"/>
               </a:rPr>
-              <a:t>El servicio agente de atención al cliente a través de personas supone costos, gasto físico y muchas veces limitaciones en el servicio, ya sea por el horario laboral, problemas de salud o falta de personal capacitado para satisfacer la demanda que de búsqueda de información que generan las personas. </a:t>
-            </a:r>
-            <a:r>
-              <a:rPr lang="es-ES" b="1" dirty="0">
-                <a:effectLst/>
-                <a:latin typeface="Rockwell (Cuerpo)"/>
-                <a:ea typeface="Calibri" panose="020F0502020204030204" pitchFamily="34" charset="0"/>
-              </a:rPr>
-              <a:t>Un asistente virtual que puede estar disponible a toda hora, atender a muchos usuarios a la vez con una buena base de conocimiento que actualmente es insuficiente, necesita de especialistas y de un laborioso trabajo para construirse, puede dar solución a estas cuestiones o necesidades.</a:t>
-            </a:r>
-            <a:endParaRPr lang="es-ES" dirty="0">
-              <a:effectLst/>
-              <a:latin typeface="Rockwell (Cuerpo)"/>
-              <a:ea typeface="Calibri" panose="020F0502020204030204" pitchFamily="34" charset="0"/>
-            </a:endParaRPr>
+              <a:t>¿Un asistente virtual que puede estar disponible a toda hora y atender a muchos usuarios a la vez, que cuente con una buena construcción de su base de conocimiento que actualmente es insuficiente, necesita de especialistas y de un laborioso trabajo, puede dar solución a estas cuestiones o necesidades?</a:t>
+            </a:r>
           </a:p>
           <a:p>
             <a:pPr marL="0" marR="0" lvl="0" indent="0" algn="l" defTabSz="914400" rtl="0" eaLnBrk="1" fontAlgn="auto" latinLnBrk="0" hangingPunct="1">
@@ -1607,97 +4631,6 @@
           <a:bodyPr/>
           <a:lstStyle/>
           <a:p>
-            <a:pPr marL="0" marR="0" lvl="0" indent="0" algn="l" defTabSz="914400" rtl="0" eaLnBrk="1" fontAlgn="auto" latinLnBrk="0" hangingPunct="1">
-              <a:lnSpc>
-                <a:spcPct val="100000"/>
-              </a:lnSpc>
-              <a:spcBef>
-                <a:spcPts val="0"/>
-              </a:spcBef>
-              <a:spcAft>
-                <a:spcPts val="0"/>
-              </a:spcAft>
-              <a:buClrTx/>
-              <a:buSzTx/>
-              <a:buFontTx/>
-              <a:buNone/>
-              <a:tabLst/>
-              <a:defRPr/>
-            </a:pPr>
-            <a:r>
-              <a:rPr lang="es-ES" sz="1800" dirty="0">
-                <a:effectLst/>
-                <a:latin typeface="Arial" panose="020B0604020202020204" pitchFamily="34" charset="0"/>
-                <a:ea typeface="Calibri" panose="020F0502020204030204" pitchFamily="34" charset="0"/>
-              </a:rPr>
-              <a:t>De las plataformas estudiadas lo mejor es el uso de sistemas Open </a:t>
-            </a:r>
-            <a:r>
-              <a:rPr lang="es-ES" sz="1800" dirty="0" err="1">
-                <a:effectLst/>
-                <a:latin typeface="Arial" panose="020B0604020202020204" pitchFamily="34" charset="0"/>
-                <a:ea typeface="Calibri" panose="020F0502020204030204" pitchFamily="34" charset="0"/>
-              </a:rPr>
-              <a:t>Source</a:t>
-            </a:r>
-            <a:r>
-              <a:rPr lang="es-ES" sz="1800" dirty="0">
-                <a:effectLst/>
-                <a:latin typeface="Arial" panose="020B0604020202020204" pitchFamily="34" charset="0"/>
-                <a:ea typeface="Calibri" panose="020F0502020204030204" pitchFamily="34" charset="0"/>
-              </a:rPr>
-              <a:t> (Código Abierto) como lo son </a:t>
-            </a:r>
-            <a:r>
-              <a:rPr lang="es-ES" sz="1800" dirty="0" err="1">
-                <a:effectLst/>
-                <a:latin typeface="Arial" panose="020B0604020202020204" pitchFamily="34" charset="0"/>
-                <a:ea typeface="Calibri" panose="020F0502020204030204" pitchFamily="34" charset="0"/>
-              </a:rPr>
-              <a:t>BotPress</a:t>
-            </a:r>
-            <a:r>
-              <a:rPr lang="es-ES" sz="1800" dirty="0">
-                <a:effectLst/>
-                <a:latin typeface="Arial" panose="020B0604020202020204" pitchFamily="34" charset="0"/>
-                <a:ea typeface="Calibri" panose="020F0502020204030204" pitchFamily="34" charset="0"/>
-              </a:rPr>
-              <a:t> y RASA por su manejo y la posibilidad de modificar en aras de adaptar y dar mejores facilidades en comparación con las otras plataformas, permite una mayor colaboración entre los que usan este tipo de sistemas y por lo tanto tienen una gran comunidad de desarrolladores activos. Las otras plataformas: Azure Bot </a:t>
-            </a:r>
-            <a:r>
-              <a:rPr lang="es-ES" sz="1800" dirty="0" err="1">
-                <a:effectLst/>
-                <a:latin typeface="Arial" panose="020B0604020202020204" pitchFamily="34" charset="0"/>
-                <a:ea typeface="Calibri" panose="020F0502020204030204" pitchFamily="34" charset="0"/>
-              </a:rPr>
-              <a:t>Service</a:t>
-            </a:r>
-            <a:r>
-              <a:rPr lang="es-ES" sz="1800" dirty="0">
-                <a:effectLst/>
-                <a:latin typeface="Arial" panose="020B0604020202020204" pitchFamily="34" charset="0"/>
-                <a:ea typeface="Calibri" panose="020F0502020204030204" pitchFamily="34" charset="0"/>
-              </a:rPr>
-              <a:t>, </a:t>
-            </a:r>
-            <a:r>
-              <a:rPr lang="es-ES" sz="1800" dirty="0" err="1">
-                <a:effectLst/>
-                <a:latin typeface="Arial" panose="020B0604020202020204" pitchFamily="34" charset="0"/>
-                <a:ea typeface="Calibri" panose="020F0502020204030204" pitchFamily="34" charset="0"/>
-              </a:rPr>
-              <a:t>DialogFlow</a:t>
-            </a:r>
-            <a:r>
-              <a:rPr lang="es-ES" sz="1800" dirty="0">
-                <a:effectLst/>
-                <a:latin typeface="Arial" panose="020B0604020202020204" pitchFamily="34" charset="0"/>
-                <a:ea typeface="Calibri" panose="020F0502020204030204" pitchFamily="34" charset="0"/>
-              </a:rPr>
-              <a:t> y Amazon Lex si bien son bastante completas y son las más usadas por las grandes empresas, estas son sistemas privados y hoy la industria del software libre es un gran paso de avance en la tecnología, una mejor alternativa, está en ascenso y es más flexible para los desarrolladores. La plataforma Rasa fue la elegida para trabajar, ya que por su forma de uso permite modificar o configurar a nivel de archivos cómo se lleva el conocimiento a los asistentes virtuales desarrollados en ella. Además, Rasa se ajusta más a la línea o idea que se está siguiendo en este trabajo porque al usar comandos permite de alguna manera automatizar del proceso que se está trabajando; además de la basta comunidad y tutoriales que posee, así como las facilidades que brinda para desarrollar y entrenar sus agentes conversacionales.</a:t>
-            </a:r>
-          </a:p>
-          <a:p>
             <a:endParaRPr lang="es-ES" dirty="0"/>
           </a:p>
         </p:txBody>
@@ -1728,7 +4661,7 @@
     </p:spTree>
     <p:extLst>
       <p:ext uri="{BB962C8B-B14F-4D97-AF65-F5344CB8AC3E}">
-        <p14:creationId xmlns:p14="http://schemas.microsoft.com/office/powerpoint/2010/main" val="2554199236"/>
+        <p14:creationId xmlns:p14="http://schemas.microsoft.com/office/powerpoint/2010/main" val="1327427965"/>
       </p:ext>
     </p:extLst>
   </p:cSld>
@@ -1800,94 +4733,76 @@
               <a:defRPr/>
             </a:pPr>
             <a:r>
-              <a:rPr lang="es-ES" dirty="0"/>
-              <a:t>Un sistema que a partir de datos proporcionados pudiera generar o construir automáticamente la estructura de conocimiento de un asistente virtual desarrollado en Rasa, lo que reduce en gran medida el error humano al realizar este trabajo manualmente.</a:t>
-            </a:r>
-          </a:p>
-          <a:p>
-            <a:pPr marL="0" marR="0" lvl="0" indent="0" algn="l" defTabSz="914400" rtl="0" eaLnBrk="1" fontAlgn="auto" latinLnBrk="0" hangingPunct="1">
-              <a:lnSpc>
-                <a:spcPct val="100000"/>
-              </a:lnSpc>
-              <a:spcBef>
-                <a:spcPts val="0"/>
-              </a:spcBef>
-              <a:spcAft>
-                <a:spcPts val="0"/>
-              </a:spcAft>
-              <a:buClrTx/>
-              <a:buSzTx/>
-              <a:buFontTx/>
-              <a:buNone/>
-              <a:tabLst/>
-              <a:defRPr/>
-            </a:pPr>
-            <a:endParaRPr lang="es-ES" dirty="0"/>
-          </a:p>
-          <a:p>
-            <a:pPr marL="0" marR="0" lvl="0" indent="0" algn="l" defTabSz="914400" rtl="0" eaLnBrk="1" fontAlgn="auto" latinLnBrk="0" hangingPunct="1">
-              <a:lnSpc>
-                <a:spcPct val="100000"/>
-              </a:lnSpc>
-              <a:spcBef>
-                <a:spcPts val="0"/>
-              </a:spcBef>
-              <a:spcAft>
-                <a:spcPts val="0"/>
-              </a:spcAft>
-              <a:buClrTx/>
-              <a:buSzTx/>
-              <a:buFontTx/>
-              <a:buNone/>
-              <a:tabLst/>
-              <a:defRPr/>
-            </a:pPr>
-            <a:r>
-              <a:rPr lang="es-ES" dirty="0"/>
-              <a:t>La investigación también permitió saber el cómo lograr la construcción automática de asistentes virtuales a partir de una base de conocimiento nueva previamente construida.</a:t>
-            </a:r>
-          </a:p>
-          <a:p>
-            <a:pPr marL="0" marR="0" lvl="0" indent="0" algn="l" defTabSz="914400" rtl="0" eaLnBrk="1" fontAlgn="auto" latinLnBrk="0" hangingPunct="1">
-              <a:lnSpc>
-                <a:spcPct val="100000"/>
-              </a:lnSpc>
-              <a:spcBef>
-                <a:spcPts val="0"/>
-              </a:spcBef>
-              <a:spcAft>
-                <a:spcPts val="0"/>
-              </a:spcAft>
-              <a:buClrTx/>
-              <a:buSzTx/>
-              <a:buFontTx/>
-              <a:buNone/>
-              <a:tabLst/>
-              <a:defRPr/>
-            </a:pPr>
-            <a:endParaRPr lang="es-ES" dirty="0"/>
-          </a:p>
-          <a:p>
-            <a:pPr marL="0" marR="0" lvl="0" indent="0" algn="l" defTabSz="914400" rtl="0" eaLnBrk="1" fontAlgn="auto" latinLnBrk="0" hangingPunct="1">
-              <a:lnSpc>
-                <a:spcPct val="100000"/>
-              </a:lnSpc>
-              <a:spcBef>
-                <a:spcPts val="0"/>
-              </a:spcBef>
-              <a:spcAft>
-                <a:spcPts val="0"/>
-              </a:spcAft>
-              <a:buClrTx/>
-              <a:buSzTx/>
-              <a:buFontTx/>
-              <a:buNone/>
-              <a:tabLst/>
-              <a:defRPr/>
-            </a:pPr>
-            <a:r>
-              <a:rPr lang="es-ES" dirty="0"/>
-              <a:t>Además se logró evidenciar las facilidades que brinda este tipo de solución en el desarrollo de asistentes virtuales sin necesidad de especialistas y reduciendo el trabajo que cuesta dicha tarea; también cómo mejora la capacidad de respuesta de los asistentes virtuales y a su vez la calidad de su servicio al interactuar con las personas.</a:t>
+              <a:rPr lang="es-ES" sz="1800" dirty="0">
+                <a:effectLst/>
+                <a:latin typeface="Arial" panose="020B0604020202020204" pitchFamily="34" charset="0"/>
+                <a:ea typeface="Calibri" panose="020F0502020204030204" pitchFamily="34" charset="0"/>
+              </a:rPr>
+              <a:t>De las plataformas estudiadas lo mejor es el uso de sistemas Open </a:t>
+            </a:r>
+            <a:r>
+              <a:rPr lang="es-ES" sz="1800" dirty="0" err="1">
+                <a:effectLst/>
+                <a:latin typeface="Arial" panose="020B0604020202020204" pitchFamily="34" charset="0"/>
+                <a:ea typeface="Calibri" panose="020F0502020204030204" pitchFamily="34" charset="0"/>
+              </a:rPr>
+              <a:t>Source</a:t>
+            </a:r>
+            <a:r>
+              <a:rPr lang="es-ES" sz="1800" dirty="0">
+                <a:effectLst/>
+                <a:latin typeface="Arial" panose="020B0604020202020204" pitchFamily="34" charset="0"/>
+                <a:ea typeface="Calibri" panose="020F0502020204030204" pitchFamily="34" charset="0"/>
+              </a:rPr>
+              <a:t> (Código Abierto) como lo son </a:t>
+            </a:r>
+            <a:r>
+              <a:rPr lang="es-ES" sz="1800" dirty="0" err="1">
+                <a:effectLst/>
+                <a:latin typeface="Arial" panose="020B0604020202020204" pitchFamily="34" charset="0"/>
+                <a:ea typeface="Calibri" panose="020F0502020204030204" pitchFamily="34" charset="0"/>
+              </a:rPr>
+              <a:t>BotPress</a:t>
+            </a:r>
+            <a:r>
+              <a:rPr lang="es-ES" sz="1800" dirty="0">
+                <a:effectLst/>
+                <a:latin typeface="Arial" panose="020B0604020202020204" pitchFamily="34" charset="0"/>
+                <a:ea typeface="Calibri" panose="020F0502020204030204" pitchFamily="34" charset="0"/>
+              </a:rPr>
+              <a:t> y RASA por su manejo y la posibilidad de modificar en aras de adaptar y dar mejores facilidades en comparación con las otras plataformas, permite una mayor colaboración entre los que usan este tipo de sistemas y por lo tanto tienen una gran comunidad de desarrolladores activos. Las otras plataformas: Azure Bot </a:t>
+            </a:r>
+            <a:r>
+              <a:rPr lang="es-ES" sz="1800" dirty="0" err="1">
+                <a:effectLst/>
+                <a:latin typeface="Arial" panose="020B0604020202020204" pitchFamily="34" charset="0"/>
+                <a:ea typeface="Calibri" panose="020F0502020204030204" pitchFamily="34" charset="0"/>
+              </a:rPr>
+              <a:t>Service</a:t>
+            </a:r>
+            <a:r>
+              <a:rPr lang="es-ES" sz="1800" dirty="0">
+                <a:effectLst/>
+                <a:latin typeface="Arial" panose="020B0604020202020204" pitchFamily="34" charset="0"/>
+                <a:ea typeface="Calibri" panose="020F0502020204030204" pitchFamily="34" charset="0"/>
+              </a:rPr>
+              <a:t>, </a:t>
+            </a:r>
+            <a:r>
+              <a:rPr lang="es-ES" sz="1800" dirty="0" err="1">
+                <a:effectLst/>
+                <a:latin typeface="Arial" panose="020B0604020202020204" pitchFamily="34" charset="0"/>
+                <a:ea typeface="Calibri" panose="020F0502020204030204" pitchFamily="34" charset="0"/>
+              </a:rPr>
+              <a:t>DialogFlow</a:t>
+            </a:r>
+            <a:r>
+              <a:rPr lang="es-ES" sz="1800" dirty="0">
+                <a:effectLst/>
+                <a:latin typeface="Arial" panose="020B0604020202020204" pitchFamily="34" charset="0"/>
+                <a:ea typeface="Calibri" panose="020F0502020204030204" pitchFamily="34" charset="0"/>
+              </a:rPr>
+              <a:t> y Amazon Lex si bien son bastante completas y son las más usadas por las grandes empresas, estas son sistemas privados y hoy la industria del software libre es un gran paso de avance en la tecnología, una mejor alternativa, está en ascenso y es más flexible para los desarrolladores. La plataforma Rasa fue la elegida para trabajar, ya que por su forma de uso permite modificar o configurar a nivel de archivos cómo se lleva el conocimiento a los asistentes virtuales desarrollados en ella. Además, Rasa se ajusta más a la línea o idea que se está siguiendo en este trabajo porque al usar comandos permite de alguna manera automatizar del proceso que se está trabajando; además de la basta comunidad y tutoriales que posee, así como las facilidades que brinda para desarrollar y entrenar sus agentes conversacionales.</a:t>
             </a:r>
           </a:p>
           <a:p>
@@ -1921,7 +4836,7 @@
     </p:spTree>
     <p:extLst>
       <p:ext uri="{BB962C8B-B14F-4D97-AF65-F5344CB8AC3E}">
-        <p14:creationId xmlns:p14="http://schemas.microsoft.com/office/powerpoint/2010/main" val="1327427965"/>
+        <p14:creationId xmlns:p14="http://schemas.microsoft.com/office/powerpoint/2010/main" val="2554199236"/>
       </p:ext>
     </p:extLst>
   </p:cSld>
@@ -1975,34 +4890,6 @@
           <a:bodyPr/>
           <a:lstStyle/>
           <a:p>
-            <a:pPr algn="just"/>
-            <a:r>
-              <a:rPr lang="es-ES" dirty="0"/>
-              <a:t>RF1: Permitirá el acceso al sistema y funcionalidades correspondientes. </a:t>
-            </a:r>
-          </a:p>
-          <a:p>
-            <a:pPr algn="just"/>
-            <a:r>
-              <a:rPr lang="es-ES" dirty="0"/>
-              <a:t>RF2: Es donde el usuario a partir de una entrada de datos al sistema, este último analizará dichos datos y creará los archivos de entrenamiento.</a:t>
-            </a:r>
-          </a:p>
-          <a:p>
-            <a:pPr algn="just"/>
-            <a:r>
-              <a:rPr lang="es-ES" dirty="0"/>
-              <a:t>RF3: Proporciona la posibilidad de crear el asistente virtual a partir de cierta información.</a:t>
-            </a:r>
-          </a:p>
-          <a:p>
-            <a:pPr algn="just"/>
-            <a:r>
-              <a:rPr lang="es-ES" dirty="0"/>
-              <a:t>RF4: Permitirá una vez creado el asistente y los archivos de entrenamiento poder entrenarlo, y una vez finalizado este proceso tendrá la posibilidad de probarlo e interactuar con el robot conversacional.</a:t>
-            </a:r>
-          </a:p>
-          <a:p>
             <a:endParaRPr lang="es-ES" dirty="0"/>
           </a:p>
         </p:txBody>
@@ -2024,7 +4911,7 @@
           <a:p>
             <a:fld id="{3078BF56-2ECF-4460-BCB4-07206B519773}" type="slidenum">
               <a:rPr lang="es-ES" smtClean="0"/>
-              <a:t>11</a:t>
+              <a:t>12</a:t>
             </a:fld>
             <a:endParaRPr lang="es-ES"/>
           </a:p>
@@ -2111,7 +4998,7 @@
           <a:p>
             <a:fld id="{3078BF56-2ECF-4460-BCB4-07206B519773}" type="slidenum">
               <a:rPr lang="es-ES" smtClean="0"/>
-              <a:t>16</a:t>
+              <a:t>17</a:t>
             </a:fld>
             <a:endParaRPr lang="es-ES"/>
           </a:p>
@@ -2533,7 +5420,7 @@
           <a:p>
             <a:fld id="{B68655D5-7C77-493A-8D32-5357D2FC22A3}" type="datetimeFigureOut">
               <a:rPr lang="es-ES" smtClean="0"/>
-              <a:t>11/10/2022</a:t>
+              <a:t>01/11/2022</a:t>
             </a:fld>
             <a:endParaRPr lang="es-ES"/>
           </a:p>
@@ -2712,7 +5599,7 @@
           <a:p>
             <a:fld id="{B68655D5-7C77-493A-8D32-5357D2FC22A3}" type="datetimeFigureOut">
               <a:rPr lang="es-ES" smtClean="0"/>
-              <a:t>11/10/2022</a:t>
+              <a:t>01/11/2022</a:t>
             </a:fld>
             <a:endParaRPr lang="es-ES"/>
           </a:p>
@@ -2892,7 +5779,7 @@
           <a:p>
             <a:fld id="{B68655D5-7C77-493A-8D32-5357D2FC22A3}" type="datetimeFigureOut">
               <a:rPr lang="es-ES" smtClean="0"/>
-              <a:t>11/10/2022</a:t>
+              <a:t>01/11/2022</a:t>
             </a:fld>
             <a:endParaRPr lang="es-ES"/>
           </a:p>
@@ -3062,7 +5949,7 @@
           <a:p>
             <a:fld id="{B68655D5-7C77-493A-8D32-5357D2FC22A3}" type="datetimeFigureOut">
               <a:rPr lang="es-ES" smtClean="0"/>
-              <a:t>11/10/2022</a:t>
+              <a:t>01/11/2022</a:t>
             </a:fld>
             <a:endParaRPr lang="es-ES"/>
           </a:p>
@@ -3375,7 +6262,7 @@
           <a:p>
             <a:fld id="{B68655D5-7C77-493A-8D32-5357D2FC22A3}" type="datetimeFigureOut">
               <a:rPr lang="es-ES" smtClean="0"/>
-              <a:t>11/10/2022</a:t>
+              <a:t>01/11/2022</a:t>
             </a:fld>
             <a:endParaRPr lang="es-ES"/>
           </a:p>
@@ -3761,7 +6648,7 @@
           <a:p>
             <a:fld id="{B68655D5-7C77-493A-8D32-5357D2FC22A3}" type="datetimeFigureOut">
               <a:rPr lang="es-ES" smtClean="0"/>
-              <a:t>11/10/2022</a:t>
+              <a:t>01/11/2022</a:t>
             </a:fld>
             <a:endParaRPr lang="es-ES"/>
           </a:p>
@@ -4195,7 +7082,7 @@
           <a:p>
             <a:fld id="{B68655D5-7C77-493A-8D32-5357D2FC22A3}" type="datetimeFigureOut">
               <a:rPr lang="es-ES" smtClean="0"/>
-              <a:t>11/10/2022</a:t>
+              <a:t>01/11/2022</a:t>
             </a:fld>
             <a:endParaRPr lang="es-ES"/>
           </a:p>
@@ -4313,7 +7200,7 @@
           <a:p>
             <a:fld id="{B68655D5-7C77-493A-8D32-5357D2FC22A3}" type="datetimeFigureOut">
               <a:rPr lang="es-ES" smtClean="0"/>
-              <a:t>11/10/2022</a:t>
+              <a:t>01/11/2022</a:t>
             </a:fld>
             <a:endParaRPr lang="es-ES"/>
           </a:p>
@@ -4408,7 +7295,7 @@
           <a:p>
             <a:fld id="{B68655D5-7C77-493A-8D32-5357D2FC22A3}" type="datetimeFigureOut">
               <a:rPr lang="es-ES" smtClean="0"/>
-              <a:t>11/10/2022</a:t>
+              <a:t>01/11/2022</a:t>
             </a:fld>
             <a:endParaRPr lang="es-ES"/>
           </a:p>
@@ -4758,7 +7645,7 @@
           <a:p>
             <a:fld id="{B68655D5-7C77-493A-8D32-5357D2FC22A3}" type="datetimeFigureOut">
               <a:rPr lang="es-ES" smtClean="0"/>
-              <a:t>11/10/2022</a:t>
+              <a:t>01/11/2022</a:t>
             </a:fld>
             <a:endParaRPr lang="es-ES"/>
           </a:p>
@@ -5183,7 +8070,7 @@
           <a:p>
             <a:fld id="{B68655D5-7C77-493A-8D32-5357D2FC22A3}" type="datetimeFigureOut">
               <a:rPr lang="es-ES" smtClean="0"/>
-              <a:t>11/10/2022</a:t>
+              <a:t>01/11/2022</a:t>
             </a:fld>
             <a:endParaRPr lang="es-ES"/>
           </a:p>
@@ -5464,7 +8351,7 @@
           <a:p>
             <a:fld id="{B68655D5-7C77-493A-8D32-5357D2FC22A3}" type="datetimeFigureOut">
               <a:rPr lang="es-ES" smtClean="0"/>
-              <a:t>11/10/2022</a:t>
+              <a:t>01/11/2022</a:t>
             </a:fld>
             <a:endParaRPr lang="es-ES"/>
           </a:p>
@@ -8777,6 +11664,829 @@
           <p:cNvPr id="2" name="Título 1">
             <a:extLst>
               <a:ext uri="{FF2B5EF4-FFF2-40B4-BE49-F238E27FC236}">
+                <a16:creationId xmlns:a16="http://schemas.microsoft.com/office/drawing/2014/main" id="{556AC749-795F-8A6C-CF45-E19653A4E90C}"/>
+              </a:ext>
+            </a:extLst>
+          </p:cNvPr>
+          <p:cNvSpPr>
+            <a:spLocks noGrp="1"/>
+          </p:cNvSpPr>
+          <p:nvPr>
+            <p:ph type="title"/>
+          </p:nvPr>
+        </p:nvSpPr>
+        <p:spPr>
+          <a:xfrm>
+            <a:off x="1173480" y="183740"/>
+            <a:ext cx="10058400" cy="923331"/>
+          </a:xfrm>
+        </p:spPr>
+        <p:txBody>
+          <a:bodyPr>
+            <a:normAutofit fontScale="90000"/>
+          </a:bodyPr>
+          <a:lstStyle/>
+          <a:p>
+            <a:pPr algn="ctr"/>
+            <a:r>
+              <a:rPr lang="es-ES" dirty="0"/>
+              <a:t>Usuarios del sistema y responsabilidades</a:t>
+            </a:r>
+          </a:p>
+        </p:txBody>
+      </p:sp>
+      <p:sp>
+        <p:nvSpPr>
+          <p:cNvPr id="4" name="CuadroTexto 6">
+            <a:extLst>
+              <a:ext uri="{FF2B5EF4-FFF2-40B4-BE49-F238E27FC236}">
+                <a16:creationId xmlns:a16="http://schemas.microsoft.com/office/drawing/2014/main" id="{630CDC94-90A4-5805-D664-B6221008109C}"/>
+              </a:ext>
+            </a:extLst>
+          </p:cNvPr>
+          <p:cNvSpPr txBox="1"/>
+          <p:nvPr/>
+        </p:nvSpPr>
+        <p:spPr>
+          <a:xfrm>
+            <a:off x="8942947" y="3618873"/>
+            <a:ext cx="943428" cy="400110"/>
+          </a:xfrm>
+          <a:prstGeom prst="rect">
+            <a:avLst/>
+          </a:prstGeom>
+          <a:noFill/>
+        </p:spPr>
+        <p:txBody>
+          <a:bodyPr wrap="square" rtlCol="0">
+            <a:spAutoFit/>
+          </a:bodyPr>
+          <a:lstStyle>
+            <a:defPPr>
+              <a:defRPr lang="es-ES"/>
+            </a:defPPr>
+            <a:lvl1pPr marL="0" algn="l" defTabSz="914400" rtl="0" eaLnBrk="1" latinLnBrk="0" hangingPunct="1">
+              <a:defRPr sz="1800" kern="1200">
+                <a:solidFill>
+                  <a:schemeClr val="tx1"/>
+                </a:solidFill>
+                <a:latin typeface="+mn-lt"/>
+                <a:ea typeface="+mn-ea"/>
+                <a:cs typeface="+mn-cs"/>
+              </a:defRPr>
+            </a:lvl1pPr>
+            <a:lvl2pPr marL="457200" algn="l" defTabSz="914400" rtl="0" eaLnBrk="1" latinLnBrk="0" hangingPunct="1">
+              <a:defRPr sz="1800" kern="1200">
+                <a:solidFill>
+                  <a:schemeClr val="tx1"/>
+                </a:solidFill>
+                <a:latin typeface="+mn-lt"/>
+                <a:ea typeface="+mn-ea"/>
+                <a:cs typeface="+mn-cs"/>
+              </a:defRPr>
+            </a:lvl2pPr>
+            <a:lvl3pPr marL="914400" algn="l" defTabSz="914400" rtl="0" eaLnBrk="1" latinLnBrk="0" hangingPunct="1">
+              <a:defRPr sz="1800" kern="1200">
+                <a:solidFill>
+                  <a:schemeClr val="tx1"/>
+                </a:solidFill>
+                <a:latin typeface="+mn-lt"/>
+                <a:ea typeface="+mn-ea"/>
+                <a:cs typeface="+mn-cs"/>
+              </a:defRPr>
+            </a:lvl3pPr>
+            <a:lvl4pPr marL="1371600" algn="l" defTabSz="914400" rtl="0" eaLnBrk="1" latinLnBrk="0" hangingPunct="1">
+              <a:defRPr sz="1800" kern="1200">
+                <a:solidFill>
+                  <a:schemeClr val="tx1"/>
+                </a:solidFill>
+                <a:latin typeface="+mn-lt"/>
+                <a:ea typeface="+mn-ea"/>
+                <a:cs typeface="+mn-cs"/>
+              </a:defRPr>
+            </a:lvl4pPr>
+            <a:lvl5pPr marL="1828800" algn="l" defTabSz="914400" rtl="0" eaLnBrk="1" latinLnBrk="0" hangingPunct="1">
+              <a:defRPr sz="1800" kern="1200">
+                <a:solidFill>
+                  <a:schemeClr val="tx1"/>
+                </a:solidFill>
+                <a:latin typeface="+mn-lt"/>
+                <a:ea typeface="+mn-ea"/>
+                <a:cs typeface="+mn-cs"/>
+              </a:defRPr>
+            </a:lvl5pPr>
+            <a:lvl6pPr marL="2286000" algn="l" defTabSz="914400" rtl="0" eaLnBrk="1" latinLnBrk="0" hangingPunct="1">
+              <a:defRPr sz="1800" kern="1200">
+                <a:solidFill>
+                  <a:schemeClr val="tx1"/>
+                </a:solidFill>
+                <a:latin typeface="+mn-lt"/>
+                <a:ea typeface="+mn-ea"/>
+                <a:cs typeface="+mn-cs"/>
+              </a:defRPr>
+            </a:lvl6pPr>
+            <a:lvl7pPr marL="2743200" algn="l" defTabSz="914400" rtl="0" eaLnBrk="1" latinLnBrk="0" hangingPunct="1">
+              <a:defRPr sz="1800" kern="1200">
+                <a:solidFill>
+                  <a:schemeClr val="tx1"/>
+                </a:solidFill>
+                <a:latin typeface="+mn-lt"/>
+                <a:ea typeface="+mn-ea"/>
+                <a:cs typeface="+mn-cs"/>
+              </a:defRPr>
+            </a:lvl7pPr>
+            <a:lvl8pPr marL="3200400" algn="l" defTabSz="914400" rtl="0" eaLnBrk="1" latinLnBrk="0" hangingPunct="1">
+              <a:defRPr sz="1800" kern="1200">
+                <a:solidFill>
+                  <a:schemeClr val="tx1"/>
+                </a:solidFill>
+                <a:latin typeface="+mn-lt"/>
+                <a:ea typeface="+mn-ea"/>
+                <a:cs typeface="+mn-cs"/>
+              </a:defRPr>
+            </a:lvl8pPr>
+            <a:lvl9pPr marL="3657600" algn="l" defTabSz="914400" rtl="0" eaLnBrk="1" latinLnBrk="0" hangingPunct="1">
+              <a:defRPr sz="1800" kern="1200">
+                <a:solidFill>
+                  <a:schemeClr val="tx1"/>
+                </a:solidFill>
+                <a:latin typeface="+mn-lt"/>
+                <a:ea typeface="+mn-ea"/>
+                <a:cs typeface="+mn-cs"/>
+              </a:defRPr>
+            </a:lvl9pPr>
+          </a:lstStyle>
+          <a:p>
+            <a:pPr algn="ctr"/>
+            <a:r>
+              <a:rPr lang="es-ES" sz="2000" b="1" dirty="0">
+                <a:solidFill>
+                  <a:schemeClr val="bg1"/>
+                </a:solidFill>
+                <a:latin typeface="Arial" panose="020B0604020202020204" pitchFamily="34" charset="0"/>
+                <a:cs typeface="Arial" panose="020B0604020202020204" pitchFamily="34" charset="0"/>
+              </a:rPr>
+              <a:t>XP</a:t>
+            </a:r>
+          </a:p>
+        </p:txBody>
+      </p:sp>
+      <p:grpSp>
+        <p:nvGrpSpPr>
+          <p:cNvPr id="34" name="Grupo 33">
+            <a:extLst>
+              <a:ext uri="{FF2B5EF4-FFF2-40B4-BE49-F238E27FC236}">
+                <a16:creationId xmlns:a16="http://schemas.microsoft.com/office/drawing/2014/main" id="{58C74C8A-BC44-BD4C-EF51-E442A7235027}"/>
+              </a:ext>
+            </a:extLst>
+          </p:cNvPr>
+          <p:cNvGrpSpPr/>
+          <p:nvPr/>
+        </p:nvGrpSpPr>
+        <p:grpSpPr>
+          <a:xfrm>
+            <a:off x="2066753" y="3667185"/>
+            <a:ext cx="2452254" cy="2041465"/>
+            <a:chOff x="2767793" y="3606225"/>
+            <a:chExt cx="2452254" cy="2041465"/>
+          </a:xfrm>
+        </p:grpSpPr>
+        <p:pic>
+          <p:nvPicPr>
+            <p:cNvPr id="5" name="Imagen 4">
+              <a:extLst>
+                <a:ext uri="{FF2B5EF4-FFF2-40B4-BE49-F238E27FC236}">
+                  <a16:creationId xmlns:a16="http://schemas.microsoft.com/office/drawing/2014/main" id="{AD16DB44-4F1F-7BA5-EFF8-FBC8F605F669}"/>
+                </a:ext>
+              </a:extLst>
+            </p:cNvPr>
+            <p:cNvPicPr>
+              <a:picLocks noChangeAspect="1"/>
+            </p:cNvPicPr>
+            <p:nvPr/>
+          </p:nvPicPr>
+          <p:blipFill rotWithShape="1">
+            <a:blip r:embed="rId2">
+              <a:extLst>
+                <a:ext uri="{28A0092B-C50C-407E-A947-70E740481C1C}">
+                  <a14:useLocalDpi xmlns:a14="http://schemas.microsoft.com/office/drawing/2010/main" val="0"/>
+                </a:ext>
+              </a:extLst>
+            </a:blip>
+            <a:srcRect l="3455" r="50485"/>
+            <a:stretch/>
+          </p:blipFill>
+          <p:spPr>
+            <a:xfrm>
+              <a:off x="3370465" y="3606225"/>
+              <a:ext cx="1246909" cy="1633286"/>
+            </a:xfrm>
+            <a:prstGeom prst="rect">
+              <a:avLst/>
+            </a:prstGeom>
+          </p:spPr>
+        </p:pic>
+        <p:sp>
+          <p:nvSpPr>
+            <p:cNvPr id="8" name="CuadroTexto 2">
+              <a:extLst>
+                <a:ext uri="{FF2B5EF4-FFF2-40B4-BE49-F238E27FC236}">
+                  <a16:creationId xmlns:a16="http://schemas.microsoft.com/office/drawing/2014/main" id="{F044B281-32CB-5E78-426D-2AB98C674304}"/>
+                </a:ext>
+              </a:extLst>
+            </p:cNvPr>
+            <p:cNvSpPr txBox="1"/>
+            <p:nvPr/>
+          </p:nvSpPr>
+          <p:spPr>
+            <a:xfrm>
+              <a:off x="2767793" y="5278358"/>
+              <a:ext cx="2452254" cy="369332"/>
+            </a:xfrm>
+            <a:prstGeom prst="rect">
+              <a:avLst/>
+            </a:prstGeom>
+            <a:noFill/>
+          </p:spPr>
+          <p:txBody>
+            <a:bodyPr wrap="square" rtlCol="0">
+              <a:spAutoFit/>
+            </a:bodyPr>
+            <a:lstStyle>
+              <a:defPPr>
+                <a:defRPr lang="es-ES"/>
+              </a:defPPr>
+              <a:lvl1pPr marL="0" algn="l" defTabSz="914400" rtl="0" eaLnBrk="1" latinLnBrk="0" hangingPunct="1">
+                <a:defRPr sz="1800" kern="1200">
+                  <a:solidFill>
+                    <a:schemeClr val="tx1"/>
+                  </a:solidFill>
+                  <a:latin typeface="+mn-lt"/>
+                  <a:ea typeface="+mn-ea"/>
+                  <a:cs typeface="+mn-cs"/>
+                </a:defRPr>
+              </a:lvl1pPr>
+              <a:lvl2pPr marL="457200" algn="l" defTabSz="914400" rtl="0" eaLnBrk="1" latinLnBrk="0" hangingPunct="1">
+                <a:defRPr sz="1800" kern="1200">
+                  <a:solidFill>
+                    <a:schemeClr val="tx1"/>
+                  </a:solidFill>
+                  <a:latin typeface="+mn-lt"/>
+                  <a:ea typeface="+mn-ea"/>
+                  <a:cs typeface="+mn-cs"/>
+                </a:defRPr>
+              </a:lvl2pPr>
+              <a:lvl3pPr marL="914400" algn="l" defTabSz="914400" rtl="0" eaLnBrk="1" latinLnBrk="0" hangingPunct="1">
+                <a:defRPr sz="1800" kern="1200">
+                  <a:solidFill>
+                    <a:schemeClr val="tx1"/>
+                  </a:solidFill>
+                  <a:latin typeface="+mn-lt"/>
+                  <a:ea typeface="+mn-ea"/>
+                  <a:cs typeface="+mn-cs"/>
+                </a:defRPr>
+              </a:lvl3pPr>
+              <a:lvl4pPr marL="1371600" algn="l" defTabSz="914400" rtl="0" eaLnBrk="1" latinLnBrk="0" hangingPunct="1">
+                <a:defRPr sz="1800" kern="1200">
+                  <a:solidFill>
+                    <a:schemeClr val="tx1"/>
+                  </a:solidFill>
+                  <a:latin typeface="+mn-lt"/>
+                  <a:ea typeface="+mn-ea"/>
+                  <a:cs typeface="+mn-cs"/>
+                </a:defRPr>
+              </a:lvl4pPr>
+              <a:lvl5pPr marL="1828800" algn="l" defTabSz="914400" rtl="0" eaLnBrk="1" latinLnBrk="0" hangingPunct="1">
+                <a:defRPr sz="1800" kern="1200">
+                  <a:solidFill>
+                    <a:schemeClr val="tx1"/>
+                  </a:solidFill>
+                  <a:latin typeface="+mn-lt"/>
+                  <a:ea typeface="+mn-ea"/>
+                  <a:cs typeface="+mn-cs"/>
+                </a:defRPr>
+              </a:lvl5pPr>
+              <a:lvl6pPr marL="2286000" algn="l" defTabSz="914400" rtl="0" eaLnBrk="1" latinLnBrk="0" hangingPunct="1">
+                <a:defRPr sz="1800" kern="1200">
+                  <a:solidFill>
+                    <a:schemeClr val="tx1"/>
+                  </a:solidFill>
+                  <a:latin typeface="+mn-lt"/>
+                  <a:ea typeface="+mn-ea"/>
+                  <a:cs typeface="+mn-cs"/>
+                </a:defRPr>
+              </a:lvl6pPr>
+              <a:lvl7pPr marL="2743200" algn="l" defTabSz="914400" rtl="0" eaLnBrk="1" latinLnBrk="0" hangingPunct="1">
+                <a:defRPr sz="1800" kern="1200">
+                  <a:solidFill>
+                    <a:schemeClr val="tx1"/>
+                  </a:solidFill>
+                  <a:latin typeface="+mn-lt"/>
+                  <a:ea typeface="+mn-ea"/>
+                  <a:cs typeface="+mn-cs"/>
+                </a:defRPr>
+              </a:lvl7pPr>
+              <a:lvl8pPr marL="3200400" algn="l" defTabSz="914400" rtl="0" eaLnBrk="1" latinLnBrk="0" hangingPunct="1">
+                <a:defRPr sz="1800" kern="1200">
+                  <a:solidFill>
+                    <a:schemeClr val="tx1"/>
+                  </a:solidFill>
+                  <a:latin typeface="+mn-lt"/>
+                  <a:ea typeface="+mn-ea"/>
+                  <a:cs typeface="+mn-cs"/>
+                </a:defRPr>
+              </a:lvl8pPr>
+              <a:lvl9pPr marL="3657600" algn="l" defTabSz="914400" rtl="0" eaLnBrk="1" latinLnBrk="0" hangingPunct="1">
+                <a:defRPr sz="1800" kern="1200">
+                  <a:solidFill>
+                    <a:schemeClr val="tx1"/>
+                  </a:solidFill>
+                  <a:latin typeface="+mn-lt"/>
+                  <a:ea typeface="+mn-ea"/>
+                  <a:cs typeface="+mn-cs"/>
+                </a:defRPr>
+              </a:lvl9pPr>
+            </a:lstStyle>
+            <a:p>
+              <a:pPr algn="ctr"/>
+              <a:r>
+                <a:rPr lang="es-ES" b="1" dirty="0">
+                  <a:latin typeface="Arial" panose="020B0604020202020204" pitchFamily="34" charset="0"/>
+                  <a:cs typeface="Arial" panose="020B0604020202020204" pitchFamily="34" charset="0"/>
+                </a:rPr>
+                <a:t>ADMINISTRADOR</a:t>
+              </a:r>
+            </a:p>
+          </p:txBody>
+        </p:sp>
+      </p:grpSp>
+      <p:grpSp>
+        <p:nvGrpSpPr>
+          <p:cNvPr id="38" name="Grupo 37">
+            <a:extLst>
+              <a:ext uri="{FF2B5EF4-FFF2-40B4-BE49-F238E27FC236}">
+                <a16:creationId xmlns:a16="http://schemas.microsoft.com/office/drawing/2014/main" id="{A0C50FFA-A7C7-25E6-3865-2A29763AA84F}"/>
+              </a:ext>
+            </a:extLst>
+          </p:cNvPr>
+          <p:cNvGrpSpPr/>
+          <p:nvPr/>
+        </p:nvGrpSpPr>
+        <p:grpSpPr>
+          <a:xfrm>
+            <a:off x="8097753" y="3729423"/>
+            <a:ext cx="2452254" cy="2016580"/>
+            <a:chOff x="8036793" y="3592263"/>
+            <a:chExt cx="2452254" cy="2016580"/>
+          </a:xfrm>
+        </p:grpSpPr>
+        <p:pic>
+          <p:nvPicPr>
+            <p:cNvPr id="6" name="Imagen 5">
+              <a:extLst>
+                <a:ext uri="{FF2B5EF4-FFF2-40B4-BE49-F238E27FC236}">
+                  <a16:creationId xmlns:a16="http://schemas.microsoft.com/office/drawing/2014/main" id="{1D3EEA48-A19B-BC1D-1DB6-2BCDECEC8D87}"/>
+                </a:ext>
+              </a:extLst>
+            </p:cNvPr>
+            <p:cNvPicPr>
+              <a:picLocks noChangeAspect="1"/>
+            </p:cNvPicPr>
+            <p:nvPr/>
+          </p:nvPicPr>
+          <p:blipFill rotWithShape="1">
+            <a:blip r:embed="rId2">
+              <a:extLst>
+                <a:ext uri="{28A0092B-C50C-407E-A947-70E740481C1C}">
+                  <a14:useLocalDpi xmlns:a14="http://schemas.microsoft.com/office/drawing/2010/main" val="0"/>
+                </a:ext>
+              </a:extLst>
+            </a:blip>
+            <a:srcRect l="3455" r="50485"/>
+            <a:stretch/>
+          </p:blipFill>
+          <p:spPr>
+            <a:xfrm>
+              <a:off x="8639466" y="3592263"/>
+              <a:ext cx="1246909" cy="1633286"/>
+            </a:xfrm>
+            <a:prstGeom prst="rect">
+              <a:avLst/>
+            </a:prstGeom>
+          </p:spPr>
+        </p:pic>
+        <p:sp>
+          <p:nvSpPr>
+            <p:cNvPr id="9" name="CuadroTexto 11">
+              <a:extLst>
+                <a:ext uri="{FF2B5EF4-FFF2-40B4-BE49-F238E27FC236}">
+                  <a16:creationId xmlns:a16="http://schemas.microsoft.com/office/drawing/2014/main" id="{ACCF4B7B-FED7-F7DA-69BD-863819E1D52B}"/>
+                </a:ext>
+              </a:extLst>
+            </p:cNvPr>
+            <p:cNvSpPr txBox="1"/>
+            <p:nvPr/>
+          </p:nvSpPr>
+          <p:spPr>
+            <a:xfrm>
+              <a:off x="8036793" y="5239511"/>
+              <a:ext cx="2452254" cy="369332"/>
+            </a:xfrm>
+            <a:prstGeom prst="rect">
+              <a:avLst/>
+            </a:prstGeom>
+            <a:noFill/>
+          </p:spPr>
+          <p:txBody>
+            <a:bodyPr wrap="square" rtlCol="0">
+              <a:spAutoFit/>
+            </a:bodyPr>
+            <a:lstStyle>
+              <a:defPPr>
+                <a:defRPr lang="es-ES"/>
+              </a:defPPr>
+              <a:lvl1pPr marL="0" algn="l" defTabSz="914400" rtl="0" eaLnBrk="1" latinLnBrk="0" hangingPunct="1">
+                <a:defRPr sz="1800" kern="1200">
+                  <a:solidFill>
+                    <a:schemeClr val="tx1"/>
+                  </a:solidFill>
+                  <a:latin typeface="+mn-lt"/>
+                  <a:ea typeface="+mn-ea"/>
+                  <a:cs typeface="+mn-cs"/>
+                </a:defRPr>
+              </a:lvl1pPr>
+              <a:lvl2pPr marL="457200" algn="l" defTabSz="914400" rtl="0" eaLnBrk="1" latinLnBrk="0" hangingPunct="1">
+                <a:defRPr sz="1800" kern="1200">
+                  <a:solidFill>
+                    <a:schemeClr val="tx1"/>
+                  </a:solidFill>
+                  <a:latin typeface="+mn-lt"/>
+                  <a:ea typeface="+mn-ea"/>
+                  <a:cs typeface="+mn-cs"/>
+                </a:defRPr>
+              </a:lvl2pPr>
+              <a:lvl3pPr marL="914400" algn="l" defTabSz="914400" rtl="0" eaLnBrk="1" latinLnBrk="0" hangingPunct="1">
+                <a:defRPr sz="1800" kern="1200">
+                  <a:solidFill>
+                    <a:schemeClr val="tx1"/>
+                  </a:solidFill>
+                  <a:latin typeface="+mn-lt"/>
+                  <a:ea typeface="+mn-ea"/>
+                  <a:cs typeface="+mn-cs"/>
+                </a:defRPr>
+              </a:lvl3pPr>
+              <a:lvl4pPr marL="1371600" algn="l" defTabSz="914400" rtl="0" eaLnBrk="1" latinLnBrk="0" hangingPunct="1">
+                <a:defRPr sz="1800" kern="1200">
+                  <a:solidFill>
+                    <a:schemeClr val="tx1"/>
+                  </a:solidFill>
+                  <a:latin typeface="+mn-lt"/>
+                  <a:ea typeface="+mn-ea"/>
+                  <a:cs typeface="+mn-cs"/>
+                </a:defRPr>
+              </a:lvl4pPr>
+              <a:lvl5pPr marL="1828800" algn="l" defTabSz="914400" rtl="0" eaLnBrk="1" latinLnBrk="0" hangingPunct="1">
+                <a:defRPr sz="1800" kern="1200">
+                  <a:solidFill>
+                    <a:schemeClr val="tx1"/>
+                  </a:solidFill>
+                  <a:latin typeface="+mn-lt"/>
+                  <a:ea typeface="+mn-ea"/>
+                  <a:cs typeface="+mn-cs"/>
+                </a:defRPr>
+              </a:lvl5pPr>
+              <a:lvl6pPr marL="2286000" algn="l" defTabSz="914400" rtl="0" eaLnBrk="1" latinLnBrk="0" hangingPunct="1">
+                <a:defRPr sz="1800" kern="1200">
+                  <a:solidFill>
+                    <a:schemeClr val="tx1"/>
+                  </a:solidFill>
+                  <a:latin typeface="+mn-lt"/>
+                  <a:ea typeface="+mn-ea"/>
+                  <a:cs typeface="+mn-cs"/>
+                </a:defRPr>
+              </a:lvl6pPr>
+              <a:lvl7pPr marL="2743200" algn="l" defTabSz="914400" rtl="0" eaLnBrk="1" latinLnBrk="0" hangingPunct="1">
+                <a:defRPr sz="1800" kern="1200">
+                  <a:solidFill>
+                    <a:schemeClr val="tx1"/>
+                  </a:solidFill>
+                  <a:latin typeface="+mn-lt"/>
+                  <a:ea typeface="+mn-ea"/>
+                  <a:cs typeface="+mn-cs"/>
+                </a:defRPr>
+              </a:lvl7pPr>
+              <a:lvl8pPr marL="3200400" algn="l" defTabSz="914400" rtl="0" eaLnBrk="1" latinLnBrk="0" hangingPunct="1">
+                <a:defRPr sz="1800" kern="1200">
+                  <a:solidFill>
+                    <a:schemeClr val="tx1"/>
+                  </a:solidFill>
+                  <a:latin typeface="+mn-lt"/>
+                  <a:ea typeface="+mn-ea"/>
+                  <a:cs typeface="+mn-cs"/>
+                </a:defRPr>
+              </a:lvl8pPr>
+              <a:lvl9pPr marL="3657600" algn="l" defTabSz="914400" rtl="0" eaLnBrk="1" latinLnBrk="0" hangingPunct="1">
+                <a:defRPr sz="1800" kern="1200">
+                  <a:solidFill>
+                    <a:schemeClr val="tx1"/>
+                  </a:solidFill>
+                  <a:latin typeface="+mn-lt"/>
+                  <a:ea typeface="+mn-ea"/>
+                  <a:cs typeface="+mn-cs"/>
+                </a:defRPr>
+              </a:lvl9pPr>
+            </a:lstStyle>
+            <a:p>
+              <a:pPr algn="ctr"/>
+              <a:r>
+                <a:rPr lang="es-ES" b="1" dirty="0">
+                  <a:latin typeface="Arial" panose="020B0604020202020204" pitchFamily="34" charset="0"/>
+                  <a:cs typeface="Arial" panose="020B0604020202020204" pitchFamily="34" charset="0"/>
+                </a:rPr>
+                <a:t>CLIENTE</a:t>
+              </a:r>
+            </a:p>
+          </p:txBody>
+        </p:sp>
+      </p:grpSp>
+      <p:sp>
+        <p:nvSpPr>
+          <p:cNvPr id="10" name="Rectángulo 9">
+            <a:extLst>
+              <a:ext uri="{FF2B5EF4-FFF2-40B4-BE49-F238E27FC236}">
+                <a16:creationId xmlns:a16="http://schemas.microsoft.com/office/drawing/2014/main" id="{F48C0C0F-36E7-584F-0C34-73A3F2D56E6C}"/>
+              </a:ext>
+            </a:extLst>
+          </p:cNvPr>
+          <p:cNvSpPr/>
+          <p:nvPr/>
+        </p:nvSpPr>
+        <p:spPr>
+          <a:xfrm>
+            <a:off x="3011633" y="1499869"/>
+            <a:ext cx="6111417" cy="923330"/>
+          </a:xfrm>
+          <a:prstGeom prst="rect">
+            <a:avLst/>
+          </a:prstGeom>
+          <a:noFill/>
+        </p:spPr>
+        <p:txBody>
+          <a:bodyPr wrap="none" lIns="91440" tIns="45720" rIns="91440" bIns="45720">
+            <a:spAutoFit/>
+          </a:bodyPr>
+          <a:lstStyle>
+            <a:defPPr>
+              <a:defRPr lang="es-ES"/>
+            </a:defPPr>
+            <a:lvl1pPr marL="0" algn="l" defTabSz="914400" rtl="0" eaLnBrk="1" latinLnBrk="0" hangingPunct="1">
+              <a:defRPr sz="1800" kern="1200">
+                <a:solidFill>
+                  <a:schemeClr val="tx1"/>
+                </a:solidFill>
+                <a:latin typeface="+mn-lt"/>
+                <a:ea typeface="+mn-ea"/>
+                <a:cs typeface="+mn-cs"/>
+              </a:defRPr>
+            </a:lvl1pPr>
+            <a:lvl2pPr marL="457200" algn="l" defTabSz="914400" rtl="0" eaLnBrk="1" latinLnBrk="0" hangingPunct="1">
+              <a:defRPr sz="1800" kern="1200">
+                <a:solidFill>
+                  <a:schemeClr val="tx1"/>
+                </a:solidFill>
+                <a:latin typeface="+mn-lt"/>
+                <a:ea typeface="+mn-ea"/>
+                <a:cs typeface="+mn-cs"/>
+              </a:defRPr>
+            </a:lvl2pPr>
+            <a:lvl3pPr marL="914400" algn="l" defTabSz="914400" rtl="0" eaLnBrk="1" latinLnBrk="0" hangingPunct="1">
+              <a:defRPr sz="1800" kern="1200">
+                <a:solidFill>
+                  <a:schemeClr val="tx1"/>
+                </a:solidFill>
+                <a:latin typeface="+mn-lt"/>
+                <a:ea typeface="+mn-ea"/>
+                <a:cs typeface="+mn-cs"/>
+              </a:defRPr>
+            </a:lvl3pPr>
+            <a:lvl4pPr marL="1371600" algn="l" defTabSz="914400" rtl="0" eaLnBrk="1" latinLnBrk="0" hangingPunct="1">
+              <a:defRPr sz="1800" kern="1200">
+                <a:solidFill>
+                  <a:schemeClr val="tx1"/>
+                </a:solidFill>
+                <a:latin typeface="+mn-lt"/>
+                <a:ea typeface="+mn-ea"/>
+                <a:cs typeface="+mn-cs"/>
+              </a:defRPr>
+            </a:lvl4pPr>
+            <a:lvl5pPr marL="1828800" algn="l" defTabSz="914400" rtl="0" eaLnBrk="1" latinLnBrk="0" hangingPunct="1">
+              <a:defRPr sz="1800" kern="1200">
+                <a:solidFill>
+                  <a:schemeClr val="tx1"/>
+                </a:solidFill>
+                <a:latin typeface="+mn-lt"/>
+                <a:ea typeface="+mn-ea"/>
+                <a:cs typeface="+mn-cs"/>
+              </a:defRPr>
+            </a:lvl5pPr>
+            <a:lvl6pPr marL="2286000" algn="l" defTabSz="914400" rtl="0" eaLnBrk="1" latinLnBrk="0" hangingPunct="1">
+              <a:defRPr sz="1800" kern="1200">
+                <a:solidFill>
+                  <a:schemeClr val="tx1"/>
+                </a:solidFill>
+                <a:latin typeface="+mn-lt"/>
+                <a:ea typeface="+mn-ea"/>
+                <a:cs typeface="+mn-cs"/>
+              </a:defRPr>
+            </a:lvl6pPr>
+            <a:lvl7pPr marL="2743200" algn="l" defTabSz="914400" rtl="0" eaLnBrk="1" latinLnBrk="0" hangingPunct="1">
+              <a:defRPr sz="1800" kern="1200">
+                <a:solidFill>
+                  <a:schemeClr val="tx1"/>
+                </a:solidFill>
+                <a:latin typeface="+mn-lt"/>
+                <a:ea typeface="+mn-ea"/>
+                <a:cs typeface="+mn-cs"/>
+              </a:defRPr>
+            </a:lvl7pPr>
+            <a:lvl8pPr marL="3200400" algn="l" defTabSz="914400" rtl="0" eaLnBrk="1" latinLnBrk="0" hangingPunct="1">
+              <a:defRPr sz="1800" kern="1200">
+                <a:solidFill>
+                  <a:schemeClr val="tx1"/>
+                </a:solidFill>
+                <a:latin typeface="+mn-lt"/>
+                <a:ea typeface="+mn-ea"/>
+                <a:cs typeface="+mn-cs"/>
+              </a:defRPr>
+            </a:lvl8pPr>
+            <a:lvl9pPr marL="3657600" algn="l" defTabSz="914400" rtl="0" eaLnBrk="1" latinLnBrk="0" hangingPunct="1">
+              <a:defRPr sz="1800" kern="1200">
+                <a:solidFill>
+                  <a:schemeClr val="tx1"/>
+                </a:solidFill>
+                <a:latin typeface="+mn-lt"/>
+                <a:ea typeface="+mn-ea"/>
+                <a:cs typeface="+mn-cs"/>
+              </a:defRPr>
+            </a:lvl9pPr>
+          </a:lstStyle>
+          <a:p>
+            <a:pPr algn="ctr"/>
+            <a:r>
+              <a:rPr lang="es-ES" sz="5400" b="1" dirty="0">
+                <a:ln w="9525">
+                  <a:solidFill>
+                    <a:schemeClr val="bg1"/>
+                  </a:solidFill>
+                  <a:prstDash val="solid"/>
+                </a:ln>
+                <a:solidFill>
+                  <a:schemeClr val="accent5"/>
+                </a:solidFill>
+                <a:effectLst>
+                  <a:outerShdw blurRad="12700" dist="38100" dir="2700000" algn="tl" rotWithShape="0">
+                    <a:schemeClr val="accent5">
+                      <a:lumMod val="60000"/>
+                      <a:lumOff val="40000"/>
+                    </a:schemeClr>
+                  </a:outerShdw>
+                </a:effectLst>
+              </a:rPr>
+              <a:t>Usuarios del Sistema</a:t>
+            </a:r>
+          </a:p>
+        </p:txBody>
+      </p:sp>
+      <p:cxnSp>
+        <p:nvCxnSpPr>
+          <p:cNvPr id="13" name="Conector recto de flecha 12">
+            <a:extLst>
+              <a:ext uri="{FF2B5EF4-FFF2-40B4-BE49-F238E27FC236}">
+                <a16:creationId xmlns:a16="http://schemas.microsoft.com/office/drawing/2014/main" id="{8B9E984F-0B8B-00B3-5E06-CD73B8111C58}"/>
+              </a:ext>
+            </a:extLst>
+          </p:cNvPr>
+          <p:cNvCxnSpPr>
+            <a:stCxn id="10" idx="2"/>
+            <a:endCxn id="6" idx="0"/>
+          </p:cNvCxnSpPr>
+          <p:nvPr/>
+        </p:nvCxnSpPr>
+        <p:spPr>
+          <a:xfrm>
+            <a:off x="6067342" y="2423199"/>
+            <a:ext cx="3256539" cy="1306224"/>
+          </a:xfrm>
+          <a:prstGeom prst="straightConnector1">
+            <a:avLst/>
+          </a:prstGeom>
+          <a:ln w="38100">
+            <a:solidFill>
+              <a:schemeClr val="accent1">
+                <a:lumMod val="75000"/>
+              </a:schemeClr>
+            </a:solidFill>
+            <a:tailEnd type="triangle"/>
+          </a:ln>
+        </p:spPr>
+        <p:style>
+          <a:lnRef idx="1">
+            <a:schemeClr val="accent1"/>
+          </a:lnRef>
+          <a:fillRef idx="0">
+            <a:schemeClr val="accent1"/>
+          </a:fillRef>
+          <a:effectRef idx="0">
+            <a:schemeClr val="accent1"/>
+          </a:effectRef>
+          <a:fontRef idx="minor">
+            <a:schemeClr val="tx1"/>
+          </a:fontRef>
+        </p:style>
+      </p:cxnSp>
+      <p:cxnSp>
+        <p:nvCxnSpPr>
+          <p:cNvPr id="21" name="Conector recto de flecha 20">
+            <a:extLst>
+              <a:ext uri="{FF2B5EF4-FFF2-40B4-BE49-F238E27FC236}">
+                <a16:creationId xmlns:a16="http://schemas.microsoft.com/office/drawing/2014/main" id="{8AF9471A-4AA9-EBF2-B78D-BFFA5A396F72}"/>
+              </a:ext>
+            </a:extLst>
+          </p:cNvPr>
+          <p:cNvCxnSpPr>
+            <a:cxnSpLocks/>
+            <a:stCxn id="10" idx="2"/>
+            <a:endCxn id="5" idx="0"/>
+          </p:cNvCxnSpPr>
+          <p:nvPr/>
+        </p:nvCxnSpPr>
+        <p:spPr>
+          <a:xfrm flipH="1">
+            <a:off x="3292880" y="2423199"/>
+            <a:ext cx="2774462" cy="1243986"/>
+          </a:xfrm>
+          <a:prstGeom prst="straightConnector1">
+            <a:avLst/>
+          </a:prstGeom>
+          <a:ln w="38100">
+            <a:solidFill>
+              <a:schemeClr val="accent1">
+                <a:lumMod val="75000"/>
+              </a:schemeClr>
+            </a:solidFill>
+            <a:tailEnd type="triangle"/>
+          </a:ln>
+        </p:spPr>
+        <p:style>
+          <a:lnRef idx="1">
+            <a:schemeClr val="accent1"/>
+          </a:lnRef>
+          <a:fillRef idx="0">
+            <a:schemeClr val="accent1"/>
+          </a:fillRef>
+          <a:effectRef idx="0">
+            <a:schemeClr val="accent1"/>
+          </a:effectRef>
+          <a:fontRef idx="minor">
+            <a:schemeClr val="tx1"/>
+          </a:fontRef>
+        </p:style>
+      </p:cxnSp>
+    </p:spTree>
+    <p:extLst>
+      <p:ext uri="{BB962C8B-B14F-4D97-AF65-F5344CB8AC3E}">
+        <p14:creationId xmlns:p14="http://schemas.microsoft.com/office/powerpoint/2010/main" val="3478554636"/>
+      </p:ext>
+    </p:extLst>
+  </p:cSld>
+  <p:clrMapOvr>
+    <a:masterClrMapping/>
+  </p:clrMapOvr>
+</p:sld>
+</file>
+
+<file path=ppt/slides/slide12.xml><?xml version="1.0" encoding="utf-8"?>
+<p:sld xmlns:a="http://schemas.openxmlformats.org/drawingml/2006/main" xmlns:r="http://schemas.openxmlformats.org/officeDocument/2006/relationships" xmlns:p="http://schemas.openxmlformats.org/presentationml/2006/main">
+  <p:cSld>
+    <p:spTree>
+      <p:nvGrpSpPr>
+        <p:cNvPr id="1" name=""/>
+        <p:cNvGrpSpPr/>
+        <p:nvPr/>
+      </p:nvGrpSpPr>
+      <p:grpSpPr>
+        <a:xfrm>
+          <a:off x="0" y="0"/>
+          <a:ext cx="0" cy="0"/>
+          <a:chOff x="0" y="0"/>
+          <a:chExt cx="0" cy="0"/>
+        </a:xfrm>
+      </p:grpSpPr>
+      <p:sp>
+        <p:nvSpPr>
+          <p:cNvPr id="2" name="Título 1">
+            <a:extLst>
+              <a:ext uri="{FF2B5EF4-FFF2-40B4-BE49-F238E27FC236}">
                 <a16:creationId xmlns:a16="http://schemas.microsoft.com/office/drawing/2014/main" id="{74C3471A-7A51-11EE-627B-0CF660742B81}"/>
               </a:ext>
             </a:extLst>
@@ -8817,48 +12527,50 @@
             <p:ph idx="1"/>
           </p:nvPr>
         </p:nvSpPr>
-        <p:spPr/>
+        <p:spPr>
+          <a:xfrm>
+            <a:off x="1069848" y="2431961"/>
+            <a:ext cx="5486227" cy="3943491"/>
+          </a:xfrm>
+        </p:spPr>
         <p:txBody>
-          <a:bodyPr/>
+          <a:bodyPr>
+            <a:normAutofit/>
+          </a:bodyPr>
           <a:lstStyle/>
           <a:p>
             <a:pPr algn="just"/>
             <a:r>
               <a:rPr lang="es-ES" dirty="0"/>
-              <a:t>RF1: Autenticar usuario. </a:t>
+              <a:t>RF1: Autenticar usuario</a:t>
             </a:r>
           </a:p>
           <a:p>
             <a:pPr algn="just"/>
-            <a:endParaRPr lang="es-ES" dirty="0"/>
+            <a:r>
+              <a:rPr lang="es-ES" dirty="0"/>
+              <a:t>RF2: Generar preguntas y respuestas</a:t>
+            </a:r>
           </a:p>
           <a:p>
             <a:pPr algn="just"/>
             <a:r>
               <a:rPr lang="es-ES" dirty="0"/>
-              <a:t>RF2: Generar conocimiento del Asistente.</a:t>
+              <a:t>RF3: Carga y guardado de datos</a:t>
             </a:r>
           </a:p>
           <a:p>
             <a:pPr algn="just"/>
-            <a:endParaRPr lang="es-ES" dirty="0"/>
+            <a:r>
+              <a:rPr lang="es-ES" dirty="0"/>
+              <a:t>RF4: Generar conocimiento del Asistente</a:t>
+            </a:r>
           </a:p>
           <a:p>
             <a:pPr algn="just"/>
             <a:r>
               <a:rPr lang="es-ES" dirty="0"/>
-              <a:t>RF3: Crear Asistente virtual.</a:t>
-            </a:r>
-          </a:p>
-          <a:p>
-            <a:pPr algn="just"/>
-            <a:endParaRPr lang="es-ES" dirty="0"/>
-          </a:p>
-          <a:p>
-            <a:pPr algn="just"/>
-            <a:r>
-              <a:rPr lang="es-ES" dirty="0"/>
-              <a:t>RF4: Entrenar Asistente y probarlo.</a:t>
+              <a:t>RF5: Crear Asistente </a:t>
             </a:r>
           </a:p>
           <a:p>
@@ -8897,6 +12609,315 @@
           </a:p>
         </p:txBody>
       </p:sp>
+      <p:sp>
+        <p:nvSpPr>
+          <p:cNvPr id="4" name="Marcador de contenido 2">
+            <a:extLst>
+              <a:ext uri="{FF2B5EF4-FFF2-40B4-BE49-F238E27FC236}">
+                <a16:creationId xmlns:a16="http://schemas.microsoft.com/office/drawing/2014/main" id="{BF8CE0E4-0F79-9535-018D-683FA89DCD46}"/>
+              </a:ext>
+            </a:extLst>
+          </p:cNvPr>
+          <p:cNvSpPr txBox="1">
+            <a:spLocks/>
+          </p:cNvSpPr>
+          <p:nvPr/>
+        </p:nvSpPr>
+        <p:spPr>
+          <a:xfrm>
+            <a:off x="6464981" y="2449214"/>
+            <a:ext cx="5486227" cy="3943491"/>
+          </a:xfrm>
+          <a:prstGeom prst="rect">
+            <a:avLst/>
+          </a:prstGeom>
+        </p:spPr>
+        <p:txBody>
+          <a:bodyPr vert="horz" lIns="91440" tIns="45720" rIns="91440" bIns="45720" rtlCol="0">
+            <a:normAutofit/>
+          </a:bodyPr>
+          <a:lstStyle>
+            <a:lvl1pPr marL="182880" indent="-182880" algn="l" defTabSz="914400" rtl="0" eaLnBrk="1" latinLnBrk="0" hangingPunct="1">
+              <a:lnSpc>
+                <a:spcPct val="90000"/>
+              </a:lnSpc>
+              <a:spcBef>
+                <a:spcPts val="1200"/>
+              </a:spcBef>
+              <a:buClr>
+                <a:schemeClr val="accent1">
+                  <a:lumMod val="75000"/>
+                </a:schemeClr>
+              </a:buClr>
+              <a:buSzPct val="85000"/>
+              <a:buFont typeface="Wingdings" pitchFamily="2" charset="2"/>
+              <a:buChar char="§"/>
+              <a:defRPr sz="2000" kern="1200">
+                <a:solidFill>
+                  <a:schemeClr val="tx1"/>
+                </a:solidFill>
+                <a:latin typeface="+mn-lt"/>
+                <a:ea typeface="+mn-ea"/>
+                <a:cs typeface="+mn-cs"/>
+              </a:defRPr>
+            </a:lvl1pPr>
+            <a:lvl2pPr marL="457200" indent="-182880" algn="l" defTabSz="914400" rtl="0" eaLnBrk="1" latinLnBrk="0" hangingPunct="1">
+              <a:lnSpc>
+                <a:spcPct val="90000"/>
+              </a:lnSpc>
+              <a:spcBef>
+                <a:spcPts val="400"/>
+              </a:spcBef>
+              <a:spcAft>
+                <a:spcPts val="200"/>
+              </a:spcAft>
+              <a:buClr>
+                <a:schemeClr val="accent1">
+                  <a:lumMod val="75000"/>
+                </a:schemeClr>
+              </a:buClr>
+              <a:buSzPct val="85000"/>
+              <a:buFont typeface="Wingdings" pitchFamily="2" charset="2"/>
+              <a:buChar char="§"/>
+              <a:defRPr sz="1800" kern="1200">
+                <a:solidFill>
+                  <a:schemeClr val="tx1"/>
+                </a:solidFill>
+                <a:latin typeface="+mn-lt"/>
+                <a:ea typeface="+mn-ea"/>
+                <a:cs typeface="+mn-cs"/>
+              </a:defRPr>
+            </a:lvl2pPr>
+            <a:lvl3pPr marL="731520" indent="-182880" algn="l" defTabSz="914400" rtl="0" eaLnBrk="1" latinLnBrk="0" hangingPunct="1">
+              <a:lnSpc>
+                <a:spcPct val="90000"/>
+              </a:lnSpc>
+              <a:spcBef>
+                <a:spcPts val="400"/>
+              </a:spcBef>
+              <a:spcAft>
+                <a:spcPts val="200"/>
+              </a:spcAft>
+              <a:buClr>
+                <a:schemeClr val="accent1">
+                  <a:lumMod val="75000"/>
+                </a:schemeClr>
+              </a:buClr>
+              <a:buSzPct val="85000"/>
+              <a:buFont typeface="Wingdings" pitchFamily="2" charset="2"/>
+              <a:buChar char="§"/>
+              <a:defRPr sz="1600" kern="1200">
+                <a:solidFill>
+                  <a:schemeClr val="tx1"/>
+                </a:solidFill>
+                <a:latin typeface="+mn-lt"/>
+                <a:ea typeface="+mn-ea"/>
+                <a:cs typeface="+mn-cs"/>
+              </a:defRPr>
+            </a:lvl3pPr>
+            <a:lvl4pPr marL="1005840" indent="-182880" algn="l" defTabSz="914400" rtl="0" eaLnBrk="1" latinLnBrk="0" hangingPunct="1">
+              <a:lnSpc>
+                <a:spcPct val="90000"/>
+              </a:lnSpc>
+              <a:spcBef>
+                <a:spcPts val="400"/>
+              </a:spcBef>
+              <a:spcAft>
+                <a:spcPts val="200"/>
+              </a:spcAft>
+              <a:buClr>
+                <a:schemeClr val="accent1">
+                  <a:lumMod val="75000"/>
+                </a:schemeClr>
+              </a:buClr>
+              <a:buSzPct val="85000"/>
+              <a:buFont typeface="Wingdings" pitchFamily="2" charset="2"/>
+              <a:buChar char="§"/>
+              <a:defRPr sz="1600" kern="1200">
+                <a:solidFill>
+                  <a:schemeClr val="tx1"/>
+                </a:solidFill>
+                <a:latin typeface="+mn-lt"/>
+                <a:ea typeface="+mn-ea"/>
+                <a:cs typeface="+mn-cs"/>
+              </a:defRPr>
+            </a:lvl4pPr>
+            <a:lvl5pPr marL="1280160" indent="-182880" algn="l" defTabSz="914400" rtl="0" eaLnBrk="1" latinLnBrk="0" hangingPunct="1">
+              <a:lnSpc>
+                <a:spcPct val="90000"/>
+              </a:lnSpc>
+              <a:spcBef>
+                <a:spcPts val="400"/>
+              </a:spcBef>
+              <a:spcAft>
+                <a:spcPts val="200"/>
+              </a:spcAft>
+              <a:buClr>
+                <a:schemeClr val="accent1">
+                  <a:lumMod val="75000"/>
+                </a:schemeClr>
+              </a:buClr>
+              <a:buSzPct val="85000"/>
+              <a:buFont typeface="Wingdings" pitchFamily="2" charset="2"/>
+              <a:buChar char="§"/>
+              <a:defRPr sz="1600" kern="1200">
+                <a:solidFill>
+                  <a:schemeClr val="tx1"/>
+                </a:solidFill>
+                <a:latin typeface="+mn-lt"/>
+                <a:ea typeface="+mn-ea"/>
+                <a:cs typeface="+mn-cs"/>
+              </a:defRPr>
+            </a:lvl5pPr>
+            <a:lvl6pPr marL="1600000" indent="-228600" algn="l" defTabSz="914400" rtl="0" eaLnBrk="1" latinLnBrk="0" hangingPunct="1">
+              <a:lnSpc>
+                <a:spcPct val="90000"/>
+              </a:lnSpc>
+              <a:spcBef>
+                <a:spcPts val="400"/>
+              </a:spcBef>
+              <a:spcAft>
+                <a:spcPts val="200"/>
+              </a:spcAft>
+              <a:buClr>
+                <a:schemeClr val="accent1">
+                  <a:lumMod val="75000"/>
+                </a:schemeClr>
+              </a:buClr>
+              <a:buSzPct val="85000"/>
+              <a:buFont typeface="Wingdings" pitchFamily="2" charset="2"/>
+              <a:buChar char="§"/>
+              <a:defRPr sz="1600" kern="1200">
+                <a:solidFill>
+                  <a:schemeClr val="tx1"/>
+                </a:solidFill>
+                <a:latin typeface="+mn-lt"/>
+                <a:ea typeface="+mn-ea"/>
+                <a:cs typeface="+mn-cs"/>
+              </a:defRPr>
+            </a:lvl6pPr>
+            <a:lvl7pPr marL="1900000" indent="-228600" algn="l" defTabSz="914400" rtl="0" eaLnBrk="1" latinLnBrk="0" hangingPunct="1">
+              <a:lnSpc>
+                <a:spcPct val="90000"/>
+              </a:lnSpc>
+              <a:spcBef>
+                <a:spcPts val="400"/>
+              </a:spcBef>
+              <a:spcAft>
+                <a:spcPts val="200"/>
+              </a:spcAft>
+              <a:buClr>
+                <a:schemeClr val="accent1">
+                  <a:lumMod val="75000"/>
+                </a:schemeClr>
+              </a:buClr>
+              <a:buSzPct val="85000"/>
+              <a:buFont typeface="Wingdings" pitchFamily="2" charset="2"/>
+              <a:buChar char="§"/>
+              <a:defRPr sz="1600" kern="1200">
+                <a:solidFill>
+                  <a:schemeClr val="tx1"/>
+                </a:solidFill>
+                <a:latin typeface="+mn-lt"/>
+                <a:ea typeface="+mn-ea"/>
+                <a:cs typeface="+mn-cs"/>
+              </a:defRPr>
+            </a:lvl7pPr>
+            <a:lvl8pPr marL="2200000" indent="-228600" algn="l" defTabSz="914400" rtl="0" eaLnBrk="1" latinLnBrk="0" hangingPunct="1">
+              <a:lnSpc>
+                <a:spcPct val="90000"/>
+              </a:lnSpc>
+              <a:spcBef>
+                <a:spcPts val="400"/>
+              </a:spcBef>
+              <a:spcAft>
+                <a:spcPts val="200"/>
+              </a:spcAft>
+              <a:buClr>
+                <a:schemeClr val="accent1">
+                  <a:lumMod val="75000"/>
+                </a:schemeClr>
+              </a:buClr>
+              <a:buSzPct val="85000"/>
+              <a:buFont typeface="Wingdings" pitchFamily="2" charset="2"/>
+              <a:buChar char="§"/>
+              <a:defRPr sz="1600" kern="1200">
+                <a:solidFill>
+                  <a:schemeClr val="tx1"/>
+                </a:solidFill>
+                <a:latin typeface="+mn-lt"/>
+                <a:ea typeface="+mn-ea"/>
+                <a:cs typeface="+mn-cs"/>
+              </a:defRPr>
+            </a:lvl8pPr>
+            <a:lvl9pPr marL="2500000" indent="-228600" algn="l" defTabSz="914400" rtl="0" eaLnBrk="1" latinLnBrk="0" hangingPunct="1">
+              <a:lnSpc>
+                <a:spcPct val="90000"/>
+              </a:lnSpc>
+              <a:spcBef>
+                <a:spcPts val="400"/>
+              </a:spcBef>
+              <a:spcAft>
+                <a:spcPts val="200"/>
+              </a:spcAft>
+              <a:buClr>
+                <a:schemeClr val="accent1">
+                  <a:lumMod val="75000"/>
+                </a:schemeClr>
+              </a:buClr>
+              <a:buSzPct val="85000"/>
+              <a:buFont typeface="Wingdings" pitchFamily="2" charset="2"/>
+              <a:buChar char="§"/>
+              <a:defRPr sz="1600" kern="1200">
+                <a:solidFill>
+                  <a:schemeClr val="tx1"/>
+                </a:solidFill>
+                <a:latin typeface="+mn-lt"/>
+                <a:ea typeface="+mn-ea"/>
+                <a:cs typeface="+mn-cs"/>
+              </a:defRPr>
+            </a:lvl9pPr>
+          </a:lstStyle>
+          <a:p>
+            <a:pPr algn="just"/>
+            <a:r>
+              <a:rPr lang="es-ES" dirty="0"/>
+              <a:t>RF6: Entrenar Asistente</a:t>
+            </a:r>
+          </a:p>
+          <a:p>
+            <a:pPr algn="just"/>
+            <a:r>
+              <a:rPr lang="es-ES" dirty="0"/>
+              <a:t>RF7: Integración a servicio web Chat</a:t>
+            </a:r>
+          </a:p>
+          <a:p>
+            <a:pPr algn="just"/>
+            <a:r>
+              <a:rPr lang="es-ES" dirty="0"/>
+              <a:t>RF8: Probar Asistente</a:t>
+            </a:r>
+          </a:p>
+          <a:p>
+            <a:pPr algn="just"/>
+            <a:r>
+              <a:rPr lang="es-ES"/>
+              <a:t>RF9: </a:t>
+            </a:r>
+            <a:r>
+              <a:rPr lang="es-ES" dirty="0"/>
+              <a:t>Conexión con cliente de mensajería</a:t>
+            </a:r>
+          </a:p>
+          <a:p>
+            <a:endParaRPr lang="es-ES" dirty="0"/>
+          </a:p>
+          <a:p>
+            <a:endParaRPr lang="es-ES" dirty="0"/>
+          </a:p>
+        </p:txBody>
+      </p:sp>
     </p:spTree>
     <p:extLst>
       <p:ext uri="{BB962C8B-B14F-4D97-AF65-F5344CB8AC3E}">
@@ -8910,7 +12931,7 @@
 </p:sld>
 </file>
 
-<file path=ppt/slides/slide12.xml><?xml version="1.0" encoding="utf-8"?>
+<file path=ppt/slides/slide13.xml><?xml version="1.0" encoding="utf-8"?>
 <p:sld xmlns:a="http://schemas.openxmlformats.org/drawingml/2006/main" xmlns:r="http://schemas.openxmlformats.org/officeDocument/2006/relationships" xmlns:p="http://schemas.openxmlformats.org/presentationml/2006/main">
   <p:cSld>
     <p:spTree>
@@ -9081,7 +13102,7 @@
 </p:sld>
 </file>
 
-<file path=ppt/slides/slide13.xml><?xml version="1.0" encoding="utf-8"?>
+<file path=ppt/slides/slide14.xml><?xml version="1.0" encoding="utf-8"?>
 <p:sld xmlns:a="http://schemas.openxmlformats.org/drawingml/2006/main" xmlns:r="http://schemas.openxmlformats.org/officeDocument/2006/relationships" xmlns:p="http://schemas.openxmlformats.org/presentationml/2006/main">
   <p:cSld>
     <p:spTree>
@@ -9401,7 +13422,7 @@
 </p:sld>
 </file>
 
-<file path=ppt/slides/slide14.xml><?xml version="1.0" encoding="utf-8"?>
+<file path=ppt/slides/slide15.xml><?xml version="1.0" encoding="utf-8"?>
 <p:sld xmlns:a="http://schemas.openxmlformats.org/drawingml/2006/main" xmlns:r="http://schemas.openxmlformats.org/officeDocument/2006/relationships" xmlns:p="http://schemas.openxmlformats.org/presentationml/2006/main">
   <p:cSld>
     <p:spTree>
@@ -9543,7 +13564,7 @@
 </p:sld>
 </file>
 
-<file path=ppt/slides/slide15.xml><?xml version="1.0" encoding="utf-8"?>
+<file path=ppt/slides/slide16.xml><?xml version="1.0" encoding="utf-8"?>
 <p:sld xmlns:a="http://schemas.openxmlformats.org/drawingml/2006/main" xmlns:r="http://schemas.openxmlformats.org/officeDocument/2006/relationships" xmlns:p="http://schemas.openxmlformats.org/presentationml/2006/main">
   <p:cSld>
     <p:spTree>
@@ -9687,7 +13708,7 @@
 </p:sld>
 </file>
 
-<file path=ppt/slides/slide16.xml><?xml version="1.0" encoding="utf-8"?>
+<file path=ppt/slides/slide17.xml><?xml version="1.0" encoding="utf-8"?>
 <p:sld xmlns:a="http://schemas.openxmlformats.org/drawingml/2006/main" xmlns:r="http://schemas.openxmlformats.org/officeDocument/2006/relationships" xmlns:p="http://schemas.openxmlformats.org/presentationml/2006/main">
   <p:cSld>
     <p:spTree>
@@ -9844,7 +13865,7 @@
 </p:sld>
 </file>
 
-<file path=ppt/slides/slide17.xml><?xml version="1.0" encoding="utf-8"?>
+<file path=ppt/slides/slide18.xml><?xml version="1.0" encoding="utf-8"?>
 <p:sld xmlns:a="http://schemas.openxmlformats.org/drawingml/2006/main" xmlns:r="http://schemas.openxmlformats.org/officeDocument/2006/relationships" xmlns:p="http://schemas.openxmlformats.org/presentationml/2006/main">
   <p:cSld>
     <p:spTree>
@@ -10120,7 +14141,7 @@
 </p:sld>
 </file>
 
-<file path=ppt/slides/slide18.xml><?xml version="1.0" encoding="utf-8"?>
+<file path=ppt/slides/slide19.xml><?xml version="1.0" encoding="utf-8"?>
 <p:sld xmlns:a="http://schemas.openxmlformats.org/drawingml/2006/main" xmlns:r="http://schemas.openxmlformats.org/officeDocument/2006/relationships" xmlns:p="http://schemas.openxmlformats.org/presentationml/2006/main">
   <p:cSld>
     <p:spTree>
@@ -11881,99 +15902,6 @@
           <a:chExt cx="0" cy="0"/>
         </a:xfrm>
       </p:grpSpPr>
-      <p:grpSp>
-        <p:nvGrpSpPr>
-          <p:cNvPr id="7" name="Grupo 6"/>
-          <p:cNvGrpSpPr/>
-          <p:nvPr/>
-        </p:nvGrpSpPr>
-        <p:grpSpPr>
-          <a:xfrm>
-            <a:off x="373744" y="1216354"/>
-            <a:ext cx="5771962" cy="4865913"/>
-            <a:chOff x="2006600" y="1838325"/>
-            <a:chExt cx="8153400" cy="4435475"/>
-          </a:xfrm>
-        </p:grpSpPr>
-        <p:pic>
-          <p:nvPicPr>
-            <p:cNvPr id="5" name="Imagen 4"/>
-            <p:cNvPicPr>
-              <a:picLocks noChangeAspect="1"/>
-            </p:cNvPicPr>
-            <p:nvPr/>
-          </p:nvPicPr>
-          <p:blipFill>
-            <a:blip r:embed="rId3">
-              <a:extLst>
-                <a:ext uri="{28A0092B-C50C-407E-A947-70E740481C1C}">
-                  <a14:useLocalDpi xmlns:a14="http://schemas.microsoft.com/office/drawing/2010/main" val="0"/>
-                </a:ext>
-              </a:extLst>
-            </a:blip>
-            <a:stretch>
-              <a:fillRect/>
-            </a:stretch>
-          </p:blipFill>
-          <p:spPr>
-            <a:xfrm>
-              <a:off x="2006600" y="1838325"/>
-              <a:ext cx="8153400" cy="4435475"/>
-            </a:xfrm>
-            <a:prstGeom prst="rect">
-              <a:avLst/>
-            </a:prstGeom>
-            <a:ln w="38100" cap="sq">
-              <a:solidFill>
-                <a:srgbClr val="000000"/>
-              </a:solidFill>
-              <a:prstDash val="solid"/>
-              <a:miter lim="800000"/>
-            </a:ln>
-            <a:effectLst>
-              <a:outerShdw blurRad="50800" dist="38100" dir="2700000" algn="tl" rotWithShape="0">
-                <a:srgbClr val="000000">
-                  <a:alpha val="43000"/>
-                </a:srgbClr>
-              </a:outerShdw>
-            </a:effectLst>
-          </p:spPr>
-        </p:pic>
-        <p:sp>
-          <p:nvSpPr>
-            <p:cNvPr id="6" name="CuadroTexto 5"/>
-            <p:cNvSpPr txBox="1"/>
-            <p:nvPr/>
-          </p:nvSpPr>
-          <p:spPr>
-            <a:xfrm>
-              <a:off x="2187448" y="4749800"/>
-              <a:ext cx="3540252" cy="369332"/>
-            </a:xfrm>
-            <a:prstGeom prst="rect">
-              <a:avLst/>
-            </a:prstGeom>
-            <a:noFill/>
-          </p:spPr>
-          <p:txBody>
-            <a:bodyPr wrap="square" rtlCol="0">
-              <a:spAutoFit/>
-            </a:bodyPr>
-            <a:lstStyle/>
-            <a:p>
-              <a:r>
-                <a:rPr lang="es-ES" dirty="0"/>
-                <a:t>Conocimiento del </a:t>
-              </a:r>
-              <a:r>
-                <a:rPr lang="es-ES" dirty="0" err="1"/>
-                <a:t>Chatbot</a:t>
-              </a:r>
-              <a:endParaRPr lang="es-ES" dirty="0"/>
-            </a:p>
-          </p:txBody>
-        </p:sp>
-      </p:grpSp>
       <p:sp>
         <p:nvSpPr>
           <p:cNvPr id="9" name="Título 1">
@@ -12010,68 +15938,6 @@
           </a:p>
         </p:txBody>
       </p:sp>
-      <p:sp>
-        <p:nvSpPr>
-          <p:cNvPr id="2" name="Título 1">
-            <a:extLst>
-              <a:ext uri="{FF2B5EF4-FFF2-40B4-BE49-F238E27FC236}">
-                <a16:creationId xmlns:a16="http://schemas.microsoft.com/office/drawing/2014/main" id="{CA4BA7A9-4B18-EE5B-1013-EEA40A8779C4}"/>
-              </a:ext>
-            </a:extLst>
-          </p:cNvPr>
-          <p:cNvSpPr txBox="1">
-            <a:spLocks/>
-          </p:cNvSpPr>
-          <p:nvPr/>
-        </p:nvSpPr>
-        <p:spPr>
-          <a:xfrm>
-            <a:off x="6400597" y="-38339"/>
-            <a:ext cx="5568246" cy="1387362"/>
-          </a:xfrm>
-          <a:prstGeom prst="rect">
-            <a:avLst/>
-          </a:prstGeom>
-        </p:spPr>
-        <p:txBody>
-          <a:bodyPr vert="horz" lIns="91440" tIns="45720" rIns="91440" bIns="45720" rtlCol="0" anchor="ctr">
-            <a:normAutofit/>
-          </a:bodyPr>
-          <a:lstStyle>
-            <a:lvl1pPr algn="l" defTabSz="914400" rtl="0" eaLnBrk="1" latinLnBrk="0" hangingPunct="1">
-              <a:lnSpc>
-                <a:spcPct val="90000"/>
-              </a:lnSpc>
-              <a:spcBef>
-                <a:spcPct val="0"/>
-              </a:spcBef>
-              <a:buNone/>
-              <a:defRPr sz="5400" kern="1200" cap="all" baseline="0">
-                <a:blipFill>
-                  <a:blip r:embed="rId4">
-                    <a:extLst>
-                      <a:ext uri="{28A0092B-C50C-407E-A947-70E740481C1C}">
-                        <a14:useLocalDpi xmlns:a14="http://schemas.microsoft.com/office/drawing/2010/main" val="0"/>
-                      </a:ext>
-                    </a:extLst>
-                  </a:blip>
-                  <a:tile tx="6350" ty="-127000" sx="65000" sy="64000" flip="none" algn="tl"/>
-                </a:blipFill>
-                <a:latin typeface="+mj-lt"/>
-                <a:ea typeface="+mj-ea"/>
-                <a:cs typeface="+mj-cs"/>
-              </a:defRPr>
-            </a:lvl1pPr>
-          </a:lstStyle>
-          <a:p>
-            <a:pPr algn="ctr"/>
-            <a:r>
-              <a:rPr lang="es-ES" sz="4400" dirty="0"/>
-              <a:t>Problema</a:t>
-            </a:r>
-          </a:p>
-        </p:txBody>
-      </p:sp>
       <p:grpSp>
         <p:nvGrpSpPr>
           <p:cNvPr id="3" name="Grupo 2">
@@ -12086,7 +15952,7 @@
         </p:nvGrpSpPr>
         <p:grpSpPr>
           <a:xfrm>
-            <a:off x="6384269" y="1224616"/>
+            <a:off x="345419" y="1293627"/>
             <a:ext cx="5568246" cy="4865913"/>
             <a:chOff x="1879599" y="914400"/>
             <a:chExt cx="8512175" cy="5029200"/>
@@ -12107,7 +15973,7 @@
             <p:nvPr/>
           </p:nvPicPr>
           <p:blipFill>
-            <a:blip r:embed="rId5">
+            <a:blip r:embed="rId3">
               <a:extLst>
                 <a:ext uri="{28A0092B-C50C-407E-A947-70E740481C1C}">
                   <a14:useLocalDpi xmlns:a14="http://schemas.microsoft.com/office/drawing/2010/main" val="0"/>
@@ -12272,6 +16138,200 @@
           </a:p>
         </p:txBody>
       </p:sp>
+      <p:grpSp>
+        <p:nvGrpSpPr>
+          <p:cNvPr id="15" name="Grupo 14">
+            <a:extLst>
+              <a:ext uri="{FF2B5EF4-FFF2-40B4-BE49-F238E27FC236}">
+                <a16:creationId xmlns:a16="http://schemas.microsoft.com/office/drawing/2014/main" id="{AA9E18D7-924A-5EA0-CCA8-C42F5B768B8D}"/>
+              </a:ext>
+            </a:extLst>
+          </p:cNvPr>
+          <p:cNvGrpSpPr/>
+          <p:nvPr/>
+        </p:nvGrpSpPr>
+        <p:grpSpPr>
+          <a:xfrm>
+            <a:off x="6179246" y="-15542"/>
+            <a:ext cx="5771962" cy="6180627"/>
+            <a:chOff x="6203489" y="-90098"/>
+            <a:chExt cx="5771962" cy="6180627"/>
+          </a:xfrm>
+        </p:grpSpPr>
+        <p:sp>
+          <p:nvSpPr>
+            <p:cNvPr id="2" name="Título 1">
+              <a:extLst>
+                <a:ext uri="{FF2B5EF4-FFF2-40B4-BE49-F238E27FC236}">
+                  <a16:creationId xmlns:a16="http://schemas.microsoft.com/office/drawing/2014/main" id="{CA4BA7A9-4B18-EE5B-1013-EEA40A8779C4}"/>
+                </a:ext>
+              </a:extLst>
+            </p:cNvPr>
+            <p:cNvSpPr txBox="1">
+              <a:spLocks/>
+            </p:cNvSpPr>
+            <p:nvPr/>
+          </p:nvSpPr>
+          <p:spPr>
+            <a:xfrm>
+              <a:off x="6400597" y="-90098"/>
+              <a:ext cx="5568246" cy="1387362"/>
+            </a:xfrm>
+            <a:prstGeom prst="rect">
+              <a:avLst/>
+            </a:prstGeom>
+          </p:spPr>
+          <p:txBody>
+            <a:bodyPr vert="horz" lIns="91440" tIns="45720" rIns="91440" bIns="45720" rtlCol="0" anchor="ctr">
+              <a:normAutofit/>
+            </a:bodyPr>
+            <a:lstStyle>
+              <a:lvl1pPr algn="l" defTabSz="914400" rtl="0" eaLnBrk="1" latinLnBrk="0" hangingPunct="1">
+                <a:lnSpc>
+                  <a:spcPct val="90000"/>
+                </a:lnSpc>
+                <a:spcBef>
+                  <a:spcPct val="0"/>
+                </a:spcBef>
+                <a:buNone/>
+                <a:defRPr sz="5400" kern="1200" cap="all" baseline="0">
+                  <a:blipFill>
+                    <a:blip r:embed="rId4">
+                      <a:extLst>
+                        <a:ext uri="{28A0092B-C50C-407E-A947-70E740481C1C}">
+                          <a14:useLocalDpi xmlns:a14="http://schemas.microsoft.com/office/drawing/2010/main" val="0"/>
+                        </a:ext>
+                      </a:extLst>
+                    </a:blip>
+                    <a:tile tx="6350" ty="-127000" sx="65000" sy="64000" flip="none" algn="tl"/>
+                  </a:blipFill>
+                  <a:latin typeface="+mj-lt"/>
+                  <a:ea typeface="+mj-ea"/>
+                  <a:cs typeface="+mj-cs"/>
+                </a:defRPr>
+              </a:lvl1pPr>
+            </a:lstStyle>
+            <a:p>
+              <a:pPr algn="ctr"/>
+              <a:r>
+                <a:rPr lang="es-ES" sz="4400" dirty="0"/>
+                <a:t>Problema</a:t>
+              </a:r>
+            </a:p>
+          </p:txBody>
+        </p:sp>
+        <p:grpSp>
+          <p:nvGrpSpPr>
+            <p:cNvPr id="11" name="Grupo 10">
+              <a:extLst>
+                <a:ext uri="{FF2B5EF4-FFF2-40B4-BE49-F238E27FC236}">
+                  <a16:creationId xmlns:a16="http://schemas.microsoft.com/office/drawing/2014/main" id="{50DF6DA3-DDA7-979E-8E20-64388A49D911}"/>
+                </a:ext>
+              </a:extLst>
+            </p:cNvPr>
+            <p:cNvGrpSpPr/>
+            <p:nvPr/>
+          </p:nvGrpSpPr>
+          <p:grpSpPr>
+            <a:xfrm>
+              <a:off x="6203489" y="1224616"/>
+              <a:ext cx="5771962" cy="4865913"/>
+              <a:chOff x="2006600" y="1838325"/>
+              <a:chExt cx="8153400" cy="4435475"/>
+            </a:xfrm>
+          </p:grpSpPr>
+          <p:pic>
+            <p:nvPicPr>
+              <p:cNvPr id="12" name="Imagen 11">
+                <a:extLst>
+                  <a:ext uri="{FF2B5EF4-FFF2-40B4-BE49-F238E27FC236}">
+                    <a16:creationId xmlns:a16="http://schemas.microsoft.com/office/drawing/2014/main" id="{4A3F5969-CC68-49C7-4504-1061AEA5D3DA}"/>
+                  </a:ext>
+                </a:extLst>
+              </p:cNvPr>
+              <p:cNvPicPr>
+                <a:picLocks noChangeAspect="1"/>
+              </p:cNvPicPr>
+              <p:nvPr/>
+            </p:nvPicPr>
+            <p:blipFill>
+              <a:blip r:embed="rId5">
+                <a:extLst>
+                  <a:ext uri="{28A0092B-C50C-407E-A947-70E740481C1C}">
+                    <a14:useLocalDpi xmlns:a14="http://schemas.microsoft.com/office/drawing/2010/main" val="0"/>
+                  </a:ext>
+                </a:extLst>
+              </a:blip>
+              <a:stretch>
+                <a:fillRect/>
+              </a:stretch>
+            </p:blipFill>
+            <p:spPr>
+              <a:xfrm>
+                <a:off x="2006600" y="1838325"/>
+                <a:ext cx="8153400" cy="4435475"/>
+              </a:xfrm>
+              <a:prstGeom prst="rect">
+                <a:avLst/>
+              </a:prstGeom>
+              <a:ln w="38100" cap="sq">
+                <a:solidFill>
+                  <a:srgbClr val="000000"/>
+                </a:solidFill>
+                <a:prstDash val="solid"/>
+                <a:miter lim="800000"/>
+              </a:ln>
+              <a:effectLst>
+                <a:outerShdw blurRad="50800" dist="38100" dir="2700000" algn="tl" rotWithShape="0">
+                  <a:srgbClr val="000000">
+                    <a:alpha val="43000"/>
+                  </a:srgbClr>
+                </a:outerShdw>
+              </a:effectLst>
+            </p:spPr>
+          </p:pic>
+          <p:sp>
+            <p:nvSpPr>
+              <p:cNvPr id="13" name="CuadroTexto 12">
+                <a:extLst>
+                  <a:ext uri="{FF2B5EF4-FFF2-40B4-BE49-F238E27FC236}">
+                    <a16:creationId xmlns:a16="http://schemas.microsoft.com/office/drawing/2014/main" id="{4E6ED8C5-07A9-962E-D0A2-66DB325925AE}"/>
+                  </a:ext>
+                </a:extLst>
+              </p:cNvPr>
+              <p:cNvSpPr txBox="1"/>
+              <p:nvPr/>
+            </p:nvSpPr>
+            <p:spPr>
+              <a:xfrm>
+                <a:off x="2187448" y="4749800"/>
+                <a:ext cx="3540252" cy="369332"/>
+              </a:xfrm>
+              <a:prstGeom prst="rect">
+                <a:avLst/>
+              </a:prstGeom>
+              <a:noFill/>
+            </p:spPr>
+            <p:txBody>
+              <a:bodyPr wrap="square" rtlCol="0">
+                <a:spAutoFit/>
+              </a:bodyPr>
+              <a:lstStyle/>
+              <a:p>
+                <a:r>
+                  <a:rPr lang="es-ES" dirty="0"/>
+                  <a:t>Conocimiento del </a:t>
+                </a:r>
+                <a:r>
+                  <a:rPr lang="es-ES" dirty="0" err="1"/>
+                  <a:t>Chatbot</a:t>
+                </a:r>
+                <a:endParaRPr lang="es-ES" dirty="0"/>
+              </a:p>
+            </p:txBody>
+          </p:sp>
+        </p:grpSp>
+      </p:grpSp>
     </p:spTree>
     <p:extLst>
       <p:ext uri="{BB962C8B-B14F-4D97-AF65-F5344CB8AC3E}">
@@ -12351,7 +16411,7 @@
                                           </p:stCondLst>
                                         </p:cTn>
                                         <p:tgtEl>
-                                          <p:spTgt spid="7"/>
+                                          <p:spTgt spid="3"/>
                                         </p:tgtEl>
                                         <p:attrNameLst>
                                           <p:attrName>style.visibility</p:attrName>
@@ -12365,7 +16425,7 @@
                                       <p:cBhvr>
                                         <p:cTn id="10" dur="500"/>
                                         <p:tgtEl>
-                                          <p:spTgt spid="7"/>
+                                          <p:spTgt spid="3"/>
                                         </p:tgtEl>
                                       </p:cBhvr>
                                     </p:animEffect>
@@ -12391,7 +16451,7 @@
                             </p:stCondLst>
                             <p:childTnLst>
                               <p:par>
-                                <p:cTn id="13" presetID="10" presetClass="entr" presetSubtype="0" fill="hold" grpId="0" nodeType="clickEffect">
+                                <p:cTn id="13" presetID="10" presetClass="entr" presetSubtype="0" fill="hold" nodeType="clickEffect">
                                   <p:stCondLst>
                                     <p:cond delay="0"/>
                                   </p:stCondLst>
@@ -12404,7 +16464,7 @@
                                           </p:stCondLst>
                                         </p:cTn>
                                         <p:tgtEl>
-                                          <p:spTgt spid="2"/>
+                                          <p:spTgt spid="15"/>
                                         </p:tgtEl>
                                         <p:attrNameLst>
                                           <p:attrName>style.visibility</p:attrName>
@@ -12418,42 +16478,7 @@
                                       <p:cBhvr>
                                         <p:cTn id="15" dur="500"/>
                                         <p:tgtEl>
-                                          <p:spTgt spid="2"/>
-                                        </p:tgtEl>
-                                      </p:cBhvr>
-                                    </p:animEffect>
-                                  </p:childTnLst>
-                                </p:cTn>
-                              </p:par>
-                              <p:par>
-                                <p:cTn id="16" presetID="10" presetClass="entr" presetSubtype="0" fill="hold" nodeType="withEffect">
-                                  <p:stCondLst>
-                                    <p:cond delay="0"/>
-                                  </p:stCondLst>
-                                  <p:childTnLst>
-                                    <p:set>
-                                      <p:cBhvr>
-                                        <p:cTn id="17" dur="1" fill="hold">
-                                          <p:stCondLst>
-                                            <p:cond delay="0"/>
-                                          </p:stCondLst>
-                                        </p:cTn>
-                                        <p:tgtEl>
-                                          <p:spTgt spid="3"/>
-                                        </p:tgtEl>
-                                        <p:attrNameLst>
-                                          <p:attrName>style.visibility</p:attrName>
-                                        </p:attrNameLst>
-                                      </p:cBhvr>
-                                      <p:to>
-                                        <p:strVal val="visible"/>
-                                      </p:to>
-                                    </p:set>
-                                    <p:animEffect transition="in" filter="fade">
-                                      <p:cBhvr>
-                                        <p:cTn id="18" dur="500"/>
-                                        <p:tgtEl>
-                                          <p:spTgt spid="3"/>
+                                          <p:spTgt spid="15"/>
                                         </p:tgtEl>
                                       </p:cBhvr>
                                     </p:animEffect>
@@ -12489,7 +16514,6 @@
     </p:tnLst>
     <p:bldLst>
       <p:bldP spid="9" grpId="0"/>
-      <p:bldP spid="2" grpId="0"/>
     </p:bldLst>
   </p:timing>
 </p:sld>
@@ -14018,6 +18042,505 @@
           <p:cNvPr id="2" name="Título 1">
             <a:extLst>
               <a:ext uri="{FF2B5EF4-FFF2-40B4-BE49-F238E27FC236}">
+                <a16:creationId xmlns:a16="http://schemas.microsoft.com/office/drawing/2014/main" id="{B3C7C15E-A287-C6A2-92E3-BE8EFECB0C05}"/>
+              </a:ext>
+            </a:extLst>
+          </p:cNvPr>
+          <p:cNvSpPr>
+            <a:spLocks noGrp="1"/>
+          </p:cNvSpPr>
+          <p:nvPr>
+            <p:ph type="title"/>
+          </p:nvPr>
+        </p:nvSpPr>
+        <p:spPr>
+          <a:xfrm>
+            <a:off x="1066800" y="96440"/>
+            <a:ext cx="10058400" cy="1179576"/>
+          </a:xfrm>
+        </p:spPr>
+        <p:txBody>
+          <a:bodyPr/>
+          <a:lstStyle/>
+          <a:p>
+            <a:pPr algn="ctr"/>
+            <a:r>
+              <a:rPr lang="es-ES" dirty="0"/>
+              <a:t>Aportes</a:t>
+            </a:r>
+          </a:p>
+        </p:txBody>
+      </p:sp>
+      <p:sp>
+        <p:nvSpPr>
+          <p:cNvPr id="3" name="Marcador de contenido 2">
+            <a:extLst>
+              <a:ext uri="{FF2B5EF4-FFF2-40B4-BE49-F238E27FC236}">
+                <a16:creationId xmlns:a16="http://schemas.microsoft.com/office/drawing/2014/main" id="{DDE4EAD7-0F0F-56FF-09D0-4E490CAC9307}"/>
+              </a:ext>
+            </a:extLst>
+          </p:cNvPr>
+          <p:cNvSpPr>
+            <a:spLocks noGrp="1"/>
+          </p:cNvSpPr>
+          <p:nvPr>
+            <p:ph idx="1"/>
+          </p:nvPr>
+        </p:nvSpPr>
+        <p:spPr>
+          <a:xfrm>
+            <a:off x="448574" y="1345027"/>
+            <a:ext cx="10862554" cy="4582701"/>
+          </a:xfrm>
+        </p:spPr>
+        <p:txBody>
+          <a:bodyPr>
+            <a:noAutofit/>
+          </a:bodyPr>
+          <a:lstStyle/>
+          <a:p>
+            <a:pPr algn="just"/>
+            <a:r>
+              <a:rPr lang="es-ES" dirty="0"/>
+              <a:t>Un sistema que a partir de datos proporcionados pudiera generar o construir automáticamente la estructura de conocimiento reduciendo en gran medida el error humano.</a:t>
+            </a:r>
+          </a:p>
+          <a:p>
+            <a:pPr algn="just"/>
+            <a:endParaRPr lang="es-ES" dirty="0"/>
+          </a:p>
+          <a:p>
+            <a:pPr algn="just"/>
+            <a:r>
+              <a:rPr lang="es-ES" dirty="0"/>
+              <a:t>Construcción automática de asistentes virtuales a partir de una base de conocimiento nueva previamente construida.</a:t>
+            </a:r>
+          </a:p>
+          <a:p>
+            <a:pPr algn="just"/>
+            <a:endParaRPr lang="es-ES" dirty="0"/>
+          </a:p>
+          <a:p>
+            <a:pPr algn="just"/>
+            <a:r>
+              <a:rPr lang="es-ES" dirty="0"/>
+              <a:t>Evidenciar las facilidades que brinda este tipo de solución en el desarrollo de asistentes virtuales sin necesidad de especialistas.</a:t>
+            </a:r>
+          </a:p>
+          <a:p>
+            <a:pPr algn="just"/>
+            <a:endParaRPr lang="es-ES" dirty="0"/>
+          </a:p>
+          <a:p>
+            <a:pPr algn="just"/>
+            <a:r>
+              <a:rPr lang="es-ES" dirty="0"/>
+              <a:t>Reducción del trabajo que cuesta construir el conocimiento para los asistentes virtuales.</a:t>
+            </a:r>
+          </a:p>
+          <a:p>
+            <a:pPr algn="just"/>
+            <a:endParaRPr lang="es-ES" dirty="0"/>
+          </a:p>
+          <a:p>
+            <a:pPr algn="just"/>
+            <a:r>
+              <a:rPr lang="es-ES" dirty="0"/>
+              <a:t>Mejora de la capacidad de respuesta de los asistentes virtuales y a su vez la calidad de su servicio al interactuar con las personas.</a:t>
+            </a:r>
+          </a:p>
+        </p:txBody>
+      </p:sp>
+      <p:sp>
+        <p:nvSpPr>
+          <p:cNvPr id="7" name="Marcador de número de diapositiva 6">
+            <a:extLst>
+              <a:ext uri="{FF2B5EF4-FFF2-40B4-BE49-F238E27FC236}">
+                <a16:creationId xmlns:a16="http://schemas.microsoft.com/office/drawing/2014/main" id="{1F875B6C-7B64-7D05-46F7-92CEA2F17BC6}"/>
+              </a:ext>
+            </a:extLst>
+          </p:cNvPr>
+          <p:cNvSpPr>
+            <a:spLocks noGrp="1"/>
+          </p:cNvSpPr>
+          <p:nvPr>
+            <p:ph type="sldNum" sz="quarter" idx="12"/>
+          </p:nvPr>
+        </p:nvSpPr>
+        <p:spPr/>
+        <p:txBody>
+          <a:bodyPr/>
+          <a:lstStyle/>
+          <a:p>
+            <a:r>
+              <a:rPr lang="es-ES" dirty="0"/>
+              <a:t>8</a:t>
+            </a:r>
+          </a:p>
+        </p:txBody>
+      </p:sp>
+    </p:spTree>
+    <p:extLst>
+      <p:ext uri="{BB962C8B-B14F-4D97-AF65-F5344CB8AC3E}">
+        <p14:creationId xmlns:p14="http://schemas.microsoft.com/office/powerpoint/2010/main" val="931240880"/>
+      </p:ext>
+    </p:extLst>
+  </p:cSld>
+  <p:clrMapOvr>
+    <a:masterClrMapping/>
+  </p:clrMapOvr>
+</p:sld>
+</file>
+
+<file path=ppt/slides/slide8.xml><?xml version="1.0" encoding="utf-8"?>
+<p:sld xmlns:a="http://schemas.openxmlformats.org/drawingml/2006/main" xmlns:r="http://schemas.openxmlformats.org/officeDocument/2006/relationships" xmlns:p="http://schemas.openxmlformats.org/presentationml/2006/main">
+  <p:cSld>
+    <p:spTree>
+      <p:nvGrpSpPr>
+        <p:cNvPr id="1" name=""/>
+        <p:cNvGrpSpPr/>
+        <p:nvPr/>
+      </p:nvGrpSpPr>
+      <p:grpSpPr>
+        <a:xfrm>
+          <a:off x="0" y="0"/>
+          <a:ext cx="0" cy="0"/>
+          <a:chOff x="0" y="0"/>
+          <a:chExt cx="0" cy="0"/>
+        </a:xfrm>
+      </p:grpSpPr>
+      <p:sp>
+        <p:nvSpPr>
+          <p:cNvPr id="2" name="Título 1">
+            <a:extLst>
+              <a:ext uri="{FF2B5EF4-FFF2-40B4-BE49-F238E27FC236}">
+                <a16:creationId xmlns:a16="http://schemas.microsoft.com/office/drawing/2014/main" id="{BA6C40F1-818D-E9A6-8ADA-B2D79180BBAF}"/>
+              </a:ext>
+            </a:extLst>
+          </p:cNvPr>
+          <p:cNvSpPr>
+            <a:spLocks noGrp="1"/>
+          </p:cNvSpPr>
+          <p:nvPr>
+            <p:ph type="title"/>
+          </p:nvPr>
+        </p:nvSpPr>
+        <p:spPr>
+          <a:xfrm>
+            <a:off x="1069848" y="0"/>
+            <a:ext cx="10058400" cy="966216"/>
+          </a:xfrm>
+        </p:spPr>
+        <p:txBody>
+          <a:bodyPr/>
+          <a:lstStyle/>
+          <a:p>
+            <a:pPr algn="ctr"/>
+            <a:r>
+              <a:rPr lang="es-ES" dirty="0"/>
+              <a:t>Metodología empleada</a:t>
+            </a:r>
+          </a:p>
+        </p:txBody>
+      </p:sp>
+      <p:graphicFrame>
+        <p:nvGraphicFramePr>
+          <p:cNvPr id="4" name="Diagrama 3">
+            <a:extLst>
+              <a:ext uri="{FF2B5EF4-FFF2-40B4-BE49-F238E27FC236}">
+                <a16:creationId xmlns:a16="http://schemas.microsoft.com/office/drawing/2014/main" id="{8C8A442E-9260-44C1-D882-4F96BF2F8672}"/>
+              </a:ext>
+            </a:extLst>
+          </p:cNvPr>
+          <p:cNvGraphicFramePr/>
+          <p:nvPr>
+            <p:extLst>
+              <p:ext uri="{D42A27DB-BD31-4B8C-83A1-F6EECF244321}">
+                <p14:modId xmlns:p14="http://schemas.microsoft.com/office/powerpoint/2010/main" val="731707148"/>
+              </p:ext>
+            </p:extLst>
+          </p:nvPr>
+        </p:nvGraphicFramePr>
+        <p:xfrm>
+          <a:off x="5917112" y="1447799"/>
+          <a:ext cx="6076768" cy="4763831"/>
+        </p:xfrm>
+        <a:graphic>
+          <a:graphicData uri="http://schemas.openxmlformats.org/drawingml/2006/diagram">
+            <dgm:relIds xmlns:dgm="http://schemas.openxmlformats.org/drawingml/2006/diagram" xmlns:r="http://schemas.openxmlformats.org/officeDocument/2006/relationships" r:dm="rId2" r:lo="rId3" r:qs="rId4" r:cs="rId5"/>
+          </a:graphicData>
+        </a:graphic>
+      </p:graphicFrame>
+      <p:sp>
+        <p:nvSpPr>
+          <p:cNvPr id="5" name="Marcador de contenido 8">
+            <a:extLst>
+              <a:ext uri="{FF2B5EF4-FFF2-40B4-BE49-F238E27FC236}">
+                <a16:creationId xmlns:a16="http://schemas.microsoft.com/office/drawing/2014/main" id="{1401D23D-5A79-A7B7-D4B9-98B10501726A}"/>
+              </a:ext>
+            </a:extLst>
+          </p:cNvPr>
+          <p:cNvSpPr>
+            <a:spLocks noGrp="1"/>
+          </p:cNvSpPr>
+          <p:nvPr/>
+        </p:nvSpPr>
+        <p:spPr>
+          <a:xfrm>
+            <a:off x="380636" y="1598507"/>
+            <a:ext cx="5504544" cy="3955142"/>
+          </a:xfrm>
+          <a:prstGeom prst="rect">
+            <a:avLst/>
+          </a:prstGeom>
+        </p:spPr>
+        <p:txBody>
+          <a:bodyPr vert="horz" lIns="91440" tIns="45720" rIns="91440" bIns="45720" rtlCol="0">
+            <a:normAutofit/>
+          </a:bodyPr>
+          <a:lstStyle>
+            <a:lvl1pPr marL="228600" indent="-228600" algn="l" defTabSz="914400" rtl="0" eaLnBrk="1" latinLnBrk="0" hangingPunct="1">
+              <a:lnSpc>
+                <a:spcPct val="90000"/>
+              </a:lnSpc>
+              <a:spcBef>
+                <a:spcPts val="1000"/>
+              </a:spcBef>
+              <a:buFont typeface="Arial" panose="020B0604020202020204" pitchFamily="34" charset="0"/>
+              <a:buChar char="•"/>
+              <a:defRPr sz="2800" kern="1200">
+                <a:solidFill>
+                  <a:schemeClr val="tx1"/>
+                </a:solidFill>
+                <a:latin typeface="+mn-lt"/>
+                <a:ea typeface="+mn-ea"/>
+                <a:cs typeface="+mn-cs"/>
+              </a:defRPr>
+            </a:lvl1pPr>
+            <a:lvl2pPr marL="685800" indent="-228600" algn="l" defTabSz="914400" rtl="0" eaLnBrk="1" latinLnBrk="0" hangingPunct="1">
+              <a:lnSpc>
+                <a:spcPct val="90000"/>
+              </a:lnSpc>
+              <a:spcBef>
+                <a:spcPts val="500"/>
+              </a:spcBef>
+              <a:buFont typeface="Arial" panose="020B0604020202020204" pitchFamily="34" charset="0"/>
+              <a:buChar char="•"/>
+              <a:defRPr sz="2400" kern="1200">
+                <a:solidFill>
+                  <a:schemeClr val="tx1"/>
+                </a:solidFill>
+                <a:latin typeface="+mn-lt"/>
+                <a:ea typeface="+mn-ea"/>
+                <a:cs typeface="+mn-cs"/>
+              </a:defRPr>
+            </a:lvl2pPr>
+            <a:lvl3pPr marL="1143000" indent="-228600" algn="l" defTabSz="914400" rtl="0" eaLnBrk="1" latinLnBrk="0" hangingPunct="1">
+              <a:lnSpc>
+                <a:spcPct val="90000"/>
+              </a:lnSpc>
+              <a:spcBef>
+                <a:spcPts val="500"/>
+              </a:spcBef>
+              <a:buFont typeface="Arial" panose="020B0604020202020204" pitchFamily="34" charset="0"/>
+              <a:buChar char="•"/>
+              <a:defRPr sz="2000" kern="1200">
+                <a:solidFill>
+                  <a:schemeClr val="tx1"/>
+                </a:solidFill>
+                <a:latin typeface="+mn-lt"/>
+                <a:ea typeface="+mn-ea"/>
+                <a:cs typeface="+mn-cs"/>
+              </a:defRPr>
+            </a:lvl3pPr>
+            <a:lvl4pPr marL="1600200" indent="-228600" algn="l" defTabSz="914400" rtl="0" eaLnBrk="1" latinLnBrk="0" hangingPunct="1">
+              <a:lnSpc>
+                <a:spcPct val="90000"/>
+              </a:lnSpc>
+              <a:spcBef>
+                <a:spcPts val="500"/>
+              </a:spcBef>
+              <a:buFont typeface="Arial" panose="020B0604020202020204" pitchFamily="34" charset="0"/>
+              <a:buChar char="•"/>
+              <a:defRPr sz="1800" kern="1200">
+                <a:solidFill>
+                  <a:schemeClr val="tx1"/>
+                </a:solidFill>
+                <a:latin typeface="+mn-lt"/>
+                <a:ea typeface="+mn-ea"/>
+                <a:cs typeface="+mn-cs"/>
+              </a:defRPr>
+            </a:lvl4pPr>
+            <a:lvl5pPr marL="2057400" indent="-228600" algn="l" defTabSz="914400" rtl="0" eaLnBrk="1" latinLnBrk="0" hangingPunct="1">
+              <a:lnSpc>
+                <a:spcPct val="90000"/>
+              </a:lnSpc>
+              <a:spcBef>
+                <a:spcPts val="500"/>
+              </a:spcBef>
+              <a:buFont typeface="Arial" panose="020B0604020202020204" pitchFamily="34" charset="0"/>
+              <a:buChar char="•"/>
+              <a:defRPr sz="1800" kern="1200">
+                <a:solidFill>
+                  <a:schemeClr val="tx1"/>
+                </a:solidFill>
+                <a:latin typeface="+mn-lt"/>
+                <a:ea typeface="+mn-ea"/>
+                <a:cs typeface="+mn-cs"/>
+              </a:defRPr>
+            </a:lvl5pPr>
+            <a:lvl6pPr marL="2514600" indent="-228600" algn="l" defTabSz="914400" rtl="0" eaLnBrk="1" latinLnBrk="0" hangingPunct="1">
+              <a:lnSpc>
+                <a:spcPct val="90000"/>
+              </a:lnSpc>
+              <a:spcBef>
+                <a:spcPts val="500"/>
+              </a:spcBef>
+              <a:buFont typeface="Arial" panose="020B0604020202020204" pitchFamily="34" charset="0"/>
+              <a:buChar char="•"/>
+              <a:defRPr sz="1800" kern="1200">
+                <a:solidFill>
+                  <a:schemeClr val="tx1"/>
+                </a:solidFill>
+                <a:latin typeface="+mn-lt"/>
+                <a:ea typeface="+mn-ea"/>
+                <a:cs typeface="+mn-cs"/>
+              </a:defRPr>
+            </a:lvl6pPr>
+            <a:lvl7pPr marL="2971800" indent="-228600" algn="l" defTabSz="914400" rtl="0" eaLnBrk="1" latinLnBrk="0" hangingPunct="1">
+              <a:lnSpc>
+                <a:spcPct val="90000"/>
+              </a:lnSpc>
+              <a:spcBef>
+                <a:spcPts val="500"/>
+              </a:spcBef>
+              <a:buFont typeface="Arial" panose="020B0604020202020204" pitchFamily="34" charset="0"/>
+              <a:buChar char="•"/>
+              <a:defRPr sz="1800" kern="1200">
+                <a:solidFill>
+                  <a:schemeClr val="tx1"/>
+                </a:solidFill>
+                <a:latin typeface="+mn-lt"/>
+                <a:ea typeface="+mn-ea"/>
+                <a:cs typeface="+mn-cs"/>
+              </a:defRPr>
+            </a:lvl7pPr>
+            <a:lvl8pPr marL="3429000" indent="-228600" algn="l" defTabSz="914400" rtl="0" eaLnBrk="1" latinLnBrk="0" hangingPunct="1">
+              <a:lnSpc>
+                <a:spcPct val="90000"/>
+              </a:lnSpc>
+              <a:spcBef>
+                <a:spcPts val="500"/>
+              </a:spcBef>
+              <a:buFont typeface="Arial" panose="020B0604020202020204" pitchFamily="34" charset="0"/>
+              <a:buChar char="•"/>
+              <a:defRPr sz="1800" kern="1200">
+                <a:solidFill>
+                  <a:schemeClr val="tx1"/>
+                </a:solidFill>
+                <a:latin typeface="+mn-lt"/>
+                <a:ea typeface="+mn-ea"/>
+                <a:cs typeface="+mn-cs"/>
+              </a:defRPr>
+            </a:lvl8pPr>
+            <a:lvl9pPr marL="3886200" indent="-228600" algn="l" defTabSz="914400" rtl="0" eaLnBrk="1" latinLnBrk="0" hangingPunct="1">
+              <a:lnSpc>
+                <a:spcPct val="90000"/>
+              </a:lnSpc>
+              <a:spcBef>
+                <a:spcPts val="500"/>
+              </a:spcBef>
+              <a:buFont typeface="Arial" panose="020B0604020202020204" pitchFamily="34" charset="0"/>
+              <a:buChar char="•"/>
+              <a:defRPr sz="1800" kern="1200">
+                <a:solidFill>
+                  <a:schemeClr val="tx1"/>
+                </a:solidFill>
+                <a:latin typeface="+mn-lt"/>
+                <a:ea typeface="+mn-ea"/>
+                <a:cs typeface="+mn-cs"/>
+              </a:defRPr>
+            </a:lvl9pPr>
+          </a:lstStyle>
+          <a:p>
+            <a:pPr marL="0" indent="0">
+              <a:lnSpc>
+                <a:spcPct val="170000"/>
+              </a:lnSpc>
+              <a:buNone/>
+            </a:pPr>
+            <a:r>
+              <a:rPr lang="es-ES" sz="2400" b="1" dirty="0">
+                <a:latin typeface="Arial" panose="020B0604020202020204" pitchFamily="34" charset="0"/>
+                <a:cs typeface="Arial" panose="020B0604020202020204" pitchFamily="34" charset="0"/>
+              </a:rPr>
+              <a:t>Programación Extrema (XP):</a:t>
+            </a:r>
+          </a:p>
+          <a:p>
+            <a:pPr marL="0" indent="0" algn="just">
+              <a:lnSpc>
+                <a:spcPct val="150000"/>
+              </a:lnSpc>
+              <a:buNone/>
+            </a:pPr>
+            <a:r>
+              <a:rPr lang="es-ES" sz="1800" dirty="0">
+                <a:latin typeface="Arial" panose="020B0604020202020204" pitchFamily="34" charset="0"/>
+                <a:cs typeface="Arial" panose="020B0604020202020204" pitchFamily="34" charset="0"/>
+              </a:rPr>
+              <a:t>Metodología ágil de software que tiene como propósito satisfacer a los clientes mediante la entrega temprana y continua de un software funcional, cuando ello implica incluso apoyar el cambio de los requerimientos en cualquier etapa del desarrollo. </a:t>
+            </a:r>
+          </a:p>
+          <a:p>
+            <a:pPr marL="0" indent="0">
+              <a:lnSpc>
+                <a:spcPct val="170000"/>
+              </a:lnSpc>
+              <a:buNone/>
+            </a:pPr>
+            <a:endParaRPr lang="es-ES" sz="2400" b="1" dirty="0">
+              <a:latin typeface="Arial" panose="020B0604020202020204" pitchFamily="34" charset="0"/>
+              <a:cs typeface="Arial" panose="020B0604020202020204" pitchFamily="34" charset="0"/>
+            </a:endParaRPr>
+          </a:p>
+        </p:txBody>
+      </p:sp>
+    </p:spTree>
+    <p:extLst>
+      <p:ext uri="{BB962C8B-B14F-4D97-AF65-F5344CB8AC3E}">
+        <p14:creationId xmlns:p14="http://schemas.microsoft.com/office/powerpoint/2010/main" val="490280565"/>
+      </p:ext>
+    </p:extLst>
+  </p:cSld>
+  <p:clrMapOvr>
+    <a:masterClrMapping/>
+  </p:clrMapOvr>
+</p:sld>
+</file>
+
+<file path=ppt/slides/slide9.xml><?xml version="1.0" encoding="utf-8"?>
+<p:sld xmlns:a="http://schemas.openxmlformats.org/drawingml/2006/main" xmlns:r="http://schemas.openxmlformats.org/officeDocument/2006/relationships" xmlns:p="http://schemas.openxmlformats.org/presentationml/2006/main">
+  <p:cSld>
+    <p:spTree>
+      <p:nvGrpSpPr>
+        <p:cNvPr id="1" name=""/>
+        <p:cNvGrpSpPr/>
+        <p:nvPr/>
+      </p:nvGrpSpPr>
+      <p:grpSpPr>
+        <a:xfrm>
+          <a:off x="0" y="0"/>
+          <a:ext cx="0" cy="0"/>
+          <a:chOff x="0" y="0"/>
+          <a:chExt cx="0" cy="0"/>
+        </a:xfrm>
+      </p:grpSpPr>
+      <p:sp>
+        <p:nvSpPr>
+          <p:cNvPr id="2" name="Título 1">
+            <a:extLst>
+              <a:ext uri="{FF2B5EF4-FFF2-40B4-BE49-F238E27FC236}">
                 <a16:creationId xmlns:a16="http://schemas.microsoft.com/office/drawing/2014/main" id="{8C2C0955-1AA8-406E-8C4B-58DC377FF286}"/>
               </a:ext>
             </a:extLst>
@@ -14545,966 +19068,6 @@
     <p:extLst>
       <p:ext uri="{BB962C8B-B14F-4D97-AF65-F5344CB8AC3E}">
         <p14:creationId xmlns:p14="http://schemas.microsoft.com/office/powerpoint/2010/main" val="471638632"/>
-      </p:ext>
-    </p:extLst>
-  </p:cSld>
-  <p:clrMapOvr>
-    <a:masterClrMapping/>
-  </p:clrMapOvr>
-</p:sld>
-</file>
-
-<file path=ppt/slides/slide8.xml><?xml version="1.0" encoding="utf-8"?>
-<p:sld xmlns:a="http://schemas.openxmlformats.org/drawingml/2006/main" xmlns:r="http://schemas.openxmlformats.org/officeDocument/2006/relationships" xmlns:p="http://schemas.openxmlformats.org/presentationml/2006/main">
-  <p:cSld>
-    <p:spTree>
-      <p:nvGrpSpPr>
-        <p:cNvPr id="1" name=""/>
-        <p:cNvGrpSpPr/>
-        <p:nvPr/>
-      </p:nvGrpSpPr>
-      <p:grpSpPr>
-        <a:xfrm>
-          <a:off x="0" y="0"/>
-          <a:ext cx="0" cy="0"/>
-          <a:chOff x="0" y="0"/>
-          <a:chExt cx="0" cy="0"/>
-        </a:xfrm>
-      </p:grpSpPr>
-      <p:sp>
-        <p:nvSpPr>
-          <p:cNvPr id="2" name="Título 1">
-            <a:extLst>
-              <a:ext uri="{FF2B5EF4-FFF2-40B4-BE49-F238E27FC236}">
-                <a16:creationId xmlns:a16="http://schemas.microsoft.com/office/drawing/2014/main" id="{D09217C3-7961-22A7-D709-ED798861B56B}"/>
-              </a:ext>
-            </a:extLst>
-          </p:cNvPr>
-          <p:cNvSpPr>
-            <a:spLocks noGrp="1"/>
-          </p:cNvSpPr>
-          <p:nvPr>
-            <p:ph type="title"/>
-          </p:nvPr>
-        </p:nvSpPr>
-        <p:spPr>
-          <a:xfrm>
-            <a:off x="863371" y="86083"/>
-            <a:ext cx="10058400" cy="1269246"/>
-          </a:xfrm>
-        </p:spPr>
-        <p:txBody>
-          <a:bodyPr/>
-          <a:lstStyle/>
-          <a:p>
-            <a:pPr algn="ctr"/>
-            <a:r>
-              <a:rPr lang="es-ES" dirty="0"/>
-              <a:t>Estructura de la tesis</a:t>
-            </a:r>
-          </a:p>
-        </p:txBody>
-      </p:sp>
-      <p:sp>
-        <p:nvSpPr>
-          <p:cNvPr id="5" name="AutoShape 4">
-            <a:extLst>
-              <a:ext uri="{FF2B5EF4-FFF2-40B4-BE49-F238E27FC236}">
-                <a16:creationId xmlns:a16="http://schemas.microsoft.com/office/drawing/2014/main" id="{BECC851E-C150-6A88-36E3-9AE0E51D5F59}"/>
-              </a:ext>
-            </a:extLst>
-          </p:cNvPr>
-          <p:cNvSpPr>
-            <a:spLocks noChangeArrowheads="1"/>
-          </p:cNvSpPr>
-          <p:nvPr/>
-        </p:nvSpPr>
-        <p:spPr bwMode="gray">
-          <a:xfrm>
-            <a:off x="220715" y="2725759"/>
-            <a:ext cx="5754415" cy="533400"/>
-          </a:xfrm>
-          <a:prstGeom prst="roundRect">
-            <a:avLst>
-              <a:gd name="adj" fmla="val 16667"/>
-            </a:avLst>
-          </a:prstGeom>
-          <a:ln>
-            <a:headEnd/>
-            <a:tailEnd/>
-          </a:ln>
-        </p:spPr>
-        <p:style>
-          <a:lnRef idx="2">
-            <a:schemeClr val="accent2">
-              <a:shade val="50000"/>
-            </a:schemeClr>
-          </a:lnRef>
-          <a:fillRef idx="1">
-            <a:schemeClr val="accent2"/>
-          </a:fillRef>
-          <a:effectRef idx="0">
-            <a:schemeClr val="accent2"/>
-          </a:effectRef>
-          <a:fontRef idx="minor">
-            <a:schemeClr val="lt1"/>
-          </a:fontRef>
-        </p:style>
-        <p:txBody>
-          <a:bodyPr wrap="none" anchor="ctr"/>
-          <a:lstStyle/>
-          <a:p>
-            <a:r>
-              <a:rPr lang="es-ES" altLang="es-ES" sz="2400" b="1" dirty="0">
-                <a:solidFill>
-                  <a:srgbClr val="FFFFFF"/>
-                </a:solidFill>
-                <a:effectLst>
-                  <a:outerShdw blurRad="38100" dist="38100" dir="2700000" algn="tl">
-                    <a:srgbClr val="000000"/>
-                  </a:outerShdw>
-                </a:effectLst>
-              </a:rPr>
-              <a:t>Capítulo</a:t>
-            </a:r>
-            <a:r>
-              <a:rPr lang="en-US" altLang="es-ES" sz="2400" b="1" dirty="0">
-                <a:solidFill>
-                  <a:srgbClr val="FFFFFF"/>
-                </a:solidFill>
-                <a:effectLst>
-                  <a:outerShdw blurRad="38100" dist="38100" dir="2700000" algn="tl">
-                    <a:srgbClr val="000000"/>
-                  </a:outerShdw>
-                </a:effectLst>
-              </a:rPr>
-              <a:t> 1.</a:t>
-            </a:r>
-            <a:r>
-              <a:rPr lang="es-ES" altLang="es-ES" sz="2400" b="1" dirty="0">
-                <a:solidFill>
-                  <a:srgbClr val="FFFFFF"/>
-                </a:solidFill>
-                <a:effectLst>
-                  <a:outerShdw blurRad="38100" dist="38100" dir="2700000" algn="tl">
-                    <a:srgbClr val="000000"/>
-                  </a:outerShdw>
-                </a:effectLst>
-              </a:rPr>
-              <a:t> </a:t>
-            </a:r>
-            <a:r>
-              <a:rPr lang="en-US" altLang="es-ES" sz="2400" b="1" dirty="0">
-                <a:solidFill>
-                  <a:srgbClr val="FFFFFF"/>
-                </a:solidFill>
-                <a:effectLst>
-                  <a:outerShdw blurRad="38100" dist="38100" dir="2700000" algn="tl">
-                    <a:srgbClr val="000000"/>
-                  </a:outerShdw>
-                </a:effectLst>
-              </a:rPr>
-              <a:t>Marco </a:t>
-            </a:r>
-            <a:r>
-              <a:rPr lang="es-ES" altLang="es-ES" sz="2400" b="1" dirty="0">
-                <a:solidFill>
-                  <a:srgbClr val="FFFFFF"/>
-                </a:solidFill>
-                <a:effectLst>
-                  <a:outerShdw blurRad="38100" dist="38100" dir="2700000" algn="tl">
-                    <a:srgbClr val="000000"/>
-                  </a:outerShdw>
-                </a:effectLst>
-              </a:rPr>
-              <a:t>Referencial</a:t>
-            </a:r>
-          </a:p>
-        </p:txBody>
-      </p:sp>
-      <p:sp>
-        <p:nvSpPr>
-          <p:cNvPr id="6" name="AutoShape 5">
-            <a:extLst>
-              <a:ext uri="{FF2B5EF4-FFF2-40B4-BE49-F238E27FC236}">
-                <a16:creationId xmlns:a16="http://schemas.microsoft.com/office/drawing/2014/main" id="{A38CD4A4-922A-078C-518F-DA1C0E6BCFD1}"/>
-              </a:ext>
-            </a:extLst>
-          </p:cNvPr>
-          <p:cNvSpPr>
-            <a:spLocks noChangeArrowheads="1"/>
-          </p:cNvSpPr>
-          <p:nvPr/>
-        </p:nvSpPr>
-        <p:spPr bwMode="gray">
-          <a:xfrm>
-            <a:off x="220717" y="3703730"/>
-            <a:ext cx="5754414" cy="533400"/>
-          </a:xfrm>
-          <a:prstGeom prst="roundRect">
-            <a:avLst>
-              <a:gd name="adj" fmla="val 16667"/>
-            </a:avLst>
-          </a:prstGeom>
-          <a:ln>
-            <a:headEnd/>
-            <a:tailEnd/>
-          </a:ln>
-        </p:spPr>
-        <p:style>
-          <a:lnRef idx="2">
-            <a:schemeClr val="accent6">
-              <a:shade val="50000"/>
-            </a:schemeClr>
-          </a:lnRef>
-          <a:fillRef idx="1">
-            <a:schemeClr val="accent6"/>
-          </a:fillRef>
-          <a:effectRef idx="0">
-            <a:schemeClr val="accent6"/>
-          </a:effectRef>
-          <a:fontRef idx="minor">
-            <a:schemeClr val="lt1"/>
-          </a:fontRef>
-        </p:style>
-        <p:txBody>
-          <a:bodyPr wrap="none" anchor="ctr"/>
-          <a:lstStyle/>
-          <a:p>
-            <a:r>
-              <a:rPr lang="en-US" altLang="es-ES" sz="2400" b="1" dirty="0" err="1">
-                <a:solidFill>
-                  <a:srgbClr val="FFFFFF"/>
-                </a:solidFill>
-                <a:effectLst>
-                  <a:outerShdw blurRad="38100" dist="38100" dir="2700000" algn="tl">
-                    <a:srgbClr val="000000"/>
-                  </a:outerShdw>
-                </a:effectLst>
-              </a:rPr>
-              <a:t>Capítulo</a:t>
-            </a:r>
-            <a:r>
-              <a:rPr lang="en-US" altLang="es-ES" sz="2400" b="1" dirty="0">
-                <a:solidFill>
-                  <a:srgbClr val="FFFFFF"/>
-                </a:solidFill>
-                <a:effectLst>
-                  <a:outerShdw blurRad="38100" dist="38100" dir="2700000" algn="tl">
-                    <a:srgbClr val="000000"/>
-                  </a:outerShdw>
-                </a:effectLst>
-              </a:rPr>
-              <a:t> 2. </a:t>
-            </a:r>
-            <a:r>
-              <a:rPr lang="en-US" altLang="es-ES" sz="2400" b="1" dirty="0" err="1">
-                <a:solidFill>
-                  <a:srgbClr val="FFFFFF"/>
-                </a:solidFill>
-                <a:effectLst>
-                  <a:outerShdw blurRad="38100" dist="38100" dir="2700000" algn="tl">
-                    <a:srgbClr val="000000"/>
-                  </a:outerShdw>
-                </a:effectLst>
-              </a:rPr>
-              <a:t>Planificación</a:t>
-            </a:r>
-            <a:r>
-              <a:rPr lang="en-US" altLang="es-ES" sz="2400" b="1" dirty="0">
-                <a:solidFill>
-                  <a:srgbClr val="FFFFFF"/>
-                </a:solidFill>
-                <a:effectLst>
-                  <a:outerShdw blurRad="38100" dist="38100" dir="2700000" algn="tl">
-                    <a:srgbClr val="000000"/>
-                  </a:outerShdw>
-                </a:effectLst>
-              </a:rPr>
-              <a:t> y </a:t>
-            </a:r>
-            <a:r>
-              <a:rPr lang="en-US" altLang="es-ES" sz="2400" b="1" dirty="0" err="1">
-                <a:solidFill>
-                  <a:srgbClr val="FFFFFF"/>
-                </a:solidFill>
-                <a:effectLst>
-                  <a:outerShdw blurRad="38100" dist="38100" dir="2700000" algn="tl">
-                    <a:srgbClr val="000000"/>
-                  </a:outerShdw>
-                </a:effectLst>
-              </a:rPr>
-              <a:t>Diseño</a:t>
-            </a:r>
-            <a:endParaRPr lang="en-US" altLang="es-ES" sz="2400" b="1" dirty="0">
-              <a:solidFill>
-                <a:srgbClr val="FFFFFF"/>
-              </a:solidFill>
-              <a:effectLst>
-                <a:outerShdw blurRad="38100" dist="38100" dir="2700000" algn="tl">
-                  <a:srgbClr val="000000"/>
-                </a:outerShdw>
-              </a:effectLst>
-            </a:endParaRPr>
-          </a:p>
-        </p:txBody>
-      </p:sp>
-      <p:sp>
-        <p:nvSpPr>
-          <p:cNvPr id="7" name="AutoShape 6">
-            <a:extLst>
-              <a:ext uri="{FF2B5EF4-FFF2-40B4-BE49-F238E27FC236}">
-                <a16:creationId xmlns:a16="http://schemas.microsoft.com/office/drawing/2014/main" id="{A8EAE851-39B8-98AB-093C-E20A237AB3B9}"/>
-              </a:ext>
-            </a:extLst>
-          </p:cNvPr>
-          <p:cNvSpPr>
-            <a:spLocks noChangeArrowheads="1"/>
-          </p:cNvSpPr>
-          <p:nvPr/>
-        </p:nvSpPr>
-        <p:spPr bwMode="gray">
-          <a:xfrm>
-            <a:off x="220717" y="4752137"/>
-            <a:ext cx="5875282" cy="533400"/>
-          </a:xfrm>
-          <a:prstGeom prst="roundRect">
-            <a:avLst>
-              <a:gd name="adj" fmla="val 16667"/>
-            </a:avLst>
-          </a:prstGeom>
-          <a:solidFill>
-            <a:srgbClr val="7030A0"/>
-          </a:solidFill>
-          <a:ln>
-            <a:noFill/>
-          </a:ln>
-        </p:spPr>
-        <p:style>
-          <a:lnRef idx="0">
-            <a:scrgbClr r="0" g="0" b="0"/>
-          </a:lnRef>
-          <a:fillRef idx="0">
-            <a:scrgbClr r="0" g="0" b="0"/>
-          </a:fillRef>
-          <a:effectRef idx="0">
-            <a:scrgbClr r="0" g="0" b="0"/>
-          </a:effectRef>
-          <a:fontRef idx="minor">
-            <a:schemeClr val="lt1"/>
-          </a:fontRef>
-        </p:style>
-        <p:txBody>
-          <a:bodyPr wrap="none" anchor="ctr"/>
-          <a:lstStyle/>
-          <a:p>
-            <a:r>
-              <a:rPr lang="en-US" altLang="es-ES" sz="2400" b="1" dirty="0" err="1">
-                <a:solidFill>
-                  <a:srgbClr val="FFFFFF"/>
-                </a:solidFill>
-                <a:effectLst>
-                  <a:outerShdw blurRad="38100" dist="38100" dir="2700000" algn="tl">
-                    <a:srgbClr val="000000"/>
-                  </a:outerShdw>
-                </a:effectLst>
-              </a:rPr>
-              <a:t>Capítulo</a:t>
-            </a:r>
-            <a:r>
-              <a:rPr lang="en-US" altLang="es-ES" sz="2400" b="1" dirty="0">
-                <a:solidFill>
-                  <a:srgbClr val="FFFFFF"/>
-                </a:solidFill>
-                <a:effectLst>
-                  <a:outerShdw blurRad="38100" dist="38100" dir="2700000" algn="tl">
-                    <a:srgbClr val="000000"/>
-                  </a:outerShdw>
-                </a:effectLst>
-              </a:rPr>
-              <a:t> 3. </a:t>
-            </a:r>
-            <a:r>
-              <a:rPr lang="es-ES" altLang="es-ES" sz="2400" b="1" dirty="0">
-                <a:solidFill>
-                  <a:srgbClr val="FFFFFF"/>
-                </a:solidFill>
-                <a:effectLst>
-                  <a:outerShdw blurRad="38100" dist="38100" dir="2700000" algn="tl">
-                    <a:srgbClr val="000000"/>
-                  </a:outerShdw>
-                </a:effectLst>
-              </a:rPr>
-              <a:t>Implementación</a:t>
-            </a:r>
-            <a:r>
-              <a:rPr lang="en-US" altLang="es-ES" sz="2400" b="1" dirty="0">
-                <a:solidFill>
-                  <a:srgbClr val="FFFFFF"/>
-                </a:solidFill>
-                <a:effectLst>
-                  <a:outerShdw blurRad="38100" dist="38100" dir="2700000" algn="tl">
-                    <a:srgbClr val="000000"/>
-                  </a:outerShdw>
-                </a:effectLst>
-              </a:rPr>
-              <a:t> y </a:t>
-            </a:r>
-            <a:r>
-              <a:rPr lang="en-US" altLang="es-ES" sz="2400" b="1" dirty="0" err="1">
-                <a:solidFill>
-                  <a:srgbClr val="FFFFFF"/>
-                </a:solidFill>
-                <a:effectLst>
-                  <a:outerShdw blurRad="38100" dist="38100" dir="2700000" algn="tl">
-                    <a:srgbClr val="000000"/>
-                  </a:outerShdw>
-                </a:effectLst>
-              </a:rPr>
-              <a:t>Prueba</a:t>
-            </a:r>
-            <a:endParaRPr lang="en-US" altLang="es-ES" sz="2400" b="1" dirty="0">
-              <a:solidFill>
-                <a:srgbClr val="FFFFFF"/>
-              </a:solidFill>
-              <a:effectLst>
-                <a:outerShdw blurRad="38100" dist="38100" dir="2700000" algn="tl">
-                  <a:srgbClr val="000000"/>
-                </a:outerShdw>
-              </a:effectLst>
-            </a:endParaRPr>
-          </a:p>
-        </p:txBody>
-      </p:sp>
-      <p:sp>
-        <p:nvSpPr>
-          <p:cNvPr id="8" name="AutoShape 7">
-            <a:extLst>
-              <a:ext uri="{FF2B5EF4-FFF2-40B4-BE49-F238E27FC236}">
-                <a16:creationId xmlns:a16="http://schemas.microsoft.com/office/drawing/2014/main" id="{6320ED67-A965-CB22-0FC8-43B36B2B13FF}"/>
-              </a:ext>
-            </a:extLst>
-          </p:cNvPr>
-          <p:cNvSpPr>
-            <a:spLocks noChangeArrowheads="1"/>
-          </p:cNvSpPr>
-          <p:nvPr/>
-        </p:nvSpPr>
-        <p:spPr bwMode="gray">
-          <a:xfrm>
-            <a:off x="6442837" y="1884932"/>
-            <a:ext cx="5528447" cy="533400"/>
-          </a:xfrm>
-          <a:prstGeom prst="roundRect">
-            <a:avLst>
-              <a:gd name="adj" fmla="val 16667"/>
-            </a:avLst>
-          </a:prstGeom>
-          <a:gradFill rotWithShape="1">
-            <a:gsLst>
-              <a:gs pos="0">
-                <a:srgbClr val="A48B2E"/>
-              </a:gs>
-              <a:gs pos="50000">
-                <a:srgbClr val="A48B2E">
-                  <a:gamma/>
-                  <a:tint val="51373"/>
-                  <a:invGamma/>
-                </a:srgbClr>
-              </a:gs>
-              <a:gs pos="100000">
-                <a:srgbClr val="A48B2E"/>
-              </a:gs>
-            </a:gsLst>
-            <a:lin ang="5400000" scaled="1"/>
-          </a:gradFill>
-          <a:ln w="25400" algn="ctr">
-            <a:solidFill>
-              <a:schemeClr val="tx1"/>
-            </a:solidFill>
-            <a:round/>
-            <a:headEnd/>
-            <a:tailEnd/>
-          </a:ln>
-          <a:effectLst/>
-        </p:spPr>
-        <p:txBody>
-          <a:bodyPr wrap="none" anchor="ctr"/>
-          <a:lstStyle/>
-          <a:p>
-            <a:r>
-              <a:rPr lang="en-US" altLang="es-ES" sz="2400" b="1" dirty="0" err="1">
-                <a:solidFill>
-                  <a:srgbClr val="FFFFFF"/>
-                </a:solidFill>
-                <a:effectLst>
-                  <a:outerShdw blurRad="38100" dist="38100" dir="2700000" algn="tl">
-                    <a:srgbClr val="000000"/>
-                  </a:outerShdw>
-                </a:effectLst>
-              </a:rPr>
-              <a:t>Conclusiones</a:t>
-            </a:r>
-            <a:endParaRPr lang="en-US" altLang="es-ES" sz="2400" b="1" dirty="0">
-              <a:solidFill>
-                <a:srgbClr val="FFFFFF"/>
-              </a:solidFill>
-              <a:effectLst>
-                <a:outerShdw blurRad="38100" dist="38100" dir="2700000" algn="tl">
-                  <a:srgbClr val="000000"/>
-                </a:outerShdw>
-              </a:effectLst>
-            </a:endParaRPr>
-          </a:p>
-        </p:txBody>
-      </p:sp>
-      <p:sp>
-        <p:nvSpPr>
-          <p:cNvPr id="9" name="AutoShape 8">
-            <a:extLst>
-              <a:ext uri="{FF2B5EF4-FFF2-40B4-BE49-F238E27FC236}">
-                <a16:creationId xmlns:a16="http://schemas.microsoft.com/office/drawing/2014/main" id="{C4AE7C83-6949-324B-5075-D54AA1663711}"/>
-              </a:ext>
-            </a:extLst>
-          </p:cNvPr>
-          <p:cNvSpPr>
-            <a:spLocks noChangeArrowheads="1"/>
-          </p:cNvSpPr>
-          <p:nvPr/>
-        </p:nvSpPr>
-        <p:spPr bwMode="gray">
-          <a:xfrm>
-            <a:off x="6442837" y="2741525"/>
-            <a:ext cx="5528447" cy="533400"/>
-          </a:xfrm>
-          <a:prstGeom prst="roundRect">
-            <a:avLst>
-              <a:gd name="adj" fmla="val 16667"/>
-            </a:avLst>
-          </a:prstGeom>
-          <a:solidFill>
-            <a:schemeClr val="accent1">
-              <a:lumMod val="50000"/>
-            </a:schemeClr>
-          </a:solidFill>
-          <a:ln w="25400" algn="ctr">
-            <a:solidFill>
-              <a:schemeClr val="tx1"/>
-            </a:solidFill>
-            <a:round/>
-            <a:headEnd/>
-            <a:tailEnd/>
-          </a:ln>
-          <a:effectLst/>
-        </p:spPr>
-        <p:txBody>
-          <a:bodyPr wrap="none" anchor="ctr"/>
-          <a:lstStyle/>
-          <a:p>
-            <a:r>
-              <a:rPr lang="en-US" altLang="es-ES" sz="2400" b="1" dirty="0" err="1">
-                <a:solidFill>
-                  <a:srgbClr val="FFFFFF"/>
-                </a:solidFill>
-                <a:effectLst>
-                  <a:outerShdw blurRad="38100" dist="38100" dir="2700000" algn="tl">
-                    <a:srgbClr val="000000"/>
-                  </a:outerShdw>
-                </a:effectLst>
-              </a:rPr>
-              <a:t>Recomendaciones</a:t>
-            </a:r>
-            <a:endParaRPr lang="en-US" altLang="es-ES" sz="2400" b="1" dirty="0">
-              <a:solidFill>
-                <a:srgbClr val="FFFFFF"/>
-              </a:solidFill>
-              <a:effectLst>
-                <a:outerShdw blurRad="38100" dist="38100" dir="2700000" algn="tl">
-                  <a:srgbClr val="000000"/>
-                </a:outerShdw>
-              </a:effectLst>
-            </a:endParaRPr>
-          </a:p>
-        </p:txBody>
-      </p:sp>
-      <p:sp>
-        <p:nvSpPr>
-          <p:cNvPr id="10" name="AutoShape 8">
-            <a:extLst>
-              <a:ext uri="{FF2B5EF4-FFF2-40B4-BE49-F238E27FC236}">
-                <a16:creationId xmlns:a16="http://schemas.microsoft.com/office/drawing/2014/main" id="{FF68A702-E263-D77B-10FD-659B32A81E23}"/>
-              </a:ext>
-            </a:extLst>
-          </p:cNvPr>
-          <p:cNvSpPr>
-            <a:spLocks noChangeArrowheads="1"/>
-          </p:cNvSpPr>
-          <p:nvPr/>
-        </p:nvSpPr>
-        <p:spPr bwMode="gray">
-          <a:xfrm>
-            <a:off x="6442837" y="3712124"/>
-            <a:ext cx="5528447" cy="533400"/>
-          </a:xfrm>
-          <a:prstGeom prst="roundRect">
-            <a:avLst>
-              <a:gd name="adj" fmla="val 16667"/>
-            </a:avLst>
-          </a:prstGeom>
-          <a:solidFill>
-            <a:schemeClr val="tx2"/>
-          </a:solidFill>
-          <a:ln w="25400" algn="ctr">
-            <a:solidFill>
-              <a:schemeClr val="tx1"/>
-            </a:solidFill>
-            <a:round/>
-            <a:headEnd/>
-            <a:tailEnd/>
-          </a:ln>
-          <a:effectLst/>
-        </p:spPr>
-        <p:txBody>
-          <a:bodyPr wrap="none" anchor="ctr"/>
-          <a:lstStyle/>
-          <a:p>
-            <a:r>
-              <a:rPr lang="en-US" altLang="es-ES" sz="2400" b="1" dirty="0" err="1">
-                <a:solidFill>
-                  <a:srgbClr val="FFFFFF"/>
-                </a:solidFill>
-                <a:effectLst>
-                  <a:outerShdw blurRad="38100" dist="38100" dir="2700000" algn="tl">
-                    <a:srgbClr val="000000"/>
-                  </a:outerShdw>
-                </a:effectLst>
-              </a:rPr>
-              <a:t>Bibliografía</a:t>
-            </a:r>
-            <a:endParaRPr lang="en-US" altLang="es-ES" sz="2400" b="1" dirty="0">
-              <a:solidFill>
-                <a:srgbClr val="FFFFFF"/>
-              </a:solidFill>
-              <a:effectLst>
-                <a:outerShdw blurRad="38100" dist="38100" dir="2700000" algn="tl">
-                  <a:srgbClr val="000000"/>
-                </a:outerShdw>
-              </a:effectLst>
-            </a:endParaRPr>
-          </a:p>
-        </p:txBody>
-      </p:sp>
-      <p:sp>
-        <p:nvSpPr>
-          <p:cNvPr id="11" name="AutoShape 8">
-            <a:extLst>
-              <a:ext uri="{FF2B5EF4-FFF2-40B4-BE49-F238E27FC236}">
-                <a16:creationId xmlns:a16="http://schemas.microsoft.com/office/drawing/2014/main" id="{857F2ECE-B266-D963-49D5-A6BFFF9900AE}"/>
-              </a:ext>
-            </a:extLst>
-          </p:cNvPr>
-          <p:cNvSpPr>
-            <a:spLocks noChangeArrowheads="1"/>
-          </p:cNvSpPr>
-          <p:nvPr/>
-        </p:nvSpPr>
-        <p:spPr bwMode="gray">
-          <a:xfrm>
-            <a:off x="6442838" y="4741839"/>
-            <a:ext cx="5528446" cy="533400"/>
-          </a:xfrm>
-          <a:prstGeom prst="roundRect">
-            <a:avLst>
-              <a:gd name="adj" fmla="val 16667"/>
-            </a:avLst>
-          </a:prstGeom>
-          <a:solidFill>
-            <a:srgbClr val="002060"/>
-          </a:solidFill>
-          <a:ln w="25400" algn="ctr">
-            <a:solidFill>
-              <a:schemeClr val="tx1"/>
-            </a:solidFill>
-            <a:round/>
-            <a:headEnd/>
-            <a:tailEnd/>
-          </a:ln>
-          <a:effectLst/>
-        </p:spPr>
-        <p:txBody>
-          <a:bodyPr wrap="none" anchor="ctr"/>
-          <a:lstStyle/>
-          <a:p>
-            <a:r>
-              <a:rPr lang="en-US" altLang="es-ES" sz="2400" b="1" dirty="0" err="1">
-                <a:solidFill>
-                  <a:srgbClr val="FFFFFF"/>
-                </a:solidFill>
-                <a:effectLst>
-                  <a:outerShdw blurRad="38100" dist="38100" dir="2700000" algn="tl">
-                    <a:srgbClr val="000000"/>
-                  </a:outerShdw>
-                </a:effectLst>
-              </a:rPr>
-              <a:t>Anexos</a:t>
-            </a:r>
-            <a:endParaRPr lang="en-US" altLang="es-ES" sz="2400" b="1" dirty="0">
-              <a:solidFill>
-                <a:srgbClr val="FFFFFF"/>
-              </a:solidFill>
-              <a:effectLst>
-                <a:outerShdw blurRad="38100" dist="38100" dir="2700000" algn="tl">
-                  <a:srgbClr val="000000"/>
-                </a:outerShdw>
-              </a:effectLst>
-            </a:endParaRPr>
-          </a:p>
-        </p:txBody>
-      </p:sp>
-      <p:sp>
-        <p:nvSpPr>
-          <p:cNvPr id="12" name="AutoShape 4">
-            <a:extLst>
-              <a:ext uri="{FF2B5EF4-FFF2-40B4-BE49-F238E27FC236}">
-                <a16:creationId xmlns:a16="http://schemas.microsoft.com/office/drawing/2014/main" id="{A54702AF-EA42-895A-FE12-F4D1840AA459}"/>
-              </a:ext>
-            </a:extLst>
-          </p:cNvPr>
-          <p:cNvSpPr>
-            <a:spLocks noChangeArrowheads="1"/>
-          </p:cNvSpPr>
-          <p:nvPr/>
-        </p:nvSpPr>
-        <p:spPr bwMode="gray">
-          <a:xfrm>
-            <a:off x="220715" y="1884932"/>
-            <a:ext cx="5754415" cy="533400"/>
-          </a:xfrm>
-          <a:prstGeom prst="roundRect">
-            <a:avLst>
-              <a:gd name="adj" fmla="val 16667"/>
-            </a:avLst>
-          </a:prstGeom>
-          <a:ln>
-            <a:headEnd/>
-            <a:tailEnd/>
-          </a:ln>
-        </p:spPr>
-        <p:style>
-          <a:lnRef idx="2">
-            <a:schemeClr val="accent1">
-              <a:shade val="50000"/>
-            </a:schemeClr>
-          </a:lnRef>
-          <a:fillRef idx="1">
-            <a:schemeClr val="accent1"/>
-          </a:fillRef>
-          <a:effectRef idx="0">
-            <a:schemeClr val="accent1"/>
-          </a:effectRef>
-          <a:fontRef idx="minor">
-            <a:schemeClr val="lt1"/>
-          </a:fontRef>
-        </p:style>
-        <p:txBody>
-          <a:bodyPr wrap="none" anchor="ctr"/>
-          <a:lstStyle/>
-          <a:p>
-            <a:r>
-              <a:rPr lang="es-ES" altLang="es-ES" sz="2400" b="1" dirty="0">
-                <a:solidFill>
-                  <a:srgbClr val="FFFFFF"/>
-                </a:solidFill>
-                <a:effectLst>
-                  <a:outerShdw blurRad="38100" dist="38100" dir="2700000" algn="tl">
-                    <a:srgbClr val="000000"/>
-                  </a:outerShdw>
-                </a:effectLst>
-              </a:rPr>
-              <a:t>Introducción</a:t>
-            </a:r>
-          </a:p>
-        </p:txBody>
-      </p:sp>
-      <p:sp>
-        <p:nvSpPr>
-          <p:cNvPr id="14" name="Marcador de número de diapositiva 13">
-            <a:extLst>
-              <a:ext uri="{FF2B5EF4-FFF2-40B4-BE49-F238E27FC236}">
-                <a16:creationId xmlns:a16="http://schemas.microsoft.com/office/drawing/2014/main" id="{67345973-BF2D-7590-A054-6C2925AE48BA}"/>
-              </a:ext>
-            </a:extLst>
-          </p:cNvPr>
-          <p:cNvSpPr>
-            <a:spLocks noGrp="1"/>
-          </p:cNvSpPr>
-          <p:nvPr>
-            <p:ph type="sldNum" sz="quarter" idx="12"/>
-          </p:nvPr>
-        </p:nvSpPr>
-        <p:spPr/>
-        <p:txBody>
-          <a:bodyPr/>
-          <a:lstStyle/>
-          <a:p>
-            <a:r>
-              <a:rPr lang="es-ES" dirty="0"/>
-              <a:t>7</a:t>
-            </a:r>
-          </a:p>
-        </p:txBody>
-      </p:sp>
-    </p:spTree>
-    <p:extLst>
-      <p:ext uri="{BB962C8B-B14F-4D97-AF65-F5344CB8AC3E}">
-        <p14:creationId xmlns:p14="http://schemas.microsoft.com/office/powerpoint/2010/main" val="3014748145"/>
-      </p:ext>
-    </p:extLst>
-  </p:cSld>
-  <p:clrMapOvr>
-    <a:masterClrMapping/>
-  </p:clrMapOvr>
-</p:sld>
-</file>
-
-<file path=ppt/slides/slide9.xml><?xml version="1.0" encoding="utf-8"?>
-<p:sld xmlns:a="http://schemas.openxmlformats.org/drawingml/2006/main" xmlns:r="http://schemas.openxmlformats.org/officeDocument/2006/relationships" xmlns:p="http://schemas.openxmlformats.org/presentationml/2006/main">
-  <p:cSld>
-    <p:spTree>
-      <p:nvGrpSpPr>
-        <p:cNvPr id="1" name=""/>
-        <p:cNvGrpSpPr/>
-        <p:nvPr/>
-      </p:nvGrpSpPr>
-      <p:grpSpPr>
-        <a:xfrm>
-          <a:off x="0" y="0"/>
-          <a:ext cx="0" cy="0"/>
-          <a:chOff x="0" y="0"/>
-          <a:chExt cx="0" cy="0"/>
-        </a:xfrm>
-      </p:grpSpPr>
-      <p:sp>
-        <p:nvSpPr>
-          <p:cNvPr id="2" name="Título 1">
-            <a:extLst>
-              <a:ext uri="{FF2B5EF4-FFF2-40B4-BE49-F238E27FC236}">
-                <a16:creationId xmlns:a16="http://schemas.microsoft.com/office/drawing/2014/main" id="{B3C7C15E-A287-C6A2-92E3-BE8EFECB0C05}"/>
-              </a:ext>
-            </a:extLst>
-          </p:cNvPr>
-          <p:cNvSpPr>
-            <a:spLocks noGrp="1"/>
-          </p:cNvSpPr>
-          <p:nvPr>
-            <p:ph type="title"/>
-          </p:nvPr>
-        </p:nvSpPr>
-        <p:spPr/>
-        <p:txBody>
-          <a:bodyPr/>
-          <a:lstStyle/>
-          <a:p>
-            <a:pPr algn="ctr"/>
-            <a:r>
-              <a:rPr lang="es-ES" dirty="0"/>
-              <a:t>Aportes</a:t>
-            </a:r>
-          </a:p>
-        </p:txBody>
-      </p:sp>
-      <p:sp>
-        <p:nvSpPr>
-          <p:cNvPr id="3" name="Marcador de contenido 2">
-            <a:extLst>
-              <a:ext uri="{FF2B5EF4-FFF2-40B4-BE49-F238E27FC236}">
-                <a16:creationId xmlns:a16="http://schemas.microsoft.com/office/drawing/2014/main" id="{DDE4EAD7-0F0F-56FF-09D0-4E490CAC9307}"/>
-              </a:ext>
-            </a:extLst>
-          </p:cNvPr>
-          <p:cNvSpPr>
-            <a:spLocks noGrp="1"/>
-          </p:cNvSpPr>
-          <p:nvPr>
-            <p:ph idx="1"/>
-          </p:nvPr>
-        </p:nvSpPr>
-        <p:spPr>
-          <a:xfrm>
-            <a:off x="1069848" y="2121408"/>
-            <a:ext cx="10058400" cy="2238321"/>
-          </a:xfrm>
-        </p:spPr>
-        <p:txBody>
-          <a:bodyPr>
-            <a:noAutofit/>
-          </a:bodyPr>
-          <a:lstStyle/>
-          <a:p>
-            <a:pPr algn="just"/>
-            <a:r>
-              <a:rPr lang="es-ES" dirty="0"/>
-              <a:t>Un sistema que a partir de datos proporcionados pudiera generar o construir automáticamente la estructura de conocimiento.</a:t>
-            </a:r>
-          </a:p>
-          <a:p>
-            <a:pPr marL="0" indent="0" algn="just">
-              <a:buNone/>
-            </a:pPr>
-            <a:endParaRPr lang="es-ES" dirty="0"/>
-          </a:p>
-          <a:p>
-            <a:pPr algn="just"/>
-            <a:r>
-              <a:rPr lang="es-ES" dirty="0"/>
-              <a:t>La investigación también permitió saber el cómo lograr la construcción automática de asistentes virtuales.</a:t>
-            </a:r>
-          </a:p>
-          <a:p>
-            <a:pPr algn="just"/>
-            <a:endParaRPr lang="es-ES" dirty="0"/>
-          </a:p>
-          <a:p>
-            <a:pPr algn="just"/>
-            <a:r>
-              <a:rPr lang="es-ES" dirty="0"/>
-              <a:t>Además se logró evidenciar las facilidades que brinda este tipo de solución en el desarrollo de asistentes virtuales.</a:t>
-            </a:r>
-          </a:p>
-        </p:txBody>
-      </p:sp>
-      <p:sp>
-        <p:nvSpPr>
-          <p:cNvPr id="7" name="Marcador de número de diapositiva 6">
-            <a:extLst>
-              <a:ext uri="{FF2B5EF4-FFF2-40B4-BE49-F238E27FC236}">
-                <a16:creationId xmlns:a16="http://schemas.microsoft.com/office/drawing/2014/main" id="{1F875B6C-7B64-7D05-46F7-92CEA2F17BC6}"/>
-              </a:ext>
-            </a:extLst>
-          </p:cNvPr>
-          <p:cNvSpPr>
-            <a:spLocks noGrp="1"/>
-          </p:cNvSpPr>
-          <p:nvPr>
-            <p:ph type="sldNum" sz="quarter" idx="12"/>
-          </p:nvPr>
-        </p:nvSpPr>
-        <p:spPr/>
-        <p:txBody>
-          <a:bodyPr/>
-          <a:lstStyle/>
-          <a:p>
-            <a:r>
-              <a:rPr lang="es-ES" dirty="0"/>
-              <a:t>8</a:t>
-            </a:r>
-          </a:p>
-        </p:txBody>
-      </p:sp>
-    </p:spTree>
-    <p:extLst>
-      <p:ext uri="{BB962C8B-B14F-4D97-AF65-F5344CB8AC3E}">
-        <p14:creationId xmlns:p14="http://schemas.microsoft.com/office/powerpoint/2010/main" val="931240880"/>
       </p:ext>
     </p:extLst>
   </p:cSld>
